--- a/PAPERWORK/BUAA Thesis Undergraduate - CoHE/figure/Presentation2.pptx
+++ b/PAPERWORK/BUAA Thesis Undergraduate - CoHE/figure/Presentation2.pptx
@@ -2,19 +2,19 @@
 <file path=ppt/presentation.xml><?xml version="1.0" encoding="utf-8"?>
 <p:presentation xmlns:a="http://schemas.openxmlformats.org/drawingml/2006/main" xmlns:r="http://schemas.openxmlformats.org/officeDocument/2006/relationships" xmlns:p="http://schemas.openxmlformats.org/presentationml/2006/main" saveSubsetFonts="1" autoCompressPictures="0">
   <p:sldMasterIdLst>
-    <p:sldMasterId id="2147483648" r:id="rId1"/>
+    <p:sldMasterId id="2147483660" r:id="rId1"/>
   </p:sldMasterIdLst>
   <p:sldIdLst>
     <p:sldId id="256" r:id="rId2"/>
     <p:sldId id="257" r:id="rId3"/>
   </p:sldIdLst>
-  <p:sldSz cx="12192000" cy="6858000"/>
+  <p:sldSz cx="18313400" cy="6858000"/>
   <p:notesSz cx="6858000" cy="9144000"/>
   <p:defaultTextStyle>
     <a:defPPr>
-      <a:defRPr lang="en-CN"/>
+      <a:defRPr lang="en-US"/>
     </a:defPPr>
-    <a:lvl1pPr marL="0" algn="l" defTabSz="914400" rtl="0" eaLnBrk="1" latinLnBrk="0" hangingPunct="1">
+    <a:lvl1pPr marL="0" algn="l" defTabSz="457200" rtl="0" eaLnBrk="1" latinLnBrk="0" hangingPunct="1">
       <a:defRPr sz="1800" kern="1200">
         <a:solidFill>
           <a:schemeClr val="tx1"/>
@@ -24,7 +24,7 @@
         <a:cs typeface="+mn-cs"/>
       </a:defRPr>
     </a:lvl1pPr>
-    <a:lvl2pPr marL="457200" algn="l" defTabSz="914400" rtl="0" eaLnBrk="1" latinLnBrk="0" hangingPunct="1">
+    <a:lvl2pPr marL="457200" algn="l" defTabSz="457200" rtl="0" eaLnBrk="1" latinLnBrk="0" hangingPunct="1">
       <a:defRPr sz="1800" kern="1200">
         <a:solidFill>
           <a:schemeClr val="tx1"/>
@@ -34,7 +34,7 @@
         <a:cs typeface="+mn-cs"/>
       </a:defRPr>
     </a:lvl2pPr>
-    <a:lvl3pPr marL="914400" algn="l" defTabSz="914400" rtl="0" eaLnBrk="1" latinLnBrk="0" hangingPunct="1">
+    <a:lvl3pPr marL="914400" algn="l" defTabSz="457200" rtl="0" eaLnBrk="1" latinLnBrk="0" hangingPunct="1">
       <a:defRPr sz="1800" kern="1200">
         <a:solidFill>
           <a:schemeClr val="tx1"/>
@@ -44,7 +44,7 @@
         <a:cs typeface="+mn-cs"/>
       </a:defRPr>
     </a:lvl3pPr>
-    <a:lvl4pPr marL="1371600" algn="l" defTabSz="914400" rtl="0" eaLnBrk="1" latinLnBrk="0" hangingPunct="1">
+    <a:lvl4pPr marL="1371600" algn="l" defTabSz="457200" rtl="0" eaLnBrk="1" latinLnBrk="0" hangingPunct="1">
       <a:defRPr sz="1800" kern="1200">
         <a:solidFill>
           <a:schemeClr val="tx1"/>
@@ -54,7 +54,7 @@
         <a:cs typeface="+mn-cs"/>
       </a:defRPr>
     </a:lvl4pPr>
-    <a:lvl5pPr marL="1828800" algn="l" defTabSz="914400" rtl="0" eaLnBrk="1" latinLnBrk="0" hangingPunct="1">
+    <a:lvl5pPr marL="1828800" algn="l" defTabSz="457200" rtl="0" eaLnBrk="1" latinLnBrk="0" hangingPunct="1">
       <a:defRPr sz="1800" kern="1200">
         <a:solidFill>
           <a:schemeClr val="tx1"/>
@@ -64,7 +64,7 @@
         <a:cs typeface="+mn-cs"/>
       </a:defRPr>
     </a:lvl5pPr>
-    <a:lvl6pPr marL="2286000" algn="l" defTabSz="914400" rtl="0" eaLnBrk="1" latinLnBrk="0" hangingPunct="1">
+    <a:lvl6pPr marL="2286000" algn="l" defTabSz="457200" rtl="0" eaLnBrk="1" latinLnBrk="0" hangingPunct="1">
       <a:defRPr sz="1800" kern="1200">
         <a:solidFill>
           <a:schemeClr val="tx1"/>
@@ -74,7 +74,7 @@
         <a:cs typeface="+mn-cs"/>
       </a:defRPr>
     </a:lvl6pPr>
-    <a:lvl7pPr marL="2743200" algn="l" defTabSz="914400" rtl="0" eaLnBrk="1" latinLnBrk="0" hangingPunct="1">
+    <a:lvl7pPr marL="2743200" algn="l" defTabSz="457200" rtl="0" eaLnBrk="1" latinLnBrk="0" hangingPunct="1">
       <a:defRPr sz="1800" kern="1200">
         <a:solidFill>
           <a:schemeClr val="tx1"/>
@@ -84,7 +84,7 @@
         <a:cs typeface="+mn-cs"/>
       </a:defRPr>
     </a:lvl7pPr>
-    <a:lvl8pPr marL="3200400" algn="l" defTabSz="914400" rtl="0" eaLnBrk="1" latinLnBrk="0" hangingPunct="1">
+    <a:lvl8pPr marL="3200400" algn="l" defTabSz="457200" rtl="0" eaLnBrk="1" latinLnBrk="0" hangingPunct="1">
       <a:defRPr sz="1800" kern="1200">
         <a:solidFill>
           <a:schemeClr val="tx1"/>
@@ -94,7 +94,7 @@
         <a:cs typeface="+mn-cs"/>
       </a:defRPr>
     </a:lvl8pPr>
-    <a:lvl9pPr marL="3657600" algn="l" defTabSz="914400" rtl="0" eaLnBrk="1" latinLnBrk="0" hangingPunct="1">
+    <a:lvl9pPr marL="3657600" algn="l" defTabSz="457200" rtl="0" eaLnBrk="1" latinLnBrk="0" hangingPunct="1">
       <a:defRPr sz="1800" kern="1200">
         <a:solidFill>
           <a:schemeClr val="tx1"/>
@@ -105,6 +105,11 @@
       </a:defRPr>
     </a:lvl9pPr>
   </p:defaultTextStyle>
+  <p:extLst>
+    <p:ext uri="{EFAFB233-063F-42B5-8137-9DF3F51BA10A}">
+      <p15:sldGuideLst xmlns:p15="http://schemas.microsoft.com/office/powerpoint/2012/main"/>
+    </p:ext>
+  </p:extLst>
 </p:presentation>
 </file>
 
@@ -127,13 +132,7 @@
       </p:grpSpPr>
       <p:sp>
         <p:nvSpPr>
-          <p:cNvPr id="2" name="Title 1">
-            <a:extLst>
-              <a:ext uri="{FF2B5EF4-FFF2-40B4-BE49-F238E27FC236}">
-                <a16:creationId xmlns:a16="http://schemas.microsoft.com/office/drawing/2014/main" id="{518A8225-EE33-5A4F-2A4C-3A8984463304}"/>
-              </a:ext>
-            </a:extLst>
-          </p:cNvPr>
+          <p:cNvPr id="2" name="Title 1"/>
           <p:cNvSpPr>
             <a:spLocks noGrp="1"/>
           </p:cNvSpPr>
@@ -143,8 +142,8 @@
         </p:nvSpPr>
         <p:spPr>
           <a:xfrm>
-            <a:off x="1524000" y="1122363"/>
-            <a:ext cx="9144000" cy="2387600"/>
+            <a:off x="2289175" y="1122363"/>
+            <a:ext cx="13735050" cy="2387600"/>
           </a:xfrm>
         </p:spPr>
         <p:txBody>
@@ -159,19 +158,13 @@
               <a:rPr lang="en-US"/>
               <a:t>Click to edit Master title style</a:t>
             </a:r>
-            <a:endParaRPr lang="en-CN"/>
+            <a:endParaRPr lang="en-US" dirty="0"/>
           </a:p>
         </p:txBody>
       </p:sp>
       <p:sp>
         <p:nvSpPr>
-          <p:cNvPr id="3" name="Subtitle 2">
-            <a:extLst>
-              <a:ext uri="{FF2B5EF4-FFF2-40B4-BE49-F238E27FC236}">
-                <a16:creationId xmlns:a16="http://schemas.microsoft.com/office/drawing/2014/main" id="{23595E9F-8018-D0FE-F705-4272DE6CD9CF}"/>
-              </a:ext>
-            </a:extLst>
-          </p:cNvPr>
+          <p:cNvPr id="3" name="Subtitle 2"/>
           <p:cNvSpPr>
             <a:spLocks noGrp="1"/>
           </p:cNvSpPr>
@@ -181,8 +174,8 @@
         </p:nvSpPr>
         <p:spPr>
           <a:xfrm>
-            <a:off x="1524000" y="3602038"/>
-            <a:ext cx="9144000" cy="1655762"/>
+            <a:off x="2289175" y="3602038"/>
+            <a:ext cx="13735050" cy="1655762"/>
           </a:xfrm>
         </p:spPr>
         <p:txBody>
@@ -230,19 +223,13 @@
               <a:rPr lang="en-US"/>
               <a:t>Click to edit Master subtitle style</a:t>
             </a:r>
-            <a:endParaRPr lang="en-CN"/>
+            <a:endParaRPr lang="en-US" dirty="0"/>
           </a:p>
         </p:txBody>
       </p:sp>
       <p:sp>
         <p:nvSpPr>
-          <p:cNvPr id="4" name="Date Placeholder 3">
-            <a:extLst>
-              <a:ext uri="{FF2B5EF4-FFF2-40B4-BE49-F238E27FC236}">
-                <a16:creationId xmlns:a16="http://schemas.microsoft.com/office/drawing/2014/main" id="{11748DE2-103B-2C42-A28A-DC46BF3701CF}"/>
-              </a:ext>
-            </a:extLst>
-          </p:cNvPr>
+          <p:cNvPr id="4" name="Date Placeholder 3"/>
           <p:cNvSpPr>
             <a:spLocks noGrp="1"/>
           </p:cNvSpPr>
@@ -257,7 +244,7 @@
           <a:p>
             <a:fld id="{590F4E7E-A565-9A42-829F-FA3A8EC4ABA5}" type="datetimeFigureOut">
               <a:rPr lang="en-CN" smtClean="0"/>
-              <a:t>2023/5/10</a:t>
+              <a:t>2023/5/22</a:t>
             </a:fld>
             <a:endParaRPr lang="en-CN"/>
           </a:p>
@@ -265,13 +252,7 @@
       </p:sp>
       <p:sp>
         <p:nvSpPr>
-          <p:cNvPr id="5" name="Footer Placeholder 4">
-            <a:extLst>
-              <a:ext uri="{FF2B5EF4-FFF2-40B4-BE49-F238E27FC236}">
-                <a16:creationId xmlns:a16="http://schemas.microsoft.com/office/drawing/2014/main" id="{198A57C1-831F-BB74-6302-01F4EA9AB3FC}"/>
-              </a:ext>
-            </a:extLst>
-          </p:cNvPr>
+          <p:cNvPr id="5" name="Footer Placeholder 4"/>
           <p:cNvSpPr>
             <a:spLocks noGrp="1"/>
           </p:cNvSpPr>
@@ -290,13 +271,7 @@
       </p:sp>
       <p:sp>
         <p:nvSpPr>
-          <p:cNvPr id="6" name="Slide Number Placeholder 5">
-            <a:extLst>
-              <a:ext uri="{FF2B5EF4-FFF2-40B4-BE49-F238E27FC236}">
-                <a16:creationId xmlns:a16="http://schemas.microsoft.com/office/drawing/2014/main" id="{634A63A3-E375-2F2D-980E-0D47C064D975}"/>
-              </a:ext>
-            </a:extLst>
-          </p:cNvPr>
+          <p:cNvPr id="6" name="Slide Number Placeholder 5"/>
           <p:cNvSpPr>
             <a:spLocks noGrp="1"/>
           </p:cNvSpPr>
@@ -320,7 +295,7 @@
     </p:spTree>
     <p:extLst>
       <p:ext uri="{BB962C8B-B14F-4D97-AF65-F5344CB8AC3E}">
-        <p14:creationId xmlns:p14="http://schemas.microsoft.com/office/powerpoint/2010/main" val="1713728354"/>
+        <p14:creationId xmlns:p14="http://schemas.microsoft.com/office/powerpoint/2010/main" val="1909058114"/>
       </p:ext>
     </p:extLst>
   </p:cSld>
@@ -349,13 +324,7 @@
       </p:grpSpPr>
       <p:sp>
         <p:nvSpPr>
-          <p:cNvPr id="2" name="Title 1">
-            <a:extLst>
-              <a:ext uri="{FF2B5EF4-FFF2-40B4-BE49-F238E27FC236}">
-                <a16:creationId xmlns:a16="http://schemas.microsoft.com/office/drawing/2014/main" id="{6C05DF7E-54B4-C8F0-8A5A-501DB943E0B1}"/>
-              </a:ext>
-            </a:extLst>
-          </p:cNvPr>
+          <p:cNvPr id="2" name="Title 1"/>
           <p:cNvSpPr>
             <a:spLocks noGrp="1"/>
           </p:cNvSpPr>
@@ -372,19 +341,13 @@
               <a:rPr lang="en-US"/>
               <a:t>Click to edit Master title style</a:t>
             </a:r>
-            <a:endParaRPr lang="en-CN"/>
+            <a:endParaRPr lang="en-US" dirty="0"/>
           </a:p>
         </p:txBody>
       </p:sp>
       <p:sp>
         <p:nvSpPr>
-          <p:cNvPr id="3" name="Vertical Text Placeholder 2">
-            <a:extLst>
-              <a:ext uri="{FF2B5EF4-FFF2-40B4-BE49-F238E27FC236}">
-                <a16:creationId xmlns:a16="http://schemas.microsoft.com/office/drawing/2014/main" id="{83E2DBF7-C1D0-CE5C-1C72-8CE3F70344C0}"/>
-              </a:ext>
-            </a:extLst>
-          </p:cNvPr>
+          <p:cNvPr id="3" name="Vertical Text Placeholder 2"/>
           <p:cNvSpPr>
             <a:spLocks noGrp="1"/>
           </p:cNvSpPr>
@@ -430,19 +393,13 @@
               <a:rPr lang="en-US"/>
               <a:t>Fifth level</a:t>
             </a:r>
-            <a:endParaRPr lang="en-CN"/>
+            <a:endParaRPr lang="en-US" dirty="0"/>
           </a:p>
         </p:txBody>
       </p:sp>
       <p:sp>
         <p:nvSpPr>
-          <p:cNvPr id="4" name="Date Placeholder 3">
-            <a:extLst>
-              <a:ext uri="{FF2B5EF4-FFF2-40B4-BE49-F238E27FC236}">
-                <a16:creationId xmlns:a16="http://schemas.microsoft.com/office/drawing/2014/main" id="{7A0C838F-58BB-8E0D-681A-B341FB06BADD}"/>
-              </a:ext>
-            </a:extLst>
-          </p:cNvPr>
+          <p:cNvPr id="4" name="Date Placeholder 3"/>
           <p:cNvSpPr>
             <a:spLocks noGrp="1"/>
           </p:cNvSpPr>
@@ -457,7 +414,7 @@
           <a:p>
             <a:fld id="{590F4E7E-A565-9A42-829F-FA3A8EC4ABA5}" type="datetimeFigureOut">
               <a:rPr lang="en-CN" smtClean="0"/>
-              <a:t>2023/5/10</a:t>
+              <a:t>2023/5/22</a:t>
             </a:fld>
             <a:endParaRPr lang="en-CN"/>
           </a:p>
@@ -465,13 +422,7 @@
       </p:sp>
       <p:sp>
         <p:nvSpPr>
-          <p:cNvPr id="5" name="Footer Placeholder 4">
-            <a:extLst>
-              <a:ext uri="{FF2B5EF4-FFF2-40B4-BE49-F238E27FC236}">
-                <a16:creationId xmlns:a16="http://schemas.microsoft.com/office/drawing/2014/main" id="{BA35FE69-2D12-B4A3-E235-604634E2382A}"/>
-              </a:ext>
-            </a:extLst>
-          </p:cNvPr>
+          <p:cNvPr id="5" name="Footer Placeholder 4"/>
           <p:cNvSpPr>
             <a:spLocks noGrp="1"/>
           </p:cNvSpPr>
@@ -490,13 +441,7 @@
       </p:sp>
       <p:sp>
         <p:nvSpPr>
-          <p:cNvPr id="6" name="Slide Number Placeholder 5">
-            <a:extLst>
-              <a:ext uri="{FF2B5EF4-FFF2-40B4-BE49-F238E27FC236}">
-                <a16:creationId xmlns:a16="http://schemas.microsoft.com/office/drawing/2014/main" id="{E14E20DF-D4EF-5B46-B512-F377012EB9CC}"/>
-              </a:ext>
-            </a:extLst>
-          </p:cNvPr>
+          <p:cNvPr id="6" name="Slide Number Placeholder 5"/>
           <p:cNvSpPr>
             <a:spLocks noGrp="1"/>
           </p:cNvSpPr>
@@ -520,7 +465,7 @@
     </p:spTree>
     <p:extLst>
       <p:ext uri="{BB962C8B-B14F-4D97-AF65-F5344CB8AC3E}">
-        <p14:creationId xmlns:p14="http://schemas.microsoft.com/office/powerpoint/2010/main" val="472632273"/>
+        <p14:creationId xmlns:p14="http://schemas.microsoft.com/office/powerpoint/2010/main" val="1018121541"/>
       </p:ext>
     </p:extLst>
   </p:cSld>
@@ -549,13 +494,7 @@
       </p:grpSpPr>
       <p:sp>
         <p:nvSpPr>
-          <p:cNvPr id="2" name="Vertical Title 1">
-            <a:extLst>
-              <a:ext uri="{FF2B5EF4-FFF2-40B4-BE49-F238E27FC236}">
-                <a16:creationId xmlns:a16="http://schemas.microsoft.com/office/drawing/2014/main" id="{2AFF962A-A523-884D-71F7-AA4033484064}"/>
-              </a:ext>
-            </a:extLst>
-          </p:cNvPr>
+          <p:cNvPr id="2" name="Vertical Title 1"/>
           <p:cNvSpPr>
             <a:spLocks noGrp="1"/>
           </p:cNvSpPr>
@@ -565,8 +504,8 @@
         </p:nvSpPr>
         <p:spPr>
           <a:xfrm>
-            <a:off x="8724900" y="365125"/>
-            <a:ext cx="2628900" cy="5811838"/>
+            <a:off x="13105527" y="365125"/>
+            <a:ext cx="3948827" cy="5811838"/>
           </a:xfrm>
         </p:spPr>
         <p:txBody>
@@ -577,19 +516,13 @@
               <a:rPr lang="en-US"/>
               <a:t>Click to edit Master title style</a:t>
             </a:r>
-            <a:endParaRPr lang="en-CN"/>
+            <a:endParaRPr lang="en-US" dirty="0"/>
           </a:p>
         </p:txBody>
       </p:sp>
       <p:sp>
         <p:nvSpPr>
-          <p:cNvPr id="3" name="Vertical Text Placeholder 2">
-            <a:extLst>
-              <a:ext uri="{FF2B5EF4-FFF2-40B4-BE49-F238E27FC236}">
-                <a16:creationId xmlns:a16="http://schemas.microsoft.com/office/drawing/2014/main" id="{7E924E6F-D8A9-3411-99E5-BBF46FF58316}"/>
-              </a:ext>
-            </a:extLst>
-          </p:cNvPr>
+          <p:cNvPr id="3" name="Vertical Text Placeholder 2"/>
           <p:cNvSpPr>
             <a:spLocks noGrp="1"/>
           </p:cNvSpPr>
@@ -599,8 +532,8 @@
         </p:nvSpPr>
         <p:spPr>
           <a:xfrm>
-            <a:off x="838200" y="365125"/>
-            <a:ext cx="7734300" cy="5811838"/>
+            <a:off x="1259046" y="365125"/>
+            <a:ext cx="11617563" cy="5811838"/>
           </a:xfrm>
         </p:spPr>
         <p:txBody>
@@ -640,19 +573,13 @@
               <a:rPr lang="en-US"/>
               <a:t>Fifth level</a:t>
             </a:r>
-            <a:endParaRPr lang="en-CN"/>
+            <a:endParaRPr lang="en-US" dirty="0"/>
           </a:p>
         </p:txBody>
       </p:sp>
       <p:sp>
         <p:nvSpPr>
-          <p:cNvPr id="4" name="Date Placeholder 3">
-            <a:extLst>
-              <a:ext uri="{FF2B5EF4-FFF2-40B4-BE49-F238E27FC236}">
-                <a16:creationId xmlns:a16="http://schemas.microsoft.com/office/drawing/2014/main" id="{8E4BEE56-A7E9-ED54-C4CE-8CFBBDF23E92}"/>
-              </a:ext>
-            </a:extLst>
-          </p:cNvPr>
+          <p:cNvPr id="4" name="Date Placeholder 3"/>
           <p:cNvSpPr>
             <a:spLocks noGrp="1"/>
           </p:cNvSpPr>
@@ -667,7 +594,7 @@
           <a:p>
             <a:fld id="{590F4E7E-A565-9A42-829F-FA3A8EC4ABA5}" type="datetimeFigureOut">
               <a:rPr lang="en-CN" smtClean="0"/>
-              <a:t>2023/5/10</a:t>
+              <a:t>2023/5/22</a:t>
             </a:fld>
             <a:endParaRPr lang="en-CN"/>
           </a:p>
@@ -675,13 +602,7 @@
       </p:sp>
       <p:sp>
         <p:nvSpPr>
-          <p:cNvPr id="5" name="Footer Placeholder 4">
-            <a:extLst>
-              <a:ext uri="{FF2B5EF4-FFF2-40B4-BE49-F238E27FC236}">
-                <a16:creationId xmlns:a16="http://schemas.microsoft.com/office/drawing/2014/main" id="{8603980F-BAC6-23EF-9693-A20DBF7D15CC}"/>
-              </a:ext>
-            </a:extLst>
-          </p:cNvPr>
+          <p:cNvPr id="5" name="Footer Placeholder 4"/>
           <p:cNvSpPr>
             <a:spLocks noGrp="1"/>
           </p:cNvSpPr>
@@ -700,13 +621,7 @@
       </p:sp>
       <p:sp>
         <p:nvSpPr>
-          <p:cNvPr id="6" name="Slide Number Placeholder 5">
-            <a:extLst>
-              <a:ext uri="{FF2B5EF4-FFF2-40B4-BE49-F238E27FC236}">
-                <a16:creationId xmlns:a16="http://schemas.microsoft.com/office/drawing/2014/main" id="{18551426-9220-8876-4E3C-95BFB2D18C8E}"/>
-              </a:ext>
-            </a:extLst>
-          </p:cNvPr>
+          <p:cNvPr id="6" name="Slide Number Placeholder 5"/>
           <p:cNvSpPr>
             <a:spLocks noGrp="1"/>
           </p:cNvSpPr>
@@ -730,7 +645,7 @@
     </p:spTree>
     <p:extLst>
       <p:ext uri="{BB962C8B-B14F-4D97-AF65-F5344CB8AC3E}">
-        <p14:creationId xmlns:p14="http://schemas.microsoft.com/office/powerpoint/2010/main" val="3485215706"/>
+        <p14:creationId xmlns:p14="http://schemas.microsoft.com/office/powerpoint/2010/main" val="1488082551"/>
       </p:ext>
     </p:extLst>
   </p:cSld>
@@ -759,13 +674,7 @@
       </p:grpSpPr>
       <p:sp>
         <p:nvSpPr>
-          <p:cNvPr id="2" name="Title 1">
-            <a:extLst>
-              <a:ext uri="{FF2B5EF4-FFF2-40B4-BE49-F238E27FC236}">
-                <a16:creationId xmlns:a16="http://schemas.microsoft.com/office/drawing/2014/main" id="{B50A4E9C-E7EB-DE89-3E99-BC89FD3A6F97}"/>
-              </a:ext>
-            </a:extLst>
-          </p:cNvPr>
+          <p:cNvPr id="2" name="Title 1"/>
           <p:cNvSpPr>
             <a:spLocks noGrp="1"/>
           </p:cNvSpPr>
@@ -782,19 +691,13 @@
               <a:rPr lang="en-US"/>
               <a:t>Click to edit Master title style</a:t>
             </a:r>
-            <a:endParaRPr lang="en-CN"/>
+            <a:endParaRPr lang="en-US" dirty="0"/>
           </a:p>
         </p:txBody>
       </p:sp>
       <p:sp>
         <p:nvSpPr>
-          <p:cNvPr id="3" name="Content Placeholder 2">
-            <a:extLst>
-              <a:ext uri="{FF2B5EF4-FFF2-40B4-BE49-F238E27FC236}">
-                <a16:creationId xmlns:a16="http://schemas.microsoft.com/office/drawing/2014/main" id="{1B61D12C-9D6C-D7C2-659A-9717CF9F5714}"/>
-              </a:ext>
-            </a:extLst>
-          </p:cNvPr>
+          <p:cNvPr id="3" name="Content Placeholder 2"/>
           <p:cNvSpPr>
             <a:spLocks noGrp="1"/>
           </p:cNvSpPr>
@@ -840,19 +743,13 @@
               <a:rPr lang="en-US"/>
               <a:t>Fifth level</a:t>
             </a:r>
-            <a:endParaRPr lang="en-CN"/>
+            <a:endParaRPr lang="en-US" dirty="0"/>
           </a:p>
         </p:txBody>
       </p:sp>
       <p:sp>
         <p:nvSpPr>
-          <p:cNvPr id="4" name="Date Placeholder 3">
-            <a:extLst>
-              <a:ext uri="{FF2B5EF4-FFF2-40B4-BE49-F238E27FC236}">
-                <a16:creationId xmlns:a16="http://schemas.microsoft.com/office/drawing/2014/main" id="{F03CB80B-8B9F-EA49-8F11-E83A853EB79E}"/>
-              </a:ext>
-            </a:extLst>
-          </p:cNvPr>
+          <p:cNvPr id="4" name="Date Placeholder 3"/>
           <p:cNvSpPr>
             <a:spLocks noGrp="1"/>
           </p:cNvSpPr>
@@ -867,7 +764,7 @@
           <a:p>
             <a:fld id="{590F4E7E-A565-9A42-829F-FA3A8EC4ABA5}" type="datetimeFigureOut">
               <a:rPr lang="en-CN" smtClean="0"/>
-              <a:t>2023/5/10</a:t>
+              <a:t>2023/5/22</a:t>
             </a:fld>
             <a:endParaRPr lang="en-CN"/>
           </a:p>
@@ -875,13 +772,7 @@
       </p:sp>
       <p:sp>
         <p:nvSpPr>
-          <p:cNvPr id="5" name="Footer Placeholder 4">
-            <a:extLst>
-              <a:ext uri="{FF2B5EF4-FFF2-40B4-BE49-F238E27FC236}">
-                <a16:creationId xmlns:a16="http://schemas.microsoft.com/office/drawing/2014/main" id="{21F9135E-3536-FC75-0159-402CCDB09024}"/>
-              </a:ext>
-            </a:extLst>
-          </p:cNvPr>
+          <p:cNvPr id="5" name="Footer Placeholder 4"/>
           <p:cNvSpPr>
             <a:spLocks noGrp="1"/>
           </p:cNvSpPr>
@@ -900,13 +791,7 @@
       </p:sp>
       <p:sp>
         <p:nvSpPr>
-          <p:cNvPr id="6" name="Slide Number Placeholder 5">
-            <a:extLst>
-              <a:ext uri="{FF2B5EF4-FFF2-40B4-BE49-F238E27FC236}">
-                <a16:creationId xmlns:a16="http://schemas.microsoft.com/office/drawing/2014/main" id="{10D30AA8-86F6-00FC-E8AD-578A5B2C1F01}"/>
-              </a:ext>
-            </a:extLst>
-          </p:cNvPr>
+          <p:cNvPr id="6" name="Slide Number Placeholder 5"/>
           <p:cNvSpPr>
             <a:spLocks noGrp="1"/>
           </p:cNvSpPr>
@@ -930,7 +815,7 @@
     </p:spTree>
     <p:extLst>
       <p:ext uri="{BB962C8B-B14F-4D97-AF65-F5344CB8AC3E}">
-        <p14:creationId xmlns:p14="http://schemas.microsoft.com/office/powerpoint/2010/main" val="1389280706"/>
+        <p14:creationId xmlns:p14="http://schemas.microsoft.com/office/powerpoint/2010/main" val="3137011584"/>
       </p:ext>
     </p:extLst>
   </p:cSld>
@@ -959,13 +844,7 @@
       </p:grpSpPr>
       <p:sp>
         <p:nvSpPr>
-          <p:cNvPr id="2" name="Title 1">
-            <a:extLst>
-              <a:ext uri="{FF2B5EF4-FFF2-40B4-BE49-F238E27FC236}">
-                <a16:creationId xmlns:a16="http://schemas.microsoft.com/office/drawing/2014/main" id="{3D9C4950-CB7F-798F-8926-931624F1FBAC}"/>
-              </a:ext>
-            </a:extLst>
-          </p:cNvPr>
+          <p:cNvPr id="2" name="Title 1"/>
           <p:cNvSpPr>
             <a:spLocks noGrp="1"/>
           </p:cNvSpPr>
@@ -975,8 +854,8 @@
         </p:nvSpPr>
         <p:spPr>
           <a:xfrm>
-            <a:off x="831850" y="1709738"/>
-            <a:ext cx="10515600" cy="2852737"/>
+            <a:off x="1249508" y="1709739"/>
+            <a:ext cx="15795308" cy="2852737"/>
           </a:xfrm>
         </p:spPr>
         <p:txBody>
@@ -991,19 +870,13 @@
               <a:rPr lang="en-US"/>
               <a:t>Click to edit Master title style</a:t>
             </a:r>
-            <a:endParaRPr lang="en-CN"/>
+            <a:endParaRPr lang="en-US" dirty="0"/>
           </a:p>
         </p:txBody>
       </p:sp>
       <p:sp>
         <p:nvSpPr>
-          <p:cNvPr id="3" name="Text Placeholder 2">
-            <a:extLst>
-              <a:ext uri="{FF2B5EF4-FFF2-40B4-BE49-F238E27FC236}">
-                <a16:creationId xmlns:a16="http://schemas.microsoft.com/office/drawing/2014/main" id="{87ED7082-6FCB-88A4-7717-C7E12AD8C2C0}"/>
-              </a:ext>
-            </a:extLst>
-          </p:cNvPr>
+          <p:cNvPr id="3" name="Text Placeholder 2"/>
           <p:cNvSpPr>
             <a:spLocks noGrp="1"/>
           </p:cNvSpPr>
@@ -1013,8 +886,8 @@
         </p:nvSpPr>
         <p:spPr>
           <a:xfrm>
-            <a:off x="831850" y="4589463"/>
-            <a:ext cx="10515600" cy="1500187"/>
+            <a:off x="1249508" y="4589464"/>
+            <a:ext cx="15795308" cy="1500187"/>
           </a:xfrm>
         </p:spPr>
         <p:txBody>
@@ -1122,13 +995,7 @@
       </p:sp>
       <p:sp>
         <p:nvSpPr>
-          <p:cNvPr id="4" name="Date Placeholder 3">
-            <a:extLst>
-              <a:ext uri="{FF2B5EF4-FFF2-40B4-BE49-F238E27FC236}">
-                <a16:creationId xmlns:a16="http://schemas.microsoft.com/office/drawing/2014/main" id="{B91AF319-35AA-1989-814E-0BD951FB3FAE}"/>
-              </a:ext>
-            </a:extLst>
-          </p:cNvPr>
+          <p:cNvPr id="4" name="Date Placeholder 3"/>
           <p:cNvSpPr>
             <a:spLocks noGrp="1"/>
           </p:cNvSpPr>
@@ -1143,7 +1010,7 @@
           <a:p>
             <a:fld id="{590F4E7E-A565-9A42-829F-FA3A8EC4ABA5}" type="datetimeFigureOut">
               <a:rPr lang="en-CN" smtClean="0"/>
-              <a:t>2023/5/10</a:t>
+              <a:t>2023/5/22</a:t>
             </a:fld>
             <a:endParaRPr lang="en-CN"/>
           </a:p>
@@ -1151,13 +1018,7 @@
       </p:sp>
       <p:sp>
         <p:nvSpPr>
-          <p:cNvPr id="5" name="Footer Placeholder 4">
-            <a:extLst>
-              <a:ext uri="{FF2B5EF4-FFF2-40B4-BE49-F238E27FC236}">
-                <a16:creationId xmlns:a16="http://schemas.microsoft.com/office/drawing/2014/main" id="{8D61370D-EE1C-5E13-EB92-BF2249EC1FFD}"/>
-              </a:ext>
-            </a:extLst>
-          </p:cNvPr>
+          <p:cNvPr id="5" name="Footer Placeholder 4"/>
           <p:cNvSpPr>
             <a:spLocks noGrp="1"/>
           </p:cNvSpPr>
@@ -1176,13 +1037,7 @@
       </p:sp>
       <p:sp>
         <p:nvSpPr>
-          <p:cNvPr id="6" name="Slide Number Placeholder 5">
-            <a:extLst>
-              <a:ext uri="{FF2B5EF4-FFF2-40B4-BE49-F238E27FC236}">
-                <a16:creationId xmlns:a16="http://schemas.microsoft.com/office/drawing/2014/main" id="{6EB37938-711D-8837-914E-64A2FDFF059D}"/>
-              </a:ext>
-            </a:extLst>
-          </p:cNvPr>
+          <p:cNvPr id="6" name="Slide Number Placeholder 5"/>
           <p:cNvSpPr>
             <a:spLocks noGrp="1"/>
           </p:cNvSpPr>
@@ -1206,7 +1061,7 @@
     </p:spTree>
     <p:extLst>
       <p:ext uri="{BB962C8B-B14F-4D97-AF65-F5344CB8AC3E}">
-        <p14:creationId xmlns:p14="http://schemas.microsoft.com/office/powerpoint/2010/main" val="434977881"/>
+        <p14:creationId xmlns:p14="http://schemas.microsoft.com/office/powerpoint/2010/main" val="1388403466"/>
       </p:ext>
     </p:extLst>
   </p:cSld>
@@ -1235,13 +1090,7 @@
       </p:grpSpPr>
       <p:sp>
         <p:nvSpPr>
-          <p:cNvPr id="2" name="Title 1">
-            <a:extLst>
-              <a:ext uri="{FF2B5EF4-FFF2-40B4-BE49-F238E27FC236}">
-                <a16:creationId xmlns:a16="http://schemas.microsoft.com/office/drawing/2014/main" id="{DE8791EE-7AD8-EAEB-5925-8AE3B877DCC2}"/>
-              </a:ext>
-            </a:extLst>
-          </p:cNvPr>
+          <p:cNvPr id="2" name="Title 1"/>
           <p:cNvSpPr>
             <a:spLocks noGrp="1"/>
           </p:cNvSpPr>
@@ -1258,19 +1107,13 @@
               <a:rPr lang="en-US"/>
               <a:t>Click to edit Master title style</a:t>
             </a:r>
-            <a:endParaRPr lang="en-CN"/>
+            <a:endParaRPr lang="en-US" dirty="0"/>
           </a:p>
         </p:txBody>
       </p:sp>
       <p:sp>
         <p:nvSpPr>
-          <p:cNvPr id="3" name="Content Placeholder 2">
-            <a:extLst>
-              <a:ext uri="{FF2B5EF4-FFF2-40B4-BE49-F238E27FC236}">
-                <a16:creationId xmlns:a16="http://schemas.microsoft.com/office/drawing/2014/main" id="{887FF0D6-461B-4CBF-9BDA-548D5493C65C}"/>
-              </a:ext>
-            </a:extLst>
-          </p:cNvPr>
+          <p:cNvPr id="3" name="Content Placeholder 2"/>
           <p:cNvSpPr>
             <a:spLocks noGrp="1"/>
           </p:cNvSpPr>
@@ -1280,8 +1123,8 @@
         </p:nvSpPr>
         <p:spPr>
           <a:xfrm>
-            <a:off x="838200" y="1825625"/>
-            <a:ext cx="5181600" cy="4351338"/>
+            <a:off x="1259046" y="1825625"/>
+            <a:ext cx="7783195" cy="4351338"/>
           </a:xfrm>
         </p:spPr>
         <p:txBody>
@@ -1321,19 +1164,13 @@
               <a:rPr lang="en-US"/>
               <a:t>Fifth level</a:t>
             </a:r>
-            <a:endParaRPr lang="en-CN"/>
+            <a:endParaRPr lang="en-US" dirty="0"/>
           </a:p>
         </p:txBody>
       </p:sp>
       <p:sp>
         <p:nvSpPr>
-          <p:cNvPr id="4" name="Content Placeholder 3">
-            <a:extLst>
-              <a:ext uri="{FF2B5EF4-FFF2-40B4-BE49-F238E27FC236}">
-                <a16:creationId xmlns:a16="http://schemas.microsoft.com/office/drawing/2014/main" id="{E2DC03DA-8D5F-5B23-D940-AD31D82C6428}"/>
-              </a:ext>
-            </a:extLst>
-          </p:cNvPr>
+          <p:cNvPr id="4" name="Content Placeholder 3"/>
           <p:cNvSpPr>
             <a:spLocks noGrp="1"/>
           </p:cNvSpPr>
@@ -1343,8 +1180,8 @@
         </p:nvSpPr>
         <p:spPr>
           <a:xfrm>
-            <a:off x="6172200" y="1825625"/>
-            <a:ext cx="5181600" cy="4351338"/>
+            <a:off x="9271159" y="1825625"/>
+            <a:ext cx="7783195" cy="4351338"/>
           </a:xfrm>
         </p:spPr>
         <p:txBody>
@@ -1384,19 +1221,13 @@
               <a:rPr lang="en-US"/>
               <a:t>Fifth level</a:t>
             </a:r>
-            <a:endParaRPr lang="en-CN"/>
+            <a:endParaRPr lang="en-US" dirty="0"/>
           </a:p>
         </p:txBody>
       </p:sp>
       <p:sp>
         <p:nvSpPr>
-          <p:cNvPr id="5" name="Date Placeholder 4">
-            <a:extLst>
-              <a:ext uri="{FF2B5EF4-FFF2-40B4-BE49-F238E27FC236}">
-                <a16:creationId xmlns:a16="http://schemas.microsoft.com/office/drawing/2014/main" id="{C7B2281E-B5DC-B0FA-B2A2-4DDBA2E69B87}"/>
-              </a:ext>
-            </a:extLst>
-          </p:cNvPr>
+          <p:cNvPr id="5" name="Date Placeholder 4"/>
           <p:cNvSpPr>
             <a:spLocks noGrp="1"/>
           </p:cNvSpPr>
@@ -1411,7 +1242,7 @@
           <a:p>
             <a:fld id="{590F4E7E-A565-9A42-829F-FA3A8EC4ABA5}" type="datetimeFigureOut">
               <a:rPr lang="en-CN" smtClean="0"/>
-              <a:t>2023/5/10</a:t>
+              <a:t>2023/5/22</a:t>
             </a:fld>
             <a:endParaRPr lang="en-CN"/>
           </a:p>
@@ -1419,13 +1250,7 @@
       </p:sp>
       <p:sp>
         <p:nvSpPr>
-          <p:cNvPr id="6" name="Footer Placeholder 5">
-            <a:extLst>
-              <a:ext uri="{FF2B5EF4-FFF2-40B4-BE49-F238E27FC236}">
-                <a16:creationId xmlns:a16="http://schemas.microsoft.com/office/drawing/2014/main" id="{3611289C-A979-259D-F2F9-6CF04B28A380}"/>
-              </a:ext>
-            </a:extLst>
-          </p:cNvPr>
+          <p:cNvPr id="6" name="Footer Placeholder 5"/>
           <p:cNvSpPr>
             <a:spLocks noGrp="1"/>
           </p:cNvSpPr>
@@ -1444,13 +1269,7 @@
       </p:sp>
       <p:sp>
         <p:nvSpPr>
-          <p:cNvPr id="7" name="Slide Number Placeholder 6">
-            <a:extLst>
-              <a:ext uri="{FF2B5EF4-FFF2-40B4-BE49-F238E27FC236}">
-                <a16:creationId xmlns:a16="http://schemas.microsoft.com/office/drawing/2014/main" id="{E871C195-C26D-3F2B-E9CE-83E039AEDB7E}"/>
-              </a:ext>
-            </a:extLst>
-          </p:cNvPr>
+          <p:cNvPr id="7" name="Slide Number Placeholder 6"/>
           <p:cNvSpPr>
             <a:spLocks noGrp="1"/>
           </p:cNvSpPr>
@@ -1474,7 +1293,7 @@
     </p:spTree>
     <p:extLst>
       <p:ext uri="{BB962C8B-B14F-4D97-AF65-F5344CB8AC3E}">
-        <p14:creationId xmlns:p14="http://schemas.microsoft.com/office/powerpoint/2010/main" val="1345859513"/>
+        <p14:creationId xmlns:p14="http://schemas.microsoft.com/office/powerpoint/2010/main" val="3806648932"/>
       </p:ext>
     </p:extLst>
   </p:cSld>
@@ -1503,13 +1322,7 @@
       </p:grpSpPr>
       <p:sp>
         <p:nvSpPr>
-          <p:cNvPr id="2" name="Title 1">
-            <a:extLst>
-              <a:ext uri="{FF2B5EF4-FFF2-40B4-BE49-F238E27FC236}">
-                <a16:creationId xmlns:a16="http://schemas.microsoft.com/office/drawing/2014/main" id="{50CCB6C5-564A-A000-E5E5-FD07CC28C86F}"/>
-              </a:ext>
-            </a:extLst>
-          </p:cNvPr>
+          <p:cNvPr id="2" name="Title 1"/>
           <p:cNvSpPr>
             <a:spLocks noGrp="1"/>
           </p:cNvSpPr>
@@ -1519,8 +1332,8 @@
         </p:nvSpPr>
         <p:spPr>
           <a:xfrm>
-            <a:off x="839788" y="365125"/>
-            <a:ext cx="10515600" cy="1325563"/>
+            <a:off x="1261431" y="365126"/>
+            <a:ext cx="15795308" cy="1325563"/>
           </a:xfrm>
         </p:spPr>
         <p:txBody>
@@ -1531,19 +1344,13 @@
               <a:rPr lang="en-US"/>
               <a:t>Click to edit Master title style</a:t>
             </a:r>
-            <a:endParaRPr lang="en-CN"/>
+            <a:endParaRPr lang="en-US" dirty="0"/>
           </a:p>
         </p:txBody>
       </p:sp>
       <p:sp>
         <p:nvSpPr>
-          <p:cNvPr id="3" name="Text Placeholder 2">
-            <a:extLst>
-              <a:ext uri="{FF2B5EF4-FFF2-40B4-BE49-F238E27FC236}">
-                <a16:creationId xmlns:a16="http://schemas.microsoft.com/office/drawing/2014/main" id="{033157EA-0141-83AF-DCC1-21B675C7A66A}"/>
-              </a:ext>
-            </a:extLst>
-          </p:cNvPr>
+          <p:cNvPr id="3" name="Text Placeholder 2"/>
           <p:cNvSpPr>
             <a:spLocks noGrp="1"/>
           </p:cNvSpPr>
@@ -1553,8 +1360,8 @@
         </p:nvSpPr>
         <p:spPr>
           <a:xfrm>
-            <a:off x="839788" y="1681163"/>
-            <a:ext cx="5157787" cy="823912"/>
+            <a:off x="1261432" y="1681163"/>
+            <a:ext cx="7747426" cy="823912"/>
           </a:xfrm>
         </p:spPr>
         <p:txBody>
@@ -1608,13 +1415,7 @@
       </p:sp>
       <p:sp>
         <p:nvSpPr>
-          <p:cNvPr id="4" name="Content Placeholder 3">
-            <a:extLst>
-              <a:ext uri="{FF2B5EF4-FFF2-40B4-BE49-F238E27FC236}">
-                <a16:creationId xmlns:a16="http://schemas.microsoft.com/office/drawing/2014/main" id="{91CCF361-8155-AB90-B330-E67E0069227C}"/>
-              </a:ext>
-            </a:extLst>
-          </p:cNvPr>
+          <p:cNvPr id="4" name="Content Placeholder 3"/>
           <p:cNvSpPr>
             <a:spLocks noGrp="1"/>
           </p:cNvSpPr>
@@ -1624,8 +1425,8 @@
         </p:nvSpPr>
         <p:spPr>
           <a:xfrm>
-            <a:off x="839788" y="2505075"/>
-            <a:ext cx="5157787" cy="3684588"/>
+            <a:off x="1261432" y="2505075"/>
+            <a:ext cx="7747426" cy="3684588"/>
           </a:xfrm>
         </p:spPr>
         <p:txBody>
@@ -1665,19 +1466,13 @@
               <a:rPr lang="en-US"/>
               <a:t>Fifth level</a:t>
             </a:r>
-            <a:endParaRPr lang="en-CN"/>
+            <a:endParaRPr lang="en-US" dirty="0"/>
           </a:p>
         </p:txBody>
       </p:sp>
       <p:sp>
         <p:nvSpPr>
-          <p:cNvPr id="5" name="Text Placeholder 4">
-            <a:extLst>
-              <a:ext uri="{FF2B5EF4-FFF2-40B4-BE49-F238E27FC236}">
-                <a16:creationId xmlns:a16="http://schemas.microsoft.com/office/drawing/2014/main" id="{5F64A2BC-6ADD-CE6C-CEEA-3C8463A53749}"/>
-              </a:ext>
-            </a:extLst>
-          </p:cNvPr>
+          <p:cNvPr id="5" name="Text Placeholder 4"/>
           <p:cNvSpPr>
             <a:spLocks noGrp="1"/>
           </p:cNvSpPr>
@@ -1687,8 +1482,8 @@
         </p:nvSpPr>
         <p:spPr>
           <a:xfrm>
-            <a:off x="6172200" y="1681163"/>
-            <a:ext cx="5183188" cy="823912"/>
+            <a:off x="9271159" y="1681163"/>
+            <a:ext cx="7785580" cy="823912"/>
           </a:xfrm>
         </p:spPr>
         <p:txBody>
@@ -1742,13 +1537,7 @@
       </p:sp>
       <p:sp>
         <p:nvSpPr>
-          <p:cNvPr id="6" name="Content Placeholder 5">
-            <a:extLst>
-              <a:ext uri="{FF2B5EF4-FFF2-40B4-BE49-F238E27FC236}">
-                <a16:creationId xmlns:a16="http://schemas.microsoft.com/office/drawing/2014/main" id="{30672A23-3F4E-1F22-3120-4A8E6F8CA78F}"/>
-              </a:ext>
-            </a:extLst>
-          </p:cNvPr>
+          <p:cNvPr id="6" name="Content Placeholder 5"/>
           <p:cNvSpPr>
             <a:spLocks noGrp="1"/>
           </p:cNvSpPr>
@@ -1758,8 +1547,8 @@
         </p:nvSpPr>
         <p:spPr>
           <a:xfrm>
-            <a:off x="6172200" y="2505075"/>
-            <a:ext cx="5183188" cy="3684588"/>
+            <a:off x="9271159" y="2505075"/>
+            <a:ext cx="7785580" cy="3684588"/>
           </a:xfrm>
         </p:spPr>
         <p:txBody>
@@ -1799,19 +1588,13 @@
               <a:rPr lang="en-US"/>
               <a:t>Fifth level</a:t>
             </a:r>
-            <a:endParaRPr lang="en-CN"/>
+            <a:endParaRPr lang="en-US" dirty="0"/>
           </a:p>
         </p:txBody>
       </p:sp>
       <p:sp>
         <p:nvSpPr>
-          <p:cNvPr id="7" name="Date Placeholder 6">
-            <a:extLst>
-              <a:ext uri="{FF2B5EF4-FFF2-40B4-BE49-F238E27FC236}">
-                <a16:creationId xmlns:a16="http://schemas.microsoft.com/office/drawing/2014/main" id="{B6F6D46F-B38B-F44F-F589-6B3946093078}"/>
-              </a:ext>
-            </a:extLst>
-          </p:cNvPr>
+          <p:cNvPr id="7" name="Date Placeholder 6"/>
           <p:cNvSpPr>
             <a:spLocks noGrp="1"/>
           </p:cNvSpPr>
@@ -1826,7 +1609,7 @@
           <a:p>
             <a:fld id="{590F4E7E-A565-9A42-829F-FA3A8EC4ABA5}" type="datetimeFigureOut">
               <a:rPr lang="en-CN" smtClean="0"/>
-              <a:t>2023/5/10</a:t>
+              <a:t>2023/5/22</a:t>
             </a:fld>
             <a:endParaRPr lang="en-CN"/>
           </a:p>
@@ -1834,13 +1617,7 @@
       </p:sp>
       <p:sp>
         <p:nvSpPr>
-          <p:cNvPr id="8" name="Footer Placeholder 7">
-            <a:extLst>
-              <a:ext uri="{FF2B5EF4-FFF2-40B4-BE49-F238E27FC236}">
-                <a16:creationId xmlns:a16="http://schemas.microsoft.com/office/drawing/2014/main" id="{3DDE44B2-62DC-C837-1AD1-4473DD5A79BD}"/>
-              </a:ext>
-            </a:extLst>
-          </p:cNvPr>
+          <p:cNvPr id="8" name="Footer Placeholder 7"/>
           <p:cNvSpPr>
             <a:spLocks noGrp="1"/>
           </p:cNvSpPr>
@@ -1859,13 +1636,7 @@
       </p:sp>
       <p:sp>
         <p:nvSpPr>
-          <p:cNvPr id="9" name="Slide Number Placeholder 8">
-            <a:extLst>
-              <a:ext uri="{FF2B5EF4-FFF2-40B4-BE49-F238E27FC236}">
-                <a16:creationId xmlns:a16="http://schemas.microsoft.com/office/drawing/2014/main" id="{FFB4D91D-E60C-25FD-3878-615778AE3A80}"/>
-              </a:ext>
-            </a:extLst>
-          </p:cNvPr>
+          <p:cNvPr id="9" name="Slide Number Placeholder 8"/>
           <p:cNvSpPr>
             <a:spLocks noGrp="1"/>
           </p:cNvSpPr>
@@ -1889,7 +1660,7 @@
     </p:spTree>
     <p:extLst>
       <p:ext uri="{BB962C8B-B14F-4D97-AF65-F5344CB8AC3E}">
-        <p14:creationId xmlns:p14="http://schemas.microsoft.com/office/powerpoint/2010/main" val="2651861484"/>
+        <p14:creationId xmlns:p14="http://schemas.microsoft.com/office/powerpoint/2010/main" val="3297471849"/>
       </p:ext>
     </p:extLst>
   </p:cSld>
@@ -1918,13 +1689,7 @@
       </p:grpSpPr>
       <p:sp>
         <p:nvSpPr>
-          <p:cNvPr id="2" name="Title 1">
-            <a:extLst>
-              <a:ext uri="{FF2B5EF4-FFF2-40B4-BE49-F238E27FC236}">
-                <a16:creationId xmlns:a16="http://schemas.microsoft.com/office/drawing/2014/main" id="{4A7D812D-F348-0FB8-5A1B-1486B2D2F59C}"/>
-              </a:ext>
-            </a:extLst>
-          </p:cNvPr>
+          <p:cNvPr id="2" name="Title 1"/>
           <p:cNvSpPr>
             <a:spLocks noGrp="1"/>
           </p:cNvSpPr>
@@ -1941,19 +1706,13 @@
               <a:rPr lang="en-US"/>
               <a:t>Click to edit Master title style</a:t>
             </a:r>
-            <a:endParaRPr lang="en-CN"/>
+            <a:endParaRPr lang="en-US" dirty="0"/>
           </a:p>
         </p:txBody>
       </p:sp>
       <p:sp>
         <p:nvSpPr>
-          <p:cNvPr id="3" name="Date Placeholder 2">
-            <a:extLst>
-              <a:ext uri="{FF2B5EF4-FFF2-40B4-BE49-F238E27FC236}">
-                <a16:creationId xmlns:a16="http://schemas.microsoft.com/office/drawing/2014/main" id="{4B139EB5-113B-96D8-FD82-2C7614182F56}"/>
-              </a:ext>
-            </a:extLst>
-          </p:cNvPr>
+          <p:cNvPr id="3" name="Date Placeholder 2"/>
           <p:cNvSpPr>
             <a:spLocks noGrp="1"/>
           </p:cNvSpPr>
@@ -1968,7 +1727,7 @@
           <a:p>
             <a:fld id="{590F4E7E-A565-9A42-829F-FA3A8EC4ABA5}" type="datetimeFigureOut">
               <a:rPr lang="en-CN" smtClean="0"/>
-              <a:t>2023/5/10</a:t>
+              <a:t>2023/5/22</a:t>
             </a:fld>
             <a:endParaRPr lang="en-CN"/>
           </a:p>
@@ -1976,13 +1735,7 @@
       </p:sp>
       <p:sp>
         <p:nvSpPr>
-          <p:cNvPr id="4" name="Footer Placeholder 3">
-            <a:extLst>
-              <a:ext uri="{FF2B5EF4-FFF2-40B4-BE49-F238E27FC236}">
-                <a16:creationId xmlns:a16="http://schemas.microsoft.com/office/drawing/2014/main" id="{C16FC70F-864F-B69B-8C4D-C1E8010A8212}"/>
-              </a:ext>
-            </a:extLst>
-          </p:cNvPr>
+          <p:cNvPr id="4" name="Footer Placeholder 3"/>
           <p:cNvSpPr>
             <a:spLocks noGrp="1"/>
           </p:cNvSpPr>
@@ -2001,13 +1754,7 @@
       </p:sp>
       <p:sp>
         <p:nvSpPr>
-          <p:cNvPr id="5" name="Slide Number Placeholder 4">
-            <a:extLst>
-              <a:ext uri="{FF2B5EF4-FFF2-40B4-BE49-F238E27FC236}">
-                <a16:creationId xmlns:a16="http://schemas.microsoft.com/office/drawing/2014/main" id="{50AF8528-0CD4-C594-ABD5-9BB166357531}"/>
-              </a:ext>
-            </a:extLst>
-          </p:cNvPr>
+          <p:cNvPr id="5" name="Slide Number Placeholder 4"/>
           <p:cNvSpPr>
             <a:spLocks noGrp="1"/>
           </p:cNvSpPr>
@@ -2031,7 +1778,7 @@
     </p:spTree>
     <p:extLst>
       <p:ext uri="{BB962C8B-B14F-4D97-AF65-F5344CB8AC3E}">
-        <p14:creationId xmlns:p14="http://schemas.microsoft.com/office/powerpoint/2010/main" val="1624437012"/>
+        <p14:creationId xmlns:p14="http://schemas.microsoft.com/office/powerpoint/2010/main" val="3883993710"/>
       </p:ext>
     </p:extLst>
   </p:cSld>
@@ -2060,13 +1807,7 @@
       </p:grpSpPr>
       <p:sp>
         <p:nvSpPr>
-          <p:cNvPr id="2" name="Date Placeholder 1">
-            <a:extLst>
-              <a:ext uri="{FF2B5EF4-FFF2-40B4-BE49-F238E27FC236}">
-                <a16:creationId xmlns:a16="http://schemas.microsoft.com/office/drawing/2014/main" id="{6A749132-D14E-6549-F7F4-4521DA36A861}"/>
-              </a:ext>
-            </a:extLst>
-          </p:cNvPr>
+          <p:cNvPr id="2" name="Date Placeholder 1"/>
           <p:cNvSpPr>
             <a:spLocks noGrp="1"/>
           </p:cNvSpPr>
@@ -2081,7 +1822,7 @@
           <a:p>
             <a:fld id="{590F4E7E-A565-9A42-829F-FA3A8EC4ABA5}" type="datetimeFigureOut">
               <a:rPr lang="en-CN" smtClean="0"/>
-              <a:t>2023/5/10</a:t>
+              <a:t>2023/5/22</a:t>
             </a:fld>
             <a:endParaRPr lang="en-CN"/>
           </a:p>
@@ -2089,13 +1830,7 @@
       </p:sp>
       <p:sp>
         <p:nvSpPr>
-          <p:cNvPr id="3" name="Footer Placeholder 2">
-            <a:extLst>
-              <a:ext uri="{FF2B5EF4-FFF2-40B4-BE49-F238E27FC236}">
-                <a16:creationId xmlns:a16="http://schemas.microsoft.com/office/drawing/2014/main" id="{9320595A-46A8-8458-2332-72E9DE933E3E}"/>
-              </a:ext>
-            </a:extLst>
-          </p:cNvPr>
+          <p:cNvPr id="3" name="Footer Placeholder 2"/>
           <p:cNvSpPr>
             <a:spLocks noGrp="1"/>
           </p:cNvSpPr>
@@ -2114,13 +1849,7 @@
       </p:sp>
       <p:sp>
         <p:nvSpPr>
-          <p:cNvPr id="4" name="Slide Number Placeholder 3">
-            <a:extLst>
-              <a:ext uri="{FF2B5EF4-FFF2-40B4-BE49-F238E27FC236}">
-                <a16:creationId xmlns:a16="http://schemas.microsoft.com/office/drawing/2014/main" id="{0795397C-FDE3-6303-623C-DA18EDC7D674}"/>
-              </a:ext>
-            </a:extLst>
-          </p:cNvPr>
+          <p:cNvPr id="4" name="Slide Number Placeholder 3"/>
           <p:cNvSpPr>
             <a:spLocks noGrp="1"/>
           </p:cNvSpPr>
@@ -2144,7 +1873,7 @@
     </p:spTree>
     <p:extLst>
       <p:ext uri="{BB962C8B-B14F-4D97-AF65-F5344CB8AC3E}">
-        <p14:creationId xmlns:p14="http://schemas.microsoft.com/office/powerpoint/2010/main" val="1890974205"/>
+        <p14:creationId xmlns:p14="http://schemas.microsoft.com/office/powerpoint/2010/main" val="2979357972"/>
       </p:ext>
     </p:extLst>
   </p:cSld>
@@ -2173,13 +1902,7 @@
       </p:grpSpPr>
       <p:sp>
         <p:nvSpPr>
-          <p:cNvPr id="2" name="Title 1">
-            <a:extLst>
-              <a:ext uri="{FF2B5EF4-FFF2-40B4-BE49-F238E27FC236}">
-                <a16:creationId xmlns:a16="http://schemas.microsoft.com/office/drawing/2014/main" id="{FDFC70F9-38BC-7EFE-0637-AADE2AE12DA6}"/>
-              </a:ext>
-            </a:extLst>
-          </p:cNvPr>
+          <p:cNvPr id="2" name="Title 1"/>
           <p:cNvSpPr>
             <a:spLocks noGrp="1"/>
           </p:cNvSpPr>
@@ -2189,8 +1912,8 @@
         </p:nvSpPr>
         <p:spPr>
           <a:xfrm>
-            <a:off x="839788" y="457200"/>
-            <a:ext cx="3932237" cy="1600200"/>
+            <a:off x="1261432" y="457200"/>
+            <a:ext cx="5906548" cy="1600200"/>
           </a:xfrm>
         </p:spPr>
         <p:txBody>
@@ -2205,19 +1928,13 @@
               <a:rPr lang="en-US"/>
               <a:t>Click to edit Master title style</a:t>
             </a:r>
-            <a:endParaRPr lang="en-CN"/>
+            <a:endParaRPr lang="en-US" dirty="0"/>
           </a:p>
         </p:txBody>
       </p:sp>
       <p:sp>
         <p:nvSpPr>
-          <p:cNvPr id="3" name="Content Placeholder 2">
-            <a:extLst>
-              <a:ext uri="{FF2B5EF4-FFF2-40B4-BE49-F238E27FC236}">
-                <a16:creationId xmlns:a16="http://schemas.microsoft.com/office/drawing/2014/main" id="{3B9324DF-DAC0-8437-02CD-71028B2DF0B5}"/>
-              </a:ext>
-            </a:extLst>
-          </p:cNvPr>
+          <p:cNvPr id="3" name="Content Placeholder 2"/>
           <p:cNvSpPr>
             <a:spLocks noGrp="1"/>
           </p:cNvSpPr>
@@ -2227,8 +1944,8 @@
         </p:nvSpPr>
         <p:spPr>
           <a:xfrm>
-            <a:off x="5183188" y="987425"/>
-            <a:ext cx="6172200" cy="4873625"/>
+            <a:off x="7785580" y="987426"/>
+            <a:ext cx="9271159" cy="4873625"/>
           </a:xfrm>
         </p:spPr>
         <p:txBody>
@@ -2296,19 +2013,13 @@
               <a:rPr lang="en-US"/>
               <a:t>Fifth level</a:t>
             </a:r>
-            <a:endParaRPr lang="en-CN"/>
+            <a:endParaRPr lang="en-US" dirty="0"/>
           </a:p>
         </p:txBody>
       </p:sp>
       <p:sp>
         <p:nvSpPr>
-          <p:cNvPr id="4" name="Text Placeholder 3">
-            <a:extLst>
-              <a:ext uri="{FF2B5EF4-FFF2-40B4-BE49-F238E27FC236}">
-                <a16:creationId xmlns:a16="http://schemas.microsoft.com/office/drawing/2014/main" id="{6ACB614E-C6D5-2C3C-DB5F-A085F477803B}"/>
-              </a:ext>
-            </a:extLst>
-          </p:cNvPr>
+          <p:cNvPr id="4" name="Text Placeholder 3"/>
           <p:cNvSpPr>
             <a:spLocks noGrp="1"/>
           </p:cNvSpPr>
@@ -2318,8 +2029,8 @@
         </p:nvSpPr>
         <p:spPr>
           <a:xfrm>
-            <a:off x="839788" y="2057400"/>
-            <a:ext cx="3932237" cy="3811588"/>
+            <a:off x="1261432" y="2057400"/>
+            <a:ext cx="5906548" cy="3811588"/>
           </a:xfrm>
         </p:spPr>
         <p:txBody>
@@ -2373,13 +2084,7 @@
       </p:sp>
       <p:sp>
         <p:nvSpPr>
-          <p:cNvPr id="5" name="Date Placeholder 4">
-            <a:extLst>
-              <a:ext uri="{FF2B5EF4-FFF2-40B4-BE49-F238E27FC236}">
-                <a16:creationId xmlns:a16="http://schemas.microsoft.com/office/drawing/2014/main" id="{95FB3806-EFA5-B3EC-FB58-503FFED70AB5}"/>
-              </a:ext>
-            </a:extLst>
-          </p:cNvPr>
+          <p:cNvPr id="5" name="Date Placeholder 4"/>
           <p:cNvSpPr>
             <a:spLocks noGrp="1"/>
           </p:cNvSpPr>
@@ -2394,7 +2099,7 @@
           <a:p>
             <a:fld id="{590F4E7E-A565-9A42-829F-FA3A8EC4ABA5}" type="datetimeFigureOut">
               <a:rPr lang="en-CN" smtClean="0"/>
-              <a:t>2023/5/10</a:t>
+              <a:t>2023/5/22</a:t>
             </a:fld>
             <a:endParaRPr lang="en-CN"/>
           </a:p>
@@ -2402,13 +2107,7 @@
       </p:sp>
       <p:sp>
         <p:nvSpPr>
-          <p:cNvPr id="6" name="Footer Placeholder 5">
-            <a:extLst>
-              <a:ext uri="{FF2B5EF4-FFF2-40B4-BE49-F238E27FC236}">
-                <a16:creationId xmlns:a16="http://schemas.microsoft.com/office/drawing/2014/main" id="{3ED75036-7CA2-A553-34CB-C18932C94344}"/>
-              </a:ext>
-            </a:extLst>
-          </p:cNvPr>
+          <p:cNvPr id="6" name="Footer Placeholder 5"/>
           <p:cNvSpPr>
             <a:spLocks noGrp="1"/>
           </p:cNvSpPr>
@@ -2427,13 +2126,7 @@
       </p:sp>
       <p:sp>
         <p:nvSpPr>
-          <p:cNvPr id="7" name="Slide Number Placeholder 6">
-            <a:extLst>
-              <a:ext uri="{FF2B5EF4-FFF2-40B4-BE49-F238E27FC236}">
-                <a16:creationId xmlns:a16="http://schemas.microsoft.com/office/drawing/2014/main" id="{94B36535-5E04-8167-8F16-31188C82CD98}"/>
-              </a:ext>
-            </a:extLst>
-          </p:cNvPr>
+          <p:cNvPr id="7" name="Slide Number Placeholder 6"/>
           <p:cNvSpPr>
             <a:spLocks noGrp="1"/>
           </p:cNvSpPr>
@@ -2457,7 +2150,7 @@
     </p:spTree>
     <p:extLst>
       <p:ext uri="{BB962C8B-B14F-4D97-AF65-F5344CB8AC3E}">
-        <p14:creationId xmlns:p14="http://schemas.microsoft.com/office/powerpoint/2010/main" val="2438961979"/>
+        <p14:creationId xmlns:p14="http://schemas.microsoft.com/office/powerpoint/2010/main" val="3361528987"/>
       </p:ext>
     </p:extLst>
   </p:cSld>
@@ -2486,13 +2179,7 @@
       </p:grpSpPr>
       <p:sp>
         <p:nvSpPr>
-          <p:cNvPr id="2" name="Title 1">
-            <a:extLst>
-              <a:ext uri="{FF2B5EF4-FFF2-40B4-BE49-F238E27FC236}">
-                <a16:creationId xmlns:a16="http://schemas.microsoft.com/office/drawing/2014/main" id="{C2DB820A-16D9-CB69-CFC0-DB17F730C439}"/>
-              </a:ext>
-            </a:extLst>
-          </p:cNvPr>
+          <p:cNvPr id="2" name="Title 1"/>
           <p:cNvSpPr>
             <a:spLocks noGrp="1"/>
           </p:cNvSpPr>
@@ -2502,8 +2189,8 @@
         </p:nvSpPr>
         <p:spPr>
           <a:xfrm>
-            <a:off x="839788" y="457200"/>
-            <a:ext cx="3932237" cy="1600200"/>
+            <a:off x="1261432" y="457200"/>
+            <a:ext cx="5906548" cy="1600200"/>
           </a:xfrm>
         </p:spPr>
         <p:txBody>
@@ -2518,21 +2205,15 @@
               <a:rPr lang="en-US"/>
               <a:t>Click to edit Master title style</a:t>
             </a:r>
-            <a:endParaRPr lang="en-CN"/>
+            <a:endParaRPr lang="en-US" dirty="0"/>
           </a:p>
         </p:txBody>
       </p:sp>
       <p:sp>
         <p:nvSpPr>
-          <p:cNvPr id="3" name="Picture Placeholder 2">
-            <a:extLst>
-              <a:ext uri="{FF2B5EF4-FFF2-40B4-BE49-F238E27FC236}">
-                <a16:creationId xmlns:a16="http://schemas.microsoft.com/office/drawing/2014/main" id="{95F7A7FC-F71B-03B6-5254-8686757CB8C4}"/>
-              </a:ext>
-            </a:extLst>
-          </p:cNvPr>
+          <p:cNvPr id="3" name="Picture Placeholder 2"/>
           <p:cNvSpPr>
-            <a:spLocks noGrp="1"/>
+            <a:spLocks noGrp="1" noChangeAspect="1"/>
           </p:cNvSpPr>
           <p:nvPr>
             <p:ph type="pic" idx="1"/>
@@ -2540,12 +2221,12 @@
         </p:nvSpPr>
         <p:spPr>
           <a:xfrm>
-            <a:off x="5183188" y="987425"/>
-            <a:ext cx="6172200" cy="4873625"/>
+            <a:off x="7785580" y="987426"/>
+            <a:ext cx="9271159" cy="4873625"/>
           </a:xfrm>
         </p:spPr>
         <p:txBody>
-          <a:bodyPr/>
+          <a:bodyPr anchor="t"/>
           <a:lstStyle>
             <a:lvl1pPr marL="0" indent="0">
               <a:buNone/>
@@ -2585,19 +2266,17 @@
             </a:lvl9pPr>
           </a:lstStyle>
           <a:p>
-            <a:endParaRPr lang="en-CN"/>
+            <a:r>
+              <a:rPr lang="en-US"/>
+              <a:t>Click icon to add picture</a:t>
+            </a:r>
+            <a:endParaRPr lang="en-US" dirty="0"/>
           </a:p>
         </p:txBody>
       </p:sp>
       <p:sp>
         <p:nvSpPr>
-          <p:cNvPr id="4" name="Text Placeholder 3">
-            <a:extLst>
-              <a:ext uri="{FF2B5EF4-FFF2-40B4-BE49-F238E27FC236}">
-                <a16:creationId xmlns:a16="http://schemas.microsoft.com/office/drawing/2014/main" id="{3A522E6A-85AA-370E-9B10-90AA41D7790A}"/>
-              </a:ext>
-            </a:extLst>
-          </p:cNvPr>
+          <p:cNvPr id="4" name="Text Placeholder 3"/>
           <p:cNvSpPr>
             <a:spLocks noGrp="1"/>
           </p:cNvSpPr>
@@ -2607,8 +2286,8 @@
         </p:nvSpPr>
         <p:spPr>
           <a:xfrm>
-            <a:off x="839788" y="2057400"/>
-            <a:ext cx="3932237" cy="3811588"/>
+            <a:off x="1261432" y="2057400"/>
+            <a:ext cx="5906548" cy="3811588"/>
           </a:xfrm>
         </p:spPr>
         <p:txBody>
@@ -2662,13 +2341,7 @@
       </p:sp>
       <p:sp>
         <p:nvSpPr>
-          <p:cNvPr id="5" name="Date Placeholder 4">
-            <a:extLst>
-              <a:ext uri="{FF2B5EF4-FFF2-40B4-BE49-F238E27FC236}">
-                <a16:creationId xmlns:a16="http://schemas.microsoft.com/office/drawing/2014/main" id="{B1CE414F-F3A0-9BA4-92EA-58BDE9EF0890}"/>
-              </a:ext>
-            </a:extLst>
-          </p:cNvPr>
+          <p:cNvPr id="5" name="Date Placeholder 4"/>
           <p:cNvSpPr>
             <a:spLocks noGrp="1"/>
           </p:cNvSpPr>
@@ -2683,7 +2356,7 @@
           <a:p>
             <a:fld id="{590F4E7E-A565-9A42-829F-FA3A8EC4ABA5}" type="datetimeFigureOut">
               <a:rPr lang="en-CN" smtClean="0"/>
-              <a:t>2023/5/10</a:t>
+              <a:t>2023/5/22</a:t>
             </a:fld>
             <a:endParaRPr lang="en-CN"/>
           </a:p>
@@ -2691,13 +2364,7 @@
       </p:sp>
       <p:sp>
         <p:nvSpPr>
-          <p:cNvPr id="6" name="Footer Placeholder 5">
-            <a:extLst>
-              <a:ext uri="{FF2B5EF4-FFF2-40B4-BE49-F238E27FC236}">
-                <a16:creationId xmlns:a16="http://schemas.microsoft.com/office/drawing/2014/main" id="{15081589-F4FD-47BE-6E6E-0E2BE92CC354}"/>
-              </a:ext>
-            </a:extLst>
-          </p:cNvPr>
+          <p:cNvPr id="6" name="Footer Placeholder 5"/>
           <p:cNvSpPr>
             <a:spLocks noGrp="1"/>
           </p:cNvSpPr>
@@ -2716,13 +2383,7 @@
       </p:sp>
       <p:sp>
         <p:nvSpPr>
-          <p:cNvPr id="7" name="Slide Number Placeholder 6">
-            <a:extLst>
-              <a:ext uri="{FF2B5EF4-FFF2-40B4-BE49-F238E27FC236}">
-                <a16:creationId xmlns:a16="http://schemas.microsoft.com/office/drawing/2014/main" id="{5345BECB-3BC6-D33D-9A99-86940C2D2688}"/>
-              </a:ext>
-            </a:extLst>
-          </p:cNvPr>
+          <p:cNvPr id="7" name="Slide Number Placeholder 6"/>
           <p:cNvSpPr>
             <a:spLocks noGrp="1"/>
           </p:cNvSpPr>
@@ -2746,7 +2407,7 @@
     </p:spTree>
     <p:extLst>
       <p:ext uri="{BB962C8B-B14F-4D97-AF65-F5344CB8AC3E}">
-        <p14:creationId xmlns:p14="http://schemas.microsoft.com/office/powerpoint/2010/main" val="2023064210"/>
+        <p14:creationId xmlns:p14="http://schemas.microsoft.com/office/powerpoint/2010/main" val="144124874"/>
       </p:ext>
     </p:extLst>
   </p:cSld>
@@ -2780,13 +2441,7 @@
       </p:grpSpPr>
       <p:sp>
         <p:nvSpPr>
-          <p:cNvPr id="2" name="Title Placeholder 1">
-            <a:extLst>
-              <a:ext uri="{FF2B5EF4-FFF2-40B4-BE49-F238E27FC236}">
-                <a16:creationId xmlns:a16="http://schemas.microsoft.com/office/drawing/2014/main" id="{38468F8C-97F5-B6F2-6431-DD73CF24864D}"/>
-              </a:ext>
-            </a:extLst>
-          </p:cNvPr>
+          <p:cNvPr id="2" name="Title Placeholder 1"/>
           <p:cNvSpPr>
             <a:spLocks noGrp="1"/>
           </p:cNvSpPr>
@@ -2796,8 +2451,8 @@
         </p:nvSpPr>
         <p:spPr>
           <a:xfrm>
-            <a:off x="838200" y="365125"/>
-            <a:ext cx="10515600" cy="1325563"/>
+            <a:off x="1259046" y="365126"/>
+            <a:ext cx="15795308" cy="1325563"/>
           </a:xfrm>
           <a:prstGeom prst="rect">
             <a:avLst/>
@@ -2813,19 +2468,13 @@
               <a:rPr lang="en-US"/>
               <a:t>Click to edit Master title style</a:t>
             </a:r>
-            <a:endParaRPr lang="en-CN"/>
+            <a:endParaRPr lang="en-US" dirty="0"/>
           </a:p>
         </p:txBody>
       </p:sp>
       <p:sp>
         <p:nvSpPr>
-          <p:cNvPr id="3" name="Text Placeholder 2">
-            <a:extLst>
-              <a:ext uri="{FF2B5EF4-FFF2-40B4-BE49-F238E27FC236}">
-                <a16:creationId xmlns:a16="http://schemas.microsoft.com/office/drawing/2014/main" id="{8FAE9A42-5148-295D-CC09-0683E8D04971}"/>
-              </a:ext>
-            </a:extLst>
-          </p:cNvPr>
+          <p:cNvPr id="3" name="Text Placeholder 2"/>
           <p:cNvSpPr>
             <a:spLocks noGrp="1"/>
           </p:cNvSpPr>
@@ -2835,8 +2484,8 @@
         </p:nvSpPr>
         <p:spPr>
           <a:xfrm>
-            <a:off x="838200" y="1825625"/>
-            <a:ext cx="10515600" cy="4351338"/>
+            <a:off x="1259046" y="1825625"/>
+            <a:ext cx="15795308" cy="4351338"/>
           </a:xfrm>
           <a:prstGeom prst="rect">
             <a:avLst/>
@@ -2881,19 +2530,13 @@
               <a:rPr lang="en-US"/>
               <a:t>Fifth level</a:t>
             </a:r>
-            <a:endParaRPr lang="en-CN"/>
+            <a:endParaRPr lang="en-US" dirty="0"/>
           </a:p>
         </p:txBody>
       </p:sp>
       <p:sp>
         <p:nvSpPr>
-          <p:cNvPr id="4" name="Date Placeholder 3">
-            <a:extLst>
-              <a:ext uri="{FF2B5EF4-FFF2-40B4-BE49-F238E27FC236}">
-                <a16:creationId xmlns:a16="http://schemas.microsoft.com/office/drawing/2014/main" id="{4F44BB96-20B4-36E1-1DA2-F174DB943C83}"/>
-              </a:ext>
-            </a:extLst>
-          </p:cNvPr>
+          <p:cNvPr id="4" name="Date Placeholder 3"/>
           <p:cNvSpPr>
             <a:spLocks noGrp="1"/>
           </p:cNvSpPr>
@@ -2903,8 +2546,8 @@
         </p:nvSpPr>
         <p:spPr>
           <a:xfrm>
-            <a:off x="838200" y="6356350"/>
-            <a:ext cx="2743200" cy="365125"/>
+            <a:off x="1259046" y="6356351"/>
+            <a:ext cx="4120515" cy="365125"/>
           </a:xfrm>
           <a:prstGeom prst="rect">
             <a:avLst/>
@@ -2926,7 +2569,7 @@
           <a:p>
             <a:fld id="{590F4E7E-A565-9A42-829F-FA3A8EC4ABA5}" type="datetimeFigureOut">
               <a:rPr lang="en-CN" smtClean="0"/>
-              <a:t>2023/5/10</a:t>
+              <a:t>2023/5/22</a:t>
             </a:fld>
             <a:endParaRPr lang="en-CN"/>
           </a:p>
@@ -2934,13 +2577,7 @@
       </p:sp>
       <p:sp>
         <p:nvSpPr>
-          <p:cNvPr id="5" name="Footer Placeholder 4">
-            <a:extLst>
-              <a:ext uri="{FF2B5EF4-FFF2-40B4-BE49-F238E27FC236}">
-                <a16:creationId xmlns:a16="http://schemas.microsoft.com/office/drawing/2014/main" id="{2481A932-0EF8-4779-47FA-80B8649B9DEE}"/>
-              </a:ext>
-            </a:extLst>
-          </p:cNvPr>
+          <p:cNvPr id="5" name="Footer Placeholder 4"/>
           <p:cNvSpPr>
             <a:spLocks noGrp="1"/>
           </p:cNvSpPr>
@@ -2950,8 +2587,8 @@
         </p:nvSpPr>
         <p:spPr>
           <a:xfrm>
-            <a:off x="4038600" y="6356350"/>
-            <a:ext cx="4114800" cy="365125"/>
+            <a:off x="6066314" y="6356351"/>
+            <a:ext cx="6180773" cy="365125"/>
           </a:xfrm>
           <a:prstGeom prst="rect">
             <a:avLst/>
@@ -2977,13 +2614,7 @@
       </p:sp>
       <p:sp>
         <p:nvSpPr>
-          <p:cNvPr id="6" name="Slide Number Placeholder 5">
-            <a:extLst>
-              <a:ext uri="{FF2B5EF4-FFF2-40B4-BE49-F238E27FC236}">
-                <a16:creationId xmlns:a16="http://schemas.microsoft.com/office/drawing/2014/main" id="{3FF7B4BF-DA1C-91C1-E05C-8BE2C4CF3799}"/>
-              </a:ext>
-            </a:extLst>
-          </p:cNvPr>
+          <p:cNvPr id="6" name="Slide Number Placeholder 5"/>
           <p:cNvSpPr>
             <a:spLocks noGrp="1"/>
           </p:cNvSpPr>
@@ -2993,8 +2624,8 @@
         </p:nvSpPr>
         <p:spPr>
           <a:xfrm>
-            <a:off x="8610600" y="6356350"/>
-            <a:ext cx="2743200" cy="365125"/>
+            <a:off x="12933839" y="6356351"/>
+            <a:ext cx="4120515" cy="365125"/>
           </a:xfrm>
           <a:prstGeom prst="rect">
             <a:avLst/>
@@ -3025,23 +2656,23 @@
     </p:spTree>
     <p:extLst>
       <p:ext uri="{BB962C8B-B14F-4D97-AF65-F5344CB8AC3E}">
-        <p14:creationId xmlns:p14="http://schemas.microsoft.com/office/powerpoint/2010/main" val="4174968518"/>
+        <p14:creationId xmlns:p14="http://schemas.microsoft.com/office/powerpoint/2010/main" val="2666403402"/>
       </p:ext>
     </p:extLst>
   </p:cSld>
   <p:clrMap bg1="lt1" tx1="dk1" bg2="lt2" tx2="dk2" accent1="accent1" accent2="accent2" accent3="accent3" accent4="accent4" accent5="accent5" accent6="accent6" hlink="hlink" folHlink="folHlink"/>
   <p:sldLayoutIdLst>
-    <p:sldLayoutId id="2147483649" r:id="rId1"/>
-    <p:sldLayoutId id="2147483650" r:id="rId2"/>
-    <p:sldLayoutId id="2147483651" r:id="rId3"/>
-    <p:sldLayoutId id="2147483652" r:id="rId4"/>
-    <p:sldLayoutId id="2147483653" r:id="rId5"/>
-    <p:sldLayoutId id="2147483654" r:id="rId6"/>
-    <p:sldLayoutId id="2147483655" r:id="rId7"/>
-    <p:sldLayoutId id="2147483656" r:id="rId8"/>
-    <p:sldLayoutId id="2147483657" r:id="rId9"/>
-    <p:sldLayoutId id="2147483658" r:id="rId10"/>
-    <p:sldLayoutId id="2147483659" r:id="rId11"/>
+    <p:sldLayoutId id="2147483661" r:id="rId1"/>
+    <p:sldLayoutId id="2147483662" r:id="rId2"/>
+    <p:sldLayoutId id="2147483663" r:id="rId3"/>
+    <p:sldLayoutId id="2147483664" r:id="rId4"/>
+    <p:sldLayoutId id="2147483665" r:id="rId5"/>
+    <p:sldLayoutId id="2147483666" r:id="rId6"/>
+    <p:sldLayoutId id="2147483667" r:id="rId7"/>
+    <p:sldLayoutId id="2147483668" r:id="rId8"/>
+    <p:sldLayoutId id="2147483669" r:id="rId9"/>
+    <p:sldLayoutId id="2147483670" r:id="rId10"/>
+    <p:sldLayoutId id="2147483671" r:id="rId11"/>
   </p:sldLayoutIdLst>
   <p:txStyles>
     <p:titleStyle>
@@ -3229,7 +2860,7 @@
     </p:bodyStyle>
     <p:otherStyle>
       <a:defPPr>
-        <a:defRPr lang="en-CN"/>
+        <a:defRPr lang="en-US"/>
       </a:defPPr>
       <a:lvl1pPr marL="0" algn="l" defTabSz="914400" rtl="0" eaLnBrk="1" latinLnBrk="0" hangingPunct="1">
         <a:defRPr sz="1800" kern="1200">
@@ -3357,8 +2988,8 @@
         </p:nvGrpSpPr>
         <p:grpSpPr>
           <a:xfrm>
-            <a:off x="2275083" y="938678"/>
-            <a:ext cx="5336165" cy="5300238"/>
+            <a:off x="3417365" y="-311671"/>
+            <a:ext cx="8015365" cy="7961399"/>
             <a:chOff x="3056876" y="410340"/>
             <a:chExt cx="6078239" cy="6037316"/>
           </a:xfrm>
@@ -3480,7 +3111,7 @@
               <a:lstStyle/>
               <a:p>
                 <a:pPr algn="ctr"/>
-                <a:endParaRPr lang="zh-CN" altLang="en-US" dirty="0"/>
+                <a:endParaRPr lang="zh-CN" altLang="en-US" sz="2704" dirty="0"/>
               </a:p>
             </p:txBody>
           </p:sp>
@@ -3581,7 +3212,7 @@
               <a:lstStyle/>
               <a:p>
                 <a:pPr algn="ctr"/>
-                <a:endParaRPr lang="zh-CN" altLang="en-US" dirty="0"/>
+                <a:endParaRPr lang="zh-CN" altLang="en-US" sz="2704" dirty="0"/>
               </a:p>
             </p:txBody>
           </p:sp>
@@ -3682,7 +3313,7 @@
               <a:lstStyle/>
               <a:p>
                 <a:pPr algn="ctr"/>
-                <a:endParaRPr lang="zh-CN" altLang="en-US" dirty="0"/>
+                <a:endParaRPr lang="zh-CN" altLang="en-US" sz="2704" dirty="0"/>
               </a:p>
             </p:txBody>
           </p:sp>
@@ -3783,7 +3414,7 @@
               <a:lstStyle/>
               <a:p>
                 <a:pPr algn="ctr"/>
-                <a:endParaRPr lang="zh-CN" altLang="en-US" dirty="0"/>
+                <a:endParaRPr lang="zh-CN" altLang="en-US" sz="2704" dirty="0"/>
               </a:p>
             </p:txBody>
           </p:sp>
@@ -3956,8 +3587,8 @@
               </p:nvPr>
             </p:nvGraphicFramePr>
             <p:xfrm>
-              <a:off x="4318085" y="2776413"/>
-              <a:ext cx="1268886" cy="1438025"/>
+              <a:off x="6486123" y="2448761"/>
+              <a:ext cx="1905973" cy="2160033"/>
             </p:xfrm>
             <a:graphic>
               <a:graphicData uri="http://schemas.microsoft.com/office/drawing/2017/model3d">
@@ -3965,7 +3596,7 @@
                   <am3d:spPr>
                     <a:xfrm>
                       <a:off x="0" y="0"/>
-                      <a:ext cx="1268886" cy="1438025"/>
+                      <a:ext cx="1905973" cy="2160033"/>
                     </a:xfrm>
                     <a:prstGeom prst="rect">
                       <a:avLst/>
@@ -3999,7 +3630,7 @@
                   <am3d:raster rName="Office3DRenderer" rVer="16.0.8326">
                     <am3d:blip r:embed="rId7"/>
                   </am3d:raster>
-                  <am3d:objViewport viewportSz="1476269"/>
+                  <am3d:objViewport viewportSz="2217480"/>
                   <am3d:ambientLight>
                     <am3d:clr>
                       <a:scrgbClr r="50000" g="50000" b="50000"/>
@@ -4055,8 +3686,8 @@
             </p:blipFill>
             <p:spPr>
               <a:xfrm>
-                <a:off x="4318085" y="2776413"/>
-                <a:ext cx="1268886" cy="1438025"/>
+                <a:off x="6486123" y="2448761"/>
+                <a:ext cx="1905973" cy="2160033"/>
               </a:xfrm>
               <a:prstGeom prst="rect">
                 <a:avLst/>
@@ -4095,8 +3726,8 @@
         </p:blipFill>
         <p:spPr>
           <a:xfrm>
-            <a:off x="4620667" y="1471455"/>
-            <a:ext cx="1364998" cy="1364998"/>
+            <a:off x="6940627" y="488604"/>
+            <a:ext cx="2050341" cy="2050341"/>
           </a:xfrm>
           <a:prstGeom prst="rect">
             <a:avLst/>
@@ -4125,8 +3756,8 @@
         </p:blipFill>
         <p:spPr>
           <a:xfrm>
-            <a:off x="4943166" y="1798926"/>
-            <a:ext cx="720000" cy="720000"/>
+            <a:off x="7425047" y="980493"/>
+            <a:ext cx="1081500" cy="1081500"/>
           </a:xfrm>
           <a:prstGeom prst="rect">
             <a:avLst/>
@@ -4181,8 +3812,8 @@
         </p:blipFill>
         <p:spPr bwMode="auto">
           <a:xfrm flipH="1">
-            <a:off x="7579941" y="3963212"/>
-            <a:ext cx="1476117" cy="1747368"/>
+            <a:off x="11385704" y="4231431"/>
+            <a:ext cx="2217251" cy="2624692"/>
           </a:xfrm>
           <a:prstGeom prst="rect">
             <a:avLst/>
@@ -4229,8 +3860,8 @@
         </p:blipFill>
         <p:spPr bwMode="auto">
           <a:xfrm>
-            <a:off x="7848979" y="4552711"/>
-            <a:ext cx="261887" cy="261887"/>
+            <a:off x="11789821" y="5116908"/>
+            <a:ext cx="393376" cy="393376"/>
           </a:xfrm>
           <a:prstGeom prst="rect">
             <a:avLst/>
@@ -4261,8 +3892,8 @@
         </p:nvSpPr>
         <p:spPr>
           <a:xfrm>
-            <a:off x="7115794" y="3647841"/>
-            <a:ext cx="1005403" cy="338554"/>
+            <a:off x="10688515" y="3757717"/>
+            <a:ext cx="1415772" cy="462114"/>
           </a:xfrm>
           <a:prstGeom prst="rect">
             <a:avLst/>
@@ -4276,7 +3907,7 @@
           <a:lstStyle/>
           <a:p>
             <a:r>
-              <a:rPr lang="en-US" sz="1600" dirty="0" err="1">
+              <a:rPr lang="en-US" sz="2403" dirty="0" err="1">
                 <a:solidFill>
                   <a:schemeClr val="bg1">
                     <a:lumMod val="50000"/>
@@ -4287,7 +3918,7 @@
               </a:rPr>
               <a:t>凝视射线</a:t>
             </a:r>
-            <a:endParaRPr lang="en-CN" sz="1600" dirty="0">
+            <a:endParaRPr lang="en-CN" sz="2403" dirty="0">
               <a:solidFill>
                 <a:schemeClr val="bg1">
                   <a:lumMod val="50000"/>
@@ -4315,8 +3946,8 @@
         </p:nvCxnSpPr>
         <p:spPr>
           <a:xfrm>
-            <a:off x="5284388" y="2148561"/>
-            <a:ext cx="2564591" cy="2435278"/>
+            <a:off x="7937592" y="1505674"/>
+            <a:ext cx="3852229" cy="3657990"/>
           </a:xfrm>
           <a:prstGeom prst="line">
             <a:avLst/>
@@ -4345,6 +3976,231 @@
           </a:fontRef>
         </p:style>
       </p:cxnSp>
+      <p:pic>
+        <p:nvPicPr>
+          <p:cNvPr id="1026" name="Picture 2" descr="Carnegie Mellon, Disney work to improve eye blink animation - The Tartan">
+            <a:extLst>
+              <a:ext uri="{FF2B5EF4-FFF2-40B4-BE49-F238E27FC236}">
+                <a16:creationId xmlns:a16="http://schemas.microsoft.com/office/drawing/2014/main" id="{D47174FD-E57E-5A08-1F07-A6099CE4FC38}"/>
+              </a:ext>
+            </a:extLst>
+          </p:cNvPr>
+          <p:cNvPicPr>
+            <a:picLocks noChangeAspect="1" noChangeArrowheads="1"/>
+          </p:cNvPicPr>
+          <p:nvPr/>
+        </p:nvPicPr>
+        <p:blipFill rotWithShape="1">
+          <a:blip r:embed="rId13">
+            <a:extLst>
+              <a:ext uri="{28A0092B-C50C-407E-A947-70E740481C1C}">
+                <a14:useLocalDpi xmlns:a14="http://schemas.microsoft.com/office/drawing/2010/main" val="0"/>
+              </a:ext>
+            </a:extLst>
+          </a:blip>
+          <a:srcRect b="67002"/>
+          <a:stretch/>
+        </p:blipFill>
+        <p:spPr bwMode="auto">
+          <a:xfrm>
+            <a:off x="5247537" y="887047"/>
+            <a:ext cx="2455442" cy="1093171"/>
+          </a:xfrm>
+          <a:prstGeom prst="rect">
+            <a:avLst/>
+          </a:prstGeom>
+          <a:noFill/>
+          <a:extLst>
+            <a:ext uri="{909E8E84-426E-40DD-AFC4-6F175D3DCCD1}">
+              <a14:hiddenFill xmlns:a14="http://schemas.microsoft.com/office/drawing/2010/main">
+                <a:solidFill>
+                  <a:srgbClr val="FFFFFF"/>
+                </a:solidFill>
+              </a14:hiddenFill>
+            </a:ext>
+          </a:extLst>
+        </p:spPr>
+      </p:pic>
+      <p:pic>
+        <p:nvPicPr>
+          <p:cNvPr id="4" name="Picture 2" descr="Carnegie Mellon, Disney work to improve eye blink animation - The Tartan">
+            <a:extLst>
+              <a:ext uri="{FF2B5EF4-FFF2-40B4-BE49-F238E27FC236}">
+                <a16:creationId xmlns:a16="http://schemas.microsoft.com/office/drawing/2014/main" id="{BADECA53-F540-144F-5EE7-7DEB5F20D098}"/>
+              </a:ext>
+            </a:extLst>
+          </p:cNvPr>
+          <p:cNvPicPr>
+            <a:picLocks noChangeAspect="1" noChangeArrowheads="1"/>
+          </p:cNvPicPr>
+          <p:nvPr/>
+        </p:nvPicPr>
+        <p:blipFill rotWithShape="1">
+          <a:blip r:embed="rId13">
+            <a:extLst>
+              <a:ext uri="{28A0092B-C50C-407E-A947-70E740481C1C}">
+                <a14:useLocalDpi xmlns:a14="http://schemas.microsoft.com/office/drawing/2010/main" val="0"/>
+              </a:ext>
+            </a:extLst>
+          </a:blip>
+          <a:srcRect t="32612" b="34389"/>
+          <a:stretch/>
+        </p:blipFill>
+        <p:spPr bwMode="auto">
+          <a:xfrm>
+            <a:off x="7763247" y="887047"/>
+            <a:ext cx="2455442" cy="1093171"/>
+          </a:xfrm>
+          <a:prstGeom prst="rect">
+            <a:avLst/>
+          </a:prstGeom>
+          <a:noFill/>
+          <a:extLst>
+            <a:ext uri="{909E8E84-426E-40DD-AFC4-6F175D3DCCD1}">
+              <a14:hiddenFill xmlns:a14="http://schemas.microsoft.com/office/drawing/2010/main">
+                <a:solidFill>
+                  <a:srgbClr val="FFFFFF"/>
+                </a:solidFill>
+              </a14:hiddenFill>
+            </a:ext>
+          </a:extLst>
+        </p:spPr>
+      </p:pic>
+      <p:pic>
+        <p:nvPicPr>
+          <p:cNvPr id="6" name="Picture 2" descr="Carnegie Mellon, Disney work to improve eye blink animation - The Tartan">
+            <a:extLst>
+              <a:ext uri="{FF2B5EF4-FFF2-40B4-BE49-F238E27FC236}">
+                <a16:creationId xmlns:a16="http://schemas.microsoft.com/office/drawing/2014/main" id="{10941FE6-B7C1-F54F-CD18-0E17885C0378}"/>
+              </a:ext>
+            </a:extLst>
+          </p:cNvPr>
+          <p:cNvPicPr>
+            <a:picLocks noChangeAspect="1" noChangeArrowheads="1"/>
+          </p:cNvPicPr>
+          <p:nvPr/>
+        </p:nvPicPr>
+        <p:blipFill rotWithShape="1">
+          <a:blip r:embed="rId13">
+            <a:extLst>
+              <a:ext uri="{28A0092B-C50C-407E-A947-70E740481C1C}">
+                <a14:useLocalDpi xmlns:a14="http://schemas.microsoft.com/office/drawing/2010/main" val="0"/>
+              </a:ext>
+            </a:extLst>
+          </a:blip>
+          <a:srcRect b="67002"/>
+          <a:stretch/>
+        </p:blipFill>
+        <p:spPr bwMode="auto">
+          <a:xfrm>
+            <a:off x="10187279" y="903000"/>
+            <a:ext cx="2455442" cy="1093171"/>
+          </a:xfrm>
+          <a:prstGeom prst="rect">
+            <a:avLst/>
+          </a:prstGeom>
+          <a:noFill/>
+          <a:extLst>
+            <a:ext uri="{909E8E84-426E-40DD-AFC4-6F175D3DCCD1}">
+              <a14:hiddenFill xmlns:a14="http://schemas.microsoft.com/office/drawing/2010/main">
+                <a:solidFill>
+                  <a:srgbClr val="FFFFFF"/>
+                </a:solidFill>
+              </a14:hiddenFill>
+            </a:ext>
+          </a:extLst>
+        </p:spPr>
+      </p:pic>
+      <p:pic>
+        <p:nvPicPr>
+          <p:cNvPr id="7" name="Picture 2" descr="Carnegie Mellon, Disney work to improve eye blink animation - The Tartan">
+            <a:extLst>
+              <a:ext uri="{FF2B5EF4-FFF2-40B4-BE49-F238E27FC236}">
+                <a16:creationId xmlns:a16="http://schemas.microsoft.com/office/drawing/2014/main" id="{12B01384-8C25-7AD5-B4A7-61A0C33DA42E}"/>
+              </a:ext>
+            </a:extLst>
+          </p:cNvPr>
+          <p:cNvPicPr>
+            <a:picLocks noChangeAspect="1" noChangeArrowheads="1"/>
+          </p:cNvPicPr>
+          <p:nvPr/>
+        </p:nvPicPr>
+        <p:blipFill rotWithShape="1">
+          <a:blip r:embed="rId13">
+            <a:extLst>
+              <a:ext uri="{28A0092B-C50C-407E-A947-70E740481C1C}">
+                <a14:useLocalDpi xmlns:a14="http://schemas.microsoft.com/office/drawing/2010/main" val="0"/>
+              </a:ext>
+            </a:extLst>
+          </a:blip>
+          <a:srcRect t="32612" b="34389"/>
+          <a:stretch/>
+        </p:blipFill>
+        <p:spPr bwMode="auto">
+          <a:xfrm>
+            <a:off x="12702989" y="903000"/>
+            <a:ext cx="2455442" cy="1093171"/>
+          </a:xfrm>
+          <a:prstGeom prst="rect">
+            <a:avLst/>
+          </a:prstGeom>
+          <a:noFill/>
+          <a:extLst>
+            <a:ext uri="{909E8E84-426E-40DD-AFC4-6F175D3DCCD1}">
+              <a14:hiddenFill xmlns:a14="http://schemas.microsoft.com/office/drawing/2010/main">
+                <a:solidFill>
+                  <a:srgbClr val="FFFFFF"/>
+                </a:solidFill>
+              </a14:hiddenFill>
+            </a:ext>
+          </a:extLst>
+        </p:spPr>
+      </p:pic>
+      <p:pic>
+        <p:nvPicPr>
+          <p:cNvPr id="8" name="Picture 2" descr="Carnegie Mellon, Disney work to improve eye blink animation - The Tartan">
+            <a:extLst>
+              <a:ext uri="{FF2B5EF4-FFF2-40B4-BE49-F238E27FC236}">
+                <a16:creationId xmlns:a16="http://schemas.microsoft.com/office/drawing/2014/main" id="{94DB0634-F21B-6A52-0D18-9BD99ACABFF8}"/>
+              </a:ext>
+            </a:extLst>
+          </p:cNvPr>
+          <p:cNvPicPr>
+            <a:picLocks noChangeAspect="1" noChangeArrowheads="1"/>
+          </p:cNvPicPr>
+          <p:nvPr/>
+        </p:nvPicPr>
+        <p:blipFill rotWithShape="1">
+          <a:blip r:embed="rId13">
+            <a:extLst>
+              <a:ext uri="{28A0092B-C50C-407E-A947-70E740481C1C}">
+                <a14:useLocalDpi xmlns:a14="http://schemas.microsoft.com/office/drawing/2010/main" val="0"/>
+              </a:ext>
+            </a:extLst>
+          </a:blip>
+          <a:srcRect b="67002"/>
+          <a:stretch/>
+        </p:blipFill>
+        <p:spPr bwMode="auto">
+          <a:xfrm>
+            <a:off x="15158431" y="903000"/>
+            <a:ext cx="2455442" cy="1093171"/>
+          </a:xfrm>
+          <a:prstGeom prst="rect">
+            <a:avLst/>
+          </a:prstGeom>
+          <a:noFill/>
+          <a:extLst>
+            <a:ext uri="{909E8E84-426E-40DD-AFC4-6F175D3DCCD1}">
+              <a14:hiddenFill xmlns:a14="http://schemas.microsoft.com/office/drawing/2010/main">
+                <a:solidFill>
+                  <a:srgbClr val="FFFFFF"/>
+                </a:solidFill>
+              </a14:hiddenFill>
+            </a:ext>
+          </a:extLst>
+        </p:spPr>
+      </p:pic>
     </p:spTree>
     <p:extLst>
       <p:ext uri="{BB962C8B-B14F-4D97-AF65-F5344CB8AC3E}">
@@ -4377,10 +4233,10 @@
       </p:grpSpPr>
       <p:grpSp>
         <p:nvGrpSpPr>
-          <p:cNvPr id="21" name="组合 18">
+          <p:cNvPr id="132" name="Group 131">
             <a:extLst>
               <a:ext uri="{FF2B5EF4-FFF2-40B4-BE49-F238E27FC236}">
-                <a16:creationId xmlns:a16="http://schemas.microsoft.com/office/drawing/2014/main" id="{2BB31F8B-1F93-0613-EAB2-4B2D2C0E7D6B}"/>
+                <a16:creationId xmlns:a16="http://schemas.microsoft.com/office/drawing/2014/main" id="{1FC86CCC-6EC6-B2D0-3418-6885193AEF7E}"/>
               </a:ext>
             </a:extLst>
           </p:cNvPr>
@@ -4389,18 +4245,18 @@
         </p:nvGrpSpPr>
         <p:grpSpPr>
           <a:xfrm>
-            <a:off x="5389954" y="1669516"/>
-            <a:ext cx="2724691" cy="2706346"/>
-            <a:chOff x="3056876" y="410340"/>
-            <a:chExt cx="6078239" cy="6037316"/>
+            <a:off x="966332" y="-235531"/>
+            <a:ext cx="16575482" cy="7014144"/>
+            <a:chOff x="966332" y="-235531"/>
+            <a:chExt cx="16575482" cy="7014144"/>
           </a:xfrm>
         </p:grpSpPr>
         <p:grpSp>
           <p:nvGrpSpPr>
-            <p:cNvPr id="22" name="组合 17">
+            <p:cNvPr id="129" name="Group 128">
               <a:extLst>
                 <a:ext uri="{FF2B5EF4-FFF2-40B4-BE49-F238E27FC236}">
-                  <a16:creationId xmlns:a16="http://schemas.microsoft.com/office/drawing/2014/main" id="{B0014126-3F85-0ED2-446F-F8658E3F0F68}"/>
+                  <a16:creationId xmlns:a16="http://schemas.microsoft.com/office/drawing/2014/main" id="{29B740B0-072F-5F74-F160-CC998ADAC59B}"/>
                 </a:ext>
               </a:extLst>
             </p:cNvPr>
@@ -4409,18 +4265,2429 @@
           </p:nvGrpSpPr>
           <p:grpSpPr>
             <a:xfrm>
-              <a:off x="3056876" y="410340"/>
-              <a:ext cx="6078239" cy="6037316"/>
-              <a:chOff x="3056876" y="410340"/>
-              <a:chExt cx="6078239" cy="6037316"/>
+              <a:off x="966332" y="-235531"/>
+              <a:ext cx="16575482" cy="6878271"/>
+              <a:chOff x="966332" y="25730"/>
+              <a:chExt cx="16575482" cy="6878271"/>
             </a:xfrm>
           </p:grpSpPr>
+          <p:grpSp>
+            <p:nvGrpSpPr>
+              <p:cNvPr id="92" name="Group 91">
+                <a:extLst>
+                  <a:ext uri="{FF2B5EF4-FFF2-40B4-BE49-F238E27FC236}">
+                    <a16:creationId xmlns:a16="http://schemas.microsoft.com/office/drawing/2014/main" id="{2C42AF97-AA65-8AE7-4DC7-B50DB89E5B19}"/>
+                  </a:ext>
+                </a:extLst>
+              </p:cNvPr>
+              <p:cNvGrpSpPr/>
+              <p:nvPr/>
+            </p:nvGrpSpPr>
+            <p:grpSpPr>
+              <a:xfrm>
+                <a:off x="966332" y="2053556"/>
+                <a:ext cx="2937039" cy="3359519"/>
+                <a:chOff x="1477382" y="2078975"/>
+                <a:chExt cx="2937039" cy="3359519"/>
+              </a:xfrm>
+            </p:grpSpPr>
+            <p:grpSp>
+              <p:nvGrpSpPr>
+                <p:cNvPr id="58" name="Group 57">
+                  <a:extLst>
+                    <a:ext uri="{FF2B5EF4-FFF2-40B4-BE49-F238E27FC236}">
+                      <a16:creationId xmlns:a16="http://schemas.microsoft.com/office/drawing/2014/main" id="{83A0CF75-BFCA-C2F6-6840-B92DB08B2FA1}"/>
+                    </a:ext>
+                  </a:extLst>
+                </p:cNvPr>
+                <p:cNvGrpSpPr/>
+                <p:nvPr/>
+              </p:nvGrpSpPr>
+              <p:grpSpPr>
+                <a:xfrm>
+                  <a:off x="3113013" y="3897941"/>
+                  <a:ext cx="1301408" cy="1540553"/>
+                  <a:chOff x="7579941" y="3963212"/>
+                  <a:chExt cx="1476117" cy="1747368"/>
+                </a:xfrm>
+              </p:grpSpPr>
+              <p:pic>
+                <p:nvPicPr>
+                  <p:cNvPr id="59" name="Picture 8" descr="Big Image - Head Silhouette Clipart, HD Png Download - 2032x2304(#2137798)  - PngFind">
+                    <a:extLst>
+                      <a:ext uri="{FF2B5EF4-FFF2-40B4-BE49-F238E27FC236}">
+                        <a16:creationId xmlns:a16="http://schemas.microsoft.com/office/drawing/2014/main" id="{1E99FF68-7A6E-D5F4-794C-CF3B5B5ADA38}"/>
+                      </a:ext>
+                    </a:extLst>
+                  </p:cNvPr>
+                  <p:cNvPicPr>
+                    <a:picLocks noChangeAspect="1" noChangeArrowheads="1"/>
+                  </p:cNvPicPr>
+                  <p:nvPr/>
+                </p:nvPicPr>
+                <p:blipFill>
+                  <a:blip r:embed="rId2">
+                    <a:extLst>
+                      <a:ext uri="{BEBA8EAE-BF5A-486C-A8C5-ECC9F3942E4B}">
+                        <a14:imgProps xmlns:a14="http://schemas.microsoft.com/office/drawing/2010/main">
+                          <a14:imgLayer r:embed="rId3">
+                            <a14:imgEffect>
+                              <a14:backgroundRemoval t="6956" b="92440" l="1667" r="95000">
+                                <a14:foregroundMark x1="25476" y1="29738" x2="31429" y2="14214"/>
+                                <a14:foregroundMark x1="31429" y1="14214" x2="50119" y2="6956"/>
+                                <a14:foregroundMark x1="50119" y1="6956" x2="52619" y2="7560"/>
+                                <a14:foregroundMark x1="52619" y1="13609" x2="52619" y2="13609"/>
+                                <a14:foregroundMark x1="7381" y1="28226" x2="6786" y2="33468"/>
+                                <a14:foregroundMark x1="43095" y1="92641" x2="43095" y2="92641"/>
+                                <a14:foregroundMark x1="90952" y1="51210" x2="90952" y2="51210"/>
+                                <a14:foregroundMark x1="1667" y1="34577" x2="1667" y2="34577"/>
+                                <a14:foregroundMark x1="95000" y1="52419" x2="95000" y2="52419"/>
+                              </a14:backgroundRemoval>
+                            </a14:imgEffect>
+                          </a14:imgLayer>
+                        </a14:imgProps>
+                      </a:ext>
+                      <a:ext uri="{28A0092B-C50C-407E-A947-70E740481C1C}">
+                        <a14:useLocalDpi xmlns:a14="http://schemas.microsoft.com/office/drawing/2010/main" val="0"/>
+                      </a:ext>
+                    </a:extLst>
+                  </a:blip>
+                  <a:srcRect/>
+                  <a:stretch>
+                    <a:fillRect/>
+                  </a:stretch>
+                </p:blipFill>
+                <p:spPr bwMode="auto">
+                  <a:xfrm flipH="1">
+                    <a:off x="7579941" y="3963212"/>
+                    <a:ext cx="1476117" cy="1747368"/>
+                  </a:xfrm>
+                  <a:prstGeom prst="rect">
+                    <a:avLst/>
+                  </a:prstGeom>
+                  <a:noFill/>
+                  <a:extLst>
+                    <a:ext uri="{909E8E84-426E-40DD-AFC4-6F175D3DCCD1}">
+                      <a14:hiddenFill xmlns:a14="http://schemas.microsoft.com/office/drawing/2010/main">
+                        <a:solidFill>
+                          <a:srgbClr val="FFFFFF"/>
+                        </a:solidFill>
+                      </a14:hiddenFill>
+                    </a:ext>
+                  </a:extLst>
+                </p:spPr>
+              </p:pic>
+              <p:pic>
+                <p:nvPicPr>
+                  <p:cNvPr id="60" name="Picture 10">
+                    <a:extLst>
+                      <a:ext uri="{FF2B5EF4-FFF2-40B4-BE49-F238E27FC236}">
+                        <a16:creationId xmlns:a16="http://schemas.microsoft.com/office/drawing/2014/main" id="{62413206-C2BF-8C06-C1B4-52FE448291EC}"/>
+                      </a:ext>
+                    </a:extLst>
+                  </p:cNvPr>
+                  <p:cNvPicPr>
+                    <a:picLocks noChangeAspect="1" noChangeArrowheads="1"/>
+                  </p:cNvPicPr>
+                  <p:nvPr/>
+                </p:nvPicPr>
+                <p:blipFill>
+                  <a:blip r:embed="rId4">
+                    <a:lum bright="70000" contrast="-70000"/>
+                    <a:extLst>
+                      <a:ext uri="{28A0092B-C50C-407E-A947-70E740481C1C}">
+                        <a14:useLocalDpi xmlns:a14="http://schemas.microsoft.com/office/drawing/2010/main" val="0"/>
+                      </a:ext>
+                    </a:extLst>
+                  </a:blip>
+                  <a:srcRect/>
+                  <a:stretch>
+                    <a:fillRect/>
+                  </a:stretch>
+                </p:blipFill>
+                <p:spPr bwMode="auto">
+                  <a:xfrm>
+                    <a:off x="7848979" y="4552711"/>
+                    <a:ext cx="261887" cy="261887"/>
+                  </a:xfrm>
+                  <a:prstGeom prst="rect">
+                    <a:avLst/>
+                  </a:prstGeom>
+                  <a:noFill/>
+                  <a:extLst>
+                    <a:ext uri="{909E8E84-426E-40DD-AFC4-6F175D3DCCD1}">
+                      <a14:hiddenFill xmlns:a14="http://schemas.microsoft.com/office/drawing/2010/main">
+                        <a:solidFill>
+                          <a:srgbClr val="FFFFFF"/>
+                        </a:solidFill>
+                      </a14:hiddenFill>
+                    </a:ext>
+                  </a:extLst>
+                </p:spPr>
+              </p:pic>
+            </p:grpSp>
+            <mc:AlternateContent xmlns:mc="http://schemas.openxmlformats.org/markup-compatibility/2006">
+              <mc:Choice xmlns:am3d="http://schemas.microsoft.com/office/drawing/2017/model3d" Requires="am3d">
+                <p:graphicFrame>
+                  <p:nvGraphicFramePr>
+                    <p:cNvPr id="61" name="3D Model 20" descr="Prism And Basal Pinacoid White">
+                      <a:extLst>
+                        <a:ext uri="{FF2B5EF4-FFF2-40B4-BE49-F238E27FC236}">
+                          <a16:creationId xmlns:a16="http://schemas.microsoft.com/office/drawing/2014/main" id="{0ABB1AE0-0091-3B47-D7B8-09EC8855099C}"/>
+                        </a:ext>
+                      </a:extLst>
+                    </p:cNvPr>
+                    <p:cNvGraphicFramePr>
+                      <a:graphicFrameLocks noChangeAspect="1"/>
+                    </p:cNvGraphicFramePr>
+                    <p:nvPr>
+                      <p:extLst>
+                        <p:ext uri="{D42A27DB-BD31-4B8C-83A1-F6EECF244321}">
+                          <p14:modId xmlns:p14="http://schemas.microsoft.com/office/powerpoint/2010/main" val="3580172194"/>
+                        </p:ext>
+                      </p:extLst>
+                    </p:nvPr>
+                  </p:nvGraphicFramePr>
+                  <p:xfrm>
+                    <a:off x="1477382" y="2078975"/>
+                    <a:ext cx="1359355" cy="1540553"/>
+                  </p:xfrm>
+                  <a:graphic>
+                    <a:graphicData uri="http://schemas.microsoft.com/office/drawing/2017/model3d">
+                      <am3d:model3d r:embed="rId5">
+                        <am3d:spPr>
+                          <a:xfrm>
+                            <a:off x="0" y="0"/>
+                            <a:ext cx="1359355" cy="1540553"/>
+                          </a:xfrm>
+                          <a:prstGeom prst="rect">
+                            <a:avLst/>
+                          </a:prstGeom>
+                          <a:effectLst>
+                            <a:glow rad="259103">
+                              <a:schemeClr val="accent1">
+                                <a:lumMod val="60000"/>
+                                <a:lumOff val="40000"/>
+                                <a:alpha val="62000"/>
+                              </a:schemeClr>
+                            </a:glow>
+                          </a:effectLst>
+                        </am3d:spPr>
+                        <am3d:camera>
+                          <am3d:pos x="0" y="0" z="81469150"/>
+                          <am3d:up dx="0" dy="36000000" dz="0"/>
+                          <am3d:lookAt x="0" y="0" z="0"/>
+                          <am3d:perspective fov="2700000"/>
+                        </am3d:camera>
+                        <am3d:trans>
+                          <am3d:meterPerModelUnit n="139970" d="1000000"/>
+                          <am3d:preTrans dx="-76" dy="-17999982" dz="1"/>
+                          <am3d:scale>
+                            <am3d:sx n="1000000" d="1000000"/>
+                            <am3d:sy n="1000000" d="1000000"/>
+                            <am3d:sz n="1000000" d="1000000"/>
+                          </am3d:scale>
+                          <am3d:rot ax="-2183283" ay="2913714" az="9064903"/>
+                          <am3d:postTrans dx="0" dy="0" dz="0"/>
+                        </am3d:trans>
+                        <am3d:raster rName="Office3DRenderer" rVer="16.0.8326">
+                          <am3d:blip r:embed="rId6"/>
+                        </am3d:raster>
+                        <am3d:objViewport viewportSz="1581524"/>
+                        <am3d:ambientLight>
+                          <am3d:clr>
+                            <a:scrgbClr r="50000" g="50000" b="50000"/>
+                          </am3d:clr>
+                          <am3d:illuminance n="500000" d="1000000"/>
+                        </am3d:ambientLight>
+                        <am3d:ptLight rad="0">
+                          <am3d:clr>
+                            <a:scrgbClr r="100000" g="75000" b="50000"/>
+                          </am3d:clr>
+                          <am3d:intensity n="9765625" d="1000000"/>
+                          <am3d:pos x="21959998" y="70920001" z="16344003"/>
+                        </am3d:ptLight>
+                        <am3d:ptLight rad="0">
+                          <am3d:clr>
+                            <a:scrgbClr r="40000" g="60000" b="95000"/>
+                          </am3d:clr>
+                          <am3d:intensity n="12250000" d="1000000"/>
+                          <am3d:pos x="-37964106" y="51130435" z="57631972"/>
+                        </am3d:ptLight>
+                        <am3d:ptLight rad="0">
+                          <am3d:clr>
+                            <a:scrgbClr r="86837" g="72700" b="100000"/>
+                          </am3d:clr>
+                          <am3d:intensity n="3125000" d="1000000"/>
+                          <am3d:pos x="-37739122" y="58056624" z="-34769649"/>
+                        </am3d:ptLight>
+                      </am3d:model3d>
+                    </a:graphicData>
+                  </a:graphic>
+                </p:graphicFrame>
+              </mc:Choice>
+              <mc:Fallback>
+                <p:pic>
+                  <p:nvPicPr>
+                    <p:cNvPr id="61" name="3D Model 20" descr="Prism And Basal Pinacoid White">
+                      <a:extLst>
+                        <a:ext uri="{FF2B5EF4-FFF2-40B4-BE49-F238E27FC236}">
+                          <a16:creationId xmlns:a16="http://schemas.microsoft.com/office/drawing/2014/main" id="{0ABB1AE0-0091-3B47-D7B8-09EC8855099C}"/>
+                        </a:ext>
+                      </a:extLst>
+                    </p:cNvPr>
+                    <p:cNvPicPr>
+                      <a:picLocks noGrp="1" noRot="1" noChangeAspect="1" noMove="1" noResize="1" noEditPoints="1" noAdjustHandles="1" noChangeArrowheads="1" noChangeShapeType="1" noCrop="1"/>
+                    </p:cNvPicPr>
+                    <p:nvPr/>
+                  </p:nvPicPr>
+                  <p:blipFill>
+                    <a:blip r:embed="rId6"/>
+                    <a:stretch>
+                      <a:fillRect/>
+                    </a:stretch>
+                  </p:blipFill>
+                  <p:spPr>
+                    <a:xfrm>
+                      <a:off x="966332" y="1792295"/>
+                      <a:ext cx="1359355" cy="1540553"/>
+                    </a:xfrm>
+                    <a:prstGeom prst="rect">
+                      <a:avLst/>
+                    </a:prstGeom>
+                    <a:effectLst>
+                      <a:glow rad="259103">
+                        <a:schemeClr val="accent1">
+                          <a:lumMod val="60000"/>
+                          <a:lumOff val="40000"/>
+                          <a:alpha val="62000"/>
+                        </a:schemeClr>
+                      </a:glow>
+                    </a:effectLst>
+                  </p:spPr>
+                </p:pic>
+              </mc:Fallback>
+            </mc:AlternateContent>
+            <p:cxnSp>
+              <p:nvCxnSpPr>
+                <p:cNvPr id="91" name="Straight Arrow Connector 90">
+                  <a:extLst>
+                    <a:ext uri="{FF2B5EF4-FFF2-40B4-BE49-F238E27FC236}">
+                      <a16:creationId xmlns:a16="http://schemas.microsoft.com/office/drawing/2014/main" id="{4F691997-033C-7D4C-97C9-3DBAA0456AD2}"/>
+                    </a:ext>
+                  </a:extLst>
+                </p:cNvPr>
+                <p:cNvCxnSpPr/>
+                <p:nvPr/>
+              </p:nvCxnSpPr>
+              <p:spPr>
+                <a:xfrm flipH="1" flipV="1">
+                  <a:off x="2298863" y="2998950"/>
+                  <a:ext cx="1051345" cy="1410420"/>
+                </a:xfrm>
+                <a:prstGeom prst="straightConnector1">
+                  <a:avLst/>
+                </a:prstGeom>
+                <a:ln w="63500">
+                  <a:solidFill>
+                    <a:schemeClr val="tx1"/>
+                  </a:solidFill>
+                  <a:tailEnd type="triangle"/>
+                </a:ln>
+              </p:spPr>
+              <p:style>
+                <a:lnRef idx="1">
+                  <a:schemeClr val="accent1"/>
+                </a:lnRef>
+                <a:fillRef idx="0">
+                  <a:schemeClr val="accent1"/>
+                </a:fillRef>
+                <a:effectRef idx="0">
+                  <a:schemeClr val="accent1"/>
+                </a:effectRef>
+                <a:fontRef idx="minor">
+                  <a:schemeClr val="tx1"/>
+                </a:fontRef>
+              </p:style>
+            </p:cxnSp>
+          </p:grpSp>
           <p:sp>
             <p:nvSpPr>
-              <p:cNvPr id="27" name="泪滴形 3">
+              <p:cNvPr id="93" name="TextBox 92">
                 <a:extLst>
                   <a:ext uri="{FF2B5EF4-FFF2-40B4-BE49-F238E27FC236}">
-                    <a16:creationId xmlns:a16="http://schemas.microsoft.com/office/drawing/2014/main" id="{45819F40-88C8-5A24-0190-758993E83097}"/>
+                    <a16:creationId xmlns:a16="http://schemas.microsoft.com/office/drawing/2014/main" id="{760C2318-3331-CCC0-9B5C-DACEA2FDA425}"/>
+                  </a:ext>
+                </a:extLst>
+              </p:cNvPr>
+              <p:cNvSpPr txBox="1"/>
+              <p:nvPr/>
+            </p:nvSpPr>
+            <p:spPr>
+              <a:xfrm>
+                <a:off x="2455236" y="3379171"/>
+                <a:ext cx="1448089" cy="369332"/>
+              </a:xfrm>
+              <a:prstGeom prst="rect">
+                <a:avLst/>
+              </a:prstGeom>
+              <a:noFill/>
+            </p:spPr>
+            <p:txBody>
+              <a:bodyPr wrap="none" rtlCol="0">
+                <a:spAutoFit/>
+              </a:bodyPr>
+              <a:lstStyle/>
+              <a:p>
+                <a:r>
+                  <a:rPr lang="en-US" dirty="0"/>
+                  <a:t>h</a:t>
+                </a:r>
+                <a:r>
+                  <a:rPr lang="en-CN" dirty="0"/>
+                  <a:t>ead forward</a:t>
+                </a:r>
+              </a:p>
+            </p:txBody>
+          </p:sp>
+          <p:grpSp>
+            <p:nvGrpSpPr>
+              <p:cNvPr id="100" name="Group 99">
+                <a:extLst>
+                  <a:ext uri="{FF2B5EF4-FFF2-40B4-BE49-F238E27FC236}">
+                    <a16:creationId xmlns:a16="http://schemas.microsoft.com/office/drawing/2014/main" id="{9FC4BD29-E450-4CF7-6759-72B35926C6D2}"/>
+                  </a:ext>
+                </a:extLst>
+              </p:cNvPr>
+              <p:cNvGrpSpPr/>
+              <p:nvPr/>
+            </p:nvGrpSpPr>
+            <p:grpSpPr>
+              <a:xfrm>
+                <a:off x="5542821" y="25730"/>
+                <a:ext cx="5625270" cy="5645374"/>
+                <a:chOff x="5785415" y="25730"/>
+                <a:chExt cx="5625270" cy="5645374"/>
+              </a:xfrm>
+            </p:grpSpPr>
+            <p:grpSp>
+              <p:nvGrpSpPr>
+                <p:cNvPr id="85" name="Group 84">
+                  <a:extLst>
+                    <a:ext uri="{FF2B5EF4-FFF2-40B4-BE49-F238E27FC236}">
+                      <a16:creationId xmlns:a16="http://schemas.microsoft.com/office/drawing/2014/main" id="{DD1D8749-0DFF-7752-7677-D03C837393B5}"/>
+                    </a:ext>
+                  </a:extLst>
+                </p:cNvPr>
+                <p:cNvGrpSpPr/>
+                <p:nvPr/>
+              </p:nvGrpSpPr>
+              <p:grpSpPr>
+                <a:xfrm>
+                  <a:off x="5785415" y="25730"/>
+                  <a:ext cx="5452545" cy="5645374"/>
+                  <a:chOff x="3845400" y="1084119"/>
+                  <a:chExt cx="3629988" cy="3758363"/>
+                </a:xfrm>
+              </p:grpSpPr>
+              <p:grpSp>
+                <p:nvGrpSpPr>
+                  <p:cNvPr id="21" name="组合 18">
+                    <a:extLst>
+                      <a:ext uri="{FF2B5EF4-FFF2-40B4-BE49-F238E27FC236}">
+                        <a16:creationId xmlns:a16="http://schemas.microsoft.com/office/drawing/2014/main" id="{2BB31F8B-1F93-0613-EAB2-4B2D2C0E7D6B}"/>
+                      </a:ext>
+                    </a:extLst>
+                  </p:cNvPr>
+                  <p:cNvGrpSpPr/>
+                  <p:nvPr/>
+                </p:nvGrpSpPr>
+                <p:grpSpPr>
+                  <a:xfrm>
+                    <a:off x="4230726" y="1636859"/>
+                    <a:ext cx="2724691" cy="2706346"/>
+                    <a:chOff x="3056876" y="410340"/>
+                    <a:chExt cx="6078239" cy="6037316"/>
+                  </a:xfrm>
+                </p:grpSpPr>
+                <p:grpSp>
+                  <p:nvGrpSpPr>
+                    <p:cNvPr id="22" name="组合 17">
+                      <a:extLst>
+                        <a:ext uri="{FF2B5EF4-FFF2-40B4-BE49-F238E27FC236}">
+                          <a16:creationId xmlns:a16="http://schemas.microsoft.com/office/drawing/2014/main" id="{B0014126-3F85-0ED2-446F-F8658E3F0F68}"/>
+                        </a:ext>
+                      </a:extLst>
+                    </p:cNvPr>
+                    <p:cNvGrpSpPr/>
+                    <p:nvPr/>
+                  </p:nvGrpSpPr>
+                  <p:grpSpPr>
+                    <a:xfrm>
+                      <a:off x="3056876" y="410340"/>
+                      <a:ext cx="6078239" cy="6037316"/>
+                      <a:chOff x="3056876" y="410340"/>
+                      <a:chExt cx="6078239" cy="6037316"/>
+                    </a:xfrm>
+                  </p:grpSpPr>
+                  <p:sp>
+                    <p:nvSpPr>
+                      <p:cNvPr id="27" name="泪滴形 3">
+                        <a:extLst>
+                          <a:ext uri="{FF2B5EF4-FFF2-40B4-BE49-F238E27FC236}">
+                            <a16:creationId xmlns:a16="http://schemas.microsoft.com/office/drawing/2014/main" id="{45819F40-88C8-5A24-0190-758993E83097}"/>
+                          </a:ext>
+                        </a:extLst>
+                      </p:cNvPr>
+                      <p:cNvSpPr/>
+                      <p:nvPr/>
+                    </p:nvSpPr>
+                    <p:spPr>
+                      <a:xfrm rot="2700000">
+                        <a:off x="3056876" y="2218506"/>
+                        <a:ext cx="2420983" cy="2420983"/>
+                      </a:xfrm>
+                      <a:prstGeom prst="teardrop">
+                        <a:avLst/>
+                      </a:prstGeom>
+                      <a:gradFill flip="none" rotWithShape="1">
+                        <a:gsLst>
+                          <a:gs pos="0">
+                            <a:schemeClr val="accent6">
+                              <a:alpha val="0"/>
+                              <a:lumMod val="60000"/>
+                              <a:lumOff val="40000"/>
+                            </a:schemeClr>
+                          </a:gs>
+                          <a:gs pos="50000">
+                            <a:schemeClr val="accent6">
+                              <a:lumMod val="60000"/>
+                              <a:lumOff val="40000"/>
+                              <a:alpha val="85000"/>
+                            </a:schemeClr>
+                          </a:gs>
+                          <a:gs pos="100000">
+                            <a:schemeClr val="accent6">
+                              <a:lumMod val="60000"/>
+                              <a:lumOff val="40000"/>
+                            </a:schemeClr>
+                          </a:gs>
+                        </a:gsLst>
+                        <a:lin ang="8100000" scaled="0"/>
+                        <a:tileRect/>
+                      </a:gradFill>
+                      <a:ln w="38100">
+                        <a:gradFill>
+                          <a:gsLst>
+                            <a:gs pos="25000">
+                              <a:schemeClr val="bg1">
+                                <a:alpha val="0"/>
+                                <a:lumMod val="60000"/>
+                                <a:lumOff val="40000"/>
+                              </a:schemeClr>
+                            </a:gs>
+                            <a:gs pos="100000">
+                              <a:schemeClr val="bg1">
+                                <a:alpha val="85000"/>
+                                <a:lumMod val="60000"/>
+                                <a:lumOff val="40000"/>
+                              </a:schemeClr>
+                            </a:gs>
+                            <a:gs pos="50000">
+                              <a:schemeClr val="bg1">
+                                <a:lumMod val="60000"/>
+                                <a:lumOff val="40000"/>
+                                <a:alpha val="50000"/>
+                              </a:schemeClr>
+                            </a:gs>
+                          </a:gsLst>
+                          <a:lin ang="8100000" scaled="0"/>
+                        </a:gradFill>
+                      </a:ln>
+                      <a:effectLst/>
+                    </p:spPr>
+                    <p:style>
+                      <a:lnRef idx="2">
+                        <a:schemeClr val="accent1">
+                          <a:shade val="50000"/>
+                        </a:schemeClr>
+                      </a:lnRef>
+                      <a:fillRef idx="1">
+                        <a:schemeClr val="accent1"/>
+                      </a:fillRef>
+                      <a:effectRef idx="0">
+                        <a:schemeClr val="accent1"/>
+                      </a:effectRef>
+                      <a:fontRef idx="minor">
+                        <a:schemeClr val="lt1"/>
+                      </a:fontRef>
+                    </p:style>
+                    <p:txBody>
+                      <a:bodyPr rtlCol="0" anchor="ctr"/>
+                      <a:lstStyle/>
+                      <a:p>
+                        <a:pPr algn="ctr"/>
+                        <a:endParaRPr lang="zh-CN" altLang="en-US" sz="2704" dirty="0"/>
+                      </a:p>
+                    </p:txBody>
+                  </p:sp>
+                  <p:sp>
+                    <p:nvSpPr>
+                      <p:cNvPr id="28" name="泪滴形 4">
+                        <a:extLst>
+                          <a:ext uri="{FF2B5EF4-FFF2-40B4-BE49-F238E27FC236}">
+                            <a16:creationId xmlns:a16="http://schemas.microsoft.com/office/drawing/2014/main" id="{582BDA8C-3527-468A-BCFC-2E7150DA400D}"/>
+                          </a:ext>
+                        </a:extLst>
+                      </p:cNvPr>
+                      <p:cNvSpPr/>
+                      <p:nvPr/>
+                    </p:nvSpPr>
+                    <p:spPr>
+                      <a:xfrm rot="8100000">
+                        <a:off x="4885505" y="410340"/>
+                        <a:ext cx="2420983" cy="2420983"/>
+                      </a:xfrm>
+                      <a:prstGeom prst="teardrop">
+                        <a:avLst/>
+                      </a:prstGeom>
+                      <a:gradFill flip="none" rotWithShape="1">
+                        <a:gsLst>
+                          <a:gs pos="0">
+                            <a:schemeClr val="accent6">
+                              <a:alpha val="0"/>
+                              <a:lumMod val="60000"/>
+                              <a:lumOff val="40000"/>
+                            </a:schemeClr>
+                          </a:gs>
+                          <a:gs pos="50000">
+                            <a:schemeClr val="accent6">
+                              <a:lumMod val="60000"/>
+                              <a:lumOff val="40000"/>
+                              <a:alpha val="85000"/>
+                            </a:schemeClr>
+                          </a:gs>
+                          <a:gs pos="100000">
+                            <a:schemeClr val="accent6">
+                              <a:lumMod val="60000"/>
+                              <a:lumOff val="40000"/>
+                            </a:schemeClr>
+                          </a:gs>
+                        </a:gsLst>
+                        <a:lin ang="8100000" scaled="0"/>
+                        <a:tileRect/>
+                      </a:gradFill>
+                      <a:ln w="38100">
+                        <a:gradFill>
+                          <a:gsLst>
+                            <a:gs pos="25000">
+                              <a:schemeClr val="bg1">
+                                <a:alpha val="0"/>
+                                <a:lumMod val="60000"/>
+                                <a:lumOff val="40000"/>
+                              </a:schemeClr>
+                            </a:gs>
+                            <a:gs pos="100000">
+                              <a:schemeClr val="bg1">
+                                <a:alpha val="85000"/>
+                                <a:lumMod val="60000"/>
+                                <a:lumOff val="40000"/>
+                              </a:schemeClr>
+                            </a:gs>
+                            <a:gs pos="50000">
+                              <a:schemeClr val="bg1">
+                                <a:lumMod val="60000"/>
+                                <a:lumOff val="40000"/>
+                                <a:alpha val="50000"/>
+                              </a:schemeClr>
+                            </a:gs>
+                          </a:gsLst>
+                          <a:lin ang="8100000" scaled="0"/>
+                        </a:gradFill>
+                      </a:ln>
+                      <a:effectLst/>
+                    </p:spPr>
+                    <p:style>
+                      <a:lnRef idx="2">
+                        <a:schemeClr val="accent1">
+                          <a:shade val="50000"/>
+                        </a:schemeClr>
+                      </a:lnRef>
+                      <a:fillRef idx="1">
+                        <a:schemeClr val="accent1"/>
+                      </a:fillRef>
+                      <a:effectRef idx="0">
+                        <a:schemeClr val="accent1"/>
+                      </a:effectRef>
+                      <a:fontRef idx="minor">
+                        <a:schemeClr val="lt1"/>
+                      </a:fontRef>
+                    </p:style>
+                    <p:txBody>
+                      <a:bodyPr rtlCol="0" anchor="ctr"/>
+                      <a:lstStyle/>
+                      <a:p>
+                        <a:pPr algn="ctr"/>
+                        <a:endParaRPr lang="zh-CN" altLang="en-US" sz="2704" dirty="0"/>
+                      </a:p>
+                    </p:txBody>
+                  </p:sp>
+                  <p:sp>
+                    <p:nvSpPr>
+                      <p:cNvPr id="29" name="泪滴形 6">
+                        <a:extLst>
+                          <a:ext uri="{FF2B5EF4-FFF2-40B4-BE49-F238E27FC236}">
+                            <a16:creationId xmlns:a16="http://schemas.microsoft.com/office/drawing/2014/main" id="{97EBA064-9AD4-5350-EC60-2CAFB8EC018A}"/>
+                          </a:ext>
+                        </a:extLst>
+                      </p:cNvPr>
+                      <p:cNvSpPr/>
+                      <p:nvPr/>
+                    </p:nvSpPr>
+                    <p:spPr>
+                      <a:xfrm rot="18900000">
+                        <a:off x="4885505" y="4026673"/>
+                        <a:ext cx="2420983" cy="2420983"/>
+                      </a:xfrm>
+                      <a:prstGeom prst="teardrop">
+                        <a:avLst/>
+                      </a:prstGeom>
+                      <a:gradFill flip="none" rotWithShape="1">
+                        <a:gsLst>
+                          <a:gs pos="0">
+                            <a:schemeClr val="accent6">
+                              <a:alpha val="0"/>
+                              <a:lumMod val="60000"/>
+                              <a:lumOff val="40000"/>
+                            </a:schemeClr>
+                          </a:gs>
+                          <a:gs pos="50000">
+                            <a:schemeClr val="accent6">
+                              <a:lumMod val="60000"/>
+                              <a:lumOff val="40000"/>
+                              <a:alpha val="85000"/>
+                            </a:schemeClr>
+                          </a:gs>
+                          <a:gs pos="100000">
+                            <a:schemeClr val="accent6">
+                              <a:lumMod val="60000"/>
+                              <a:lumOff val="40000"/>
+                            </a:schemeClr>
+                          </a:gs>
+                        </a:gsLst>
+                        <a:lin ang="8100000" scaled="0"/>
+                        <a:tileRect/>
+                      </a:gradFill>
+                      <a:ln w="38100">
+                        <a:gradFill>
+                          <a:gsLst>
+                            <a:gs pos="25000">
+                              <a:schemeClr val="bg1">
+                                <a:alpha val="0"/>
+                                <a:lumMod val="60000"/>
+                                <a:lumOff val="40000"/>
+                              </a:schemeClr>
+                            </a:gs>
+                            <a:gs pos="100000">
+                              <a:schemeClr val="bg1">
+                                <a:alpha val="85000"/>
+                                <a:lumMod val="60000"/>
+                                <a:lumOff val="40000"/>
+                              </a:schemeClr>
+                            </a:gs>
+                            <a:gs pos="50000">
+                              <a:schemeClr val="bg1">
+                                <a:lumMod val="60000"/>
+                                <a:lumOff val="40000"/>
+                                <a:alpha val="50000"/>
+                              </a:schemeClr>
+                            </a:gs>
+                          </a:gsLst>
+                          <a:lin ang="8100000" scaled="0"/>
+                        </a:gradFill>
+                      </a:ln>
+                      <a:effectLst/>
+                    </p:spPr>
+                    <p:style>
+                      <a:lnRef idx="2">
+                        <a:schemeClr val="accent1">
+                          <a:shade val="50000"/>
+                        </a:schemeClr>
+                      </a:lnRef>
+                      <a:fillRef idx="1">
+                        <a:schemeClr val="accent1"/>
+                      </a:fillRef>
+                      <a:effectRef idx="0">
+                        <a:schemeClr val="accent1"/>
+                      </a:effectRef>
+                      <a:fontRef idx="minor">
+                        <a:schemeClr val="lt1"/>
+                      </a:fontRef>
+                    </p:style>
+                    <p:txBody>
+                      <a:bodyPr rtlCol="0" anchor="ctr"/>
+                      <a:lstStyle/>
+                      <a:p>
+                        <a:pPr algn="ctr"/>
+                        <a:endParaRPr lang="zh-CN" altLang="en-US" sz="2704" dirty="0"/>
+                      </a:p>
+                    </p:txBody>
+                  </p:sp>
+                  <p:sp>
+                    <p:nvSpPr>
+                      <p:cNvPr id="30" name="泪滴形 7">
+                        <a:extLst>
+                          <a:ext uri="{FF2B5EF4-FFF2-40B4-BE49-F238E27FC236}">
+                            <a16:creationId xmlns:a16="http://schemas.microsoft.com/office/drawing/2014/main" id="{9D0BABC0-FA80-1C4C-4117-C7D40D0B6A07}"/>
+                          </a:ext>
+                        </a:extLst>
+                      </p:cNvPr>
+                      <p:cNvSpPr/>
+                      <p:nvPr/>
+                    </p:nvSpPr>
+                    <p:spPr>
+                      <a:xfrm rot="13500000">
+                        <a:off x="6714132" y="2218508"/>
+                        <a:ext cx="2420983" cy="2420983"/>
+                      </a:xfrm>
+                      <a:prstGeom prst="teardrop">
+                        <a:avLst/>
+                      </a:prstGeom>
+                      <a:gradFill flip="none" rotWithShape="1">
+                        <a:gsLst>
+                          <a:gs pos="0">
+                            <a:schemeClr val="accent6">
+                              <a:alpha val="0"/>
+                              <a:lumMod val="60000"/>
+                              <a:lumOff val="40000"/>
+                            </a:schemeClr>
+                          </a:gs>
+                          <a:gs pos="50000">
+                            <a:schemeClr val="accent6">
+                              <a:lumMod val="60000"/>
+                              <a:lumOff val="40000"/>
+                              <a:alpha val="85000"/>
+                            </a:schemeClr>
+                          </a:gs>
+                          <a:gs pos="100000">
+                            <a:schemeClr val="accent6">
+                              <a:lumMod val="60000"/>
+                              <a:lumOff val="40000"/>
+                            </a:schemeClr>
+                          </a:gs>
+                        </a:gsLst>
+                        <a:lin ang="8100000" scaled="0"/>
+                        <a:tileRect/>
+                      </a:gradFill>
+                      <a:ln w="38100">
+                        <a:gradFill>
+                          <a:gsLst>
+                            <a:gs pos="25000">
+                              <a:schemeClr val="bg1">
+                                <a:alpha val="0"/>
+                                <a:lumMod val="60000"/>
+                                <a:lumOff val="40000"/>
+                              </a:schemeClr>
+                            </a:gs>
+                            <a:gs pos="100000">
+                              <a:schemeClr val="bg1">
+                                <a:alpha val="85000"/>
+                                <a:lumMod val="60000"/>
+                                <a:lumOff val="40000"/>
+                              </a:schemeClr>
+                            </a:gs>
+                            <a:gs pos="50000">
+                              <a:schemeClr val="bg1">
+                                <a:lumMod val="60000"/>
+                                <a:lumOff val="40000"/>
+                                <a:alpha val="50000"/>
+                              </a:schemeClr>
+                            </a:gs>
+                          </a:gsLst>
+                          <a:lin ang="8100000" scaled="0"/>
+                        </a:gradFill>
+                      </a:ln>
+                      <a:effectLst/>
+                    </p:spPr>
+                    <p:style>
+                      <a:lnRef idx="2">
+                        <a:schemeClr val="accent1">
+                          <a:shade val="50000"/>
+                        </a:schemeClr>
+                      </a:lnRef>
+                      <a:fillRef idx="1">
+                        <a:schemeClr val="accent1"/>
+                      </a:fillRef>
+                      <a:effectRef idx="0">
+                        <a:schemeClr val="accent1"/>
+                      </a:effectRef>
+                      <a:fontRef idx="minor">
+                        <a:schemeClr val="lt1"/>
+                      </a:fontRef>
+                    </p:style>
+                    <p:txBody>
+                      <a:bodyPr rtlCol="0" anchor="ctr"/>
+                      <a:lstStyle/>
+                      <a:p>
+                        <a:pPr algn="ctr"/>
+                        <a:endParaRPr lang="zh-CN" altLang="en-US" sz="2704" dirty="0"/>
+                      </a:p>
+                    </p:txBody>
+                  </p:sp>
+                </p:grpSp>
+                <p:pic>
+                  <p:nvPicPr>
+                    <p:cNvPr id="23" name="图片 10" descr="形状&#10;&#10;中度可信度描述已自动生成">
+                      <a:extLst>
+                        <a:ext uri="{FF2B5EF4-FFF2-40B4-BE49-F238E27FC236}">
+                          <a16:creationId xmlns:a16="http://schemas.microsoft.com/office/drawing/2014/main" id="{D6116B46-BCA0-451B-E20F-91A2DDF3D993}"/>
+                        </a:ext>
+                      </a:extLst>
+                    </p:cNvPr>
+                    <p:cNvPicPr>
+                      <a:picLocks noChangeAspect="1"/>
+                    </p:cNvPicPr>
+                    <p:nvPr/>
+                  </p:nvPicPr>
+                  <p:blipFill>
+                    <a:blip r:embed="rId7">
+                      <a:extLst>
+                        <a:ext uri="{28A0092B-C50C-407E-A947-70E740481C1C}">
+                          <a14:useLocalDpi xmlns:a14="http://schemas.microsoft.com/office/drawing/2010/main" val="0"/>
+                        </a:ext>
+                      </a:extLst>
+                    </a:blip>
+                    <a:stretch>
+                      <a:fillRect/>
+                    </a:stretch>
+                  </p:blipFill>
+                  <p:spPr>
+                    <a:xfrm>
+                      <a:off x="4001329" y="4785059"/>
+                      <a:ext cx="4189331" cy="701582"/>
+                    </a:xfrm>
+                    <a:prstGeom prst="rect">
+                      <a:avLst/>
+                    </a:prstGeom>
+                  </p:spPr>
+                </p:pic>
+                <p:pic>
+                  <p:nvPicPr>
+                    <p:cNvPr id="24" name="图片 12" descr="形状&#10;&#10;中度可信度描述已自动生成">
+                      <a:extLst>
+                        <a:ext uri="{FF2B5EF4-FFF2-40B4-BE49-F238E27FC236}">
+                          <a16:creationId xmlns:a16="http://schemas.microsoft.com/office/drawing/2014/main" id="{2CA2E838-9AAB-640A-A91C-511318AB41EE}"/>
+                        </a:ext>
+                      </a:extLst>
+                    </p:cNvPr>
+                    <p:cNvPicPr>
+                      <a:picLocks noChangeAspect="1"/>
+                    </p:cNvPicPr>
+                    <p:nvPr/>
+                  </p:nvPicPr>
+                  <p:blipFill>
+                    <a:blip r:embed="rId8">
+                      <a:extLst>
+                        <a:ext uri="{28A0092B-C50C-407E-A947-70E740481C1C}">
+                          <a14:useLocalDpi xmlns:a14="http://schemas.microsoft.com/office/drawing/2010/main" val="0"/>
+                        </a:ext>
+                      </a:extLst>
+                    </a:blip>
+                    <a:stretch>
+                      <a:fillRect/>
+                    </a:stretch>
+                  </p:blipFill>
+                  <p:spPr>
+                    <a:xfrm>
+                      <a:off x="4001330" y="1366313"/>
+                      <a:ext cx="4189331" cy="701582"/>
+                    </a:xfrm>
+                    <a:prstGeom prst="rect">
+                      <a:avLst/>
+                    </a:prstGeom>
+                  </p:spPr>
+                </p:pic>
+                <p:pic>
+                  <p:nvPicPr>
+                    <p:cNvPr id="25" name="图片 14" descr="形状&#10;&#10;中度可信度描述已自动生成">
+                      <a:extLst>
+                        <a:ext uri="{FF2B5EF4-FFF2-40B4-BE49-F238E27FC236}">
+                          <a16:creationId xmlns:a16="http://schemas.microsoft.com/office/drawing/2014/main" id="{899A839B-D335-BD90-8FF5-66F99099515D}"/>
+                        </a:ext>
+                      </a:extLst>
+                    </p:cNvPr>
+                    <p:cNvPicPr>
+                      <a:picLocks noChangeAspect="1"/>
+                    </p:cNvPicPr>
+                    <p:nvPr/>
+                  </p:nvPicPr>
+                  <p:blipFill>
+                    <a:blip r:embed="rId9">
+                      <a:extLst>
+                        <a:ext uri="{28A0092B-C50C-407E-A947-70E740481C1C}">
+                          <a14:useLocalDpi xmlns:a14="http://schemas.microsoft.com/office/drawing/2010/main" val="0"/>
+                        </a:ext>
+                      </a:extLst>
+                    </a:blip>
+                    <a:stretch>
+                      <a:fillRect/>
+                    </a:stretch>
+                  </p:blipFill>
+                  <p:spPr>
+                    <a:xfrm rot="16200000">
+                      <a:off x="2325210" y="3083717"/>
+                      <a:ext cx="4189331" cy="701582"/>
+                    </a:xfrm>
+                    <a:prstGeom prst="rect">
+                      <a:avLst/>
+                    </a:prstGeom>
+                  </p:spPr>
+                </p:pic>
+                <p:pic>
+                  <p:nvPicPr>
+                    <p:cNvPr id="26" name="图片 16" descr="形状&#10;&#10;中度可信度描述已自动生成">
+                      <a:extLst>
+                        <a:ext uri="{FF2B5EF4-FFF2-40B4-BE49-F238E27FC236}">
+                          <a16:creationId xmlns:a16="http://schemas.microsoft.com/office/drawing/2014/main" id="{F95ABF31-EF2A-8ACF-3DB4-4F4B99524BCC}"/>
+                        </a:ext>
+                      </a:extLst>
+                    </p:cNvPr>
+                    <p:cNvPicPr>
+                      <a:picLocks noChangeAspect="1"/>
+                    </p:cNvPicPr>
+                    <p:nvPr/>
+                  </p:nvPicPr>
+                  <p:blipFill>
+                    <a:blip r:embed="rId10">
+                      <a:extLst>
+                        <a:ext uri="{28A0092B-C50C-407E-A947-70E740481C1C}">
+                          <a14:useLocalDpi xmlns:a14="http://schemas.microsoft.com/office/drawing/2010/main" val="0"/>
+                        </a:ext>
+                      </a:extLst>
+                    </a:blip>
+                    <a:stretch>
+                      <a:fillRect/>
+                    </a:stretch>
+                  </p:blipFill>
+                  <p:spPr>
+                    <a:xfrm rot="5400000">
+                      <a:off x="5677452" y="3078207"/>
+                      <a:ext cx="4189331" cy="701582"/>
+                    </a:xfrm>
+                    <a:prstGeom prst="rect">
+                      <a:avLst/>
+                    </a:prstGeom>
+                  </p:spPr>
+                </p:pic>
+              </p:grpSp>
+              <p:grpSp>
+                <p:nvGrpSpPr>
+                  <p:cNvPr id="17" name="Group 16">
+                    <a:extLst>
+                      <a:ext uri="{FF2B5EF4-FFF2-40B4-BE49-F238E27FC236}">
+                        <a16:creationId xmlns:a16="http://schemas.microsoft.com/office/drawing/2014/main" id="{EA0D6789-2275-E2AD-E63C-4CE9B9F43D3C}"/>
+                      </a:ext>
+                    </a:extLst>
+                  </p:cNvPr>
+                  <p:cNvGrpSpPr/>
+                  <p:nvPr/>
+                </p:nvGrpSpPr>
+                <p:grpSpPr>
+                  <a:xfrm>
+                    <a:off x="6229490" y="3662013"/>
+                    <a:ext cx="866402" cy="1025611"/>
+                    <a:chOff x="7579941" y="3963212"/>
+                    <a:chExt cx="1476117" cy="1747368"/>
+                  </a:xfrm>
+                </p:grpSpPr>
+                <p:pic>
+                  <p:nvPicPr>
+                    <p:cNvPr id="18" name="Picture 8" descr="Big Image - Head Silhouette Clipart, HD Png Download - 2032x2304(#2137798)  - PngFind">
+                      <a:extLst>
+                        <a:ext uri="{FF2B5EF4-FFF2-40B4-BE49-F238E27FC236}">
+                          <a16:creationId xmlns:a16="http://schemas.microsoft.com/office/drawing/2014/main" id="{224137AD-8E5A-729C-9063-0AB4971CABC8}"/>
+                        </a:ext>
+                      </a:extLst>
+                    </p:cNvPr>
+                    <p:cNvPicPr>
+                      <a:picLocks noChangeAspect="1" noChangeArrowheads="1"/>
+                    </p:cNvPicPr>
+                    <p:nvPr/>
+                  </p:nvPicPr>
+                  <p:blipFill>
+                    <a:blip r:embed="rId2">
+                      <a:extLst>
+                        <a:ext uri="{BEBA8EAE-BF5A-486C-A8C5-ECC9F3942E4B}">
+                          <a14:imgProps xmlns:a14="http://schemas.microsoft.com/office/drawing/2010/main">
+                            <a14:imgLayer r:embed="rId3">
+                              <a14:imgEffect>
+                                <a14:backgroundRemoval t="6956" b="92440" l="1667" r="95000">
+                                  <a14:foregroundMark x1="25476" y1="29738" x2="31429" y2="14214"/>
+                                  <a14:foregroundMark x1="31429" y1="14214" x2="50119" y2="6956"/>
+                                  <a14:foregroundMark x1="50119" y1="6956" x2="52619" y2="7560"/>
+                                  <a14:foregroundMark x1="52619" y1="13609" x2="52619" y2="13609"/>
+                                  <a14:foregroundMark x1="7381" y1="28226" x2="6786" y2="33468"/>
+                                  <a14:foregroundMark x1="43095" y1="92641" x2="43095" y2="92641"/>
+                                  <a14:foregroundMark x1="90952" y1="51210" x2="90952" y2="51210"/>
+                                  <a14:foregroundMark x1="1667" y1="34577" x2="1667" y2="34577"/>
+                                  <a14:foregroundMark x1="95000" y1="52419" x2="95000" y2="52419"/>
+                                </a14:backgroundRemoval>
+                              </a14:imgEffect>
+                            </a14:imgLayer>
+                          </a14:imgProps>
+                        </a:ext>
+                        <a:ext uri="{28A0092B-C50C-407E-A947-70E740481C1C}">
+                          <a14:useLocalDpi xmlns:a14="http://schemas.microsoft.com/office/drawing/2010/main" val="0"/>
+                        </a:ext>
+                      </a:extLst>
+                    </a:blip>
+                    <a:srcRect/>
+                    <a:stretch>
+                      <a:fillRect/>
+                    </a:stretch>
+                  </p:blipFill>
+                  <p:spPr bwMode="auto">
+                    <a:xfrm flipH="1">
+                      <a:off x="7579941" y="3963212"/>
+                      <a:ext cx="1476117" cy="1747368"/>
+                    </a:xfrm>
+                    <a:prstGeom prst="rect">
+                      <a:avLst/>
+                    </a:prstGeom>
+                    <a:noFill/>
+                    <a:extLst>
+                      <a:ext uri="{909E8E84-426E-40DD-AFC4-6F175D3DCCD1}">
+                        <a14:hiddenFill xmlns:a14="http://schemas.microsoft.com/office/drawing/2010/main">
+                          <a:solidFill>
+                            <a:srgbClr val="FFFFFF"/>
+                          </a:solidFill>
+                        </a14:hiddenFill>
+                      </a:ext>
+                    </a:extLst>
+                  </p:spPr>
+                </p:pic>
+                <p:pic>
+                  <p:nvPicPr>
+                    <p:cNvPr id="19" name="Picture 10">
+                      <a:extLst>
+                        <a:ext uri="{FF2B5EF4-FFF2-40B4-BE49-F238E27FC236}">
+                          <a16:creationId xmlns:a16="http://schemas.microsoft.com/office/drawing/2014/main" id="{611E3DF2-C348-C220-AAE9-86525C9A2081}"/>
+                        </a:ext>
+                      </a:extLst>
+                    </p:cNvPr>
+                    <p:cNvPicPr>
+                      <a:picLocks noChangeAspect="1" noChangeArrowheads="1"/>
+                    </p:cNvPicPr>
+                    <p:nvPr/>
+                  </p:nvPicPr>
+                  <p:blipFill>
+                    <a:blip r:embed="rId4">
+                      <a:lum bright="70000" contrast="-70000"/>
+                      <a:extLst>
+                        <a:ext uri="{28A0092B-C50C-407E-A947-70E740481C1C}">
+                          <a14:useLocalDpi xmlns:a14="http://schemas.microsoft.com/office/drawing/2010/main" val="0"/>
+                        </a:ext>
+                      </a:extLst>
+                    </a:blip>
+                    <a:srcRect/>
+                    <a:stretch>
+                      <a:fillRect/>
+                    </a:stretch>
+                  </p:blipFill>
+                  <p:spPr bwMode="auto">
+                    <a:xfrm>
+                      <a:off x="7848979" y="4552711"/>
+                      <a:ext cx="261887" cy="261887"/>
+                    </a:xfrm>
+                    <a:prstGeom prst="rect">
+                      <a:avLst/>
+                    </a:prstGeom>
+                    <a:noFill/>
+                    <a:extLst>
+                      <a:ext uri="{909E8E84-426E-40DD-AFC4-6F175D3DCCD1}">
+                        <a14:hiddenFill xmlns:a14="http://schemas.microsoft.com/office/drawing/2010/main">
+                          <a:solidFill>
+                            <a:srgbClr val="FFFFFF"/>
+                          </a:solidFill>
+                        </a14:hiddenFill>
+                      </a:ext>
+                    </a:extLst>
+                  </p:spPr>
+                </p:pic>
+              </p:grpSp>
+              <mc:AlternateContent xmlns:mc="http://schemas.openxmlformats.org/markup-compatibility/2006">
+                <mc:Choice xmlns:am3d="http://schemas.microsoft.com/office/drawing/2017/model3d" Requires="am3d">
+                  <p:graphicFrame>
+                    <p:nvGraphicFramePr>
+                      <p:cNvPr id="20" name="3D Model 20" descr="Prism And Basal Pinacoid White">
+                        <a:extLst>
+                          <a:ext uri="{FF2B5EF4-FFF2-40B4-BE49-F238E27FC236}">
+                            <a16:creationId xmlns:a16="http://schemas.microsoft.com/office/drawing/2014/main" id="{51A441BB-C657-1C15-758F-41E5B264D6B4}"/>
+                          </a:ext>
+                        </a:extLst>
+                      </p:cNvPr>
+                      <p:cNvGraphicFramePr>
+                        <a:graphicFrameLocks noChangeAspect="1"/>
+                      </p:cNvGraphicFramePr>
+                      <p:nvPr>
+                        <p:extLst>
+                          <p:ext uri="{D42A27DB-BD31-4B8C-83A1-F6EECF244321}">
+                            <p14:modId xmlns:p14="http://schemas.microsoft.com/office/powerpoint/2010/main" val="3125261172"/>
+                          </p:ext>
+                        </p:extLst>
+                      </p:nvPr>
+                    </p:nvGraphicFramePr>
+                    <p:xfrm>
+                      <a:off x="5140582" y="2451051"/>
+                      <a:ext cx="904980" cy="1025611"/>
+                    </p:xfrm>
+                    <a:graphic>
+                      <a:graphicData uri="http://schemas.microsoft.com/office/drawing/2017/model3d">
+                        <am3d:model3d r:embed="rId5">
+                          <am3d:spPr>
+                            <a:xfrm>
+                              <a:off x="0" y="0"/>
+                              <a:ext cx="1359356" cy="1540553"/>
+                            </a:xfrm>
+                            <a:prstGeom prst="rect">
+                              <a:avLst/>
+                            </a:prstGeom>
+                            <a:effectLst>
+                              <a:glow rad="259103">
+                                <a:schemeClr val="accent1">
+                                  <a:lumMod val="60000"/>
+                                  <a:lumOff val="40000"/>
+                                  <a:alpha val="62000"/>
+                                </a:schemeClr>
+                              </a:glow>
+                            </a:effectLst>
+                          </am3d:spPr>
+                          <am3d:camera>
+                            <am3d:pos x="0" y="0" z="81469150"/>
+                            <am3d:up dx="0" dy="36000000" dz="0"/>
+                            <am3d:lookAt x="0" y="0" z="0"/>
+                            <am3d:perspective fov="2700000"/>
+                          </am3d:camera>
+                          <am3d:trans>
+                            <am3d:meterPerModelUnit n="139970" d="1000000"/>
+                            <am3d:preTrans dx="-76" dy="-17999982" dz="1"/>
+                            <am3d:scale>
+                              <am3d:sx n="1000000" d="1000000"/>
+                              <am3d:sy n="1000000" d="1000000"/>
+                              <am3d:sz n="1000000" d="1000000"/>
+                            </am3d:scale>
+                            <am3d:rot ax="-2183283" ay="2913714" az="9064903"/>
+                            <am3d:postTrans dx="0" dy="0" dz="0"/>
+                          </am3d:trans>
+                          <am3d:raster rName="Office3DRenderer" rVer="16.0.8326">
+                            <am3d:blip r:embed="rId11"/>
+                          </am3d:raster>
+                          <am3d:objViewport viewportSz="1581525"/>
+                          <am3d:ambientLight>
+                            <am3d:clr>
+                              <a:scrgbClr r="50000" g="50000" b="50000"/>
+                            </am3d:clr>
+                            <am3d:illuminance n="500000" d="1000000"/>
+                          </am3d:ambientLight>
+                          <am3d:ptLight rad="0">
+                            <am3d:clr>
+                              <a:scrgbClr r="100000" g="75000" b="50000"/>
+                            </am3d:clr>
+                            <am3d:intensity n="9765625" d="1000000"/>
+                            <am3d:pos x="21959998" y="70920001" z="16344003"/>
+                          </am3d:ptLight>
+                          <am3d:ptLight rad="0">
+                            <am3d:clr>
+                              <a:scrgbClr r="40000" g="60000" b="95000"/>
+                            </am3d:clr>
+                            <am3d:intensity n="12250000" d="1000000"/>
+                            <am3d:pos x="-37964106" y="51130435" z="57631972"/>
+                          </am3d:ptLight>
+                          <am3d:ptLight rad="0">
+                            <am3d:clr>
+                              <a:scrgbClr r="86837" g="72700" b="100000"/>
+                            </am3d:clr>
+                            <am3d:intensity n="3125000" d="1000000"/>
+                            <am3d:pos x="-37739122" y="58056624" z="-34769649"/>
+                          </am3d:ptLight>
+                        </am3d:model3d>
+                      </a:graphicData>
+                    </a:graphic>
+                  </p:graphicFrame>
+                </mc:Choice>
+                <mc:Fallback>
+                  <p:pic>
+                    <p:nvPicPr>
+                      <p:cNvPr id="20" name="3D Model 20" descr="Prism And Basal Pinacoid White">
+                        <a:extLst>
+                          <a:ext uri="{FF2B5EF4-FFF2-40B4-BE49-F238E27FC236}">
+                            <a16:creationId xmlns:a16="http://schemas.microsoft.com/office/drawing/2014/main" id="{51A441BB-C657-1C15-758F-41E5B264D6B4}"/>
+                          </a:ext>
+                        </a:extLst>
+                      </p:cNvPr>
+                      <p:cNvPicPr>
+                        <a:picLocks noGrp="1" noRot="1" noChangeAspect="1" noMove="1" noResize="1" noEditPoints="1" noAdjustHandles="1" noChangeArrowheads="1" noChangeShapeType="1" noCrop="1"/>
+                      </p:cNvPicPr>
+                      <p:nvPr/>
+                    </p:nvPicPr>
+                    <p:blipFill>
+                      <a:blip r:embed="rId11"/>
+                      <a:stretch>
+                        <a:fillRect/>
+                      </a:stretch>
+                    </p:blipFill>
+                    <p:spPr>
+                      <a:xfrm>
+                        <a:off x="7488292" y="1817715"/>
+                        <a:ext cx="1359356" cy="1540553"/>
+                      </a:xfrm>
+                      <a:prstGeom prst="rect">
+                        <a:avLst/>
+                      </a:prstGeom>
+                      <a:effectLst>
+                        <a:glow rad="259103">
+                          <a:schemeClr val="accent1">
+                            <a:lumMod val="60000"/>
+                            <a:lumOff val="40000"/>
+                            <a:alpha val="62000"/>
+                          </a:schemeClr>
+                        </a:glow>
+                      </a:effectLst>
+                    </p:spPr>
+                  </p:pic>
+                </mc:Fallback>
+              </mc:AlternateContent>
+              <p:cxnSp>
+                <p:nvCxnSpPr>
+                  <p:cNvPr id="3" name="Straight Connector 2">
+                    <a:extLst>
+                      <a:ext uri="{FF2B5EF4-FFF2-40B4-BE49-F238E27FC236}">
+                        <a16:creationId xmlns:a16="http://schemas.microsoft.com/office/drawing/2014/main" id="{4B2FC4B9-EBEC-8F05-0DD3-D10C1CF0AFA7}"/>
+                      </a:ext>
+                    </a:extLst>
+                  </p:cNvPr>
+                  <p:cNvCxnSpPr>
+                    <a:cxnSpLocks/>
+                  </p:cNvCxnSpPr>
+                  <p:nvPr/>
+                </p:nvCxnSpPr>
+                <p:spPr>
+                  <a:xfrm>
+                    <a:off x="5647100" y="1933029"/>
+                    <a:ext cx="795645" cy="2102939"/>
+                  </a:xfrm>
+                  <a:prstGeom prst="line">
+                    <a:avLst/>
+                  </a:prstGeom>
+                  <a:ln w="28575">
+                    <a:solidFill>
+                      <a:schemeClr val="bg1">
+                        <a:lumMod val="65000"/>
+                      </a:schemeClr>
+                    </a:solidFill>
+                    <a:headEnd type="arrow"/>
+                  </a:ln>
+                </p:spPr>
+                <p:style>
+                  <a:lnRef idx="1">
+                    <a:schemeClr val="dk1"/>
+                  </a:lnRef>
+                  <a:fillRef idx="0">
+                    <a:schemeClr val="dk1"/>
+                  </a:fillRef>
+                  <a:effectRef idx="0">
+                    <a:schemeClr val="dk1"/>
+                  </a:effectRef>
+                  <a:fontRef idx="minor">
+                    <a:schemeClr val="tx1"/>
+                  </a:fontRef>
+                </p:style>
+              </p:cxnSp>
+              <p:cxnSp>
+                <p:nvCxnSpPr>
+                  <p:cNvPr id="12" name="Straight Connector 11">
+                    <a:extLst>
+                      <a:ext uri="{FF2B5EF4-FFF2-40B4-BE49-F238E27FC236}">
+                        <a16:creationId xmlns:a16="http://schemas.microsoft.com/office/drawing/2014/main" id="{5EEB2FEB-B84D-EA19-93F5-D9ADA811D272}"/>
+                      </a:ext>
+                    </a:extLst>
+                  </p:cNvPr>
+                  <p:cNvCxnSpPr>
+                    <a:cxnSpLocks/>
+                  </p:cNvCxnSpPr>
+                  <p:nvPr/>
+                </p:nvCxnSpPr>
+                <p:spPr>
+                  <a:xfrm>
+                    <a:off x="5645400" y="3042482"/>
+                    <a:ext cx="803477" cy="990891"/>
+                  </a:xfrm>
+                  <a:prstGeom prst="line">
+                    <a:avLst/>
+                  </a:prstGeom>
+                  <a:ln w="28575">
+                    <a:solidFill>
+                      <a:schemeClr val="bg1">
+                        <a:lumMod val="65000"/>
+                      </a:schemeClr>
+                    </a:solidFill>
+                    <a:prstDash val="sysDot"/>
+                    <a:headEnd type="arrow"/>
+                  </a:ln>
+                </p:spPr>
+                <p:style>
+                  <a:lnRef idx="1">
+                    <a:schemeClr val="dk1"/>
+                  </a:lnRef>
+                  <a:fillRef idx="0">
+                    <a:schemeClr val="dk1"/>
+                  </a:fillRef>
+                  <a:effectRef idx="0">
+                    <a:schemeClr val="dk1"/>
+                  </a:effectRef>
+                  <a:fontRef idx="minor">
+                    <a:schemeClr val="tx1"/>
+                  </a:fontRef>
+                </p:style>
+              </p:cxnSp>
+              <p:grpSp>
+                <p:nvGrpSpPr>
+                  <p:cNvPr id="70" name="Group 69">
+                    <a:extLst>
+                      <a:ext uri="{FF2B5EF4-FFF2-40B4-BE49-F238E27FC236}">
+                        <a16:creationId xmlns:a16="http://schemas.microsoft.com/office/drawing/2014/main" id="{F38C702A-F431-D1BF-FF71-3423BB21C085}"/>
+                      </a:ext>
+                    </a:extLst>
+                  </p:cNvPr>
+                  <p:cNvGrpSpPr/>
+                  <p:nvPr/>
+                </p:nvGrpSpPr>
+                <p:grpSpPr>
+                  <a:xfrm>
+                    <a:off x="3845400" y="1084119"/>
+                    <a:ext cx="3629988" cy="3758363"/>
+                    <a:chOff x="5004628" y="1116776"/>
+                    <a:chExt cx="3629988" cy="3758363"/>
+                  </a:xfrm>
+                </p:grpSpPr>
+                <p:grpSp>
+                  <p:nvGrpSpPr>
+                    <p:cNvPr id="66" name="Group 65">
+                      <a:extLst>
+                        <a:ext uri="{FF2B5EF4-FFF2-40B4-BE49-F238E27FC236}">
+                          <a16:creationId xmlns:a16="http://schemas.microsoft.com/office/drawing/2014/main" id="{9BF9FE14-7E1C-7C25-7068-CE6571DBAEB4}"/>
+                        </a:ext>
+                      </a:extLst>
+                    </p:cNvPr>
+                    <p:cNvGrpSpPr>
+                      <a:grpSpLocks noChangeAspect="1"/>
+                    </p:cNvGrpSpPr>
+                    <p:nvPr/>
+                  </p:nvGrpSpPr>
+                  <p:grpSpPr>
+                    <a:xfrm>
+                      <a:off x="5004628" y="1275139"/>
+                      <a:ext cx="3600000" cy="3600000"/>
+                      <a:chOff x="5196000" y="2529000"/>
+                      <a:chExt cx="1800000" cy="1800000"/>
+                    </a:xfrm>
+                  </p:grpSpPr>
+                  <p:cxnSp>
+                    <p:nvCxnSpPr>
+                      <p:cNvPr id="63" name="Straight Arrow Connector 62">
+                        <a:extLst>
+                          <a:ext uri="{FF2B5EF4-FFF2-40B4-BE49-F238E27FC236}">
+                            <a16:creationId xmlns:a16="http://schemas.microsoft.com/office/drawing/2014/main" id="{EE760481-29A2-7D17-4B97-CF8436E9DA05}"/>
+                          </a:ext>
+                        </a:extLst>
+                      </p:cNvPr>
+                      <p:cNvCxnSpPr>
+                        <a:cxnSpLocks/>
+                      </p:cNvCxnSpPr>
+                      <p:nvPr/>
+                    </p:nvCxnSpPr>
+                    <p:spPr>
+                      <a:xfrm>
+                        <a:off x="5196000" y="3429000"/>
+                        <a:ext cx="1800000" cy="0"/>
+                      </a:xfrm>
+                      <a:prstGeom prst="straightConnector1">
+                        <a:avLst/>
+                      </a:prstGeom>
+                      <a:ln>
+                        <a:tailEnd type="triangle"/>
+                      </a:ln>
+                    </p:spPr>
+                    <p:style>
+                      <a:lnRef idx="1">
+                        <a:schemeClr val="accent1"/>
+                      </a:lnRef>
+                      <a:fillRef idx="0">
+                        <a:schemeClr val="accent1"/>
+                      </a:fillRef>
+                      <a:effectRef idx="0">
+                        <a:schemeClr val="accent1"/>
+                      </a:effectRef>
+                      <a:fontRef idx="minor">
+                        <a:schemeClr val="tx1"/>
+                      </a:fontRef>
+                    </p:style>
+                  </p:cxnSp>
+                  <p:cxnSp>
+                    <p:nvCxnSpPr>
+                      <p:cNvPr id="64" name="Straight Arrow Connector 63">
+                        <a:extLst>
+                          <a:ext uri="{FF2B5EF4-FFF2-40B4-BE49-F238E27FC236}">
+                            <a16:creationId xmlns:a16="http://schemas.microsoft.com/office/drawing/2014/main" id="{3BE1065D-936B-396E-F45D-6E29D33127CC}"/>
+                          </a:ext>
+                        </a:extLst>
+                      </p:cNvPr>
+                      <p:cNvCxnSpPr>
+                        <a:cxnSpLocks/>
+                      </p:cNvCxnSpPr>
+                      <p:nvPr/>
+                    </p:nvCxnSpPr>
+                    <p:spPr>
+                      <a:xfrm flipV="1">
+                        <a:off x="6096000" y="2529000"/>
+                        <a:ext cx="0" cy="1800000"/>
+                      </a:xfrm>
+                      <a:prstGeom prst="straightConnector1">
+                        <a:avLst/>
+                      </a:prstGeom>
+                      <a:ln>
+                        <a:tailEnd type="triangle"/>
+                      </a:ln>
+                    </p:spPr>
+                    <p:style>
+                      <a:lnRef idx="1">
+                        <a:schemeClr val="accent1"/>
+                      </a:lnRef>
+                      <a:fillRef idx="0">
+                        <a:schemeClr val="accent1"/>
+                      </a:fillRef>
+                      <a:effectRef idx="0">
+                        <a:schemeClr val="accent1"/>
+                      </a:effectRef>
+                      <a:fontRef idx="minor">
+                        <a:schemeClr val="tx1"/>
+                      </a:fontRef>
+                    </p:style>
+                  </p:cxnSp>
+                </p:grpSp>
+                <p:sp>
+                  <p:nvSpPr>
+                    <p:cNvPr id="68" name="TextBox 67">
+                      <a:extLst>
+                        <a:ext uri="{FF2B5EF4-FFF2-40B4-BE49-F238E27FC236}">
+                          <a16:creationId xmlns:a16="http://schemas.microsoft.com/office/drawing/2014/main" id="{693AB8AD-F13C-E48A-ECBA-11E5BE4ECE43}"/>
+                        </a:ext>
+                      </a:extLst>
+                    </p:cNvPr>
+                    <p:cNvSpPr txBox="1"/>
+                    <p:nvPr/>
+                  </p:nvSpPr>
+                  <p:spPr>
+                    <a:xfrm>
+                      <a:off x="6808625" y="1116776"/>
+                      <a:ext cx="213651" cy="338512"/>
+                    </a:xfrm>
+                    <a:prstGeom prst="rect">
+                      <a:avLst/>
+                    </a:prstGeom>
+                    <a:noFill/>
+                  </p:spPr>
+                  <p:txBody>
+                    <a:bodyPr wrap="none" rtlCol="0">
+                      <a:spAutoFit/>
+                    </a:bodyPr>
+                    <a:lstStyle/>
+                    <a:p>
+                      <a:r>
+                        <a:rPr lang="en-CN" sz="2704" dirty="0">
+                          <a:solidFill>
+                            <a:schemeClr val="accent1"/>
+                          </a:solidFill>
+                          <a:latin typeface="Goudy Old Style" panose="02020502050305020303" pitchFamily="18" charset="77"/>
+                          <a:cs typeface="Sathu" pitchFamily="2" charset="-34"/>
+                        </a:rPr>
+                        <a:t>y</a:t>
+                      </a:r>
+                    </a:p>
+                  </p:txBody>
+                </p:sp>
+                <p:sp>
+                  <p:nvSpPr>
+                    <p:cNvPr id="69" name="TextBox 68">
+                      <a:extLst>
+                        <a:ext uri="{FF2B5EF4-FFF2-40B4-BE49-F238E27FC236}">
+                          <a16:creationId xmlns:a16="http://schemas.microsoft.com/office/drawing/2014/main" id="{3132D16D-88C6-9A85-71FE-48334D060536}"/>
+                        </a:ext>
+                      </a:extLst>
+                    </p:cNvPr>
+                    <p:cNvSpPr txBox="1"/>
+                    <p:nvPr/>
+                  </p:nvSpPr>
+                  <p:spPr>
+                    <a:xfrm>
+                      <a:off x="8411361" y="3008559"/>
+                      <a:ext cx="223255" cy="338512"/>
+                    </a:xfrm>
+                    <a:prstGeom prst="rect">
+                      <a:avLst/>
+                    </a:prstGeom>
+                    <a:noFill/>
+                  </p:spPr>
+                  <p:txBody>
+                    <a:bodyPr wrap="none" rtlCol="0">
+                      <a:spAutoFit/>
+                    </a:bodyPr>
+                    <a:lstStyle/>
+                    <a:p>
+                      <a:r>
+                        <a:rPr lang="en-CN" sz="2704" dirty="0">
+                          <a:solidFill>
+                            <a:schemeClr val="accent1"/>
+                          </a:solidFill>
+                          <a:latin typeface="Goudy Old Style" panose="02020502050305020303" pitchFamily="18" charset="77"/>
+                          <a:cs typeface="Sathu" pitchFamily="2" charset="-34"/>
+                        </a:rPr>
+                        <a:t>x</a:t>
+                      </a:r>
+                    </a:p>
+                  </p:txBody>
+                </p:sp>
+              </p:grpSp>
+            </p:grpSp>
+            <p:sp>
+              <p:nvSpPr>
+                <p:cNvPr id="88" name="Arc 87">
+                  <a:extLst>
+                    <a:ext uri="{FF2B5EF4-FFF2-40B4-BE49-F238E27FC236}">
+                      <a16:creationId xmlns:a16="http://schemas.microsoft.com/office/drawing/2014/main" id="{85C16022-7E30-63B6-C214-AF121F4B4D67}"/>
+                    </a:ext>
+                  </a:extLst>
+                </p:cNvPr>
+                <p:cNvSpPr/>
+                <p:nvPr/>
+              </p:nvSpPr>
+              <p:spPr>
+                <a:xfrm>
+                  <a:off x="8567463" y="2877085"/>
+                  <a:ext cx="1373505" cy="1373505"/>
+                </a:xfrm>
+                <a:prstGeom prst="arc">
+                  <a:avLst>
+                    <a:gd name="adj1" fmla="val 13244703"/>
+                    <a:gd name="adj2" fmla="val 15036454"/>
+                  </a:avLst>
+                </a:prstGeom>
+                <a:ln w="50800">
+                  <a:solidFill>
+                    <a:srgbClr val="FF0000"/>
+                  </a:solidFill>
+                  <a:tailEnd type="triangle"/>
+                </a:ln>
+              </p:spPr>
+              <p:style>
+                <a:lnRef idx="1">
+                  <a:schemeClr val="accent1"/>
+                </a:lnRef>
+                <a:fillRef idx="0">
+                  <a:schemeClr val="accent1"/>
+                </a:fillRef>
+                <a:effectRef idx="0">
+                  <a:schemeClr val="accent1"/>
+                </a:effectRef>
+                <a:fontRef idx="minor">
+                  <a:schemeClr val="tx1"/>
+                </a:fontRef>
+              </p:style>
+              <p:txBody>
+                <a:bodyPr rtlCol="0" anchor="ctr"/>
+                <a:lstStyle/>
+                <a:p>
+                  <a:pPr algn="ctr"/>
+                  <a:endParaRPr lang="en-CN" sz="2704"/>
+                </a:p>
+              </p:txBody>
+            </p:sp>
+            <p:sp>
+              <p:nvSpPr>
+                <p:cNvPr id="94" name="TextBox 93">
+                  <a:extLst>
+                    <a:ext uri="{FF2B5EF4-FFF2-40B4-BE49-F238E27FC236}">
+                      <a16:creationId xmlns:a16="http://schemas.microsoft.com/office/drawing/2014/main" id="{27576097-E39C-DA99-0339-F072CBAC8AE4}"/>
+                    </a:ext>
+                  </a:extLst>
+                </p:cNvPr>
+                <p:cNvSpPr txBox="1"/>
+                <p:nvPr/>
+              </p:nvSpPr>
+              <p:spPr>
+                <a:xfrm>
+                  <a:off x="10015367" y="3517240"/>
+                  <a:ext cx="1395318" cy="369332"/>
+                </a:xfrm>
+                <a:prstGeom prst="rect">
+                  <a:avLst/>
+                </a:prstGeom>
+                <a:noFill/>
+              </p:spPr>
+              <p:txBody>
+                <a:bodyPr wrap="none" rtlCol="0">
+                  <a:spAutoFit/>
+                </a:bodyPr>
+                <a:lstStyle/>
+                <a:p>
+                  <a:r>
+                    <a:rPr lang="en-US" dirty="0">
+                      <a:solidFill>
+                        <a:schemeClr val="bg1">
+                          <a:lumMod val="65000"/>
+                        </a:schemeClr>
+                      </a:solidFill>
+                    </a:rPr>
+                    <a:t>gaze forward</a:t>
+                  </a:r>
+                  <a:endParaRPr lang="en-CN" dirty="0">
+                    <a:solidFill>
+                      <a:schemeClr val="bg1">
+                        <a:lumMod val="65000"/>
+                      </a:schemeClr>
+                    </a:solidFill>
+                  </a:endParaRPr>
+                </a:p>
+              </p:txBody>
+            </p:sp>
+          </p:grpSp>
+          <p:grpSp>
+            <p:nvGrpSpPr>
+              <p:cNvPr id="99" name="Group 98">
+                <a:extLst>
+                  <a:ext uri="{FF2B5EF4-FFF2-40B4-BE49-F238E27FC236}">
+                    <a16:creationId xmlns:a16="http://schemas.microsoft.com/office/drawing/2014/main" id="{2681589E-8F31-CA60-D057-E0B290AAF072}"/>
+                  </a:ext>
+                </a:extLst>
+              </p:cNvPr>
+              <p:cNvGrpSpPr/>
+              <p:nvPr/>
+            </p:nvGrpSpPr>
+            <p:grpSpPr>
+              <a:xfrm>
+                <a:off x="11939954" y="26564"/>
+                <a:ext cx="5601860" cy="5644800"/>
+                <a:chOff x="12406484" y="26564"/>
+                <a:chExt cx="5601860" cy="5644800"/>
+              </a:xfrm>
+            </p:grpSpPr>
+            <p:grpSp>
+              <p:nvGrpSpPr>
+                <p:cNvPr id="86" name="Group 85">
+                  <a:extLst>
+                    <a:ext uri="{FF2B5EF4-FFF2-40B4-BE49-F238E27FC236}">
+                      <a16:creationId xmlns:a16="http://schemas.microsoft.com/office/drawing/2014/main" id="{D5CAB410-8211-24AA-F6D4-4AB9DB5E2C86}"/>
+                    </a:ext>
+                  </a:extLst>
+                </p:cNvPr>
+                <p:cNvGrpSpPr/>
+                <p:nvPr/>
+              </p:nvGrpSpPr>
+              <p:grpSpPr>
+                <a:xfrm>
+                  <a:off x="12406484" y="26564"/>
+                  <a:ext cx="5452545" cy="5644800"/>
+                  <a:chOff x="8265119" y="1084119"/>
+                  <a:chExt cx="3629988" cy="3758363"/>
+                </a:xfrm>
+              </p:grpSpPr>
+              <p:grpSp>
+                <p:nvGrpSpPr>
+                  <p:cNvPr id="48" name="Group 47">
+                    <a:extLst>
+                      <a:ext uri="{FF2B5EF4-FFF2-40B4-BE49-F238E27FC236}">
+                        <a16:creationId xmlns:a16="http://schemas.microsoft.com/office/drawing/2014/main" id="{15E7DC55-C157-E440-96E4-404C152D8B1B}"/>
+                      </a:ext>
+                    </a:extLst>
+                  </p:cNvPr>
+                  <p:cNvGrpSpPr/>
+                  <p:nvPr/>
+                </p:nvGrpSpPr>
+                <p:grpSpPr>
+                  <a:xfrm>
+                    <a:off x="10699727" y="3690380"/>
+                    <a:ext cx="866402" cy="1025611"/>
+                    <a:chOff x="7579941" y="3963212"/>
+                    <a:chExt cx="1476117" cy="1747368"/>
+                  </a:xfrm>
+                </p:grpSpPr>
+                <p:pic>
+                  <p:nvPicPr>
+                    <p:cNvPr id="49" name="Picture 8" descr="Big Image - Head Silhouette Clipart, HD Png Download - 2032x2304(#2137798)  - PngFind">
+                      <a:extLst>
+                        <a:ext uri="{FF2B5EF4-FFF2-40B4-BE49-F238E27FC236}">
+                          <a16:creationId xmlns:a16="http://schemas.microsoft.com/office/drawing/2014/main" id="{A1EECAC3-A215-5F1E-8B7B-D8675C12BA1D}"/>
+                        </a:ext>
+                      </a:extLst>
+                    </p:cNvPr>
+                    <p:cNvPicPr>
+                      <a:picLocks noChangeAspect="1" noChangeArrowheads="1"/>
+                    </p:cNvPicPr>
+                    <p:nvPr/>
+                  </p:nvPicPr>
+                  <p:blipFill>
+                    <a:blip r:embed="rId2">
+                      <a:extLst>
+                        <a:ext uri="{BEBA8EAE-BF5A-486C-A8C5-ECC9F3942E4B}">
+                          <a14:imgProps xmlns:a14="http://schemas.microsoft.com/office/drawing/2010/main">
+                            <a14:imgLayer r:embed="rId3">
+                              <a14:imgEffect>
+                                <a14:backgroundRemoval t="6956" b="92440" l="1667" r="95000">
+                                  <a14:foregroundMark x1="25476" y1="29738" x2="31429" y2="14214"/>
+                                  <a14:foregroundMark x1="31429" y1="14214" x2="50119" y2="6956"/>
+                                  <a14:foregroundMark x1="50119" y1="6956" x2="52619" y2="7560"/>
+                                  <a14:foregroundMark x1="52619" y1="13609" x2="52619" y2="13609"/>
+                                  <a14:foregroundMark x1="7381" y1="28226" x2="6786" y2="33468"/>
+                                  <a14:foregroundMark x1="43095" y1="92641" x2="43095" y2="92641"/>
+                                  <a14:foregroundMark x1="90952" y1="51210" x2="90952" y2="51210"/>
+                                  <a14:foregroundMark x1="1667" y1="34577" x2="1667" y2="34577"/>
+                                  <a14:foregroundMark x1="95000" y1="52419" x2="95000" y2="52419"/>
+                                </a14:backgroundRemoval>
+                              </a14:imgEffect>
+                            </a14:imgLayer>
+                          </a14:imgProps>
+                        </a:ext>
+                        <a:ext uri="{28A0092B-C50C-407E-A947-70E740481C1C}">
+                          <a14:useLocalDpi xmlns:a14="http://schemas.microsoft.com/office/drawing/2010/main" val="0"/>
+                        </a:ext>
+                      </a:extLst>
+                    </a:blip>
+                    <a:srcRect/>
+                    <a:stretch>
+                      <a:fillRect/>
+                    </a:stretch>
+                  </p:blipFill>
+                  <p:spPr bwMode="auto">
+                    <a:xfrm flipH="1">
+                      <a:off x="7579941" y="3963212"/>
+                      <a:ext cx="1476117" cy="1747368"/>
+                    </a:xfrm>
+                    <a:prstGeom prst="rect">
+                      <a:avLst/>
+                    </a:prstGeom>
+                    <a:noFill/>
+                    <a:extLst>
+                      <a:ext uri="{909E8E84-426E-40DD-AFC4-6F175D3DCCD1}">
+                        <a14:hiddenFill xmlns:a14="http://schemas.microsoft.com/office/drawing/2010/main">
+                          <a:solidFill>
+                            <a:srgbClr val="FFFFFF"/>
+                          </a:solidFill>
+                        </a14:hiddenFill>
+                      </a:ext>
+                    </a:extLst>
+                  </p:spPr>
+                </p:pic>
+                <p:pic>
+                  <p:nvPicPr>
+                    <p:cNvPr id="50" name="Picture 10">
+                      <a:extLst>
+                        <a:ext uri="{FF2B5EF4-FFF2-40B4-BE49-F238E27FC236}">
+                          <a16:creationId xmlns:a16="http://schemas.microsoft.com/office/drawing/2014/main" id="{CECF14F1-C1D0-D05C-0B97-5658597AFFC7}"/>
+                        </a:ext>
+                      </a:extLst>
+                    </p:cNvPr>
+                    <p:cNvPicPr>
+                      <a:picLocks noChangeAspect="1" noChangeArrowheads="1"/>
+                    </p:cNvPicPr>
+                    <p:nvPr/>
+                  </p:nvPicPr>
+                  <p:blipFill>
+                    <a:blip r:embed="rId4">
+                      <a:lum bright="70000" contrast="-70000"/>
+                      <a:extLst>
+                        <a:ext uri="{28A0092B-C50C-407E-A947-70E740481C1C}">
+                          <a14:useLocalDpi xmlns:a14="http://schemas.microsoft.com/office/drawing/2010/main" val="0"/>
+                        </a:ext>
+                      </a:extLst>
+                    </a:blip>
+                    <a:srcRect/>
+                    <a:stretch>
+                      <a:fillRect/>
+                    </a:stretch>
+                  </p:blipFill>
+                  <p:spPr bwMode="auto">
+                    <a:xfrm>
+                      <a:off x="7848979" y="4552711"/>
+                      <a:ext cx="261887" cy="261887"/>
+                    </a:xfrm>
+                    <a:prstGeom prst="rect">
+                      <a:avLst/>
+                    </a:prstGeom>
+                    <a:noFill/>
+                    <a:extLst>
+                      <a:ext uri="{909E8E84-426E-40DD-AFC4-6F175D3DCCD1}">
+                        <a14:hiddenFill xmlns:a14="http://schemas.microsoft.com/office/drawing/2010/main">
+                          <a:solidFill>
+                            <a:srgbClr val="FFFFFF"/>
+                          </a:solidFill>
+                        </a14:hiddenFill>
+                      </a:ext>
+                    </a:extLst>
+                  </p:spPr>
+                </p:pic>
+              </p:grpSp>
+              <mc:AlternateContent xmlns:mc="http://schemas.openxmlformats.org/markup-compatibility/2006">
+                <mc:Choice xmlns:am3d="http://schemas.microsoft.com/office/drawing/2017/model3d" Requires="am3d">
+                  <p:graphicFrame>
+                    <p:nvGraphicFramePr>
+                      <p:cNvPr id="51" name="3D Model 20" descr="Prism And Basal Pinacoid White">
+                        <a:extLst>
+                          <a:ext uri="{FF2B5EF4-FFF2-40B4-BE49-F238E27FC236}">
+                            <a16:creationId xmlns:a16="http://schemas.microsoft.com/office/drawing/2014/main" id="{415012D4-B501-3C57-71B4-828BFDB54502}"/>
+                          </a:ext>
+                        </a:extLst>
+                      </p:cNvPr>
+                      <p:cNvGraphicFramePr>
+                        <a:graphicFrameLocks noChangeAspect="1"/>
+                      </p:cNvGraphicFramePr>
+                      <p:nvPr>
+                        <p:extLst>
+                          <p:ext uri="{D42A27DB-BD31-4B8C-83A1-F6EECF244321}">
+                            <p14:modId xmlns:p14="http://schemas.microsoft.com/office/powerpoint/2010/main" val="2854714223"/>
+                          </p:ext>
+                        </p:extLst>
+                      </p:nvPr>
+                    </p:nvGraphicFramePr>
+                    <p:xfrm>
+                      <a:off x="9253628" y="2118815"/>
+                      <a:ext cx="1468083" cy="1663770"/>
+                    </p:xfrm>
+                    <a:graphic>
+                      <a:graphicData uri="http://schemas.microsoft.com/office/drawing/2017/model3d">
+                        <am3d:model3d r:embed="rId5">
+                          <am3d:spPr>
+                            <a:xfrm>
+                              <a:off x="0" y="0"/>
+                              <a:ext cx="2205183" cy="2498867"/>
+                            </a:xfrm>
+                            <a:prstGeom prst="rect">
+                              <a:avLst/>
+                            </a:prstGeom>
+                            <a:effectLst>
+                              <a:glow rad="259103">
+                                <a:schemeClr val="accent1">
+                                  <a:lumMod val="60000"/>
+                                  <a:lumOff val="40000"/>
+                                  <a:alpha val="62000"/>
+                                </a:schemeClr>
+                              </a:glow>
+                            </a:effectLst>
+                          </am3d:spPr>
+                          <am3d:camera>
+                            <am3d:pos x="0" y="0" z="81469150"/>
+                            <am3d:up dx="0" dy="36000000" dz="0"/>
+                            <am3d:lookAt x="0" y="0" z="0"/>
+                            <am3d:perspective fov="2700000"/>
+                          </am3d:camera>
+                          <am3d:trans>
+                            <am3d:meterPerModelUnit n="139970" d="1000000"/>
+                            <am3d:preTrans dx="-76" dy="-17999982" dz="1"/>
+                            <am3d:scale>
+                              <am3d:sx n="1000000" d="1000000"/>
+                              <am3d:sy n="1000000" d="1000000"/>
+                              <am3d:sz n="1000000" d="1000000"/>
+                            </am3d:scale>
+                            <am3d:rot ax="-2183283" ay="2913714" az="9064903"/>
+                            <am3d:postTrans dx="0" dy="0" dz="0"/>
+                          </am3d:trans>
+                          <am3d:raster rName="Office3DRenderer" rVer="16.0.8326">
+                            <am3d:blip r:embed="rId12"/>
+                          </am3d:raster>
+                          <am3d:objViewport viewportSz="2565326"/>
+                          <am3d:ambientLight>
+                            <am3d:clr>
+                              <a:scrgbClr r="50000" g="50000" b="50000"/>
+                            </am3d:clr>
+                            <am3d:illuminance n="500000" d="1000000"/>
+                          </am3d:ambientLight>
+                          <am3d:ptLight rad="0">
+                            <am3d:clr>
+                              <a:scrgbClr r="100000" g="75000" b="50000"/>
+                            </am3d:clr>
+                            <am3d:intensity n="9765625" d="1000000"/>
+                            <am3d:pos x="21959998" y="70920001" z="16344003"/>
+                          </am3d:ptLight>
+                          <am3d:ptLight rad="0">
+                            <am3d:clr>
+                              <a:scrgbClr r="40000" g="60000" b="95000"/>
+                            </am3d:clr>
+                            <am3d:intensity n="12250000" d="1000000"/>
+                            <am3d:pos x="-37964106" y="51130435" z="57631972"/>
+                          </am3d:ptLight>
+                          <am3d:ptLight rad="0">
+                            <am3d:clr>
+                              <a:scrgbClr r="86837" g="72700" b="100000"/>
+                            </am3d:clr>
+                            <am3d:intensity n="3125000" d="1000000"/>
+                            <am3d:pos x="-37739122" y="58056624" z="-34769649"/>
+                          </am3d:ptLight>
+                        </am3d:model3d>
+                      </a:graphicData>
+                    </a:graphic>
+                  </p:graphicFrame>
+                </mc:Choice>
+                <mc:Fallback>
+                  <p:pic>
+                    <p:nvPicPr>
+                      <p:cNvPr id="51" name="3D Model 20" descr="Prism And Basal Pinacoid White">
+                        <a:extLst>
+                          <a:ext uri="{FF2B5EF4-FFF2-40B4-BE49-F238E27FC236}">
+                            <a16:creationId xmlns:a16="http://schemas.microsoft.com/office/drawing/2014/main" id="{415012D4-B501-3C57-71B4-828BFDB54502}"/>
+                          </a:ext>
+                        </a:extLst>
+                      </p:cNvPr>
+                      <p:cNvPicPr>
+                        <a:picLocks noGrp="1" noRot="1" noChangeAspect="1" noMove="1" noResize="1" noEditPoints="1" noAdjustHandles="1" noChangeArrowheads="1" noChangeShapeType="1" noCrop="1"/>
+                      </p:cNvPicPr>
+                      <p:nvPr/>
+                    </p:nvPicPr>
+                    <p:blipFill>
+                      <a:blip r:embed="rId12"/>
+                      <a:stretch>
+                        <a:fillRect/>
+                      </a:stretch>
+                    </p:blipFill>
+                    <p:spPr>
+                      <a:xfrm>
+                        <a:off x="13424777" y="1319344"/>
+                        <a:ext cx="2205183" cy="2498867"/>
+                      </a:xfrm>
+                      <a:prstGeom prst="rect">
+                        <a:avLst/>
+                      </a:prstGeom>
+                      <a:effectLst>
+                        <a:glow rad="259103">
+                          <a:schemeClr val="accent1">
+                            <a:lumMod val="60000"/>
+                            <a:lumOff val="40000"/>
+                            <a:alpha val="62000"/>
+                          </a:schemeClr>
+                        </a:glow>
+                      </a:effectLst>
+                    </p:spPr>
+                  </p:pic>
+                </mc:Fallback>
+              </mc:AlternateContent>
+              <p:cxnSp>
+                <p:nvCxnSpPr>
+                  <p:cNvPr id="52" name="Straight Connector 51">
+                    <a:extLst>
+                      <a:ext uri="{FF2B5EF4-FFF2-40B4-BE49-F238E27FC236}">
+                        <a16:creationId xmlns:a16="http://schemas.microsoft.com/office/drawing/2014/main" id="{EB995193-DA26-E2B3-EF75-3CD163F78F2A}"/>
+                      </a:ext>
+                    </a:extLst>
+                  </p:cNvPr>
+                  <p:cNvCxnSpPr>
+                    <a:cxnSpLocks/>
+                  </p:cNvCxnSpPr>
+                  <p:nvPr/>
+                </p:nvCxnSpPr>
+                <p:spPr>
+                  <a:xfrm flipH="1">
+                    <a:off x="10912982" y="3042481"/>
+                    <a:ext cx="188251" cy="1021854"/>
+                  </a:xfrm>
+                  <a:prstGeom prst="line">
+                    <a:avLst/>
+                  </a:prstGeom>
+                  <a:ln w="28575">
+                    <a:solidFill>
+                      <a:schemeClr val="bg1">
+                        <a:lumMod val="65000"/>
+                      </a:schemeClr>
+                    </a:solidFill>
+                    <a:headEnd type="arrow"/>
+                  </a:ln>
+                </p:spPr>
+                <p:style>
+                  <a:lnRef idx="1">
+                    <a:schemeClr val="dk1"/>
+                  </a:lnRef>
+                  <a:fillRef idx="0">
+                    <a:schemeClr val="dk1"/>
+                  </a:fillRef>
+                  <a:effectRef idx="0">
+                    <a:schemeClr val="dk1"/>
+                  </a:effectRef>
+                  <a:fontRef idx="minor">
+                    <a:schemeClr val="tx1"/>
+                  </a:fontRef>
+                </p:style>
+              </p:cxnSp>
+              <p:cxnSp>
+                <p:nvCxnSpPr>
+                  <p:cNvPr id="53" name="Straight Connector 52">
+                    <a:extLst>
+                      <a:ext uri="{FF2B5EF4-FFF2-40B4-BE49-F238E27FC236}">
+                        <a16:creationId xmlns:a16="http://schemas.microsoft.com/office/drawing/2014/main" id="{9E68AA2D-8F63-5CF9-A1A9-EB0A297D225A}"/>
+                      </a:ext>
+                    </a:extLst>
+                  </p:cNvPr>
+                  <p:cNvCxnSpPr>
+                    <a:cxnSpLocks/>
+                  </p:cNvCxnSpPr>
+                  <p:nvPr/>
+                </p:nvCxnSpPr>
+                <p:spPr>
+                  <a:xfrm>
+                    <a:off x="10076465" y="3042482"/>
+                    <a:ext cx="842649" cy="1019258"/>
+                  </a:xfrm>
+                  <a:prstGeom prst="line">
+                    <a:avLst/>
+                  </a:prstGeom>
+                  <a:ln w="28575">
+                    <a:solidFill>
+                      <a:schemeClr val="bg1">
+                        <a:lumMod val="65000"/>
+                      </a:schemeClr>
+                    </a:solidFill>
+                    <a:prstDash val="sysDot"/>
+                    <a:headEnd type="arrow"/>
+                  </a:ln>
+                </p:spPr>
+                <p:style>
+                  <a:lnRef idx="1">
+                    <a:schemeClr val="dk1"/>
+                  </a:lnRef>
+                  <a:fillRef idx="0">
+                    <a:schemeClr val="dk1"/>
+                  </a:fillRef>
+                  <a:effectRef idx="0">
+                    <a:schemeClr val="dk1"/>
+                  </a:effectRef>
+                  <a:fontRef idx="minor">
+                    <a:schemeClr val="tx1"/>
+                  </a:fontRef>
+                </p:style>
+              </p:cxnSp>
+              <p:grpSp>
+                <p:nvGrpSpPr>
+                  <p:cNvPr id="77" name="Group 76">
+                    <a:extLst>
+                      <a:ext uri="{FF2B5EF4-FFF2-40B4-BE49-F238E27FC236}">
+                        <a16:creationId xmlns:a16="http://schemas.microsoft.com/office/drawing/2014/main" id="{B58FFFE3-83A2-41DB-0A45-A905185D184D}"/>
+                      </a:ext>
+                    </a:extLst>
+                  </p:cNvPr>
+                  <p:cNvGrpSpPr/>
+                  <p:nvPr/>
+                </p:nvGrpSpPr>
+                <p:grpSpPr>
+                  <a:xfrm>
+                    <a:off x="8265119" y="1084119"/>
+                    <a:ext cx="3629988" cy="3758363"/>
+                    <a:chOff x="5004628" y="1116776"/>
+                    <a:chExt cx="3629988" cy="3758363"/>
+                  </a:xfrm>
+                </p:grpSpPr>
+                <p:grpSp>
+                  <p:nvGrpSpPr>
+                    <p:cNvPr id="78" name="Group 77">
+                      <a:extLst>
+                        <a:ext uri="{FF2B5EF4-FFF2-40B4-BE49-F238E27FC236}">
+                          <a16:creationId xmlns:a16="http://schemas.microsoft.com/office/drawing/2014/main" id="{E6A3A94D-EA6C-9339-89C3-F62B0968212E}"/>
+                        </a:ext>
+                      </a:extLst>
+                    </p:cNvPr>
+                    <p:cNvGrpSpPr>
+                      <a:grpSpLocks noChangeAspect="1"/>
+                    </p:cNvGrpSpPr>
+                    <p:nvPr/>
+                  </p:nvGrpSpPr>
+                  <p:grpSpPr>
+                    <a:xfrm>
+                      <a:off x="5004628" y="1275139"/>
+                      <a:ext cx="3600000" cy="3600000"/>
+                      <a:chOff x="5196000" y="2529000"/>
+                      <a:chExt cx="1800000" cy="1800000"/>
+                    </a:xfrm>
+                  </p:grpSpPr>
+                  <p:cxnSp>
+                    <p:nvCxnSpPr>
+                      <p:cNvPr id="81" name="Straight Arrow Connector 80">
+                        <a:extLst>
+                          <a:ext uri="{FF2B5EF4-FFF2-40B4-BE49-F238E27FC236}">
+                            <a16:creationId xmlns:a16="http://schemas.microsoft.com/office/drawing/2014/main" id="{150C58BB-8DDA-F08D-75BD-5AFFDC28E059}"/>
+                          </a:ext>
+                        </a:extLst>
+                      </p:cNvPr>
+                      <p:cNvCxnSpPr>
+                        <a:cxnSpLocks/>
+                      </p:cNvCxnSpPr>
+                      <p:nvPr/>
+                    </p:nvCxnSpPr>
+                    <p:spPr>
+                      <a:xfrm>
+                        <a:off x="5196000" y="3429000"/>
+                        <a:ext cx="1800000" cy="0"/>
+                      </a:xfrm>
+                      <a:prstGeom prst="straightConnector1">
+                        <a:avLst/>
+                      </a:prstGeom>
+                      <a:ln>
+                        <a:tailEnd type="triangle"/>
+                      </a:ln>
+                    </p:spPr>
+                    <p:style>
+                      <a:lnRef idx="1">
+                        <a:schemeClr val="accent1"/>
+                      </a:lnRef>
+                      <a:fillRef idx="0">
+                        <a:schemeClr val="accent1"/>
+                      </a:fillRef>
+                      <a:effectRef idx="0">
+                        <a:schemeClr val="accent1"/>
+                      </a:effectRef>
+                      <a:fontRef idx="minor">
+                        <a:schemeClr val="tx1"/>
+                      </a:fontRef>
+                    </p:style>
+                  </p:cxnSp>
+                  <p:cxnSp>
+                    <p:nvCxnSpPr>
+                      <p:cNvPr id="82" name="Straight Arrow Connector 81">
+                        <a:extLst>
+                          <a:ext uri="{FF2B5EF4-FFF2-40B4-BE49-F238E27FC236}">
+                            <a16:creationId xmlns:a16="http://schemas.microsoft.com/office/drawing/2014/main" id="{E8058B56-3E1D-E598-72B9-3188924D5605}"/>
+                          </a:ext>
+                        </a:extLst>
+                      </p:cNvPr>
+                      <p:cNvCxnSpPr>
+                        <a:cxnSpLocks/>
+                      </p:cNvCxnSpPr>
+                      <p:nvPr/>
+                    </p:nvCxnSpPr>
+                    <p:spPr>
+                      <a:xfrm flipV="1">
+                        <a:off x="6096000" y="2529000"/>
+                        <a:ext cx="0" cy="1800000"/>
+                      </a:xfrm>
+                      <a:prstGeom prst="straightConnector1">
+                        <a:avLst/>
+                      </a:prstGeom>
+                      <a:ln>
+                        <a:tailEnd type="triangle"/>
+                      </a:ln>
+                    </p:spPr>
+                    <p:style>
+                      <a:lnRef idx="1">
+                        <a:schemeClr val="accent1"/>
+                      </a:lnRef>
+                      <a:fillRef idx="0">
+                        <a:schemeClr val="accent1"/>
+                      </a:fillRef>
+                      <a:effectRef idx="0">
+                        <a:schemeClr val="accent1"/>
+                      </a:effectRef>
+                      <a:fontRef idx="minor">
+                        <a:schemeClr val="tx1"/>
+                      </a:fontRef>
+                    </p:style>
+                  </p:cxnSp>
+                </p:grpSp>
+                <p:sp>
+                  <p:nvSpPr>
+                    <p:cNvPr id="79" name="TextBox 78">
+                      <a:extLst>
+                        <a:ext uri="{FF2B5EF4-FFF2-40B4-BE49-F238E27FC236}">
+                          <a16:creationId xmlns:a16="http://schemas.microsoft.com/office/drawing/2014/main" id="{24EC1CB7-431F-CA11-C9A9-BC6752E390C0}"/>
+                        </a:ext>
+                      </a:extLst>
+                    </p:cNvPr>
+                    <p:cNvSpPr txBox="1"/>
+                    <p:nvPr/>
+                  </p:nvSpPr>
+                  <p:spPr>
+                    <a:xfrm>
+                      <a:off x="6808625" y="1116776"/>
+                      <a:ext cx="213651" cy="338512"/>
+                    </a:xfrm>
+                    <a:prstGeom prst="rect">
+                      <a:avLst/>
+                    </a:prstGeom>
+                    <a:noFill/>
+                  </p:spPr>
+                  <p:txBody>
+                    <a:bodyPr wrap="none" rtlCol="0">
+                      <a:spAutoFit/>
+                    </a:bodyPr>
+                    <a:lstStyle/>
+                    <a:p>
+                      <a:r>
+                        <a:rPr lang="en-CN" sz="2704" dirty="0">
+                          <a:solidFill>
+                            <a:schemeClr val="accent1"/>
+                          </a:solidFill>
+                          <a:latin typeface="Goudy Old Style" panose="02020502050305020303" pitchFamily="18" charset="77"/>
+                          <a:cs typeface="Sathu" pitchFamily="2" charset="-34"/>
+                        </a:rPr>
+                        <a:t>y</a:t>
+                      </a:r>
+                    </a:p>
+                  </p:txBody>
+                </p:sp>
+                <p:sp>
+                  <p:nvSpPr>
+                    <p:cNvPr id="80" name="TextBox 79">
+                      <a:extLst>
+                        <a:ext uri="{FF2B5EF4-FFF2-40B4-BE49-F238E27FC236}">
+                          <a16:creationId xmlns:a16="http://schemas.microsoft.com/office/drawing/2014/main" id="{81DF2025-4A82-ADD1-9280-EE42D35D2774}"/>
+                        </a:ext>
+                      </a:extLst>
+                    </p:cNvPr>
+                    <p:cNvSpPr txBox="1"/>
+                    <p:nvPr/>
+                  </p:nvSpPr>
+                  <p:spPr>
+                    <a:xfrm>
+                      <a:off x="8411361" y="3008559"/>
+                      <a:ext cx="223255" cy="338512"/>
+                    </a:xfrm>
+                    <a:prstGeom prst="rect">
+                      <a:avLst/>
+                    </a:prstGeom>
+                    <a:noFill/>
+                  </p:spPr>
+                  <p:txBody>
+                    <a:bodyPr wrap="none" rtlCol="0">
+                      <a:spAutoFit/>
+                    </a:bodyPr>
+                    <a:lstStyle/>
+                    <a:p>
+                      <a:r>
+                        <a:rPr lang="en-CN" sz="2704" dirty="0">
+                          <a:solidFill>
+                            <a:schemeClr val="accent1"/>
+                          </a:solidFill>
+                          <a:latin typeface="Goudy Old Style" panose="02020502050305020303" pitchFamily="18" charset="77"/>
+                          <a:cs typeface="Sathu" pitchFamily="2" charset="-34"/>
+                        </a:rPr>
+                        <a:t>x</a:t>
+                      </a:r>
+                    </a:p>
+                  </p:txBody>
+                </p:sp>
+              </p:grpSp>
+            </p:grpSp>
+            <p:sp>
+              <p:nvSpPr>
+                <p:cNvPr id="89" name="Arc 88">
+                  <a:extLst>
+                    <a:ext uri="{FF2B5EF4-FFF2-40B4-BE49-F238E27FC236}">
+                      <a16:creationId xmlns:a16="http://schemas.microsoft.com/office/drawing/2014/main" id="{35E2FA8E-3D39-EDF3-CBEA-718F08D6E908}"/>
+                    </a:ext>
+                  </a:extLst>
+                </p:cNvPr>
+                <p:cNvSpPr/>
+                <p:nvPr/>
+              </p:nvSpPr>
+              <p:spPr>
+                <a:xfrm>
+                  <a:off x="15560814" y="3175776"/>
+                  <a:ext cx="1373505" cy="1373505"/>
+                </a:xfrm>
+                <a:prstGeom prst="arc">
+                  <a:avLst>
+                    <a:gd name="adj1" fmla="val 13244703"/>
+                    <a:gd name="adj2" fmla="val 17692262"/>
+                  </a:avLst>
+                </a:prstGeom>
+                <a:ln w="50800">
+                  <a:solidFill>
+                    <a:srgbClr val="FF0000"/>
+                  </a:solidFill>
+                  <a:tailEnd type="triangle"/>
+                </a:ln>
+              </p:spPr>
+              <p:style>
+                <a:lnRef idx="1">
+                  <a:schemeClr val="accent1"/>
+                </a:lnRef>
+                <a:fillRef idx="0">
+                  <a:schemeClr val="accent1"/>
+                </a:fillRef>
+                <a:effectRef idx="0">
+                  <a:schemeClr val="accent1"/>
+                </a:effectRef>
+                <a:fontRef idx="minor">
+                  <a:schemeClr val="tx1"/>
+                </a:fontRef>
+              </p:style>
+              <p:txBody>
+                <a:bodyPr rtlCol="0" anchor="ctr"/>
+                <a:lstStyle/>
+                <a:p>
+                  <a:pPr algn="ctr"/>
+                  <a:endParaRPr lang="en-CN" sz="2704"/>
+                </a:p>
+              </p:txBody>
+            </p:sp>
+            <p:sp>
+              <p:nvSpPr>
+                <p:cNvPr id="95" name="TextBox 94">
+                  <a:extLst>
+                    <a:ext uri="{FF2B5EF4-FFF2-40B4-BE49-F238E27FC236}">
+                      <a16:creationId xmlns:a16="http://schemas.microsoft.com/office/drawing/2014/main" id="{B88CA69A-72F4-B708-3EB0-AC3E448A42EC}"/>
+                    </a:ext>
+                  </a:extLst>
+                </p:cNvPr>
+                <p:cNvSpPr txBox="1"/>
+                <p:nvPr/>
+              </p:nvSpPr>
+              <p:spPr>
+                <a:xfrm>
+                  <a:off x="16613026" y="3506757"/>
+                  <a:ext cx="1395318" cy="369332"/>
+                </a:xfrm>
+                <a:prstGeom prst="rect">
+                  <a:avLst/>
+                </a:prstGeom>
+                <a:noFill/>
+              </p:spPr>
+              <p:txBody>
+                <a:bodyPr wrap="none" rtlCol="0">
+                  <a:spAutoFit/>
+                </a:bodyPr>
+                <a:lstStyle/>
+                <a:p>
+                  <a:r>
+                    <a:rPr lang="en-US" dirty="0">
+                      <a:solidFill>
+                        <a:schemeClr val="bg1">
+                          <a:lumMod val="65000"/>
+                        </a:schemeClr>
+                      </a:solidFill>
+                    </a:rPr>
+                    <a:t>gaze forward</a:t>
+                  </a:r>
+                  <a:endParaRPr lang="en-CN" dirty="0">
+                    <a:solidFill>
+                      <a:schemeClr val="bg1">
+                        <a:lumMod val="65000"/>
+                      </a:schemeClr>
+                    </a:solidFill>
+                  </a:endParaRPr>
+                </a:p>
+              </p:txBody>
+            </p:sp>
+          </p:grpSp>
+          <p:sp>
+            <p:nvSpPr>
+              <p:cNvPr id="96" name="Oval 95">
+                <a:extLst>
+                  <a:ext uri="{FF2B5EF4-FFF2-40B4-BE49-F238E27FC236}">
+                    <a16:creationId xmlns:a16="http://schemas.microsoft.com/office/drawing/2014/main" id="{92137A75-5F39-EAEB-F436-2E282821669E}"/>
                   </a:ext>
                 </a:extLst>
               </p:cNvPr>
@@ -4428,68 +6695,779 @@
               <p:nvPr/>
             </p:nvSpPr>
             <p:spPr>
-              <a:xfrm rot="2700000">
-                <a:off x="3056876" y="2218506"/>
-                <a:ext cx="2420983" cy="2420983"/>
+              <a:xfrm>
+                <a:off x="2147808" y="6289146"/>
+                <a:ext cx="614855" cy="614855"/>
               </a:xfrm>
-              <a:prstGeom prst="teardrop">
+              <a:prstGeom prst="ellipse">
                 <a:avLst/>
               </a:prstGeom>
-              <a:gradFill flip="none" rotWithShape="1">
-                <a:gsLst>
-                  <a:gs pos="0">
-                    <a:schemeClr val="accent6">
-                      <a:alpha val="0"/>
-                      <a:lumMod val="60000"/>
-                      <a:lumOff val="40000"/>
-                    </a:schemeClr>
-                  </a:gs>
-                  <a:gs pos="50000">
-                    <a:schemeClr val="accent6">
-                      <a:lumMod val="60000"/>
-                      <a:lumOff val="40000"/>
-                      <a:alpha val="85000"/>
-                    </a:schemeClr>
-                  </a:gs>
-                  <a:gs pos="100000">
-                    <a:schemeClr val="accent6">
-                      <a:lumMod val="60000"/>
-                      <a:lumOff val="40000"/>
-                    </a:schemeClr>
-                  </a:gs>
-                </a:gsLst>
-                <a:lin ang="8100000" scaled="0"/>
-                <a:tileRect/>
-              </a:gradFill>
               <a:ln w="38100">
-                <a:gradFill>
-                  <a:gsLst>
-                    <a:gs pos="25000">
-                      <a:schemeClr val="bg1">
-                        <a:alpha val="0"/>
-                        <a:lumMod val="60000"/>
-                        <a:lumOff val="40000"/>
-                      </a:schemeClr>
-                    </a:gs>
-                    <a:gs pos="100000">
-                      <a:schemeClr val="bg1">
-                        <a:alpha val="85000"/>
-                        <a:lumMod val="60000"/>
-                        <a:lumOff val="40000"/>
-                      </a:schemeClr>
-                    </a:gs>
-                    <a:gs pos="50000">
-                      <a:schemeClr val="bg1">
-                        <a:lumMod val="60000"/>
-                        <a:lumOff val="40000"/>
-                        <a:alpha val="50000"/>
-                      </a:schemeClr>
-                    </a:gs>
-                  </a:gsLst>
-                  <a:lin ang="8100000" scaled="0"/>
-                </a:gradFill>
+                <a:solidFill>
+                  <a:schemeClr val="tx1"/>
+                </a:solidFill>
               </a:ln>
-              <a:effectLst/>
+            </p:spPr>
+            <p:style>
+              <a:lnRef idx="2">
+                <a:schemeClr val="accent6"/>
+              </a:lnRef>
+              <a:fillRef idx="1">
+                <a:schemeClr val="lt1"/>
+              </a:fillRef>
+              <a:effectRef idx="0">
+                <a:schemeClr val="accent6"/>
+              </a:effectRef>
+              <a:fontRef idx="minor">
+                <a:schemeClr val="dk1"/>
+              </a:fontRef>
+            </p:style>
+            <p:txBody>
+              <a:bodyPr rtlCol="0" anchor="ctr"/>
+              <a:lstStyle/>
+              <a:p>
+                <a:pPr algn="ctr"/>
+                <a:r>
+                  <a:rPr lang="en-CN" sz="2800" dirty="0"/>
+                  <a:t>1</a:t>
+                </a:r>
+              </a:p>
+            </p:txBody>
+          </p:sp>
+          <p:sp>
+            <p:nvSpPr>
+              <p:cNvPr id="97" name="Oval 96">
+                <a:extLst>
+                  <a:ext uri="{FF2B5EF4-FFF2-40B4-BE49-F238E27FC236}">
+                    <a16:creationId xmlns:a16="http://schemas.microsoft.com/office/drawing/2014/main" id="{FBE26B7A-DE6F-D713-1036-6FF6EA1D72AC}"/>
+                  </a:ext>
+                </a:extLst>
+              </p:cNvPr>
+              <p:cNvSpPr/>
+              <p:nvPr/>
+            </p:nvSpPr>
+            <p:spPr>
+              <a:xfrm>
+                <a:off x="8348202" y="6289146"/>
+                <a:ext cx="614855" cy="614855"/>
+              </a:xfrm>
+              <a:prstGeom prst="ellipse">
+                <a:avLst/>
+              </a:prstGeom>
+              <a:ln w="38100">
+                <a:solidFill>
+                  <a:schemeClr val="tx1"/>
+                </a:solidFill>
+              </a:ln>
+            </p:spPr>
+            <p:style>
+              <a:lnRef idx="2">
+                <a:schemeClr val="accent6"/>
+              </a:lnRef>
+              <a:fillRef idx="1">
+                <a:schemeClr val="lt1"/>
+              </a:fillRef>
+              <a:effectRef idx="0">
+                <a:schemeClr val="accent6"/>
+              </a:effectRef>
+              <a:fontRef idx="minor">
+                <a:schemeClr val="dk1"/>
+              </a:fontRef>
+            </p:style>
+            <p:txBody>
+              <a:bodyPr rtlCol="0" anchor="ctr"/>
+              <a:lstStyle/>
+              <a:p>
+                <a:pPr algn="ctr"/>
+                <a:r>
+                  <a:rPr lang="en-CN" sz="2800" dirty="0"/>
+                  <a:t>2</a:t>
+                </a:r>
+              </a:p>
+            </p:txBody>
+          </p:sp>
+          <p:sp>
+            <p:nvSpPr>
+              <p:cNvPr id="98" name="Oval 97">
+                <a:extLst>
+                  <a:ext uri="{FF2B5EF4-FFF2-40B4-BE49-F238E27FC236}">
+                    <a16:creationId xmlns:a16="http://schemas.microsoft.com/office/drawing/2014/main" id="{518EC41A-3C80-C51D-A50A-9971366D1108}"/>
+                  </a:ext>
+                </a:extLst>
+              </p:cNvPr>
+              <p:cNvSpPr/>
+              <p:nvPr/>
+            </p:nvSpPr>
+            <p:spPr>
+              <a:xfrm>
+                <a:off x="14548596" y="6289146"/>
+                <a:ext cx="614855" cy="614855"/>
+              </a:xfrm>
+              <a:prstGeom prst="ellipse">
+                <a:avLst/>
+              </a:prstGeom>
+              <a:ln w="38100">
+                <a:solidFill>
+                  <a:schemeClr val="tx1"/>
+                </a:solidFill>
+              </a:ln>
+            </p:spPr>
+            <p:style>
+              <a:lnRef idx="2">
+                <a:schemeClr val="accent6"/>
+              </a:lnRef>
+              <a:fillRef idx="1">
+                <a:schemeClr val="lt1"/>
+              </a:fillRef>
+              <a:effectRef idx="0">
+                <a:schemeClr val="accent6"/>
+              </a:effectRef>
+              <a:fontRef idx="minor">
+                <a:schemeClr val="dk1"/>
+              </a:fontRef>
+            </p:style>
+            <p:txBody>
+              <a:bodyPr rtlCol="0" anchor="ctr"/>
+              <a:lstStyle/>
+              <a:p>
+                <a:pPr algn="ctr"/>
+                <a:r>
+                  <a:rPr lang="en-CN" sz="2800" dirty="0"/>
+                  <a:t>3</a:t>
+                </a:r>
+              </a:p>
+            </p:txBody>
+          </p:sp>
+          <p:cxnSp>
+            <p:nvCxnSpPr>
+              <p:cNvPr id="102" name="Straight Arrow Connector 101">
+                <a:extLst>
+                  <a:ext uri="{FF2B5EF4-FFF2-40B4-BE49-F238E27FC236}">
+                    <a16:creationId xmlns:a16="http://schemas.microsoft.com/office/drawing/2014/main" id="{88272491-5067-6F30-41EF-0D3E1DD20C9E}"/>
+                  </a:ext>
+                </a:extLst>
+              </p:cNvPr>
+              <p:cNvCxnSpPr>
+                <a:cxnSpLocks/>
+              </p:cNvCxnSpPr>
+              <p:nvPr/>
+            </p:nvCxnSpPr>
+            <p:spPr>
+              <a:xfrm>
+                <a:off x="2985597" y="6601214"/>
+                <a:ext cx="5223396" cy="0"/>
+              </a:xfrm>
+              <a:prstGeom prst="straightConnector1">
+                <a:avLst/>
+              </a:prstGeom>
+              <a:ln w="127000" cmpd="tri">
+                <a:solidFill>
+                  <a:schemeClr val="bg1">
+                    <a:lumMod val="75000"/>
+                  </a:schemeClr>
+                </a:solidFill>
+                <a:tailEnd type="stealth"/>
+              </a:ln>
+            </p:spPr>
+            <p:style>
+              <a:lnRef idx="1">
+                <a:schemeClr val="accent1"/>
+              </a:lnRef>
+              <a:fillRef idx="0">
+                <a:schemeClr val="accent1"/>
+              </a:fillRef>
+              <a:effectRef idx="0">
+                <a:schemeClr val="accent1"/>
+              </a:effectRef>
+              <a:fontRef idx="minor">
+                <a:schemeClr val="tx1"/>
+              </a:fontRef>
+            </p:style>
+          </p:cxnSp>
+          <p:grpSp>
+            <p:nvGrpSpPr>
+              <p:cNvPr id="113" name="Group 112">
+                <a:extLst>
+                  <a:ext uri="{FF2B5EF4-FFF2-40B4-BE49-F238E27FC236}">
+                    <a16:creationId xmlns:a16="http://schemas.microsoft.com/office/drawing/2014/main" id="{B670321A-41FE-CB06-BC99-7C0BA6E9B2F4}"/>
+                  </a:ext>
+                </a:extLst>
+              </p:cNvPr>
+              <p:cNvGrpSpPr>
+                <a:grpSpLocks noChangeAspect="1"/>
+              </p:cNvGrpSpPr>
+              <p:nvPr/>
+            </p:nvGrpSpPr>
+            <p:grpSpPr>
+              <a:xfrm>
+                <a:off x="3070049" y="5915221"/>
+                <a:ext cx="4816665" cy="432000"/>
+                <a:chOff x="5247537" y="887047"/>
+                <a:chExt cx="12366336" cy="1109124"/>
+              </a:xfrm>
+            </p:grpSpPr>
+            <p:pic>
+              <p:nvPicPr>
+                <p:cNvPr id="108" name="Picture 2" descr="Carnegie Mellon, Disney work to improve eye blink animation - The Tartan">
+                  <a:extLst>
+                    <a:ext uri="{FF2B5EF4-FFF2-40B4-BE49-F238E27FC236}">
+                      <a16:creationId xmlns:a16="http://schemas.microsoft.com/office/drawing/2014/main" id="{A3E5F716-14DF-CAD2-6E66-FD27763817FE}"/>
+                    </a:ext>
+                  </a:extLst>
+                </p:cNvPr>
+                <p:cNvPicPr>
+                  <a:picLocks noChangeAspect="1" noChangeArrowheads="1"/>
+                </p:cNvPicPr>
+                <p:nvPr/>
+              </p:nvPicPr>
+              <p:blipFill rotWithShape="1">
+                <a:blip r:embed="rId13">
+                  <a:extLst>
+                    <a:ext uri="{28A0092B-C50C-407E-A947-70E740481C1C}">
+                      <a14:useLocalDpi xmlns:a14="http://schemas.microsoft.com/office/drawing/2010/main" val="0"/>
+                    </a:ext>
+                  </a:extLst>
+                </a:blip>
+                <a:srcRect b="67002"/>
+                <a:stretch/>
+              </p:blipFill>
+              <p:spPr bwMode="auto">
+                <a:xfrm>
+                  <a:off x="5247537" y="887047"/>
+                  <a:ext cx="2455442" cy="1093171"/>
+                </a:xfrm>
+                <a:prstGeom prst="rect">
+                  <a:avLst/>
+                </a:prstGeom>
+                <a:noFill/>
+                <a:extLst>
+                  <a:ext uri="{909E8E84-426E-40DD-AFC4-6F175D3DCCD1}">
+                    <a14:hiddenFill xmlns:a14="http://schemas.microsoft.com/office/drawing/2010/main">
+                      <a:solidFill>
+                        <a:srgbClr val="FFFFFF"/>
+                      </a:solidFill>
+                    </a14:hiddenFill>
+                  </a:ext>
+                </a:extLst>
+              </p:spPr>
+            </p:pic>
+            <p:pic>
+              <p:nvPicPr>
+                <p:cNvPr id="109" name="Picture 2" descr="Carnegie Mellon, Disney work to improve eye blink animation - The Tartan">
+                  <a:extLst>
+                    <a:ext uri="{FF2B5EF4-FFF2-40B4-BE49-F238E27FC236}">
+                      <a16:creationId xmlns:a16="http://schemas.microsoft.com/office/drawing/2014/main" id="{1459AD8D-C30A-5741-E256-2FD3EBBA7EAE}"/>
+                    </a:ext>
+                  </a:extLst>
+                </p:cNvPr>
+                <p:cNvPicPr>
+                  <a:picLocks noChangeAspect="1" noChangeArrowheads="1"/>
+                </p:cNvPicPr>
+                <p:nvPr/>
+              </p:nvPicPr>
+              <p:blipFill rotWithShape="1">
+                <a:blip r:embed="rId13">
+                  <a:extLst>
+                    <a:ext uri="{28A0092B-C50C-407E-A947-70E740481C1C}">
+                      <a14:useLocalDpi xmlns:a14="http://schemas.microsoft.com/office/drawing/2010/main" val="0"/>
+                    </a:ext>
+                  </a:extLst>
+                </a:blip>
+                <a:srcRect t="32612" b="34389"/>
+                <a:stretch/>
+              </p:blipFill>
+              <p:spPr bwMode="auto">
+                <a:xfrm>
+                  <a:off x="7763247" y="887047"/>
+                  <a:ext cx="2455442" cy="1093171"/>
+                </a:xfrm>
+                <a:prstGeom prst="rect">
+                  <a:avLst/>
+                </a:prstGeom>
+                <a:noFill/>
+                <a:extLst>
+                  <a:ext uri="{909E8E84-426E-40DD-AFC4-6F175D3DCCD1}">
+                    <a14:hiddenFill xmlns:a14="http://schemas.microsoft.com/office/drawing/2010/main">
+                      <a:solidFill>
+                        <a:srgbClr val="FFFFFF"/>
+                      </a:solidFill>
+                    </a14:hiddenFill>
+                  </a:ext>
+                </a:extLst>
+              </p:spPr>
+            </p:pic>
+            <p:pic>
+              <p:nvPicPr>
+                <p:cNvPr id="110" name="Picture 2" descr="Carnegie Mellon, Disney work to improve eye blink animation - The Tartan">
+                  <a:extLst>
+                    <a:ext uri="{FF2B5EF4-FFF2-40B4-BE49-F238E27FC236}">
+                      <a16:creationId xmlns:a16="http://schemas.microsoft.com/office/drawing/2014/main" id="{628F2B2B-A298-D7FB-CA21-05B0348F436C}"/>
+                    </a:ext>
+                  </a:extLst>
+                </p:cNvPr>
+                <p:cNvPicPr>
+                  <a:picLocks noChangeAspect="1" noChangeArrowheads="1"/>
+                </p:cNvPicPr>
+                <p:nvPr/>
+              </p:nvPicPr>
+              <p:blipFill rotWithShape="1">
+                <a:blip r:embed="rId13">
+                  <a:extLst>
+                    <a:ext uri="{28A0092B-C50C-407E-A947-70E740481C1C}">
+                      <a14:useLocalDpi xmlns:a14="http://schemas.microsoft.com/office/drawing/2010/main" val="0"/>
+                    </a:ext>
+                  </a:extLst>
+                </a:blip>
+                <a:srcRect b="67002"/>
+                <a:stretch/>
+              </p:blipFill>
+              <p:spPr bwMode="auto">
+                <a:xfrm>
+                  <a:off x="10187279" y="903000"/>
+                  <a:ext cx="2455442" cy="1093171"/>
+                </a:xfrm>
+                <a:prstGeom prst="rect">
+                  <a:avLst/>
+                </a:prstGeom>
+                <a:noFill/>
+                <a:extLst>
+                  <a:ext uri="{909E8E84-426E-40DD-AFC4-6F175D3DCCD1}">
+                    <a14:hiddenFill xmlns:a14="http://schemas.microsoft.com/office/drawing/2010/main">
+                      <a:solidFill>
+                        <a:srgbClr val="FFFFFF"/>
+                      </a:solidFill>
+                    </a14:hiddenFill>
+                  </a:ext>
+                </a:extLst>
+              </p:spPr>
+            </p:pic>
+            <p:pic>
+              <p:nvPicPr>
+                <p:cNvPr id="111" name="Picture 2" descr="Carnegie Mellon, Disney work to improve eye blink animation - The Tartan">
+                  <a:extLst>
+                    <a:ext uri="{FF2B5EF4-FFF2-40B4-BE49-F238E27FC236}">
+                      <a16:creationId xmlns:a16="http://schemas.microsoft.com/office/drawing/2014/main" id="{0FA26779-379C-88ED-0D38-592323DF6A26}"/>
+                    </a:ext>
+                  </a:extLst>
+                </p:cNvPr>
+                <p:cNvPicPr>
+                  <a:picLocks noChangeAspect="1" noChangeArrowheads="1"/>
+                </p:cNvPicPr>
+                <p:nvPr/>
+              </p:nvPicPr>
+              <p:blipFill rotWithShape="1">
+                <a:blip r:embed="rId13">
+                  <a:extLst>
+                    <a:ext uri="{28A0092B-C50C-407E-A947-70E740481C1C}">
+                      <a14:useLocalDpi xmlns:a14="http://schemas.microsoft.com/office/drawing/2010/main" val="0"/>
+                    </a:ext>
+                  </a:extLst>
+                </a:blip>
+                <a:srcRect t="32612" b="34389"/>
+                <a:stretch/>
+              </p:blipFill>
+              <p:spPr bwMode="auto">
+                <a:xfrm>
+                  <a:off x="12702989" y="903000"/>
+                  <a:ext cx="2455442" cy="1093171"/>
+                </a:xfrm>
+                <a:prstGeom prst="rect">
+                  <a:avLst/>
+                </a:prstGeom>
+                <a:noFill/>
+                <a:extLst>
+                  <a:ext uri="{909E8E84-426E-40DD-AFC4-6F175D3DCCD1}">
+                    <a14:hiddenFill xmlns:a14="http://schemas.microsoft.com/office/drawing/2010/main">
+                      <a:solidFill>
+                        <a:srgbClr val="FFFFFF"/>
+                      </a:solidFill>
+                    </a14:hiddenFill>
+                  </a:ext>
+                </a:extLst>
+              </p:spPr>
+            </p:pic>
+            <p:pic>
+              <p:nvPicPr>
+                <p:cNvPr id="112" name="Picture 2" descr="Carnegie Mellon, Disney work to improve eye blink animation - The Tartan">
+                  <a:extLst>
+                    <a:ext uri="{FF2B5EF4-FFF2-40B4-BE49-F238E27FC236}">
+                      <a16:creationId xmlns:a16="http://schemas.microsoft.com/office/drawing/2014/main" id="{BB65C990-F9D0-E6FB-B099-E9B810E740D6}"/>
+                    </a:ext>
+                  </a:extLst>
+                </p:cNvPr>
+                <p:cNvPicPr>
+                  <a:picLocks noChangeAspect="1" noChangeArrowheads="1"/>
+                </p:cNvPicPr>
+                <p:nvPr/>
+              </p:nvPicPr>
+              <p:blipFill rotWithShape="1">
+                <a:blip r:embed="rId13">
+                  <a:extLst>
+                    <a:ext uri="{28A0092B-C50C-407E-A947-70E740481C1C}">
+                      <a14:useLocalDpi xmlns:a14="http://schemas.microsoft.com/office/drawing/2010/main" val="0"/>
+                    </a:ext>
+                  </a:extLst>
+                </a:blip>
+                <a:srcRect b="67002"/>
+                <a:stretch/>
+              </p:blipFill>
+              <p:spPr bwMode="auto">
+                <a:xfrm>
+                  <a:off x="15158431" y="903000"/>
+                  <a:ext cx="2455442" cy="1093171"/>
+                </a:xfrm>
+                <a:prstGeom prst="rect">
+                  <a:avLst/>
+                </a:prstGeom>
+                <a:noFill/>
+                <a:extLst>
+                  <a:ext uri="{909E8E84-426E-40DD-AFC4-6F175D3DCCD1}">
+                    <a14:hiddenFill xmlns:a14="http://schemas.microsoft.com/office/drawing/2010/main">
+                      <a:solidFill>
+                        <a:srgbClr val="FFFFFF"/>
+                      </a:solidFill>
+                    </a14:hiddenFill>
+                  </a:ext>
+                </a:extLst>
+              </p:spPr>
+            </p:pic>
+          </p:grpSp>
+          <p:cxnSp>
+            <p:nvCxnSpPr>
+              <p:cNvPr id="115" name="Straight Arrow Connector 114">
+                <a:extLst>
+                  <a:ext uri="{FF2B5EF4-FFF2-40B4-BE49-F238E27FC236}">
+                    <a16:creationId xmlns:a16="http://schemas.microsoft.com/office/drawing/2014/main" id="{AFA150F1-14E7-442D-03A9-A1A793061DA8}"/>
+                  </a:ext>
+                </a:extLst>
+              </p:cNvPr>
+              <p:cNvCxnSpPr>
+                <a:cxnSpLocks/>
+              </p:cNvCxnSpPr>
+              <p:nvPr/>
+            </p:nvCxnSpPr>
+            <p:spPr>
+              <a:xfrm>
+                <a:off x="9169226" y="6596573"/>
+                <a:ext cx="5223396" cy="0"/>
+              </a:xfrm>
+              <a:prstGeom prst="straightConnector1">
+                <a:avLst/>
+              </a:prstGeom>
+              <a:ln w="127000" cmpd="tri">
+                <a:solidFill>
+                  <a:schemeClr val="bg1">
+                    <a:lumMod val="75000"/>
+                  </a:schemeClr>
+                </a:solidFill>
+                <a:tailEnd type="stealth"/>
+              </a:ln>
+            </p:spPr>
+            <p:style>
+              <a:lnRef idx="1">
+                <a:schemeClr val="accent1"/>
+              </a:lnRef>
+              <a:fillRef idx="0">
+                <a:schemeClr val="accent1"/>
+              </a:fillRef>
+              <a:effectRef idx="0">
+                <a:schemeClr val="accent1"/>
+              </a:effectRef>
+              <a:fontRef idx="minor">
+                <a:schemeClr val="tx1"/>
+              </a:fontRef>
+            </p:style>
+          </p:cxnSp>
+          <p:pic>
+            <p:nvPicPr>
+              <p:cNvPr id="118" name="Picture 117" descr="Shape, circle&#10;&#10;Description automatically generated">
+                <a:extLst>
+                  <a:ext uri="{FF2B5EF4-FFF2-40B4-BE49-F238E27FC236}">
+                    <a16:creationId xmlns:a16="http://schemas.microsoft.com/office/drawing/2014/main" id="{4013BECF-8ED3-04C6-B9F4-CE49E0E880F4}"/>
+                  </a:ext>
+                </a:extLst>
+              </p:cNvPr>
+              <p:cNvPicPr>
+                <a:picLocks noChangeAspect="1"/>
+              </p:cNvPicPr>
+              <p:nvPr/>
+            </p:nvPicPr>
+            <p:blipFill>
+              <a:blip r:embed="rId14"/>
+              <a:stretch>
+                <a:fillRect/>
+              </a:stretch>
+            </p:blipFill>
+            <p:spPr>
+              <a:xfrm>
+                <a:off x="11287702" y="5820686"/>
+                <a:ext cx="614855" cy="614855"/>
+              </a:xfrm>
+              <a:prstGeom prst="rect">
+                <a:avLst/>
+              </a:prstGeom>
+            </p:spPr>
+          </p:pic>
+          <p:pic>
+            <p:nvPicPr>
+              <p:cNvPr id="116" name="Picture 115" descr="Shape, circle&#10;&#10;Description automatically generated">
+                <a:extLst>
+                  <a:ext uri="{FF2B5EF4-FFF2-40B4-BE49-F238E27FC236}">
+                    <a16:creationId xmlns:a16="http://schemas.microsoft.com/office/drawing/2014/main" id="{53DA9C40-BDE0-7252-3B29-8A1AB8853DD5}"/>
+                  </a:ext>
+                </a:extLst>
+              </p:cNvPr>
+              <p:cNvPicPr>
+                <a:picLocks noChangeAspect="1"/>
+              </p:cNvPicPr>
+              <p:nvPr/>
+            </p:nvPicPr>
+            <p:blipFill>
+              <a:blip r:embed="rId14"/>
+              <a:stretch>
+                <a:fillRect/>
+              </a:stretch>
+            </p:blipFill>
+            <p:spPr>
+              <a:xfrm>
+                <a:off x="9576363" y="5827035"/>
+                <a:ext cx="614855" cy="614855"/>
+              </a:xfrm>
+              <a:prstGeom prst="rect">
+                <a:avLst/>
+              </a:prstGeom>
+            </p:spPr>
+          </p:pic>
+          <p:pic>
+            <p:nvPicPr>
+              <p:cNvPr id="117" name="Picture 116" descr="Shape, circle&#10;&#10;Description automatically generated">
+                <a:extLst>
+                  <a:ext uri="{FF2B5EF4-FFF2-40B4-BE49-F238E27FC236}">
+                    <a16:creationId xmlns:a16="http://schemas.microsoft.com/office/drawing/2014/main" id="{E4C8F402-6EB4-13D4-A8BC-FF7B246CE143}"/>
+                  </a:ext>
+                </a:extLst>
+              </p:cNvPr>
+              <p:cNvPicPr>
+                <a:picLocks noChangeAspect="1"/>
+              </p:cNvPicPr>
+              <p:nvPr/>
+            </p:nvPicPr>
+            <p:blipFill>
+              <a:blip r:embed="rId15"/>
+              <a:stretch>
+                <a:fillRect/>
+              </a:stretch>
+            </p:blipFill>
+            <p:spPr>
+              <a:xfrm>
+                <a:off x="11426032" y="5959015"/>
+                <a:ext cx="338196" cy="338196"/>
+              </a:xfrm>
+              <a:prstGeom prst="rect">
+                <a:avLst/>
+              </a:prstGeom>
+            </p:spPr>
+          </p:pic>
+          <p:grpSp>
+            <p:nvGrpSpPr>
+              <p:cNvPr id="124" name="Group 123">
+                <a:extLst>
+                  <a:ext uri="{FF2B5EF4-FFF2-40B4-BE49-F238E27FC236}">
+                    <a16:creationId xmlns:a16="http://schemas.microsoft.com/office/drawing/2014/main" id="{BA070C60-EA5B-0838-3F7D-EF40D3FFA356}"/>
+                  </a:ext>
+                </a:extLst>
+              </p:cNvPr>
+              <p:cNvGrpSpPr/>
+              <p:nvPr/>
+            </p:nvGrpSpPr>
+            <p:grpSpPr>
+              <a:xfrm>
+                <a:off x="12959713" y="5812373"/>
+                <a:ext cx="614856" cy="614855"/>
+                <a:chOff x="12918148" y="5820686"/>
+                <a:chExt cx="614856" cy="614855"/>
+              </a:xfrm>
+            </p:grpSpPr>
+            <p:pic>
+              <p:nvPicPr>
+                <p:cNvPr id="119" name="Picture 118" descr="Shape, circle&#10;&#10;Description automatically generated">
+                  <a:extLst>
+                    <a:ext uri="{FF2B5EF4-FFF2-40B4-BE49-F238E27FC236}">
+                      <a16:creationId xmlns:a16="http://schemas.microsoft.com/office/drawing/2014/main" id="{005D847B-BCBD-59FE-9280-EED04D41B984}"/>
+                    </a:ext>
+                  </a:extLst>
+                </p:cNvPr>
+                <p:cNvPicPr>
+                  <a:picLocks noChangeAspect="1"/>
+                </p:cNvPicPr>
+                <p:nvPr/>
+              </p:nvPicPr>
+              <p:blipFill>
+                <a:blip r:embed="rId14"/>
+                <a:stretch>
+                  <a:fillRect/>
+                </a:stretch>
+              </p:blipFill>
+              <p:spPr>
+                <a:xfrm>
+                  <a:off x="12918149" y="5820686"/>
+                  <a:ext cx="614855" cy="614855"/>
+                </a:xfrm>
+                <a:prstGeom prst="rect">
+                  <a:avLst/>
+                </a:prstGeom>
+              </p:spPr>
+            </p:pic>
+            <p:pic>
+              <p:nvPicPr>
+                <p:cNvPr id="120" name="Picture 119" descr="Shape, circle&#10;&#10;Description automatically generated">
+                  <a:extLst>
+                    <a:ext uri="{FF2B5EF4-FFF2-40B4-BE49-F238E27FC236}">
+                      <a16:creationId xmlns:a16="http://schemas.microsoft.com/office/drawing/2014/main" id="{F3B45379-7B59-36F7-8701-F8F69D5A3EF8}"/>
+                    </a:ext>
+                  </a:extLst>
+                </p:cNvPr>
+                <p:cNvPicPr>
+                  <a:picLocks noChangeAspect="1"/>
+                </p:cNvPicPr>
+                <p:nvPr/>
+              </p:nvPicPr>
+              <p:blipFill>
+                <a:blip r:embed="rId15"/>
+                <a:stretch>
+                  <a:fillRect/>
+                </a:stretch>
+              </p:blipFill>
+              <p:spPr>
+                <a:xfrm>
+                  <a:off x="12918148" y="5820686"/>
+                  <a:ext cx="614855" cy="614855"/>
+                </a:xfrm>
+                <a:prstGeom prst="rect">
+                  <a:avLst/>
+                </a:prstGeom>
+              </p:spPr>
+            </p:pic>
+          </p:grpSp>
+          <p:cxnSp>
+            <p:nvCxnSpPr>
+              <p:cNvPr id="122" name="Straight Arrow Connector 121">
+                <a:extLst>
+                  <a:ext uri="{FF2B5EF4-FFF2-40B4-BE49-F238E27FC236}">
+                    <a16:creationId xmlns:a16="http://schemas.microsoft.com/office/drawing/2014/main" id="{FC6E7034-A38A-6C8E-5B29-41FF938215E1}"/>
+                  </a:ext>
+                </a:extLst>
+              </p:cNvPr>
+              <p:cNvCxnSpPr/>
+              <p:nvPr/>
+            </p:nvCxnSpPr>
+            <p:spPr>
+              <a:xfrm>
+                <a:off x="10341033" y="6128113"/>
+                <a:ext cx="827058" cy="0"/>
+              </a:xfrm>
+              <a:prstGeom prst="straightConnector1">
+                <a:avLst/>
+              </a:prstGeom>
+              <a:ln w="38100">
+                <a:solidFill>
+                  <a:schemeClr val="bg1">
+                    <a:lumMod val="65000"/>
+                  </a:schemeClr>
+                </a:solidFill>
+                <a:tailEnd type="triangle"/>
+              </a:ln>
+            </p:spPr>
+            <p:style>
+              <a:lnRef idx="1">
+                <a:schemeClr val="accent1"/>
+              </a:lnRef>
+              <a:fillRef idx="0">
+                <a:schemeClr val="accent1"/>
+              </a:fillRef>
+              <a:effectRef idx="0">
+                <a:schemeClr val="accent1"/>
+              </a:effectRef>
+              <a:fontRef idx="minor">
+                <a:schemeClr val="tx1"/>
+              </a:fontRef>
+            </p:style>
+          </p:cxnSp>
+          <p:cxnSp>
+            <p:nvCxnSpPr>
+              <p:cNvPr id="123" name="Straight Arrow Connector 122">
+                <a:extLst>
+                  <a:ext uri="{FF2B5EF4-FFF2-40B4-BE49-F238E27FC236}">
+                    <a16:creationId xmlns:a16="http://schemas.microsoft.com/office/drawing/2014/main" id="{640C6BB1-9F44-B701-5B63-D16D36172E1E}"/>
+                  </a:ext>
+                </a:extLst>
+              </p:cNvPr>
+              <p:cNvCxnSpPr/>
+              <p:nvPr/>
+            </p:nvCxnSpPr>
+            <p:spPr>
+              <a:xfrm>
+                <a:off x="12022976" y="6119800"/>
+                <a:ext cx="827058" cy="0"/>
+              </a:xfrm>
+              <a:prstGeom prst="straightConnector1">
+                <a:avLst/>
+              </a:prstGeom>
+              <a:ln w="38100">
+                <a:solidFill>
+                  <a:schemeClr val="bg1">
+                    <a:lumMod val="65000"/>
+                  </a:schemeClr>
+                </a:solidFill>
+                <a:tailEnd type="triangle"/>
+              </a:ln>
+            </p:spPr>
+            <p:style>
+              <a:lnRef idx="1">
+                <a:schemeClr val="accent1"/>
+              </a:lnRef>
+              <a:fillRef idx="0">
+                <a:schemeClr val="accent1"/>
+              </a:fillRef>
+              <a:effectRef idx="0">
+                <a:schemeClr val="accent1"/>
+              </a:effectRef>
+              <a:fontRef idx="minor">
+                <a:schemeClr val="tx1"/>
+              </a:fontRef>
+            </p:style>
+          </p:cxnSp>
+          <p:sp>
+            <p:nvSpPr>
+              <p:cNvPr id="125" name="Right Arrow 124">
+                <a:extLst>
+                  <a:ext uri="{FF2B5EF4-FFF2-40B4-BE49-F238E27FC236}">
+                    <a16:creationId xmlns:a16="http://schemas.microsoft.com/office/drawing/2014/main" id="{0B229D80-9DB0-A86B-2AB5-28F9CDD7EFBA}"/>
+                  </a:ext>
+                </a:extLst>
+              </p:cNvPr>
+              <p:cNvSpPr/>
+              <p:nvPr/>
+            </p:nvSpPr>
+            <p:spPr>
+              <a:xfrm rot="18900000">
+                <a:off x="15549516" y="1367215"/>
+                <a:ext cx="351005" cy="728198"/>
+              </a:xfrm>
+              <a:prstGeom prst="rightArrow">
+                <a:avLst>
+                  <a:gd name="adj1" fmla="val 50000"/>
+                  <a:gd name="adj2" fmla="val 65402"/>
+                </a:avLst>
+              </a:prstGeom>
+              <a:solidFill>
+                <a:schemeClr val="bg1">
+                  <a:lumMod val="85000"/>
+                </a:schemeClr>
+              </a:solidFill>
+              <a:ln>
+                <a:noFill/>
+              </a:ln>
             </p:spPr>
             <p:style>
               <a:lnRef idx="2">
@@ -4512,16 +7490,16 @@
               <a:lstStyle/>
               <a:p>
                 <a:pPr algn="ctr"/>
-                <a:endParaRPr lang="zh-CN" altLang="en-US" dirty="0"/>
+                <a:endParaRPr lang="en-CN" dirty="0"/>
               </a:p>
             </p:txBody>
           </p:sp>
           <p:sp>
             <p:nvSpPr>
-              <p:cNvPr id="28" name="泪滴形 4">
+              <p:cNvPr id="126" name="Right Arrow 125">
                 <a:extLst>
                   <a:ext uri="{FF2B5EF4-FFF2-40B4-BE49-F238E27FC236}">
-                    <a16:creationId xmlns:a16="http://schemas.microsoft.com/office/drawing/2014/main" id="{582BDA8C-3527-468A-BCFC-2E7150DA400D}"/>
+                    <a16:creationId xmlns:a16="http://schemas.microsoft.com/office/drawing/2014/main" id="{1029F6F7-1F50-2206-8E62-3A516622509B}"/>
                   </a:ext>
                 </a:extLst>
               </p:cNvPr>
@@ -4529,68 +7507,24 @@
               <p:nvPr/>
             </p:nvSpPr>
             <p:spPr>
-              <a:xfrm rot="8100000">
-                <a:off x="4885505" y="410340"/>
-                <a:ext cx="2420983" cy="2420983"/>
+              <a:xfrm rot="2700000">
+                <a:off x="15605533" y="3384404"/>
+                <a:ext cx="351005" cy="728198"/>
               </a:xfrm>
-              <a:prstGeom prst="teardrop">
-                <a:avLst/>
+              <a:prstGeom prst="rightArrow">
+                <a:avLst>
+                  <a:gd name="adj1" fmla="val 50000"/>
+                  <a:gd name="adj2" fmla="val 65402"/>
+                </a:avLst>
               </a:prstGeom>
-              <a:gradFill flip="none" rotWithShape="1">
-                <a:gsLst>
-                  <a:gs pos="0">
-                    <a:schemeClr val="accent6">
-                      <a:alpha val="0"/>
-                      <a:lumMod val="60000"/>
-                      <a:lumOff val="40000"/>
-                    </a:schemeClr>
-                  </a:gs>
-                  <a:gs pos="50000">
-                    <a:schemeClr val="accent6">
-                      <a:lumMod val="60000"/>
-                      <a:lumOff val="40000"/>
-                      <a:alpha val="85000"/>
-                    </a:schemeClr>
-                  </a:gs>
-                  <a:gs pos="100000">
-                    <a:schemeClr val="accent6">
-                      <a:lumMod val="60000"/>
-                      <a:lumOff val="40000"/>
-                    </a:schemeClr>
-                  </a:gs>
-                </a:gsLst>
-                <a:lin ang="8100000" scaled="0"/>
-                <a:tileRect/>
-              </a:gradFill>
-              <a:ln w="38100">
-                <a:gradFill>
-                  <a:gsLst>
-                    <a:gs pos="25000">
-                      <a:schemeClr val="bg1">
-                        <a:alpha val="0"/>
-                        <a:lumMod val="60000"/>
-                        <a:lumOff val="40000"/>
-                      </a:schemeClr>
-                    </a:gs>
-                    <a:gs pos="100000">
-                      <a:schemeClr val="bg1">
-                        <a:alpha val="85000"/>
-                        <a:lumMod val="60000"/>
-                        <a:lumOff val="40000"/>
-                      </a:schemeClr>
-                    </a:gs>
-                    <a:gs pos="50000">
-                      <a:schemeClr val="bg1">
-                        <a:lumMod val="60000"/>
-                        <a:lumOff val="40000"/>
-                        <a:alpha val="50000"/>
-                      </a:schemeClr>
-                    </a:gs>
-                  </a:gsLst>
-                  <a:lin ang="8100000" scaled="0"/>
-                </a:gradFill>
+              <a:solidFill>
+                <a:schemeClr val="bg1">
+                  <a:lumMod val="85000"/>
+                </a:schemeClr>
+              </a:solidFill>
+              <a:ln>
+                <a:noFill/>
               </a:ln>
-              <a:effectLst/>
             </p:spPr>
             <p:style>
               <a:lnRef idx="2">
@@ -4613,16 +7547,16 @@
               <a:lstStyle/>
               <a:p>
                 <a:pPr algn="ctr"/>
-                <a:endParaRPr lang="zh-CN" altLang="en-US" dirty="0"/>
+                <a:endParaRPr lang="en-CN" dirty="0"/>
               </a:p>
             </p:txBody>
           </p:sp>
           <p:sp>
             <p:nvSpPr>
-              <p:cNvPr id="29" name="泪滴形 6">
+              <p:cNvPr id="127" name="Right Arrow 126">
                 <a:extLst>
                   <a:ext uri="{FF2B5EF4-FFF2-40B4-BE49-F238E27FC236}">
-                    <a16:creationId xmlns:a16="http://schemas.microsoft.com/office/drawing/2014/main" id="{97EBA064-9AD4-5350-EC60-2CAFB8EC018A}"/>
+                    <a16:creationId xmlns:a16="http://schemas.microsoft.com/office/drawing/2014/main" id="{6BDCC5BE-3842-CBA1-0D12-C03DC9F22838}"/>
                   </a:ext>
                 </a:extLst>
               </p:cNvPr>
@@ -4630,68 +7564,24 @@
               <p:nvPr/>
             </p:nvSpPr>
             <p:spPr>
-              <a:xfrm rot="18900000">
-                <a:off x="4885505" y="4026673"/>
-                <a:ext cx="2420983" cy="2420983"/>
+              <a:xfrm rot="12900000">
+                <a:off x="13041519" y="1511230"/>
+                <a:ext cx="351005" cy="728198"/>
               </a:xfrm>
-              <a:prstGeom prst="teardrop">
-                <a:avLst/>
+              <a:prstGeom prst="rightArrow">
+                <a:avLst>
+                  <a:gd name="adj1" fmla="val 50000"/>
+                  <a:gd name="adj2" fmla="val 65402"/>
+                </a:avLst>
               </a:prstGeom>
-              <a:gradFill flip="none" rotWithShape="1">
-                <a:gsLst>
-                  <a:gs pos="0">
-                    <a:schemeClr val="accent6">
-                      <a:alpha val="0"/>
-                      <a:lumMod val="60000"/>
-                      <a:lumOff val="40000"/>
-                    </a:schemeClr>
-                  </a:gs>
-                  <a:gs pos="50000">
-                    <a:schemeClr val="accent6">
-                      <a:lumMod val="60000"/>
-                      <a:lumOff val="40000"/>
-                      <a:alpha val="85000"/>
-                    </a:schemeClr>
-                  </a:gs>
-                  <a:gs pos="100000">
-                    <a:schemeClr val="accent6">
-                      <a:lumMod val="60000"/>
-                      <a:lumOff val="40000"/>
-                    </a:schemeClr>
-                  </a:gs>
-                </a:gsLst>
-                <a:lin ang="8100000" scaled="0"/>
-                <a:tileRect/>
-              </a:gradFill>
-              <a:ln w="38100">
-                <a:gradFill>
-                  <a:gsLst>
-                    <a:gs pos="25000">
-                      <a:schemeClr val="bg1">
-                        <a:alpha val="0"/>
-                        <a:lumMod val="60000"/>
-                        <a:lumOff val="40000"/>
-                      </a:schemeClr>
-                    </a:gs>
-                    <a:gs pos="100000">
-                      <a:schemeClr val="bg1">
-                        <a:alpha val="85000"/>
-                        <a:lumMod val="60000"/>
-                        <a:lumOff val="40000"/>
-                      </a:schemeClr>
-                    </a:gs>
-                    <a:gs pos="50000">
-                      <a:schemeClr val="bg1">
-                        <a:lumMod val="60000"/>
-                        <a:lumOff val="40000"/>
-                        <a:alpha val="50000"/>
-                      </a:schemeClr>
-                    </a:gs>
-                  </a:gsLst>
-                  <a:lin ang="8100000" scaled="0"/>
-                </a:gradFill>
+              <a:solidFill>
+                <a:schemeClr val="bg1">
+                  <a:lumMod val="85000"/>
+                </a:schemeClr>
+              </a:solidFill>
+              <a:ln>
+                <a:noFill/>
               </a:ln>
-              <a:effectLst/>
             </p:spPr>
             <p:style>
               <a:lnRef idx="2">
@@ -4714,16 +7604,16 @@
               <a:lstStyle/>
               <a:p>
                 <a:pPr algn="ctr"/>
-                <a:endParaRPr lang="zh-CN" altLang="en-US" dirty="0"/>
+                <a:endParaRPr lang="en-CN" dirty="0"/>
               </a:p>
             </p:txBody>
           </p:sp>
           <p:sp>
             <p:nvSpPr>
-              <p:cNvPr id="30" name="泪滴形 7">
+              <p:cNvPr id="128" name="Right Arrow 127">
                 <a:extLst>
                   <a:ext uri="{FF2B5EF4-FFF2-40B4-BE49-F238E27FC236}">
-                    <a16:creationId xmlns:a16="http://schemas.microsoft.com/office/drawing/2014/main" id="{9D0BABC0-FA80-1C4C-4117-C7D40D0B6A07}"/>
+                    <a16:creationId xmlns:a16="http://schemas.microsoft.com/office/drawing/2014/main" id="{06AC05A9-A2CA-0A8D-5AD8-283D4B12E918}"/>
                   </a:ext>
                 </a:extLst>
               </p:cNvPr>
@@ -4731,68 +7621,24 @@
               <p:nvPr/>
             </p:nvSpPr>
             <p:spPr>
-              <a:xfrm rot="13500000">
-                <a:off x="6714132" y="2218508"/>
-                <a:ext cx="2420983" cy="2420983"/>
+              <a:xfrm rot="8100000">
+                <a:off x="13608865" y="3750772"/>
+                <a:ext cx="351005" cy="728198"/>
               </a:xfrm>
-              <a:prstGeom prst="teardrop">
-                <a:avLst/>
+              <a:prstGeom prst="rightArrow">
+                <a:avLst>
+                  <a:gd name="adj1" fmla="val 50000"/>
+                  <a:gd name="adj2" fmla="val 65402"/>
+                </a:avLst>
               </a:prstGeom>
-              <a:gradFill flip="none" rotWithShape="1">
-                <a:gsLst>
-                  <a:gs pos="0">
-                    <a:schemeClr val="accent6">
-                      <a:alpha val="0"/>
-                      <a:lumMod val="60000"/>
-                      <a:lumOff val="40000"/>
-                    </a:schemeClr>
-                  </a:gs>
-                  <a:gs pos="50000">
-                    <a:schemeClr val="accent6">
-                      <a:lumMod val="60000"/>
-                      <a:lumOff val="40000"/>
-                      <a:alpha val="85000"/>
-                    </a:schemeClr>
-                  </a:gs>
-                  <a:gs pos="100000">
-                    <a:schemeClr val="accent6">
-                      <a:lumMod val="60000"/>
-                      <a:lumOff val="40000"/>
-                    </a:schemeClr>
-                  </a:gs>
-                </a:gsLst>
-                <a:lin ang="8100000" scaled="0"/>
-                <a:tileRect/>
-              </a:gradFill>
-              <a:ln w="38100">
-                <a:gradFill>
-                  <a:gsLst>
-                    <a:gs pos="25000">
-                      <a:schemeClr val="bg1">
-                        <a:alpha val="0"/>
-                        <a:lumMod val="60000"/>
-                        <a:lumOff val="40000"/>
-                      </a:schemeClr>
-                    </a:gs>
-                    <a:gs pos="100000">
-                      <a:schemeClr val="bg1">
-                        <a:alpha val="85000"/>
-                        <a:lumMod val="60000"/>
-                        <a:lumOff val="40000"/>
-                      </a:schemeClr>
-                    </a:gs>
-                    <a:gs pos="50000">
-                      <a:schemeClr val="bg1">
-                        <a:lumMod val="60000"/>
-                        <a:lumOff val="40000"/>
-                        <a:alpha val="50000"/>
-                      </a:schemeClr>
-                    </a:gs>
-                  </a:gsLst>
-                  <a:lin ang="8100000" scaled="0"/>
-                </a:gradFill>
+              <a:solidFill>
+                <a:schemeClr val="bg1">
+                  <a:lumMod val="85000"/>
+                </a:schemeClr>
+              </a:solidFill>
+              <a:ln>
+                <a:noFill/>
               </a:ln>
-              <a:effectLst/>
             </p:spPr>
             <p:style>
               <a:lnRef idx="2">
@@ -4815,1262 +7661,87 @@
               <a:lstStyle/>
               <a:p>
                 <a:pPr algn="ctr"/>
-                <a:endParaRPr lang="zh-CN" altLang="en-US" dirty="0"/>
+                <a:endParaRPr lang="en-CN" dirty="0"/>
               </a:p>
             </p:txBody>
           </p:sp>
         </p:grpSp>
-        <p:pic>
-          <p:nvPicPr>
-            <p:cNvPr id="23" name="图片 10" descr="形状&#10;&#10;中度可信度描述已自动生成">
+        <p:sp>
+          <p:nvSpPr>
+            <p:cNvPr id="130" name="TextBox 129">
               <a:extLst>
                 <a:ext uri="{FF2B5EF4-FFF2-40B4-BE49-F238E27FC236}">
-                  <a16:creationId xmlns:a16="http://schemas.microsoft.com/office/drawing/2014/main" id="{D6116B46-BCA0-451B-E20F-91A2DDF3D993}"/>
+                  <a16:creationId xmlns:a16="http://schemas.microsoft.com/office/drawing/2014/main" id="{56A2B650-3E45-2343-C291-4D821376D7A1}"/>
                 </a:ext>
               </a:extLst>
             </p:cNvPr>
-            <p:cNvPicPr>
-              <a:picLocks noChangeAspect="1"/>
-            </p:cNvPicPr>
+            <p:cNvSpPr txBox="1"/>
             <p:nvPr/>
-          </p:nvPicPr>
-          <p:blipFill>
-            <a:blip r:embed="rId2">
-              <a:extLst>
-                <a:ext uri="{28A0092B-C50C-407E-A947-70E740481C1C}">
-                  <a14:useLocalDpi xmlns:a14="http://schemas.microsoft.com/office/drawing/2010/main" val="0"/>
-                </a:ext>
-              </a:extLst>
-            </a:blip>
-            <a:stretch>
-              <a:fillRect/>
-            </a:stretch>
-          </p:blipFill>
+          </p:nvSpPr>
           <p:spPr>
             <a:xfrm>
-              <a:off x="4001329" y="4785059"/>
-              <a:ext cx="4189331" cy="701582"/>
-            </a:xfrm>
-            <a:prstGeom prst="rect">
-              <a:avLst/>
-            </a:prstGeom>
-          </p:spPr>
-        </p:pic>
-        <p:pic>
-          <p:nvPicPr>
-            <p:cNvPr id="24" name="图片 12" descr="形状&#10;&#10;中度可信度描述已自动生成">
-              <a:extLst>
-                <a:ext uri="{FF2B5EF4-FFF2-40B4-BE49-F238E27FC236}">
-                  <a16:creationId xmlns:a16="http://schemas.microsoft.com/office/drawing/2014/main" id="{2CA2E838-9AAB-640A-A91C-511318AB41EE}"/>
-                </a:ext>
-              </a:extLst>
-            </p:cNvPr>
-            <p:cNvPicPr>
-              <a:picLocks noChangeAspect="1"/>
-            </p:cNvPicPr>
-            <p:nvPr/>
-          </p:nvPicPr>
-          <p:blipFill>
-            <a:blip r:embed="rId3">
-              <a:extLst>
-                <a:ext uri="{28A0092B-C50C-407E-A947-70E740481C1C}">
-                  <a14:useLocalDpi xmlns:a14="http://schemas.microsoft.com/office/drawing/2010/main" val="0"/>
-                </a:ext>
-              </a:extLst>
-            </a:blip>
-            <a:stretch>
-              <a:fillRect/>
-            </a:stretch>
-          </p:blipFill>
-          <p:spPr>
-            <a:xfrm>
-              <a:off x="4001330" y="1366313"/>
-              <a:ext cx="4189331" cy="701582"/>
-            </a:xfrm>
-            <a:prstGeom prst="rect">
-              <a:avLst/>
-            </a:prstGeom>
-          </p:spPr>
-        </p:pic>
-        <p:pic>
-          <p:nvPicPr>
-            <p:cNvPr id="25" name="图片 14" descr="形状&#10;&#10;中度可信度描述已自动生成">
-              <a:extLst>
-                <a:ext uri="{FF2B5EF4-FFF2-40B4-BE49-F238E27FC236}">
-                  <a16:creationId xmlns:a16="http://schemas.microsoft.com/office/drawing/2014/main" id="{899A839B-D335-BD90-8FF5-66F99099515D}"/>
-                </a:ext>
-              </a:extLst>
-            </p:cNvPr>
-            <p:cNvPicPr>
-              <a:picLocks noChangeAspect="1"/>
-            </p:cNvPicPr>
-            <p:nvPr/>
-          </p:nvPicPr>
-          <p:blipFill>
-            <a:blip r:embed="rId4">
-              <a:extLst>
-                <a:ext uri="{28A0092B-C50C-407E-A947-70E740481C1C}">
-                  <a14:useLocalDpi xmlns:a14="http://schemas.microsoft.com/office/drawing/2010/main" val="0"/>
-                </a:ext>
-              </a:extLst>
-            </a:blip>
-            <a:stretch>
-              <a:fillRect/>
-            </a:stretch>
-          </p:blipFill>
-          <p:spPr>
-            <a:xfrm rot="16200000">
-              <a:off x="2325210" y="3083717"/>
-              <a:ext cx="4189331" cy="701582"/>
-            </a:xfrm>
-            <a:prstGeom prst="rect">
-              <a:avLst/>
-            </a:prstGeom>
-          </p:spPr>
-        </p:pic>
-        <p:pic>
-          <p:nvPicPr>
-            <p:cNvPr id="26" name="图片 16" descr="形状&#10;&#10;中度可信度描述已自动生成">
-              <a:extLst>
-                <a:ext uri="{FF2B5EF4-FFF2-40B4-BE49-F238E27FC236}">
-                  <a16:creationId xmlns:a16="http://schemas.microsoft.com/office/drawing/2014/main" id="{F95ABF31-EF2A-8ACF-3DB4-4F4B99524BCC}"/>
-                </a:ext>
-              </a:extLst>
-            </p:cNvPr>
-            <p:cNvPicPr>
-              <a:picLocks noChangeAspect="1"/>
-            </p:cNvPicPr>
-            <p:nvPr/>
-          </p:nvPicPr>
-          <p:blipFill>
-            <a:blip r:embed="rId5">
-              <a:extLst>
-                <a:ext uri="{28A0092B-C50C-407E-A947-70E740481C1C}">
-                  <a14:useLocalDpi xmlns:a14="http://schemas.microsoft.com/office/drawing/2010/main" val="0"/>
-                </a:ext>
-              </a:extLst>
-            </a:blip>
-            <a:stretch>
-              <a:fillRect/>
-            </a:stretch>
-          </p:blipFill>
-          <p:spPr>
-            <a:xfrm rot="5400000">
-              <a:off x="5677452" y="3078207"/>
-              <a:ext cx="4189331" cy="701582"/>
-            </a:xfrm>
-            <a:prstGeom prst="rect">
-              <a:avLst/>
-            </a:prstGeom>
-          </p:spPr>
-        </p:pic>
-      </p:grpSp>
-      <p:grpSp>
-        <p:nvGrpSpPr>
-          <p:cNvPr id="6" name="Group 5">
-            <a:extLst>
-              <a:ext uri="{FF2B5EF4-FFF2-40B4-BE49-F238E27FC236}">
-                <a16:creationId xmlns:a16="http://schemas.microsoft.com/office/drawing/2014/main" id="{40C29BF7-F993-FEFF-1695-3C56A188BBB8}"/>
-              </a:ext>
-            </a:extLst>
-          </p:cNvPr>
-          <p:cNvGrpSpPr/>
-          <p:nvPr/>
-        </p:nvGrpSpPr>
-        <p:grpSpPr>
-          <a:xfrm>
-            <a:off x="1458392" y="3694670"/>
-            <a:ext cx="866402" cy="1025611"/>
-            <a:chOff x="7579941" y="3963212"/>
-            <a:chExt cx="1476117" cy="1747368"/>
-          </a:xfrm>
-        </p:grpSpPr>
-        <p:pic>
-          <p:nvPicPr>
-            <p:cNvPr id="4" name="Picture 8" descr="Big Image - Head Silhouette Clipart, HD Png Download - 2032x2304(#2137798)  - PngFind">
-              <a:extLst>
-                <a:ext uri="{FF2B5EF4-FFF2-40B4-BE49-F238E27FC236}">
-                  <a16:creationId xmlns:a16="http://schemas.microsoft.com/office/drawing/2014/main" id="{F504AEBC-4660-724A-167E-9ABDBE55E4DB}"/>
-                </a:ext>
-              </a:extLst>
-            </p:cNvPr>
-            <p:cNvPicPr>
-              <a:picLocks noChangeAspect="1" noChangeArrowheads="1"/>
-            </p:cNvPicPr>
-            <p:nvPr/>
-          </p:nvPicPr>
-          <p:blipFill>
-            <a:blip r:embed="rId6">
-              <a:extLst>
-                <a:ext uri="{BEBA8EAE-BF5A-486C-A8C5-ECC9F3942E4B}">
-                  <a14:imgProps xmlns:a14="http://schemas.microsoft.com/office/drawing/2010/main">
-                    <a14:imgLayer r:embed="rId7">
-                      <a14:imgEffect>
-                        <a14:backgroundRemoval t="6956" b="92440" l="1667" r="95000">
-                          <a14:foregroundMark x1="25476" y1="29738" x2="31429" y2="14214"/>
-                          <a14:foregroundMark x1="31429" y1="14214" x2="50119" y2="6956"/>
-                          <a14:foregroundMark x1="50119" y1="6956" x2="52619" y2="7560"/>
-                          <a14:foregroundMark x1="52619" y1="13609" x2="52619" y2="13609"/>
-                          <a14:foregroundMark x1="7381" y1="28226" x2="6786" y2="33468"/>
-                          <a14:foregroundMark x1="43095" y1="92641" x2="43095" y2="92641"/>
-                          <a14:foregroundMark x1="90952" y1="51210" x2="90952" y2="51210"/>
-                          <a14:foregroundMark x1="1667" y1="34577" x2="1667" y2="34577"/>
-                          <a14:foregroundMark x1="95000" y1="52419" x2="95000" y2="52419"/>
-                        </a14:backgroundRemoval>
-                      </a14:imgEffect>
-                    </a14:imgLayer>
-                  </a14:imgProps>
-                </a:ext>
-                <a:ext uri="{28A0092B-C50C-407E-A947-70E740481C1C}">
-                  <a14:useLocalDpi xmlns:a14="http://schemas.microsoft.com/office/drawing/2010/main" val="0"/>
-                </a:ext>
-              </a:extLst>
-            </a:blip>
-            <a:srcRect/>
-            <a:stretch>
-              <a:fillRect/>
-            </a:stretch>
-          </p:blipFill>
-          <p:spPr bwMode="auto">
-            <a:xfrm flipH="1">
-              <a:off x="7579941" y="3963212"/>
-              <a:ext cx="1476117" cy="1747368"/>
+              <a:off x="4624120" y="6409281"/>
+              <a:ext cx="1683474" cy="369332"/>
             </a:xfrm>
             <a:prstGeom prst="rect">
               <a:avLst/>
             </a:prstGeom>
             <a:noFill/>
-            <a:extLst>
-              <a:ext uri="{909E8E84-426E-40DD-AFC4-6F175D3DCCD1}">
-                <a14:hiddenFill xmlns:a14="http://schemas.microsoft.com/office/drawing/2010/main">
-                  <a:solidFill>
-                    <a:srgbClr val="FFFFFF"/>
-                  </a:solidFill>
-                </a14:hiddenFill>
-              </a:ext>
-            </a:extLst>
           </p:spPr>
-        </p:pic>
-        <p:pic>
-          <p:nvPicPr>
-            <p:cNvPr id="5" name="Picture 10">
+          <p:txBody>
+            <a:bodyPr wrap="none" rtlCol="0">
+              <a:spAutoFit/>
+            </a:bodyPr>
+            <a:lstStyle/>
+            <a:p>
+              <a:r>
+                <a:rPr lang="en-US" b="1" dirty="0"/>
+                <a:t>d</a:t>
+              </a:r>
+              <a:r>
+                <a:rPr lang="en-CN" b="1" dirty="0"/>
+                <a:t>ouble blinking</a:t>
+              </a:r>
+            </a:p>
+          </p:txBody>
+        </p:sp>
+        <p:sp>
+          <p:nvSpPr>
+            <p:cNvPr id="131" name="TextBox 130">
               <a:extLst>
                 <a:ext uri="{FF2B5EF4-FFF2-40B4-BE49-F238E27FC236}">
-                  <a16:creationId xmlns:a16="http://schemas.microsoft.com/office/drawing/2014/main" id="{411BAD1A-69FA-0AC8-3153-28CF3A47CC38}"/>
+                  <a16:creationId xmlns:a16="http://schemas.microsoft.com/office/drawing/2014/main" id="{5D05B31D-2720-7124-8723-1A6B4ACE0FF7}"/>
                 </a:ext>
               </a:extLst>
             </p:cNvPr>
-            <p:cNvPicPr>
-              <a:picLocks noChangeAspect="1" noChangeArrowheads="1"/>
-            </p:cNvPicPr>
+            <p:cNvSpPr txBox="1"/>
             <p:nvPr/>
-          </p:nvPicPr>
-          <p:blipFill>
-            <a:blip r:embed="rId8">
-              <a:lum bright="70000" contrast="-70000"/>
-              <a:extLst>
-                <a:ext uri="{28A0092B-C50C-407E-A947-70E740481C1C}">
-                  <a14:useLocalDpi xmlns:a14="http://schemas.microsoft.com/office/drawing/2010/main" val="0"/>
-                </a:ext>
-              </a:extLst>
-            </a:blip>
-            <a:srcRect/>
-            <a:stretch>
-              <a:fillRect/>
-            </a:stretch>
-          </p:blipFill>
-          <p:spPr bwMode="auto">
+          </p:nvSpPr>
+          <p:spPr>
             <a:xfrm>
-              <a:off x="7848979" y="4552711"/>
-              <a:ext cx="261887" cy="261887"/>
+              <a:off x="10369953" y="6407889"/>
+              <a:ext cx="2450351" cy="369332"/>
             </a:xfrm>
             <a:prstGeom prst="rect">
               <a:avLst/>
             </a:prstGeom>
             <a:noFill/>
-            <a:extLst>
-              <a:ext uri="{909E8E84-426E-40DD-AFC4-6F175D3DCCD1}">
-                <a14:hiddenFill xmlns:a14="http://schemas.microsoft.com/office/drawing/2010/main">
-                  <a:solidFill>
-                    <a:srgbClr val="FFFFFF"/>
-                  </a:solidFill>
-                </a14:hiddenFill>
-              </a:ext>
-            </a:extLst>
           </p:spPr>
-        </p:pic>
+          <p:txBody>
+            <a:bodyPr wrap="none" rtlCol="0">
+              <a:spAutoFit/>
+            </a:bodyPr>
+            <a:lstStyle/>
+            <a:p>
+              <a:r>
+                <a:rPr lang="en-US" b="1" dirty="0"/>
+                <a:t>progress bar getting full</a:t>
+              </a:r>
+              <a:endParaRPr lang="en-CN" b="1" dirty="0"/>
+            </a:p>
+          </p:txBody>
+        </p:sp>
       </p:grpSp>
-      <mc:AlternateContent xmlns:mc="http://schemas.openxmlformats.org/markup-compatibility/2006">
-        <mc:Choice xmlns:am3d="http://schemas.microsoft.com/office/drawing/2017/model3d" Requires="am3d">
-          <p:graphicFrame>
-            <p:nvGraphicFramePr>
-              <p:cNvPr id="7" name="3D Model 20" descr="Prism And Basal Pinacoid White">
-                <a:extLst>
-                  <a:ext uri="{FF2B5EF4-FFF2-40B4-BE49-F238E27FC236}">
-                    <a16:creationId xmlns:a16="http://schemas.microsoft.com/office/drawing/2014/main" id="{E8FDA04D-0229-0DB5-0C8D-311B01185838}"/>
-                  </a:ext>
-                </a:extLst>
-              </p:cNvPr>
-              <p:cNvGraphicFramePr>
-                <a:graphicFrameLocks noChangeAspect="1"/>
-              </p:cNvGraphicFramePr>
-              <p:nvPr>
-                <p:extLst>
-                  <p:ext uri="{D42A27DB-BD31-4B8C-83A1-F6EECF244321}">
-                    <p14:modId xmlns:p14="http://schemas.microsoft.com/office/powerpoint/2010/main" val="111736465"/>
-                  </p:ext>
-                </p:extLst>
-              </p:nvPr>
-            </p:nvGraphicFramePr>
-            <p:xfrm>
-              <a:off x="369484" y="2483708"/>
-              <a:ext cx="904980" cy="1025611"/>
-            </p:xfrm>
-            <a:graphic>
-              <a:graphicData uri="http://schemas.microsoft.com/office/drawing/2017/model3d">
-                <am3d:model3d r:embed="rId9">
-                  <am3d:spPr>
-                    <a:xfrm>
-                      <a:off x="0" y="0"/>
-                      <a:ext cx="904980" cy="1025611"/>
-                    </a:xfrm>
-                    <a:prstGeom prst="rect">
-                      <a:avLst/>
-                    </a:prstGeom>
-                    <a:effectLst>
-                      <a:glow>
-                        <a:schemeClr val="accent1">
-                          <a:lumMod val="60000"/>
-                          <a:lumOff val="40000"/>
-                        </a:schemeClr>
-                      </a:glow>
-                    </a:effectLst>
-                  </am3d:spPr>
-                  <am3d:camera>
-                    <am3d:pos x="0" y="0" z="81469150"/>
-                    <am3d:up dx="0" dy="36000000" dz="0"/>
-                    <am3d:lookAt x="0" y="0" z="0"/>
-                    <am3d:perspective fov="2700000"/>
-                  </am3d:camera>
-                  <am3d:trans>
-                    <am3d:meterPerModelUnit n="139970" d="1000000"/>
-                    <am3d:preTrans dx="-76" dy="-17999982" dz="1"/>
-                    <am3d:scale>
-                      <am3d:sx n="1000000" d="1000000"/>
-                      <am3d:sy n="1000000" d="1000000"/>
-                      <am3d:sz n="1000000" d="1000000"/>
-                    </am3d:scale>
-                    <am3d:rot ax="-2183283" ay="2913714" az="9064903"/>
-                    <am3d:postTrans dx="0" dy="0" dz="0"/>
-                  </am3d:trans>
-                  <am3d:raster rName="Office3DRenderer" rVer="16.0.8326">
-                    <am3d:blip r:embed="rId10"/>
-                  </am3d:raster>
-                  <am3d:objViewport viewportSz="1052888"/>
-                  <am3d:ambientLight>
-                    <am3d:clr>
-                      <a:scrgbClr r="50000" g="50000" b="50000"/>
-                    </am3d:clr>
-                    <am3d:illuminance n="500000" d="1000000"/>
-                  </am3d:ambientLight>
-                  <am3d:ptLight rad="0">
-                    <am3d:clr>
-                      <a:scrgbClr r="100000" g="75000" b="50000"/>
-                    </am3d:clr>
-                    <am3d:intensity n="9765625" d="1000000"/>
-                    <am3d:pos x="21959998" y="70920001" z="16344003"/>
-                  </am3d:ptLight>
-                  <am3d:ptLight rad="0">
-                    <am3d:clr>
-                      <a:scrgbClr r="40000" g="60000" b="95000"/>
-                    </am3d:clr>
-                    <am3d:intensity n="12250000" d="1000000"/>
-                    <am3d:pos x="-37964106" y="51130435" z="57631972"/>
-                  </am3d:ptLight>
-                  <am3d:ptLight rad="0">
-                    <am3d:clr>
-                      <a:scrgbClr r="86837" g="72700" b="100000"/>
-                    </am3d:clr>
-                    <am3d:intensity n="3125000" d="1000000"/>
-                    <am3d:pos x="-37739122" y="58056624" z="-34769649"/>
-                  </am3d:ptLight>
-                </am3d:model3d>
-              </a:graphicData>
-            </a:graphic>
-          </p:graphicFrame>
-        </mc:Choice>
-        <mc:Fallback>
-          <p:pic>
-            <p:nvPicPr>
-              <p:cNvPr id="7" name="3D Model 20" descr="Prism And Basal Pinacoid White">
-                <a:extLst>
-                  <a:ext uri="{FF2B5EF4-FFF2-40B4-BE49-F238E27FC236}">
-                    <a16:creationId xmlns:a16="http://schemas.microsoft.com/office/drawing/2014/main" id="{E8FDA04D-0229-0DB5-0C8D-311B01185838}"/>
-                  </a:ext>
-                </a:extLst>
-              </p:cNvPr>
-              <p:cNvPicPr>
-                <a:picLocks noGrp="1" noRot="1" noChangeAspect="1" noMove="1" noResize="1" noEditPoints="1" noAdjustHandles="1" noChangeArrowheads="1" noChangeShapeType="1" noCrop="1"/>
-              </p:cNvPicPr>
-              <p:nvPr/>
-            </p:nvPicPr>
-            <p:blipFill>
-              <a:blip r:embed="rId10"/>
-              <a:stretch>
-                <a:fillRect/>
-              </a:stretch>
-            </p:blipFill>
-            <p:spPr>
-              <a:xfrm>
-                <a:off x="369484" y="2483708"/>
-                <a:ext cx="904980" cy="1025611"/>
-              </a:xfrm>
-              <a:prstGeom prst="rect">
-                <a:avLst/>
-              </a:prstGeom>
-              <a:effectLst>
-                <a:glow>
-                  <a:schemeClr val="accent1">
-                    <a:lumMod val="60000"/>
-                    <a:lumOff val="40000"/>
-                  </a:schemeClr>
-                </a:glow>
-              </a:effectLst>
-            </p:spPr>
-          </p:pic>
-        </mc:Fallback>
-      </mc:AlternateContent>
-      <p:grpSp>
-        <p:nvGrpSpPr>
-          <p:cNvPr id="13" name="Group 12">
-            <a:extLst>
-              <a:ext uri="{FF2B5EF4-FFF2-40B4-BE49-F238E27FC236}">
-                <a16:creationId xmlns:a16="http://schemas.microsoft.com/office/drawing/2014/main" id="{57D1CB2D-DB2E-2709-AA74-B109E957B278}"/>
-              </a:ext>
-            </a:extLst>
-          </p:cNvPr>
-          <p:cNvGrpSpPr/>
-          <p:nvPr/>
-        </p:nvGrpSpPr>
-        <p:grpSpPr>
-          <a:xfrm>
-            <a:off x="4105346" y="3681582"/>
-            <a:ext cx="866402" cy="1025611"/>
-            <a:chOff x="7579941" y="3963212"/>
-            <a:chExt cx="1476117" cy="1747368"/>
-          </a:xfrm>
-        </p:grpSpPr>
-        <p:pic>
-          <p:nvPicPr>
-            <p:cNvPr id="14" name="Picture 8" descr="Big Image - Head Silhouette Clipart, HD Png Download - 2032x2304(#2137798)  - PngFind">
-              <a:extLst>
-                <a:ext uri="{FF2B5EF4-FFF2-40B4-BE49-F238E27FC236}">
-                  <a16:creationId xmlns:a16="http://schemas.microsoft.com/office/drawing/2014/main" id="{F9F7833C-F271-6C8C-E182-E232123B4CAD}"/>
-                </a:ext>
-              </a:extLst>
-            </p:cNvPr>
-            <p:cNvPicPr>
-              <a:picLocks noChangeAspect="1" noChangeArrowheads="1"/>
-            </p:cNvPicPr>
-            <p:nvPr/>
-          </p:nvPicPr>
-          <p:blipFill>
-            <a:blip r:embed="rId6">
-              <a:extLst>
-                <a:ext uri="{BEBA8EAE-BF5A-486C-A8C5-ECC9F3942E4B}">
-                  <a14:imgProps xmlns:a14="http://schemas.microsoft.com/office/drawing/2010/main">
-                    <a14:imgLayer r:embed="rId7">
-                      <a14:imgEffect>
-                        <a14:backgroundRemoval t="6956" b="92440" l="1667" r="95000">
-                          <a14:foregroundMark x1="25476" y1="29738" x2="31429" y2="14214"/>
-                          <a14:foregroundMark x1="31429" y1="14214" x2="50119" y2="6956"/>
-                          <a14:foregroundMark x1="50119" y1="6956" x2="52619" y2="7560"/>
-                          <a14:foregroundMark x1="52619" y1="13609" x2="52619" y2="13609"/>
-                          <a14:foregroundMark x1="7381" y1="28226" x2="6786" y2="33468"/>
-                          <a14:foregroundMark x1="43095" y1="92641" x2="43095" y2="92641"/>
-                          <a14:foregroundMark x1="90952" y1="51210" x2="90952" y2="51210"/>
-                          <a14:foregroundMark x1="1667" y1="34577" x2="1667" y2="34577"/>
-                          <a14:foregroundMark x1="95000" y1="52419" x2="95000" y2="52419"/>
-                        </a14:backgroundRemoval>
-                      </a14:imgEffect>
-                    </a14:imgLayer>
-                  </a14:imgProps>
-                </a:ext>
-                <a:ext uri="{28A0092B-C50C-407E-A947-70E740481C1C}">
-                  <a14:useLocalDpi xmlns:a14="http://schemas.microsoft.com/office/drawing/2010/main" val="0"/>
-                </a:ext>
-              </a:extLst>
-            </a:blip>
-            <a:srcRect/>
-            <a:stretch>
-              <a:fillRect/>
-            </a:stretch>
-          </p:blipFill>
-          <p:spPr bwMode="auto">
-            <a:xfrm flipH="1">
-              <a:off x="7579941" y="3963212"/>
-              <a:ext cx="1476117" cy="1747368"/>
-            </a:xfrm>
-            <a:prstGeom prst="rect">
-              <a:avLst/>
-            </a:prstGeom>
-            <a:noFill/>
-            <a:extLst>
-              <a:ext uri="{909E8E84-426E-40DD-AFC4-6F175D3DCCD1}">
-                <a14:hiddenFill xmlns:a14="http://schemas.microsoft.com/office/drawing/2010/main">
-                  <a:solidFill>
-                    <a:srgbClr val="FFFFFF"/>
-                  </a:solidFill>
-                </a14:hiddenFill>
-              </a:ext>
-            </a:extLst>
-          </p:spPr>
-        </p:pic>
-        <p:pic>
-          <p:nvPicPr>
-            <p:cNvPr id="15" name="Picture 10">
-              <a:extLst>
-                <a:ext uri="{FF2B5EF4-FFF2-40B4-BE49-F238E27FC236}">
-                  <a16:creationId xmlns:a16="http://schemas.microsoft.com/office/drawing/2014/main" id="{6102FD91-D4B6-DF06-D2C5-69FEEF1899C7}"/>
-                </a:ext>
-              </a:extLst>
-            </p:cNvPr>
-            <p:cNvPicPr>
-              <a:picLocks noChangeAspect="1" noChangeArrowheads="1"/>
-            </p:cNvPicPr>
-            <p:nvPr/>
-          </p:nvPicPr>
-          <p:blipFill>
-            <a:blip r:embed="rId8">
-              <a:lum bright="70000" contrast="-70000"/>
-              <a:extLst>
-                <a:ext uri="{28A0092B-C50C-407E-A947-70E740481C1C}">
-                  <a14:useLocalDpi xmlns:a14="http://schemas.microsoft.com/office/drawing/2010/main" val="0"/>
-                </a:ext>
-              </a:extLst>
-            </a:blip>
-            <a:srcRect/>
-            <a:stretch>
-              <a:fillRect/>
-            </a:stretch>
-          </p:blipFill>
-          <p:spPr bwMode="auto">
-            <a:xfrm>
-              <a:off x="7848979" y="4552711"/>
-              <a:ext cx="261887" cy="261887"/>
-            </a:xfrm>
-            <a:prstGeom prst="rect">
-              <a:avLst/>
-            </a:prstGeom>
-            <a:noFill/>
-            <a:extLst>
-              <a:ext uri="{909E8E84-426E-40DD-AFC4-6F175D3DCCD1}">
-                <a14:hiddenFill xmlns:a14="http://schemas.microsoft.com/office/drawing/2010/main">
-                  <a:solidFill>
-                    <a:srgbClr val="FFFFFF"/>
-                  </a:solidFill>
-                </a14:hiddenFill>
-              </a:ext>
-            </a:extLst>
-          </p:spPr>
-        </p:pic>
-      </p:grpSp>
-      <mc:AlternateContent xmlns:mc="http://schemas.openxmlformats.org/markup-compatibility/2006">
-        <mc:Choice xmlns:am3d="http://schemas.microsoft.com/office/drawing/2017/model3d" Requires="am3d">
-          <p:graphicFrame>
-            <p:nvGraphicFramePr>
-              <p:cNvPr id="16" name="3D Model 20" descr="Prism And Basal Pinacoid White">
-                <a:extLst>
-                  <a:ext uri="{FF2B5EF4-FFF2-40B4-BE49-F238E27FC236}">
-                    <a16:creationId xmlns:a16="http://schemas.microsoft.com/office/drawing/2014/main" id="{7FA291BF-0A09-717F-DD09-5DE9FE244F83}"/>
-                  </a:ext>
-                </a:extLst>
-              </p:cNvPr>
-              <p:cNvGraphicFramePr>
-                <a:graphicFrameLocks noChangeAspect="1"/>
-              </p:cNvGraphicFramePr>
-              <p:nvPr>
-                <p:extLst>
-                  <p:ext uri="{D42A27DB-BD31-4B8C-83A1-F6EECF244321}">
-                    <p14:modId xmlns:p14="http://schemas.microsoft.com/office/powerpoint/2010/main" val="2148169892"/>
-                  </p:ext>
-                </p:extLst>
-              </p:nvPr>
-            </p:nvGraphicFramePr>
-            <p:xfrm>
-              <a:off x="3016438" y="2470620"/>
-              <a:ext cx="904980" cy="1025611"/>
-            </p:xfrm>
-            <a:graphic>
-              <a:graphicData uri="http://schemas.microsoft.com/office/drawing/2017/model3d">
-                <am3d:model3d r:embed="rId9">
-                  <am3d:spPr>
-                    <a:xfrm>
-                      <a:off x="0" y="0"/>
-                      <a:ext cx="904980" cy="1025611"/>
-                    </a:xfrm>
-                    <a:prstGeom prst="rect">
-                      <a:avLst/>
-                    </a:prstGeom>
-                    <a:effectLst>
-                      <a:glow rad="259103">
-                        <a:schemeClr val="accent1">
-                          <a:lumMod val="60000"/>
-                          <a:lumOff val="40000"/>
-                          <a:alpha val="62000"/>
-                        </a:schemeClr>
-                      </a:glow>
-                    </a:effectLst>
-                  </am3d:spPr>
-                  <am3d:camera>
-                    <am3d:pos x="0" y="0" z="81469150"/>
-                    <am3d:up dx="0" dy="36000000" dz="0"/>
-                    <am3d:lookAt x="0" y="0" z="0"/>
-                    <am3d:perspective fov="2700000"/>
-                  </am3d:camera>
-                  <am3d:trans>
-                    <am3d:meterPerModelUnit n="139970" d="1000000"/>
-                    <am3d:preTrans dx="-76" dy="-17999982" dz="1"/>
-                    <am3d:scale>
-                      <am3d:sx n="1000000" d="1000000"/>
-                      <am3d:sy n="1000000" d="1000000"/>
-                      <am3d:sz n="1000000" d="1000000"/>
-                    </am3d:scale>
-                    <am3d:rot ax="-2183283" ay="2913714" az="9064903"/>
-                    <am3d:postTrans dx="0" dy="0" dz="0"/>
-                  </am3d:trans>
-                  <am3d:raster rName="Office3DRenderer" rVer="16.0.8326">
-                    <am3d:blip r:embed="rId10"/>
-                  </am3d:raster>
-                  <am3d:objViewport viewportSz="1052888"/>
-                  <am3d:ambientLight>
-                    <am3d:clr>
-                      <a:scrgbClr r="50000" g="50000" b="50000"/>
-                    </am3d:clr>
-                    <am3d:illuminance n="500000" d="1000000"/>
-                  </am3d:ambientLight>
-                  <am3d:ptLight rad="0">
-                    <am3d:clr>
-                      <a:scrgbClr r="100000" g="75000" b="50000"/>
-                    </am3d:clr>
-                    <am3d:intensity n="9765625" d="1000000"/>
-                    <am3d:pos x="21959998" y="70920001" z="16344003"/>
-                  </am3d:ptLight>
-                  <am3d:ptLight rad="0">
-                    <am3d:clr>
-                      <a:scrgbClr r="40000" g="60000" b="95000"/>
-                    </am3d:clr>
-                    <am3d:intensity n="12250000" d="1000000"/>
-                    <am3d:pos x="-37964106" y="51130435" z="57631972"/>
-                  </am3d:ptLight>
-                  <am3d:ptLight rad="0">
-                    <am3d:clr>
-                      <a:scrgbClr r="86837" g="72700" b="100000"/>
-                    </am3d:clr>
-                    <am3d:intensity n="3125000" d="1000000"/>
-                    <am3d:pos x="-37739122" y="58056624" z="-34769649"/>
-                  </am3d:ptLight>
-                </am3d:model3d>
-              </a:graphicData>
-            </a:graphic>
-          </p:graphicFrame>
-        </mc:Choice>
-        <mc:Fallback>
-          <p:pic>
-            <p:nvPicPr>
-              <p:cNvPr id="16" name="3D Model 20" descr="Prism And Basal Pinacoid White">
-                <a:extLst>
-                  <a:ext uri="{FF2B5EF4-FFF2-40B4-BE49-F238E27FC236}">
-                    <a16:creationId xmlns:a16="http://schemas.microsoft.com/office/drawing/2014/main" id="{7FA291BF-0A09-717F-DD09-5DE9FE244F83}"/>
-                  </a:ext>
-                </a:extLst>
-              </p:cNvPr>
-              <p:cNvPicPr>
-                <a:picLocks noGrp="1" noRot="1" noChangeAspect="1" noMove="1" noResize="1" noEditPoints="1" noAdjustHandles="1" noChangeArrowheads="1" noChangeShapeType="1" noCrop="1"/>
-              </p:cNvPicPr>
-              <p:nvPr/>
-            </p:nvPicPr>
-            <p:blipFill>
-              <a:blip r:embed="rId10"/>
-              <a:stretch>
-                <a:fillRect/>
-              </a:stretch>
-            </p:blipFill>
-            <p:spPr>
-              <a:xfrm>
-                <a:off x="3016438" y="2470620"/>
-                <a:ext cx="904980" cy="1025611"/>
-              </a:xfrm>
-              <a:prstGeom prst="rect">
-                <a:avLst/>
-              </a:prstGeom>
-              <a:effectLst>
-                <a:glow rad="259103">
-                  <a:schemeClr val="accent1">
-                    <a:lumMod val="60000"/>
-                    <a:lumOff val="40000"/>
-                    <a:alpha val="62000"/>
-                  </a:schemeClr>
-                </a:glow>
-              </a:effectLst>
-            </p:spPr>
-          </p:pic>
-        </mc:Fallback>
-      </mc:AlternateContent>
-      <p:grpSp>
-        <p:nvGrpSpPr>
-          <p:cNvPr id="17" name="Group 16">
-            <a:extLst>
-              <a:ext uri="{FF2B5EF4-FFF2-40B4-BE49-F238E27FC236}">
-                <a16:creationId xmlns:a16="http://schemas.microsoft.com/office/drawing/2014/main" id="{EA0D6789-2275-E2AD-E63C-4CE9B9F43D3C}"/>
-              </a:ext>
-            </a:extLst>
-          </p:cNvPr>
-          <p:cNvGrpSpPr/>
-          <p:nvPr/>
-        </p:nvGrpSpPr>
-        <p:grpSpPr>
-          <a:xfrm>
-            <a:off x="7388718" y="3694670"/>
-            <a:ext cx="866402" cy="1025611"/>
-            <a:chOff x="7579941" y="3963212"/>
-            <a:chExt cx="1476117" cy="1747368"/>
-          </a:xfrm>
-        </p:grpSpPr>
-        <p:pic>
-          <p:nvPicPr>
-            <p:cNvPr id="18" name="Picture 8" descr="Big Image - Head Silhouette Clipart, HD Png Download - 2032x2304(#2137798)  - PngFind">
-              <a:extLst>
-                <a:ext uri="{FF2B5EF4-FFF2-40B4-BE49-F238E27FC236}">
-                  <a16:creationId xmlns:a16="http://schemas.microsoft.com/office/drawing/2014/main" id="{224137AD-8E5A-729C-9063-0AB4971CABC8}"/>
-                </a:ext>
-              </a:extLst>
-            </p:cNvPr>
-            <p:cNvPicPr>
-              <a:picLocks noChangeAspect="1" noChangeArrowheads="1"/>
-            </p:cNvPicPr>
-            <p:nvPr/>
-          </p:nvPicPr>
-          <p:blipFill>
-            <a:blip r:embed="rId6">
-              <a:extLst>
-                <a:ext uri="{BEBA8EAE-BF5A-486C-A8C5-ECC9F3942E4B}">
-                  <a14:imgProps xmlns:a14="http://schemas.microsoft.com/office/drawing/2010/main">
-                    <a14:imgLayer r:embed="rId7">
-                      <a14:imgEffect>
-                        <a14:backgroundRemoval t="6956" b="92440" l="1667" r="95000">
-                          <a14:foregroundMark x1="25476" y1="29738" x2="31429" y2="14214"/>
-                          <a14:foregroundMark x1="31429" y1="14214" x2="50119" y2="6956"/>
-                          <a14:foregroundMark x1="50119" y1="6956" x2="52619" y2="7560"/>
-                          <a14:foregroundMark x1="52619" y1="13609" x2="52619" y2="13609"/>
-                          <a14:foregroundMark x1="7381" y1="28226" x2="6786" y2="33468"/>
-                          <a14:foregroundMark x1="43095" y1="92641" x2="43095" y2="92641"/>
-                          <a14:foregroundMark x1="90952" y1="51210" x2="90952" y2="51210"/>
-                          <a14:foregroundMark x1="1667" y1="34577" x2="1667" y2="34577"/>
-                          <a14:foregroundMark x1="95000" y1="52419" x2="95000" y2="52419"/>
-                        </a14:backgroundRemoval>
-                      </a14:imgEffect>
-                    </a14:imgLayer>
-                  </a14:imgProps>
-                </a:ext>
-                <a:ext uri="{28A0092B-C50C-407E-A947-70E740481C1C}">
-                  <a14:useLocalDpi xmlns:a14="http://schemas.microsoft.com/office/drawing/2010/main" val="0"/>
-                </a:ext>
-              </a:extLst>
-            </a:blip>
-            <a:srcRect/>
-            <a:stretch>
-              <a:fillRect/>
-            </a:stretch>
-          </p:blipFill>
-          <p:spPr bwMode="auto">
-            <a:xfrm flipH="1">
-              <a:off x="7579941" y="3963212"/>
-              <a:ext cx="1476117" cy="1747368"/>
-            </a:xfrm>
-            <a:prstGeom prst="rect">
-              <a:avLst/>
-            </a:prstGeom>
-            <a:noFill/>
-            <a:extLst>
-              <a:ext uri="{909E8E84-426E-40DD-AFC4-6F175D3DCCD1}">
-                <a14:hiddenFill xmlns:a14="http://schemas.microsoft.com/office/drawing/2010/main">
-                  <a:solidFill>
-                    <a:srgbClr val="FFFFFF"/>
-                  </a:solidFill>
-                </a14:hiddenFill>
-              </a:ext>
-            </a:extLst>
-          </p:spPr>
-        </p:pic>
-        <p:pic>
-          <p:nvPicPr>
-            <p:cNvPr id="19" name="Picture 10">
-              <a:extLst>
-                <a:ext uri="{FF2B5EF4-FFF2-40B4-BE49-F238E27FC236}">
-                  <a16:creationId xmlns:a16="http://schemas.microsoft.com/office/drawing/2014/main" id="{611E3DF2-C348-C220-AAE9-86525C9A2081}"/>
-                </a:ext>
-              </a:extLst>
-            </p:cNvPr>
-            <p:cNvPicPr>
-              <a:picLocks noChangeAspect="1" noChangeArrowheads="1"/>
-            </p:cNvPicPr>
-            <p:nvPr/>
-          </p:nvPicPr>
-          <p:blipFill>
-            <a:blip r:embed="rId8">
-              <a:lum bright="70000" contrast="-70000"/>
-              <a:extLst>
-                <a:ext uri="{28A0092B-C50C-407E-A947-70E740481C1C}">
-                  <a14:useLocalDpi xmlns:a14="http://schemas.microsoft.com/office/drawing/2010/main" val="0"/>
-                </a:ext>
-              </a:extLst>
-            </a:blip>
-            <a:srcRect/>
-            <a:stretch>
-              <a:fillRect/>
-            </a:stretch>
-          </p:blipFill>
-          <p:spPr bwMode="auto">
-            <a:xfrm>
-              <a:off x="7848979" y="4552711"/>
-              <a:ext cx="261887" cy="261887"/>
-            </a:xfrm>
-            <a:prstGeom prst="rect">
-              <a:avLst/>
-            </a:prstGeom>
-            <a:noFill/>
-            <a:extLst>
-              <a:ext uri="{909E8E84-426E-40DD-AFC4-6F175D3DCCD1}">
-                <a14:hiddenFill xmlns:a14="http://schemas.microsoft.com/office/drawing/2010/main">
-                  <a:solidFill>
-                    <a:srgbClr val="FFFFFF"/>
-                  </a:solidFill>
-                </a14:hiddenFill>
-              </a:ext>
-            </a:extLst>
-          </p:spPr>
-        </p:pic>
-      </p:grpSp>
-      <mc:AlternateContent xmlns:mc="http://schemas.openxmlformats.org/markup-compatibility/2006">
-        <mc:Choice xmlns:am3d="http://schemas.microsoft.com/office/drawing/2017/model3d" Requires="am3d">
-          <p:graphicFrame>
-            <p:nvGraphicFramePr>
-              <p:cNvPr id="20" name="3D Model 20" descr="Prism And Basal Pinacoid White">
-                <a:extLst>
-                  <a:ext uri="{FF2B5EF4-FFF2-40B4-BE49-F238E27FC236}">
-                    <a16:creationId xmlns:a16="http://schemas.microsoft.com/office/drawing/2014/main" id="{51A441BB-C657-1C15-758F-41E5B264D6B4}"/>
-                  </a:ext>
-                </a:extLst>
-              </p:cNvPr>
-              <p:cNvGraphicFramePr>
-                <a:graphicFrameLocks noChangeAspect="1"/>
-              </p:cNvGraphicFramePr>
-              <p:nvPr>
-                <p:extLst>
-                  <p:ext uri="{D42A27DB-BD31-4B8C-83A1-F6EECF244321}">
-                    <p14:modId xmlns:p14="http://schemas.microsoft.com/office/powerpoint/2010/main" val="2528768391"/>
-                  </p:ext>
-                </p:extLst>
-              </p:nvPr>
-            </p:nvGraphicFramePr>
-            <p:xfrm>
-              <a:off x="6299810" y="2483708"/>
-              <a:ext cx="904980" cy="1025611"/>
-            </p:xfrm>
-            <a:graphic>
-              <a:graphicData uri="http://schemas.microsoft.com/office/drawing/2017/model3d">
-                <am3d:model3d r:embed="rId9">
-                  <am3d:spPr>
-                    <a:xfrm>
-                      <a:off x="0" y="0"/>
-                      <a:ext cx="904980" cy="1025611"/>
-                    </a:xfrm>
-                    <a:prstGeom prst="rect">
-                      <a:avLst/>
-                    </a:prstGeom>
-                    <a:effectLst>
-                      <a:glow rad="259103">
-                        <a:schemeClr val="accent1">
-                          <a:lumMod val="60000"/>
-                          <a:lumOff val="40000"/>
-                          <a:alpha val="62000"/>
-                        </a:schemeClr>
-                      </a:glow>
-                    </a:effectLst>
-                  </am3d:spPr>
-                  <am3d:camera>
-                    <am3d:pos x="0" y="0" z="81469150"/>
-                    <am3d:up dx="0" dy="36000000" dz="0"/>
-                    <am3d:lookAt x="0" y="0" z="0"/>
-                    <am3d:perspective fov="2700000"/>
-                  </am3d:camera>
-                  <am3d:trans>
-                    <am3d:meterPerModelUnit n="139970" d="1000000"/>
-                    <am3d:preTrans dx="-76" dy="-17999982" dz="1"/>
-                    <am3d:scale>
-                      <am3d:sx n="1000000" d="1000000"/>
-                      <am3d:sy n="1000000" d="1000000"/>
-                      <am3d:sz n="1000000" d="1000000"/>
-                    </am3d:scale>
-                    <am3d:rot ax="-2183283" ay="2913714" az="9064903"/>
-                    <am3d:postTrans dx="0" dy="0" dz="0"/>
-                  </am3d:trans>
-                  <am3d:raster rName="Office3DRenderer" rVer="16.0.8326">
-                    <am3d:blip r:embed="rId10"/>
-                  </am3d:raster>
-                  <am3d:objViewport viewportSz="1052888"/>
-                  <am3d:ambientLight>
-                    <am3d:clr>
-                      <a:scrgbClr r="50000" g="50000" b="50000"/>
-                    </am3d:clr>
-                    <am3d:illuminance n="500000" d="1000000"/>
-                  </am3d:ambientLight>
-                  <am3d:ptLight rad="0">
-                    <am3d:clr>
-                      <a:scrgbClr r="100000" g="75000" b="50000"/>
-                    </am3d:clr>
-                    <am3d:intensity n="9765625" d="1000000"/>
-                    <am3d:pos x="21959998" y="70920001" z="16344003"/>
-                  </am3d:ptLight>
-                  <am3d:ptLight rad="0">
-                    <am3d:clr>
-                      <a:scrgbClr r="40000" g="60000" b="95000"/>
-                    </am3d:clr>
-                    <am3d:intensity n="12250000" d="1000000"/>
-                    <am3d:pos x="-37964106" y="51130435" z="57631972"/>
-                  </am3d:ptLight>
-                  <am3d:ptLight rad="0">
-                    <am3d:clr>
-                      <a:scrgbClr r="86837" g="72700" b="100000"/>
-                    </am3d:clr>
-                    <am3d:intensity n="3125000" d="1000000"/>
-                    <am3d:pos x="-37739122" y="58056624" z="-34769649"/>
-                  </am3d:ptLight>
-                </am3d:model3d>
-              </a:graphicData>
-            </a:graphic>
-          </p:graphicFrame>
-        </mc:Choice>
-        <mc:Fallback>
-          <p:pic>
-            <p:nvPicPr>
-              <p:cNvPr id="20" name="3D Model 20" descr="Prism And Basal Pinacoid White">
-                <a:extLst>
-                  <a:ext uri="{FF2B5EF4-FFF2-40B4-BE49-F238E27FC236}">
-                    <a16:creationId xmlns:a16="http://schemas.microsoft.com/office/drawing/2014/main" id="{51A441BB-C657-1C15-758F-41E5B264D6B4}"/>
-                  </a:ext>
-                </a:extLst>
-              </p:cNvPr>
-              <p:cNvPicPr>
-                <a:picLocks noGrp="1" noRot="1" noChangeAspect="1" noMove="1" noResize="1" noEditPoints="1" noAdjustHandles="1" noChangeArrowheads="1" noChangeShapeType="1" noCrop="1"/>
-              </p:cNvPicPr>
-              <p:nvPr/>
-            </p:nvPicPr>
-            <p:blipFill>
-              <a:blip r:embed="rId10"/>
-              <a:stretch>
-                <a:fillRect/>
-              </a:stretch>
-            </p:blipFill>
-            <p:spPr>
-              <a:xfrm>
-                <a:off x="6299810" y="2483708"/>
-                <a:ext cx="904980" cy="1025611"/>
-              </a:xfrm>
-              <a:prstGeom prst="rect">
-                <a:avLst/>
-              </a:prstGeom>
-              <a:effectLst>
-                <a:glow rad="259103">
-                  <a:schemeClr val="accent1">
-                    <a:lumMod val="60000"/>
-                    <a:lumOff val="40000"/>
-                    <a:alpha val="62000"/>
-                  </a:schemeClr>
-                </a:glow>
-              </a:effectLst>
-            </p:spPr>
-          </p:pic>
-        </mc:Fallback>
-      </mc:AlternateContent>
-      <p:grpSp>
-        <p:nvGrpSpPr>
-          <p:cNvPr id="31" name="Group 30">
-            <a:extLst>
-              <a:ext uri="{FF2B5EF4-FFF2-40B4-BE49-F238E27FC236}">
-                <a16:creationId xmlns:a16="http://schemas.microsoft.com/office/drawing/2014/main" id="{F283DEAC-3A08-1D41-7A0B-6BA1E0EBFB8B}"/>
-              </a:ext>
-            </a:extLst>
-          </p:cNvPr>
-          <p:cNvGrpSpPr/>
-          <p:nvPr/>
-        </p:nvGrpSpPr>
-        <p:grpSpPr>
-          <a:xfrm>
-            <a:off x="9980335" y="3694670"/>
-            <a:ext cx="866402" cy="1025611"/>
-            <a:chOff x="7579941" y="3963212"/>
-            <a:chExt cx="1476117" cy="1747368"/>
-          </a:xfrm>
-        </p:grpSpPr>
-        <p:pic>
-          <p:nvPicPr>
-            <p:cNvPr id="32" name="Picture 8" descr="Big Image - Head Silhouette Clipart, HD Png Download - 2032x2304(#2137798)  - PngFind">
-              <a:extLst>
-                <a:ext uri="{FF2B5EF4-FFF2-40B4-BE49-F238E27FC236}">
-                  <a16:creationId xmlns:a16="http://schemas.microsoft.com/office/drawing/2014/main" id="{F2EB835F-4444-1366-C152-ABB064694618}"/>
-                </a:ext>
-              </a:extLst>
-            </p:cNvPr>
-            <p:cNvPicPr>
-              <a:picLocks noChangeAspect="1" noChangeArrowheads="1"/>
-            </p:cNvPicPr>
-            <p:nvPr/>
-          </p:nvPicPr>
-          <p:blipFill>
-            <a:blip r:embed="rId6">
-              <a:extLst>
-                <a:ext uri="{BEBA8EAE-BF5A-486C-A8C5-ECC9F3942E4B}">
-                  <a14:imgProps xmlns:a14="http://schemas.microsoft.com/office/drawing/2010/main">
-                    <a14:imgLayer r:embed="rId7">
-                      <a14:imgEffect>
-                        <a14:backgroundRemoval t="6956" b="92440" l="1667" r="95000">
-                          <a14:foregroundMark x1="25476" y1="29738" x2="31429" y2="14214"/>
-                          <a14:foregroundMark x1="31429" y1="14214" x2="50119" y2="6956"/>
-                          <a14:foregroundMark x1="50119" y1="6956" x2="52619" y2="7560"/>
-                          <a14:foregroundMark x1="52619" y1="13609" x2="52619" y2="13609"/>
-                          <a14:foregroundMark x1="7381" y1="28226" x2="6786" y2="33468"/>
-                          <a14:foregroundMark x1="43095" y1="92641" x2="43095" y2="92641"/>
-                          <a14:foregroundMark x1="90952" y1="51210" x2="90952" y2="51210"/>
-                          <a14:foregroundMark x1="1667" y1="34577" x2="1667" y2="34577"/>
-                          <a14:foregroundMark x1="95000" y1="52419" x2="95000" y2="52419"/>
-                        </a14:backgroundRemoval>
-                      </a14:imgEffect>
-                    </a14:imgLayer>
-                  </a14:imgProps>
-                </a:ext>
-                <a:ext uri="{28A0092B-C50C-407E-A947-70E740481C1C}">
-                  <a14:useLocalDpi xmlns:a14="http://schemas.microsoft.com/office/drawing/2010/main" val="0"/>
-                </a:ext>
-              </a:extLst>
-            </a:blip>
-            <a:srcRect/>
-            <a:stretch>
-              <a:fillRect/>
-            </a:stretch>
-          </p:blipFill>
-          <p:spPr bwMode="auto">
-            <a:xfrm flipH="1">
-              <a:off x="7579941" y="3963212"/>
-              <a:ext cx="1476117" cy="1747368"/>
-            </a:xfrm>
-            <a:prstGeom prst="rect">
-              <a:avLst/>
-            </a:prstGeom>
-            <a:noFill/>
-            <a:extLst>
-              <a:ext uri="{909E8E84-426E-40DD-AFC4-6F175D3DCCD1}">
-                <a14:hiddenFill xmlns:a14="http://schemas.microsoft.com/office/drawing/2010/main">
-                  <a:solidFill>
-                    <a:srgbClr val="FFFFFF"/>
-                  </a:solidFill>
-                </a14:hiddenFill>
-              </a:ext>
-            </a:extLst>
-          </p:spPr>
-        </p:pic>
-        <p:pic>
-          <p:nvPicPr>
-            <p:cNvPr id="33" name="Picture 10">
-              <a:extLst>
-                <a:ext uri="{FF2B5EF4-FFF2-40B4-BE49-F238E27FC236}">
-                  <a16:creationId xmlns:a16="http://schemas.microsoft.com/office/drawing/2014/main" id="{C0B1720D-D2AD-B6F7-67EC-31DCBAEFC2D4}"/>
-                </a:ext>
-              </a:extLst>
-            </p:cNvPr>
-            <p:cNvPicPr>
-              <a:picLocks noChangeAspect="1" noChangeArrowheads="1"/>
-            </p:cNvPicPr>
-            <p:nvPr/>
-          </p:nvPicPr>
-          <p:blipFill>
-            <a:blip r:embed="rId8">
-              <a:lum bright="70000" contrast="-70000"/>
-              <a:extLst>
-                <a:ext uri="{28A0092B-C50C-407E-A947-70E740481C1C}">
-                  <a14:useLocalDpi xmlns:a14="http://schemas.microsoft.com/office/drawing/2010/main" val="0"/>
-                </a:ext>
-              </a:extLst>
-            </a:blip>
-            <a:srcRect/>
-            <a:stretch>
-              <a:fillRect/>
-            </a:stretch>
-          </p:blipFill>
-          <p:spPr bwMode="auto">
-            <a:xfrm>
-              <a:off x="7848979" y="4552711"/>
-              <a:ext cx="261887" cy="261887"/>
-            </a:xfrm>
-            <a:prstGeom prst="rect">
-              <a:avLst/>
-            </a:prstGeom>
-            <a:noFill/>
-            <a:extLst>
-              <a:ext uri="{909E8E84-426E-40DD-AFC4-6F175D3DCCD1}">
-                <a14:hiddenFill xmlns:a14="http://schemas.microsoft.com/office/drawing/2010/main">
-                  <a:solidFill>
-                    <a:srgbClr val="FFFFFF"/>
-                  </a:solidFill>
-                </a14:hiddenFill>
-              </a:ext>
-            </a:extLst>
-          </p:spPr>
-        </p:pic>
-      </p:grpSp>
-      <mc:AlternateContent xmlns:mc="http://schemas.openxmlformats.org/markup-compatibility/2006">
-        <mc:Choice xmlns:am3d="http://schemas.microsoft.com/office/drawing/2017/model3d" Requires="am3d">
-          <p:graphicFrame>
-            <p:nvGraphicFramePr>
-              <p:cNvPr id="34" name="3D Model 20" descr="Prism And Basal Pinacoid White">
-                <a:extLst>
-                  <a:ext uri="{FF2B5EF4-FFF2-40B4-BE49-F238E27FC236}">
-                    <a16:creationId xmlns:a16="http://schemas.microsoft.com/office/drawing/2014/main" id="{F9C91B9E-C41C-EF77-E0AF-3EC4C7B06374}"/>
-                  </a:ext>
-                </a:extLst>
-              </p:cNvPr>
-              <p:cNvGraphicFramePr>
-                <a:graphicFrameLocks noChangeAspect="1"/>
-              </p:cNvGraphicFramePr>
-              <p:nvPr>
-                <p:extLst>
-                  <p:ext uri="{D42A27DB-BD31-4B8C-83A1-F6EECF244321}">
-                    <p14:modId xmlns:p14="http://schemas.microsoft.com/office/powerpoint/2010/main" val="1073240473"/>
-                  </p:ext>
-                </p:extLst>
-              </p:nvPr>
-            </p:nvGraphicFramePr>
-            <p:xfrm>
-              <a:off x="8704436" y="2005594"/>
-              <a:ext cx="1601773" cy="1815284"/>
-            </p:xfrm>
-            <a:graphic>
-              <a:graphicData uri="http://schemas.microsoft.com/office/drawing/2017/model3d">
-                <am3d:model3d r:embed="rId9">
-                  <am3d:spPr>
-                    <a:xfrm>
-                      <a:off x="0" y="0"/>
-                      <a:ext cx="1601773" cy="1815284"/>
-                    </a:xfrm>
-                    <a:prstGeom prst="rect">
-                      <a:avLst/>
-                    </a:prstGeom>
-                    <a:effectLst>
-                      <a:glow rad="259103">
-                        <a:schemeClr val="accent1">
-                          <a:lumMod val="60000"/>
-                          <a:lumOff val="40000"/>
-                          <a:alpha val="62000"/>
-                        </a:schemeClr>
-                      </a:glow>
-                    </a:effectLst>
-                  </am3d:spPr>
-                  <am3d:camera>
-                    <am3d:pos x="0" y="0" z="81469150"/>
-                    <am3d:up dx="0" dy="36000000" dz="0"/>
-                    <am3d:lookAt x="0" y="0" z="0"/>
-                    <am3d:perspective fov="2700000"/>
-                  </am3d:camera>
-                  <am3d:trans>
-                    <am3d:meterPerModelUnit n="139970" d="1000000"/>
-                    <am3d:preTrans dx="-76" dy="-17999982" dz="1"/>
-                    <am3d:scale>
-                      <am3d:sx n="1000000" d="1000000"/>
-                      <am3d:sy n="1000000" d="1000000"/>
-                      <am3d:sz n="1000000" d="1000000"/>
-                    </am3d:scale>
-                    <am3d:rot ax="-2183283" ay="2913714" az="9064903"/>
-                    <am3d:postTrans dx="0" dy="0" dz="0"/>
-                  </am3d:trans>
-                  <am3d:raster rName="Office3DRenderer" rVer="16.0.8326">
-                    <am3d:blip r:embed="rId11"/>
-                  </am3d:raster>
-                  <am3d:objViewport viewportSz="1863562"/>
-                  <am3d:ambientLight>
-                    <am3d:clr>
-                      <a:scrgbClr r="50000" g="50000" b="50000"/>
-                    </am3d:clr>
-                    <am3d:illuminance n="500000" d="1000000"/>
-                  </am3d:ambientLight>
-                  <am3d:ptLight rad="0">
-                    <am3d:clr>
-                      <a:scrgbClr r="100000" g="75000" b="50000"/>
-                    </am3d:clr>
-                    <am3d:intensity n="9765625" d="1000000"/>
-                    <am3d:pos x="21959998" y="70920001" z="16344003"/>
-                  </am3d:ptLight>
-                  <am3d:ptLight rad="0">
-                    <am3d:clr>
-                      <a:scrgbClr r="40000" g="60000" b="95000"/>
-                    </am3d:clr>
-                    <am3d:intensity n="12250000" d="1000000"/>
-                    <am3d:pos x="-37964106" y="51130435" z="57631972"/>
-                  </am3d:ptLight>
-                  <am3d:ptLight rad="0">
-                    <am3d:clr>
-                      <a:scrgbClr r="86837" g="72700" b="100000"/>
-                    </am3d:clr>
-                    <am3d:intensity n="3125000" d="1000000"/>
-                    <am3d:pos x="-37739122" y="58056624" z="-34769649"/>
-                  </am3d:ptLight>
-                </am3d:model3d>
-              </a:graphicData>
-            </a:graphic>
-          </p:graphicFrame>
-        </mc:Choice>
-        <mc:Fallback>
-          <p:pic>
-            <p:nvPicPr>
-              <p:cNvPr id="34" name="3D Model 20" descr="Prism And Basal Pinacoid White">
-                <a:extLst>
-                  <a:ext uri="{FF2B5EF4-FFF2-40B4-BE49-F238E27FC236}">
-                    <a16:creationId xmlns:a16="http://schemas.microsoft.com/office/drawing/2014/main" id="{F9C91B9E-C41C-EF77-E0AF-3EC4C7B06374}"/>
-                  </a:ext>
-                </a:extLst>
-              </p:cNvPr>
-              <p:cNvPicPr>
-                <a:picLocks noGrp="1" noRot="1" noChangeAspect="1" noMove="1" noResize="1" noEditPoints="1" noAdjustHandles="1" noChangeArrowheads="1" noChangeShapeType="1" noCrop="1"/>
-              </p:cNvPicPr>
-              <p:nvPr/>
-            </p:nvPicPr>
-            <p:blipFill>
-              <a:blip r:embed="rId11"/>
-              <a:stretch>
-                <a:fillRect/>
-              </a:stretch>
-            </p:blipFill>
-            <p:spPr>
-              <a:xfrm>
-                <a:off x="8704436" y="2005594"/>
-                <a:ext cx="1601773" cy="1815284"/>
-              </a:xfrm>
-              <a:prstGeom prst="rect">
-                <a:avLst/>
-              </a:prstGeom>
-              <a:effectLst>
-                <a:glow rad="259103">
-                  <a:schemeClr val="accent1">
-                    <a:lumMod val="60000"/>
-                    <a:lumOff val="40000"/>
-                    <a:alpha val="62000"/>
-                  </a:schemeClr>
-                </a:glow>
-              </a:effectLst>
-            </p:spPr>
-          </p:pic>
-        </mc:Fallback>
-      </mc:AlternateContent>
     </p:spTree>
     <p:extLst>
       <p:ext uri="{BB962C8B-B14F-4D97-AF65-F5344CB8AC3E}">
@@ -6087,7 +7758,7 @@
 <file path=ppt/theme/theme1.xml><?xml version="1.0" encoding="utf-8"?>
 <a:theme xmlns:a="http://schemas.openxmlformats.org/drawingml/2006/main" name="Office Theme">
   <a:themeElements>
-    <a:clrScheme name="Office">
+    <a:clrScheme name="Office Theme">
       <a:dk1>
         <a:sysClr val="windowText" lastClr="000000"/>
       </a:dk1>
@@ -6125,7 +7796,7 @@
         <a:srgbClr val="954F72"/>
       </a:folHlink>
     </a:clrScheme>
-    <a:fontScheme name="Office">
+    <a:fontScheme name="Office Theme">
       <a:majorFont>
         <a:latin typeface="Calibri Light" panose="020F0302020204030204"/>
         <a:ea typeface=""/>
@@ -6160,23 +7831,6 @@
         <a:font script="Viet" typeface="Times New Roman"/>
         <a:font script="Uigh" typeface="Microsoft Uighur"/>
         <a:font script="Geor" typeface="Sylfaen"/>
-        <a:font script="Armn" typeface="Arial"/>
-        <a:font script="Bugi" typeface="Leelawadee UI"/>
-        <a:font script="Bopo" typeface="Microsoft JhengHei"/>
-        <a:font script="Java" typeface="Javanese Text"/>
-        <a:font script="Lisu" typeface="Segoe UI"/>
-        <a:font script="Mymr" typeface="Myanmar Text"/>
-        <a:font script="Nkoo" typeface="Ebrima"/>
-        <a:font script="Olck" typeface="Nirmala UI"/>
-        <a:font script="Osma" typeface="Ebrima"/>
-        <a:font script="Phag" typeface="Phagspa"/>
-        <a:font script="Syrn" typeface="Estrangelo Edessa"/>
-        <a:font script="Syrj" typeface="Estrangelo Edessa"/>
-        <a:font script="Syre" typeface="Estrangelo Edessa"/>
-        <a:font script="Sora" typeface="Nirmala UI"/>
-        <a:font script="Tale" typeface="Microsoft Tai Le"/>
-        <a:font script="Talu" typeface="Microsoft New Tai Lue"/>
-        <a:font script="Tfng" typeface="Ebrima"/>
       </a:majorFont>
       <a:minorFont>
         <a:latin typeface="Calibri" panose="020F0502020204030204"/>
@@ -6212,26 +7866,9 @@
         <a:font script="Viet" typeface="Arial"/>
         <a:font script="Uigh" typeface="Microsoft Uighur"/>
         <a:font script="Geor" typeface="Sylfaen"/>
-        <a:font script="Armn" typeface="Arial"/>
-        <a:font script="Bugi" typeface="Leelawadee UI"/>
-        <a:font script="Bopo" typeface="Microsoft JhengHei"/>
-        <a:font script="Java" typeface="Javanese Text"/>
-        <a:font script="Lisu" typeface="Segoe UI"/>
-        <a:font script="Mymr" typeface="Myanmar Text"/>
-        <a:font script="Nkoo" typeface="Ebrima"/>
-        <a:font script="Olck" typeface="Nirmala UI"/>
-        <a:font script="Osma" typeface="Ebrima"/>
-        <a:font script="Phag" typeface="Phagspa"/>
-        <a:font script="Syrn" typeface="Estrangelo Edessa"/>
-        <a:font script="Syrj" typeface="Estrangelo Edessa"/>
-        <a:font script="Syre" typeface="Estrangelo Edessa"/>
-        <a:font script="Sora" typeface="Nirmala UI"/>
-        <a:font script="Tale" typeface="Microsoft Tai Le"/>
-        <a:font script="Talu" typeface="Microsoft New Tai Lue"/>
-        <a:font script="Tfng" typeface="Ebrima"/>
       </a:minorFont>
     </a:fontScheme>
-    <a:fmtScheme name="Office">
+    <a:fmtScheme name="Office Theme">
       <a:fillStyleLst>
         <a:solidFill>
           <a:schemeClr val="phClr"/>
@@ -6373,7 +8010,7 @@
   <a:extraClrSchemeLst/>
   <a:extLst>
     <a:ext uri="{05A4C25C-085E-4340-85A3-A5531E510DB2}">
-      <thm15:themeFamily xmlns:thm15="http://schemas.microsoft.com/office/thememl/2012/main" name="Office Theme" id="{62F939B6-93AF-4DB8-9C6B-D6C7DFDC589F}" vid="{4A3C46E8-61CC-4603-A589-7422A47A8E4A}"/>
+      <thm15:themeFamily xmlns:thm15="http://schemas.microsoft.com/office/thememl/2012/main" name="Office Theme 2013 - 2022" id="{62F939B6-93AF-4DB8-9C6B-D6C7DFDC589F}" vid="{4A3C46E8-61CC-4603-A589-7422A47A8E4A}"/>
     </a:ext>
   </a:extLst>
 </a:theme>

--- a/PAPERWORK/BUAA Thesis Undergraduate - CoHE/figure/Presentation2.pptx
+++ b/PAPERWORK/BUAA Thesis Undergraduate - CoHE/figure/Presentation2.pptx
@@ -244,7 +244,7 @@
           <a:p>
             <a:fld id="{590F4E7E-A565-9A42-829F-FA3A8EC4ABA5}" type="datetimeFigureOut">
               <a:rPr lang="en-CN" smtClean="0"/>
-              <a:t>2023/5/22</a:t>
+              <a:t>2023/5/24</a:t>
             </a:fld>
             <a:endParaRPr lang="en-CN"/>
           </a:p>
@@ -414,7 +414,7 @@
           <a:p>
             <a:fld id="{590F4E7E-A565-9A42-829F-FA3A8EC4ABA5}" type="datetimeFigureOut">
               <a:rPr lang="en-CN" smtClean="0"/>
-              <a:t>2023/5/22</a:t>
+              <a:t>2023/5/24</a:t>
             </a:fld>
             <a:endParaRPr lang="en-CN"/>
           </a:p>
@@ -594,7 +594,7 @@
           <a:p>
             <a:fld id="{590F4E7E-A565-9A42-829F-FA3A8EC4ABA5}" type="datetimeFigureOut">
               <a:rPr lang="en-CN" smtClean="0"/>
-              <a:t>2023/5/22</a:t>
+              <a:t>2023/5/24</a:t>
             </a:fld>
             <a:endParaRPr lang="en-CN"/>
           </a:p>
@@ -764,7 +764,7 @@
           <a:p>
             <a:fld id="{590F4E7E-A565-9A42-829F-FA3A8EC4ABA5}" type="datetimeFigureOut">
               <a:rPr lang="en-CN" smtClean="0"/>
-              <a:t>2023/5/22</a:t>
+              <a:t>2023/5/24</a:t>
             </a:fld>
             <a:endParaRPr lang="en-CN"/>
           </a:p>
@@ -1010,7 +1010,7 @@
           <a:p>
             <a:fld id="{590F4E7E-A565-9A42-829F-FA3A8EC4ABA5}" type="datetimeFigureOut">
               <a:rPr lang="en-CN" smtClean="0"/>
-              <a:t>2023/5/22</a:t>
+              <a:t>2023/5/24</a:t>
             </a:fld>
             <a:endParaRPr lang="en-CN"/>
           </a:p>
@@ -1242,7 +1242,7 @@
           <a:p>
             <a:fld id="{590F4E7E-A565-9A42-829F-FA3A8EC4ABA5}" type="datetimeFigureOut">
               <a:rPr lang="en-CN" smtClean="0"/>
-              <a:t>2023/5/22</a:t>
+              <a:t>2023/5/24</a:t>
             </a:fld>
             <a:endParaRPr lang="en-CN"/>
           </a:p>
@@ -1609,7 +1609,7 @@
           <a:p>
             <a:fld id="{590F4E7E-A565-9A42-829F-FA3A8EC4ABA5}" type="datetimeFigureOut">
               <a:rPr lang="en-CN" smtClean="0"/>
-              <a:t>2023/5/22</a:t>
+              <a:t>2023/5/24</a:t>
             </a:fld>
             <a:endParaRPr lang="en-CN"/>
           </a:p>
@@ -1727,7 +1727,7 @@
           <a:p>
             <a:fld id="{590F4E7E-A565-9A42-829F-FA3A8EC4ABA5}" type="datetimeFigureOut">
               <a:rPr lang="en-CN" smtClean="0"/>
-              <a:t>2023/5/22</a:t>
+              <a:t>2023/5/24</a:t>
             </a:fld>
             <a:endParaRPr lang="en-CN"/>
           </a:p>
@@ -1822,7 +1822,7 @@
           <a:p>
             <a:fld id="{590F4E7E-A565-9A42-829F-FA3A8EC4ABA5}" type="datetimeFigureOut">
               <a:rPr lang="en-CN" smtClean="0"/>
-              <a:t>2023/5/22</a:t>
+              <a:t>2023/5/24</a:t>
             </a:fld>
             <a:endParaRPr lang="en-CN"/>
           </a:p>
@@ -2099,7 +2099,7 @@
           <a:p>
             <a:fld id="{590F4E7E-A565-9A42-829F-FA3A8EC4ABA5}" type="datetimeFigureOut">
               <a:rPr lang="en-CN" smtClean="0"/>
-              <a:t>2023/5/22</a:t>
+              <a:t>2023/5/24</a:t>
             </a:fld>
             <a:endParaRPr lang="en-CN"/>
           </a:p>
@@ -2356,7 +2356,7 @@
           <a:p>
             <a:fld id="{590F4E7E-A565-9A42-829F-FA3A8EC4ABA5}" type="datetimeFigureOut">
               <a:rPr lang="en-CN" smtClean="0"/>
-              <a:t>2023/5/22</a:t>
+              <a:t>2023/5/24</a:t>
             </a:fld>
             <a:endParaRPr lang="en-CN"/>
           </a:p>
@@ -2569,7 +2569,7 @@
           <a:p>
             <a:fld id="{590F4E7E-A565-9A42-829F-FA3A8EC4ABA5}" type="datetimeFigureOut">
               <a:rPr lang="en-CN" smtClean="0"/>
-              <a:t>2023/5/22</a:t>
+              <a:t>2023/5/24</a:t>
             </a:fld>
             <a:endParaRPr lang="en-CN"/>
           </a:p>
@@ -4233,10 +4233,10 @@
       </p:grpSpPr>
       <p:grpSp>
         <p:nvGrpSpPr>
-          <p:cNvPr id="132" name="Group 131">
+          <p:cNvPr id="7" name="Group 6">
             <a:extLst>
               <a:ext uri="{FF2B5EF4-FFF2-40B4-BE49-F238E27FC236}">
-                <a16:creationId xmlns:a16="http://schemas.microsoft.com/office/drawing/2014/main" id="{1FC86CCC-6EC6-B2D0-3418-6885193AEF7E}"/>
+                <a16:creationId xmlns:a16="http://schemas.microsoft.com/office/drawing/2014/main" id="{A4E11D8E-A7D0-28FD-0FCE-30A0218E6ED4}"/>
               </a:ext>
             </a:extLst>
           </p:cNvPr>
@@ -4253,10 +4253,10 @@
         </p:grpSpPr>
         <p:grpSp>
           <p:nvGrpSpPr>
-            <p:cNvPr id="129" name="Group 128">
+            <p:cNvPr id="92" name="Group 91">
               <a:extLst>
                 <a:ext uri="{FF2B5EF4-FFF2-40B4-BE49-F238E27FC236}">
-                  <a16:creationId xmlns:a16="http://schemas.microsoft.com/office/drawing/2014/main" id="{29B740B0-072F-5F74-F160-CC998ADAC59B}"/>
+                  <a16:creationId xmlns:a16="http://schemas.microsoft.com/office/drawing/2014/main" id="{2C42AF97-AA65-8AE7-4DC7-B50DB89E5B19}"/>
                 </a:ext>
               </a:extLst>
             </p:cNvPr>
@@ -4265,18 +4265,18 @@
           </p:nvGrpSpPr>
           <p:grpSpPr>
             <a:xfrm>
-              <a:off x="966332" y="-235531"/>
-              <a:ext cx="16575482" cy="6878271"/>
-              <a:chOff x="966332" y="25730"/>
-              <a:chExt cx="16575482" cy="6878271"/>
+              <a:off x="966332" y="1792295"/>
+              <a:ext cx="2937039" cy="3359519"/>
+              <a:chOff x="1477382" y="2078975"/>
+              <a:chExt cx="2937039" cy="3359519"/>
             </a:xfrm>
           </p:grpSpPr>
           <p:grpSp>
             <p:nvGrpSpPr>
-              <p:cNvPr id="92" name="Group 91">
+              <p:cNvPr id="58" name="Group 57">
                 <a:extLst>
                   <a:ext uri="{FF2B5EF4-FFF2-40B4-BE49-F238E27FC236}">
-                    <a16:creationId xmlns:a16="http://schemas.microsoft.com/office/drawing/2014/main" id="{2C42AF97-AA65-8AE7-4DC7-B50DB89E5B19}"/>
+                    <a16:creationId xmlns:a16="http://schemas.microsoft.com/office/drawing/2014/main" id="{83A0CF75-BFCA-C2F6-6840-B92DB08B2FA1}"/>
                   </a:ext>
                 </a:extLst>
               </p:cNvPr>
@@ -4285,18 +4285,1747 @@
             </p:nvGrpSpPr>
             <p:grpSpPr>
               <a:xfrm>
-                <a:off x="966332" y="2053556"/>
-                <a:ext cx="2937039" cy="3359519"/>
-                <a:chOff x="1477382" y="2078975"/>
-                <a:chExt cx="2937039" cy="3359519"/>
+                <a:off x="3113013" y="3897941"/>
+                <a:ext cx="1301408" cy="1540553"/>
+                <a:chOff x="7579941" y="3963212"/>
+                <a:chExt cx="1476117" cy="1747368"/>
+              </a:xfrm>
+            </p:grpSpPr>
+            <p:pic>
+              <p:nvPicPr>
+                <p:cNvPr id="59" name="Picture 8" descr="Big Image - Head Silhouette Clipart, HD Png Download - 2032x2304(#2137798)  - PngFind">
+                  <a:extLst>
+                    <a:ext uri="{FF2B5EF4-FFF2-40B4-BE49-F238E27FC236}">
+                      <a16:creationId xmlns:a16="http://schemas.microsoft.com/office/drawing/2014/main" id="{1E99FF68-7A6E-D5F4-794C-CF3B5B5ADA38}"/>
+                    </a:ext>
+                  </a:extLst>
+                </p:cNvPr>
+                <p:cNvPicPr>
+                  <a:picLocks noChangeAspect="1" noChangeArrowheads="1"/>
+                </p:cNvPicPr>
+                <p:nvPr/>
+              </p:nvPicPr>
+              <p:blipFill>
+                <a:blip r:embed="rId2">
+                  <a:extLst>
+                    <a:ext uri="{BEBA8EAE-BF5A-486C-A8C5-ECC9F3942E4B}">
+                      <a14:imgProps xmlns:a14="http://schemas.microsoft.com/office/drawing/2010/main">
+                        <a14:imgLayer r:embed="rId3">
+                          <a14:imgEffect>
+                            <a14:backgroundRemoval t="6956" b="92440" l="1667" r="95000">
+                              <a14:foregroundMark x1="25476" y1="29738" x2="31429" y2="14214"/>
+                              <a14:foregroundMark x1="31429" y1="14214" x2="50119" y2="6956"/>
+                              <a14:foregroundMark x1="50119" y1="6956" x2="52619" y2="7560"/>
+                              <a14:foregroundMark x1="52619" y1="13609" x2="52619" y2="13609"/>
+                              <a14:foregroundMark x1="7381" y1="28226" x2="6786" y2="33468"/>
+                              <a14:foregroundMark x1="43095" y1="92641" x2="43095" y2="92641"/>
+                              <a14:foregroundMark x1="90952" y1="51210" x2="90952" y2="51210"/>
+                              <a14:foregroundMark x1="1667" y1="34577" x2="1667" y2="34577"/>
+                              <a14:foregroundMark x1="95000" y1="52419" x2="95000" y2="52419"/>
+                            </a14:backgroundRemoval>
+                          </a14:imgEffect>
+                        </a14:imgLayer>
+                      </a14:imgProps>
+                    </a:ext>
+                    <a:ext uri="{28A0092B-C50C-407E-A947-70E740481C1C}">
+                      <a14:useLocalDpi xmlns:a14="http://schemas.microsoft.com/office/drawing/2010/main" val="0"/>
+                    </a:ext>
+                  </a:extLst>
+                </a:blip>
+                <a:srcRect/>
+                <a:stretch>
+                  <a:fillRect/>
+                </a:stretch>
+              </p:blipFill>
+              <p:spPr bwMode="auto">
+                <a:xfrm flipH="1">
+                  <a:off x="7579941" y="3963212"/>
+                  <a:ext cx="1476117" cy="1747368"/>
+                </a:xfrm>
+                <a:prstGeom prst="rect">
+                  <a:avLst/>
+                </a:prstGeom>
+                <a:noFill/>
+                <a:extLst>
+                  <a:ext uri="{909E8E84-426E-40DD-AFC4-6F175D3DCCD1}">
+                    <a14:hiddenFill xmlns:a14="http://schemas.microsoft.com/office/drawing/2010/main">
+                      <a:solidFill>
+                        <a:srgbClr val="FFFFFF"/>
+                      </a:solidFill>
+                    </a14:hiddenFill>
+                  </a:ext>
+                </a:extLst>
+              </p:spPr>
+            </p:pic>
+            <p:pic>
+              <p:nvPicPr>
+                <p:cNvPr id="60" name="Picture 10">
+                  <a:extLst>
+                    <a:ext uri="{FF2B5EF4-FFF2-40B4-BE49-F238E27FC236}">
+                      <a16:creationId xmlns:a16="http://schemas.microsoft.com/office/drawing/2014/main" id="{62413206-C2BF-8C06-C1B4-52FE448291EC}"/>
+                    </a:ext>
+                  </a:extLst>
+                </p:cNvPr>
+                <p:cNvPicPr>
+                  <a:picLocks noChangeAspect="1" noChangeArrowheads="1"/>
+                </p:cNvPicPr>
+                <p:nvPr/>
+              </p:nvPicPr>
+              <p:blipFill>
+                <a:blip r:embed="rId4">
+                  <a:lum bright="70000" contrast="-70000"/>
+                  <a:extLst>
+                    <a:ext uri="{28A0092B-C50C-407E-A947-70E740481C1C}">
+                      <a14:useLocalDpi xmlns:a14="http://schemas.microsoft.com/office/drawing/2010/main" val="0"/>
+                    </a:ext>
+                  </a:extLst>
+                </a:blip>
+                <a:srcRect/>
+                <a:stretch>
+                  <a:fillRect/>
+                </a:stretch>
+              </p:blipFill>
+              <p:spPr bwMode="auto">
+                <a:xfrm>
+                  <a:off x="7848979" y="4552711"/>
+                  <a:ext cx="261887" cy="261887"/>
+                </a:xfrm>
+                <a:prstGeom prst="rect">
+                  <a:avLst/>
+                </a:prstGeom>
+                <a:noFill/>
+                <a:extLst>
+                  <a:ext uri="{909E8E84-426E-40DD-AFC4-6F175D3DCCD1}">
+                    <a14:hiddenFill xmlns:a14="http://schemas.microsoft.com/office/drawing/2010/main">
+                      <a:solidFill>
+                        <a:srgbClr val="FFFFFF"/>
+                      </a:solidFill>
+                    </a14:hiddenFill>
+                  </a:ext>
+                </a:extLst>
+              </p:spPr>
+            </p:pic>
+          </p:grpSp>
+          <mc:AlternateContent xmlns:mc="http://schemas.openxmlformats.org/markup-compatibility/2006">
+            <mc:Choice xmlns:am3d="http://schemas.microsoft.com/office/drawing/2017/model3d" Requires="am3d">
+              <p:graphicFrame>
+                <p:nvGraphicFramePr>
+                  <p:cNvPr id="61" name="3D Model 20" descr="Prism And Basal Pinacoid White">
+                    <a:extLst>
+                      <a:ext uri="{FF2B5EF4-FFF2-40B4-BE49-F238E27FC236}">
+                        <a16:creationId xmlns:a16="http://schemas.microsoft.com/office/drawing/2014/main" id="{0ABB1AE0-0091-3B47-D7B8-09EC8855099C}"/>
+                      </a:ext>
+                    </a:extLst>
+                  </p:cNvPr>
+                  <p:cNvGraphicFramePr>
+                    <a:graphicFrameLocks noChangeAspect="1"/>
+                  </p:cNvGraphicFramePr>
+                  <p:nvPr>
+                    <p:extLst>
+                      <p:ext uri="{D42A27DB-BD31-4B8C-83A1-F6EECF244321}">
+                        <p14:modId xmlns:p14="http://schemas.microsoft.com/office/powerpoint/2010/main" val="3580172194"/>
+                      </p:ext>
+                    </p:extLst>
+                  </p:nvPr>
+                </p:nvGraphicFramePr>
+                <p:xfrm>
+                  <a:off x="1477382" y="2078975"/>
+                  <a:ext cx="1359355" cy="1540553"/>
+                </p:xfrm>
+                <a:graphic>
+                  <a:graphicData uri="http://schemas.microsoft.com/office/drawing/2017/model3d">
+                    <am3d:model3d r:embed="rId5">
+                      <am3d:spPr>
+                        <a:xfrm>
+                          <a:off x="0" y="0"/>
+                          <a:ext cx="1359355" cy="1540553"/>
+                        </a:xfrm>
+                        <a:prstGeom prst="rect">
+                          <a:avLst/>
+                        </a:prstGeom>
+                        <a:effectLst>
+                          <a:glow rad="259103">
+                            <a:schemeClr val="accent1">
+                              <a:lumMod val="60000"/>
+                              <a:lumOff val="40000"/>
+                              <a:alpha val="62000"/>
+                            </a:schemeClr>
+                          </a:glow>
+                        </a:effectLst>
+                      </am3d:spPr>
+                      <am3d:camera>
+                        <am3d:pos x="0" y="0" z="81469150"/>
+                        <am3d:up dx="0" dy="36000000" dz="0"/>
+                        <am3d:lookAt x="0" y="0" z="0"/>
+                        <am3d:perspective fov="2700000"/>
+                      </am3d:camera>
+                      <am3d:trans>
+                        <am3d:meterPerModelUnit n="139970" d="1000000"/>
+                        <am3d:preTrans dx="-76" dy="-17999982" dz="1"/>
+                        <am3d:scale>
+                          <am3d:sx n="1000000" d="1000000"/>
+                          <am3d:sy n="1000000" d="1000000"/>
+                          <am3d:sz n="1000000" d="1000000"/>
+                        </am3d:scale>
+                        <am3d:rot ax="-2183283" ay="2913714" az="9064903"/>
+                        <am3d:postTrans dx="0" dy="0" dz="0"/>
+                      </am3d:trans>
+                      <am3d:raster rName="Office3DRenderer" rVer="16.0.8326">
+                        <am3d:blip r:embed="rId6"/>
+                      </am3d:raster>
+                      <am3d:objViewport viewportSz="1581524"/>
+                      <am3d:ambientLight>
+                        <am3d:clr>
+                          <a:scrgbClr r="50000" g="50000" b="50000"/>
+                        </am3d:clr>
+                        <am3d:illuminance n="500000" d="1000000"/>
+                      </am3d:ambientLight>
+                      <am3d:ptLight rad="0">
+                        <am3d:clr>
+                          <a:scrgbClr r="100000" g="75000" b="50000"/>
+                        </am3d:clr>
+                        <am3d:intensity n="9765625" d="1000000"/>
+                        <am3d:pos x="21959998" y="70920001" z="16344003"/>
+                      </am3d:ptLight>
+                      <am3d:ptLight rad="0">
+                        <am3d:clr>
+                          <a:scrgbClr r="40000" g="60000" b="95000"/>
+                        </am3d:clr>
+                        <am3d:intensity n="12250000" d="1000000"/>
+                        <am3d:pos x="-37964106" y="51130435" z="57631972"/>
+                      </am3d:ptLight>
+                      <am3d:ptLight rad="0">
+                        <am3d:clr>
+                          <a:scrgbClr r="86837" g="72700" b="100000"/>
+                        </am3d:clr>
+                        <am3d:intensity n="3125000" d="1000000"/>
+                        <am3d:pos x="-37739122" y="58056624" z="-34769649"/>
+                      </am3d:ptLight>
+                    </am3d:model3d>
+                  </a:graphicData>
+                </a:graphic>
+              </p:graphicFrame>
+            </mc:Choice>
+            <mc:Fallback>
+              <p:pic>
+                <p:nvPicPr>
+                  <p:cNvPr id="61" name="3D Model 20" descr="Prism And Basal Pinacoid White">
+                    <a:extLst>
+                      <a:ext uri="{FF2B5EF4-FFF2-40B4-BE49-F238E27FC236}">
+                        <a16:creationId xmlns:a16="http://schemas.microsoft.com/office/drawing/2014/main" id="{0ABB1AE0-0091-3B47-D7B8-09EC8855099C}"/>
+                      </a:ext>
+                    </a:extLst>
+                  </p:cNvPr>
+                  <p:cNvPicPr>
+                    <a:picLocks noGrp="1" noRot="1" noChangeAspect="1" noMove="1" noResize="1" noEditPoints="1" noAdjustHandles="1" noChangeArrowheads="1" noChangeShapeType="1" noCrop="1"/>
+                  </p:cNvPicPr>
+                  <p:nvPr/>
+                </p:nvPicPr>
+                <p:blipFill>
+                  <a:blip r:embed="rId6"/>
+                  <a:stretch>
+                    <a:fillRect/>
+                  </a:stretch>
+                </p:blipFill>
+                <p:spPr>
+                  <a:xfrm>
+                    <a:off x="966332" y="1792295"/>
+                    <a:ext cx="1359355" cy="1540553"/>
+                  </a:xfrm>
+                  <a:prstGeom prst="rect">
+                    <a:avLst/>
+                  </a:prstGeom>
+                  <a:effectLst>
+                    <a:glow rad="259103">
+                      <a:schemeClr val="accent1">
+                        <a:lumMod val="60000"/>
+                        <a:lumOff val="40000"/>
+                        <a:alpha val="62000"/>
+                      </a:schemeClr>
+                    </a:glow>
+                  </a:effectLst>
+                </p:spPr>
+              </p:pic>
+            </mc:Fallback>
+          </mc:AlternateContent>
+          <p:cxnSp>
+            <p:nvCxnSpPr>
+              <p:cNvPr id="91" name="Straight Arrow Connector 90">
+                <a:extLst>
+                  <a:ext uri="{FF2B5EF4-FFF2-40B4-BE49-F238E27FC236}">
+                    <a16:creationId xmlns:a16="http://schemas.microsoft.com/office/drawing/2014/main" id="{4F691997-033C-7D4C-97C9-3DBAA0456AD2}"/>
+                  </a:ext>
+                </a:extLst>
+              </p:cNvPr>
+              <p:cNvCxnSpPr/>
+              <p:nvPr/>
+            </p:nvCxnSpPr>
+            <p:spPr>
+              <a:xfrm flipH="1" flipV="1">
+                <a:off x="2298863" y="2998950"/>
+                <a:ext cx="1051345" cy="1410420"/>
+              </a:xfrm>
+              <a:prstGeom prst="straightConnector1">
+                <a:avLst/>
+              </a:prstGeom>
+              <a:ln w="63500">
+                <a:solidFill>
+                  <a:schemeClr val="tx1"/>
+                </a:solidFill>
+                <a:tailEnd type="triangle"/>
+              </a:ln>
+            </p:spPr>
+            <p:style>
+              <a:lnRef idx="1">
+                <a:schemeClr val="accent1"/>
+              </a:lnRef>
+              <a:fillRef idx="0">
+                <a:schemeClr val="accent1"/>
+              </a:fillRef>
+              <a:effectRef idx="0">
+                <a:schemeClr val="accent1"/>
+              </a:effectRef>
+              <a:fontRef idx="minor">
+                <a:schemeClr val="tx1"/>
+              </a:fontRef>
+            </p:style>
+          </p:cxnSp>
+        </p:grpSp>
+        <p:sp>
+          <p:nvSpPr>
+            <p:cNvPr id="93" name="TextBox 92">
+              <a:extLst>
+                <a:ext uri="{FF2B5EF4-FFF2-40B4-BE49-F238E27FC236}">
+                  <a16:creationId xmlns:a16="http://schemas.microsoft.com/office/drawing/2014/main" id="{760C2318-3331-CCC0-9B5C-DACEA2FDA425}"/>
+                </a:ext>
+              </a:extLst>
+            </p:cNvPr>
+            <p:cNvSpPr txBox="1"/>
+            <p:nvPr/>
+          </p:nvSpPr>
+          <p:spPr>
+            <a:xfrm>
+              <a:off x="2455236" y="3117910"/>
+              <a:ext cx="1448089" cy="369332"/>
+            </a:xfrm>
+            <a:prstGeom prst="rect">
+              <a:avLst/>
+            </a:prstGeom>
+            <a:noFill/>
+          </p:spPr>
+          <p:txBody>
+            <a:bodyPr wrap="none" rtlCol="0">
+              <a:spAutoFit/>
+            </a:bodyPr>
+            <a:lstStyle/>
+            <a:p>
+              <a:r>
+                <a:rPr lang="en-US" dirty="0"/>
+                <a:t>h</a:t>
+              </a:r>
+              <a:r>
+                <a:rPr lang="en-CN" dirty="0"/>
+                <a:t>ead forward</a:t>
+              </a:r>
+            </a:p>
+          </p:txBody>
+        </p:sp>
+        <p:grpSp>
+          <p:nvGrpSpPr>
+            <p:cNvPr id="21" name="组合 18">
+              <a:extLst>
+                <a:ext uri="{FF2B5EF4-FFF2-40B4-BE49-F238E27FC236}">
+                  <a16:creationId xmlns:a16="http://schemas.microsoft.com/office/drawing/2014/main" id="{2BB31F8B-1F93-0613-EAB2-4B2D2C0E7D6B}"/>
+                </a:ext>
+              </a:extLst>
+            </p:cNvPr>
+            <p:cNvGrpSpPr/>
+            <p:nvPr/>
+          </p:nvGrpSpPr>
+          <p:grpSpPr>
+            <a:xfrm>
+              <a:off x="6121613" y="594730"/>
+              <a:ext cx="4092713" cy="4065157"/>
+              <a:chOff x="3056876" y="410340"/>
+              <a:chExt cx="6078239" cy="6037316"/>
+            </a:xfrm>
+          </p:grpSpPr>
+          <p:grpSp>
+            <p:nvGrpSpPr>
+              <p:cNvPr id="22" name="组合 17">
+                <a:extLst>
+                  <a:ext uri="{FF2B5EF4-FFF2-40B4-BE49-F238E27FC236}">
+                    <a16:creationId xmlns:a16="http://schemas.microsoft.com/office/drawing/2014/main" id="{B0014126-3F85-0ED2-446F-F8658E3F0F68}"/>
+                  </a:ext>
+                </a:extLst>
+              </p:cNvPr>
+              <p:cNvGrpSpPr/>
+              <p:nvPr/>
+            </p:nvGrpSpPr>
+            <p:grpSpPr>
+              <a:xfrm>
+                <a:off x="3056876" y="410340"/>
+                <a:ext cx="6078239" cy="6037316"/>
+                <a:chOff x="3056876" y="410340"/>
+                <a:chExt cx="6078239" cy="6037316"/>
+              </a:xfrm>
+            </p:grpSpPr>
+            <p:sp>
+              <p:nvSpPr>
+                <p:cNvPr id="27" name="泪滴形 3">
+                  <a:extLst>
+                    <a:ext uri="{FF2B5EF4-FFF2-40B4-BE49-F238E27FC236}">
+                      <a16:creationId xmlns:a16="http://schemas.microsoft.com/office/drawing/2014/main" id="{45819F40-88C8-5A24-0190-758993E83097}"/>
+                    </a:ext>
+                  </a:extLst>
+                </p:cNvPr>
+                <p:cNvSpPr/>
+                <p:nvPr/>
+              </p:nvSpPr>
+              <p:spPr>
+                <a:xfrm rot="2700000">
+                  <a:off x="3056876" y="2218506"/>
+                  <a:ext cx="2420983" cy="2420983"/>
+                </a:xfrm>
+                <a:prstGeom prst="teardrop">
+                  <a:avLst/>
+                </a:prstGeom>
+                <a:gradFill flip="none" rotWithShape="1">
+                  <a:gsLst>
+                    <a:gs pos="0">
+                      <a:schemeClr val="accent6">
+                        <a:alpha val="0"/>
+                        <a:lumMod val="60000"/>
+                        <a:lumOff val="40000"/>
+                      </a:schemeClr>
+                    </a:gs>
+                    <a:gs pos="50000">
+                      <a:schemeClr val="accent6">
+                        <a:lumMod val="60000"/>
+                        <a:lumOff val="40000"/>
+                        <a:alpha val="85000"/>
+                      </a:schemeClr>
+                    </a:gs>
+                    <a:gs pos="100000">
+                      <a:schemeClr val="accent6">
+                        <a:lumMod val="60000"/>
+                        <a:lumOff val="40000"/>
+                      </a:schemeClr>
+                    </a:gs>
+                  </a:gsLst>
+                  <a:lin ang="8100000" scaled="0"/>
+                  <a:tileRect/>
+                </a:gradFill>
+                <a:ln w="38100">
+                  <a:gradFill>
+                    <a:gsLst>
+                      <a:gs pos="25000">
+                        <a:schemeClr val="bg1">
+                          <a:alpha val="0"/>
+                          <a:lumMod val="60000"/>
+                          <a:lumOff val="40000"/>
+                        </a:schemeClr>
+                      </a:gs>
+                      <a:gs pos="100000">
+                        <a:schemeClr val="bg1">
+                          <a:alpha val="85000"/>
+                          <a:lumMod val="60000"/>
+                          <a:lumOff val="40000"/>
+                        </a:schemeClr>
+                      </a:gs>
+                      <a:gs pos="50000">
+                        <a:schemeClr val="bg1">
+                          <a:lumMod val="60000"/>
+                          <a:lumOff val="40000"/>
+                          <a:alpha val="50000"/>
+                        </a:schemeClr>
+                      </a:gs>
+                    </a:gsLst>
+                    <a:lin ang="8100000" scaled="0"/>
+                  </a:gradFill>
+                </a:ln>
+                <a:effectLst/>
+              </p:spPr>
+              <p:style>
+                <a:lnRef idx="2">
+                  <a:schemeClr val="accent1">
+                    <a:shade val="50000"/>
+                  </a:schemeClr>
+                </a:lnRef>
+                <a:fillRef idx="1">
+                  <a:schemeClr val="accent1"/>
+                </a:fillRef>
+                <a:effectRef idx="0">
+                  <a:schemeClr val="accent1"/>
+                </a:effectRef>
+                <a:fontRef idx="minor">
+                  <a:schemeClr val="lt1"/>
+                </a:fontRef>
+              </p:style>
+              <p:txBody>
+                <a:bodyPr rtlCol="0" anchor="ctr"/>
+                <a:lstStyle/>
+                <a:p>
+                  <a:pPr algn="ctr"/>
+                  <a:endParaRPr lang="zh-CN" altLang="en-US" sz="2704" dirty="0"/>
+                </a:p>
+              </p:txBody>
+            </p:sp>
+            <p:sp>
+              <p:nvSpPr>
+                <p:cNvPr id="28" name="泪滴形 4">
+                  <a:extLst>
+                    <a:ext uri="{FF2B5EF4-FFF2-40B4-BE49-F238E27FC236}">
+                      <a16:creationId xmlns:a16="http://schemas.microsoft.com/office/drawing/2014/main" id="{582BDA8C-3527-468A-BCFC-2E7150DA400D}"/>
+                    </a:ext>
+                  </a:extLst>
+                </p:cNvPr>
+                <p:cNvSpPr/>
+                <p:nvPr/>
+              </p:nvSpPr>
+              <p:spPr>
+                <a:xfrm rot="8100000">
+                  <a:off x="4885505" y="410340"/>
+                  <a:ext cx="2420983" cy="2420983"/>
+                </a:xfrm>
+                <a:prstGeom prst="teardrop">
+                  <a:avLst/>
+                </a:prstGeom>
+                <a:gradFill flip="none" rotWithShape="1">
+                  <a:gsLst>
+                    <a:gs pos="0">
+                      <a:schemeClr val="accent6">
+                        <a:alpha val="0"/>
+                        <a:lumMod val="60000"/>
+                        <a:lumOff val="40000"/>
+                      </a:schemeClr>
+                    </a:gs>
+                    <a:gs pos="50000">
+                      <a:schemeClr val="accent6">
+                        <a:lumMod val="60000"/>
+                        <a:lumOff val="40000"/>
+                        <a:alpha val="85000"/>
+                      </a:schemeClr>
+                    </a:gs>
+                    <a:gs pos="100000">
+                      <a:schemeClr val="accent6">
+                        <a:lumMod val="60000"/>
+                        <a:lumOff val="40000"/>
+                      </a:schemeClr>
+                    </a:gs>
+                  </a:gsLst>
+                  <a:lin ang="8100000" scaled="0"/>
+                  <a:tileRect/>
+                </a:gradFill>
+                <a:ln w="38100">
+                  <a:gradFill>
+                    <a:gsLst>
+                      <a:gs pos="25000">
+                        <a:schemeClr val="bg1">
+                          <a:alpha val="0"/>
+                          <a:lumMod val="60000"/>
+                          <a:lumOff val="40000"/>
+                        </a:schemeClr>
+                      </a:gs>
+                      <a:gs pos="100000">
+                        <a:schemeClr val="bg1">
+                          <a:alpha val="85000"/>
+                          <a:lumMod val="60000"/>
+                          <a:lumOff val="40000"/>
+                        </a:schemeClr>
+                      </a:gs>
+                      <a:gs pos="50000">
+                        <a:schemeClr val="bg1">
+                          <a:lumMod val="60000"/>
+                          <a:lumOff val="40000"/>
+                          <a:alpha val="50000"/>
+                        </a:schemeClr>
+                      </a:gs>
+                    </a:gsLst>
+                    <a:lin ang="8100000" scaled="0"/>
+                  </a:gradFill>
+                </a:ln>
+                <a:effectLst/>
+              </p:spPr>
+              <p:style>
+                <a:lnRef idx="2">
+                  <a:schemeClr val="accent1">
+                    <a:shade val="50000"/>
+                  </a:schemeClr>
+                </a:lnRef>
+                <a:fillRef idx="1">
+                  <a:schemeClr val="accent1"/>
+                </a:fillRef>
+                <a:effectRef idx="0">
+                  <a:schemeClr val="accent1"/>
+                </a:effectRef>
+                <a:fontRef idx="minor">
+                  <a:schemeClr val="lt1"/>
+                </a:fontRef>
+              </p:style>
+              <p:txBody>
+                <a:bodyPr rtlCol="0" anchor="ctr"/>
+                <a:lstStyle/>
+                <a:p>
+                  <a:pPr algn="ctr"/>
+                  <a:endParaRPr lang="zh-CN" altLang="en-US" sz="2704" dirty="0"/>
+                </a:p>
+              </p:txBody>
+            </p:sp>
+            <p:sp>
+              <p:nvSpPr>
+                <p:cNvPr id="29" name="泪滴形 6">
+                  <a:extLst>
+                    <a:ext uri="{FF2B5EF4-FFF2-40B4-BE49-F238E27FC236}">
+                      <a16:creationId xmlns:a16="http://schemas.microsoft.com/office/drawing/2014/main" id="{97EBA064-9AD4-5350-EC60-2CAFB8EC018A}"/>
+                    </a:ext>
+                  </a:extLst>
+                </p:cNvPr>
+                <p:cNvSpPr/>
+                <p:nvPr/>
+              </p:nvSpPr>
+              <p:spPr>
+                <a:xfrm rot="18900000">
+                  <a:off x="4885505" y="4026673"/>
+                  <a:ext cx="2420983" cy="2420983"/>
+                </a:xfrm>
+                <a:prstGeom prst="teardrop">
+                  <a:avLst/>
+                </a:prstGeom>
+                <a:gradFill flip="none" rotWithShape="1">
+                  <a:gsLst>
+                    <a:gs pos="0">
+                      <a:schemeClr val="accent6">
+                        <a:alpha val="0"/>
+                        <a:lumMod val="60000"/>
+                        <a:lumOff val="40000"/>
+                      </a:schemeClr>
+                    </a:gs>
+                    <a:gs pos="50000">
+                      <a:schemeClr val="accent6">
+                        <a:lumMod val="60000"/>
+                        <a:lumOff val="40000"/>
+                        <a:alpha val="85000"/>
+                      </a:schemeClr>
+                    </a:gs>
+                    <a:gs pos="100000">
+                      <a:schemeClr val="accent6">
+                        <a:lumMod val="60000"/>
+                        <a:lumOff val="40000"/>
+                      </a:schemeClr>
+                    </a:gs>
+                  </a:gsLst>
+                  <a:lin ang="8100000" scaled="0"/>
+                  <a:tileRect/>
+                </a:gradFill>
+                <a:ln w="38100">
+                  <a:gradFill>
+                    <a:gsLst>
+                      <a:gs pos="25000">
+                        <a:schemeClr val="bg1">
+                          <a:alpha val="0"/>
+                          <a:lumMod val="60000"/>
+                          <a:lumOff val="40000"/>
+                        </a:schemeClr>
+                      </a:gs>
+                      <a:gs pos="100000">
+                        <a:schemeClr val="bg1">
+                          <a:alpha val="85000"/>
+                          <a:lumMod val="60000"/>
+                          <a:lumOff val="40000"/>
+                        </a:schemeClr>
+                      </a:gs>
+                      <a:gs pos="50000">
+                        <a:schemeClr val="bg1">
+                          <a:lumMod val="60000"/>
+                          <a:lumOff val="40000"/>
+                          <a:alpha val="50000"/>
+                        </a:schemeClr>
+                      </a:gs>
+                    </a:gsLst>
+                    <a:lin ang="8100000" scaled="0"/>
+                  </a:gradFill>
+                </a:ln>
+                <a:effectLst/>
+              </p:spPr>
+              <p:style>
+                <a:lnRef idx="2">
+                  <a:schemeClr val="accent1">
+                    <a:shade val="50000"/>
+                  </a:schemeClr>
+                </a:lnRef>
+                <a:fillRef idx="1">
+                  <a:schemeClr val="accent1"/>
+                </a:fillRef>
+                <a:effectRef idx="0">
+                  <a:schemeClr val="accent1"/>
+                </a:effectRef>
+                <a:fontRef idx="minor">
+                  <a:schemeClr val="lt1"/>
+                </a:fontRef>
+              </p:style>
+              <p:txBody>
+                <a:bodyPr rtlCol="0" anchor="ctr"/>
+                <a:lstStyle/>
+                <a:p>
+                  <a:pPr algn="ctr"/>
+                  <a:endParaRPr lang="zh-CN" altLang="en-US" sz="2704" dirty="0"/>
+                </a:p>
+              </p:txBody>
+            </p:sp>
+            <p:sp>
+              <p:nvSpPr>
+                <p:cNvPr id="30" name="泪滴形 7">
+                  <a:extLst>
+                    <a:ext uri="{FF2B5EF4-FFF2-40B4-BE49-F238E27FC236}">
+                      <a16:creationId xmlns:a16="http://schemas.microsoft.com/office/drawing/2014/main" id="{9D0BABC0-FA80-1C4C-4117-C7D40D0B6A07}"/>
+                    </a:ext>
+                  </a:extLst>
+                </p:cNvPr>
+                <p:cNvSpPr/>
+                <p:nvPr/>
+              </p:nvSpPr>
+              <p:spPr>
+                <a:xfrm rot="13500000">
+                  <a:off x="6714132" y="2218508"/>
+                  <a:ext cx="2420983" cy="2420983"/>
+                </a:xfrm>
+                <a:prstGeom prst="teardrop">
+                  <a:avLst/>
+                </a:prstGeom>
+                <a:gradFill flip="none" rotWithShape="1">
+                  <a:gsLst>
+                    <a:gs pos="0">
+                      <a:schemeClr val="accent6">
+                        <a:alpha val="0"/>
+                        <a:lumMod val="60000"/>
+                        <a:lumOff val="40000"/>
+                      </a:schemeClr>
+                    </a:gs>
+                    <a:gs pos="50000">
+                      <a:schemeClr val="accent6">
+                        <a:lumMod val="60000"/>
+                        <a:lumOff val="40000"/>
+                        <a:alpha val="85000"/>
+                      </a:schemeClr>
+                    </a:gs>
+                    <a:gs pos="100000">
+                      <a:schemeClr val="accent6">
+                        <a:lumMod val="60000"/>
+                        <a:lumOff val="40000"/>
+                      </a:schemeClr>
+                    </a:gs>
+                  </a:gsLst>
+                  <a:lin ang="8100000" scaled="0"/>
+                  <a:tileRect/>
+                </a:gradFill>
+                <a:ln w="38100">
+                  <a:gradFill>
+                    <a:gsLst>
+                      <a:gs pos="25000">
+                        <a:schemeClr val="bg1">
+                          <a:alpha val="0"/>
+                          <a:lumMod val="60000"/>
+                          <a:lumOff val="40000"/>
+                        </a:schemeClr>
+                      </a:gs>
+                      <a:gs pos="100000">
+                        <a:schemeClr val="bg1">
+                          <a:alpha val="85000"/>
+                          <a:lumMod val="60000"/>
+                          <a:lumOff val="40000"/>
+                        </a:schemeClr>
+                      </a:gs>
+                      <a:gs pos="50000">
+                        <a:schemeClr val="bg1">
+                          <a:lumMod val="60000"/>
+                          <a:lumOff val="40000"/>
+                          <a:alpha val="50000"/>
+                        </a:schemeClr>
+                      </a:gs>
+                    </a:gsLst>
+                    <a:lin ang="8100000" scaled="0"/>
+                  </a:gradFill>
+                </a:ln>
+                <a:effectLst/>
+              </p:spPr>
+              <p:style>
+                <a:lnRef idx="2">
+                  <a:schemeClr val="accent1">
+                    <a:shade val="50000"/>
+                  </a:schemeClr>
+                </a:lnRef>
+                <a:fillRef idx="1">
+                  <a:schemeClr val="accent1"/>
+                </a:fillRef>
+                <a:effectRef idx="0">
+                  <a:schemeClr val="accent1"/>
+                </a:effectRef>
+                <a:fontRef idx="minor">
+                  <a:schemeClr val="lt1"/>
+                </a:fontRef>
+              </p:style>
+              <p:txBody>
+                <a:bodyPr rtlCol="0" anchor="ctr"/>
+                <a:lstStyle/>
+                <a:p>
+                  <a:pPr algn="ctr"/>
+                  <a:endParaRPr lang="zh-CN" altLang="en-US" sz="2704" dirty="0"/>
+                </a:p>
+              </p:txBody>
+            </p:sp>
+          </p:grpSp>
+          <p:pic>
+            <p:nvPicPr>
+              <p:cNvPr id="23" name="图片 10" descr="形状&#10;&#10;中度可信度描述已自动生成">
+                <a:extLst>
+                  <a:ext uri="{FF2B5EF4-FFF2-40B4-BE49-F238E27FC236}">
+                    <a16:creationId xmlns:a16="http://schemas.microsoft.com/office/drawing/2014/main" id="{D6116B46-BCA0-451B-E20F-91A2DDF3D993}"/>
+                  </a:ext>
+                </a:extLst>
+              </p:cNvPr>
+              <p:cNvPicPr>
+                <a:picLocks noChangeAspect="1"/>
+              </p:cNvPicPr>
+              <p:nvPr/>
+            </p:nvPicPr>
+            <p:blipFill>
+              <a:blip r:embed="rId7">
+                <a:extLst>
+                  <a:ext uri="{28A0092B-C50C-407E-A947-70E740481C1C}">
+                    <a14:useLocalDpi xmlns:a14="http://schemas.microsoft.com/office/drawing/2010/main" val="0"/>
+                  </a:ext>
+                </a:extLst>
+              </a:blip>
+              <a:stretch>
+                <a:fillRect/>
+              </a:stretch>
+            </p:blipFill>
+            <p:spPr>
+              <a:xfrm>
+                <a:off x="4001329" y="4785059"/>
+                <a:ext cx="4189331" cy="701582"/>
+              </a:xfrm>
+              <a:prstGeom prst="rect">
+                <a:avLst/>
+              </a:prstGeom>
+            </p:spPr>
+          </p:pic>
+          <p:pic>
+            <p:nvPicPr>
+              <p:cNvPr id="24" name="图片 12" descr="形状&#10;&#10;中度可信度描述已自动生成">
+                <a:extLst>
+                  <a:ext uri="{FF2B5EF4-FFF2-40B4-BE49-F238E27FC236}">
+                    <a16:creationId xmlns:a16="http://schemas.microsoft.com/office/drawing/2014/main" id="{2CA2E838-9AAB-640A-A91C-511318AB41EE}"/>
+                  </a:ext>
+                </a:extLst>
+              </p:cNvPr>
+              <p:cNvPicPr>
+                <a:picLocks noChangeAspect="1"/>
+              </p:cNvPicPr>
+              <p:nvPr/>
+            </p:nvPicPr>
+            <p:blipFill>
+              <a:blip r:embed="rId8">
+                <a:extLst>
+                  <a:ext uri="{28A0092B-C50C-407E-A947-70E740481C1C}">
+                    <a14:useLocalDpi xmlns:a14="http://schemas.microsoft.com/office/drawing/2010/main" val="0"/>
+                  </a:ext>
+                </a:extLst>
+              </a:blip>
+              <a:stretch>
+                <a:fillRect/>
+              </a:stretch>
+            </p:blipFill>
+            <p:spPr>
+              <a:xfrm>
+                <a:off x="4001330" y="1366313"/>
+                <a:ext cx="4189331" cy="701582"/>
+              </a:xfrm>
+              <a:prstGeom prst="rect">
+                <a:avLst/>
+              </a:prstGeom>
+            </p:spPr>
+          </p:pic>
+          <p:pic>
+            <p:nvPicPr>
+              <p:cNvPr id="25" name="图片 14" descr="形状&#10;&#10;中度可信度描述已自动生成">
+                <a:extLst>
+                  <a:ext uri="{FF2B5EF4-FFF2-40B4-BE49-F238E27FC236}">
+                    <a16:creationId xmlns:a16="http://schemas.microsoft.com/office/drawing/2014/main" id="{899A839B-D335-BD90-8FF5-66F99099515D}"/>
+                  </a:ext>
+                </a:extLst>
+              </p:cNvPr>
+              <p:cNvPicPr>
+                <a:picLocks noChangeAspect="1"/>
+              </p:cNvPicPr>
+              <p:nvPr/>
+            </p:nvPicPr>
+            <p:blipFill>
+              <a:blip r:embed="rId9">
+                <a:extLst>
+                  <a:ext uri="{28A0092B-C50C-407E-A947-70E740481C1C}">
+                    <a14:useLocalDpi xmlns:a14="http://schemas.microsoft.com/office/drawing/2010/main" val="0"/>
+                  </a:ext>
+                </a:extLst>
+              </a:blip>
+              <a:stretch>
+                <a:fillRect/>
+              </a:stretch>
+            </p:blipFill>
+            <p:spPr>
+              <a:xfrm rot="16200000">
+                <a:off x="2325210" y="3083717"/>
+                <a:ext cx="4189331" cy="701582"/>
+              </a:xfrm>
+              <a:prstGeom prst="rect">
+                <a:avLst/>
+              </a:prstGeom>
+            </p:spPr>
+          </p:pic>
+          <p:pic>
+            <p:nvPicPr>
+              <p:cNvPr id="26" name="图片 16" descr="形状&#10;&#10;中度可信度描述已自动生成">
+                <a:extLst>
+                  <a:ext uri="{FF2B5EF4-FFF2-40B4-BE49-F238E27FC236}">
+                    <a16:creationId xmlns:a16="http://schemas.microsoft.com/office/drawing/2014/main" id="{F95ABF31-EF2A-8ACF-3DB4-4F4B99524BCC}"/>
+                  </a:ext>
+                </a:extLst>
+              </p:cNvPr>
+              <p:cNvPicPr>
+                <a:picLocks noChangeAspect="1"/>
+              </p:cNvPicPr>
+              <p:nvPr/>
+            </p:nvPicPr>
+            <p:blipFill>
+              <a:blip r:embed="rId10">
+                <a:extLst>
+                  <a:ext uri="{28A0092B-C50C-407E-A947-70E740481C1C}">
+                    <a14:useLocalDpi xmlns:a14="http://schemas.microsoft.com/office/drawing/2010/main" val="0"/>
+                  </a:ext>
+                </a:extLst>
+              </a:blip>
+              <a:stretch>
+                <a:fillRect/>
+              </a:stretch>
+            </p:blipFill>
+            <p:spPr>
+              <a:xfrm rot="5400000">
+                <a:off x="5677452" y="3078207"/>
+                <a:ext cx="4189331" cy="701582"/>
+              </a:xfrm>
+              <a:prstGeom prst="rect">
+                <a:avLst/>
+              </a:prstGeom>
+            </p:spPr>
+          </p:pic>
+        </p:grpSp>
+        <p:grpSp>
+          <p:nvGrpSpPr>
+            <p:cNvPr id="17" name="Group 16">
+              <a:extLst>
+                <a:ext uri="{FF2B5EF4-FFF2-40B4-BE49-F238E27FC236}">
+                  <a16:creationId xmlns:a16="http://schemas.microsoft.com/office/drawing/2014/main" id="{EA0D6789-2275-E2AD-E63C-4CE9B9F43D3C}"/>
+                </a:ext>
+              </a:extLst>
+            </p:cNvPr>
+            <p:cNvGrpSpPr/>
+            <p:nvPr/>
+          </p:nvGrpSpPr>
+          <p:grpSpPr>
+            <a:xfrm>
+              <a:off x="9123923" y="3636680"/>
+              <a:ext cx="1301408" cy="1540553"/>
+              <a:chOff x="7579941" y="3963212"/>
+              <a:chExt cx="1476117" cy="1747368"/>
+            </a:xfrm>
+          </p:grpSpPr>
+          <p:pic>
+            <p:nvPicPr>
+              <p:cNvPr id="18" name="Picture 8" descr="Big Image - Head Silhouette Clipart, HD Png Download - 2032x2304(#2137798)  - PngFind">
+                <a:extLst>
+                  <a:ext uri="{FF2B5EF4-FFF2-40B4-BE49-F238E27FC236}">
+                    <a16:creationId xmlns:a16="http://schemas.microsoft.com/office/drawing/2014/main" id="{224137AD-8E5A-729C-9063-0AB4971CABC8}"/>
+                  </a:ext>
+                </a:extLst>
+              </p:cNvPr>
+              <p:cNvPicPr>
+                <a:picLocks noChangeAspect="1" noChangeArrowheads="1"/>
+              </p:cNvPicPr>
+              <p:nvPr/>
+            </p:nvPicPr>
+            <p:blipFill>
+              <a:blip r:embed="rId2">
+                <a:extLst>
+                  <a:ext uri="{BEBA8EAE-BF5A-486C-A8C5-ECC9F3942E4B}">
+                    <a14:imgProps xmlns:a14="http://schemas.microsoft.com/office/drawing/2010/main">
+                      <a14:imgLayer r:embed="rId3">
+                        <a14:imgEffect>
+                          <a14:backgroundRemoval t="6956" b="92440" l="1667" r="95000">
+                            <a14:foregroundMark x1="25476" y1="29738" x2="31429" y2="14214"/>
+                            <a14:foregroundMark x1="31429" y1="14214" x2="50119" y2="6956"/>
+                            <a14:foregroundMark x1="50119" y1="6956" x2="52619" y2="7560"/>
+                            <a14:foregroundMark x1="52619" y1="13609" x2="52619" y2="13609"/>
+                            <a14:foregroundMark x1="7381" y1="28226" x2="6786" y2="33468"/>
+                            <a14:foregroundMark x1="43095" y1="92641" x2="43095" y2="92641"/>
+                            <a14:foregroundMark x1="90952" y1="51210" x2="90952" y2="51210"/>
+                            <a14:foregroundMark x1="1667" y1="34577" x2="1667" y2="34577"/>
+                            <a14:foregroundMark x1="95000" y1="52419" x2="95000" y2="52419"/>
+                          </a14:backgroundRemoval>
+                        </a14:imgEffect>
+                      </a14:imgLayer>
+                    </a14:imgProps>
+                  </a:ext>
+                  <a:ext uri="{28A0092B-C50C-407E-A947-70E740481C1C}">
+                    <a14:useLocalDpi xmlns:a14="http://schemas.microsoft.com/office/drawing/2010/main" val="0"/>
+                  </a:ext>
+                </a:extLst>
+              </a:blip>
+              <a:srcRect/>
+              <a:stretch>
+                <a:fillRect/>
+              </a:stretch>
+            </p:blipFill>
+            <p:spPr bwMode="auto">
+              <a:xfrm flipH="1">
+                <a:off x="7579941" y="3963212"/>
+                <a:ext cx="1476117" cy="1747368"/>
+              </a:xfrm>
+              <a:prstGeom prst="rect">
+                <a:avLst/>
+              </a:prstGeom>
+              <a:noFill/>
+              <a:extLst>
+                <a:ext uri="{909E8E84-426E-40DD-AFC4-6F175D3DCCD1}">
+                  <a14:hiddenFill xmlns:a14="http://schemas.microsoft.com/office/drawing/2010/main">
+                    <a:solidFill>
+                      <a:srgbClr val="FFFFFF"/>
+                    </a:solidFill>
+                  </a14:hiddenFill>
+                </a:ext>
+              </a:extLst>
+            </p:spPr>
+          </p:pic>
+          <p:pic>
+            <p:nvPicPr>
+              <p:cNvPr id="19" name="Picture 10">
+                <a:extLst>
+                  <a:ext uri="{FF2B5EF4-FFF2-40B4-BE49-F238E27FC236}">
+                    <a16:creationId xmlns:a16="http://schemas.microsoft.com/office/drawing/2014/main" id="{611E3DF2-C348-C220-AAE9-86525C9A2081}"/>
+                  </a:ext>
+                </a:extLst>
+              </p:cNvPr>
+              <p:cNvPicPr>
+                <a:picLocks noChangeAspect="1" noChangeArrowheads="1"/>
+              </p:cNvPicPr>
+              <p:nvPr/>
+            </p:nvPicPr>
+            <p:blipFill>
+              <a:blip r:embed="rId4">
+                <a:lum bright="70000" contrast="-70000"/>
+                <a:extLst>
+                  <a:ext uri="{28A0092B-C50C-407E-A947-70E740481C1C}">
+                    <a14:useLocalDpi xmlns:a14="http://schemas.microsoft.com/office/drawing/2010/main" val="0"/>
+                  </a:ext>
+                </a:extLst>
+              </a:blip>
+              <a:srcRect/>
+              <a:stretch>
+                <a:fillRect/>
+              </a:stretch>
+            </p:blipFill>
+            <p:spPr bwMode="auto">
+              <a:xfrm>
+                <a:off x="7848979" y="4552711"/>
+                <a:ext cx="261887" cy="261887"/>
+              </a:xfrm>
+              <a:prstGeom prst="rect">
+                <a:avLst/>
+              </a:prstGeom>
+              <a:noFill/>
+              <a:extLst>
+                <a:ext uri="{909E8E84-426E-40DD-AFC4-6F175D3DCCD1}">
+                  <a14:hiddenFill xmlns:a14="http://schemas.microsoft.com/office/drawing/2010/main">
+                    <a:solidFill>
+                      <a:srgbClr val="FFFFFF"/>
+                    </a:solidFill>
+                  </a14:hiddenFill>
+                </a:ext>
+              </a:extLst>
+            </p:spPr>
+          </p:pic>
+        </p:grpSp>
+        <mc:AlternateContent xmlns:mc="http://schemas.openxmlformats.org/markup-compatibility/2006">
+          <mc:Choice xmlns:am3d="http://schemas.microsoft.com/office/drawing/2017/model3d" Requires="am3d">
+            <p:graphicFrame>
+              <p:nvGraphicFramePr>
+                <p:cNvPr id="20" name="3D Model 20" descr="Prism And Basal Pinacoid White">
+                  <a:extLst>
+                    <a:ext uri="{FF2B5EF4-FFF2-40B4-BE49-F238E27FC236}">
+                      <a16:creationId xmlns:a16="http://schemas.microsoft.com/office/drawing/2014/main" id="{51A441BB-C657-1C15-758F-41E5B264D6B4}"/>
+                    </a:ext>
+                  </a:extLst>
+                </p:cNvPr>
+                <p:cNvGraphicFramePr>
+                  <a:graphicFrameLocks noChangeAspect="1"/>
+                </p:cNvGraphicFramePr>
+                <p:nvPr>
+                  <p:extLst>
+                    <p:ext uri="{D42A27DB-BD31-4B8C-83A1-F6EECF244321}">
+                      <p14:modId xmlns:p14="http://schemas.microsoft.com/office/powerpoint/2010/main" val="3125261172"/>
+                    </p:ext>
+                  </p:extLst>
+                </p:nvPr>
+              </p:nvGraphicFramePr>
+              <p:xfrm>
+                <a:off x="7488292" y="1817715"/>
+                <a:ext cx="1359356" cy="1540553"/>
+              </p:xfrm>
+              <a:graphic>
+                <a:graphicData uri="http://schemas.microsoft.com/office/drawing/2017/model3d">
+                  <am3d:model3d r:embed="rId5">
+                    <am3d:spPr>
+                      <a:xfrm>
+                        <a:off x="0" y="0"/>
+                        <a:ext cx="1359356" cy="1540553"/>
+                      </a:xfrm>
+                      <a:prstGeom prst="rect">
+                        <a:avLst/>
+                      </a:prstGeom>
+                      <a:effectLst>
+                        <a:glow rad="259103">
+                          <a:schemeClr val="accent1">
+                            <a:lumMod val="60000"/>
+                            <a:lumOff val="40000"/>
+                            <a:alpha val="62000"/>
+                          </a:schemeClr>
+                        </a:glow>
+                      </a:effectLst>
+                    </am3d:spPr>
+                    <am3d:camera>
+                      <am3d:pos x="0" y="0" z="81469150"/>
+                      <am3d:up dx="0" dy="36000000" dz="0"/>
+                      <am3d:lookAt x="0" y="0" z="0"/>
+                      <am3d:perspective fov="2700000"/>
+                    </am3d:camera>
+                    <am3d:trans>
+                      <am3d:meterPerModelUnit n="139970" d="1000000"/>
+                      <am3d:preTrans dx="-76" dy="-17999982" dz="1"/>
+                      <am3d:scale>
+                        <am3d:sx n="1000000" d="1000000"/>
+                        <am3d:sy n="1000000" d="1000000"/>
+                        <am3d:sz n="1000000" d="1000000"/>
+                      </am3d:scale>
+                      <am3d:rot ax="-2183283" ay="2913714" az="9064903"/>
+                      <am3d:postTrans dx="0" dy="0" dz="0"/>
+                    </am3d:trans>
+                    <am3d:raster rName="Office3DRenderer" rVer="16.0.8326">
+                      <am3d:blip r:embed="rId11"/>
+                    </am3d:raster>
+                    <am3d:objViewport viewportSz="1581525"/>
+                    <am3d:ambientLight>
+                      <am3d:clr>
+                        <a:scrgbClr r="50000" g="50000" b="50000"/>
+                      </am3d:clr>
+                      <am3d:illuminance n="500000" d="1000000"/>
+                    </am3d:ambientLight>
+                    <am3d:ptLight rad="0">
+                      <am3d:clr>
+                        <a:scrgbClr r="100000" g="75000" b="50000"/>
+                      </am3d:clr>
+                      <am3d:intensity n="9765625" d="1000000"/>
+                      <am3d:pos x="21959998" y="70920001" z="16344003"/>
+                    </am3d:ptLight>
+                    <am3d:ptLight rad="0">
+                      <am3d:clr>
+                        <a:scrgbClr r="40000" g="60000" b="95000"/>
+                      </am3d:clr>
+                      <am3d:intensity n="12250000" d="1000000"/>
+                      <am3d:pos x="-37964106" y="51130435" z="57631972"/>
+                    </am3d:ptLight>
+                    <am3d:ptLight rad="0">
+                      <am3d:clr>
+                        <a:scrgbClr r="86837" g="72700" b="100000"/>
+                      </am3d:clr>
+                      <am3d:intensity n="3125000" d="1000000"/>
+                      <am3d:pos x="-37739122" y="58056624" z="-34769649"/>
+                    </am3d:ptLight>
+                  </am3d:model3d>
+                </a:graphicData>
+              </a:graphic>
+            </p:graphicFrame>
+          </mc:Choice>
+          <mc:Fallback>
+            <p:pic>
+              <p:nvPicPr>
+                <p:cNvPr id="20" name="3D Model 20" descr="Prism And Basal Pinacoid White">
+                  <a:extLst>
+                    <a:ext uri="{FF2B5EF4-FFF2-40B4-BE49-F238E27FC236}">
+                      <a16:creationId xmlns:a16="http://schemas.microsoft.com/office/drawing/2014/main" id="{51A441BB-C657-1C15-758F-41E5B264D6B4}"/>
+                    </a:ext>
+                  </a:extLst>
+                </p:cNvPr>
+                <p:cNvPicPr>
+                  <a:picLocks noGrp="1" noRot="1" noChangeAspect="1" noMove="1" noResize="1" noEditPoints="1" noAdjustHandles="1" noChangeArrowheads="1" noChangeShapeType="1" noCrop="1"/>
+                </p:cNvPicPr>
+                <p:nvPr/>
+              </p:nvPicPr>
+              <p:blipFill>
+                <a:blip r:embed="rId11"/>
+                <a:stretch>
+                  <a:fillRect/>
+                </a:stretch>
+              </p:blipFill>
+              <p:spPr>
+                <a:xfrm>
+                  <a:off x="7488292" y="1817715"/>
+                  <a:ext cx="1359356" cy="1540553"/>
+                </a:xfrm>
+                <a:prstGeom prst="rect">
+                  <a:avLst/>
+                </a:prstGeom>
+                <a:effectLst>
+                  <a:glow rad="259103">
+                    <a:schemeClr val="accent1">
+                      <a:lumMod val="60000"/>
+                      <a:lumOff val="40000"/>
+                      <a:alpha val="62000"/>
+                    </a:schemeClr>
+                  </a:glow>
+                </a:effectLst>
+              </p:spPr>
+            </p:pic>
+          </mc:Fallback>
+        </mc:AlternateContent>
+        <p:grpSp>
+          <p:nvGrpSpPr>
+            <p:cNvPr id="5" name="Group 4">
+              <a:extLst>
+                <a:ext uri="{FF2B5EF4-FFF2-40B4-BE49-F238E27FC236}">
+                  <a16:creationId xmlns:a16="http://schemas.microsoft.com/office/drawing/2014/main" id="{8A43AC7A-2F1A-4D35-ABFD-764667423E79}"/>
+                </a:ext>
+              </a:extLst>
+            </p:cNvPr>
+            <p:cNvGrpSpPr/>
+            <p:nvPr/>
+          </p:nvGrpSpPr>
+          <p:grpSpPr>
+            <a:xfrm>
+              <a:off x="7682458" y="510266"/>
+              <a:ext cx="1163841" cy="1163841"/>
+              <a:chOff x="9011535" y="540003"/>
+              <a:chExt cx="614855" cy="614855"/>
+            </a:xfrm>
+          </p:grpSpPr>
+          <p:pic>
+            <p:nvPicPr>
+              <p:cNvPr id="2" name="Picture 1" descr="Shape, circle&#10;&#10;Description automatically generated">
+                <a:extLst>
+                  <a:ext uri="{FF2B5EF4-FFF2-40B4-BE49-F238E27FC236}">
+                    <a16:creationId xmlns:a16="http://schemas.microsoft.com/office/drawing/2014/main" id="{3FD90255-13EF-B09B-2F59-B708141E71C3}"/>
+                  </a:ext>
+                </a:extLst>
+              </p:cNvPr>
+              <p:cNvPicPr>
+                <a:picLocks noChangeAspect="1"/>
+              </p:cNvPicPr>
+              <p:nvPr/>
+            </p:nvPicPr>
+            <p:blipFill>
+              <a:blip r:embed="rId12"/>
+              <a:stretch>
+                <a:fillRect/>
+              </a:stretch>
+            </p:blipFill>
+            <p:spPr>
+              <a:xfrm>
+                <a:off x="9011535" y="540003"/>
+                <a:ext cx="614855" cy="614855"/>
+              </a:xfrm>
+              <a:prstGeom prst="rect">
+                <a:avLst/>
+              </a:prstGeom>
+            </p:spPr>
+          </p:pic>
+          <p:pic>
+            <p:nvPicPr>
+              <p:cNvPr id="4" name="Picture 3" descr="Shape, circle&#10;&#10;Description automatically generated">
+                <a:extLst>
+                  <a:ext uri="{FF2B5EF4-FFF2-40B4-BE49-F238E27FC236}">
+                    <a16:creationId xmlns:a16="http://schemas.microsoft.com/office/drawing/2014/main" id="{6E88F173-4FDD-352F-CB11-C87B86749FE8}"/>
+                  </a:ext>
+                </a:extLst>
+              </p:cNvPr>
+              <p:cNvPicPr>
+                <a:picLocks noChangeAspect="1"/>
+              </p:cNvPicPr>
+              <p:nvPr/>
+            </p:nvPicPr>
+            <p:blipFill>
+              <a:blip r:embed="rId13"/>
+              <a:stretch>
+                <a:fillRect/>
+              </a:stretch>
+            </p:blipFill>
+            <p:spPr>
+              <a:xfrm>
+                <a:off x="9149865" y="678332"/>
+                <a:ext cx="338196" cy="338196"/>
+              </a:xfrm>
+              <a:prstGeom prst="rect">
+                <a:avLst/>
+              </a:prstGeom>
+            </p:spPr>
+          </p:pic>
+        </p:grpSp>
+        <p:cxnSp>
+          <p:nvCxnSpPr>
+            <p:cNvPr id="3" name="Straight Connector 2">
+              <a:extLst>
+                <a:ext uri="{FF2B5EF4-FFF2-40B4-BE49-F238E27FC236}">
+                  <a16:creationId xmlns:a16="http://schemas.microsoft.com/office/drawing/2014/main" id="{4B2FC4B9-EBEC-8F05-0DD3-D10C1CF0AFA7}"/>
+                </a:ext>
+              </a:extLst>
+            </p:cNvPr>
+            <p:cNvCxnSpPr>
+              <a:cxnSpLocks/>
+            </p:cNvCxnSpPr>
+            <p:nvPr/>
+          </p:nvCxnSpPr>
+          <p:spPr>
+            <a:xfrm>
+              <a:off x="8249125" y="1039602"/>
+              <a:ext cx="1195125" cy="3158789"/>
+            </a:xfrm>
+            <a:prstGeom prst="line">
+              <a:avLst/>
+            </a:prstGeom>
+            <a:ln w="28575">
+              <a:solidFill>
+                <a:schemeClr val="bg1">
+                  <a:lumMod val="65000"/>
+                </a:schemeClr>
+              </a:solidFill>
+              <a:headEnd type="arrow"/>
+            </a:ln>
+          </p:spPr>
+          <p:style>
+            <a:lnRef idx="1">
+              <a:schemeClr val="dk1"/>
+            </a:lnRef>
+            <a:fillRef idx="0">
+              <a:schemeClr val="dk1"/>
+            </a:fillRef>
+            <a:effectRef idx="0">
+              <a:schemeClr val="dk1"/>
+            </a:effectRef>
+            <a:fontRef idx="minor">
+              <a:schemeClr val="tx1"/>
+            </a:fontRef>
+          </p:style>
+        </p:cxnSp>
+        <p:cxnSp>
+          <p:nvCxnSpPr>
+            <p:cNvPr id="12" name="Straight Connector 11">
+              <a:extLst>
+                <a:ext uri="{FF2B5EF4-FFF2-40B4-BE49-F238E27FC236}">
+                  <a16:creationId xmlns:a16="http://schemas.microsoft.com/office/drawing/2014/main" id="{5EEB2FEB-B84D-EA19-93F5-D9ADA811D272}"/>
+                </a:ext>
+              </a:extLst>
+            </p:cNvPr>
+            <p:cNvCxnSpPr>
+              <a:cxnSpLocks/>
+            </p:cNvCxnSpPr>
+            <p:nvPr/>
+          </p:nvCxnSpPr>
+          <p:spPr>
+            <a:xfrm>
+              <a:off x="8246571" y="2706093"/>
+              <a:ext cx="1206890" cy="1488401"/>
+            </a:xfrm>
+            <a:prstGeom prst="line">
+              <a:avLst/>
+            </a:prstGeom>
+            <a:ln w="28575">
+              <a:solidFill>
+                <a:schemeClr val="bg1">
+                  <a:lumMod val="65000"/>
+                </a:schemeClr>
+              </a:solidFill>
+              <a:prstDash val="sysDot"/>
+              <a:headEnd type="arrow"/>
+            </a:ln>
+          </p:spPr>
+          <p:style>
+            <a:lnRef idx="1">
+              <a:schemeClr val="dk1"/>
+            </a:lnRef>
+            <a:fillRef idx="0">
+              <a:schemeClr val="dk1"/>
+            </a:fillRef>
+            <a:effectRef idx="0">
+              <a:schemeClr val="dk1"/>
+            </a:effectRef>
+            <a:fontRef idx="minor">
+              <a:schemeClr val="tx1"/>
+            </a:fontRef>
+          </p:style>
+        </p:cxnSp>
+        <p:grpSp>
+          <p:nvGrpSpPr>
+            <p:cNvPr id="70" name="Group 69">
+              <a:extLst>
+                <a:ext uri="{FF2B5EF4-FFF2-40B4-BE49-F238E27FC236}">
+                  <a16:creationId xmlns:a16="http://schemas.microsoft.com/office/drawing/2014/main" id="{F38C702A-F431-D1BF-FF71-3423BB21C085}"/>
+                </a:ext>
+              </a:extLst>
+            </p:cNvPr>
+            <p:cNvGrpSpPr/>
+            <p:nvPr/>
+          </p:nvGrpSpPr>
+          <p:grpSpPr>
+            <a:xfrm>
+              <a:off x="5542821" y="-235531"/>
+              <a:ext cx="5452545" cy="5645374"/>
+              <a:chOff x="5004628" y="1116776"/>
+              <a:chExt cx="3629988" cy="3758363"/>
+            </a:xfrm>
+          </p:grpSpPr>
+          <p:grpSp>
+            <p:nvGrpSpPr>
+              <p:cNvPr id="66" name="Group 65">
+                <a:extLst>
+                  <a:ext uri="{FF2B5EF4-FFF2-40B4-BE49-F238E27FC236}">
+                    <a16:creationId xmlns:a16="http://schemas.microsoft.com/office/drawing/2014/main" id="{9BF9FE14-7E1C-7C25-7068-CE6571DBAEB4}"/>
+                  </a:ext>
+                </a:extLst>
+              </p:cNvPr>
+              <p:cNvGrpSpPr>
+                <a:grpSpLocks noChangeAspect="1"/>
+              </p:cNvGrpSpPr>
+              <p:nvPr/>
+            </p:nvGrpSpPr>
+            <p:grpSpPr>
+              <a:xfrm>
+                <a:off x="5004628" y="1275139"/>
+                <a:ext cx="3600000" cy="3600000"/>
+                <a:chOff x="5196000" y="2529000"/>
+                <a:chExt cx="1800000" cy="1800000"/>
+              </a:xfrm>
+            </p:grpSpPr>
+            <p:cxnSp>
+              <p:nvCxnSpPr>
+                <p:cNvPr id="63" name="Straight Arrow Connector 62">
+                  <a:extLst>
+                    <a:ext uri="{FF2B5EF4-FFF2-40B4-BE49-F238E27FC236}">
+                      <a16:creationId xmlns:a16="http://schemas.microsoft.com/office/drawing/2014/main" id="{EE760481-29A2-7D17-4B97-CF8436E9DA05}"/>
+                    </a:ext>
+                  </a:extLst>
+                </p:cNvPr>
+                <p:cNvCxnSpPr>
+                  <a:cxnSpLocks/>
+                </p:cNvCxnSpPr>
+                <p:nvPr/>
+              </p:nvCxnSpPr>
+              <p:spPr>
+                <a:xfrm>
+                  <a:off x="5196000" y="3429000"/>
+                  <a:ext cx="1800000" cy="0"/>
+                </a:xfrm>
+                <a:prstGeom prst="straightConnector1">
+                  <a:avLst/>
+                </a:prstGeom>
+                <a:ln>
+                  <a:tailEnd type="triangle"/>
+                </a:ln>
+              </p:spPr>
+              <p:style>
+                <a:lnRef idx="1">
+                  <a:schemeClr val="accent1"/>
+                </a:lnRef>
+                <a:fillRef idx="0">
+                  <a:schemeClr val="accent1"/>
+                </a:fillRef>
+                <a:effectRef idx="0">
+                  <a:schemeClr val="accent1"/>
+                </a:effectRef>
+                <a:fontRef idx="minor">
+                  <a:schemeClr val="tx1"/>
+                </a:fontRef>
+              </p:style>
+            </p:cxnSp>
+            <p:cxnSp>
+              <p:nvCxnSpPr>
+                <p:cNvPr id="64" name="Straight Arrow Connector 63">
+                  <a:extLst>
+                    <a:ext uri="{FF2B5EF4-FFF2-40B4-BE49-F238E27FC236}">
+                      <a16:creationId xmlns:a16="http://schemas.microsoft.com/office/drawing/2014/main" id="{3BE1065D-936B-396E-F45D-6E29D33127CC}"/>
+                    </a:ext>
+                  </a:extLst>
+                </p:cNvPr>
+                <p:cNvCxnSpPr>
+                  <a:cxnSpLocks/>
+                </p:cNvCxnSpPr>
+                <p:nvPr/>
+              </p:nvCxnSpPr>
+              <p:spPr>
+                <a:xfrm flipV="1">
+                  <a:off x="6096000" y="2529000"/>
+                  <a:ext cx="0" cy="1800000"/>
+                </a:xfrm>
+                <a:prstGeom prst="straightConnector1">
+                  <a:avLst/>
+                </a:prstGeom>
+                <a:ln>
+                  <a:tailEnd type="triangle"/>
+                </a:ln>
+              </p:spPr>
+              <p:style>
+                <a:lnRef idx="1">
+                  <a:schemeClr val="accent1"/>
+                </a:lnRef>
+                <a:fillRef idx="0">
+                  <a:schemeClr val="accent1"/>
+                </a:fillRef>
+                <a:effectRef idx="0">
+                  <a:schemeClr val="accent1"/>
+                </a:effectRef>
+                <a:fontRef idx="minor">
+                  <a:schemeClr val="tx1"/>
+                </a:fontRef>
+              </p:style>
+            </p:cxnSp>
+          </p:grpSp>
+          <p:sp>
+            <p:nvSpPr>
+              <p:cNvPr id="68" name="TextBox 67">
+                <a:extLst>
+                  <a:ext uri="{FF2B5EF4-FFF2-40B4-BE49-F238E27FC236}">
+                    <a16:creationId xmlns:a16="http://schemas.microsoft.com/office/drawing/2014/main" id="{693AB8AD-F13C-E48A-ECBA-11E5BE4ECE43}"/>
+                  </a:ext>
+                </a:extLst>
+              </p:cNvPr>
+              <p:cNvSpPr txBox="1"/>
+              <p:nvPr/>
+            </p:nvSpPr>
+            <p:spPr>
+              <a:xfrm>
+                <a:off x="6808625" y="1116776"/>
+                <a:ext cx="213651" cy="338512"/>
+              </a:xfrm>
+              <a:prstGeom prst="rect">
+                <a:avLst/>
+              </a:prstGeom>
+              <a:noFill/>
+            </p:spPr>
+            <p:txBody>
+              <a:bodyPr wrap="none" rtlCol="0">
+                <a:spAutoFit/>
+              </a:bodyPr>
+              <a:lstStyle/>
+              <a:p>
+                <a:r>
+                  <a:rPr lang="en-CN" sz="2704" dirty="0">
+                    <a:solidFill>
+                      <a:schemeClr val="accent1"/>
+                    </a:solidFill>
+                    <a:latin typeface="Goudy Old Style" panose="02020502050305020303" pitchFamily="18" charset="77"/>
+                    <a:cs typeface="Sathu" pitchFamily="2" charset="-34"/>
+                  </a:rPr>
+                  <a:t>y</a:t>
+                </a:r>
+              </a:p>
+            </p:txBody>
+          </p:sp>
+          <p:sp>
+            <p:nvSpPr>
+              <p:cNvPr id="69" name="TextBox 68">
+                <a:extLst>
+                  <a:ext uri="{FF2B5EF4-FFF2-40B4-BE49-F238E27FC236}">
+                    <a16:creationId xmlns:a16="http://schemas.microsoft.com/office/drawing/2014/main" id="{3132D16D-88C6-9A85-71FE-48334D060536}"/>
+                  </a:ext>
+                </a:extLst>
+              </p:cNvPr>
+              <p:cNvSpPr txBox="1"/>
+              <p:nvPr/>
+            </p:nvSpPr>
+            <p:spPr>
+              <a:xfrm>
+                <a:off x="8411361" y="3008559"/>
+                <a:ext cx="223255" cy="338512"/>
+              </a:xfrm>
+              <a:prstGeom prst="rect">
+                <a:avLst/>
+              </a:prstGeom>
+              <a:noFill/>
+            </p:spPr>
+            <p:txBody>
+              <a:bodyPr wrap="none" rtlCol="0">
+                <a:spAutoFit/>
+              </a:bodyPr>
+              <a:lstStyle/>
+              <a:p>
+                <a:r>
+                  <a:rPr lang="en-CN" sz="2704" dirty="0">
+                    <a:solidFill>
+                      <a:schemeClr val="accent1"/>
+                    </a:solidFill>
+                    <a:latin typeface="Goudy Old Style" panose="02020502050305020303" pitchFamily="18" charset="77"/>
+                    <a:cs typeface="Sathu" pitchFamily="2" charset="-34"/>
+                  </a:rPr>
+                  <a:t>x</a:t>
+                </a:r>
+              </a:p>
+            </p:txBody>
+          </p:sp>
+        </p:grpSp>
+        <p:sp>
+          <p:nvSpPr>
+            <p:cNvPr id="88" name="Arc 87">
+              <a:extLst>
+                <a:ext uri="{FF2B5EF4-FFF2-40B4-BE49-F238E27FC236}">
+                  <a16:creationId xmlns:a16="http://schemas.microsoft.com/office/drawing/2014/main" id="{85C16022-7E30-63B6-C214-AF121F4B4D67}"/>
+                </a:ext>
+              </a:extLst>
+            </p:cNvPr>
+            <p:cNvSpPr/>
+            <p:nvPr/>
+          </p:nvSpPr>
+          <p:spPr>
+            <a:xfrm>
+              <a:off x="8324869" y="2615824"/>
+              <a:ext cx="1373505" cy="1373505"/>
+            </a:xfrm>
+            <a:prstGeom prst="arc">
+              <a:avLst>
+                <a:gd name="adj1" fmla="val 13244703"/>
+                <a:gd name="adj2" fmla="val 15036454"/>
+              </a:avLst>
+            </a:prstGeom>
+            <a:ln w="50800">
+              <a:solidFill>
+                <a:srgbClr val="FF0000"/>
+              </a:solidFill>
+              <a:tailEnd type="triangle"/>
+            </a:ln>
+          </p:spPr>
+          <p:style>
+            <a:lnRef idx="1">
+              <a:schemeClr val="accent1"/>
+            </a:lnRef>
+            <a:fillRef idx="0">
+              <a:schemeClr val="accent1"/>
+            </a:fillRef>
+            <a:effectRef idx="0">
+              <a:schemeClr val="accent1"/>
+            </a:effectRef>
+            <a:fontRef idx="minor">
+              <a:schemeClr val="tx1"/>
+            </a:fontRef>
+          </p:style>
+          <p:txBody>
+            <a:bodyPr rtlCol="0" anchor="ctr"/>
+            <a:lstStyle/>
+            <a:p>
+              <a:pPr algn="ctr"/>
+              <a:endParaRPr lang="en-CN" sz="2704"/>
+            </a:p>
+          </p:txBody>
+        </p:sp>
+        <p:sp>
+          <p:nvSpPr>
+            <p:cNvPr id="94" name="TextBox 93">
+              <a:extLst>
+                <a:ext uri="{FF2B5EF4-FFF2-40B4-BE49-F238E27FC236}">
+                  <a16:creationId xmlns:a16="http://schemas.microsoft.com/office/drawing/2014/main" id="{27576097-E39C-DA99-0339-F072CBAC8AE4}"/>
+                </a:ext>
+              </a:extLst>
+            </p:cNvPr>
+            <p:cNvSpPr txBox="1"/>
+            <p:nvPr/>
+          </p:nvSpPr>
+          <p:spPr>
+            <a:xfrm>
+              <a:off x="9772773" y="3255979"/>
+              <a:ext cx="1395318" cy="369332"/>
+            </a:xfrm>
+            <a:prstGeom prst="rect">
+              <a:avLst/>
+            </a:prstGeom>
+            <a:noFill/>
+          </p:spPr>
+          <p:txBody>
+            <a:bodyPr wrap="none" rtlCol="0">
+              <a:spAutoFit/>
+            </a:bodyPr>
+            <a:lstStyle/>
+            <a:p>
+              <a:r>
+                <a:rPr lang="en-US" dirty="0">
+                  <a:solidFill>
+                    <a:schemeClr val="bg1">
+                      <a:lumMod val="65000"/>
+                    </a:schemeClr>
+                  </a:solidFill>
+                </a:rPr>
+                <a:t>gaze forward</a:t>
+              </a:r>
+              <a:endParaRPr lang="en-CN" dirty="0">
+                <a:solidFill>
+                  <a:schemeClr val="bg1">
+                    <a:lumMod val="65000"/>
+                  </a:schemeClr>
+                </a:solidFill>
+              </a:endParaRPr>
+            </a:p>
+          </p:txBody>
+        </p:sp>
+        <p:grpSp>
+          <p:nvGrpSpPr>
+            <p:cNvPr id="99" name="Group 98">
+              <a:extLst>
+                <a:ext uri="{FF2B5EF4-FFF2-40B4-BE49-F238E27FC236}">
+                  <a16:creationId xmlns:a16="http://schemas.microsoft.com/office/drawing/2014/main" id="{2681589E-8F31-CA60-D057-E0B290AAF072}"/>
+                </a:ext>
+              </a:extLst>
+            </p:cNvPr>
+            <p:cNvGrpSpPr/>
+            <p:nvPr/>
+          </p:nvGrpSpPr>
+          <p:grpSpPr>
+            <a:xfrm>
+              <a:off x="11939954" y="-234697"/>
+              <a:ext cx="5601860" cy="5644800"/>
+              <a:chOff x="12406484" y="26564"/>
+              <a:chExt cx="5601860" cy="5644800"/>
+            </a:xfrm>
+          </p:grpSpPr>
+          <p:grpSp>
+            <p:nvGrpSpPr>
+              <p:cNvPr id="86" name="Group 85">
+                <a:extLst>
+                  <a:ext uri="{FF2B5EF4-FFF2-40B4-BE49-F238E27FC236}">
+                    <a16:creationId xmlns:a16="http://schemas.microsoft.com/office/drawing/2014/main" id="{D5CAB410-8211-24AA-F6D4-4AB9DB5E2C86}"/>
+                  </a:ext>
+                </a:extLst>
+              </p:cNvPr>
+              <p:cNvGrpSpPr/>
+              <p:nvPr/>
+            </p:nvGrpSpPr>
+            <p:grpSpPr>
+              <a:xfrm>
+                <a:off x="12406484" y="26564"/>
+                <a:ext cx="5452545" cy="5644800"/>
+                <a:chOff x="8265119" y="1084119"/>
+                <a:chExt cx="3629988" cy="3758363"/>
               </a:xfrm>
             </p:grpSpPr>
             <p:grpSp>
               <p:nvGrpSpPr>
-                <p:cNvPr id="58" name="Group 57">
+                <p:cNvPr id="48" name="Group 47">
                   <a:extLst>
                     <a:ext uri="{FF2B5EF4-FFF2-40B4-BE49-F238E27FC236}">
-                      <a16:creationId xmlns:a16="http://schemas.microsoft.com/office/drawing/2014/main" id="{83A0CF75-BFCA-C2F6-6840-B92DB08B2FA1}"/>
+                      <a16:creationId xmlns:a16="http://schemas.microsoft.com/office/drawing/2014/main" id="{15E7DC55-C157-E440-96E4-404C152D8B1B}"/>
                     </a:ext>
                   </a:extLst>
                 </p:cNvPr>
@@ -4305,18 +6034,18 @@
               </p:nvGrpSpPr>
               <p:grpSpPr>
                 <a:xfrm>
-                  <a:off x="3113013" y="3897941"/>
-                  <a:ext cx="1301408" cy="1540553"/>
+                  <a:off x="10699727" y="3690380"/>
+                  <a:ext cx="866402" cy="1025611"/>
                   <a:chOff x="7579941" y="3963212"/>
                   <a:chExt cx="1476117" cy="1747368"/>
                 </a:xfrm>
               </p:grpSpPr>
               <p:pic>
                 <p:nvPicPr>
-                  <p:cNvPr id="59" name="Picture 8" descr="Big Image - Head Silhouette Clipart, HD Png Download - 2032x2304(#2137798)  - PngFind">
+                  <p:cNvPr id="49" name="Picture 8" descr="Big Image - Head Silhouette Clipart, HD Png Download - 2032x2304(#2137798)  - PngFind">
                     <a:extLst>
                       <a:ext uri="{FF2B5EF4-FFF2-40B4-BE49-F238E27FC236}">
-                        <a16:creationId xmlns:a16="http://schemas.microsoft.com/office/drawing/2014/main" id="{1E99FF68-7A6E-D5F4-794C-CF3B5B5ADA38}"/>
+                        <a16:creationId xmlns:a16="http://schemas.microsoft.com/office/drawing/2014/main" id="{A1EECAC3-A215-5F1E-8B7B-D8675C12BA1D}"/>
                       </a:ext>
                     </a:extLst>
                   </p:cNvPr>
@@ -4379,10 +6108,10 @@
               </p:pic>
               <p:pic>
                 <p:nvPicPr>
-                  <p:cNvPr id="60" name="Picture 10">
+                  <p:cNvPr id="50" name="Picture 10">
                     <a:extLst>
                       <a:ext uri="{FF2B5EF4-FFF2-40B4-BE49-F238E27FC236}">
-                        <a16:creationId xmlns:a16="http://schemas.microsoft.com/office/drawing/2014/main" id="{62413206-C2BF-8C06-C1B4-52FE448291EC}"/>
+                        <a16:creationId xmlns:a16="http://schemas.microsoft.com/office/drawing/2014/main" id="{CECF14F1-C1D0-D05C-0B97-5658597AFFC7}"/>
                       </a:ext>
                     </a:extLst>
                   </p:cNvPr>
@@ -4430,10 +6159,10 @@
               <mc:Choice xmlns:am3d="http://schemas.microsoft.com/office/drawing/2017/model3d" Requires="am3d">
                 <p:graphicFrame>
                   <p:nvGraphicFramePr>
-                    <p:cNvPr id="61" name="3D Model 20" descr="Prism And Basal Pinacoid White">
+                    <p:cNvPr id="51" name="3D Model 20" descr="Prism And Basal Pinacoid White">
                       <a:extLst>
                         <a:ext uri="{FF2B5EF4-FFF2-40B4-BE49-F238E27FC236}">
-                          <a16:creationId xmlns:a16="http://schemas.microsoft.com/office/drawing/2014/main" id="{0ABB1AE0-0091-3B47-D7B8-09EC8855099C}"/>
+                          <a16:creationId xmlns:a16="http://schemas.microsoft.com/office/drawing/2014/main" id="{415012D4-B501-3C57-71B4-828BFDB54502}"/>
                         </a:ext>
                       </a:extLst>
                     </p:cNvPr>
@@ -4443,14 +6172,14 @@
                     <p:nvPr>
                       <p:extLst>
                         <p:ext uri="{D42A27DB-BD31-4B8C-83A1-F6EECF244321}">
-                          <p14:modId xmlns:p14="http://schemas.microsoft.com/office/powerpoint/2010/main" val="3580172194"/>
+                          <p14:modId xmlns:p14="http://schemas.microsoft.com/office/powerpoint/2010/main" val="2854714223"/>
                         </p:ext>
                       </p:extLst>
                     </p:nvPr>
                   </p:nvGraphicFramePr>
                   <p:xfrm>
-                    <a:off x="1477382" y="2078975"/>
-                    <a:ext cx="1359355" cy="1540553"/>
+                    <a:off x="9253628" y="2118815"/>
+                    <a:ext cx="1468083" cy="1663770"/>
                   </p:xfrm>
                   <a:graphic>
                     <a:graphicData uri="http://schemas.microsoft.com/office/drawing/2017/model3d">
@@ -4458,7 +6187,7 @@
                         <am3d:spPr>
                           <a:xfrm>
                             <a:off x="0" y="0"/>
-                            <a:ext cx="1359355" cy="1540553"/>
+                            <a:ext cx="2205183" cy="2498867"/>
                           </a:xfrm>
                           <a:prstGeom prst="rect">
                             <a:avLst/>
@@ -4491,9 +6220,9 @@
                           <am3d:postTrans dx="0" dy="0" dz="0"/>
                         </am3d:trans>
                         <am3d:raster rName="Office3DRenderer" rVer="16.0.8326">
-                          <am3d:blip r:embed="rId6"/>
+                          <am3d:blip r:embed="rId14"/>
                         </am3d:raster>
-                        <am3d:objViewport viewportSz="1581524"/>
+                        <am3d:objViewport viewportSz="2565326"/>
                         <am3d:ambientLight>
                           <am3d:clr>
                             <a:scrgbClr r="50000" g="50000" b="50000"/>
@@ -4529,10 +6258,10 @@
               <mc:Fallback>
                 <p:pic>
                   <p:nvPicPr>
-                    <p:cNvPr id="61" name="3D Model 20" descr="Prism And Basal Pinacoid White">
+                    <p:cNvPr id="51" name="3D Model 20" descr="Prism And Basal Pinacoid White">
                       <a:extLst>
                         <a:ext uri="{FF2B5EF4-FFF2-40B4-BE49-F238E27FC236}">
-                          <a16:creationId xmlns:a16="http://schemas.microsoft.com/office/drawing/2014/main" id="{0ABB1AE0-0091-3B47-D7B8-09EC8855099C}"/>
+                          <a16:creationId xmlns:a16="http://schemas.microsoft.com/office/drawing/2014/main" id="{415012D4-B501-3C57-71B4-828BFDB54502}"/>
                         </a:ext>
                       </a:extLst>
                     </p:cNvPr>
@@ -4542,15 +6271,15 @@
                     <p:nvPr/>
                   </p:nvPicPr>
                   <p:blipFill>
-                    <a:blip r:embed="rId6"/>
+                    <a:blip r:embed="rId14"/>
                     <a:stretch>
                       <a:fillRect/>
                     </a:stretch>
                   </p:blipFill>
                   <p:spPr>
                     <a:xfrm>
-                      <a:off x="966332" y="1792295"/>
-                      <a:ext cx="1359355" cy="1540553"/>
+                      <a:off x="13424777" y="1319344"/>
+                      <a:ext cx="2205183" cy="2498867"/>
                     </a:xfrm>
                     <a:prstGeom prst="rect">
                       <a:avLst/>
@@ -4570,112 +6299,103 @@
             </mc:AlternateContent>
             <p:cxnSp>
               <p:nvCxnSpPr>
-                <p:cNvPr id="91" name="Straight Arrow Connector 90">
+                <p:cNvPr id="52" name="Straight Connector 51">
                   <a:extLst>
                     <a:ext uri="{FF2B5EF4-FFF2-40B4-BE49-F238E27FC236}">
-                      <a16:creationId xmlns:a16="http://schemas.microsoft.com/office/drawing/2014/main" id="{4F691997-033C-7D4C-97C9-3DBAA0456AD2}"/>
+                      <a16:creationId xmlns:a16="http://schemas.microsoft.com/office/drawing/2014/main" id="{EB995193-DA26-E2B3-EF75-3CD163F78F2A}"/>
                     </a:ext>
                   </a:extLst>
                 </p:cNvPr>
-                <p:cNvCxnSpPr/>
+                <p:cNvCxnSpPr>
+                  <a:cxnSpLocks/>
+                </p:cNvCxnSpPr>
                 <p:nvPr/>
               </p:nvCxnSpPr>
               <p:spPr>
-                <a:xfrm flipH="1" flipV="1">
-                  <a:off x="2298863" y="2998950"/>
-                  <a:ext cx="1051345" cy="1410420"/>
+                <a:xfrm flipH="1">
+                  <a:off x="10912982" y="3042481"/>
+                  <a:ext cx="188251" cy="1021854"/>
                 </a:xfrm>
-                <a:prstGeom prst="straightConnector1">
+                <a:prstGeom prst="line">
                   <a:avLst/>
                 </a:prstGeom>
-                <a:ln w="63500">
+                <a:ln w="28575">
                   <a:solidFill>
-                    <a:schemeClr val="tx1"/>
+                    <a:schemeClr val="bg1">
+                      <a:lumMod val="65000"/>
+                    </a:schemeClr>
                   </a:solidFill>
-                  <a:tailEnd type="triangle"/>
+                  <a:headEnd type="arrow"/>
                 </a:ln>
               </p:spPr>
               <p:style>
                 <a:lnRef idx="1">
-                  <a:schemeClr val="accent1"/>
+                  <a:schemeClr val="dk1"/>
                 </a:lnRef>
                 <a:fillRef idx="0">
-                  <a:schemeClr val="accent1"/>
+                  <a:schemeClr val="dk1"/>
                 </a:fillRef>
                 <a:effectRef idx="0">
-                  <a:schemeClr val="accent1"/>
+                  <a:schemeClr val="dk1"/>
                 </a:effectRef>
                 <a:fontRef idx="minor">
                   <a:schemeClr val="tx1"/>
                 </a:fontRef>
               </p:style>
             </p:cxnSp>
-          </p:grpSp>
-          <p:sp>
-            <p:nvSpPr>
-              <p:cNvPr id="93" name="TextBox 92">
-                <a:extLst>
-                  <a:ext uri="{FF2B5EF4-FFF2-40B4-BE49-F238E27FC236}">
-                    <a16:creationId xmlns:a16="http://schemas.microsoft.com/office/drawing/2014/main" id="{760C2318-3331-CCC0-9B5C-DACEA2FDA425}"/>
-                  </a:ext>
-                </a:extLst>
-              </p:cNvPr>
-              <p:cNvSpPr txBox="1"/>
-              <p:nvPr/>
-            </p:nvSpPr>
-            <p:spPr>
-              <a:xfrm>
-                <a:off x="2455236" y="3379171"/>
-                <a:ext cx="1448089" cy="369332"/>
-              </a:xfrm>
-              <a:prstGeom prst="rect">
-                <a:avLst/>
-              </a:prstGeom>
-              <a:noFill/>
-            </p:spPr>
-            <p:txBody>
-              <a:bodyPr wrap="none" rtlCol="0">
-                <a:spAutoFit/>
-              </a:bodyPr>
-              <a:lstStyle/>
-              <a:p>
-                <a:r>
-                  <a:rPr lang="en-US" dirty="0"/>
-                  <a:t>h</a:t>
-                </a:r>
-                <a:r>
-                  <a:rPr lang="en-CN" dirty="0"/>
-                  <a:t>ead forward</a:t>
-                </a:r>
-              </a:p>
-            </p:txBody>
-          </p:sp>
-          <p:grpSp>
-            <p:nvGrpSpPr>
-              <p:cNvPr id="100" name="Group 99">
-                <a:extLst>
-                  <a:ext uri="{FF2B5EF4-FFF2-40B4-BE49-F238E27FC236}">
-                    <a16:creationId xmlns:a16="http://schemas.microsoft.com/office/drawing/2014/main" id="{9FC4BD29-E450-4CF7-6759-72B35926C6D2}"/>
-                  </a:ext>
-                </a:extLst>
-              </p:cNvPr>
-              <p:cNvGrpSpPr/>
-              <p:nvPr/>
-            </p:nvGrpSpPr>
-            <p:grpSpPr>
-              <a:xfrm>
-                <a:off x="5542821" y="25730"/>
-                <a:ext cx="5625270" cy="5645374"/>
-                <a:chOff x="5785415" y="25730"/>
-                <a:chExt cx="5625270" cy="5645374"/>
-              </a:xfrm>
-            </p:grpSpPr>
+            <p:cxnSp>
+              <p:nvCxnSpPr>
+                <p:cNvPr id="53" name="Straight Connector 52">
+                  <a:extLst>
+                    <a:ext uri="{FF2B5EF4-FFF2-40B4-BE49-F238E27FC236}">
+                      <a16:creationId xmlns:a16="http://schemas.microsoft.com/office/drawing/2014/main" id="{9E68AA2D-8F63-5CF9-A1A9-EB0A297D225A}"/>
+                    </a:ext>
+                  </a:extLst>
+                </p:cNvPr>
+                <p:cNvCxnSpPr>
+                  <a:cxnSpLocks/>
+                </p:cNvCxnSpPr>
+                <p:nvPr/>
+              </p:nvCxnSpPr>
+              <p:spPr>
+                <a:xfrm>
+                  <a:off x="10076465" y="3042482"/>
+                  <a:ext cx="842649" cy="1019258"/>
+                </a:xfrm>
+                <a:prstGeom prst="line">
+                  <a:avLst/>
+                </a:prstGeom>
+                <a:ln w="28575">
+                  <a:solidFill>
+                    <a:schemeClr val="bg1">
+                      <a:lumMod val="65000"/>
+                    </a:schemeClr>
+                  </a:solidFill>
+                  <a:prstDash val="sysDot"/>
+                  <a:headEnd type="arrow"/>
+                </a:ln>
+              </p:spPr>
+              <p:style>
+                <a:lnRef idx="1">
+                  <a:schemeClr val="dk1"/>
+                </a:lnRef>
+                <a:fillRef idx="0">
+                  <a:schemeClr val="dk1"/>
+                </a:fillRef>
+                <a:effectRef idx="0">
+                  <a:schemeClr val="dk1"/>
+                </a:effectRef>
+                <a:fontRef idx="minor">
+                  <a:schemeClr val="tx1"/>
+                </a:fontRef>
+              </p:style>
+            </p:cxnSp>
             <p:grpSp>
               <p:nvGrpSpPr>
-                <p:cNvPr id="85" name="Group 84">
+                <p:cNvPr id="77" name="Group 76">
                   <a:extLst>
                     <a:ext uri="{FF2B5EF4-FFF2-40B4-BE49-F238E27FC236}">
-                      <a16:creationId xmlns:a16="http://schemas.microsoft.com/office/drawing/2014/main" id="{DD1D8749-0DFF-7752-7677-D03C837393B5}"/>
+                      <a16:creationId xmlns:a16="http://schemas.microsoft.com/office/drawing/2014/main" id="{B58FFFE3-83A2-41DB-0A45-A905185D184D}"/>
                     </a:ext>
                   </a:extLst>
                 </p:cNvPr>
@@ -4684,2010 +6404,207 @@
               </p:nvGrpSpPr>
               <p:grpSpPr>
                 <a:xfrm>
-                  <a:off x="5785415" y="25730"/>
-                  <a:ext cx="5452545" cy="5645374"/>
-                  <a:chOff x="3845400" y="1084119"/>
+                  <a:off x="8265119" y="1084119"/>
+                  <a:ext cx="3629988" cy="3758363"/>
+                  <a:chOff x="5004628" y="1116776"/>
                   <a:chExt cx="3629988" cy="3758363"/>
                 </a:xfrm>
               </p:grpSpPr>
               <p:grpSp>
                 <p:nvGrpSpPr>
-                  <p:cNvPr id="21" name="组合 18">
+                  <p:cNvPr id="78" name="Group 77">
                     <a:extLst>
                       <a:ext uri="{FF2B5EF4-FFF2-40B4-BE49-F238E27FC236}">
-                        <a16:creationId xmlns:a16="http://schemas.microsoft.com/office/drawing/2014/main" id="{2BB31F8B-1F93-0613-EAB2-4B2D2C0E7D6B}"/>
+                        <a16:creationId xmlns:a16="http://schemas.microsoft.com/office/drawing/2014/main" id="{E6A3A94D-EA6C-9339-89C3-F62B0968212E}"/>
                       </a:ext>
                     </a:extLst>
                   </p:cNvPr>
-                  <p:cNvGrpSpPr/>
+                  <p:cNvGrpSpPr>
+                    <a:grpSpLocks noChangeAspect="1"/>
+                  </p:cNvGrpSpPr>
                   <p:nvPr/>
                 </p:nvGrpSpPr>
                 <p:grpSpPr>
                   <a:xfrm>
-                    <a:off x="4230726" y="1636859"/>
-                    <a:ext cx="2724691" cy="2706346"/>
-                    <a:chOff x="3056876" y="410340"/>
-                    <a:chExt cx="6078239" cy="6037316"/>
+                    <a:off x="5004628" y="1275139"/>
+                    <a:ext cx="3600000" cy="3600000"/>
+                    <a:chOff x="5196000" y="2529000"/>
+                    <a:chExt cx="1800000" cy="1800000"/>
                   </a:xfrm>
                 </p:grpSpPr>
-                <p:grpSp>
-                  <p:nvGrpSpPr>
-                    <p:cNvPr id="22" name="组合 17">
+                <p:cxnSp>
+                  <p:nvCxnSpPr>
+                    <p:cNvPr id="81" name="Straight Arrow Connector 80">
                       <a:extLst>
                         <a:ext uri="{FF2B5EF4-FFF2-40B4-BE49-F238E27FC236}">
-                          <a16:creationId xmlns:a16="http://schemas.microsoft.com/office/drawing/2014/main" id="{B0014126-3F85-0ED2-446F-F8658E3F0F68}"/>
+                          <a16:creationId xmlns:a16="http://schemas.microsoft.com/office/drawing/2014/main" id="{150C58BB-8DDA-F08D-75BD-5AFFDC28E059}"/>
                         </a:ext>
                       </a:extLst>
                     </p:cNvPr>
-                    <p:cNvGrpSpPr/>
+                    <p:cNvCxnSpPr>
+                      <a:cxnSpLocks/>
+                    </p:cNvCxnSpPr>
                     <p:nvPr/>
-                  </p:nvGrpSpPr>
-                  <p:grpSpPr>
+                  </p:nvCxnSpPr>
+                  <p:spPr>
                     <a:xfrm>
-                      <a:off x="3056876" y="410340"/>
-                      <a:ext cx="6078239" cy="6037316"/>
-                      <a:chOff x="3056876" y="410340"/>
-                      <a:chExt cx="6078239" cy="6037316"/>
+                      <a:off x="5196000" y="3429000"/>
+                      <a:ext cx="1800000" cy="0"/>
                     </a:xfrm>
-                  </p:grpSpPr>
-                  <p:sp>
-                    <p:nvSpPr>
-                      <p:cNvPr id="27" name="泪滴形 3">
-                        <a:extLst>
-                          <a:ext uri="{FF2B5EF4-FFF2-40B4-BE49-F238E27FC236}">
-                            <a16:creationId xmlns:a16="http://schemas.microsoft.com/office/drawing/2014/main" id="{45819F40-88C8-5A24-0190-758993E83097}"/>
-                          </a:ext>
-                        </a:extLst>
-                      </p:cNvPr>
-                      <p:cNvSpPr/>
-                      <p:nvPr/>
-                    </p:nvSpPr>
-                    <p:spPr>
-                      <a:xfrm rot="2700000">
-                        <a:off x="3056876" y="2218506"/>
-                        <a:ext cx="2420983" cy="2420983"/>
-                      </a:xfrm>
-                      <a:prstGeom prst="teardrop">
-                        <a:avLst/>
-                      </a:prstGeom>
-                      <a:gradFill flip="none" rotWithShape="1">
-                        <a:gsLst>
-                          <a:gs pos="0">
-                            <a:schemeClr val="accent6">
-                              <a:alpha val="0"/>
-                              <a:lumMod val="60000"/>
-                              <a:lumOff val="40000"/>
-                            </a:schemeClr>
-                          </a:gs>
-                          <a:gs pos="50000">
-                            <a:schemeClr val="accent6">
-                              <a:lumMod val="60000"/>
-                              <a:lumOff val="40000"/>
-                              <a:alpha val="85000"/>
-                            </a:schemeClr>
-                          </a:gs>
-                          <a:gs pos="100000">
-                            <a:schemeClr val="accent6">
-                              <a:lumMod val="60000"/>
-                              <a:lumOff val="40000"/>
-                            </a:schemeClr>
-                          </a:gs>
-                        </a:gsLst>
-                        <a:lin ang="8100000" scaled="0"/>
-                        <a:tileRect/>
-                      </a:gradFill>
-                      <a:ln w="38100">
-                        <a:gradFill>
-                          <a:gsLst>
-                            <a:gs pos="25000">
-                              <a:schemeClr val="bg1">
-                                <a:alpha val="0"/>
-                                <a:lumMod val="60000"/>
-                                <a:lumOff val="40000"/>
-                              </a:schemeClr>
-                            </a:gs>
-                            <a:gs pos="100000">
-                              <a:schemeClr val="bg1">
-                                <a:alpha val="85000"/>
-                                <a:lumMod val="60000"/>
-                                <a:lumOff val="40000"/>
-                              </a:schemeClr>
-                            </a:gs>
-                            <a:gs pos="50000">
-                              <a:schemeClr val="bg1">
-                                <a:lumMod val="60000"/>
-                                <a:lumOff val="40000"/>
-                                <a:alpha val="50000"/>
-                              </a:schemeClr>
-                            </a:gs>
-                          </a:gsLst>
-                          <a:lin ang="8100000" scaled="0"/>
-                        </a:gradFill>
-                      </a:ln>
-                      <a:effectLst/>
-                    </p:spPr>
-                    <p:style>
-                      <a:lnRef idx="2">
-                        <a:schemeClr val="accent1">
-                          <a:shade val="50000"/>
-                        </a:schemeClr>
-                      </a:lnRef>
-                      <a:fillRef idx="1">
-                        <a:schemeClr val="accent1"/>
-                      </a:fillRef>
-                      <a:effectRef idx="0">
-                        <a:schemeClr val="accent1"/>
-                      </a:effectRef>
-                      <a:fontRef idx="minor">
-                        <a:schemeClr val="lt1"/>
-                      </a:fontRef>
-                    </p:style>
-                    <p:txBody>
-                      <a:bodyPr rtlCol="0" anchor="ctr"/>
-                      <a:lstStyle/>
-                      <a:p>
-                        <a:pPr algn="ctr"/>
-                        <a:endParaRPr lang="zh-CN" altLang="en-US" sz="2704" dirty="0"/>
-                      </a:p>
-                    </p:txBody>
-                  </p:sp>
-                  <p:sp>
-                    <p:nvSpPr>
-                      <p:cNvPr id="28" name="泪滴形 4">
-                        <a:extLst>
-                          <a:ext uri="{FF2B5EF4-FFF2-40B4-BE49-F238E27FC236}">
-                            <a16:creationId xmlns:a16="http://schemas.microsoft.com/office/drawing/2014/main" id="{582BDA8C-3527-468A-BCFC-2E7150DA400D}"/>
-                          </a:ext>
-                        </a:extLst>
-                      </p:cNvPr>
-                      <p:cNvSpPr/>
-                      <p:nvPr/>
-                    </p:nvSpPr>
-                    <p:spPr>
-                      <a:xfrm rot="8100000">
-                        <a:off x="4885505" y="410340"/>
-                        <a:ext cx="2420983" cy="2420983"/>
-                      </a:xfrm>
-                      <a:prstGeom prst="teardrop">
-                        <a:avLst/>
-                      </a:prstGeom>
-                      <a:gradFill flip="none" rotWithShape="1">
-                        <a:gsLst>
-                          <a:gs pos="0">
-                            <a:schemeClr val="accent6">
-                              <a:alpha val="0"/>
-                              <a:lumMod val="60000"/>
-                              <a:lumOff val="40000"/>
-                            </a:schemeClr>
-                          </a:gs>
-                          <a:gs pos="50000">
-                            <a:schemeClr val="accent6">
-                              <a:lumMod val="60000"/>
-                              <a:lumOff val="40000"/>
-                              <a:alpha val="85000"/>
-                            </a:schemeClr>
-                          </a:gs>
-                          <a:gs pos="100000">
-                            <a:schemeClr val="accent6">
-                              <a:lumMod val="60000"/>
-                              <a:lumOff val="40000"/>
-                            </a:schemeClr>
-                          </a:gs>
-                        </a:gsLst>
-                        <a:lin ang="8100000" scaled="0"/>
-                        <a:tileRect/>
-                      </a:gradFill>
-                      <a:ln w="38100">
-                        <a:gradFill>
-                          <a:gsLst>
-                            <a:gs pos="25000">
-                              <a:schemeClr val="bg1">
-                                <a:alpha val="0"/>
-                                <a:lumMod val="60000"/>
-                                <a:lumOff val="40000"/>
-                              </a:schemeClr>
-                            </a:gs>
-                            <a:gs pos="100000">
-                              <a:schemeClr val="bg1">
-                                <a:alpha val="85000"/>
-                                <a:lumMod val="60000"/>
-                                <a:lumOff val="40000"/>
-                              </a:schemeClr>
-                            </a:gs>
-                            <a:gs pos="50000">
-                              <a:schemeClr val="bg1">
-                                <a:lumMod val="60000"/>
-                                <a:lumOff val="40000"/>
-                                <a:alpha val="50000"/>
-                              </a:schemeClr>
-                            </a:gs>
-                          </a:gsLst>
-                          <a:lin ang="8100000" scaled="0"/>
-                        </a:gradFill>
-                      </a:ln>
-                      <a:effectLst/>
-                    </p:spPr>
-                    <p:style>
-                      <a:lnRef idx="2">
-                        <a:schemeClr val="accent1">
-                          <a:shade val="50000"/>
-                        </a:schemeClr>
-                      </a:lnRef>
-                      <a:fillRef idx="1">
-                        <a:schemeClr val="accent1"/>
-                      </a:fillRef>
-                      <a:effectRef idx="0">
-                        <a:schemeClr val="accent1"/>
-                      </a:effectRef>
-                      <a:fontRef idx="minor">
-                        <a:schemeClr val="lt1"/>
-                      </a:fontRef>
-                    </p:style>
-                    <p:txBody>
-                      <a:bodyPr rtlCol="0" anchor="ctr"/>
-                      <a:lstStyle/>
-                      <a:p>
-                        <a:pPr algn="ctr"/>
-                        <a:endParaRPr lang="zh-CN" altLang="en-US" sz="2704" dirty="0"/>
-                      </a:p>
-                    </p:txBody>
-                  </p:sp>
-                  <p:sp>
-                    <p:nvSpPr>
-                      <p:cNvPr id="29" name="泪滴形 6">
-                        <a:extLst>
-                          <a:ext uri="{FF2B5EF4-FFF2-40B4-BE49-F238E27FC236}">
-                            <a16:creationId xmlns:a16="http://schemas.microsoft.com/office/drawing/2014/main" id="{97EBA064-9AD4-5350-EC60-2CAFB8EC018A}"/>
-                          </a:ext>
-                        </a:extLst>
-                      </p:cNvPr>
-                      <p:cNvSpPr/>
-                      <p:nvPr/>
-                    </p:nvSpPr>
-                    <p:spPr>
-                      <a:xfrm rot="18900000">
-                        <a:off x="4885505" y="4026673"/>
-                        <a:ext cx="2420983" cy="2420983"/>
-                      </a:xfrm>
-                      <a:prstGeom prst="teardrop">
-                        <a:avLst/>
-                      </a:prstGeom>
-                      <a:gradFill flip="none" rotWithShape="1">
-                        <a:gsLst>
-                          <a:gs pos="0">
-                            <a:schemeClr val="accent6">
-                              <a:alpha val="0"/>
-                              <a:lumMod val="60000"/>
-                              <a:lumOff val="40000"/>
-                            </a:schemeClr>
-                          </a:gs>
-                          <a:gs pos="50000">
-                            <a:schemeClr val="accent6">
-                              <a:lumMod val="60000"/>
-                              <a:lumOff val="40000"/>
-                              <a:alpha val="85000"/>
-                            </a:schemeClr>
-                          </a:gs>
-                          <a:gs pos="100000">
-                            <a:schemeClr val="accent6">
-                              <a:lumMod val="60000"/>
-                              <a:lumOff val="40000"/>
-                            </a:schemeClr>
-                          </a:gs>
-                        </a:gsLst>
-                        <a:lin ang="8100000" scaled="0"/>
-                        <a:tileRect/>
-                      </a:gradFill>
-                      <a:ln w="38100">
-                        <a:gradFill>
-                          <a:gsLst>
-                            <a:gs pos="25000">
-                              <a:schemeClr val="bg1">
-                                <a:alpha val="0"/>
-                                <a:lumMod val="60000"/>
-                                <a:lumOff val="40000"/>
-                              </a:schemeClr>
-                            </a:gs>
-                            <a:gs pos="100000">
-                              <a:schemeClr val="bg1">
-                                <a:alpha val="85000"/>
-                                <a:lumMod val="60000"/>
-                                <a:lumOff val="40000"/>
-                              </a:schemeClr>
-                            </a:gs>
-                            <a:gs pos="50000">
-                              <a:schemeClr val="bg1">
-                                <a:lumMod val="60000"/>
-                                <a:lumOff val="40000"/>
-                                <a:alpha val="50000"/>
-                              </a:schemeClr>
-                            </a:gs>
-                          </a:gsLst>
-                          <a:lin ang="8100000" scaled="0"/>
-                        </a:gradFill>
-                      </a:ln>
-                      <a:effectLst/>
-                    </p:spPr>
-                    <p:style>
-                      <a:lnRef idx="2">
-                        <a:schemeClr val="accent1">
-                          <a:shade val="50000"/>
-                        </a:schemeClr>
-                      </a:lnRef>
-                      <a:fillRef idx="1">
-                        <a:schemeClr val="accent1"/>
-                      </a:fillRef>
-                      <a:effectRef idx="0">
-                        <a:schemeClr val="accent1"/>
-                      </a:effectRef>
-                      <a:fontRef idx="minor">
-                        <a:schemeClr val="lt1"/>
-                      </a:fontRef>
-                    </p:style>
-                    <p:txBody>
-                      <a:bodyPr rtlCol="0" anchor="ctr"/>
-                      <a:lstStyle/>
-                      <a:p>
-                        <a:pPr algn="ctr"/>
-                        <a:endParaRPr lang="zh-CN" altLang="en-US" sz="2704" dirty="0"/>
-                      </a:p>
-                    </p:txBody>
-                  </p:sp>
-                  <p:sp>
-                    <p:nvSpPr>
-                      <p:cNvPr id="30" name="泪滴形 7">
-                        <a:extLst>
-                          <a:ext uri="{FF2B5EF4-FFF2-40B4-BE49-F238E27FC236}">
-                            <a16:creationId xmlns:a16="http://schemas.microsoft.com/office/drawing/2014/main" id="{9D0BABC0-FA80-1C4C-4117-C7D40D0B6A07}"/>
-                          </a:ext>
-                        </a:extLst>
-                      </p:cNvPr>
-                      <p:cNvSpPr/>
-                      <p:nvPr/>
-                    </p:nvSpPr>
-                    <p:spPr>
-                      <a:xfrm rot="13500000">
-                        <a:off x="6714132" y="2218508"/>
-                        <a:ext cx="2420983" cy="2420983"/>
-                      </a:xfrm>
-                      <a:prstGeom prst="teardrop">
-                        <a:avLst/>
-                      </a:prstGeom>
-                      <a:gradFill flip="none" rotWithShape="1">
-                        <a:gsLst>
-                          <a:gs pos="0">
-                            <a:schemeClr val="accent6">
-                              <a:alpha val="0"/>
-                              <a:lumMod val="60000"/>
-                              <a:lumOff val="40000"/>
-                            </a:schemeClr>
-                          </a:gs>
-                          <a:gs pos="50000">
-                            <a:schemeClr val="accent6">
-                              <a:lumMod val="60000"/>
-                              <a:lumOff val="40000"/>
-                              <a:alpha val="85000"/>
-                            </a:schemeClr>
-                          </a:gs>
-                          <a:gs pos="100000">
-                            <a:schemeClr val="accent6">
-                              <a:lumMod val="60000"/>
-                              <a:lumOff val="40000"/>
-                            </a:schemeClr>
-                          </a:gs>
-                        </a:gsLst>
-                        <a:lin ang="8100000" scaled="0"/>
-                        <a:tileRect/>
-                      </a:gradFill>
-                      <a:ln w="38100">
-                        <a:gradFill>
-                          <a:gsLst>
-                            <a:gs pos="25000">
-                              <a:schemeClr val="bg1">
-                                <a:alpha val="0"/>
-                                <a:lumMod val="60000"/>
-                                <a:lumOff val="40000"/>
-                              </a:schemeClr>
-                            </a:gs>
-                            <a:gs pos="100000">
-                              <a:schemeClr val="bg1">
-                                <a:alpha val="85000"/>
-                                <a:lumMod val="60000"/>
-                                <a:lumOff val="40000"/>
-                              </a:schemeClr>
-                            </a:gs>
-                            <a:gs pos="50000">
-                              <a:schemeClr val="bg1">
-                                <a:lumMod val="60000"/>
-                                <a:lumOff val="40000"/>
-                                <a:alpha val="50000"/>
-                              </a:schemeClr>
-                            </a:gs>
-                          </a:gsLst>
-                          <a:lin ang="8100000" scaled="0"/>
-                        </a:gradFill>
-                      </a:ln>
-                      <a:effectLst/>
-                    </p:spPr>
-                    <p:style>
-                      <a:lnRef idx="2">
-                        <a:schemeClr val="accent1">
-                          <a:shade val="50000"/>
-                        </a:schemeClr>
-                      </a:lnRef>
-                      <a:fillRef idx="1">
-                        <a:schemeClr val="accent1"/>
-                      </a:fillRef>
-                      <a:effectRef idx="0">
-                        <a:schemeClr val="accent1"/>
-                      </a:effectRef>
-                      <a:fontRef idx="minor">
-                        <a:schemeClr val="lt1"/>
-                      </a:fontRef>
-                    </p:style>
-                    <p:txBody>
-                      <a:bodyPr rtlCol="0" anchor="ctr"/>
-                      <a:lstStyle/>
-                      <a:p>
-                        <a:pPr algn="ctr"/>
-                        <a:endParaRPr lang="zh-CN" altLang="en-US" sz="2704" dirty="0"/>
-                      </a:p>
-                    </p:txBody>
-                  </p:sp>
-                </p:grpSp>
-                <p:pic>
-                  <p:nvPicPr>
-                    <p:cNvPr id="23" name="图片 10" descr="形状&#10;&#10;中度可信度描述已自动生成">
+                    <a:prstGeom prst="straightConnector1">
+                      <a:avLst/>
+                    </a:prstGeom>
+                    <a:ln>
+                      <a:tailEnd type="triangle"/>
+                    </a:ln>
+                  </p:spPr>
+                  <p:style>
+                    <a:lnRef idx="1">
+                      <a:schemeClr val="accent1"/>
+                    </a:lnRef>
+                    <a:fillRef idx="0">
+                      <a:schemeClr val="accent1"/>
+                    </a:fillRef>
+                    <a:effectRef idx="0">
+                      <a:schemeClr val="accent1"/>
+                    </a:effectRef>
+                    <a:fontRef idx="minor">
+                      <a:schemeClr val="tx1"/>
+                    </a:fontRef>
+                  </p:style>
+                </p:cxnSp>
+                <p:cxnSp>
+                  <p:nvCxnSpPr>
+                    <p:cNvPr id="82" name="Straight Arrow Connector 81">
                       <a:extLst>
                         <a:ext uri="{FF2B5EF4-FFF2-40B4-BE49-F238E27FC236}">
-                          <a16:creationId xmlns:a16="http://schemas.microsoft.com/office/drawing/2014/main" id="{D6116B46-BCA0-451B-E20F-91A2DDF3D993}"/>
+                          <a16:creationId xmlns:a16="http://schemas.microsoft.com/office/drawing/2014/main" id="{E8058B56-3E1D-E598-72B9-3188924D5605}"/>
                         </a:ext>
                       </a:extLst>
                     </p:cNvPr>
-                    <p:cNvPicPr>
-                      <a:picLocks noChangeAspect="1"/>
-                    </p:cNvPicPr>
+                    <p:cNvCxnSpPr>
+                      <a:cxnSpLocks/>
+                    </p:cNvCxnSpPr>
                     <p:nvPr/>
-                  </p:nvPicPr>
-                  <p:blipFill>
-                    <a:blip r:embed="rId7">
-                      <a:extLst>
-                        <a:ext uri="{28A0092B-C50C-407E-A947-70E740481C1C}">
-                          <a14:useLocalDpi xmlns:a14="http://schemas.microsoft.com/office/drawing/2010/main" val="0"/>
-                        </a:ext>
-                      </a:extLst>
-                    </a:blip>
-                    <a:stretch>
-                      <a:fillRect/>
-                    </a:stretch>
-                  </p:blipFill>
+                  </p:nvCxnSpPr>
                   <p:spPr>
-                    <a:xfrm>
-                      <a:off x="4001329" y="4785059"/>
-                      <a:ext cx="4189331" cy="701582"/>
+                    <a:xfrm flipV="1">
+                      <a:off x="6096000" y="2529000"/>
+                      <a:ext cx="0" cy="1800000"/>
                     </a:xfrm>
-                    <a:prstGeom prst="rect">
+                    <a:prstGeom prst="straightConnector1">
                       <a:avLst/>
                     </a:prstGeom>
+                    <a:ln>
+                      <a:tailEnd type="triangle"/>
+                    </a:ln>
                   </p:spPr>
-                </p:pic>
-                <p:pic>
-                  <p:nvPicPr>
-                    <p:cNvPr id="24" name="图片 12" descr="形状&#10;&#10;中度可信度描述已自动生成">
-                      <a:extLst>
-                        <a:ext uri="{FF2B5EF4-FFF2-40B4-BE49-F238E27FC236}">
-                          <a16:creationId xmlns:a16="http://schemas.microsoft.com/office/drawing/2014/main" id="{2CA2E838-9AAB-640A-A91C-511318AB41EE}"/>
-                        </a:ext>
-                      </a:extLst>
-                    </p:cNvPr>
-                    <p:cNvPicPr>
-                      <a:picLocks noChangeAspect="1"/>
-                    </p:cNvPicPr>
-                    <p:nvPr/>
-                  </p:nvPicPr>
-                  <p:blipFill>
-                    <a:blip r:embed="rId8">
-                      <a:extLst>
-                        <a:ext uri="{28A0092B-C50C-407E-A947-70E740481C1C}">
-                          <a14:useLocalDpi xmlns:a14="http://schemas.microsoft.com/office/drawing/2010/main" val="0"/>
-                        </a:ext>
-                      </a:extLst>
-                    </a:blip>
-                    <a:stretch>
-                      <a:fillRect/>
-                    </a:stretch>
-                  </p:blipFill>
-                  <p:spPr>
-                    <a:xfrm>
-                      <a:off x="4001330" y="1366313"/>
-                      <a:ext cx="4189331" cy="701582"/>
-                    </a:xfrm>
-                    <a:prstGeom prst="rect">
-                      <a:avLst/>
-                    </a:prstGeom>
-                  </p:spPr>
-                </p:pic>
-                <p:pic>
-                  <p:nvPicPr>
-                    <p:cNvPr id="25" name="图片 14" descr="形状&#10;&#10;中度可信度描述已自动生成">
-                      <a:extLst>
-                        <a:ext uri="{FF2B5EF4-FFF2-40B4-BE49-F238E27FC236}">
-                          <a16:creationId xmlns:a16="http://schemas.microsoft.com/office/drawing/2014/main" id="{899A839B-D335-BD90-8FF5-66F99099515D}"/>
-                        </a:ext>
-                      </a:extLst>
-                    </p:cNvPr>
-                    <p:cNvPicPr>
-                      <a:picLocks noChangeAspect="1"/>
-                    </p:cNvPicPr>
-                    <p:nvPr/>
-                  </p:nvPicPr>
-                  <p:blipFill>
-                    <a:blip r:embed="rId9">
-                      <a:extLst>
-                        <a:ext uri="{28A0092B-C50C-407E-A947-70E740481C1C}">
-                          <a14:useLocalDpi xmlns:a14="http://schemas.microsoft.com/office/drawing/2010/main" val="0"/>
-                        </a:ext>
-                      </a:extLst>
-                    </a:blip>
-                    <a:stretch>
-                      <a:fillRect/>
-                    </a:stretch>
-                  </p:blipFill>
-                  <p:spPr>
-                    <a:xfrm rot="16200000">
-                      <a:off x="2325210" y="3083717"/>
-                      <a:ext cx="4189331" cy="701582"/>
-                    </a:xfrm>
-                    <a:prstGeom prst="rect">
-                      <a:avLst/>
-                    </a:prstGeom>
-                  </p:spPr>
-                </p:pic>
-                <p:pic>
-                  <p:nvPicPr>
-                    <p:cNvPr id="26" name="图片 16" descr="形状&#10;&#10;中度可信度描述已自动生成">
-                      <a:extLst>
-                        <a:ext uri="{FF2B5EF4-FFF2-40B4-BE49-F238E27FC236}">
-                          <a16:creationId xmlns:a16="http://schemas.microsoft.com/office/drawing/2014/main" id="{F95ABF31-EF2A-8ACF-3DB4-4F4B99524BCC}"/>
-                        </a:ext>
-                      </a:extLst>
-                    </p:cNvPr>
-                    <p:cNvPicPr>
-                      <a:picLocks noChangeAspect="1"/>
-                    </p:cNvPicPr>
-                    <p:nvPr/>
-                  </p:nvPicPr>
-                  <p:blipFill>
-                    <a:blip r:embed="rId10">
-                      <a:extLst>
-                        <a:ext uri="{28A0092B-C50C-407E-A947-70E740481C1C}">
-                          <a14:useLocalDpi xmlns:a14="http://schemas.microsoft.com/office/drawing/2010/main" val="0"/>
-                        </a:ext>
-                      </a:extLst>
-                    </a:blip>
-                    <a:stretch>
-                      <a:fillRect/>
-                    </a:stretch>
-                  </p:blipFill>
-                  <p:spPr>
-                    <a:xfrm rot="5400000">
-                      <a:off x="5677452" y="3078207"/>
-                      <a:ext cx="4189331" cy="701582"/>
-                    </a:xfrm>
-                    <a:prstGeom prst="rect">
-                      <a:avLst/>
-                    </a:prstGeom>
-                  </p:spPr>
-                </p:pic>
+                  <p:style>
+                    <a:lnRef idx="1">
+                      <a:schemeClr val="accent1"/>
+                    </a:lnRef>
+                    <a:fillRef idx="0">
+                      <a:schemeClr val="accent1"/>
+                    </a:fillRef>
+                    <a:effectRef idx="0">
+                      <a:schemeClr val="accent1"/>
+                    </a:effectRef>
+                    <a:fontRef idx="minor">
+                      <a:schemeClr val="tx1"/>
+                    </a:fontRef>
+                  </p:style>
+                </p:cxnSp>
               </p:grpSp>
-              <p:grpSp>
-                <p:nvGrpSpPr>
-                  <p:cNvPr id="17" name="Group 16">
+              <p:sp>
+                <p:nvSpPr>
+                  <p:cNvPr id="79" name="TextBox 78">
                     <a:extLst>
                       <a:ext uri="{FF2B5EF4-FFF2-40B4-BE49-F238E27FC236}">
-                        <a16:creationId xmlns:a16="http://schemas.microsoft.com/office/drawing/2014/main" id="{EA0D6789-2275-E2AD-E63C-4CE9B9F43D3C}"/>
+                        <a16:creationId xmlns:a16="http://schemas.microsoft.com/office/drawing/2014/main" id="{24EC1CB7-431F-CA11-C9A9-BC6752E390C0}"/>
                       </a:ext>
                     </a:extLst>
                   </p:cNvPr>
-                  <p:cNvGrpSpPr/>
+                  <p:cNvSpPr txBox="1"/>
                   <p:nvPr/>
-                </p:nvGrpSpPr>
-                <p:grpSpPr>
+                </p:nvSpPr>
+                <p:spPr>
                   <a:xfrm>
-                    <a:off x="6229490" y="3662013"/>
-                    <a:ext cx="866402" cy="1025611"/>
-                    <a:chOff x="7579941" y="3963212"/>
-                    <a:chExt cx="1476117" cy="1747368"/>
+                    <a:off x="6808625" y="1116776"/>
+                    <a:ext cx="213651" cy="338512"/>
                   </a:xfrm>
-                </p:grpSpPr>
-                <p:pic>
-                  <p:nvPicPr>
-                    <p:cNvPr id="18" name="Picture 8" descr="Big Image - Head Silhouette Clipart, HD Png Download - 2032x2304(#2137798)  - PngFind">
-                      <a:extLst>
-                        <a:ext uri="{FF2B5EF4-FFF2-40B4-BE49-F238E27FC236}">
-                          <a16:creationId xmlns:a16="http://schemas.microsoft.com/office/drawing/2014/main" id="{224137AD-8E5A-729C-9063-0AB4971CABC8}"/>
-                        </a:ext>
-                      </a:extLst>
-                    </p:cNvPr>
-                    <p:cNvPicPr>
-                      <a:picLocks noChangeAspect="1" noChangeArrowheads="1"/>
-                    </p:cNvPicPr>
-                    <p:nvPr/>
-                  </p:nvPicPr>
-                  <p:blipFill>
-                    <a:blip r:embed="rId2">
-                      <a:extLst>
-                        <a:ext uri="{BEBA8EAE-BF5A-486C-A8C5-ECC9F3942E4B}">
-                          <a14:imgProps xmlns:a14="http://schemas.microsoft.com/office/drawing/2010/main">
-                            <a14:imgLayer r:embed="rId3">
-                              <a14:imgEffect>
-                                <a14:backgroundRemoval t="6956" b="92440" l="1667" r="95000">
-                                  <a14:foregroundMark x1="25476" y1="29738" x2="31429" y2="14214"/>
-                                  <a14:foregroundMark x1="31429" y1="14214" x2="50119" y2="6956"/>
-                                  <a14:foregroundMark x1="50119" y1="6956" x2="52619" y2="7560"/>
-                                  <a14:foregroundMark x1="52619" y1="13609" x2="52619" y2="13609"/>
-                                  <a14:foregroundMark x1="7381" y1="28226" x2="6786" y2="33468"/>
-                                  <a14:foregroundMark x1="43095" y1="92641" x2="43095" y2="92641"/>
-                                  <a14:foregroundMark x1="90952" y1="51210" x2="90952" y2="51210"/>
-                                  <a14:foregroundMark x1="1667" y1="34577" x2="1667" y2="34577"/>
-                                  <a14:foregroundMark x1="95000" y1="52419" x2="95000" y2="52419"/>
-                                </a14:backgroundRemoval>
-                              </a14:imgEffect>
-                            </a14:imgLayer>
-                          </a14:imgProps>
-                        </a:ext>
-                        <a:ext uri="{28A0092B-C50C-407E-A947-70E740481C1C}">
-                          <a14:useLocalDpi xmlns:a14="http://schemas.microsoft.com/office/drawing/2010/main" val="0"/>
-                        </a:ext>
-                      </a:extLst>
-                    </a:blip>
-                    <a:srcRect/>
-                    <a:stretch>
-                      <a:fillRect/>
-                    </a:stretch>
-                  </p:blipFill>
-                  <p:spPr bwMode="auto">
-                    <a:xfrm flipH="1">
-                      <a:off x="7579941" y="3963212"/>
-                      <a:ext cx="1476117" cy="1747368"/>
-                    </a:xfrm>
-                    <a:prstGeom prst="rect">
-                      <a:avLst/>
-                    </a:prstGeom>
-                    <a:noFill/>
-                    <a:extLst>
-                      <a:ext uri="{909E8E84-426E-40DD-AFC4-6F175D3DCCD1}">
-                        <a14:hiddenFill xmlns:a14="http://schemas.microsoft.com/office/drawing/2010/main">
-                          <a:solidFill>
-                            <a:srgbClr val="FFFFFF"/>
-                          </a:solidFill>
-                        </a14:hiddenFill>
-                      </a:ext>
-                    </a:extLst>
-                  </p:spPr>
-                </p:pic>
-                <p:pic>
-                  <p:nvPicPr>
-                    <p:cNvPr id="19" name="Picture 10">
-                      <a:extLst>
-                        <a:ext uri="{FF2B5EF4-FFF2-40B4-BE49-F238E27FC236}">
-                          <a16:creationId xmlns:a16="http://schemas.microsoft.com/office/drawing/2014/main" id="{611E3DF2-C348-C220-AAE9-86525C9A2081}"/>
-                        </a:ext>
-                      </a:extLst>
-                    </p:cNvPr>
-                    <p:cNvPicPr>
-                      <a:picLocks noChangeAspect="1" noChangeArrowheads="1"/>
-                    </p:cNvPicPr>
-                    <p:nvPr/>
-                  </p:nvPicPr>
-                  <p:blipFill>
-                    <a:blip r:embed="rId4">
-                      <a:lum bright="70000" contrast="-70000"/>
-                      <a:extLst>
-                        <a:ext uri="{28A0092B-C50C-407E-A947-70E740481C1C}">
-                          <a14:useLocalDpi xmlns:a14="http://schemas.microsoft.com/office/drawing/2010/main" val="0"/>
-                        </a:ext>
-                      </a:extLst>
-                    </a:blip>
-                    <a:srcRect/>
-                    <a:stretch>
-                      <a:fillRect/>
-                    </a:stretch>
-                  </p:blipFill>
-                  <p:spPr bwMode="auto">
-                    <a:xfrm>
-                      <a:off x="7848979" y="4552711"/>
-                      <a:ext cx="261887" cy="261887"/>
-                    </a:xfrm>
-                    <a:prstGeom prst="rect">
-                      <a:avLst/>
-                    </a:prstGeom>
-                    <a:noFill/>
-                    <a:extLst>
-                      <a:ext uri="{909E8E84-426E-40DD-AFC4-6F175D3DCCD1}">
-                        <a14:hiddenFill xmlns:a14="http://schemas.microsoft.com/office/drawing/2010/main">
-                          <a:solidFill>
-                            <a:srgbClr val="FFFFFF"/>
-                          </a:solidFill>
-                        </a14:hiddenFill>
-                      </a:ext>
-                    </a:extLst>
-                  </p:spPr>
-                </p:pic>
-              </p:grpSp>
-              <mc:AlternateContent xmlns:mc="http://schemas.openxmlformats.org/markup-compatibility/2006">
-                <mc:Choice xmlns:am3d="http://schemas.microsoft.com/office/drawing/2017/model3d" Requires="am3d">
-                  <p:graphicFrame>
-                    <p:nvGraphicFramePr>
-                      <p:cNvPr id="20" name="3D Model 20" descr="Prism And Basal Pinacoid White">
-                        <a:extLst>
-                          <a:ext uri="{FF2B5EF4-FFF2-40B4-BE49-F238E27FC236}">
-                            <a16:creationId xmlns:a16="http://schemas.microsoft.com/office/drawing/2014/main" id="{51A441BB-C657-1C15-758F-41E5B264D6B4}"/>
-                          </a:ext>
-                        </a:extLst>
-                      </p:cNvPr>
-                      <p:cNvGraphicFramePr>
-                        <a:graphicFrameLocks noChangeAspect="1"/>
-                      </p:cNvGraphicFramePr>
-                      <p:nvPr>
-                        <p:extLst>
-                          <p:ext uri="{D42A27DB-BD31-4B8C-83A1-F6EECF244321}">
-                            <p14:modId xmlns:p14="http://schemas.microsoft.com/office/powerpoint/2010/main" val="3125261172"/>
-                          </p:ext>
-                        </p:extLst>
-                      </p:nvPr>
-                    </p:nvGraphicFramePr>
-                    <p:xfrm>
-                      <a:off x="5140582" y="2451051"/>
-                      <a:ext cx="904980" cy="1025611"/>
-                    </p:xfrm>
-                    <a:graphic>
-                      <a:graphicData uri="http://schemas.microsoft.com/office/drawing/2017/model3d">
-                        <am3d:model3d r:embed="rId5">
-                          <am3d:spPr>
-                            <a:xfrm>
-                              <a:off x="0" y="0"/>
-                              <a:ext cx="1359356" cy="1540553"/>
-                            </a:xfrm>
-                            <a:prstGeom prst="rect">
-                              <a:avLst/>
-                            </a:prstGeom>
-                            <a:effectLst>
-                              <a:glow rad="259103">
-                                <a:schemeClr val="accent1">
-                                  <a:lumMod val="60000"/>
-                                  <a:lumOff val="40000"/>
-                                  <a:alpha val="62000"/>
-                                </a:schemeClr>
-                              </a:glow>
-                            </a:effectLst>
-                          </am3d:spPr>
-                          <am3d:camera>
-                            <am3d:pos x="0" y="0" z="81469150"/>
-                            <am3d:up dx="0" dy="36000000" dz="0"/>
-                            <am3d:lookAt x="0" y="0" z="0"/>
-                            <am3d:perspective fov="2700000"/>
-                          </am3d:camera>
-                          <am3d:trans>
-                            <am3d:meterPerModelUnit n="139970" d="1000000"/>
-                            <am3d:preTrans dx="-76" dy="-17999982" dz="1"/>
-                            <am3d:scale>
-                              <am3d:sx n="1000000" d="1000000"/>
-                              <am3d:sy n="1000000" d="1000000"/>
-                              <am3d:sz n="1000000" d="1000000"/>
-                            </am3d:scale>
-                            <am3d:rot ax="-2183283" ay="2913714" az="9064903"/>
-                            <am3d:postTrans dx="0" dy="0" dz="0"/>
-                          </am3d:trans>
-                          <am3d:raster rName="Office3DRenderer" rVer="16.0.8326">
-                            <am3d:blip r:embed="rId11"/>
-                          </am3d:raster>
-                          <am3d:objViewport viewportSz="1581525"/>
-                          <am3d:ambientLight>
-                            <am3d:clr>
-                              <a:scrgbClr r="50000" g="50000" b="50000"/>
-                            </am3d:clr>
-                            <am3d:illuminance n="500000" d="1000000"/>
-                          </am3d:ambientLight>
-                          <am3d:ptLight rad="0">
-                            <am3d:clr>
-                              <a:scrgbClr r="100000" g="75000" b="50000"/>
-                            </am3d:clr>
-                            <am3d:intensity n="9765625" d="1000000"/>
-                            <am3d:pos x="21959998" y="70920001" z="16344003"/>
-                          </am3d:ptLight>
-                          <am3d:ptLight rad="0">
-                            <am3d:clr>
-                              <a:scrgbClr r="40000" g="60000" b="95000"/>
-                            </am3d:clr>
-                            <am3d:intensity n="12250000" d="1000000"/>
-                            <am3d:pos x="-37964106" y="51130435" z="57631972"/>
-                          </am3d:ptLight>
-                          <am3d:ptLight rad="0">
-                            <am3d:clr>
-                              <a:scrgbClr r="86837" g="72700" b="100000"/>
-                            </am3d:clr>
-                            <am3d:intensity n="3125000" d="1000000"/>
-                            <am3d:pos x="-37739122" y="58056624" z="-34769649"/>
-                          </am3d:ptLight>
-                        </am3d:model3d>
-                      </a:graphicData>
-                    </a:graphic>
-                  </p:graphicFrame>
-                </mc:Choice>
-                <mc:Fallback>
-                  <p:pic>
-                    <p:nvPicPr>
-                      <p:cNvPr id="20" name="3D Model 20" descr="Prism And Basal Pinacoid White">
-                        <a:extLst>
-                          <a:ext uri="{FF2B5EF4-FFF2-40B4-BE49-F238E27FC236}">
-                            <a16:creationId xmlns:a16="http://schemas.microsoft.com/office/drawing/2014/main" id="{51A441BB-C657-1C15-758F-41E5B264D6B4}"/>
-                          </a:ext>
-                        </a:extLst>
-                      </p:cNvPr>
-                      <p:cNvPicPr>
-                        <a:picLocks noGrp="1" noRot="1" noChangeAspect="1" noMove="1" noResize="1" noEditPoints="1" noAdjustHandles="1" noChangeArrowheads="1" noChangeShapeType="1" noCrop="1"/>
-                      </p:cNvPicPr>
-                      <p:nvPr/>
-                    </p:nvPicPr>
-                    <p:blipFill>
-                      <a:blip r:embed="rId11"/>
-                      <a:stretch>
-                        <a:fillRect/>
-                      </a:stretch>
-                    </p:blipFill>
-                    <p:spPr>
-                      <a:xfrm>
-                        <a:off x="7488292" y="1817715"/>
-                        <a:ext cx="1359356" cy="1540553"/>
-                      </a:xfrm>
-                      <a:prstGeom prst="rect">
-                        <a:avLst/>
-                      </a:prstGeom>
-                      <a:effectLst>
-                        <a:glow rad="259103">
-                          <a:schemeClr val="accent1">
-                            <a:lumMod val="60000"/>
-                            <a:lumOff val="40000"/>
-                            <a:alpha val="62000"/>
-                          </a:schemeClr>
-                        </a:glow>
-                      </a:effectLst>
-                    </p:spPr>
-                  </p:pic>
-                </mc:Fallback>
-              </mc:AlternateContent>
-              <p:cxnSp>
-                <p:nvCxnSpPr>
-                  <p:cNvPr id="3" name="Straight Connector 2">
+                  <a:prstGeom prst="rect">
+                    <a:avLst/>
+                  </a:prstGeom>
+                  <a:noFill/>
+                </p:spPr>
+                <p:txBody>
+                  <a:bodyPr wrap="none" rtlCol="0">
+                    <a:spAutoFit/>
+                  </a:bodyPr>
+                  <a:lstStyle/>
+                  <a:p>
+                    <a:r>
+                      <a:rPr lang="en-CN" sz="2704" dirty="0">
+                        <a:solidFill>
+                          <a:schemeClr val="accent1"/>
+                        </a:solidFill>
+                        <a:latin typeface="Goudy Old Style" panose="02020502050305020303" pitchFamily="18" charset="77"/>
+                        <a:cs typeface="Sathu" pitchFamily="2" charset="-34"/>
+                      </a:rPr>
+                      <a:t>y</a:t>
+                    </a:r>
+                  </a:p>
+                </p:txBody>
+              </p:sp>
+              <p:sp>
+                <p:nvSpPr>
+                  <p:cNvPr id="80" name="TextBox 79">
                     <a:extLst>
                       <a:ext uri="{FF2B5EF4-FFF2-40B4-BE49-F238E27FC236}">
-                        <a16:creationId xmlns:a16="http://schemas.microsoft.com/office/drawing/2014/main" id="{4B2FC4B9-EBEC-8F05-0DD3-D10C1CF0AFA7}"/>
+                        <a16:creationId xmlns:a16="http://schemas.microsoft.com/office/drawing/2014/main" id="{81DF2025-4A82-ADD1-9280-EE42D35D2774}"/>
                       </a:ext>
                     </a:extLst>
                   </p:cNvPr>
-                  <p:cNvCxnSpPr>
-                    <a:cxnSpLocks/>
-                  </p:cNvCxnSpPr>
+                  <p:cNvSpPr txBox="1"/>
                   <p:nvPr/>
-                </p:nvCxnSpPr>
+                </p:nvSpPr>
                 <p:spPr>
                   <a:xfrm>
-                    <a:off x="5647100" y="1933029"/>
-                    <a:ext cx="795645" cy="2102939"/>
+                    <a:off x="8411361" y="3008559"/>
+                    <a:ext cx="223255" cy="338512"/>
                   </a:xfrm>
-                  <a:prstGeom prst="line">
+                  <a:prstGeom prst="rect">
                     <a:avLst/>
                   </a:prstGeom>
-                  <a:ln w="28575">
-                    <a:solidFill>
-                      <a:schemeClr val="bg1">
-                        <a:lumMod val="65000"/>
-                      </a:schemeClr>
-                    </a:solidFill>
-                    <a:headEnd type="arrow"/>
-                  </a:ln>
+                  <a:noFill/>
                 </p:spPr>
-                <p:style>
-                  <a:lnRef idx="1">
-                    <a:schemeClr val="dk1"/>
-                  </a:lnRef>
-                  <a:fillRef idx="0">
-                    <a:schemeClr val="dk1"/>
-                  </a:fillRef>
-                  <a:effectRef idx="0">
-                    <a:schemeClr val="dk1"/>
-                  </a:effectRef>
-                  <a:fontRef idx="minor">
-                    <a:schemeClr val="tx1"/>
-                  </a:fontRef>
-                </p:style>
-              </p:cxnSp>
-              <p:cxnSp>
-                <p:nvCxnSpPr>
-                  <p:cNvPr id="12" name="Straight Connector 11">
-                    <a:extLst>
-                      <a:ext uri="{FF2B5EF4-FFF2-40B4-BE49-F238E27FC236}">
-                        <a16:creationId xmlns:a16="http://schemas.microsoft.com/office/drawing/2014/main" id="{5EEB2FEB-B84D-EA19-93F5-D9ADA811D272}"/>
-                      </a:ext>
-                    </a:extLst>
-                  </p:cNvPr>
-                  <p:cNvCxnSpPr>
-                    <a:cxnSpLocks/>
-                  </p:cNvCxnSpPr>
-                  <p:nvPr/>
-                </p:nvCxnSpPr>
-                <p:spPr>
-                  <a:xfrm>
-                    <a:off x="5645400" y="3042482"/>
-                    <a:ext cx="803477" cy="990891"/>
-                  </a:xfrm>
-                  <a:prstGeom prst="line">
-                    <a:avLst/>
-                  </a:prstGeom>
-                  <a:ln w="28575">
-                    <a:solidFill>
-                      <a:schemeClr val="bg1">
-                        <a:lumMod val="65000"/>
-                      </a:schemeClr>
-                    </a:solidFill>
-                    <a:prstDash val="sysDot"/>
-                    <a:headEnd type="arrow"/>
-                  </a:ln>
-                </p:spPr>
-                <p:style>
-                  <a:lnRef idx="1">
-                    <a:schemeClr val="dk1"/>
-                  </a:lnRef>
-                  <a:fillRef idx="0">
-                    <a:schemeClr val="dk1"/>
-                  </a:fillRef>
-                  <a:effectRef idx="0">
-                    <a:schemeClr val="dk1"/>
-                  </a:effectRef>
-                  <a:fontRef idx="minor">
-                    <a:schemeClr val="tx1"/>
-                  </a:fontRef>
-                </p:style>
-              </p:cxnSp>
-              <p:grpSp>
-                <p:nvGrpSpPr>
-                  <p:cNvPr id="70" name="Group 69">
-                    <a:extLst>
-                      <a:ext uri="{FF2B5EF4-FFF2-40B4-BE49-F238E27FC236}">
-                        <a16:creationId xmlns:a16="http://schemas.microsoft.com/office/drawing/2014/main" id="{F38C702A-F431-D1BF-FF71-3423BB21C085}"/>
-                      </a:ext>
-                    </a:extLst>
-                  </p:cNvPr>
-                  <p:cNvGrpSpPr/>
-                  <p:nvPr/>
-                </p:nvGrpSpPr>
-                <p:grpSpPr>
-                  <a:xfrm>
-                    <a:off x="3845400" y="1084119"/>
-                    <a:ext cx="3629988" cy="3758363"/>
-                    <a:chOff x="5004628" y="1116776"/>
-                    <a:chExt cx="3629988" cy="3758363"/>
-                  </a:xfrm>
-                </p:grpSpPr>
-                <p:grpSp>
-                  <p:nvGrpSpPr>
-                    <p:cNvPr id="66" name="Group 65">
-                      <a:extLst>
-                        <a:ext uri="{FF2B5EF4-FFF2-40B4-BE49-F238E27FC236}">
-                          <a16:creationId xmlns:a16="http://schemas.microsoft.com/office/drawing/2014/main" id="{9BF9FE14-7E1C-7C25-7068-CE6571DBAEB4}"/>
-                        </a:ext>
-                      </a:extLst>
-                    </p:cNvPr>
-                    <p:cNvGrpSpPr>
-                      <a:grpSpLocks noChangeAspect="1"/>
-                    </p:cNvGrpSpPr>
-                    <p:nvPr/>
-                  </p:nvGrpSpPr>
-                  <p:grpSpPr>
-                    <a:xfrm>
-                      <a:off x="5004628" y="1275139"/>
-                      <a:ext cx="3600000" cy="3600000"/>
-                      <a:chOff x="5196000" y="2529000"/>
-                      <a:chExt cx="1800000" cy="1800000"/>
-                    </a:xfrm>
-                  </p:grpSpPr>
-                  <p:cxnSp>
-                    <p:nvCxnSpPr>
-                      <p:cNvPr id="63" name="Straight Arrow Connector 62">
-                        <a:extLst>
-                          <a:ext uri="{FF2B5EF4-FFF2-40B4-BE49-F238E27FC236}">
-                            <a16:creationId xmlns:a16="http://schemas.microsoft.com/office/drawing/2014/main" id="{EE760481-29A2-7D17-4B97-CF8436E9DA05}"/>
-                          </a:ext>
-                        </a:extLst>
-                      </p:cNvPr>
-                      <p:cNvCxnSpPr>
-                        <a:cxnSpLocks/>
-                      </p:cNvCxnSpPr>
-                      <p:nvPr/>
-                    </p:nvCxnSpPr>
-                    <p:spPr>
-                      <a:xfrm>
-                        <a:off x="5196000" y="3429000"/>
-                        <a:ext cx="1800000" cy="0"/>
-                      </a:xfrm>
-                      <a:prstGeom prst="straightConnector1">
-                        <a:avLst/>
-                      </a:prstGeom>
-                      <a:ln>
-                        <a:tailEnd type="triangle"/>
-                      </a:ln>
-                    </p:spPr>
-                    <p:style>
-                      <a:lnRef idx="1">
-                        <a:schemeClr val="accent1"/>
-                      </a:lnRef>
-                      <a:fillRef idx="0">
-                        <a:schemeClr val="accent1"/>
-                      </a:fillRef>
-                      <a:effectRef idx="0">
-                        <a:schemeClr val="accent1"/>
-                      </a:effectRef>
-                      <a:fontRef idx="minor">
-                        <a:schemeClr val="tx1"/>
-                      </a:fontRef>
-                    </p:style>
-                  </p:cxnSp>
-                  <p:cxnSp>
-                    <p:nvCxnSpPr>
-                      <p:cNvPr id="64" name="Straight Arrow Connector 63">
-                        <a:extLst>
-                          <a:ext uri="{FF2B5EF4-FFF2-40B4-BE49-F238E27FC236}">
-                            <a16:creationId xmlns:a16="http://schemas.microsoft.com/office/drawing/2014/main" id="{3BE1065D-936B-396E-F45D-6E29D33127CC}"/>
-                          </a:ext>
-                        </a:extLst>
-                      </p:cNvPr>
-                      <p:cNvCxnSpPr>
-                        <a:cxnSpLocks/>
-                      </p:cNvCxnSpPr>
-                      <p:nvPr/>
-                    </p:nvCxnSpPr>
-                    <p:spPr>
-                      <a:xfrm flipV="1">
-                        <a:off x="6096000" y="2529000"/>
-                        <a:ext cx="0" cy="1800000"/>
-                      </a:xfrm>
-                      <a:prstGeom prst="straightConnector1">
-                        <a:avLst/>
-                      </a:prstGeom>
-                      <a:ln>
-                        <a:tailEnd type="triangle"/>
-                      </a:ln>
-                    </p:spPr>
-                    <p:style>
-                      <a:lnRef idx="1">
-                        <a:schemeClr val="accent1"/>
-                      </a:lnRef>
-                      <a:fillRef idx="0">
-                        <a:schemeClr val="accent1"/>
-                      </a:fillRef>
-                      <a:effectRef idx="0">
-                        <a:schemeClr val="accent1"/>
-                      </a:effectRef>
-                      <a:fontRef idx="minor">
-                        <a:schemeClr val="tx1"/>
-                      </a:fontRef>
-                    </p:style>
-                  </p:cxnSp>
-                </p:grpSp>
-                <p:sp>
-                  <p:nvSpPr>
-                    <p:cNvPr id="68" name="TextBox 67">
-                      <a:extLst>
-                        <a:ext uri="{FF2B5EF4-FFF2-40B4-BE49-F238E27FC236}">
-                          <a16:creationId xmlns:a16="http://schemas.microsoft.com/office/drawing/2014/main" id="{693AB8AD-F13C-E48A-ECBA-11E5BE4ECE43}"/>
-                        </a:ext>
-                      </a:extLst>
-                    </p:cNvPr>
-                    <p:cNvSpPr txBox="1"/>
-                    <p:nvPr/>
-                  </p:nvSpPr>
-                  <p:spPr>
-                    <a:xfrm>
-                      <a:off x="6808625" y="1116776"/>
-                      <a:ext cx="213651" cy="338512"/>
-                    </a:xfrm>
-                    <a:prstGeom prst="rect">
-                      <a:avLst/>
-                    </a:prstGeom>
-                    <a:noFill/>
-                  </p:spPr>
-                  <p:txBody>
-                    <a:bodyPr wrap="none" rtlCol="0">
-                      <a:spAutoFit/>
-                    </a:bodyPr>
-                    <a:lstStyle/>
-                    <a:p>
-                      <a:r>
-                        <a:rPr lang="en-CN" sz="2704" dirty="0">
-                          <a:solidFill>
-                            <a:schemeClr val="accent1"/>
-                          </a:solidFill>
-                          <a:latin typeface="Goudy Old Style" panose="02020502050305020303" pitchFamily="18" charset="77"/>
-                          <a:cs typeface="Sathu" pitchFamily="2" charset="-34"/>
-                        </a:rPr>
-                        <a:t>y</a:t>
-                      </a:r>
-                    </a:p>
-                  </p:txBody>
-                </p:sp>
-                <p:sp>
-                  <p:nvSpPr>
-                    <p:cNvPr id="69" name="TextBox 68">
-                      <a:extLst>
-                        <a:ext uri="{FF2B5EF4-FFF2-40B4-BE49-F238E27FC236}">
-                          <a16:creationId xmlns:a16="http://schemas.microsoft.com/office/drawing/2014/main" id="{3132D16D-88C6-9A85-71FE-48334D060536}"/>
-                        </a:ext>
-                      </a:extLst>
-                    </p:cNvPr>
-                    <p:cNvSpPr txBox="1"/>
-                    <p:nvPr/>
-                  </p:nvSpPr>
-                  <p:spPr>
-                    <a:xfrm>
-                      <a:off x="8411361" y="3008559"/>
-                      <a:ext cx="223255" cy="338512"/>
-                    </a:xfrm>
-                    <a:prstGeom prst="rect">
-                      <a:avLst/>
-                    </a:prstGeom>
-                    <a:noFill/>
-                  </p:spPr>
-                  <p:txBody>
-                    <a:bodyPr wrap="none" rtlCol="0">
-                      <a:spAutoFit/>
-                    </a:bodyPr>
-                    <a:lstStyle/>
-                    <a:p>
-                      <a:r>
-                        <a:rPr lang="en-CN" sz="2704" dirty="0">
-                          <a:solidFill>
-                            <a:schemeClr val="accent1"/>
-                          </a:solidFill>
-                          <a:latin typeface="Goudy Old Style" panose="02020502050305020303" pitchFamily="18" charset="77"/>
-                          <a:cs typeface="Sathu" pitchFamily="2" charset="-34"/>
-                        </a:rPr>
-                        <a:t>x</a:t>
-                      </a:r>
-                    </a:p>
-                  </p:txBody>
-                </p:sp>
-              </p:grpSp>
+                <p:txBody>
+                  <a:bodyPr wrap="none" rtlCol="0">
+                    <a:spAutoFit/>
+                  </a:bodyPr>
+                  <a:lstStyle/>
+                  <a:p>
+                    <a:r>
+                      <a:rPr lang="en-CN" sz="2704" dirty="0">
+                        <a:solidFill>
+                          <a:schemeClr val="accent1"/>
+                        </a:solidFill>
+                        <a:latin typeface="Goudy Old Style" panose="02020502050305020303" pitchFamily="18" charset="77"/>
+                        <a:cs typeface="Sathu" pitchFamily="2" charset="-34"/>
+                      </a:rPr>
+                      <a:t>x</a:t>
+                    </a:r>
+                  </a:p>
+                </p:txBody>
+              </p:sp>
             </p:grpSp>
-            <p:sp>
-              <p:nvSpPr>
-                <p:cNvPr id="88" name="Arc 87">
-                  <a:extLst>
-                    <a:ext uri="{FF2B5EF4-FFF2-40B4-BE49-F238E27FC236}">
-                      <a16:creationId xmlns:a16="http://schemas.microsoft.com/office/drawing/2014/main" id="{85C16022-7E30-63B6-C214-AF121F4B4D67}"/>
-                    </a:ext>
-                  </a:extLst>
-                </p:cNvPr>
-                <p:cNvSpPr/>
-                <p:nvPr/>
-              </p:nvSpPr>
-              <p:spPr>
-                <a:xfrm>
-                  <a:off x="8567463" y="2877085"/>
-                  <a:ext cx="1373505" cy="1373505"/>
-                </a:xfrm>
-                <a:prstGeom prst="arc">
-                  <a:avLst>
-                    <a:gd name="adj1" fmla="val 13244703"/>
-                    <a:gd name="adj2" fmla="val 15036454"/>
-                  </a:avLst>
-                </a:prstGeom>
-                <a:ln w="50800">
-                  <a:solidFill>
-                    <a:srgbClr val="FF0000"/>
-                  </a:solidFill>
-                  <a:tailEnd type="triangle"/>
-                </a:ln>
-              </p:spPr>
-              <p:style>
-                <a:lnRef idx="1">
-                  <a:schemeClr val="accent1"/>
-                </a:lnRef>
-                <a:fillRef idx="0">
-                  <a:schemeClr val="accent1"/>
-                </a:fillRef>
-                <a:effectRef idx="0">
-                  <a:schemeClr val="accent1"/>
-                </a:effectRef>
-                <a:fontRef idx="minor">
-                  <a:schemeClr val="tx1"/>
-                </a:fontRef>
-              </p:style>
-              <p:txBody>
-                <a:bodyPr rtlCol="0" anchor="ctr"/>
-                <a:lstStyle/>
-                <a:p>
-                  <a:pPr algn="ctr"/>
-                  <a:endParaRPr lang="en-CN" sz="2704"/>
-                </a:p>
-              </p:txBody>
-            </p:sp>
-            <p:sp>
-              <p:nvSpPr>
-                <p:cNvPr id="94" name="TextBox 93">
-                  <a:extLst>
-                    <a:ext uri="{FF2B5EF4-FFF2-40B4-BE49-F238E27FC236}">
-                      <a16:creationId xmlns:a16="http://schemas.microsoft.com/office/drawing/2014/main" id="{27576097-E39C-DA99-0339-F072CBAC8AE4}"/>
-                    </a:ext>
-                  </a:extLst>
-                </p:cNvPr>
-                <p:cNvSpPr txBox="1"/>
-                <p:nvPr/>
-              </p:nvSpPr>
-              <p:spPr>
-                <a:xfrm>
-                  <a:off x="10015367" y="3517240"/>
-                  <a:ext cx="1395318" cy="369332"/>
-                </a:xfrm>
-                <a:prstGeom prst="rect">
-                  <a:avLst/>
-                </a:prstGeom>
-                <a:noFill/>
-              </p:spPr>
-              <p:txBody>
-                <a:bodyPr wrap="none" rtlCol="0">
-                  <a:spAutoFit/>
-                </a:bodyPr>
-                <a:lstStyle/>
-                <a:p>
-                  <a:r>
-                    <a:rPr lang="en-US" dirty="0">
-                      <a:solidFill>
-                        <a:schemeClr val="bg1">
-                          <a:lumMod val="65000"/>
-                        </a:schemeClr>
-                      </a:solidFill>
-                    </a:rPr>
-                    <a:t>gaze forward</a:t>
-                  </a:r>
-                  <a:endParaRPr lang="en-CN" dirty="0">
-                    <a:solidFill>
-                      <a:schemeClr val="bg1">
-                        <a:lumMod val="65000"/>
-                      </a:schemeClr>
-                    </a:solidFill>
-                  </a:endParaRPr>
-                </a:p>
-              </p:txBody>
-            </p:sp>
-          </p:grpSp>
-          <p:grpSp>
-            <p:nvGrpSpPr>
-              <p:cNvPr id="99" name="Group 98">
-                <a:extLst>
-                  <a:ext uri="{FF2B5EF4-FFF2-40B4-BE49-F238E27FC236}">
-                    <a16:creationId xmlns:a16="http://schemas.microsoft.com/office/drawing/2014/main" id="{2681589E-8F31-CA60-D057-E0B290AAF072}"/>
-                  </a:ext>
-                </a:extLst>
-              </p:cNvPr>
-              <p:cNvGrpSpPr/>
-              <p:nvPr/>
-            </p:nvGrpSpPr>
-            <p:grpSpPr>
-              <a:xfrm>
-                <a:off x="11939954" y="26564"/>
-                <a:ext cx="5601860" cy="5644800"/>
-                <a:chOff x="12406484" y="26564"/>
-                <a:chExt cx="5601860" cy="5644800"/>
-              </a:xfrm>
-            </p:grpSpPr>
-            <p:grpSp>
-              <p:nvGrpSpPr>
-                <p:cNvPr id="86" name="Group 85">
-                  <a:extLst>
-                    <a:ext uri="{FF2B5EF4-FFF2-40B4-BE49-F238E27FC236}">
-                      <a16:creationId xmlns:a16="http://schemas.microsoft.com/office/drawing/2014/main" id="{D5CAB410-8211-24AA-F6D4-4AB9DB5E2C86}"/>
-                    </a:ext>
-                  </a:extLst>
-                </p:cNvPr>
-                <p:cNvGrpSpPr/>
-                <p:nvPr/>
-              </p:nvGrpSpPr>
-              <p:grpSpPr>
-                <a:xfrm>
-                  <a:off x="12406484" y="26564"/>
-                  <a:ext cx="5452545" cy="5644800"/>
-                  <a:chOff x="8265119" y="1084119"/>
-                  <a:chExt cx="3629988" cy="3758363"/>
-                </a:xfrm>
-              </p:grpSpPr>
-              <p:grpSp>
-                <p:nvGrpSpPr>
-                  <p:cNvPr id="48" name="Group 47">
-                    <a:extLst>
-                      <a:ext uri="{FF2B5EF4-FFF2-40B4-BE49-F238E27FC236}">
-                        <a16:creationId xmlns:a16="http://schemas.microsoft.com/office/drawing/2014/main" id="{15E7DC55-C157-E440-96E4-404C152D8B1B}"/>
-                      </a:ext>
-                    </a:extLst>
-                  </p:cNvPr>
-                  <p:cNvGrpSpPr/>
-                  <p:nvPr/>
-                </p:nvGrpSpPr>
-                <p:grpSpPr>
-                  <a:xfrm>
-                    <a:off x="10699727" y="3690380"/>
-                    <a:ext cx="866402" cy="1025611"/>
-                    <a:chOff x="7579941" y="3963212"/>
-                    <a:chExt cx="1476117" cy="1747368"/>
-                  </a:xfrm>
-                </p:grpSpPr>
-                <p:pic>
-                  <p:nvPicPr>
-                    <p:cNvPr id="49" name="Picture 8" descr="Big Image - Head Silhouette Clipart, HD Png Download - 2032x2304(#2137798)  - PngFind">
-                      <a:extLst>
-                        <a:ext uri="{FF2B5EF4-FFF2-40B4-BE49-F238E27FC236}">
-                          <a16:creationId xmlns:a16="http://schemas.microsoft.com/office/drawing/2014/main" id="{A1EECAC3-A215-5F1E-8B7B-D8675C12BA1D}"/>
-                        </a:ext>
-                      </a:extLst>
-                    </p:cNvPr>
-                    <p:cNvPicPr>
-                      <a:picLocks noChangeAspect="1" noChangeArrowheads="1"/>
-                    </p:cNvPicPr>
-                    <p:nvPr/>
-                  </p:nvPicPr>
-                  <p:blipFill>
-                    <a:blip r:embed="rId2">
-                      <a:extLst>
-                        <a:ext uri="{BEBA8EAE-BF5A-486C-A8C5-ECC9F3942E4B}">
-                          <a14:imgProps xmlns:a14="http://schemas.microsoft.com/office/drawing/2010/main">
-                            <a14:imgLayer r:embed="rId3">
-                              <a14:imgEffect>
-                                <a14:backgroundRemoval t="6956" b="92440" l="1667" r="95000">
-                                  <a14:foregroundMark x1="25476" y1="29738" x2="31429" y2="14214"/>
-                                  <a14:foregroundMark x1="31429" y1="14214" x2="50119" y2="6956"/>
-                                  <a14:foregroundMark x1="50119" y1="6956" x2="52619" y2="7560"/>
-                                  <a14:foregroundMark x1="52619" y1="13609" x2="52619" y2="13609"/>
-                                  <a14:foregroundMark x1="7381" y1="28226" x2="6786" y2="33468"/>
-                                  <a14:foregroundMark x1="43095" y1="92641" x2="43095" y2="92641"/>
-                                  <a14:foregroundMark x1="90952" y1="51210" x2="90952" y2="51210"/>
-                                  <a14:foregroundMark x1="1667" y1="34577" x2="1667" y2="34577"/>
-                                  <a14:foregroundMark x1="95000" y1="52419" x2="95000" y2="52419"/>
-                                </a14:backgroundRemoval>
-                              </a14:imgEffect>
-                            </a14:imgLayer>
-                          </a14:imgProps>
-                        </a:ext>
-                        <a:ext uri="{28A0092B-C50C-407E-A947-70E740481C1C}">
-                          <a14:useLocalDpi xmlns:a14="http://schemas.microsoft.com/office/drawing/2010/main" val="0"/>
-                        </a:ext>
-                      </a:extLst>
-                    </a:blip>
-                    <a:srcRect/>
-                    <a:stretch>
-                      <a:fillRect/>
-                    </a:stretch>
-                  </p:blipFill>
-                  <p:spPr bwMode="auto">
-                    <a:xfrm flipH="1">
-                      <a:off x="7579941" y="3963212"/>
-                      <a:ext cx="1476117" cy="1747368"/>
-                    </a:xfrm>
-                    <a:prstGeom prst="rect">
-                      <a:avLst/>
-                    </a:prstGeom>
-                    <a:noFill/>
-                    <a:extLst>
-                      <a:ext uri="{909E8E84-426E-40DD-AFC4-6F175D3DCCD1}">
-                        <a14:hiddenFill xmlns:a14="http://schemas.microsoft.com/office/drawing/2010/main">
-                          <a:solidFill>
-                            <a:srgbClr val="FFFFFF"/>
-                          </a:solidFill>
-                        </a14:hiddenFill>
-                      </a:ext>
-                    </a:extLst>
-                  </p:spPr>
-                </p:pic>
-                <p:pic>
-                  <p:nvPicPr>
-                    <p:cNvPr id="50" name="Picture 10">
-                      <a:extLst>
-                        <a:ext uri="{FF2B5EF4-FFF2-40B4-BE49-F238E27FC236}">
-                          <a16:creationId xmlns:a16="http://schemas.microsoft.com/office/drawing/2014/main" id="{CECF14F1-C1D0-D05C-0B97-5658597AFFC7}"/>
-                        </a:ext>
-                      </a:extLst>
-                    </p:cNvPr>
-                    <p:cNvPicPr>
-                      <a:picLocks noChangeAspect="1" noChangeArrowheads="1"/>
-                    </p:cNvPicPr>
-                    <p:nvPr/>
-                  </p:nvPicPr>
-                  <p:blipFill>
-                    <a:blip r:embed="rId4">
-                      <a:lum bright="70000" contrast="-70000"/>
-                      <a:extLst>
-                        <a:ext uri="{28A0092B-C50C-407E-A947-70E740481C1C}">
-                          <a14:useLocalDpi xmlns:a14="http://schemas.microsoft.com/office/drawing/2010/main" val="0"/>
-                        </a:ext>
-                      </a:extLst>
-                    </a:blip>
-                    <a:srcRect/>
-                    <a:stretch>
-                      <a:fillRect/>
-                    </a:stretch>
-                  </p:blipFill>
-                  <p:spPr bwMode="auto">
-                    <a:xfrm>
-                      <a:off x="7848979" y="4552711"/>
-                      <a:ext cx="261887" cy="261887"/>
-                    </a:xfrm>
-                    <a:prstGeom prst="rect">
-                      <a:avLst/>
-                    </a:prstGeom>
-                    <a:noFill/>
-                    <a:extLst>
-                      <a:ext uri="{909E8E84-426E-40DD-AFC4-6F175D3DCCD1}">
-                        <a14:hiddenFill xmlns:a14="http://schemas.microsoft.com/office/drawing/2010/main">
-                          <a:solidFill>
-                            <a:srgbClr val="FFFFFF"/>
-                          </a:solidFill>
-                        </a14:hiddenFill>
-                      </a:ext>
-                    </a:extLst>
-                  </p:spPr>
-                </p:pic>
-              </p:grpSp>
-              <mc:AlternateContent xmlns:mc="http://schemas.openxmlformats.org/markup-compatibility/2006">
-                <mc:Choice xmlns:am3d="http://schemas.microsoft.com/office/drawing/2017/model3d" Requires="am3d">
-                  <p:graphicFrame>
-                    <p:nvGraphicFramePr>
-                      <p:cNvPr id="51" name="3D Model 20" descr="Prism And Basal Pinacoid White">
-                        <a:extLst>
-                          <a:ext uri="{FF2B5EF4-FFF2-40B4-BE49-F238E27FC236}">
-                            <a16:creationId xmlns:a16="http://schemas.microsoft.com/office/drawing/2014/main" id="{415012D4-B501-3C57-71B4-828BFDB54502}"/>
-                          </a:ext>
-                        </a:extLst>
-                      </p:cNvPr>
-                      <p:cNvGraphicFramePr>
-                        <a:graphicFrameLocks noChangeAspect="1"/>
-                      </p:cNvGraphicFramePr>
-                      <p:nvPr>
-                        <p:extLst>
-                          <p:ext uri="{D42A27DB-BD31-4B8C-83A1-F6EECF244321}">
-                            <p14:modId xmlns:p14="http://schemas.microsoft.com/office/powerpoint/2010/main" val="2854714223"/>
-                          </p:ext>
-                        </p:extLst>
-                      </p:nvPr>
-                    </p:nvGraphicFramePr>
-                    <p:xfrm>
-                      <a:off x="9253628" y="2118815"/>
-                      <a:ext cx="1468083" cy="1663770"/>
-                    </p:xfrm>
-                    <a:graphic>
-                      <a:graphicData uri="http://schemas.microsoft.com/office/drawing/2017/model3d">
-                        <am3d:model3d r:embed="rId5">
-                          <am3d:spPr>
-                            <a:xfrm>
-                              <a:off x="0" y="0"/>
-                              <a:ext cx="2205183" cy="2498867"/>
-                            </a:xfrm>
-                            <a:prstGeom prst="rect">
-                              <a:avLst/>
-                            </a:prstGeom>
-                            <a:effectLst>
-                              <a:glow rad="259103">
-                                <a:schemeClr val="accent1">
-                                  <a:lumMod val="60000"/>
-                                  <a:lumOff val="40000"/>
-                                  <a:alpha val="62000"/>
-                                </a:schemeClr>
-                              </a:glow>
-                            </a:effectLst>
-                          </am3d:spPr>
-                          <am3d:camera>
-                            <am3d:pos x="0" y="0" z="81469150"/>
-                            <am3d:up dx="0" dy="36000000" dz="0"/>
-                            <am3d:lookAt x="0" y="0" z="0"/>
-                            <am3d:perspective fov="2700000"/>
-                          </am3d:camera>
-                          <am3d:trans>
-                            <am3d:meterPerModelUnit n="139970" d="1000000"/>
-                            <am3d:preTrans dx="-76" dy="-17999982" dz="1"/>
-                            <am3d:scale>
-                              <am3d:sx n="1000000" d="1000000"/>
-                              <am3d:sy n="1000000" d="1000000"/>
-                              <am3d:sz n="1000000" d="1000000"/>
-                            </am3d:scale>
-                            <am3d:rot ax="-2183283" ay="2913714" az="9064903"/>
-                            <am3d:postTrans dx="0" dy="0" dz="0"/>
-                          </am3d:trans>
-                          <am3d:raster rName="Office3DRenderer" rVer="16.0.8326">
-                            <am3d:blip r:embed="rId12"/>
-                          </am3d:raster>
-                          <am3d:objViewport viewportSz="2565326"/>
-                          <am3d:ambientLight>
-                            <am3d:clr>
-                              <a:scrgbClr r="50000" g="50000" b="50000"/>
-                            </am3d:clr>
-                            <am3d:illuminance n="500000" d="1000000"/>
-                          </am3d:ambientLight>
-                          <am3d:ptLight rad="0">
-                            <am3d:clr>
-                              <a:scrgbClr r="100000" g="75000" b="50000"/>
-                            </am3d:clr>
-                            <am3d:intensity n="9765625" d="1000000"/>
-                            <am3d:pos x="21959998" y="70920001" z="16344003"/>
-                          </am3d:ptLight>
-                          <am3d:ptLight rad="0">
-                            <am3d:clr>
-                              <a:scrgbClr r="40000" g="60000" b="95000"/>
-                            </am3d:clr>
-                            <am3d:intensity n="12250000" d="1000000"/>
-                            <am3d:pos x="-37964106" y="51130435" z="57631972"/>
-                          </am3d:ptLight>
-                          <am3d:ptLight rad="0">
-                            <am3d:clr>
-                              <a:scrgbClr r="86837" g="72700" b="100000"/>
-                            </am3d:clr>
-                            <am3d:intensity n="3125000" d="1000000"/>
-                            <am3d:pos x="-37739122" y="58056624" z="-34769649"/>
-                          </am3d:ptLight>
-                        </am3d:model3d>
-                      </a:graphicData>
-                    </a:graphic>
-                  </p:graphicFrame>
-                </mc:Choice>
-                <mc:Fallback>
-                  <p:pic>
-                    <p:nvPicPr>
-                      <p:cNvPr id="51" name="3D Model 20" descr="Prism And Basal Pinacoid White">
-                        <a:extLst>
-                          <a:ext uri="{FF2B5EF4-FFF2-40B4-BE49-F238E27FC236}">
-                            <a16:creationId xmlns:a16="http://schemas.microsoft.com/office/drawing/2014/main" id="{415012D4-B501-3C57-71B4-828BFDB54502}"/>
-                          </a:ext>
-                        </a:extLst>
-                      </p:cNvPr>
-                      <p:cNvPicPr>
-                        <a:picLocks noGrp="1" noRot="1" noChangeAspect="1" noMove="1" noResize="1" noEditPoints="1" noAdjustHandles="1" noChangeArrowheads="1" noChangeShapeType="1" noCrop="1"/>
-                      </p:cNvPicPr>
-                      <p:nvPr/>
-                    </p:nvPicPr>
-                    <p:blipFill>
-                      <a:blip r:embed="rId12"/>
-                      <a:stretch>
-                        <a:fillRect/>
-                      </a:stretch>
-                    </p:blipFill>
-                    <p:spPr>
-                      <a:xfrm>
-                        <a:off x="13424777" y="1319344"/>
-                        <a:ext cx="2205183" cy="2498867"/>
-                      </a:xfrm>
-                      <a:prstGeom prst="rect">
-                        <a:avLst/>
-                      </a:prstGeom>
-                      <a:effectLst>
-                        <a:glow rad="259103">
-                          <a:schemeClr val="accent1">
-                            <a:lumMod val="60000"/>
-                            <a:lumOff val="40000"/>
-                            <a:alpha val="62000"/>
-                          </a:schemeClr>
-                        </a:glow>
-                      </a:effectLst>
-                    </p:spPr>
-                  </p:pic>
-                </mc:Fallback>
-              </mc:AlternateContent>
-              <p:cxnSp>
-                <p:nvCxnSpPr>
-                  <p:cNvPr id="52" name="Straight Connector 51">
-                    <a:extLst>
-                      <a:ext uri="{FF2B5EF4-FFF2-40B4-BE49-F238E27FC236}">
-                        <a16:creationId xmlns:a16="http://schemas.microsoft.com/office/drawing/2014/main" id="{EB995193-DA26-E2B3-EF75-3CD163F78F2A}"/>
-                      </a:ext>
-                    </a:extLst>
-                  </p:cNvPr>
-                  <p:cNvCxnSpPr>
-                    <a:cxnSpLocks/>
-                  </p:cNvCxnSpPr>
-                  <p:nvPr/>
-                </p:nvCxnSpPr>
-                <p:spPr>
-                  <a:xfrm flipH="1">
-                    <a:off x="10912982" y="3042481"/>
-                    <a:ext cx="188251" cy="1021854"/>
-                  </a:xfrm>
-                  <a:prstGeom prst="line">
-                    <a:avLst/>
-                  </a:prstGeom>
-                  <a:ln w="28575">
-                    <a:solidFill>
-                      <a:schemeClr val="bg1">
-                        <a:lumMod val="65000"/>
-                      </a:schemeClr>
-                    </a:solidFill>
-                    <a:headEnd type="arrow"/>
-                  </a:ln>
-                </p:spPr>
-                <p:style>
-                  <a:lnRef idx="1">
-                    <a:schemeClr val="dk1"/>
-                  </a:lnRef>
-                  <a:fillRef idx="0">
-                    <a:schemeClr val="dk1"/>
-                  </a:fillRef>
-                  <a:effectRef idx="0">
-                    <a:schemeClr val="dk1"/>
-                  </a:effectRef>
-                  <a:fontRef idx="minor">
-                    <a:schemeClr val="tx1"/>
-                  </a:fontRef>
-                </p:style>
-              </p:cxnSp>
-              <p:cxnSp>
-                <p:nvCxnSpPr>
-                  <p:cNvPr id="53" name="Straight Connector 52">
-                    <a:extLst>
-                      <a:ext uri="{FF2B5EF4-FFF2-40B4-BE49-F238E27FC236}">
-                        <a16:creationId xmlns:a16="http://schemas.microsoft.com/office/drawing/2014/main" id="{9E68AA2D-8F63-5CF9-A1A9-EB0A297D225A}"/>
-                      </a:ext>
-                    </a:extLst>
-                  </p:cNvPr>
-                  <p:cNvCxnSpPr>
-                    <a:cxnSpLocks/>
-                  </p:cNvCxnSpPr>
-                  <p:nvPr/>
-                </p:nvCxnSpPr>
-                <p:spPr>
-                  <a:xfrm>
-                    <a:off x="10076465" y="3042482"/>
-                    <a:ext cx="842649" cy="1019258"/>
-                  </a:xfrm>
-                  <a:prstGeom prst="line">
-                    <a:avLst/>
-                  </a:prstGeom>
-                  <a:ln w="28575">
-                    <a:solidFill>
-                      <a:schemeClr val="bg1">
-                        <a:lumMod val="65000"/>
-                      </a:schemeClr>
-                    </a:solidFill>
-                    <a:prstDash val="sysDot"/>
-                    <a:headEnd type="arrow"/>
-                  </a:ln>
-                </p:spPr>
-                <p:style>
-                  <a:lnRef idx="1">
-                    <a:schemeClr val="dk1"/>
-                  </a:lnRef>
-                  <a:fillRef idx="0">
-                    <a:schemeClr val="dk1"/>
-                  </a:fillRef>
-                  <a:effectRef idx="0">
-                    <a:schemeClr val="dk1"/>
-                  </a:effectRef>
-                  <a:fontRef idx="minor">
-                    <a:schemeClr val="tx1"/>
-                  </a:fontRef>
-                </p:style>
-              </p:cxnSp>
-              <p:grpSp>
-                <p:nvGrpSpPr>
-                  <p:cNvPr id="77" name="Group 76">
-                    <a:extLst>
-                      <a:ext uri="{FF2B5EF4-FFF2-40B4-BE49-F238E27FC236}">
-                        <a16:creationId xmlns:a16="http://schemas.microsoft.com/office/drawing/2014/main" id="{B58FFFE3-83A2-41DB-0A45-A905185D184D}"/>
-                      </a:ext>
-                    </a:extLst>
-                  </p:cNvPr>
-                  <p:cNvGrpSpPr/>
-                  <p:nvPr/>
-                </p:nvGrpSpPr>
-                <p:grpSpPr>
-                  <a:xfrm>
-                    <a:off x="8265119" y="1084119"/>
-                    <a:ext cx="3629988" cy="3758363"/>
-                    <a:chOff x="5004628" y="1116776"/>
-                    <a:chExt cx="3629988" cy="3758363"/>
-                  </a:xfrm>
-                </p:grpSpPr>
-                <p:grpSp>
-                  <p:nvGrpSpPr>
-                    <p:cNvPr id="78" name="Group 77">
-                      <a:extLst>
-                        <a:ext uri="{FF2B5EF4-FFF2-40B4-BE49-F238E27FC236}">
-                          <a16:creationId xmlns:a16="http://schemas.microsoft.com/office/drawing/2014/main" id="{E6A3A94D-EA6C-9339-89C3-F62B0968212E}"/>
-                        </a:ext>
-                      </a:extLst>
-                    </p:cNvPr>
-                    <p:cNvGrpSpPr>
-                      <a:grpSpLocks noChangeAspect="1"/>
-                    </p:cNvGrpSpPr>
-                    <p:nvPr/>
-                  </p:nvGrpSpPr>
-                  <p:grpSpPr>
-                    <a:xfrm>
-                      <a:off x="5004628" y="1275139"/>
-                      <a:ext cx="3600000" cy="3600000"/>
-                      <a:chOff x="5196000" y="2529000"/>
-                      <a:chExt cx="1800000" cy="1800000"/>
-                    </a:xfrm>
-                  </p:grpSpPr>
-                  <p:cxnSp>
-                    <p:nvCxnSpPr>
-                      <p:cNvPr id="81" name="Straight Arrow Connector 80">
-                        <a:extLst>
-                          <a:ext uri="{FF2B5EF4-FFF2-40B4-BE49-F238E27FC236}">
-                            <a16:creationId xmlns:a16="http://schemas.microsoft.com/office/drawing/2014/main" id="{150C58BB-8DDA-F08D-75BD-5AFFDC28E059}"/>
-                          </a:ext>
-                        </a:extLst>
-                      </p:cNvPr>
-                      <p:cNvCxnSpPr>
-                        <a:cxnSpLocks/>
-                      </p:cNvCxnSpPr>
-                      <p:nvPr/>
-                    </p:nvCxnSpPr>
-                    <p:spPr>
-                      <a:xfrm>
-                        <a:off x="5196000" y="3429000"/>
-                        <a:ext cx="1800000" cy="0"/>
-                      </a:xfrm>
-                      <a:prstGeom prst="straightConnector1">
-                        <a:avLst/>
-                      </a:prstGeom>
-                      <a:ln>
-                        <a:tailEnd type="triangle"/>
-                      </a:ln>
-                    </p:spPr>
-                    <p:style>
-                      <a:lnRef idx="1">
-                        <a:schemeClr val="accent1"/>
-                      </a:lnRef>
-                      <a:fillRef idx="0">
-                        <a:schemeClr val="accent1"/>
-                      </a:fillRef>
-                      <a:effectRef idx="0">
-                        <a:schemeClr val="accent1"/>
-                      </a:effectRef>
-                      <a:fontRef idx="minor">
-                        <a:schemeClr val="tx1"/>
-                      </a:fontRef>
-                    </p:style>
-                  </p:cxnSp>
-                  <p:cxnSp>
-                    <p:nvCxnSpPr>
-                      <p:cNvPr id="82" name="Straight Arrow Connector 81">
-                        <a:extLst>
-                          <a:ext uri="{FF2B5EF4-FFF2-40B4-BE49-F238E27FC236}">
-                            <a16:creationId xmlns:a16="http://schemas.microsoft.com/office/drawing/2014/main" id="{E8058B56-3E1D-E598-72B9-3188924D5605}"/>
-                          </a:ext>
-                        </a:extLst>
-                      </p:cNvPr>
-                      <p:cNvCxnSpPr>
-                        <a:cxnSpLocks/>
-                      </p:cNvCxnSpPr>
-                      <p:nvPr/>
-                    </p:nvCxnSpPr>
-                    <p:spPr>
-                      <a:xfrm flipV="1">
-                        <a:off x="6096000" y="2529000"/>
-                        <a:ext cx="0" cy="1800000"/>
-                      </a:xfrm>
-                      <a:prstGeom prst="straightConnector1">
-                        <a:avLst/>
-                      </a:prstGeom>
-                      <a:ln>
-                        <a:tailEnd type="triangle"/>
-                      </a:ln>
-                    </p:spPr>
-                    <p:style>
-                      <a:lnRef idx="1">
-                        <a:schemeClr val="accent1"/>
-                      </a:lnRef>
-                      <a:fillRef idx="0">
-                        <a:schemeClr val="accent1"/>
-                      </a:fillRef>
-                      <a:effectRef idx="0">
-                        <a:schemeClr val="accent1"/>
-                      </a:effectRef>
-                      <a:fontRef idx="minor">
-                        <a:schemeClr val="tx1"/>
-                      </a:fontRef>
-                    </p:style>
-                  </p:cxnSp>
-                </p:grpSp>
-                <p:sp>
-                  <p:nvSpPr>
-                    <p:cNvPr id="79" name="TextBox 78">
-                      <a:extLst>
-                        <a:ext uri="{FF2B5EF4-FFF2-40B4-BE49-F238E27FC236}">
-                          <a16:creationId xmlns:a16="http://schemas.microsoft.com/office/drawing/2014/main" id="{24EC1CB7-431F-CA11-C9A9-BC6752E390C0}"/>
-                        </a:ext>
-                      </a:extLst>
-                    </p:cNvPr>
-                    <p:cNvSpPr txBox="1"/>
-                    <p:nvPr/>
-                  </p:nvSpPr>
-                  <p:spPr>
-                    <a:xfrm>
-                      <a:off x="6808625" y="1116776"/>
-                      <a:ext cx="213651" cy="338512"/>
-                    </a:xfrm>
-                    <a:prstGeom prst="rect">
-                      <a:avLst/>
-                    </a:prstGeom>
-                    <a:noFill/>
-                  </p:spPr>
-                  <p:txBody>
-                    <a:bodyPr wrap="none" rtlCol="0">
-                      <a:spAutoFit/>
-                    </a:bodyPr>
-                    <a:lstStyle/>
-                    <a:p>
-                      <a:r>
-                        <a:rPr lang="en-CN" sz="2704" dirty="0">
-                          <a:solidFill>
-                            <a:schemeClr val="accent1"/>
-                          </a:solidFill>
-                          <a:latin typeface="Goudy Old Style" panose="02020502050305020303" pitchFamily="18" charset="77"/>
-                          <a:cs typeface="Sathu" pitchFamily="2" charset="-34"/>
-                        </a:rPr>
-                        <a:t>y</a:t>
-                      </a:r>
-                    </a:p>
-                  </p:txBody>
-                </p:sp>
-                <p:sp>
-                  <p:nvSpPr>
-                    <p:cNvPr id="80" name="TextBox 79">
-                      <a:extLst>
-                        <a:ext uri="{FF2B5EF4-FFF2-40B4-BE49-F238E27FC236}">
-                          <a16:creationId xmlns:a16="http://schemas.microsoft.com/office/drawing/2014/main" id="{81DF2025-4A82-ADD1-9280-EE42D35D2774}"/>
-                        </a:ext>
-                      </a:extLst>
-                    </p:cNvPr>
-                    <p:cNvSpPr txBox="1"/>
-                    <p:nvPr/>
-                  </p:nvSpPr>
-                  <p:spPr>
-                    <a:xfrm>
-                      <a:off x="8411361" y="3008559"/>
-                      <a:ext cx="223255" cy="338512"/>
-                    </a:xfrm>
-                    <a:prstGeom prst="rect">
-                      <a:avLst/>
-                    </a:prstGeom>
-                    <a:noFill/>
-                  </p:spPr>
-                  <p:txBody>
-                    <a:bodyPr wrap="none" rtlCol="0">
-                      <a:spAutoFit/>
-                    </a:bodyPr>
-                    <a:lstStyle/>
-                    <a:p>
-                      <a:r>
-                        <a:rPr lang="en-CN" sz="2704" dirty="0">
-                          <a:solidFill>
-                            <a:schemeClr val="accent1"/>
-                          </a:solidFill>
-                          <a:latin typeface="Goudy Old Style" panose="02020502050305020303" pitchFamily="18" charset="77"/>
-                          <a:cs typeface="Sathu" pitchFamily="2" charset="-34"/>
-                        </a:rPr>
-                        <a:t>x</a:t>
-                      </a:r>
-                    </a:p>
-                  </p:txBody>
-                </p:sp>
-              </p:grpSp>
-            </p:grpSp>
-            <p:sp>
-              <p:nvSpPr>
-                <p:cNvPr id="89" name="Arc 88">
-                  <a:extLst>
-                    <a:ext uri="{FF2B5EF4-FFF2-40B4-BE49-F238E27FC236}">
-                      <a16:creationId xmlns:a16="http://schemas.microsoft.com/office/drawing/2014/main" id="{35E2FA8E-3D39-EDF3-CBEA-718F08D6E908}"/>
-                    </a:ext>
-                  </a:extLst>
-                </p:cNvPr>
-                <p:cNvSpPr/>
-                <p:nvPr/>
-              </p:nvSpPr>
-              <p:spPr>
-                <a:xfrm>
-                  <a:off x="15560814" y="3175776"/>
-                  <a:ext cx="1373505" cy="1373505"/>
-                </a:xfrm>
-                <a:prstGeom prst="arc">
-                  <a:avLst>
-                    <a:gd name="adj1" fmla="val 13244703"/>
-                    <a:gd name="adj2" fmla="val 17692262"/>
-                  </a:avLst>
-                </a:prstGeom>
-                <a:ln w="50800">
-                  <a:solidFill>
-                    <a:srgbClr val="FF0000"/>
-                  </a:solidFill>
-                  <a:tailEnd type="triangle"/>
-                </a:ln>
-              </p:spPr>
-              <p:style>
-                <a:lnRef idx="1">
-                  <a:schemeClr val="accent1"/>
-                </a:lnRef>
-                <a:fillRef idx="0">
-                  <a:schemeClr val="accent1"/>
-                </a:fillRef>
-                <a:effectRef idx="0">
-                  <a:schemeClr val="accent1"/>
-                </a:effectRef>
-                <a:fontRef idx="minor">
-                  <a:schemeClr val="tx1"/>
-                </a:fontRef>
-              </p:style>
-              <p:txBody>
-                <a:bodyPr rtlCol="0" anchor="ctr"/>
-                <a:lstStyle/>
-                <a:p>
-                  <a:pPr algn="ctr"/>
-                  <a:endParaRPr lang="en-CN" sz="2704"/>
-                </a:p>
-              </p:txBody>
-            </p:sp>
-            <p:sp>
-              <p:nvSpPr>
-                <p:cNvPr id="95" name="TextBox 94">
-                  <a:extLst>
-                    <a:ext uri="{FF2B5EF4-FFF2-40B4-BE49-F238E27FC236}">
-                      <a16:creationId xmlns:a16="http://schemas.microsoft.com/office/drawing/2014/main" id="{B88CA69A-72F4-B708-3EB0-AC3E448A42EC}"/>
-                    </a:ext>
-                  </a:extLst>
-                </p:cNvPr>
-                <p:cNvSpPr txBox="1"/>
-                <p:nvPr/>
-              </p:nvSpPr>
-              <p:spPr>
-                <a:xfrm>
-                  <a:off x="16613026" y="3506757"/>
-                  <a:ext cx="1395318" cy="369332"/>
-                </a:xfrm>
-                <a:prstGeom prst="rect">
-                  <a:avLst/>
-                </a:prstGeom>
-                <a:noFill/>
-              </p:spPr>
-              <p:txBody>
-                <a:bodyPr wrap="none" rtlCol="0">
-                  <a:spAutoFit/>
-                </a:bodyPr>
-                <a:lstStyle/>
-                <a:p>
-                  <a:r>
-                    <a:rPr lang="en-US" dirty="0">
-                      <a:solidFill>
-                        <a:schemeClr val="bg1">
-                          <a:lumMod val="65000"/>
-                        </a:schemeClr>
-                      </a:solidFill>
-                    </a:rPr>
-                    <a:t>gaze forward</a:t>
-                  </a:r>
-                  <a:endParaRPr lang="en-CN" dirty="0">
-                    <a:solidFill>
-                      <a:schemeClr val="bg1">
-                        <a:lumMod val="65000"/>
-                      </a:schemeClr>
-                    </a:solidFill>
-                  </a:endParaRPr>
-                </a:p>
-              </p:txBody>
-            </p:sp>
           </p:grpSp>
           <p:sp>
             <p:nvSpPr>
-              <p:cNvPr id="96" name="Oval 95">
+              <p:cNvPr id="89" name="Arc 88">
                 <a:extLst>
                   <a:ext uri="{FF2B5EF4-FFF2-40B4-BE49-F238E27FC236}">
-                    <a16:creationId xmlns:a16="http://schemas.microsoft.com/office/drawing/2014/main" id="{92137A75-5F39-EAEB-F436-2E282821669E}"/>
+                    <a16:creationId xmlns:a16="http://schemas.microsoft.com/office/drawing/2014/main" id="{35E2FA8E-3D39-EDF3-CBEA-718F08D6E908}"/>
                   </a:ext>
                 </a:extLst>
               </p:cNvPr>
@@ -6696,684 +6613,18 @@
             </p:nvSpPr>
             <p:spPr>
               <a:xfrm>
-                <a:off x="2147808" y="6289146"/>
-                <a:ext cx="614855" cy="614855"/>
+                <a:off x="15560814" y="3175776"/>
+                <a:ext cx="1373505" cy="1373505"/>
               </a:xfrm>
-              <a:prstGeom prst="ellipse">
-                <a:avLst/>
+              <a:prstGeom prst="arc">
+                <a:avLst>
+                  <a:gd name="adj1" fmla="val 13244703"/>
+                  <a:gd name="adj2" fmla="val 17692262"/>
+                </a:avLst>
               </a:prstGeom>
-              <a:ln w="38100">
+              <a:ln w="50800">
                 <a:solidFill>
-                  <a:schemeClr val="tx1"/>
-                </a:solidFill>
-              </a:ln>
-            </p:spPr>
-            <p:style>
-              <a:lnRef idx="2">
-                <a:schemeClr val="accent6"/>
-              </a:lnRef>
-              <a:fillRef idx="1">
-                <a:schemeClr val="lt1"/>
-              </a:fillRef>
-              <a:effectRef idx="0">
-                <a:schemeClr val="accent6"/>
-              </a:effectRef>
-              <a:fontRef idx="minor">
-                <a:schemeClr val="dk1"/>
-              </a:fontRef>
-            </p:style>
-            <p:txBody>
-              <a:bodyPr rtlCol="0" anchor="ctr"/>
-              <a:lstStyle/>
-              <a:p>
-                <a:pPr algn="ctr"/>
-                <a:r>
-                  <a:rPr lang="en-CN" sz="2800" dirty="0"/>
-                  <a:t>1</a:t>
-                </a:r>
-              </a:p>
-            </p:txBody>
-          </p:sp>
-          <p:sp>
-            <p:nvSpPr>
-              <p:cNvPr id="97" name="Oval 96">
-                <a:extLst>
-                  <a:ext uri="{FF2B5EF4-FFF2-40B4-BE49-F238E27FC236}">
-                    <a16:creationId xmlns:a16="http://schemas.microsoft.com/office/drawing/2014/main" id="{FBE26B7A-DE6F-D713-1036-6FF6EA1D72AC}"/>
-                  </a:ext>
-                </a:extLst>
-              </p:cNvPr>
-              <p:cNvSpPr/>
-              <p:nvPr/>
-            </p:nvSpPr>
-            <p:spPr>
-              <a:xfrm>
-                <a:off x="8348202" y="6289146"/>
-                <a:ext cx="614855" cy="614855"/>
-              </a:xfrm>
-              <a:prstGeom prst="ellipse">
-                <a:avLst/>
-              </a:prstGeom>
-              <a:ln w="38100">
-                <a:solidFill>
-                  <a:schemeClr val="tx1"/>
-                </a:solidFill>
-              </a:ln>
-            </p:spPr>
-            <p:style>
-              <a:lnRef idx="2">
-                <a:schemeClr val="accent6"/>
-              </a:lnRef>
-              <a:fillRef idx="1">
-                <a:schemeClr val="lt1"/>
-              </a:fillRef>
-              <a:effectRef idx="0">
-                <a:schemeClr val="accent6"/>
-              </a:effectRef>
-              <a:fontRef idx="minor">
-                <a:schemeClr val="dk1"/>
-              </a:fontRef>
-            </p:style>
-            <p:txBody>
-              <a:bodyPr rtlCol="0" anchor="ctr"/>
-              <a:lstStyle/>
-              <a:p>
-                <a:pPr algn="ctr"/>
-                <a:r>
-                  <a:rPr lang="en-CN" sz="2800" dirty="0"/>
-                  <a:t>2</a:t>
-                </a:r>
-              </a:p>
-            </p:txBody>
-          </p:sp>
-          <p:sp>
-            <p:nvSpPr>
-              <p:cNvPr id="98" name="Oval 97">
-                <a:extLst>
-                  <a:ext uri="{FF2B5EF4-FFF2-40B4-BE49-F238E27FC236}">
-                    <a16:creationId xmlns:a16="http://schemas.microsoft.com/office/drawing/2014/main" id="{518EC41A-3C80-C51D-A50A-9971366D1108}"/>
-                  </a:ext>
-                </a:extLst>
-              </p:cNvPr>
-              <p:cNvSpPr/>
-              <p:nvPr/>
-            </p:nvSpPr>
-            <p:spPr>
-              <a:xfrm>
-                <a:off x="14548596" y="6289146"/>
-                <a:ext cx="614855" cy="614855"/>
-              </a:xfrm>
-              <a:prstGeom prst="ellipse">
-                <a:avLst/>
-              </a:prstGeom>
-              <a:ln w="38100">
-                <a:solidFill>
-                  <a:schemeClr val="tx1"/>
-                </a:solidFill>
-              </a:ln>
-            </p:spPr>
-            <p:style>
-              <a:lnRef idx="2">
-                <a:schemeClr val="accent6"/>
-              </a:lnRef>
-              <a:fillRef idx="1">
-                <a:schemeClr val="lt1"/>
-              </a:fillRef>
-              <a:effectRef idx="0">
-                <a:schemeClr val="accent6"/>
-              </a:effectRef>
-              <a:fontRef idx="minor">
-                <a:schemeClr val="dk1"/>
-              </a:fontRef>
-            </p:style>
-            <p:txBody>
-              <a:bodyPr rtlCol="0" anchor="ctr"/>
-              <a:lstStyle/>
-              <a:p>
-                <a:pPr algn="ctr"/>
-                <a:r>
-                  <a:rPr lang="en-CN" sz="2800" dirty="0"/>
-                  <a:t>3</a:t>
-                </a:r>
-              </a:p>
-            </p:txBody>
-          </p:sp>
-          <p:cxnSp>
-            <p:nvCxnSpPr>
-              <p:cNvPr id="102" name="Straight Arrow Connector 101">
-                <a:extLst>
-                  <a:ext uri="{FF2B5EF4-FFF2-40B4-BE49-F238E27FC236}">
-                    <a16:creationId xmlns:a16="http://schemas.microsoft.com/office/drawing/2014/main" id="{88272491-5067-6F30-41EF-0D3E1DD20C9E}"/>
-                  </a:ext>
-                </a:extLst>
-              </p:cNvPr>
-              <p:cNvCxnSpPr>
-                <a:cxnSpLocks/>
-              </p:cNvCxnSpPr>
-              <p:nvPr/>
-            </p:nvCxnSpPr>
-            <p:spPr>
-              <a:xfrm>
-                <a:off x="2985597" y="6601214"/>
-                <a:ext cx="5223396" cy="0"/>
-              </a:xfrm>
-              <a:prstGeom prst="straightConnector1">
-                <a:avLst/>
-              </a:prstGeom>
-              <a:ln w="127000" cmpd="tri">
-                <a:solidFill>
-                  <a:schemeClr val="bg1">
-                    <a:lumMod val="75000"/>
-                  </a:schemeClr>
-                </a:solidFill>
-                <a:tailEnd type="stealth"/>
-              </a:ln>
-            </p:spPr>
-            <p:style>
-              <a:lnRef idx="1">
-                <a:schemeClr val="accent1"/>
-              </a:lnRef>
-              <a:fillRef idx="0">
-                <a:schemeClr val="accent1"/>
-              </a:fillRef>
-              <a:effectRef idx="0">
-                <a:schemeClr val="accent1"/>
-              </a:effectRef>
-              <a:fontRef idx="minor">
-                <a:schemeClr val="tx1"/>
-              </a:fontRef>
-            </p:style>
-          </p:cxnSp>
-          <p:grpSp>
-            <p:nvGrpSpPr>
-              <p:cNvPr id="113" name="Group 112">
-                <a:extLst>
-                  <a:ext uri="{FF2B5EF4-FFF2-40B4-BE49-F238E27FC236}">
-                    <a16:creationId xmlns:a16="http://schemas.microsoft.com/office/drawing/2014/main" id="{B670321A-41FE-CB06-BC99-7C0BA6E9B2F4}"/>
-                  </a:ext>
-                </a:extLst>
-              </p:cNvPr>
-              <p:cNvGrpSpPr>
-                <a:grpSpLocks noChangeAspect="1"/>
-              </p:cNvGrpSpPr>
-              <p:nvPr/>
-            </p:nvGrpSpPr>
-            <p:grpSpPr>
-              <a:xfrm>
-                <a:off x="3070049" y="5915221"/>
-                <a:ext cx="4816665" cy="432000"/>
-                <a:chOff x="5247537" y="887047"/>
-                <a:chExt cx="12366336" cy="1109124"/>
-              </a:xfrm>
-            </p:grpSpPr>
-            <p:pic>
-              <p:nvPicPr>
-                <p:cNvPr id="108" name="Picture 2" descr="Carnegie Mellon, Disney work to improve eye blink animation - The Tartan">
-                  <a:extLst>
-                    <a:ext uri="{FF2B5EF4-FFF2-40B4-BE49-F238E27FC236}">
-                      <a16:creationId xmlns:a16="http://schemas.microsoft.com/office/drawing/2014/main" id="{A3E5F716-14DF-CAD2-6E66-FD27763817FE}"/>
-                    </a:ext>
-                  </a:extLst>
-                </p:cNvPr>
-                <p:cNvPicPr>
-                  <a:picLocks noChangeAspect="1" noChangeArrowheads="1"/>
-                </p:cNvPicPr>
-                <p:nvPr/>
-              </p:nvPicPr>
-              <p:blipFill rotWithShape="1">
-                <a:blip r:embed="rId13">
-                  <a:extLst>
-                    <a:ext uri="{28A0092B-C50C-407E-A947-70E740481C1C}">
-                      <a14:useLocalDpi xmlns:a14="http://schemas.microsoft.com/office/drawing/2010/main" val="0"/>
-                    </a:ext>
-                  </a:extLst>
-                </a:blip>
-                <a:srcRect b="67002"/>
-                <a:stretch/>
-              </p:blipFill>
-              <p:spPr bwMode="auto">
-                <a:xfrm>
-                  <a:off x="5247537" y="887047"/>
-                  <a:ext cx="2455442" cy="1093171"/>
-                </a:xfrm>
-                <a:prstGeom prst="rect">
-                  <a:avLst/>
-                </a:prstGeom>
-                <a:noFill/>
-                <a:extLst>
-                  <a:ext uri="{909E8E84-426E-40DD-AFC4-6F175D3DCCD1}">
-                    <a14:hiddenFill xmlns:a14="http://schemas.microsoft.com/office/drawing/2010/main">
-                      <a:solidFill>
-                        <a:srgbClr val="FFFFFF"/>
-                      </a:solidFill>
-                    </a14:hiddenFill>
-                  </a:ext>
-                </a:extLst>
-              </p:spPr>
-            </p:pic>
-            <p:pic>
-              <p:nvPicPr>
-                <p:cNvPr id="109" name="Picture 2" descr="Carnegie Mellon, Disney work to improve eye blink animation - The Tartan">
-                  <a:extLst>
-                    <a:ext uri="{FF2B5EF4-FFF2-40B4-BE49-F238E27FC236}">
-                      <a16:creationId xmlns:a16="http://schemas.microsoft.com/office/drawing/2014/main" id="{1459AD8D-C30A-5741-E256-2FD3EBBA7EAE}"/>
-                    </a:ext>
-                  </a:extLst>
-                </p:cNvPr>
-                <p:cNvPicPr>
-                  <a:picLocks noChangeAspect="1" noChangeArrowheads="1"/>
-                </p:cNvPicPr>
-                <p:nvPr/>
-              </p:nvPicPr>
-              <p:blipFill rotWithShape="1">
-                <a:blip r:embed="rId13">
-                  <a:extLst>
-                    <a:ext uri="{28A0092B-C50C-407E-A947-70E740481C1C}">
-                      <a14:useLocalDpi xmlns:a14="http://schemas.microsoft.com/office/drawing/2010/main" val="0"/>
-                    </a:ext>
-                  </a:extLst>
-                </a:blip>
-                <a:srcRect t="32612" b="34389"/>
-                <a:stretch/>
-              </p:blipFill>
-              <p:spPr bwMode="auto">
-                <a:xfrm>
-                  <a:off x="7763247" y="887047"/>
-                  <a:ext cx="2455442" cy="1093171"/>
-                </a:xfrm>
-                <a:prstGeom prst="rect">
-                  <a:avLst/>
-                </a:prstGeom>
-                <a:noFill/>
-                <a:extLst>
-                  <a:ext uri="{909E8E84-426E-40DD-AFC4-6F175D3DCCD1}">
-                    <a14:hiddenFill xmlns:a14="http://schemas.microsoft.com/office/drawing/2010/main">
-                      <a:solidFill>
-                        <a:srgbClr val="FFFFFF"/>
-                      </a:solidFill>
-                    </a14:hiddenFill>
-                  </a:ext>
-                </a:extLst>
-              </p:spPr>
-            </p:pic>
-            <p:pic>
-              <p:nvPicPr>
-                <p:cNvPr id="110" name="Picture 2" descr="Carnegie Mellon, Disney work to improve eye blink animation - The Tartan">
-                  <a:extLst>
-                    <a:ext uri="{FF2B5EF4-FFF2-40B4-BE49-F238E27FC236}">
-                      <a16:creationId xmlns:a16="http://schemas.microsoft.com/office/drawing/2014/main" id="{628F2B2B-A298-D7FB-CA21-05B0348F436C}"/>
-                    </a:ext>
-                  </a:extLst>
-                </p:cNvPr>
-                <p:cNvPicPr>
-                  <a:picLocks noChangeAspect="1" noChangeArrowheads="1"/>
-                </p:cNvPicPr>
-                <p:nvPr/>
-              </p:nvPicPr>
-              <p:blipFill rotWithShape="1">
-                <a:blip r:embed="rId13">
-                  <a:extLst>
-                    <a:ext uri="{28A0092B-C50C-407E-A947-70E740481C1C}">
-                      <a14:useLocalDpi xmlns:a14="http://schemas.microsoft.com/office/drawing/2010/main" val="0"/>
-                    </a:ext>
-                  </a:extLst>
-                </a:blip>
-                <a:srcRect b="67002"/>
-                <a:stretch/>
-              </p:blipFill>
-              <p:spPr bwMode="auto">
-                <a:xfrm>
-                  <a:off x="10187279" y="903000"/>
-                  <a:ext cx="2455442" cy="1093171"/>
-                </a:xfrm>
-                <a:prstGeom prst="rect">
-                  <a:avLst/>
-                </a:prstGeom>
-                <a:noFill/>
-                <a:extLst>
-                  <a:ext uri="{909E8E84-426E-40DD-AFC4-6F175D3DCCD1}">
-                    <a14:hiddenFill xmlns:a14="http://schemas.microsoft.com/office/drawing/2010/main">
-                      <a:solidFill>
-                        <a:srgbClr val="FFFFFF"/>
-                      </a:solidFill>
-                    </a14:hiddenFill>
-                  </a:ext>
-                </a:extLst>
-              </p:spPr>
-            </p:pic>
-            <p:pic>
-              <p:nvPicPr>
-                <p:cNvPr id="111" name="Picture 2" descr="Carnegie Mellon, Disney work to improve eye blink animation - The Tartan">
-                  <a:extLst>
-                    <a:ext uri="{FF2B5EF4-FFF2-40B4-BE49-F238E27FC236}">
-                      <a16:creationId xmlns:a16="http://schemas.microsoft.com/office/drawing/2014/main" id="{0FA26779-379C-88ED-0D38-592323DF6A26}"/>
-                    </a:ext>
-                  </a:extLst>
-                </p:cNvPr>
-                <p:cNvPicPr>
-                  <a:picLocks noChangeAspect="1" noChangeArrowheads="1"/>
-                </p:cNvPicPr>
-                <p:nvPr/>
-              </p:nvPicPr>
-              <p:blipFill rotWithShape="1">
-                <a:blip r:embed="rId13">
-                  <a:extLst>
-                    <a:ext uri="{28A0092B-C50C-407E-A947-70E740481C1C}">
-                      <a14:useLocalDpi xmlns:a14="http://schemas.microsoft.com/office/drawing/2010/main" val="0"/>
-                    </a:ext>
-                  </a:extLst>
-                </a:blip>
-                <a:srcRect t="32612" b="34389"/>
-                <a:stretch/>
-              </p:blipFill>
-              <p:spPr bwMode="auto">
-                <a:xfrm>
-                  <a:off x="12702989" y="903000"/>
-                  <a:ext cx="2455442" cy="1093171"/>
-                </a:xfrm>
-                <a:prstGeom prst="rect">
-                  <a:avLst/>
-                </a:prstGeom>
-                <a:noFill/>
-                <a:extLst>
-                  <a:ext uri="{909E8E84-426E-40DD-AFC4-6F175D3DCCD1}">
-                    <a14:hiddenFill xmlns:a14="http://schemas.microsoft.com/office/drawing/2010/main">
-                      <a:solidFill>
-                        <a:srgbClr val="FFFFFF"/>
-                      </a:solidFill>
-                    </a14:hiddenFill>
-                  </a:ext>
-                </a:extLst>
-              </p:spPr>
-            </p:pic>
-            <p:pic>
-              <p:nvPicPr>
-                <p:cNvPr id="112" name="Picture 2" descr="Carnegie Mellon, Disney work to improve eye blink animation - The Tartan">
-                  <a:extLst>
-                    <a:ext uri="{FF2B5EF4-FFF2-40B4-BE49-F238E27FC236}">
-                      <a16:creationId xmlns:a16="http://schemas.microsoft.com/office/drawing/2014/main" id="{BB65C990-F9D0-E6FB-B099-E9B810E740D6}"/>
-                    </a:ext>
-                  </a:extLst>
-                </p:cNvPr>
-                <p:cNvPicPr>
-                  <a:picLocks noChangeAspect="1" noChangeArrowheads="1"/>
-                </p:cNvPicPr>
-                <p:nvPr/>
-              </p:nvPicPr>
-              <p:blipFill rotWithShape="1">
-                <a:blip r:embed="rId13">
-                  <a:extLst>
-                    <a:ext uri="{28A0092B-C50C-407E-A947-70E740481C1C}">
-                      <a14:useLocalDpi xmlns:a14="http://schemas.microsoft.com/office/drawing/2010/main" val="0"/>
-                    </a:ext>
-                  </a:extLst>
-                </a:blip>
-                <a:srcRect b="67002"/>
-                <a:stretch/>
-              </p:blipFill>
-              <p:spPr bwMode="auto">
-                <a:xfrm>
-                  <a:off x="15158431" y="903000"/>
-                  <a:ext cx="2455442" cy="1093171"/>
-                </a:xfrm>
-                <a:prstGeom prst="rect">
-                  <a:avLst/>
-                </a:prstGeom>
-                <a:noFill/>
-                <a:extLst>
-                  <a:ext uri="{909E8E84-426E-40DD-AFC4-6F175D3DCCD1}">
-                    <a14:hiddenFill xmlns:a14="http://schemas.microsoft.com/office/drawing/2010/main">
-                      <a:solidFill>
-                        <a:srgbClr val="FFFFFF"/>
-                      </a:solidFill>
-                    </a14:hiddenFill>
-                  </a:ext>
-                </a:extLst>
-              </p:spPr>
-            </p:pic>
-          </p:grpSp>
-          <p:cxnSp>
-            <p:nvCxnSpPr>
-              <p:cNvPr id="115" name="Straight Arrow Connector 114">
-                <a:extLst>
-                  <a:ext uri="{FF2B5EF4-FFF2-40B4-BE49-F238E27FC236}">
-                    <a16:creationId xmlns:a16="http://schemas.microsoft.com/office/drawing/2014/main" id="{AFA150F1-14E7-442D-03A9-A1A793061DA8}"/>
-                  </a:ext>
-                </a:extLst>
-              </p:cNvPr>
-              <p:cNvCxnSpPr>
-                <a:cxnSpLocks/>
-              </p:cNvCxnSpPr>
-              <p:nvPr/>
-            </p:nvCxnSpPr>
-            <p:spPr>
-              <a:xfrm>
-                <a:off x="9169226" y="6596573"/>
-                <a:ext cx="5223396" cy="0"/>
-              </a:xfrm>
-              <a:prstGeom prst="straightConnector1">
-                <a:avLst/>
-              </a:prstGeom>
-              <a:ln w="127000" cmpd="tri">
-                <a:solidFill>
-                  <a:schemeClr val="bg1">
-                    <a:lumMod val="75000"/>
-                  </a:schemeClr>
-                </a:solidFill>
-                <a:tailEnd type="stealth"/>
-              </a:ln>
-            </p:spPr>
-            <p:style>
-              <a:lnRef idx="1">
-                <a:schemeClr val="accent1"/>
-              </a:lnRef>
-              <a:fillRef idx="0">
-                <a:schemeClr val="accent1"/>
-              </a:fillRef>
-              <a:effectRef idx="0">
-                <a:schemeClr val="accent1"/>
-              </a:effectRef>
-              <a:fontRef idx="minor">
-                <a:schemeClr val="tx1"/>
-              </a:fontRef>
-            </p:style>
-          </p:cxnSp>
-          <p:pic>
-            <p:nvPicPr>
-              <p:cNvPr id="118" name="Picture 117" descr="Shape, circle&#10;&#10;Description automatically generated">
-                <a:extLst>
-                  <a:ext uri="{FF2B5EF4-FFF2-40B4-BE49-F238E27FC236}">
-                    <a16:creationId xmlns:a16="http://schemas.microsoft.com/office/drawing/2014/main" id="{4013BECF-8ED3-04C6-B9F4-CE49E0E880F4}"/>
-                  </a:ext>
-                </a:extLst>
-              </p:cNvPr>
-              <p:cNvPicPr>
-                <a:picLocks noChangeAspect="1"/>
-              </p:cNvPicPr>
-              <p:nvPr/>
-            </p:nvPicPr>
-            <p:blipFill>
-              <a:blip r:embed="rId14"/>
-              <a:stretch>
-                <a:fillRect/>
-              </a:stretch>
-            </p:blipFill>
-            <p:spPr>
-              <a:xfrm>
-                <a:off x="11287702" y="5820686"/>
-                <a:ext cx="614855" cy="614855"/>
-              </a:xfrm>
-              <a:prstGeom prst="rect">
-                <a:avLst/>
-              </a:prstGeom>
-            </p:spPr>
-          </p:pic>
-          <p:pic>
-            <p:nvPicPr>
-              <p:cNvPr id="116" name="Picture 115" descr="Shape, circle&#10;&#10;Description automatically generated">
-                <a:extLst>
-                  <a:ext uri="{FF2B5EF4-FFF2-40B4-BE49-F238E27FC236}">
-                    <a16:creationId xmlns:a16="http://schemas.microsoft.com/office/drawing/2014/main" id="{53DA9C40-BDE0-7252-3B29-8A1AB8853DD5}"/>
-                  </a:ext>
-                </a:extLst>
-              </p:cNvPr>
-              <p:cNvPicPr>
-                <a:picLocks noChangeAspect="1"/>
-              </p:cNvPicPr>
-              <p:nvPr/>
-            </p:nvPicPr>
-            <p:blipFill>
-              <a:blip r:embed="rId14"/>
-              <a:stretch>
-                <a:fillRect/>
-              </a:stretch>
-            </p:blipFill>
-            <p:spPr>
-              <a:xfrm>
-                <a:off x="9576363" y="5827035"/>
-                <a:ext cx="614855" cy="614855"/>
-              </a:xfrm>
-              <a:prstGeom prst="rect">
-                <a:avLst/>
-              </a:prstGeom>
-            </p:spPr>
-          </p:pic>
-          <p:pic>
-            <p:nvPicPr>
-              <p:cNvPr id="117" name="Picture 116" descr="Shape, circle&#10;&#10;Description automatically generated">
-                <a:extLst>
-                  <a:ext uri="{FF2B5EF4-FFF2-40B4-BE49-F238E27FC236}">
-                    <a16:creationId xmlns:a16="http://schemas.microsoft.com/office/drawing/2014/main" id="{E4C8F402-6EB4-13D4-A8BC-FF7B246CE143}"/>
-                  </a:ext>
-                </a:extLst>
-              </p:cNvPr>
-              <p:cNvPicPr>
-                <a:picLocks noChangeAspect="1"/>
-              </p:cNvPicPr>
-              <p:nvPr/>
-            </p:nvPicPr>
-            <p:blipFill>
-              <a:blip r:embed="rId15"/>
-              <a:stretch>
-                <a:fillRect/>
-              </a:stretch>
-            </p:blipFill>
-            <p:spPr>
-              <a:xfrm>
-                <a:off x="11426032" y="5959015"/>
-                <a:ext cx="338196" cy="338196"/>
-              </a:xfrm>
-              <a:prstGeom prst="rect">
-                <a:avLst/>
-              </a:prstGeom>
-            </p:spPr>
-          </p:pic>
-          <p:grpSp>
-            <p:nvGrpSpPr>
-              <p:cNvPr id="124" name="Group 123">
-                <a:extLst>
-                  <a:ext uri="{FF2B5EF4-FFF2-40B4-BE49-F238E27FC236}">
-                    <a16:creationId xmlns:a16="http://schemas.microsoft.com/office/drawing/2014/main" id="{BA070C60-EA5B-0838-3F7D-EF40D3FFA356}"/>
-                  </a:ext>
-                </a:extLst>
-              </p:cNvPr>
-              <p:cNvGrpSpPr/>
-              <p:nvPr/>
-            </p:nvGrpSpPr>
-            <p:grpSpPr>
-              <a:xfrm>
-                <a:off x="12959713" y="5812373"/>
-                <a:ext cx="614856" cy="614855"/>
-                <a:chOff x="12918148" y="5820686"/>
-                <a:chExt cx="614856" cy="614855"/>
-              </a:xfrm>
-            </p:grpSpPr>
-            <p:pic>
-              <p:nvPicPr>
-                <p:cNvPr id="119" name="Picture 118" descr="Shape, circle&#10;&#10;Description automatically generated">
-                  <a:extLst>
-                    <a:ext uri="{FF2B5EF4-FFF2-40B4-BE49-F238E27FC236}">
-                      <a16:creationId xmlns:a16="http://schemas.microsoft.com/office/drawing/2014/main" id="{005D847B-BCBD-59FE-9280-EED04D41B984}"/>
-                    </a:ext>
-                  </a:extLst>
-                </p:cNvPr>
-                <p:cNvPicPr>
-                  <a:picLocks noChangeAspect="1"/>
-                </p:cNvPicPr>
-                <p:nvPr/>
-              </p:nvPicPr>
-              <p:blipFill>
-                <a:blip r:embed="rId14"/>
-                <a:stretch>
-                  <a:fillRect/>
-                </a:stretch>
-              </p:blipFill>
-              <p:spPr>
-                <a:xfrm>
-                  <a:off x="12918149" y="5820686"/>
-                  <a:ext cx="614855" cy="614855"/>
-                </a:xfrm>
-                <a:prstGeom prst="rect">
-                  <a:avLst/>
-                </a:prstGeom>
-              </p:spPr>
-            </p:pic>
-            <p:pic>
-              <p:nvPicPr>
-                <p:cNvPr id="120" name="Picture 119" descr="Shape, circle&#10;&#10;Description automatically generated">
-                  <a:extLst>
-                    <a:ext uri="{FF2B5EF4-FFF2-40B4-BE49-F238E27FC236}">
-                      <a16:creationId xmlns:a16="http://schemas.microsoft.com/office/drawing/2014/main" id="{F3B45379-7B59-36F7-8701-F8F69D5A3EF8}"/>
-                    </a:ext>
-                  </a:extLst>
-                </p:cNvPr>
-                <p:cNvPicPr>
-                  <a:picLocks noChangeAspect="1"/>
-                </p:cNvPicPr>
-                <p:nvPr/>
-              </p:nvPicPr>
-              <p:blipFill>
-                <a:blip r:embed="rId15"/>
-                <a:stretch>
-                  <a:fillRect/>
-                </a:stretch>
-              </p:blipFill>
-              <p:spPr>
-                <a:xfrm>
-                  <a:off x="12918148" y="5820686"/>
-                  <a:ext cx="614855" cy="614855"/>
-                </a:xfrm>
-                <a:prstGeom prst="rect">
-                  <a:avLst/>
-                </a:prstGeom>
-              </p:spPr>
-            </p:pic>
-          </p:grpSp>
-          <p:cxnSp>
-            <p:nvCxnSpPr>
-              <p:cNvPr id="122" name="Straight Arrow Connector 121">
-                <a:extLst>
-                  <a:ext uri="{FF2B5EF4-FFF2-40B4-BE49-F238E27FC236}">
-                    <a16:creationId xmlns:a16="http://schemas.microsoft.com/office/drawing/2014/main" id="{FC6E7034-A38A-6C8E-5B29-41FF938215E1}"/>
-                  </a:ext>
-                </a:extLst>
-              </p:cNvPr>
-              <p:cNvCxnSpPr/>
-              <p:nvPr/>
-            </p:nvCxnSpPr>
-            <p:spPr>
-              <a:xfrm>
-                <a:off x="10341033" y="6128113"/>
-                <a:ext cx="827058" cy="0"/>
-              </a:xfrm>
-              <a:prstGeom prst="straightConnector1">
-                <a:avLst/>
-              </a:prstGeom>
-              <a:ln w="38100">
-                <a:solidFill>
-                  <a:schemeClr val="bg1">
-                    <a:lumMod val="65000"/>
-                  </a:schemeClr>
+                  <a:srgbClr val="FF0000"/>
                 </a:solidFill>
                 <a:tailEnd type="triangle"/>
               </a:ln>
@@ -7392,280 +6643,1047 @@
                 <a:schemeClr val="tx1"/>
               </a:fontRef>
             </p:style>
-          </p:cxnSp>
-          <p:cxnSp>
-            <p:nvCxnSpPr>
-              <p:cNvPr id="123" name="Straight Arrow Connector 122">
-                <a:extLst>
-                  <a:ext uri="{FF2B5EF4-FFF2-40B4-BE49-F238E27FC236}">
-                    <a16:creationId xmlns:a16="http://schemas.microsoft.com/office/drawing/2014/main" id="{640C6BB1-9F44-B701-5B63-D16D36172E1E}"/>
-                  </a:ext>
-                </a:extLst>
-              </p:cNvPr>
-              <p:cNvCxnSpPr/>
-              <p:nvPr/>
-            </p:nvCxnSpPr>
-            <p:spPr>
-              <a:xfrm>
-                <a:off x="12022976" y="6119800"/>
-                <a:ext cx="827058" cy="0"/>
-              </a:xfrm>
-              <a:prstGeom prst="straightConnector1">
-                <a:avLst/>
-              </a:prstGeom>
-              <a:ln w="38100">
-                <a:solidFill>
-                  <a:schemeClr val="bg1">
-                    <a:lumMod val="65000"/>
-                  </a:schemeClr>
-                </a:solidFill>
-                <a:tailEnd type="triangle"/>
-              </a:ln>
-            </p:spPr>
-            <p:style>
-              <a:lnRef idx="1">
-                <a:schemeClr val="accent1"/>
-              </a:lnRef>
-              <a:fillRef idx="0">
-                <a:schemeClr val="accent1"/>
-              </a:fillRef>
-              <a:effectRef idx="0">
-                <a:schemeClr val="accent1"/>
-              </a:effectRef>
-              <a:fontRef idx="minor">
-                <a:schemeClr val="tx1"/>
-              </a:fontRef>
-            </p:style>
-          </p:cxnSp>
-          <p:sp>
-            <p:nvSpPr>
-              <p:cNvPr id="125" name="Right Arrow 124">
-                <a:extLst>
-                  <a:ext uri="{FF2B5EF4-FFF2-40B4-BE49-F238E27FC236}">
-                    <a16:creationId xmlns:a16="http://schemas.microsoft.com/office/drawing/2014/main" id="{0B229D80-9DB0-A86B-2AB5-28F9CDD7EFBA}"/>
-                  </a:ext>
-                </a:extLst>
-              </p:cNvPr>
-              <p:cNvSpPr/>
-              <p:nvPr/>
-            </p:nvSpPr>
-            <p:spPr>
-              <a:xfrm rot="18900000">
-                <a:off x="15549516" y="1367215"/>
-                <a:ext cx="351005" cy="728198"/>
-              </a:xfrm>
-              <a:prstGeom prst="rightArrow">
-                <a:avLst>
-                  <a:gd name="adj1" fmla="val 50000"/>
-                  <a:gd name="adj2" fmla="val 65402"/>
-                </a:avLst>
-              </a:prstGeom>
-              <a:solidFill>
-                <a:schemeClr val="bg1">
-                  <a:lumMod val="85000"/>
-                </a:schemeClr>
-              </a:solidFill>
-              <a:ln>
-                <a:noFill/>
-              </a:ln>
-            </p:spPr>
-            <p:style>
-              <a:lnRef idx="2">
-                <a:schemeClr val="accent1">
-                  <a:shade val="50000"/>
-                </a:schemeClr>
-              </a:lnRef>
-              <a:fillRef idx="1">
-                <a:schemeClr val="accent1"/>
-              </a:fillRef>
-              <a:effectRef idx="0">
-                <a:schemeClr val="accent1"/>
-              </a:effectRef>
-              <a:fontRef idx="minor">
-                <a:schemeClr val="lt1"/>
-              </a:fontRef>
-            </p:style>
             <p:txBody>
               <a:bodyPr rtlCol="0" anchor="ctr"/>
               <a:lstStyle/>
               <a:p>
                 <a:pPr algn="ctr"/>
-                <a:endParaRPr lang="en-CN" dirty="0"/>
+                <a:endParaRPr lang="en-CN" sz="2704"/>
               </a:p>
             </p:txBody>
           </p:sp>
           <p:sp>
             <p:nvSpPr>
-              <p:cNvPr id="126" name="Right Arrow 125">
+              <p:cNvPr id="95" name="TextBox 94">
                 <a:extLst>
                   <a:ext uri="{FF2B5EF4-FFF2-40B4-BE49-F238E27FC236}">
-                    <a16:creationId xmlns:a16="http://schemas.microsoft.com/office/drawing/2014/main" id="{1029F6F7-1F50-2206-8E62-3A516622509B}"/>
+                    <a16:creationId xmlns:a16="http://schemas.microsoft.com/office/drawing/2014/main" id="{B88CA69A-72F4-B708-3EB0-AC3E448A42EC}"/>
                   </a:ext>
                 </a:extLst>
               </p:cNvPr>
-              <p:cNvSpPr/>
+              <p:cNvSpPr txBox="1"/>
               <p:nvPr/>
             </p:nvSpPr>
             <p:spPr>
-              <a:xfrm rot="2700000">
-                <a:off x="15605533" y="3384404"/>
-                <a:ext cx="351005" cy="728198"/>
+              <a:xfrm>
+                <a:off x="16613026" y="3506757"/>
+                <a:ext cx="1395318" cy="369332"/>
               </a:xfrm>
-              <a:prstGeom prst="rightArrow">
-                <a:avLst>
-                  <a:gd name="adj1" fmla="val 50000"/>
-                  <a:gd name="adj2" fmla="val 65402"/>
-                </a:avLst>
+              <a:prstGeom prst="rect">
+                <a:avLst/>
               </a:prstGeom>
-              <a:solidFill>
-                <a:schemeClr val="bg1">
-                  <a:lumMod val="85000"/>
-                </a:schemeClr>
-              </a:solidFill>
-              <a:ln>
-                <a:noFill/>
-              </a:ln>
+              <a:noFill/>
             </p:spPr>
-            <p:style>
-              <a:lnRef idx="2">
-                <a:schemeClr val="accent1">
-                  <a:shade val="50000"/>
-                </a:schemeClr>
-              </a:lnRef>
-              <a:fillRef idx="1">
-                <a:schemeClr val="accent1"/>
-              </a:fillRef>
-              <a:effectRef idx="0">
-                <a:schemeClr val="accent1"/>
-              </a:effectRef>
-              <a:fontRef idx="minor">
-                <a:schemeClr val="lt1"/>
-              </a:fontRef>
-            </p:style>
             <p:txBody>
-              <a:bodyPr rtlCol="0" anchor="ctr"/>
+              <a:bodyPr wrap="none" rtlCol="0">
+                <a:spAutoFit/>
+              </a:bodyPr>
               <a:lstStyle/>
               <a:p>
-                <a:pPr algn="ctr"/>
-                <a:endParaRPr lang="en-CN" dirty="0"/>
-              </a:p>
-            </p:txBody>
-          </p:sp>
-          <p:sp>
-            <p:nvSpPr>
-              <p:cNvPr id="127" name="Right Arrow 126">
-                <a:extLst>
-                  <a:ext uri="{FF2B5EF4-FFF2-40B4-BE49-F238E27FC236}">
-                    <a16:creationId xmlns:a16="http://schemas.microsoft.com/office/drawing/2014/main" id="{6BDCC5BE-3842-CBA1-0D12-C03DC9F22838}"/>
-                  </a:ext>
-                </a:extLst>
-              </p:cNvPr>
-              <p:cNvSpPr/>
-              <p:nvPr/>
-            </p:nvSpPr>
-            <p:spPr>
-              <a:xfrm rot="12900000">
-                <a:off x="13041519" y="1511230"/>
-                <a:ext cx="351005" cy="728198"/>
-              </a:xfrm>
-              <a:prstGeom prst="rightArrow">
-                <a:avLst>
-                  <a:gd name="adj1" fmla="val 50000"/>
-                  <a:gd name="adj2" fmla="val 65402"/>
-                </a:avLst>
-              </a:prstGeom>
-              <a:solidFill>
-                <a:schemeClr val="bg1">
-                  <a:lumMod val="85000"/>
-                </a:schemeClr>
-              </a:solidFill>
-              <a:ln>
-                <a:noFill/>
-              </a:ln>
-            </p:spPr>
-            <p:style>
-              <a:lnRef idx="2">
-                <a:schemeClr val="accent1">
-                  <a:shade val="50000"/>
-                </a:schemeClr>
-              </a:lnRef>
-              <a:fillRef idx="1">
-                <a:schemeClr val="accent1"/>
-              </a:fillRef>
-              <a:effectRef idx="0">
-                <a:schemeClr val="accent1"/>
-              </a:effectRef>
-              <a:fontRef idx="minor">
-                <a:schemeClr val="lt1"/>
-              </a:fontRef>
-            </p:style>
-            <p:txBody>
-              <a:bodyPr rtlCol="0" anchor="ctr"/>
-              <a:lstStyle/>
-              <a:p>
-                <a:pPr algn="ctr"/>
-                <a:endParaRPr lang="en-CN" dirty="0"/>
-              </a:p>
-            </p:txBody>
-          </p:sp>
-          <p:sp>
-            <p:nvSpPr>
-              <p:cNvPr id="128" name="Right Arrow 127">
-                <a:extLst>
-                  <a:ext uri="{FF2B5EF4-FFF2-40B4-BE49-F238E27FC236}">
-                    <a16:creationId xmlns:a16="http://schemas.microsoft.com/office/drawing/2014/main" id="{06AC05A9-A2CA-0A8D-5AD8-283D4B12E918}"/>
-                  </a:ext>
-                </a:extLst>
-              </p:cNvPr>
-              <p:cNvSpPr/>
-              <p:nvPr/>
-            </p:nvSpPr>
-            <p:spPr>
-              <a:xfrm rot="8100000">
-                <a:off x="13608865" y="3750772"/>
-                <a:ext cx="351005" cy="728198"/>
-              </a:xfrm>
-              <a:prstGeom prst="rightArrow">
-                <a:avLst>
-                  <a:gd name="adj1" fmla="val 50000"/>
-                  <a:gd name="adj2" fmla="val 65402"/>
-                </a:avLst>
-              </a:prstGeom>
-              <a:solidFill>
-                <a:schemeClr val="bg1">
-                  <a:lumMod val="85000"/>
-                </a:schemeClr>
-              </a:solidFill>
-              <a:ln>
-                <a:noFill/>
-              </a:ln>
-            </p:spPr>
-            <p:style>
-              <a:lnRef idx="2">
-                <a:schemeClr val="accent1">
-                  <a:shade val="50000"/>
-                </a:schemeClr>
-              </a:lnRef>
-              <a:fillRef idx="1">
-                <a:schemeClr val="accent1"/>
-              </a:fillRef>
-              <a:effectRef idx="0">
-                <a:schemeClr val="accent1"/>
-              </a:effectRef>
-              <a:fontRef idx="minor">
-                <a:schemeClr val="lt1"/>
-              </a:fontRef>
-            </p:style>
-            <p:txBody>
-              <a:bodyPr rtlCol="0" anchor="ctr"/>
-              <a:lstStyle/>
-              <a:p>
-                <a:pPr algn="ctr"/>
-                <a:endParaRPr lang="en-CN" dirty="0"/>
+                <a:r>
+                  <a:rPr lang="en-US" dirty="0">
+                    <a:solidFill>
+                      <a:schemeClr val="bg1">
+                        <a:lumMod val="65000"/>
+                      </a:schemeClr>
+                    </a:solidFill>
+                  </a:rPr>
+                  <a:t>gaze forward</a:t>
+                </a:r>
+                <a:endParaRPr lang="en-CN" dirty="0">
+                  <a:solidFill>
+                    <a:schemeClr val="bg1">
+                      <a:lumMod val="65000"/>
+                    </a:schemeClr>
+                  </a:solidFill>
+                </a:endParaRPr>
               </a:p>
             </p:txBody>
           </p:sp>
         </p:grpSp>
+        <p:sp>
+          <p:nvSpPr>
+            <p:cNvPr id="96" name="Oval 95">
+              <a:extLst>
+                <a:ext uri="{FF2B5EF4-FFF2-40B4-BE49-F238E27FC236}">
+                  <a16:creationId xmlns:a16="http://schemas.microsoft.com/office/drawing/2014/main" id="{92137A75-5F39-EAEB-F436-2E282821669E}"/>
+                </a:ext>
+              </a:extLst>
+            </p:cNvPr>
+            <p:cNvSpPr/>
+            <p:nvPr/>
+          </p:nvSpPr>
+          <p:spPr>
+            <a:xfrm>
+              <a:off x="2147808" y="6027885"/>
+              <a:ext cx="614855" cy="614855"/>
+            </a:xfrm>
+            <a:prstGeom prst="ellipse">
+              <a:avLst/>
+            </a:prstGeom>
+            <a:ln w="38100">
+              <a:solidFill>
+                <a:schemeClr val="tx1"/>
+              </a:solidFill>
+            </a:ln>
+          </p:spPr>
+          <p:style>
+            <a:lnRef idx="2">
+              <a:schemeClr val="accent6"/>
+            </a:lnRef>
+            <a:fillRef idx="1">
+              <a:schemeClr val="lt1"/>
+            </a:fillRef>
+            <a:effectRef idx="0">
+              <a:schemeClr val="accent6"/>
+            </a:effectRef>
+            <a:fontRef idx="minor">
+              <a:schemeClr val="dk1"/>
+            </a:fontRef>
+          </p:style>
+          <p:txBody>
+            <a:bodyPr rtlCol="0" anchor="ctr"/>
+            <a:lstStyle/>
+            <a:p>
+              <a:pPr algn="ctr"/>
+              <a:r>
+                <a:rPr lang="en-CN" sz="2800" dirty="0"/>
+                <a:t>1</a:t>
+              </a:r>
+            </a:p>
+          </p:txBody>
+        </p:sp>
+        <p:sp>
+          <p:nvSpPr>
+            <p:cNvPr id="97" name="Oval 96">
+              <a:extLst>
+                <a:ext uri="{FF2B5EF4-FFF2-40B4-BE49-F238E27FC236}">
+                  <a16:creationId xmlns:a16="http://schemas.microsoft.com/office/drawing/2014/main" id="{FBE26B7A-DE6F-D713-1036-6FF6EA1D72AC}"/>
+                </a:ext>
+              </a:extLst>
+            </p:cNvPr>
+            <p:cNvSpPr/>
+            <p:nvPr/>
+          </p:nvSpPr>
+          <p:spPr>
+            <a:xfrm>
+              <a:off x="8348202" y="6027885"/>
+              <a:ext cx="614855" cy="614855"/>
+            </a:xfrm>
+            <a:prstGeom prst="ellipse">
+              <a:avLst/>
+            </a:prstGeom>
+            <a:ln w="38100">
+              <a:solidFill>
+                <a:schemeClr val="tx1"/>
+              </a:solidFill>
+            </a:ln>
+          </p:spPr>
+          <p:style>
+            <a:lnRef idx="2">
+              <a:schemeClr val="accent6"/>
+            </a:lnRef>
+            <a:fillRef idx="1">
+              <a:schemeClr val="lt1"/>
+            </a:fillRef>
+            <a:effectRef idx="0">
+              <a:schemeClr val="accent6"/>
+            </a:effectRef>
+            <a:fontRef idx="minor">
+              <a:schemeClr val="dk1"/>
+            </a:fontRef>
+          </p:style>
+          <p:txBody>
+            <a:bodyPr rtlCol="0" anchor="ctr"/>
+            <a:lstStyle/>
+            <a:p>
+              <a:pPr algn="ctr"/>
+              <a:r>
+                <a:rPr lang="en-CN" sz="2800" dirty="0"/>
+                <a:t>2</a:t>
+              </a:r>
+            </a:p>
+          </p:txBody>
+        </p:sp>
+        <p:sp>
+          <p:nvSpPr>
+            <p:cNvPr id="98" name="Oval 97">
+              <a:extLst>
+                <a:ext uri="{FF2B5EF4-FFF2-40B4-BE49-F238E27FC236}">
+                  <a16:creationId xmlns:a16="http://schemas.microsoft.com/office/drawing/2014/main" id="{518EC41A-3C80-C51D-A50A-9971366D1108}"/>
+                </a:ext>
+              </a:extLst>
+            </p:cNvPr>
+            <p:cNvSpPr/>
+            <p:nvPr/>
+          </p:nvSpPr>
+          <p:spPr>
+            <a:xfrm>
+              <a:off x="14548596" y="6027885"/>
+              <a:ext cx="614855" cy="614855"/>
+            </a:xfrm>
+            <a:prstGeom prst="ellipse">
+              <a:avLst/>
+            </a:prstGeom>
+            <a:ln w="38100">
+              <a:solidFill>
+                <a:schemeClr val="tx1"/>
+              </a:solidFill>
+            </a:ln>
+          </p:spPr>
+          <p:style>
+            <a:lnRef idx="2">
+              <a:schemeClr val="accent6"/>
+            </a:lnRef>
+            <a:fillRef idx="1">
+              <a:schemeClr val="lt1"/>
+            </a:fillRef>
+            <a:effectRef idx="0">
+              <a:schemeClr val="accent6"/>
+            </a:effectRef>
+            <a:fontRef idx="minor">
+              <a:schemeClr val="dk1"/>
+            </a:fontRef>
+          </p:style>
+          <p:txBody>
+            <a:bodyPr rtlCol="0" anchor="ctr"/>
+            <a:lstStyle/>
+            <a:p>
+              <a:pPr algn="ctr"/>
+              <a:r>
+                <a:rPr lang="en-CN" sz="2800" dirty="0"/>
+                <a:t>3</a:t>
+              </a:r>
+            </a:p>
+          </p:txBody>
+        </p:sp>
+        <p:cxnSp>
+          <p:nvCxnSpPr>
+            <p:cNvPr id="102" name="Straight Arrow Connector 101">
+              <a:extLst>
+                <a:ext uri="{FF2B5EF4-FFF2-40B4-BE49-F238E27FC236}">
+                  <a16:creationId xmlns:a16="http://schemas.microsoft.com/office/drawing/2014/main" id="{88272491-5067-6F30-41EF-0D3E1DD20C9E}"/>
+                </a:ext>
+              </a:extLst>
+            </p:cNvPr>
+            <p:cNvCxnSpPr>
+              <a:cxnSpLocks/>
+            </p:cNvCxnSpPr>
+            <p:nvPr/>
+          </p:nvCxnSpPr>
+          <p:spPr>
+            <a:xfrm>
+              <a:off x="2985597" y="6339953"/>
+              <a:ext cx="5223396" cy="0"/>
+            </a:xfrm>
+            <a:prstGeom prst="straightConnector1">
+              <a:avLst/>
+            </a:prstGeom>
+            <a:ln w="127000" cmpd="tri">
+              <a:solidFill>
+                <a:schemeClr val="bg1">
+                  <a:lumMod val="75000"/>
+                </a:schemeClr>
+              </a:solidFill>
+              <a:tailEnd type="stealth"/>
+            </a:ln>
+          </p:spPr>
+          <p:style>
+            <a:lnRef idx="1">
+              <a:schemeClr val="accent1"/>
+            </a:lnRef>
+            <a:fillRef idx="0">
+              <a:schemeClr val="accent1"/>
+            </a:fillRef>
+            <a:effectRef idx="0">
+              <a:schemeClr val="accent1"/>
+            </a:effectRef>
+            <a:fontRef idx="minor">
+              <a:schemeClr val="tx1"/>
+            </a:fontRef>
+          </p:style>
+        </p:cxnSp>
+        <p:grpSp>
+          <p:nvGrpSpPr>
+            <p:cNvPr id="113" name="Group 112">
+              <a:extLst>
+                <a:ext uri="{FF2B5EF4-FFF2-40B4-BE49-F238E27FC236}">
+                  <a16:creationId xmlns:a16="http://schemas.microsoft.com/office/drawing/2014/main" id="{B670321A-41FE-CB06-BC99-7C0BA6E9B2F4}"/>
+                </a:ext>
+              </a:extLst>
+            </p:cNvPr>
+            <p:cNvGrpSpPr>
+              <a:grpSpLocks noChangeAspect="1"/>
+            </p:cNvGrpSpPr>
+            <p:nvPr/>
+          </p:nvGrpSpPr>
+          <p:grpSpPr>
+            <a:xfrm>
+              <a:off x="3070049" y="5653960"/>
+              <a:ext cx="4816665" cy="432000"/>
+              <a:chOff x="5247537" y="887047"/>
+              <a:chExt cx="12366336" cy="1109124"/>
+            </a:xfrm>
+          </p:grpSpPr>
+          <p:pic>
+            <p:nvPicPr>
+              <p:cNvPr id="108" name="Picture 2" descr="Carnegie Mellon, Disney work to improve eye blink animation - The Tartan">
+                <a:extLst>
+                  <a:ext uri="{FF2B5EF4-FFF2-40B4-BE49-F238E27FC236}">
+                    <a16:creationId xmlns:a16="http://schemas.microsoft.com/office/drawing/2014/main" id="{A3E5F716-14DF-CAD2-6E66-FD27763817FE}"/>
+                  </a:ext>
+                </a:extLst>
+              </p:cNvPr>
+              <p:cNvPicPr>
+                <a:picLocks noChangeAspect="1" noChangeArrowheads="1"/>
+              </p:cNvPicPr>
+              <p:nvPr/>
+            </p:nvPicPr>
+            <p:blipFill rotWithShape="1">
+              <a:blip r:embed="rId15">
+                <a:extLst>
+                  <a:ext uri="{28A0092B-C50C-407E-A947-70E740481C1C}">
+                    <a14:useLocalDpi xmlns:a14="http://schemas.microsoft.com/office/drawing/2010/main" val="0"/>
+                  </a:ext>
+                </a:extLst>
+              </a:blip>
+              <a:srcRect b="67002"/>
+              <a:stretch/>
+            </p:blipFill>
+            <p:spPr bwMode="auto">
+              <a:xfrm>
+                <a:off x="5247537" y="887047"/>
+                <a:ext cx="2455442" cy="1093171"/>
+              </a:xfrm>
+              <a:prstGeom prst="rect">
+                <a:avLst/>
+              </a:prstGeom>
+              <a:noFill/>
+              <a:extLst>
+                <a:ext uri="{909E8E84-426E-40DD-AFC4-6F175D3DCCD1}">
+                  <a14:hiddenFill xmlns:a14="http://schemas.microsoft.com/office/drawing/2010/main">
+                    <a:solidFill>
+                      <a:srgbClr val="FFFFFF"/>
+                    </a:solidFill>
+                  </a14:hiddenFill>
+                </a:ext>
+              </a:extLst>
+            </p:spPr>
+          </p:pic>
+          <p:pic>
+            <p:nvPicPr>
+              <p:cNvPr id="109" name="Picture 2" descr="Carnegie Mellon, Disney work to improve eye blink animation - The Tartan">
+                <a:extLst>
+                  <a:ext uri="{FF2B5EF4-FFF2-40B4-BE49-F238E27FC236}">
+                    <a16:creationId xmlns:a16="http://schemas.microsoft.com/office/drawing/2014/main" id="{1459AD8D-C30A-5741-E256-2FD3EBBA7EAE}"/>
+                  </a:ext>
+                </a:extLst>
+              </p:cNvPr>
+              <p:cNvPicPr>
+                <a:picLocks noChangeAspect="1" noChangeArrowheads="1"/>
+              </p:cNvPicPr>
+              <p:nvPr/>
+            </p:nvPicPr>
+            <p:blipFill rotWithShape="1">
+              <a:blip r:embed="rId15">
+                <a:extLst>
+                  <a:ext uri="{28A0092B-C50C-407E-A947-70E740481C1C}">
+                    <a14:useLocalDpi xmlns:a14="http://schemas.microsoft.com/office/drawing/2010/main" val="0"/>
+                  </a:ext>
+                </a:extLst>
+              </a:blip>
+              <a:srcRect t="32612" b="34389"/>
+              <a:stretch/>
+            </p:blipFill>
+            <p:spPr bwMode="auto">
+              <a:xfrm>
+                <a:off x="7763247" y="887047"/>
+                <a:ext cx="2455442" cy="1093171"/>
+              </a:xfrm>
+              <a:prstGeom prst="rect">
+                <a:avLst/>
+              </a:prstGeom>
+              <a:noFill/>
+              <a:extLst>
+                <a:ext uri="{909E8E84-426E-40DD-AFC4-6F175D3DCCD1}">
+                  <a14:hiddenFill xmlns:a14="http://schemas.microsoft.com/office/drawing/2010/main">
+                    <a:solidFill>
+                      <a:srgbClr val="FFFFFF"/>
+                    </a:solidFill>
+                  </a14:hiddenFill>
+                </a:ext>
+              </a:extLst>
+            </p:spPr>
+          </p:pic>
+          <p:pic>
+            <p:nvPicPr>
+              <p:cNvPr id="110" name="Picture 2" descr="Carnegie Mellon, Disney work to improve eye blink animation - The Tartan">
+                <a:extLst>
+                  <a:ext uri="{FF2B5EF4-FFF2-40B4-BE49-F238E27FC236}">
+                    <a16:creationId xmlns:a16="http://schemas.microsoft.com/office/drawing/2014/main" id="{628F2B2B-A298-D7FB-CA21-05B0348F436C}"/>
+                  </a:ext>
+                </a:extLst>
+              </p:cNvPr>
+              <p:cNvPicPr>
+                <a:picLocks noChangeAspect="1" noChangeArrowheads="1"/>
+              </p:cNvPicPr>
+              <p:nvPr/>
+            </p:nvPicPr>
+            <p:blipFill rotWithShape="1">
+              <a:blip r:embed="rId15">
+                <a:extLst>
+                  <a:ext uri="{28A0092B-C50C-407E-A947-70E740481C1C}">
+                    <a14:useLocalDpi xmlns:a14="http://schemas.microsoft.com/office/drawing/2010/main" val="0"/>
+                  </a:ext>
+                </a:extLst>
+              </a:blip>
+              <a:srcRect b="67002"/>
+              <a:stretch/>
+            </p:blipFill>
+            <p:spPr bwMode="auto">
+              <a:xfrm>
+                <a:off x="10187279" y="903000"/>
+                <a:ext cx="2455442" cy="1093171"/>
+              </a:xfrm>
+              <a:prstGeom prst="rect">
+                <a:avLst/>
+              </a:prstGeom>
+              <a:noFill/>
+              <a:extLst>
+                <a:ext uri="{909E8E84-426E-40DD-AFC4-6F175D3DCCD1}">
+                  <a14:hiddenFill xmlns:a14="http://schemas.microsoft.com/office/drawing/2010/main">
+                    <a:solidFill>
+                      <a:srgbClr val="FFFFFF"/>
+                    </a:solidFill>
+                  </a14:hiddenFill>
+                </a:ext>
+              </a:extLst>
+            </p:spPr>
+          </p:pic>
+          <p:pic>
+            <p:nvPicPr>
+              <p:cNvPr id="111" name="Picture 2" descr="Carnegie Mellon, Disney work to improve eye blink animation - The Tartan">
+                <a:extLst>
+                  <a:ext uri="{FF2B5EF4-FFF2-40B4-BE49-F238E27FC236}">
+                    <a16:creationId xmlns:a16="http://schemas.microsoft.com/office/drawing/2014/main" id="{0FA26779-379C-88ED-0D38-592323DF6A26}"/>
+                  </a:ext>
+                </a:extLst>
+              </p:cNvPr>
+              <p:cNvPicPr>
+                <a:picLocks noChangeAspect="1" noChangeArrowheads="1"/>
+              </p:cNvPicPr>
+              <p:nvPr/>
+            </p:nvPicPr>
+            <p:blipFill rotWithShape="1">
+              <a:blip r:embed="rId15">
+                <a:extLst>
+                  <a:ext uri="{28A0092B-C50C-407E-A947-70E740481C1C}">
+                    <a14:useLocalDpi xmlns:a14="http://schemas.microsoft.com/office/drawing/2010/main" val="0"/>
+                  </a:ext>
+                </a:extLst>
+              </a:blip>
+              <a:srcRect t="32612" b="34389"/>
+              <a:stretch/>
+            </p:blipFill>
+            <p:spPr bwMode="auto">
+              <a:xfrm>
+                <a:off x="12702989" y="903000"/>
+                <a:ext cx="2455442" cy="1093171"/>
+              </a:xfrm>
+              <a:prstGeom prst="rect">
+                <a:avLst/>
+              </a:prstGeom>
+              <a:noFill/>
+              <a:extLst>
+                <a:ext uri="{909E8E84-426E-40DD-AFC4-6F175D3DCCD1}">
+                  <a14:hiddenFill xmlns:a14="http://schemas.microsoft.com/office/drawing/2010/main">
+                    <a:solidFill>
+                      <a:srgbClr val="FFFFFF"/>
+                    </a:solidFill>
+                  </a14:hiddenFill>
+                </a:ext>
+              </a:extLst>
+            </p:spPr>
+          </p:pic>
+          <p:pic>
+            <p:nvPicPr>
+              <p:cNvPr id="112" name="Picture 2" descr="Carnegie Mellon, Disney work to improve eye blink animation - The Tartan">
+                <a:extLst>
+                  <a:ext uri="{FF2B5EF4-FFF2-40B4-BE49-F238E27FC236}">
+                    <a16:creationId xmlns:a16="http://schemas.microsoft.com/office/drawing/2014/main" id="{BB65C990-F9D0-E6FB-B099-E9B810E740D6}"/>
+                  </a:ext>
+                </a:extLst>
+              </p:cNvPr>
+              <p:cNvPicPr>
+                <a:picLocks noChangeAspect="1" noChangeArrowheads="1"/>
+              </p:cNvPicPr>
+              <p:nvPr/>
+            </p:nvPicPr>
+            <p:blipFill rotWithShape="1">
+              <a:blip r:embed="rId15">
+                <a:extLst>
+                  <a:ext uri="{28A0092B-C50C-407E-A947-70E740481C1C}">
+                    <a14:useLocalDpi xmlns:a14="http://schemas.microsoft.com/office/drawing/2010/main" val="0"/>
+                  </a:ext>
+                </a:extLst>
+              </a:blip>
+              <a:srcRect b="67002"/>
+              <a:stretch/>
+            </p:blipFill>
+            <p:spPr bwMode="auto">
+              <a:xfrm>
+                <a:off x="15158431" y="903000"/>
+                <a:ext cx="2455442" cy="1093171"/>
+              </a:xfrm>
+              <a:prstGeom prst="rect">
+                <a:avLst/>
+              </a:prstGeom>
+              <a:noFill/>
+              <a:extLst>
+                <a:ext uri="{909E8E84-426E-40DD-AFC4-6F175D3DCCD1}">
+                  <a14:hiddenFill xmlns:a14="http://schemas.microsoft.com/office/drawing/2010/main">
+                    <a:solidFill>
+                      <a:srgbClr val="FFFFFF"/>
+                    </a:solidFill>
+                  </a14:hiddenFill>
+                </a:ext>
+              </a:extLst>
+            </p:spPr>
+          </p:pic>
+        </p:grpSp>
+        <p:cxnSp>
+          <p:nvCxnSpPr>
+            <p:cNvPr id="115" name="Straight Arrow Connector 114">
+              <a:extLst>
+                <a:ext uri="{FF2B5EF4-FFF2-40B4-BE49-F238E27FC236}">
+                  <a16:creationId xmlns:a16="http://schemas.microsoft.com/office/drawing/2014/main" id="{AFA150F1-14E7-442D-03A9-A1A793061DA8}"/>
+                </a:ext>
+              </a:extLst>
+            </p:cNvPr>
+            <p:cNvCxnSpPr>
+              <a:cxnSpLocks/>
+            </p:cNvCxnSpPr>
+            <p:nvPr/>
+          </p:nvCxnSpPr>
+          <p:spPr>
+            <a:xfrm>
+              <a:off x="9169226" y="6335312"/>
+              <a:ext cx="5223396" cy="0"/>
+            </a:xfrm>
+            <a:prstGeom prst="straightConnector1">
+              <a:avLst/>
+            </a:prstGeom>
+            <a:ln w="127000" cmpd="tri">
+              <a:solidFill>
+                <a:schemeClr val="bg1">
+                  <a:lumMod val="75000"/>
+                </a:schemeClr>
+              </a:solidFill>
+              <a:tailEnd type="stealth"/>
+            </a:ln>
+          </p:spPr>
+          <p:style>
+            <a:lnRef idx="1">
+              <a:schemeClr val="accent1"/>
+            </a:lnRef>
+            <a:fillRef idx="0">
+              <a:schemeClr val="accent1"/>
+            </a:fillRef>
+            <a:effectRef idx="0">
+              <a:schemeClr val="accent1"/>
+            </a:effectRef>
+            <a:fontRef idx="minor">
+              <a:schemeClr val="tx1"/>
+            </a:fontRef>
+          </p:style>
+        </p:cxnSp>
+        <p:pic>
+          <p:nvPicPr>
+            <p:cNvPr id="118" name="Picture 117" descr="Shape, circle&#10;&#10;Description automatically generated">
+              <a:extLst>
+                <a:ext uri="{FF2B5EF4-FFF2-40B4-BE49-F238E27FC236}">
+                  <a16:creationId xmlns:a16="http://schemas.microsoft.com/office/drawing/2014/main" id="{4013BECF-8ED3-04C6-B9F4-CE49E0E880F4}"/>
+                </a:ext>
+              </a:extLst>
+            </p:cNvPr>
+            <p:cNvPicPr>
+              <a:picLocks noChangeAspect="1"/>
+            </p:cNvPicPr>
+            <p:nvPr/>
+          </p:nvPicPr>
+          <p:blipFill>
+            <a:blip r:embed="rId12"/>
+            <a:stretch>
+              <a:fillRect/>
+            </a:stretch>
+          </p:blipFill>
+          <p:spPr>
+            <a:xfrm>
+              <a:off x="11287702" y="5559425"/>
+              <a:ext cx="614855" cy="614855"/>
+            </a:xfrm>
+            <a:prstGeom prst="rect">
+              <a:avLst/>
+            </a:prstGeom>
+          </p:spPr>
+        </p:pic>
+        <p:pic>
+          <p:nvPicPr>
+            <p:cNvPr id="116" name="Picture 115" descr="Shape, circle&#10;&#10;Description automatically generated">
+              <a:extLst>
+                <a:ext uri="{FF2B5EF4-FFF2-40B4-BE49-F238E27FC236}">
+                  <a16:creationId xmlns:a16="http://schemas.microsoft.com/office/drawing/2014/main" id="{53DA9C40-BDE0-7252-3B29-8A1AB8853DD5}"/>
+                </a:ext>
+              </a:extLst>
+            </p:cNvPr>
+            <p:cNvPicPr>
+              <a:picLocks noChangeAspect="1"/>
+            </p:cNvPicPr>
+            <p:nvPr/>
+          </p:nvPicPr>
+          <p:blipFill>
+            <a:blip r:embed="rId12"/>
+            <a:stretch>
+              <a:fillRect/>
+            </a:stretch>
+          </p:blipFill>
+          <p:spPr>
+            <a:xfrm>
+              <a:off x="9576363" y="5565774"/>
+              <a:ext cx="614855" cy="614855"/>
+            </a:xfrm>
+            <a:prstGeom prst="rect">
+              <a:avLst/>
+            </a:prstGeom>
+          </p:spPr>
+        </p:pic>
+        <p:pic>
+          <p:nvPicPr>
+            <p:cNvPr id="117" name="Picture 116" descr="Shape, circle&#10;&#10;Description automatically generated">
+              <a:extLst>
+                <a:ext uri="{FF2B5EF4-FFF2-40B4-BE49-F238E27FC236}">
+                  <a16:creationId xmlns:a16="http://schemas.microsoft.com/office/drawing/2014/main" id="{E4C8F402-6EB4-13D4-A8BC-FF7B246CE143}"/>
+                </a:ext>
+              </a:extLst>
+            </p:cNvPr>
+            <p:cNvPicPr>
+              <a:picLocks noChangeAspect="1"/>
+            </p:cNvPicPr>
+            <p:nvPr/>
+          </p:nvPicPr>
+          <p:blipFill>
+            <a:blip r:embed="rId13"/>
+            <a:stretch>
+              <a:fillRect/>
+            </a:stretch>
+          </p:blipFill>
+          <p:spPr>
+            <a:xfrm>
+              <a:off x="11426032" y="5697754"/>
+              <a:ext cx="338196" cy="338196"/>
+            </a:xfrm>
+            <a:prstGeom prst="rect">
+              <a:avLst/>
+            </a:prstGeom>
+          </p:spPr>
+        </p:pic>
+        <p:grpSp>
+          <p:nvGrpSpPr>
+            <p:cNvPr id="124" name="Group 123">
+              <a:extLst>
+                <a:ext uri="{FF2B5EF4-FFF2-40B4-BE49-F238E27FC236}">
+                  <a16:creationId xmlns:a16="http://schemas.microsoft.com/office/drawing/2014/main" id="{BA070C60-EA5B-0838-3F7D-EF40D3FFA356}"/>
+                </a:ext>
+              </a:extLst>
+            </p:cNvPr>
+            <p:cNvGrpSpPr/>
+            <p:nvPr/>
+          </p:nvGrpSpPr>
+          <p:grpSpPr>
+            <a:xfrm>
+              <a:off x="12959713" y="5551112"/>
+              <a:ext cx="614856" cy="614855"/>
+              <a:chOff x="12918148" y="5820686"/>
+              <a:chExt cx="614856" cy="614855"/>
+            </a:xfrm>
+          </p:grpSpPr>
+          <p:pic>
+            <p:nvPicPr>
+              <p:cNvPr id="119" name="Picture 118" descr="Shape, circle&#10;&#10;Description automatically generated">
+                <a:extLst>
+                  <a:ext uri="{FF2B5EF4-FFF2-40B4-BE49-F238E27FC236}">
+                    <a16:creationId xmlns:a16="http://schemas.microsoft.com/office/drawing/2014/main" id="{005D847B-BCBD-59FE-9280-EED04D41B984}"/>
+                  </a:ext>
+                </a:extLst>
+              </p:cNvPr>
+              <p:cNvPicPr>
+                <a:picLocks noChangeAspect="1"/>
+              </p:cNvPicPr>
+              <p:nvPr/>
+            </p:nvPicPr>
+            <p:blipFill>
+              <a:blip r:embed="rId12"/>
+              <a:stretch>
+                <a:fillRect/>
+              </a:stretch>
+            </p:blipFill>
+            <p:spPr>
+              <a:xfrm>
+                <a:off x="12918149" y="5820686"/>
+                <a:ext cx="614855" cy="614855"/>
+              </a:xfrm>
+              <a:prstGeom prst="rect">
+                <a:avLst/>
+              </a:prstGeom>
+            </p:spPr>
+          </p:pic>
+          <p:pic>
+            <p:nvPicPr>
+              <p:cNvPr id="120" name="Picture 119" descr="Shape, circle&#10;&#10;Description automatically generated">
+                <a:extLst>
+                  <a:ext uri="{FF2B5EF4-FFF2-40B4-BE49-F238E27FC236}">
+                    <a16:creationId xmlns:a16="http://schemas.microsoft.com/office/drawing/2014/main" id="{F3B45379-7B59-36F7-8701-F8F69D5A3EF8}"/>
+                  </a:ext>
+                </a:extLst>
+              </p:cNvPr>
+              <p:cNvPicPr>
+                <a:picLocks noChangeAspect="1"/>
+              </p:cNvPicPr>
+              <p:nvPr/>
+            </p:nvPicPr>
+            <p:blipFill>
+              <a:blip r:embed="rId13"/>
+              <a:stretch>
+                <a:fillRect/>
+              </a:stretch>
+            </p:blipFill>
+            <p:spPr>
+              <a:xfrm>
+                <a:off x="12918148" y="5820686"/>
+                <a:ext cx="614855" cy="614855"/>
+              </a:xfrm>
+              <a:prstGeom prst="rect">
+                <a:avLst/>
+              </a:prstGeom>
+            </p:spPr>
+          </p:pic>
+        </p:grpSp>
+        <p:cxnSp>
+          <p:nvCxnSpPr>
+            <p:cNvPr id="122" name="Straight Arrow Connector 121">
+              <a:extLst>
+                <a:ext uri="{FF2B5EF4-FFF2-40B4-BE49-F238E27FC236}">
+                  <a16:creationId xmlns:a16="http://schemas.microsoft.com/office/drawing/2014/main" id="{FC6E7034-A38A-6C8E-5B29-41FF938215E1}"/>
+                </a:ext>
+              </a:extLst>
+            </p:cNvPr>
+            <p:cNvCxnSpPr/>
+            <p:nvPr/>
+          </p:nvCxnSpPr>
+          <p:spPr>
+            <a:xfrm>
+              <a:off x="10341033" y="5866852"/>
+              <a:ext cx="827058" cy="0"/>
+            </a:xfrm>
+            <a:prstGeom prst="straightConnector1">
+              <a:avLst/>
+            </a:prstGeom>
+            <a:ln w="38100">
+              <a:solidFill>
+                <a:schemeClr val="bg1">
+                  <a:lumMod val="65000"/>
+                </a:schemeClr>
+              </a:solidFill>
+              <a:tailEnd type="triangle"/>
+            </a:ln>
+          </p:spPr>
+          <p:style>
+            <a:lnRef idx="1">
+              <a:schemeClr val="accent1"/>
+            </a:lnRef>
+            <a:fillRef idx="0">
+              <a:schemeClr val="accent1"/>
+            </a:fillRef>
+            <a:effectRef idx="0">
+              <a:schemeClr val="accent1"/>
+            </a:effectRef>
+            <a:fontRef idx="minor">
+              <a:schemeClr val="tx1"/>
+            </a:fontRef>
+          </p:style>
+        </p:cxnSp>
+        <p:cxnSp>
+          <p:nvCxnSpPr>
+            <p:cNvPr id="123" name="Straight Arrow Connector 122">
+              <a:extLst>
+                <a:ext uri="{FF2B5EF4-FFF2-40B4-BE49-F238E27FC236}">
+                  <a16:creationId xmlns:a16="http://schemas.microsoft.com/office/drawing/2014/main" id="{640C6BB1-9F44-B701-5B63-D16D36172E1E}"/>
+                </a:ext>
+              </a:extLst>
+            </p:cNvPr>
+            <p:cNvCxnSpPr/>
+            <p:nvPr/>
+          </p:nvCxnSpPr>
+          <p:spPr>
+            <a:xfrm>
+              <a:off x="12022976" y="5858539"/>
+              <a:ext cx="827058" cy="0"/>
+            </a:xfrm>
+            <a:prstGeom prst="straightConnector1">
+              <a:avLst/>
+            </a:prstGeom>
+            <a:ln w="38100">
+              <a:solidFill>
+                <a:schemeClr val="bg1">
+                  <a:lumMod val="65000"/>
+                </a:schemeClr>
+              </a:solidFill>
+              <a:tailEnd type="triangle"/>
+            </a:ln>
+          </p:spPr>
+          <p:style>
+            <a:lnRef idx="1">
+              <a:schemeClr val="accent1"/>
+            </a:lnRef>
+            <a:fillRef idx="0">
+              <a:schemeClr val="accent1"/>
+            </a:fillRef>
+            <a:effectRef idx="0">
+              <a:schemeClr val="accent1"/>
+            </a:effectRef>
+            <a:fontRef idx="minor">
+              <a:schemeClr val="tx1"/>
+            </a:fontRef>
+          </p:style>
+        </p:cxnSp>
+        <p:sp>
+          <p:nvSpPr>
+            <p:cNvPr id="125" name="Right Arrow 124">
+              <a:extLst>
+                <a:ext uri="{FF2B5EF4-FFF2-40B4-BE49-F238E27FC236}">
+                  <a16:creationId xmlns:a16="http://schemas.microsoft.com/office/drawing/2014/main" id="{0B229D80-9DB0-A86B-2AB5-28F9CDD7EFBA}"/>
+                </a:ext>
+              </a:extLst>
+            </p:cNvPr>
+            <p:cNvSpPr/>
+            <p:nvPr/>
+          </p:nvSpPr>
+          <p:spPr>
+            <a:xfrm rot="18900000">
+              <a:off x="15549516" y="1105954"/>
+              <a:ext cx="351005" cy="728198"/>
+            </a:xfrm>
+            <a:prstGeom prst="rightArrow">
+              <a:avLst>
+                <a:gd name="adj1" fmla="val 50000"/>
+                <a:gd name="adj2" fmla="val 65402"/>
+              </a:avLst>
+            </a:prstGeom>
+            <a:solidFill>
+              <a:schemeClr val="bg1">
+                <a:lumMod val="85000"/>
+              </a:schemeClr>
+            </a:solidFill>
+            <a:ln>
+              <a:noFill/>
+            </a:ln>
+          </p:spPr>
+          <p:style>
+            <a:lnRef idx="2">
+              <a:schemeClr val="accent1">
+                <a:shade val="50000"/>
+              </a:schemeClr>
+            </a:lnRef>
+            <a:fillRef idx="1">
+              <a:schemeClr val="accent1"/>
+            </a:fillRef>
+            <a:effectRef idx="0">
+              <a:schemeClr val="accent1"/>
+            </a:effectRef>
+            <a:fontRef idx="minor">
+              <a:schemeClr val="lt1"/>
+            </a:fontRef>
+          </p:style>
+          <p:txBody>
+            <a:bodyPr rtlCol="0" anchor="ctr"/>
+            <a:lstStyle/>
+            <a:p>
+              <a:pPr algn="ctr"/>
+              <a:endParaRPr lang="en-CN" dirty="0"/>
+            </a:p>
+          </p:txBody>
+        </p:sp>
+        <p:sp>
+          <p:nvSpPr>
+            <p:cNvPr id="126" name="Right Arrow 125">
+              <a:extLst>
+                <a:ext uri="{FF2B5EF4-FFF2-40B4-BE49-F238E27FC236}">
+                  <a16:creationId xmlns:a16="http://schemas.microsoft.com/office/drawing/2014/main" id="{1029F6F7-1F50-2206-8E62-3A516622509B}"/>
+                </a:ext>
+              </a:extLst>
+            </p:cNvPr>
+            <p:cNvSpPr/>
+            <p:nvPr/>
+          </p:nvSpPr>
+          <p:spPr>
+            <a:xfrm rot="2700000">
+              <a:off x="15605533" y="3123143"/>
+              <a:ext cx="351005" cy="728198"/>
+            </a:xfrm>
+            <a:prstGeom prst="rightArrow">
+              <a:avLst>
+                <a:gd name="adj1" fmla="val 50000"/>
+                <a:gd name="adj2" fmla="val 65402"/>
+              </a:avLst>
+            </a:prstGeom>
+            <a:solidFill>
+              <a:schemeClr val="bg1">
+                <a:lumMod val="85000"/>
+              </a:schemeClr>
+            </a:solidFill>
+            <a:ln>
+              <a:noFill/>
+            </a:ln>
+          </p:spPr>
+          <p:style>
+            <a:lnRef idx="2">
+              <a:schemeClr val="accent1">
+                <a:shade val="50000"/>
+              </a:schemeClr>
+            </a:lnRef>
+            <a:fillRef idx="1">
+              <a:schemeClr val="accent1"/>
+            </a:fillRef>
+            <a:effectRef idx="0">
+              <a:schemeClr val="accent1"/>
+            </a:effectRef>
+            <a:fontRef idx="minor">
+              <a:schemeClr val="lt1"/>
+            </a:fontRef>
+          </p:style>
+          <p:txBody>
+            <a:bodyPr rtlCol="0" anchor="ctr"/>
+            <a:lstStyle/>
+            <a:p>
+              <a:pPr algn="ctr"/>
+              <a:endParaRPr lang="en-CN" dirty="0"/>
+            </a:p>
+          </p:txBody>
+        </p:sp>
+        <p:sp>
+          <p:nvSpPr>
+            <p:cNvPr id="127" name="Right Arrow 126">
+              <a:extLst>
+                <a:ext uri="{FF2B5EF4-FFF2-40B4-BE49-F238E27FC236}">
+                  <a16:creationId xmlns:a16="http://schemas.microsoft.com/office/drawing/2014/main" id="{6BDCC5BE-3842-CBA1-0D12-C03DC9F22838}"/>
+                </a:ext>
+              </a:extLst>
+            </p:cNvPr>
+            <p:cNvSpPr/>
+            <p:nvPr/>
+          </p:nvSpPr>
+          <p:spPr>
+            <a:xfrm rot="12900000">
+              <a:off x="13041519" y="1249969"/>
+              <a:ext cx="351005" cy="728198"/>
+            </a:xfrm>
+            <a:prstGeom prst="rightArrow">
+              <a:avLst>
+                <a:gd name="adj1" fmla="val 50000"/>
+                <a:gd name="adj2" fmla="val 65402"/>
+              </a:avLst>
+            </a:prstGeom>
+            <a:solidFill>
+              <a:schemeClr val="bg1">
+                <a:lumMod val="85000"/>
+              </a:schemeClr>
+            </a:solidFill>
+            <a:ln>
+              <a:noFill/>
+            </a:ln>
+          </p:spPr>
+          <p:style>
+            <a:lnRef idx="2">
+              <a:schemeClr val="accent1">
+                <a:shade val="50000"/>
+              </a:schemeClr>
+            </a:lnRef>
+            <a:fillRef idx="1">
+              <a:schemeClr val="accent1"/>
+            </a:fillRef>
+            <a:effectRef idx="0">
+              <a:schemeClr val="accent1"/>
+            </a:effectRef>
+            <a:fontRef idx="minor">
+              <a:schemeClr val="lt1"/>
+            </a:fontRef>
+          </p:style>
+          <p:txBody>
+            <a:bodyPr rtlCol="0" anchor="ctr"/>
+            <a:lstStyle/>
+            <a:p>
+              <a:pPr algn="ctr"/>
+              <a:endParaRPr lang="en-CN" dirty="0"/>
+            </a:p>
+          </p:txBody>
+        </p:sp>
+        <p:sp>
+          <p:nvSpPr>
+            <p:cNvPr id="128" name="Right Arrow 127">
+              <a:extLst>
+                <a:ext uri="{FF2B5EF4-FFF2-40B4-BE49-F238E27FC236}">
+                  <a16:creationId xmlns:a16="http://schemas.microsoft.com/office/drawing/2014/main" id="{06AC05A9-A2CA-0A8D-5AD8-283D4B12E918}"/>
+                </a:ext>
+              </a:extLst>
+            </p:cNvPr>
+            <p:cNvSpPr/>
+            <p:nvPr/>
+          </p:nvSpPr>
+          <p:spPr>
+            <a:xfrm rot="8100000">
+              <a:off x="13608865" y="3489511"/>
+              <a:ext cx="351005" cy="728198"/>
+            </a:xfrm>
+            <a:prstGeom prst="rightArrow">
+              <a:avLst>
+                <a:gd name="adj1" fmla="val 50000"/>
+                <a:gd name="adj2" fmla="val 65402"/>
+              </a:avLst>
+            </a:prstGeom>
+            <a:solidFill>
+              <a:schemeClr val="bg1">
+                <a:lumMod val="85000"/>
+              </a:schemeClr>
+            </a:solidFill>
+            <a:ln>
+              <a:noFill/>
+            </a:ln>
+          </p:spPr>
+          <p:style>
+            <a:lnRef idx="2">
+              <a:schemeClr val="accent1">
+                <a:shade val="50000"/>
+              </a:schemeClr>
+            </a:lnRef>
+            <a:fillRef idx="1">
+              <a:schemeClr val="accent1"/>
+            </a:fillRef>
+            <a:effectRef idx="0">
+              <a:schemeClr val="accent1"/>
+            </a:effectRef>
+            <a:fontRef idx="minor">
+              <a:schemeClr val="lt1"/>
+            </a:fontRef>
+          </p:style>
+          <p:txBody>
+            <a:bodyPr rtlCol="0" anchor="ctr"/>
+            <a:lstStyle/>
+            <a:p>
+              <a:pPr algn="ctr"/>
+              <a:endParaRPr lang="en-CN" dirty="0"/>
+            </a:p>
+          </p:txBody>
+        </p:sp>
         <p:sp>
           <p:nvSpPr>
             <p:cNvPr id="130" name="TextBox 129">

--- a/PAPERWORK/BUAA Thesis Undergraduate - CoHE/figure/Presentation2.pptx
+++ b/PAPERWORK/BUAA Thesis Undergraduate - CoHE/figure/Presentation2.pptx
@@ -2,13 +2,13 @@
 <file path=ppt/presentation.xml><?xml version="1.0" encoding="utf-8"?>
 <p:presentation xmlns:a="http://schemas.openxmlformats.org/drawingml/2006/main" xmlns:r="http://schemas.openxmlformats.org/officeDocument/2006/relationships" xmlns:p="http://schemas.openxmlformats.org/presentationml/2006/main" saveSubsetFonts="1" autoCompressPictures="0">
   <p:sldMasterIdLst>
-    <p:sldMasterId id="2147483660" r:id="rId1"/>
+    <p:sldMasterId id="2147483672" r:id="rId1"/>
   </p:sldMasterIdLst>
   <p:sldIdLst>
     <p:sldId id="256" r:id="rId2"/>
     <p:sldId id="257" r:id="rId3"/>
   </p:sldIdLst>
-  <p:sldSz cx="18313400" cy="6858000"/>
+  <p:sldSz cx="39912925" cy="14165263"/>
   <p:notesSz cx="6858000" cy="9144000"/>
   <p:defaultTextStyle>
     <a:defPPr>
@@ -142,15 +142,15 @@
         </p:nvSpPr>
         <p:spPr>
           <a:xfrm>
-            <a:off x="2289175" y="1122363"/>
-            <a:ext cx="13735050" cy="2387600"/>
+            <a:off x="4989116" y="2318251"/>
+            <a:ext cx="29934694" cy="4931610"/>
           </a:xfrm>
         </p:spPr>
         <p:txBody>
           <a:bodyPr anchor="b"/>
           <a:lstStyle>
             <a:lvl1pPr algn="ctr">
-              <a:defRPr sz="6000"/>
+              <a:defRPr sz="12393"/>
             </a:lvl1pPr>
           </a:lstStyle>
           <a:p>
@@ -174,8 +174,8 @@
         </p:nvSpPr>
         <p:spPr>
           <a:xfrm>
-            <a:off x="2289175" y="3602038"/>
-            <a:ext cx="13735050" cy="1655762"/>
+            <a:off x="4989116" y="7440043"/>
+            <a:ext cx="29934694" cy="3419992"/>
           </a:xfrm>
         </p:spPr>
         <p:txBody>
@@ -183,39 +183,39 @@
           <a:lstStyle>
             <a:lvl1pPr marL="0" indent="0" algn="ctr">
               <a:buNone/>
-              <a:defRPr sz="2400"/>
+              <a:defRPr sz="4957"/>
             </a:lvl1pPr>
-            <a:lvl2pPr marL="457200" indent="0" algn="ctr">
+            <a:lvl2pPr marL="944347" indent="0" algn="ctr">
               <a:buNone/>
-              <a:defRPr sz="2000"/>
+              <a:defRPr sz="4131"/>
             </a:lvl2pPr>
-            <a:lvl3pPr marL="914400" indent="0" algn="ctr">
+            <a:lvl3pPr marL="1888693" indent="0" algn="ctr">
               <a:buNone/>
-              <a:defRPr sz="1800"/>
+              <a:defRPr sz="3718"/>
             </a:lvl3pPr>
-            <a:lvl4pPr marL="1371600" indent="0" algn="ctr">
+            <a:lvl4pPr marL="2833040" indent="0" algn="ctr">
               <a:buNone/>
-              <a:defRPr sz="1600"/>
+              <a:defRPr sz="3305"/>
             </a:lvl4pPr>
-            <a:lvl5pPr marL="1828800" indent="0" algn="ctr">
+            <a:lvl5pPr marL="3777386" indent="0" algn="ctr">
               <a:buNone/>
-              <a:defRPr sz="1600"/>
+              <a:defRPr sz="3305"/>
             </a:lvl5pPr>
-            <a:lvl6pPr marL="2286000" indent="0" algn="ctr">
+            <a:lvl6pPr marL="4721733" indent="0" algn="ctr">
               <a:buNone/>
-              <a:defRPr sz="1600"/>
+              <a:defRPr sz="3305"/>
             </a:lvl6pPr>
-            <a:lvl7pPr marL="2743200" indent="0" algn="ctr">
+            <a:lvl7pPr marL="5666080" indent="0" algn="ctr">
               <a:buNone/>
-              <a:defRPr sz="1600"/>
+              <a:defRPr sz="3305"/>
             </a:lvl7pPr>
-            <a:lvl8pPr marL="3200400" indent="0" algn="ctr">
+            <a:lvl8pPr marL="6610426" indent="0" algn="ctr">
               <a:buNone/>
-              <a:defRPr sz="1600"/>
+              <a:defRPr sz="3305"/>
             </a:lvl8pPr>
-            <a:lvl9pPr marL="3657600" indent="0" algn="ctr">
+            <a:lvl9pPr marL="7554773" indent="0" algn="ctr">
               <a:buNone/>
-              <a:defRPr sz="1600"/>
+              <a:defRPr sz="3305"/>
             </a:lvl9pPr>
           </a:lstStyle>
           <a:p>
@@ -295,7 +295,7 @@
     </p:spTree>
     <p:extLst>
       <p:ext uri="{BB962C8B-B14F-4D97-AF65-F5344CB8AC3E}">
-        <p14:creationId xmlns:p14="http://schemas.microsoft.com/office/powerpoint/2010/main" val="1909058114"/>
+        <p14:creationId xmlns:p14="http://schemas.microsoft.com/office/powerpoint/2010/main" val="2425233036"/>
       </p:ext>
     </p:extLst>
   </p:cSld>
@@ -465,7 +465,7 @@
     </p:spTree>
     <p:extLst>
       <p:ext uri="{BB962C8B-B14F-4D97-AF65-F5344CB8AC3E}">
-        <p14:creationId xmlns:p14="http://schemas.microsoft.com/office/powerpoint/2010/main" val="1018121541"/>
+        <p14:creationId xmlns:p14="http://schemas.microsoft.com/office/powerpoint/2010/main" val="3774198068"/>
       </p:ext>
     </p:extLst>
   </p:cSld>
@@ -504,8 +504,8 @@
         </p:nvSpPr>
         <p:spPr>
           <a:xfrm>
-            <a:off x="13105527" y="365125"/>
-            <a:ext cx="3948827" cy="5811838"/>
+            <a:off x="28562687" y="754169"/>
+            <a:ext cx="8606224" cy="12004406"/>
           </a:xfrm>
         </p:spPr>
         <p:txBody>
@@ -532,8 +532,8 @@
         </p:nvSpPr>
         <p:spPr>
           <a:xfrm>
-            <a:off x="1259046" y="365125"/>
-            <a:ext cx="11617563" cy="5811838"/>
+            <a:off x="2744013" y="754169"/>
+            <a:ext cx="25319762" cy="12004406"/>
           </a:xfrm>
         </p:spPr>
         <p:txBody>
@@ -645,7 +645,7 @@
     </p:spTree>
     <p:extLst>
       <p:ext uri="{BB962C8B-B14F-4D97-AF65-F5344CB8AC3E}">
-        <p14:creationId xmlns:p14="http://schemas.microsoft.com/office/powerpoint/2010/main" val="1488082551"/>
+        <p14:creationId xmlns:p14="http://schemas.microsoft.com/office/powerpoint/2010/main" val="2971809681"/>
       </p:ext>
     </p:extLst>
   </p:cSld>
@@ -815,7 +815,7 @@
     </p:spTree>
     <p:extLst>
       <p:ext uri="{BB962C8B-B14F-4D97-AF65-F5344CB8AC3E}">
-        <p14:creationId xmlns:p14="http://schemas.microsoft.com/office/powerpoint/2010/main" val="3137011584"/>
+        <p14:creationId xmlns:p14="http://schemas.microsoft.com/office/powerpoint/2010/main" val="1215669655"/>
       </p:ext>
     </p:extLst>
   </p:cSld>
@@ -854,15 +854,15 @@
         </p:nvSpPr>
         <p:spPr>
           <a:xfrm>
-            <a:off x="1249508" y="1709739"/>
-            <a:ext cx="15795308" cy="2852737"/>
+            <a:off x="2723226" y="3531481"/>
+            <a:ext cx="34424898" cy="5892355"/>
           </a:xfrm>
         </p:spPr>
         <p:txBody>
           <a:bodyPr anchor="b"/>
           <a:lstStyle>
             <a:lvl1pPr>
-              <a:defRPr sz="6000"/>
+              <a:defRPr sz="12393"/>
             </a:lvl1pPr>
           </a:lstStyle>
           <a:p>
@@ -886,8 +886,8 @@
         </p:nvSpPr>
         <p:spPr>
           <a:xfrm>
-            <a:off x="1249508" y="4589464"/>
-            <a:ext cx="15795308" cy="1500187"/>
+            <a:off x="2723226" y="9479580"/>
+            <a:ext cx="34424898" cy="3098650"/>
           </a:xfrm>
         </p:spPr>
         <p:txBody>
@@ -895,7 +895,7 @@
           <a:lstStyle>
             <a:lvl1pPr marL="0" indent="0">
               <a:buNone/>
-              <a:defRPr sz="2400">
+              <a:defRPr sz="4957">
                 <a:solidFill>
                   <a:schemeClr val="tx1">
                     <a:tint val="75000"/>
@@ -903,9 +903,9 @@
                 </a:solidFill>
               </a:defRPr>
             </a:lvl1pPr>
-            <a:lvl2pPr marL="457200" indent="0">
+            <a:lvl2pPr marL="944347" indent="0">
               <a:buNone/>
-              <a:defRPr sz="2000">
+              <a:defRPr sz="4131">
                 <a:solidFill>
                   <a:schemeClr val="tx1">
                     <a:tint val="75000"/>
@@ -913,9 +913,9 @@
                 </a:solidFill>
               </a:defRPr>
             </a:lvl2pPr>
-            <a:lvl3pPr marL="914400" indent="0">
+            <a:lvl3pPr marL="1888693" indent="0">
               <a:buNone/>
-              <a:defRPr sz="1800">
+              <a:defRPr sz="3718">
                 <a:solidFill>
                   <a:schemeClr val="tx1">
                     <a:tint val="75000"/>
@@ -923,9 +923,9 @@
                 </a:solidFill>
               </a:defRPr>
             </a:lvl3pPr>
-            <a:lvl4pPr marL="1371600" indent="0">
+            <a:lvl4pPr marL="2833040" indent="0">
               <a:buNone/>
-              <a:defRPr sz="1600">
+              <a:defRPr sz="3305">
                 <a:solidFill>
                   <a:schemeClr val="tx1">
                     <a:tint val="75000"/>
@@ -933,9 +933,9 @@
                 </a:solidFill>
               </a:defRPr>
             </a:lvl4pPr>
-            <a:lvl5pPr marL="1828800" indent="0">
+            <a:lvl5pPr marL="3777386" indent="0">
               <a:buNone/>
-              <a:defRPr sz="1600">
+              <a:defRPr sz="3305">
                 <a:solidFill>
                   <a:schemeClr val="tx1">
                     <a:tint val="75000"/>
@@ -943,9 +943,9 @@
                 </a:solidFill>
               </a:defRPr>
             </a:lvl5pPr>
-            <a:lvl6pPr marL="2286000" indent="0">
+            <a:lvl6pPr marL="4721733" indent="0">
               <a:buNone/>
-              <a:defRPr sz="1600">
+              <a:defRPr sz="3305">
                 <a:solidFill>
                   <a:schemeClr val="tx1">
                     <a:tint val="75000"/>
@@ -953,9 +953,9 @@
                 </a:solidFill>
               </a:defRPr>
             </a:lvl6pPr>
-            <a:lvl7pPr marL="2743200" indent="0">
+            <a:lvl7pPr marL="5666080" indent="0">
               <a:buNone/>
-              <a:defRPr sz="1600">
+              <a:defRPr sz="3305">
                 <a:solidFill>
                   <a:schemeClr val="tx1">
                     <a:tint val="75000"/>
@@ -963,9 +963,9 @@
                 </a:solidFill>
               </a:defRPr>
             </a:lvl7pPr>
-            <a:lvl8pPr marL="3200400" indent="0">
+            <a:lvl8pPr marL="6610426" indent="0">
               <a:buNone/>
-              <a:defRPr sz="1600">
+              <a:defRPr sz="3305">
                 <a:solidFill>
                   <a:schemeClr val="tx1">
                     <a:tint val="75000"/>
@@ -973,9 +973,9 @@
                 </a:solidFill>
               </a:defRPr>
             </a:lvl8pPr>
-            <a:lvl9pPr marL="3657600" indent="0">
+            <a:lvl9pPr marL="7554773" indent="0">
               <a:buNone/>
-              <a:defRPr sz="1600">
+              <a:defRPr sz="3305">
                 <a:solidFill>
                   <a:schemeClr val="tx1">
                     <a:tint val="75000"/>
@@ -1061,7 +1061,7 @@
     </p:spTree>
     <p:extLst>
       <p:ext uri="{BB962C8B-B14F-4D97-AF65-F5344CB8AC3E}">
-        <p14:creationId xmlns:p14="http://schemas.microsoft.com/office/powerpoint/2010/main" val="1388403466"/>
+        <p14:creationId xmlns:p14="http://schemas.microsoft.com/office/powerpoint/2010/main" val="2407459389"/>
       </p:ext>
     </p:extLst>
   </p:cSld>
@@ -1123,8 +1123,8 @@
         </p:nvSpPr>
         <p:spPr>
           <a:xfrm>
-            <a:off x="1259046" y="1825625"/>
-            <a:ext cx="7783195" cy="4351338"/>
+            <a:off x="2744014" y="3770846"/>
+            <a:ext cx="16962993" cy="8987729"/>
           </a:xfrm>
         </p:spPr>
         <p:txBody>
@@ -1180,8 +1180,8 @@
         </p:nvSpPr>
         <p:spPr>
           <a:xfrm>
-            <a:off x="9271159" y="1825625"/>
-            <a:ext cx="7783195" cy="4351338"/>
+            <a:off x="20205918" y="3770846"/>
+            <a:ext cx="16962993" cy="8987729"/>
           </a:xfrm>
         </p:spPr>
         <p:txBody>
@@ -1293,7 +1293,7 @@
     </p:spTree>
     <p:extLst>
       <p:ext uri="{BB962C8B-B14F-4D97-AF65-F5344CB8AC3E}">
-        <p14:creationId xmlns:p14="http://schemas.microsoft.com/office/powerpoint/2010/main" val="3806648932"/>
+        <p14:creationId xmlns:p14="http://schemas.microsoft.com/office/powerpoint/2010/main" val="3189486631"/>
       </p:ext>
     </p:extLst>
   </p:cSld>
@@ -1332,8 +1332,8 @@
         </p:nvSpPr>
         <p:spPr>
           <a:xfrm>
-            <a:off x="1261431" y="365126"/>
-            <a:ext cx="15795308" cy="1325563"/>
+            <a:off x="2749212" y="754170"/>
+            <a:ext cx="34424898" cy="2737963"/>
           </a:xfrm>
         </p:spPr>
         <p:txBody>
@@ -1360,8 +1360,8 @@
         </p:nvSpPr>
         <p:spPr>
           <a:xfrm>
-            <a:off x="1261432" y="1681163"/>
-            <a:ext cx="7747426" cy="823912"/>
+            <a:off x="2749214" y="3472458"/>
+            <a:ext cx="16885037" cy="1701798"/>
           </a:xfrm>
         </p:spPr>
         <p:txBody>
@@ -1369,39 +1369,39 @@
           <a:lstStyle>
             <a:lvl1pPr marL="0" indent="0">
               <a:buNone/>
-              <a:defRPr sz="2400" b="1"/>
+              <a:defRPr sz="4957" b="1"/>
             </a:lvl1pPr>
-            <a:lvl2pPr marL="457200" indent="0">
+            <a:lvl2pPr marL="944347" indent="0">
               <a:buNone/>
-              <a:defRPr sz="2000" b="1"/>
+              <a:defRPr sz="4131" b="1"/>
             </a:lvl2pPr>
-            <a:lvl3pPr marL="914400" indent="0">
+            <a:lvl3pPr marL="1888693" indent="0">
               <a:buNone/>
-              <a:defRPr sz="1800" b="1"/>
+              <a:defRPr sz="3718" b="1"/>
             </a:lvl3pPr>
-            <a:lvl4pPr marL="1371600" indent="0">
+            <a:lvl4pPr marL="2833040" indent="0">
               <a:buNone/>
-              <a:defRPr sz="1600" b="1"/>
+              <a:defRPr sz="3305" b="1"/>
             </a:lvl4pPr>
-            <a:lvl5pPr marL="1828800" indent="0">
+            <a:lvl5pPr marL="3777386" indent="0">
               <a:buNone/>
-              <a:defRPr sz="1600" b="1"/>
+              <a:defRPr sz="3305" b="1"/>
             </a:lvl5pPr>
-            <a:lvl6pPr marL="2286000" indent="0">
+            <a:lvl6pPr marL="4721733" indent="0">
               <a:buNone/>
-              <a:defRPr sz="1600" b="1"/>
+              <a:defRPr sz="3305" b="1"/>
             </a:lvl6pPr>
-            <a:lvl7pPr marL="2743200" indent="0">
+            <a:lvl7pPr marL="5666080" indent="0">
               <a:buNone/>
-              <a:defRPr sz="1600" b="1"/>
+              <a:defRPr sz="3305" b="1"/>
             </a:lvl7pPr>
-            <a:lvl8pPr marL="3200400" indent="0">
+            <a:lvl8pPr marL="6610426" indent="0">
               <a:buNone/>
-              <a:defRPr sz="1600" b="1"/>
+              <a:defRPr sz="3305" b="1"/>
             </a:lvl8pPr>
-            <a:lvl9pPr marL="3657600" indent="0">
+            <a:lvl9pPr marL="7554773" indent="0">
               <a:buNone/>
-              <a:defRPr sz="1600" b="1"/>
+              <a:defRPr sz="3305" b="1"/>
             </a:lvl9pPr>
           </a:lstStyle>
           <a:p>
@@ -1425,8 +1425,8 @@
         </p:nvSpPr>
         <p:spPr>
           <a:xfrm>
-            <a:off x="1261432" y="2505075"/>
-            <a:ext cx="7747426" cy="3684588"/>
+            <a:off x="2749214" y="5174256"/>
+            <a:ext cx="16885037" cy="7610551"/>
           </a:xfrm>
         </p:spPr>
         <p:txBody>
@@ -1482,8 +1482,8 @@
         </p:nvSpPr>
         <p:spPr>
           <a:xfrm>
-            <a:off x="9271159" y="1681163"/>
-            <a:ext cx="7785580" cy="823912"/>
+            <a:off x="20205918" y="3472458"/>
+            <a:ext cx="16968192" cy="1701798"/>
           </a:xfrm>
         </p:spPr>
         <p:txBody>
@@ -1491,39 +1491,39 @@
           <a:lstStyle>
             <a:lvl1pPr marL="0" indent="0">
               <a:buNone/>
-              <a:defRPr sz="2400" b="1"/>
+              <a:defRPr sz="4957" b="1"/>
             </a:lvl1pPr>
-            <a:lvl2pPr marL="457200" indent="0">
+            <a:lvl2pPr marL="944347" indent="0">
               <a:buNone/>
-              <a:defRPr sz="2000" b="1"/>
+              <a:defRPr sz="4131" b="1"/>
             </a:lvl2pPr>
-            <a:lvl3pPr marL="914400" indent="0">
+            <a:lvl3pPr marL="1888693" indent="0">
               <a:buNone/>
-              <a:defRPr sz="1800" b="1"/>
+              <a:defRPr sz="3718" b="1"/>
             </a:lvl3pPr>
-            <a:lvl4pPr marL="1371600" indent="0">
+            <a:lvl4pPr marL="2833040" indent="0">
               <a:buNone/>
-              <a:defRPr sz="1600" b="1"/>
+              <a:defRPr sz="3305" b="1"/>
             </a:lvl4pPr>
-            <a:lvl5pPr marL="1828800" indent="0">
+            <a:lvl5pPr marL="3777386" indent="0">
               <a:buNone/>
-              <a:defRPr sz="1600" b="1"/>
+              <a:defRPr sz="3305" b="1"/>
             </a:lvl5pPr>
-            <a:lvl6pPr marL="2286000" indent="0">
+            <a:lvl6pPr marL="4721733" indent="0">
               <a:buNone/>
-              <a:defRPr sz="1600" b="1"/>
+              <a:defRPr sz="3305" b="1"/>
             </a:lvl6pPr>
-            <a:lvl7pPr marL="2743200" indent="0">
+            <a:lvl7pPr marL="5666080" indent="0">
               <a:buNone/>
-              <a:defRPr sz="1600" b="1"/>
+              <a:defRPr sz="3305" b="1"/>
             </a:lvl7pPr>
-            <a:lvl8pPr marL="3200400" indent="0">
+            <a:lvl8pPr marL="6610426" indent="0">
               <a:buNone/>
-              <a:defRPr sz="1600" b="1"/>
+              <a:defRPr sz="3305" b="1"/>
             </a:lvl8pPr>
-            <a:lvl9pPr marL="3657600" indent="0">
+            <a:lvl9pPr marL="7554773" indent="0">
               <a:buNone/>
-              <a:defRPr sz="1600" b="1"/>
+              <a:defRPr sz="3305" b="1"/>
             </a:lvl9pPr>
           </a:lstStyle>
           <a:p>
@@ -1547,8 +1547,8 @@
         </p:nvSpPr>
         <p:spPr>
           <a:xfrm>
-            <a:off x="9271159" y="2505075"/>
-            <a:ext cx="7785580" cy="3684588"/>
+            <a:off x="20205918" y="5174256"/>
+            <a:ext cx="16968192" cy="7610551"/>
           </a:xfrm>
         </p:spPr>
         <p:txBody>
@@ -1660,7 +1660,7 @@
     </p:spTree>
     <p:extLst>
       <p:ext uri="{BB962C8B-B14F-4D97-AF65-F5344CB8AC3E}">
-        <p14:creationId xmlns:p14="http://schemas.microsoft.com/office/powerpoint/2010/main" val="3297471849"/>
+        <p14:creationId xmlns:p14="http://schemas.microsoft.com/office/powerpoint/2010/main" val="764885557"/>
       </p:ext>
     </p:extLst>
   </p:cSld>
@@ -1778,7 +1778,7 @@
     </p:spTree>
     <p:extLst>
       <p:ext uri="{BB962C8B-B14F-4D97-AF65-F5344CB8AC3E}">
-        <p14:creationId xmlns:p14="http://schemas.microsoft.com/office/powerpoint/2010/main" val="3883993710"/>
+        <p14:creationId xmlns:p14="http://schemas.microsoft.com/office/powerpoint/2010/main" val="86314753"/>
       </p:ext>
     </p:extLst>
   </p:cSld>
@@ -1873,7 +1873,7 @@
     </p:spTree>
     <p:extLst>
       <p:ext uri="{BB962C8B-B14F-4D97-AF65-F5344CB8AC3E}">
-        <p14:creationId xmlns:p14="http://schemas.microsoft.com/office/powerpoint/2010/main" val="2979357972"/>
+        <p14:creationId xmlns:p14="http://schemas.microsoft.com/office/powerpoint/2010/main" val="463426225"/>
       </p:ext>
     </p:extLst>
   </p:cSld>
@@ -1912,15 +1912,15 @@
         </p:nvSpPr>
         <p:spPr>
           <a:xfrm>
-            <a:off x="1261432" y="457200"/>
-            <a:ext cx="5906548" cy="1600200"/>
+            <a:off x="2749214" y="944351"/>
+            <a:ext cx="12872956" cy="3305228"/>
           </a:xfrm>
         </p:spPr>
         <p:txBody>
           <a:bodyPr anchor="b"/>
           <a:lstStyle>
             <a:lvl1pPr>
-              <a:defRPr sz="3200"/>
+              <a:defRPr sz="6610"/>
             </a:lvl1pPr>
           </a:lstStyle>
           <a:p>
@@ -1944,39 +1944,39 @@
         </p:nvSpPr>
         <p:spPr>
           <a:xfrm>
-            <a:off x="7785580" y="987426"/>
-            <a:ext cx="9271159" cy="4873625"/>
+            <a:off x="16968192" y="2039537"/>
+            <a:ext cx="20205918" cy="10066518"/>
           </a:xfrm>
         </p:spPr>
         <p:txBody>
           <a:bodyPr/>
           <a:lstStyle>
             <a:lvl1pPr>
-              <a:defRPr sz="3200"/>
+              <a:defRPr sz="6610"/>
             </a:lvl1pPr>
             <a:lvl2pPr>
-              <a:defRPr sz="2800"/>
+              <a:defRPr sz="5783"/>
             </a:lvl2pPr>
             <a:lvl3pPr>
-              <a:defRPr sz="2400"/>
+              <a:defRPr sz="4957"/>
             </a:lvl3pPr>
             <a:lvl4pPr>
-              <a:defRPr sz="2000"/>
+              <a:defRPr sz="4131"/>
             </a:lvl4pPr>
             <a:lvl5pPr>
-              <a:defRPr sz="2000"/>
+              <a:defRPr sz="4131"/>
             </a:lvl5pPr>
             <a:lvl6pPr>
-              <a:defRPr sz="2000"/>
+              <a:defRPr sz="4131"/>
             </a:lvl6pPr>
             <a:lvl7pPr>
-              <a:defRPr sz="2000"/>
+              <a:defRPr sz="4131"/>
             </a:lvl7pPr>
             <a:lvl8pPr>
-              <a:defRPr sz="2000"/>
+              <a:defRPr sz="4131"/>
             </a:lvl8pPr>
             <a:lvl9pPr>
-              <a:defRPr sz="2000"/>
+              <a:defRPr sz="4131"/>
             </a:lvl9pPr>
           </a:lstStyle>
           <a:p>
@@ -2029,8 +2029,8 @@
         </p:nvSpPr>
         <p:spPr>
           <a:xfrm>
-            <a:off x="1261432" y="2057400"/>
-            <a:ext cx="5906548" cy="3811588"/>
+            <a:off x="2749214" y="4249579"/>
+            <a:ext cx="12872956" cy="7872871"/>
           </a:xfrm>
         </p:spPr>
         <p:txBody>
@@ -2038,39 +2038,39 @@
           <a:lstStyle>
             <a:lvl1pPr marL="0" indent="0">
               <a:buNone/>
-              <a:defRPr sz="1600"/>
+              <a:defRPr sz="3305"/>
             </a:lvl1pPr>
-            <a:lvl2pPr marL="457200" indent="0">
+            <a:lvl2pPr marL="944347" indent="0">
               <a:buNone/>
-              <a:defRPr sz="1400"/>
+              <a:defRPr sz="2892"/>
             </a:lvl2pPr>
-            <a:lvl3pPr marL="914400" indent="0">
+            <a:lvl3pPr marL="1888693" indent="0">
               <a:buNone/>
-              <a:defRPr sz="1200"/>
+              <a:defRPr sz="2479"/>
             </a:lvl3pPr>
-            <a:lvl4pPr marL="1371600" indent="0">
+            <a:lvl4pPr marL="2833040" indent="0">
               <a:buNone/>
-              <a:defRPr sz="1000"/>
+              <a:defRPr sz="2066"/>
             </a:lvl4pPr>
-            <a:lvl5pPr marL="1828800" indent="0">
+            <a:lvl5pPr marL="3777386" indent="0">
               <a:buNone/>
-              <a:defRPr sz="1000"/>
+              <a:defRPr sz="2066"/>
             </a:lvl5pPr>
-            <a:lvl6pPr marL="2286000" indent="0">
+            <a:lvl6pPr marL="4721733" indent="0">
               <a:buNone/>
-              <a:defRPr sz="1000"/>
+              <a:defRPr sz="2066"/>
             </a:lvl6pPr>
-            <a:lvl7pPr marL="2743200" indent="0">
+            <a:lvl7pPr marL="5666080" indent="0">
               <a:buNone/>
-              <a:defRPr sz="1000"/>
+              <a:defRPr sz="2066"/>
             </a:lvl7pPr>
-            <a:lvl8pPr marL="3200400" indent="0">
+            <a:lvl8pPr marL="6610426" indent="0">
               <a:buNone/>
-              <a:defRPr sz="1000"/>
+              <a:defRPr sz="2066"/>
             </a:lvl8pPr>
-            <a:lvl9pPr marL="3657600" indent="0">
+            <a:lvl9pPr marL="7554773" indent="0">
               <a:buNone/>
-              <a:defRPr sz="1000"/>
+              <a:defRPr sz="2066"/>
             </a:lvl9pPr>
           </a:lstStyle>
           <a:p>
@@ -2150,7 +2150,7 @@
     </p:spTree>
     <p:extLst>
       <p:ext uri="{BB962C8B-B14F-4D97-AF65-F5344CB8AC3E}">
-        <p14:creationId xmlns:p14="http://schemas.microsoft.com/office/powerpoint/2010/main" val="3361528987"/>
+        <p14:creationId xmlns:p14="http://schemas.microsoft.com/office/powerpoint/2010/main" val="280518576"/>
       </p:ext>
     </p:extLst>
   </p:cSld>
@@ -2189,15 +2189,15 @@
         </p:nvSpPr>
         <p:spPr>
           <a:xfrm>
-            <a:off x="1261432" y="457200"/>
-            <a:ext cx="5906548" cy="1600200"/>
+            <a:off x="2749214" y="944351"/>
+            <a:ext cx="12872956" cy="3305228"/>
           </a:xfrm>
         </p:spPr>
         <p:txBody>
           <a:bodyPr anchor="b"/>
           <a:lstStyle>
             <a:lvl1pPr>
-              <a:defRPr sz="3200"/>
+              <a:defRPr sz="6610"/>
             </a:lvl1pPr>
           </a:lstStyle>
           <a:p>
@@ -2221,8 +2221,8 @@
         </p:nvSpPr>
         <p:spPr>
           <a:xfrm>
-            <a:off x="7785580" y="987426"/>
-            <a:ext cx="9271159" cy="4873625"/>
+            <a:off x="16968192" y="2039537"/>
+            <a:ext cx="20205918" cy="10066518"/>
           </a:xfrm>
         </p:spPr>
         <p:txBody>
@@ -2230,39 +2230,39 @@
           <a:lstStyle>
             <a:lvl1pPr marL="0" indent="0">
               <a:buNone/>
-              <a:defRPr sz="3200"/>
+              <a:defRPr sz="6610"/>
             </a:lvl1pPr>
-            <a:lvl2pPr marL="457200" indent="0">
+            <a:lvl2pPr marL="944347" indent="0">
               <a:buNone/>
-              <a:defRPr sz="2800"/>
+              <a:defRPr sz="5783"/>
             </a:lvl2pPr>
-            <a:lvl3pPr marL="914400" indent="0">
+            <a:lvl3pPr marL="1888693" indent="0">
               <a:buNone/>
-              <a:defRPr sz="2400"/>
+              <a:defRPr sz="4957"/>
             </a:lvl3pPr>
-            <a:lvl4pPr marL="1371600" indent="0">
+            <a:lvl4pPr marL="2833040" indent="0">
               <a:buNone/>
-              <a:defRPr sz="2000"/>
+              <a:defRPr sz="4131"/>
             </a:lvl4pPr>
-            <a:lvl5pPr marL="1828800" indent="0">
+            <a:lvl5pPr marL="3777386" indent="0">
               <a:buNone/>
-              <a:defRPr sz="2000"/>
+              <a:defRPr sz="4131"/>
             </a:lvl5pPr>
-            <a:lvl6pPr marL="2286000" indent="0">
+            <a:lvl6pPr marL="4721733" indent="0">
               <a:buNone/>
-              <a:defRPr sz="2000"/>
+              <a:defRPr sz="4131"/>
             </a:lvl6pPr>
-            <a:lvl7pPr marL="2743200" indent="0">
+            <a:lvl7pPr marL="5666080" indent="0">
               <a:buNone/>
-              <a:defRPr sz="2000"/>
+              <a:defRPr sz="4131"/>
             </a:lvl7pPr>
-            <a:lvl8pPr marL="3200400" indent="0">
+            <a:lvl8pPr marL="6610426" indent="0">
               <a:buNone/>
-              <a:defRPr sz="2000"/>
+              <a:defRPr sz="4131"/>
             </a:lvl8pPr>
-            <a:lvl9pPr marL="3657600" indent="0">
+            <a:lvl9pPr marL="7554773" indent="0">
               <a:buNone/>
-              <a:defRPr sz="2000"/>
+              <a:defRPr sz="4131"/>
             </a:lvl9pPr>
           </a:lstStyle>
           <a:p>
@@ -2286,8 +2286,8 @@
         </p:nvSpPr>
         <p:spPr>
           <a:xfrm>
-            <a:off x="1261432" y="2057400"/>
-            <a:ext cx="5906548" cy="3811588"/>
+            <a:off x="2749214" y="4249579"/>
+            <a:ext cx="12872956" cy="7872871"/>
           </a:xfrm>
         </p:spPr>
         <p:txBody>
@@ -2295,39 +2295,39 @@
           <a:lstStyle>
             <a:lvl1pPr marL="0" indent="0">
               <a:buNone/>
-              <a:defRPr sz="1600"/>
+              <a:defRPr sz="3305"/>
             </a:lvl1pPr>
-            <a:lvl2pPr marL="457200" indent="0">
+            <a:lvl2pPr marL="944347" indent="0">
               <a:buNone/>
-              <a:defRPr sz="1400"/>
+              <a:defRPr sz="2892"/>
             </a:lvl2pPr>
-            <a:lvl3pPr marL="914400" indent="0">
+            <a:lvl3pPr marL="1888693" indent="0">
               <a:buNone/>
-              <a:defRPr sz="1200"/>
+              <a:defRPr sz="2479"/>
             </a:lvl3pPr>
-            <a:lvl4pPr marL="1371600" indent="0">
+            <a:lvl4pPr marL="2833040" indent="0">
               <a:buNone/>
-              <a:defRPr sz="1000"/>
+              <a:defRPr sz="2066"/>
             </a:lvl4pPr>
-            <a:lvl5pPr marL="1828800" indent="0">
+            <a:lvl5pPr marL="3777386" indent="0">
               <a:buNone/>
-              <a:defRPr sz="1000"/>
+              <a:defRPr sz="2066"/>
             </a:lvl5pPr>
-            <a:lvl6pPr marL="2286000" indent="0">
+            <a:lvl6pPr marL="4721733" indent="0">
               <a:buNone/>
-              <a:defRPr sz="1000"/>
+              <a:defRPr sz="2066"/>
             </a:lvl6pPr>
-            <a:lvl7pPr marL="2743200" indent="0">
+            <a:lvl7pPr marL="5666080" indent="0">
               <a:buNone/>
-              <a:defRPr sz="1000"/>
+              <a:defRPr sz="2066"/>
             </a:lvl7pPr>
-            <a:lvl8pPr marL="3200400" indent="0">
+            <a:lvl8pPr marL="6610426" indent="0">
               <a:buNone/>
-              <a:defRPr sz="1000"/>
+              <a:defRPr sz="2066"/>
             </a:lvl8pPr>
-            <a:lvl9pPr marL="3657600" indent="0">
+            <a:lvl9pPr marL="7554773" indent="0">
               <a:buNone/>
-              <a:defRPr sz="1000"/>
+              <a:defRPr sz="2066"/>
             </a:lvl9pPr>
           </a:lstStyle>
           <a:p>
@@ -2407,7 +2407,7 @@
     </p:spTree>
     <p:extLst>
       <p:ext uri="{BB962C8B-B14F-4D97-AF65-F5344CB8AC3E}">
-        <p14:creationId xmlns:p14="http://schemas.microsoft.com/office/powerpoint/2010/main" val="144124874"/>
+        <p14:creationId xmlns:p14="http://schemas.microsoft.com/office/powerpoint/2010/main" val="3541883560"/>
       </p:ext>
     </p:extLst>
   </p:cSld>
@@ -2451,8 +2451,8 @@
         </p:nvSpPr>
         <p:spPr>
           <a:xfrm>
-            <a:off x="1259046" y="365126"/>
-            <a:ext cx="15795308" cy="1325563"/>
+            <a:off x="2744014" y="754170"/>
+            <a:ext cx="34424898" cy="2737963"/>
           </a:xfrm>
           <a:prstGeom prst="rect">
             <a:avLst/>
@@ -2484,8 +2484,8 @@
         </p:nvSpPr>
         <p:spPr>
           <a:xfrm>
-            <a:off x="1259046" y="1825625"/>
-            <a:ext cx="15795308" cy="4351338"/>
+            <a:off x="2744014" y="3770846"/>
+            <a:ext cx="34424898" cy="8987729"/>
           </a:xfrm>
           <a:prstGeom prst="rect">
             <a:avLst/>
@@ -2546,8 +2546,8 @@
         </p:nvSpPr>
         <p:spPr>
           <a:xfrm>
-            <a:off x="1259046" y="6356351"/>
-            <a:ext cx="4120515" cy="365125"/>
+            <a:off x="2744014" y="13129101"/>
+            <a:ext cx="8980408" cy="754169"/>
           </a:xfrm>
           <a:prstGeom prst="rect">
             <a:avLst/>
@@ -2557,7 +2557,7 @@
           <a:bodyPr vert="horz" lIns="91440" tIns="45720" rIns="91440" bIns="45720" rtlCol="0" anchor="ctr"/>
           <a:lstStyle>
             <a:lvl1pPr algn="l">
-              <a:defRPr sz="1200">
+              <a:defRPr sz="2479">
                 <a:solidFill>
                   <a:schemeClr val="tx1">
                     <a:tint val="75000"/>
@@ -2587,8 +2587,8 @@
         </p:nvSpPr>
         <p:spPr>
           <a:xfrm>
-            <a:off x="6066314" y="6356351"/>
-            <a:ext cx="6180773" cy="365125"/>
+            <a:off x="13221157" y="13129101"/>
+            <a:ext cx="13470612" cy="754169"/>
           </a:xfrm>
           <a:prstGeom prst="rect">
             <a:avLst/>
@@ -2598,7 +2598,7 @@
           <a:bodyPr vert="horz" lIns="91440" tIns="45720" rIns="91440" bIns="45720" rtlCol="0" anchor="ctr"/>
           <a:lstStyle>
             <a:lvl1pPr algn="ctr">
-              <a:defRPr sz="1200">
+              <a:defRPr sz="2479">
                 <a:solidFill>
                   <a:schemeClr val="tx1">
                     <a:tint val="75000"/>
@@ -2624,8 +2624,8 @@
         </p:nvSpPr>
         <p:spPr>
           <a:xfrm>
-            <a:off x="12933839" y="6356351"/>
-            <a:ext cx="4120515" cy="365125"/>
+            <a:off x="28188503" y="13129101"/>
+            <a:ext cx="8980408" cy="754169"/>
           </a:xfrm>
           <a:prstGeom prst="rect">
             <a:avLst/>
@@ -2635,7 +2635,7 @@
           <a:bodyPr vert="horz" lIns="91440" tIns="45720" rIns="91440" bIns="45720" rtlCol="0" anchor="ctr"/>
           <a:lstStyle>
             <a:lvl1pPr algn="r">
-              <a:defRPr sz="1200">
+              <a:defRPr sz="2479">
                 <a:solidFill>
                   <a:schemeClr val="tx1">
                     <a:tint val="75000"/>
@@ -2656,27 +2656,27 @@
     </p:spTree>
     <p:extLst>
       <p:ext uri="{BB962C8B-B14F-4D97-AF65-F5344CB8AC3E}">
-        <p14:creationId xmlns:p14="http://schemas.microsoft.com/office/powerpoint/2010/main" val="2666403402"/>
+        <p14:creationId xmlns:p14="http://schemas.microsoft.com/office/powerpoint/2010/main" val="4035589947"/>
       </p:ext>
     </p:extLst>
   </p:cSld>
   <p:clrMap bg1="lt1" tx1="dk1" bg2="lt2" tx2="dk2" accent1="accent1" accent2="accent2" accent3="accent3" accent4="accent4" accent5="accent5" accent6="accent6" hlink="hlink" folHlink="folHlink"/>
   <p:sldLayoutIdLst>
-    <p:sldLayoutId id="2147483661" r:id="rId1"/>
-    <p:sldLayoutId id="2147483662" r:id="rId2"/>
-    <p:sldLayoutId id="2147483663" r:id="rId3"/>
-    <p:sldLayoutId id="2147483664" r:id="rId4"/>
-    <p:sldLayoutId id="2147483665" r:id="rId5"/>
-    <p:sldLayoutId id="2147483666" r:id="rId6"/>
-    <p:sldLayoutId id="2147483667" r:id="rId7"/>
-    <p:sldLayoutId id="2147483668" r:id="rId8"/>
-    <p:sldLayoutId id="2147483669" r:id="rId9"/>
-    <p:sldLayoutId id="2147483670" r:id="rId10"/>
-    <p:sldLayoutId id="2147483671" r:id="rId11"/>
+    <p:sldLayoutId id="2147483673" r:id="rId1"/>
+    <p:sldLayoutId id="2147483674" r:id="rId2"/>
+    <p:sldLayoutId id="2147483675" r:id="rId3"/>
+    <p:sldLayoutId id="2147483676" r:id="rId4"/>
+    <p:sldLayoutId id="2147483677" r:id="rId5"/>
+    <p:sldLayoutId id="2147483678" r:id="rId6"/>
+    <p:sldLayoutId id="2147483679" r:id="rId7"/>
+    <p:sldLayoutId id="2147483680" r:id="rId8"/>
+    <p:sldLayoutId id="2147483681" r:id="rId9"/>
+    <p:sldLayoutId id="2147483682" r:id="rId10"/>
+    <p:sldLayoutId id="2147483683" r:id="rId11"/>
   </p:sldLayoutIdLst>
   <p:txStyles>
     <p:titleStyle>
-      <a:lvl1pPr algn="l" defTabSz="914400" rtl="0" eaLnBrk="1" latinLnBrk="0" hangingPunct="1">
+      <a:lvl1pPr algn="l" defTabSz="1888693" rtl="0" eaLnBrk="1" latinLnBrk="0" hangingPunct="1">
         <a:lnSpc>
           <a:spcPct val="90000"/>
         </a:lnSpc>
@@ -2684,7 +2684,7 @@
           <a:spcPct val="0"/>
         </a:spcBef>
         <a:buNone/>
-        <a:defRPr sz="4400" kern="1200">
+        <a:defRPr sz="9088" kern="1200">
           <a:solidFill>
             <a:schemeClr val="tx1"/>
           </a:solidFill>
@@ -2695,16 +2695,16 @@
       </a:lvl1pPr>
     </p:titleStyle>
     <p:bodyStyle>
-      <a:lvl1pPr marL="228600" indent="-228600" algn="l" defTabSz="914400" rtl="0" eaLnBrk="1" latinLnBrk="0" hangingPunct="1">
+      <a:lvl1pPr marL="472173" indent="-472173" algn="l" defTabSz="1888693" rtl="0" eaLnBrk="1" latinLnBrk="0" hangingPunct="1">
         <a:lnSpc>
           <a:spcPct val="90000"/>
         </a:lnSpc>
         <a:spcBef>
-          <a:spcPts val="1000"/>
+          <a:spcPts val="2066"/>
         </a:spcBef>
         <a:buFont typeface="Arial" panose="020B0604020202020204" pitchFamily="34" charset="0"/>
         <a:buChar char="•"/>
-        <a:defRPr sz="2800" kern="1200">
+        <a:defRPr sz="5783" kern="1200">
           <a:solidFill>
             <a:schemeClr val="tx1"/>
           </a:solidFill>
@@ -2713,16 +2713,16 @@
           <a:cs typeface="+mn-cs"/>
         </a:defRPr>
       </a:lvl1pPr>
-      <a:lvl2pPr marL="685800" indent="-228600" algn="l" defTabSz="914400" rtl="0" eaLnBrk="1" latinLnBrk="0" hangingPunct="1">
+      <a:lvl2pPr marL="1416520" indent="-472173" algn="l" defTabSz="1888693" rtl="0" eaLnBrk="1" latinLnBrk="0" hangingPunct="1">
         <a:lnSpc>
           <a:spcPct val="90000"/>
         </a:lnSpc>
         <a:spcBef>
-          <a:spcPts val="500"/>
+          <a:spcPts val="1033"/>
         </a:spcBef>
         <a:buFont typeface="Arial" panose="020B0604020202020204" pitchFamily="34" charset="0"/>
         <a:buChar char="•"/>
-        <a:defRPr sz="2400" kern="1200">
+        <a:defRPr sz="4957" kern="1200">
           <a:solidFill>
             <a:schemeClr val="tx1"/>
           </a:solidFill>
@@ -2731,16 +2731,16 @@
           <a:cs typeface="+mn-cs"/>
         </a:defRPr>
       </a:lvl2pPr>
-      <a:lvl3pPr marL="1143000" indent="-228600" algn="l" defTabSz="914400" rtl="0" eaLnBrk="1" latinLnBrk="0" hangingPunct="1">
+      <a:lvl3pPr marL="2360867" indent="-472173" algn="l" defTabSz="1888693" rtl="0" eaLnBrk="1" latinLnBrk="0" hangingPunct="1">
         <a:lnSpc>
           <a:spcPct val="90000"/>
         </a:lnSpc>
         <a:spcBef>
-          <a:spcPts val="500"/>
+          <a:spcPts val="1033"/>
         </a:spcBef>
         <a:buFont typeface="Arial" panose="020B0604020202020204" pitchFamily="34" charset="0"/>
         <a:buChar char="•"/>
-        <a:defRPr sz="2000" kern="1200">
+        <a:defRPr sz="4131" kern="1200">
           <a:solidFill>
             <a:schemeClr val="tx1"/>
           </a:solidFill>
@@ -2749,16 +2749,16 @@
           <a:cs typeface="+mn-cs"/>
         </a:defRPr>
       </a:lvl3pPr>
-      <a:lvl4pPr marL="1600200" indent="-228600" algn="l" defTabSz="914400" rtl="0" eaLnBrk="1" latinLnBrk="0" hangingPunct="1">
+      <a:lvl4pPr marL="3305213" indent="-472173" algn="l" defTabSz="1888693" rtl="0" eaLnBrk="1" latinLnBrk="0" hangingPunct="1">
         <a:lnSpc>
           <a:spcPct val="90000"/>
         </a:lnSpc>
         <a:spcBef>
-          <a:spcPts val="500"/>
+          <a:spcPts val="1033"/>
         </a:spcBef>
         <a:buFont typeface="Arial" panose="020B0604020202020204" pitchFamily="34" charset="0"/>
         <a:buChar char="•"/>
-        <a:defRPr sz="1800" kern="1200">
+        <a:defRPr sz="3718" kern="1200">
           <a:solidFill>
             <a:schemeClr val="tx1"/>
           </a:solidFill>
@@ -2767,16 +2767,16 @@
           <a:cs typeface="+mn-cs"/>
         </a:defRPr>
       </a:lvl4pPr>
-      <a:lvl5pPr marL="2057400" indent="-228600" algn="l" defTabSz="914400" rtl="0" eaLnBrk="1" latinLnBrk="0" hangingPunct="1">
+      <a:lvl5pPr marL="4249560" indent="-472173" algn="l" defTabSz="1888693" rtl="0" eaLnBrk="1" latinLnBrk="0" hangingPunct="1">
         <a:lnSpc>
           <a:spcPct val="90000"/>
         </a:lnSpc>
         <a:spcBef>
-          <a:spcPts val="500"/>
+          <a:spcPts val="1033"/>
         </a:spcBef>
         <a:buFont typeface="Arial" panose="020B0604020202020204" pitchFamily="34" charset="0"/>
         <a:buChar char="•"/>
-        <a:defRPr sz="1800" kern="1200">
+        <a:defRPr sz="3718" kern="1200">
           <a:solidFill>
             <a:schemeClr val="tx1"/>
           </a:solidFill>
@@ -2785,16 +2785,16 @@
           <a:cs typeface="+mn-cs"/>
         </a:defRPr>
       </a:lvl5pPr>
-      <a:lvl6pPr marL="2514600" indent="-228600" algn="l" defTabSz="914400" rtl="0" eaLnBrk="1" latinLnBrk="0" hangingPunct="1">
+      <a:lvl6pPr marL="5193906" indent="-472173" algn="l" defTabSz="1888693" rtl="0" eaLnBrk="1" latinLnBrk="0" hangingPunct="1">
         <a:lnSpc>
           <a:spcPct val="90000"/>
         </a:lnSpc>
         <a:spcBef>
-          <a:spcPts val="500"/>
+          <a:spcPts val="1033"/>
         </a:spcBef>
         <a:buFont typeface="Arial" panose="020B0604020202020204" pitchFamily="34" charset="0"/>
         <a:buChar char="•"/>
-        <a:defRPr sz="1800" kern="1200">
+        <a:defRPr sz="3718" kern="1200">
           <a:solidFill>
             <a:schemeClr val="tx1"/>
           </a:solidFill>
@@ -2803,16 +2803,16 @@
           <a:cs typeface="+mn-cs"/>
         </a:defRPr>
       </a:lvl6pPr>
-      <a:lvl7pPr marL="2971800" indent="-228600" algn="l" defTabSz="914400" rtl="0" eaLnBrk="1" latinLnBrk="0" hangingPunct="1">
+      <a:lvl7pPr marL="6138253" indent="-472173" algn="l" defTabSz="1888693" rtl="0" eaLnBrk="1" latinLnBrk="0" hangingPunct="1">
         <a:lnSpc>
           <a:spcPct val="90000"/>
         </a:lnSpc>
         <a:spcBef>
-          <a:spcPts val="500"/>
+          <a:spcPts val="1033"/>
         </a:spcBef>
         <a:buFont typeface="Arial" panose="020B0604020202020204" pitchFamily="34" charset="0"/>
         <a:buChar char="•"/>
-        <a:defRPr sz="1800" kern="1200">
+        <a:defRPr sz="3718" kern="1200">
           <a:solidFill>
             <a:schemeClr val="tx1"/>
           </a:solidFill>
@@ -2821,16 +2821,16 @@
           <a:cs typeface="+mn-cs"/>
         </a:defRPr>
       </a:lvl7pPr>
-      <a:lvl8pPr marL="3429000" indent="-228600" algn="l" defTabSz="914400" rtl="0" eaLnBrk="1" latinLnBrk="0" hangingPunct="1">
+      <a:lvl8pPr marL="7082600" indent="-472173" algn="l" defTabSz="1888693" rtl="0" eaLnBrk="1" latinLnBrk="0" hangingPunct="1">
         <a:lnSpc>
           <a:spcPct val="90000"/>
         </a:lnSpc>
         <a:spcBef>
-          <a:spcPts val="500"/>
+          <a:spcPts val="1033"/>
         </a:spcBef>
         <a:buFont typeface="Arial" panose="020B0604020202020204" pitchFamily="34" charset="0"/>
         <a:buChar char="•"/>
-        <a:defRPr sz="1800" kern="1200">
+        <a:defRPr sz="3718" kern="1200">
           <a:solidFill>
             <a:schemeClr val="tx1"/>
           </a:solidFill>
@@ -2839,16 +2839,16 @@
           <a:cs typeface="+mn-cs"/>
         </a:defRPr>
       </a:lvl8pPr>
-      <a:lvl9pPr marL="3886200" indent="-228600" algn="l" defTabSz="914400" rtl="0" eaLnBrk="1" latinLnBrk="0" hangingPunct="1">
+      <a:lvl9pPr marL="8026946" indent="-472173" algn="l" defTabSz="1888693" rtl="0" eaLnBrk="1" latinLnBrk="0" hangingPunct="1">
         <a:lnSpc>
           <a:spcPct val="90000"/>
         </a:lnSpc>
         <a:spcBef>
-          <a:spcPts val="500"/>
+          <a:spcPts val="1033"/>
         </a:spcBef>
         <a:buFont typeface="Arial" panose="020B0604020202020204" pitchFamily="34" charset="0"/>
         <a:buChar char="•"/>
-        <a:defRPr sz="1800" kern="1200">
+        <a:defRPr sz="3718" kern="1200">
           <a:solidFill>
             <a:schemeClr val="tx1"/>
           </a:solidFill>
@@ -2862,8 +2862,8 @@
       <a:defPPr>
         <a:defRPr lang="en-US"/>
       </a:defPPr>
-      <a:lvl1pPr marL="0" algn="l" defTabSz="914400" rtl="0" eaLnBrk="1" latinLnBrk="0" hangingPunct="1">
-        <a:defRPr sz="1800" kern="1200">
+      <a:lvl1pPr marL="0" algn="l" defTabSz="1888693" rtl="0" eaLnBrk="1" latinLnBrk="0" hangingPunct="1">
+        <a:defRPr sz="3718" kern="1200">
           <a:solidFill>
             <a:schemeClr val="tx1"/>
           </a:solidFill>
@@ -2872,8 +2872,8 @@
           <a:cs typeface="+mn-cs"/>
         </a:defRPr>
       </a:lvl1pPr>
-      <a:lvl2pPr marL="457200" algn="l" defTabSz="914400" rtl="0" eaLnBrk="1" latinLnBrk="0" hangingPunct="1">
-        <a:defRPr sz="1800" kern="1200">
+      <a:lvl2pPr marL="944347" algn="l" defTabSz="1888693" rtl="0" eaLnBrk="1" latinLnBrk="0" hangingPunct="1">
+        <a:defRPr sz="3718" kern="1200">
           <a:solidFill>
             <a:schemeClr val="tx1"/>
           </a:solidFill>
@@ -2882,8 +2882,8 @@
           <a:cs typeface="+mn-cs"/>
         </a:defRPr>
       </a:lvl2pPr>
-      <a:lvl3pPr marL="914400" algn="l" defTabSz="914400" rtl="0" eaLnBrk="1" latinLnBrk="0" hangingPunct="1">
-        <a:defRPr sz="1800" kern="1200">
+      <a:lvl3pPr marL="1888693" algn="l" defTabSz="1888693" rtl="0" eaLnBrk="1" latinLnBrk="0" hangingPunct="1">
+        <a:defRPr sz="3718" kern="1200">
           <a:solidFill>
             <a:schemeClr val="tx1"/>
           </a:solidFill>
@@ -2892,8 +2892,8 @@
           <a:cs typeface="+mn-cs"/>
         </a:defRPr>
       </a:lvl3pPr>
-      <a:lvl4pPr marL="1371600" algn="l" defTabSz="914400" rtl="0" eaLnBrk="1" latinLnBrk="0" hangingPunct="1">
-        <a:defRPr sz="1800" kern="1200">
+      <a:lvl4pPr marL="2833040" algn="l" defTabSz="1888693" rtl="0" eaLnBrk="1" latinLnBrk="0" hangingPunct="1">
+        <a:defRPr sz="3718" kern="1200">
           <a:solidFill>
             <a:schemeClr val="tx1"/>
           </a:solidFill>
@@ -2902,8 +2902,8 @@
           <a:cs typeface="+mn-cs"/>
         </a:defRPr>
       </a:lvl4pPr>
-      <a:lvl5pPr marL="1828800" algn="l" defTabSz="914400" rtl="0" eaLnBrk="1" latinLnBrk="0" hangingPunct="1">
-        <a:defRPr sz="1800" kern="1200">
+      <a:lvl5pPr marL="3777386" algn="l" defTabSz="1888693" rtl="0" eaLnBrk="1" latinLnBrk="0" hangingPunct="1">
+        <a:defRPr sz="3718" kern="1200">
           <a:solidFill>
             <a:schemeClr val="tx1"/>
           </a:solidFill>
@@ -2912,8 +2912,8 @@
           <a:cs typeface="+mn-cs"/>
         </a:defRPr>
       </a:lvl5pPr>
-      <a:lvl6pPr marL="2286000" algn="l" defTabSz="914400" rtl="0" eaLnBrk="1" latinLnBrk="0" hangingPunct="1">
-        <a:defRPr sz="1800" kern="1200">
+      <a:lvl6pPr marL="4721733" algn="l" defTabSz="1888693" rtl="0" eaLnBrk="1" latinLnBrk="0" hangingPunct="1">
+        <a:defRPr sz="3718" kern="1200">
           <a:solidFill>
             <a:schemeClr val="tx1"/>
           </a:solidFill>
@@ -2922,8 +2922,8 @@
           <a:cs typeface="+mn-cs"/>
         </a:defRPr>
       </a:lvl6pPr>
-      <a:lvl7pPr marL="2743200" algn="l" defTabSz="914400" rtl="0" eaLnBrk="1" latinLnBrk="0" hangingPunct="1">
-        <a:defRPr sz="1800" kern="1200">
+      <a:lvl7pPr marL="5666080" algn="l" defTabSz="1888693" rtl="0" eaLnBrk="1" latinLnBrk="0" hangingPunct="1">
+        <a:defRPr sz="3718" kern="1200">
           <a:solidFill>
             <a:schemeClr val="tx1"/>
           </a:solidFill>
@@ -2932,8 +2932,8 @@
           <a:cs typeface="+mn-cs"/>
         </a:defRPr>
       </a:lvl7pPr>
-      <a:lvl8pPr marL="3200400" algn="l" defTabSz="914400" rtl="0" eaLnBrk="1" latinLnBrk="0" hangingPunct="1">
-        <a:defRPr sz="1800" kern="1200">
+      <a:lvl8pPr marL="6610426" algn="l" defTabSz="1888693" rtl="0" eaLnBrk="1" latinLnBrk="0" hangingPunct="1">
+        <a:defRPr sz="3718" kern="1200">
           <a:solidFill>
             <a:schemeClr val="tx1"/>
           </a:solidFill>
@@ -2942,8 +2942,8 @@
           <a:cs typeface="+mn-cs"/>
         </a:defRPr>
       </a:lvl8pPr>
-      <a:lvl9pPr marL="3657600" algn="l" defTabSz="914400" rtl="0" eaLnBrk="1" latinLnBrk="0" hangingPunct="1">
-        <a:defRPr sz="1800" kern="1200">
+      <a:lvl9pPr marL="7554773" algn="l" defTabSz="1888693" rtl="0" eaLnBrk="1" latinLnBrk="0" hangingPunct="1">
+        <a:defRPr sz="3718" kern="1200">
           <a:solidFill>
             <a:schemeClr val="tx1"/>
           </a:solidFill>
@@ -2988,7 +2988,7 @@
         </p:nvGrpSpPr>
         <p:grpSpPr>
           <a:xfrm>
-            <a:off x="3417365" y="-311671"/>
+            <a:off x="14217128" y="3341961"/>
             <a:ext cx="8015365" cy="7961399"/>
             <a:chOff x="3056876" y="410340"/>
             <a:chExt cx="6078239" cy="6037316"/>
@@ -3587,7 +3587,7 @@
               </p:nvPr>
             </p:nvGraphicFramePr>
             <p:xfrm>
-              <a:off x="6486123" y="2448761"/>
+              <a:off x="17285886" y="6102393"/>
               <a:ext cx="1905973" cy="2160033"/>
             </p:xfrm>
             <a:graphic>
@@ -3686,7 +3686,7 @@
             </p:blipFill>
             <p:spPr>
               <a:xfrm>
-                <a:off x="6486123" y="2448761"/>
+                <a:off x="17285886" y="6102393"/>
                 <a:ext cx="1905973" cy="2160033"/>
               </a:xfrm>
               <a:prstGeom prst="rect">
@@ -3726,7 +3726,7 @@
         </p:blipFill>
         <p:spPr>
           <a:xfrm>
-            <a:off x="6940627" y="488604"/>
+            <a:off x="17740390" y="4142236"/>
             <a:ext cx="2050341" cy="2050341"/>
           </a:xfrm>
           <a:prstGeom prst="rect">
@@ -3756,7 +3756,7 @@
         </p:blipFill>
         <p:spPr>
           <a:xfrm>
-            <a:off x="7425047" y="980493"/>
+            <a:off x="18224809" y="4634124"/>
             <a:ext cx="1081500" cy="1081500"/>
           </a:xfrm>
           <a:prstGeom prst="rect">
@@ -3812,7 +3812,7 @@
         </p:blipFill>
         <p:spPr bwMode="auto">
           <a:xfrm flipH="1">
-            <a:off x="11385704" y="4231431"/>
+            <a:off x="22185467" y="7885062"/>
             <a:ext cx="2217251" cy="2624692"/>
           </a:xfrm>
           <a:prstGeom prst="rect">
@@ -3860,7 +3860,7 @@
         </p:blipFill>
         <p:spPr bwMode="auto">
           <a:xfrm>
-            <a:off x="11789821" y="5116908"/>
+            <a:off x="22589583" y="8770539"/>
             <a:ext cx="393376" cy="393376"/>
           </a:xfrm>
           <a:prstGeom prst="rect">
@@ -3892,7 +3892,7 @@
         </p:nvSpPr>
         <p:spPr>
           <a:xfrm>
-            <a:off x="10688515" y="3757717"/>
+            <a:off x="21488277" y="7411348"/>
             <a:ext cx="1415772" cy="462114"/>
           </a:xfrm>
           <a:prstGeom prst="rect">
@@ -3946,7 +3946,7 @@
         </p:nvCxnSpPr>
         <p:spPr>
           <a:xfrm>
-            <a:off x="7937592" y="1505674"/>
+            <a:off x="18737355" y="5159305"/>
             <a:ext cx="3852229" cy="3657990"/>
           </a:xfrm>
           <a:prstGeom prst="line">
@@ -4003,7 +4003,7 @@
         </p:blipFill>
         <p:spPr bwMode="auto">
           <a:xfrm>
-            <a:off x="5247537" y="887047"/>
+            <a:off x="16047299" y="4540679"/>
             <a:ext cx="2455442" cy="1093171"/>
           </a:xfrm>
           <a:prstGeom prst="rect">
@@ -4048,7 +4048,7 @@
         </p:blipFill>
         <p:spPr bwMode="auto">
           <a:xfrm>
-            <a:off x="7763247" y="887047"/>
+            <a:off x="18563009" y="4540679"/>
             <a:ext cx="2455442" cy="1093171"/>
           </a:xfrm>
           <a:prstGeom prst="rect">
@@ -4093,7 +4093,7 @@
         </p:blipFill>
         <p:spPr bwMode="auto">
           <a:xfrm>
-            <a:off x="10187279" y="903000"/>
+            <a:off x="20987041" y="4556632"/>
             <a:ext cx="2455442" cy="1093171"/>
           </a:xfrm>
           <a:prstGeom prst="rect">
@@ -4138,7 +4138,7 @@
         </p:blipFill>
         <p:spPr bwMode="auto">
           <a:xfrm>
-            <a:off x="12702989" y="903000"/>
+            <a:off x="23502751" y="4556632"/>
             <a:ext cx="2455442" cy="1093171"/>
           </a:xfrm>
           <a:prstGeom prst="rect">
@@ -4183,7 +4183,7 @@
         </p:blipFill>
         <p:spPr bwMode="auto">
           <a:xfrm>
-            <a:off x="15158431" y="903000"/>
+            <a:off x="25958193" y="4556632"/>
             <a:ext cx="2455442" cy="1093171"/>
           </a:xfrm>
           <a:prstGeom prst="rect">
@@ -4233,10 +4233,10 @@
       </p:grpSpPr>
       <p:grpSp>
         <p:nvGrpSpPr>
-          <p:cNvPr id="7" name="Group 6">
+          <p:cNvPr id="159" name="Group 158">
             <a:extLst>
               <a:ext uri="{FF2B5EF4-FFF2-40B4-BE49-F238E27FC236}">
-                <a16:creationId xmlns:a16="http://schemas.microsoft.com/office/drawing/2014/main" id="{A4E11D8E-A7D0-28FD-0FCE-30A0218E6ED4}"/>
+                <a16:creationId xmlns:a16="http://schemas.microsoft.com/office/drawing/2014/main" id="{BE90C9D1-76F4-C49D-56AB-B0A5E925A92C}"/>
               </a:ext>
             </a:extLst>
           </p:cNvPr>
@@ -4245,10 +4245,10 @@
         </p:nvGrpSpPr>
         <p:grpSpPr>
           <a:xfrm>
-            <a:off x="966332" y="-235531"/>
-            <a:ext cx="16575482" cy="7014144"/>
-            <a:chOff x="966332" y="-235531"/>
-            <a:chExt cx="16575482" cy="7014144"/>
+            <a:off x="7838330" y="3409739"/>
+            <a:ext cx="24994961" cy="7364655"/>
+            <a:chOff x="7838330" y="3409739"/>
+            <a:chExt cx="24994961" cy="7364655"/>
           </a:xfrm>
         </p:grpSpPr>
         <p:grpSp>
@@ -4265,7 +4265,7 @@
           </p:nvGrpSpPr>
           <p:grpSpPr>
             <a:xfrm>
-              <a:off x="966332" y="1792295"/>
+              <a:off x="7838330" y="5444335"/>
               <a:ext cx="2937039" cy="3359519"/>
               <a:chOff x="1477382" y="2078975"/>
               <a:chExt cx="2937039" cy="3359519"/>
@@ -4529,7 +4529,7 @@
                 </p:blipFill>
                 <p:spPr>
                   <a:xfrm>
-                    <a:off x="966332" y="1792295"/>
+                    <a:off x="7838330" y="5444335"/>
                     <a:ext cx="1359355" cy="1540553"/>
                   </a:xfrm>
                   <a:prstGeom prst="rect">
@@ -4605,8 +4605,8 @@
           </p:nvSpPr>
           <p:spPr>
             <a:xfrm>
-              <a:off x="2455236" y="3117910"/>
-              <a:ext cx="1448089" cy="369332"/>
+              <a:off x="9327234" y="6769950"/>
+              <a:ext cx="2894510" cy="687432"/>
             </a:xfrm>
             <a:prstGeom prst="rect">
               <a:avLst/>
@@ -4644,7 +4644,7 @@
           </p:nvGrpSpPr>
           <p:grpSpPr>
             <a:xfrm>
-              <a:off x="6121613" y="594730"/>
+              <a:off x="12993611" y="4246770"/>
               <a:ext cx="4092713" cy="4065157"/>
               <a:chOff x="3056876" y="410340"/>
               <a:chExt cx="6078239" cy="6037316"/>
@@ -5234,7 +5234,7 @@
           </p:nvGrpSpPr>
           <p:grpSpPr>
             <a:xfrm>
-              <a:off x="9123923" y="3636680"/>
+              <a:off x="15995921" y="7288720"/>
               <a:ext cx="1301408" cy="1540553"/>
               <a:chOff x="7579941" y="3963212"/>
               <a:chExt cx="1476117" cy="1747368"/>
@@ -5378,7 +5378,7 @@
                 </p:nvPr>
               </p:nvGraphicFramePr>
               <p:xfrm>
-                <a:off x="7488292" y="1817715"/>
+                <a:off x="14360290" y="5469755"/>
                 <a:ext cx="1359356" cy="1540553"/>
               </p:xfrm>
               <a:graphic>
@@ -5478,7 +5478,7 @@
               </p:blipFill>
               <p:spPr>
                 <a:xfrm>
-                  <a:off x="7488292" y="1817715"/>
+                  <a:off x="14360290" y="5469755"/>
                   <a:ext cx="1359356" cy="1540553"/>
                 </a:xfrm>
                 <a:prstGeom prst="rect">
@@ -5511,7 +5511,7 @@
           </p:nvGrpSpPr>
           <p:grpSpPr>
             <a:xfrm>
-              <a:off x="7682458" y="510266"/>
+              <a:off x="14554456" y="4162306"/>
               <a:ext cx="1163841" cy="1163841"/>
               <a:chOff x="9011535" y="540003"/>
               <a:chExt cx="614855" cy="614855"/>
@@ -5594,7 +5594,7 @@
           </p:nvCxnSpPr>
           <p:spPr>
             <a:xfrm>
-              <a:off x="8249125" y="1039602"/>
+              <a:off x="15121123" y="4691642"/>
               <a:ext cx="1195125" cy="3158789"/>
             </a:xfrm>
             <a:prstGeom prst="line">
@@ -5640,7 +5640,7 @@
           </p:nvCxnSpPr>
           <p:spPr>
             <a:xfrm>
-              <a:off x="8246571" y="2706093"/>
+              <a:off x="15118569" y="6358133"/>
               <a:ext cx="1206890" cy="1488401"/>
             </a:xfrm>
             <a:prstGeom prst="line">
@@ -5685,7 +5685,7 @@
           </p:nvGrpSpPr>
           <p:grpSpPr>
             <a:xfrm>
-              <a:off x="5542821" y="-235531"/>
+              <a:off x="12414819" y="3416509"/>
               <a:ext cx="5452545" cy="5645374"/>
               <a:chOff x="5004628" y="1116776"/>
               <a:chExt cx="3629988" cy="3758363"/>
@@ -5893,7 +5893,7 @@
           </p:nvSpPr>
           <p:spPr>
             <a:xfrm>
-              <a:off x="8324869" y="2615824"/>
+              <a:off x="15196867" y="6267864"/>
               <a:ext cx="1373505" cy="1373505"/>
             </a:xfrm>
             <a:prstGeom prst="arc">
@@ -5946,8 +5946,8 @@
           </p:nvSpPr>
           <p:spPr>
             <a:xfrm>
-              <a:off x="9772773" y="3255979"/>
-              <a:ext cx="1395318" cy="369332"/>
+              <a:off x="16644771" y="6908019"/>
+              <a:ext cx="2781146" cy="687432"/>
             </a:xfrm>
             <a:prstGeom prst="rect">
               <a:avLst/>
@@ -5994,10 +5994,10 @@
           </p:nvGrpSpPr>
           <p:grpSpPr>
             <a:xfrm>
-              <a:off x="11939954" y="-234697"/>
-              <a:ext cx="5601860" cy="5644800"/>
+              <a:off x="18791170" y="3417343"/>
+              <a:ext cx="6987688" cy="5644800"/>
               <a:chOff x="12406484" y="26564"/>
-              <a:chExt cx="5601860" cy="5644800"/>
+              <a:chExt cx="6987688" cy="5644800"/>
             </a:xfrm>
           </p:grpSpPr>
           <p:grpSp>
@@ -6278,7 +6278,7 @@
                   </p:blipFill>
                   <p:spPr>
                     <a:xfrm>
-                      <a:off x="13424777" y="1319344"/>
+                      <a:off x="20275993" y="4971384"/>
                       <a:ext cx="2205183" cy="2498867"/>
                     </a:xfrm>
                     <a:prstGeom prst="rect">
@@ -6667,7 +6667,7 @@
             <p:spPr>
               <a:xfrm>
                 <a:off x="16613026" y="3506757"/>
-                <a:ext cx="1395318" cy="369332"/>
+                <a:ext cx="2781146" cy="687432"/>
               </a:xfrm>
               <a:prstGeom prst="rect">
                 <a:avLst/>
@@ -6715,7 +6715,7 @@
           </p:nvSpPr>
           <p:spPr>
             <a:xfrm>
-              <a:off x="2147808" y="6027885"/>
+              <a:off x="9019806" y="9679925"/>
               <a:ext cx="614855" cy="614855"/>
             </a:xfrm>
             <a:prstGeom prst="ellipse">
@@ -6767,7 +6767,7 @@
           </p:nvSpPr>
           <p:spPr>
             <a:xfrm>
-              <a:off x="8348202" y="6027885"/>
+              <a:off x="15220200" y="9679925"/>
               <a:ext cx="614855" cy="614855"/>
             </a:xfrm>
             <a:prstGeom prst="ellipse">
@@ -6819,7 +6819,7 @@
           </p:nvSpPr>
           <p:spPr>
             <a:xfrm>
-              <a:off x="14548596" y="6027885"/>
+              <a:off x="21420594" y="9679925"/>
               <a:ext cx="614855" cy="614855"/>
             </a:xfrm>
             <a:prstGeom prst="ellipse">
@@ -6873,19 +6873,20 @@
           </p:nvCxnSpPr>
           <p:spPr>
             <a:xfrm>
-              <a:off x="2985597" y="6339953"/>
+              <a:off x="9857595" y="9991993"/>
               <a:ext cx="5223396" cy="0"/>
             </a:xfrm>
             <a:prstGeom prst="straightConnector1">
               <a:avLst/>
             </a:prstGeom>
-            <a:ln w="127000" cmpd="tri">
+            <a:ln w="88900" cmpd="sng">
               <a:solidFill>
                 <a:schemeClr val="bg1">
                   <a:lumMod val="75000"/>
                 </a:schemeClr>
               </a:solidFill>
-              <a:tailEnd type="stealth"/>
+              <a:headEnd type="none" w="med" len="med"/>
+              <a:tailEnd type="triangle" w="med" len="sm"/>
             </a:ln>
           </p:spPr>
           <p:style>
@@ -6919,7 +6920,7 @@
           </p:nvGrpSpPr>
           <p:grpSpPr>
             <a:xfrm>
-              <a:off x="3070049" y="5653960"/>
+              <a:off x="9942047" y="9306000"/>
               <a:ext cx="4816665" cy="432000"/>
               <a:chOff x="5247537" y="887047"/>
               <a:chExt cx="12366336" cy="1109124"/>
@@ -7167,19 +7168,20 @@
           </p:nvCxnSpPr>
           <p:spPr>
             <a:xfrm>
-              <a:off x="9169226" y="6335312"/>
+              <a:off x="16041224" y="9987352"/>
               <a:ext cx="5223396" cy="0"/>
             </a:xfrm>
             <a:prstGeom prst="straightConnector1">
               <a:avLst/>
             </a:prstGeom>
-            <a:ln w="127000" cmpd="tri">
+            <a:ln w="88900" cmpd="sng">
               <a:solidFill>
                 <a:schemeClr val="bg1">
                   <a:lumMod val="75000"/>
                 </a:schemeClr>
               </a:solidFill>
-              <a:tailEnd type="stealth"/>
+              <a:headEnd type="none" w="med" len="med"/>
+              <a:tailEnd type="triangle" w="med" len="sm"/>
             </a:ln>
           </p:spPr>
           <p:style>
@@ -7219,7 +7221,7 @@
           </p:blipFill>
           <p:spPr>
             <a:xfrm>
-              <a:off x="11287702" y="5559425"/>
+              <a:off x="18159700" y="9211465"/>
               <a:ext cx="614855" cy="614855"/>
             </a:xfrm>
             <a:prstGeom prst="rect">
@@ -7249,7 +7251,7 @@
           </p:blipFill>
           <p:spPr>
             <a:xfrm>
-              <a:off x="9576363" y="5565774"/>
+              <a:off x="16448361" y="9217814"/>
               <a:ext cx="614855" cy="614855"/>
             </a:xfrm>
             <a:prstGeom prst="rect">
@@ -7279,7 +7281,7 @@
           </p:blipFill>
           <p:spPr>
             <a:xfrm>
-              <a:off x="11426032" y="5697754"/>
+              <a:off x="18298030" y="9349794"/>
               <a:ext cx="338196" cy="338196"/>
             </a:xfrm>
             <a:prstGeom prst="rect">
@@ -7301,7 +7303,7 @@
           </p:nvGrpSpPr>
           <p:grpSpPr>
             <a:xfrm>
-              <a:off x="12959713" y="5551112"/>
+              <a:off x="19831711" y="9203152"/>
               <a:ext cx="614856" cy="614855"/>
               <a:chOff x="12918148" y="5820686"/>
               <a:chExt cx="614856" cy="614855"/>
@@ -7382,7 +7384,7 @@
           </p:nvCxnSpPr>
           <p:spPr>
             <a:xfrm>
-              <a:off x="10341033" y="5866852"/>
+              <a:off x="17213031" y="9518892"/>
               <a:ext cx="827058" cy="0"/>
             </a:xfrm>
             <a:prstGeom prst="straightConnector1">
@@ -7426,7 +7428,7 @@
           </p:nvCxnSpPr>
           <p:spPr>
             <a:xfrm>
-              <a:off x="12022976" y="5858539"/>
+              <a:off x="18894974" y="9510579"/>
               <a:ext cx="827058" cy="0"/>
             </a:xfrm>
             <a:prstGeom prst="straightConnector1">
@@ -7470,7 +7472,7 @@
           </p:nvSpPr>
           <p:spPr>
             <a:xfrm rot="18900000">
-              <a:off x="15549516" y="1105954"/>
+              <a:off x="22421514" y="4757994"/>
               <a:ext cx="351005" cy="728198"/>
             </a:xfrm>
             <a:prstGeom prst="rightArrow">
@@ -7527,7 +7529,7 @@
           </p:nvSpPr>
           <p:spPr>
             <a:xfrm rot="2700000">
-              <a:off x="15605533" y="3123143"/>
+              <a:off x="22477531" y="6775183"/>
               <a:ext cx="351005" cy="728198"/>
             </a:xfrm>
             <a:prstGeom prst="rightArrow">
@@ -7584,7 +7586,7 @@
           </p:nvSpPr>
           <p:spPr>
             <a:xfrm rot="12900000">
-              <a:off x="13041519" y="1249969"/>
+              <a:off x="19913517" y="4902009"/>
               <a:ext cx="351005" cy="728198"/>
             </a:xfrm>
             <a:prstGeom prst="rightArrow">
@@ -7641,7 +7643,7 @@
           </p:nvSpPr>
           <p:spPr>
             <a:xfrm rot="8100000">
-              <a:off x="13608865" y="3489511"/>
+              <a:off x="20480863" y="7141551"/>
               <a:ext cx="351005" cy="728198"/>
             </a:xfrm>
             <a:prstGeom prst="rightArrow">
@@ -7698,8 +7700,8 @@
           </p:nvSpPr>
           <p:spPr>
             <a:xfrm>
-              <a:off x="4624120" y="6409281"/>
-              <a:ext cx="1683474" cy="369332"/>
+              <a:off x="10524021" y="10128063"/>
+              <a:ext cx="3591448" cy="646331"/>
             </a:xfrm>
             <a:prstGeom prst="rect">
               <a:avLst/>
@@ -7707,18 +7709,31 @@
             <a:noFill/>
           </p:spPr>
           <p:txBody>
-            <a:bodyPr wrap="none" rtlCol="0">
+            <a:bodyPr wrap="square" rtlCol="0">
               <a:spAutoFit/>
             </a:bodyPr>
             <a:lstStyle/>
             <a:p>
+              <a:pPr algn="ctr"/>
               <a:r>
                 <a:rPr lang="en-US" b="1" dirty="0"/>
                 <a:t>d</a:t>
               </a:r>
               <a:r>
                 <a:rPr lang="en-CN" b="1" dirty="0"/>
-                <a:t>ouble blinking</a:t>
+                <a:t>ouble blinking to</a:t>
+              </a:r>
+              <a:r>
+                <a:rPr lang="zh-CN" altLang="en-US" b="1" dirty="0"/>
+                <a:t> </a:t>
+              </a:r>
+              <a:r>
+                <a:rPr lang="en-US" altLang="zh-CN" b="1" dirty="0"/>
+                <a:t>confirm and</a:t>
+              </a:r>
+              <a:r>
+                <a:rPr lang="en-CN" b="1" dirty="0"/>
+                <a:t> select the target object</a:t>
               </a:r>
             </a:p>
           </p:txBody>
@@ -7737,8 +7752,8 @@
           </p:nvSpPr>
           <p:spPr>
             <a:xfrm>
-              <a:off x="10369953" y="6407889"/>
-              <a:ext cx="2450351" cy="369332"/>
+              <a:off x="16327616" y="10102123"/>
+              <a:ext cx="4384039" cy="646331"/>
             </a:xfrm>
             <a:prstGeom prst="rect">
               <a:avLst/>
@@ -7746,16 +7761,1616 @@
             <a:noFill/>
           </p:spPr>
           <p:txBody>
-            <a:bodyPr wrap="none" rtlCol="0">
+            <a:bodyPr wrap="square" rtlCol="0">
               <a:spAutoFit/>
             </a:bodyPr>
             <a:lstStyle/>
             <a:p>
+              <a:pPr algn="ctr"/>
               <a:r>
                 <a:rPr lang="en-US" b="1" dirty="0"/>
-                <a:t>progress bar getting full</a:t>
+                <a:t>progress bar getting full to enter a certain manipulation mode (e.g., rescaling)</a:t>
               </a:r>
               <a:endParaRPr lang="en-CN" b="1" dirty="0"/>
+            </a:p>
+          </p:txBody>
+        </p:sp>
+        <p:sp>
+          <p:nvSpPr>
+            <p:cNvPr id="31" name="Oval 30">
+              <a:extLst>
+                <a:ext uri="{FF2B5EF4-FFF2-40B4-BE49-F238E27FC236}">
+                  <a16:creationId xmlns:a16="http://schemas.microsoft.com/office/drawing/2014/main" id="{A7F660E4-0742-8E48-9F3D-2C6C073D3B84}"/>
+                </a:ext>
+              </a:extLst>
+            </p:cNvPr>
+            <p:cNvSpPr/>
+            <p:nvPr/>
+          </p:nvSpPr>
+          <p:spPr>
+            <a:xfrm>
+              <a:off x="27621054" y="9676817"/>
+              <a:ext cx="614855" cy="614855"/>
+            </a:xfrm>
+            <a:prstGeom prst="ellipse">
+              <a:avLst/>
+            </a:prstGeom>
+            <a:ln w="38100">
+              <a:solidFill>
+                <a:schemeClr val="tx1"/>
+              </a:solidFill>
+            </a:ln>
+          </p:spPr>
+          <p:style>
+            <a:lnRef idx="2">
+              <a:schemeClr val="accent6"/>
+            </a:lnRef>
+            <a:fillRef idx="1">
+              <a:schemeClr val="lt1"/>
+            </a:fillRef>
+            <a:effectRef idx="0">
+              <a:schemeClr val="accent6"/>
+            </a:effectRef>
+            <a:fontRef idx="minor">
+              <a:schemeClr val="dk1"/>
+            </a:fontRef>
+          </p:style>
+          <p:txBody>
+            <a:bodyPr rtlCol="0" anchor="ctr"/>
+            <a:lstStyle/>
+            <a:p>
+              <a:pPr algn="ctr"/>
+              <a:r>
+                <a:rPr lang="en-CN" sz="2800" dirty="0"/>
+                <a:t>4</a:t>
+              </a:r>
+            </a:p>
+          </p:txBody>
+        </p:sp>
+        <p:cxnSp>
+          <p:nvCxnSpPr>
+            <p:cNvPr id="32" name="Straight Arrow Connector 31">
+              <a:extLst>
+                <a:ext uri="{FF2B5EF4-FFF2-40B4-BE49-F238E27FC236}">
+                  <a16:creationId xmlns:a16="http://schemas.microsoft.com/office/drawing/2014/main" id="{A328B7B2-9F87-B9A4-C4DB-6639BD24967C}"/>
+                </a:ext>
+              </a:extLst>
+            </p:cNvPr>
+            <p:cNvCxnSpPr>
+              <a:cxnSpLocks/>
+            </p:cNvCxnSpPr>
+            <p:nvPr/>
+          </p:nvCxnSpPr>
+          <p:spPr>
+            <a:xfrm>
+              <a:off x="22258449" y="9988885"/>
+              <a:ext cx="5223396" cy="0"/>
+            </a:xfrm>
+            <a:prstGeom prst="straightConnector1">
+              <a:avLst/>
+            </a:prstGeom>
+            <a:ln w="88900" cmpd="sng">
+              <a:solidFill>
+                <a:schemeClr val="bg1">
+                  <a:lumMod val="75000"/>
+                </a:schemeClr>
+              </a:solidFill>
+              <a:headEnd type="none" w="med" len="med"/>
+              <a:tailEnd type="triangle" w="med" len="sm"/>
+            </a:ln>
+          </p:spPr>
+          <p:style>
+            <a:lnRef idx="1">
+              <a:schemeClr val="accent1"/>
+            </a:lnRef>
+            <a:fillRef idx="0">
+              <a:schemeClr val="accent1"/>
+            </a:fillRef>
+            <a:effectRef idx="0">
+              <a:schemeClr val="accent1"/>
+            </a:effectRef>
+            <a:fontRef idx="minor">
+              <a:schemeClr val="tx1"/>
+            </a:fontRef>
+          </p:style>
+        </p:cxnSp>
+        <p:grpSp>
+          <p:nvGrpSpPr>
+            <p:cNvPr id="33" name="Group 32">
+              <a:extLst>
+                <a:ext uri="{FF2B5EF4-FFF2-40B4-BE49-F238E27FC236}">
+                  <a16:creationId xmlns:a16="http://schemas.microsoft.com/office/drawing/2014/main" id="{0F30F714-72E2-2F1B-5282-7330C9939A9C}"/>
+                </a:ext>
+              </a:extLst>
+            </p:cNvPr>
+            <p:cNvGrpSpPr>
+              <a:grpSpLocks noChangeAspect="1"/>
+            </p:cNvGrpSpPr>
+            <p:nvPr/>
+          </p:nvGrpSpPr>
+          <p:grpSpPr>
+            <a:xfrm>
+              <a:off x="22342901" y="9302892"/>
+              <a:ext cx="4816665" cy="432000"/>
+              <a:chOff x="5247537" y="887047"/>
+              <a:chExt cx="12366336" cy="1109124"/>
+            </a:xfrm>
+          </p:grpSpPr>
+          <p:pic>
+            <p:nvPicPr>
+              <p:cNvPr id="34" name="Picture 2" descr="Carnegie Mellon, Disney work to improve eye blink animation - The Tartan">
+                <a:extLst>
+                  <a:ext uri="{FF2B5EF4-FFF2-40B4-BE49-F238E27FC236}">
+                    <a16:creationId xmlns:a16="http://schemas.microsoft.com/office/drawing/2014/main" id="{53409154-2224-7C0B-DCD7-35DC33F82DCB}"/>
+                  </a:ext>
+                </a:extLst>
+              </p:cNvPr>
+              <p:cNvPicPr>
+                <a:picLocks noChangeAspect="1" noChangeArrowheads="1"/>
+              </p:cNvPicPr>
+              <p:nvPr/>
+            </p:nvPicPr>
+            <p:blipFill rotWithShape="1">
+              <a:blip r:embed="rId15">
+                <a:extLst>
+                  <a:ext uri="{28A0092B-C50C-407E-A947-70E740481C1C}">
+                    <a14:useLocalDpi xmlns:a14="http://schemas.microsoft.com/office/drawing/2010/main" val="0"/>
+                  </a:ext>
+                </a:extLst>
+              </a:blip>
+              <a:srcRect b="67002"/>
+              <a:stretch/>
+            </p:blipFill>
+            <p:spPr bwMode="auto">
+              <a:xfrm>
+                <a:off x="5247537" y="887047"/>
+                <a:ext cx="2455442" cy="1093171"/>
+              </a:xfrm>
+              <a:prstGeom prst="rect">
+                <a:avLst/>
+              </a:prstGeom>
+              <a:noFill/>
+              <a:extLst>
+                <a:ext uri="{909E8E84-426E-40DD-AFC4-6F175D3DCCD1}">
+                  <a14:hiddenFill xmlns:a14="http://schemas.microsoft.com/office/drawing/2010/main">
+                    <a:solidFill>
+                      <a:srgbClr val="FFFFFF"/>
+                    </a:solidFill>
+                  </a14:hiddenFill>
+                </a:ext>
+              </a:extLst>
+            </p:spPr>
+          </p:pic>
+          <p:pic>
+            <p:nvPicPr>
+              <p:cNvPr id="35" name="Picture 2" descr="Carnegie Mellon, Disney work to improve eye blink animation - The Tartan">
+                <a:extLst>
+                  <a:ext uri="{FF2B5EF4-FFF2-40B4-BE49-F238E27FC236}">
+                    <a16:creationId xmlns:a16="http://schemas.microsoft.com/office/drawing/2014/main" id="{A3083790-3B95-8E0E-FECF-4D96E5655EF7}"/>
+                  </a:ext>
+                </a:extLst>
+              </p:cNvPr>
+              <p:cNvPicPr>
+                <a:picLocks noChangeAspect="1" noChangeArrowheads="1"/>
+              </p:cNvPicPr>
+              <p:nvPr/>
+            </p:nvPicPr>
+            <p:blipFill rotWithShape="1">
+              <a:blip r:embed="rId15">
+                <a:extLst>
+                  <a:ext uri="{28A0092B-C50C-407E-A947-70E740481C1C}">
+                    <a14:useLocalDpi xmlns:a14="http://schemas.microsoft.com/office/drawing/2010/main" val="0"/>
+                  </a:ext>
+                </a:extLst>
+              </a:blip>
+              <a:srcRect t="32612" b="34389"/>
+              <a:stretch/>
+            </p:blipFill>
+            <p:spPr bwMode="auto">
+              <a:xfrm>
+                <a:off x="7763247" y="887047"/>
+                <a:ext cx="2455442" cy="1093171"/>
+              </a:xfrm>
+              <a:prstGeom prst="rect">
+                <a:avLst/>
+              </a:prstGeom>
+              <a:noFill/>
+              <a:extLst>
+                <a:ext uri="{909E8E84-426E-40DD-AFC4-6F175D3DCCD1}">
+                  <a14:hiddenFill xmlns:a14="http://schemas.microsoft.com/office/drawing/2010/main">
+                    <a:solidFill>
+                      <a:srgbClr val="FFFFFF"/>
+                    </a:solidFill>
+                  </a14:hiddenFill>
+                </a:ext>
+              </a:extLst>
+            </p:spPr>
+          </p:pic>
+          <p:pic>
+            <p:nvPicPr>
+              <p:cNvPr id="36" name="Picture 2" descr="Carnegie Mellon, Disney work to improve eye blink animation - The Tartan">
+                <a:extLst>
+                  <a:ext uri="{FF2B5EF4-FFF2-40B4-BE49-F238E27FC236}">
+                    <a16:creationId xmlns:a16="http://schemas.microsoft.com/office/drawing/2014/main" id="{8D0B36EB-234E-BD85-CCF7-B5B6CA9489A8}"/>
+                  </a:ext>
+                </a:extLst>
+              </p:cNvPr>
+              <p:cNvPicPr>
+                <a:picLocks noChangeAspect="1" noChangeArrowheads="1"/>
+              </p:cNvPicPr>
+              <p:nvPr/>
+            </p:nvPicPr>
+            <p:blipFill rotWithShape="1">
+              <a:blip r:embed="rId15">
+                <a:extLst>
+                  <a:ext uri="{28A0092B-C50C-407E-A947-70E740481C1C}">
+                    <a14:useLocalDpi xmlns:a14="http://schemas.microsoft.com/office/drawing/2010/main" val="0"/>
+                  </a:ext>
+                </a:extLst>
+              </a:blip>
+              <a:srcRect b="67002"/>
+              <a:stretch/>
+            </p:blipFill>
+            <p:spPr bwMode="auto">
+              <a:xfrm>
+                <a:off x="10187279" y="903000"/>
+                <a:ext cx="2455442" cy="1093171"/>
+              </a:xfrm>
+              <a:prstGeom prst="rect">
+                <a:avLst/>
+              </a:prstGeom>
+              <a:noFill/>
+              <a:extLst>
+                <a:ext uri="{909E8E84-426E-40DD-AFC4-6F175D3DCCD1}">
+                  <a14:hiddenFill xmlns:a14="http://schemas.microsoft.com/office/drawing/2010/main">
+                    <a:solidFill>
+                      <a:srgbClr val="FFFFFF"/>
+                    </a:solidFill>
+                  </a14:hiddenFill>
+                </a:ext>
+              </a:extLst>
+            </p:spPr>
+          </p:pic>
+          <p:pic>
+            <p:nvPicPr>
+              <p:cNvPr id="37" name="Picture 2" descr="Carnegie Mellon, Disney work to improve eye blink animation - The Tartan">
+                <a:extLst>
+                  <a:ext uri="{FF2B5EF4-FFF2-40B4-BE49-F238E27FC236}">
+                    <a16:creationId xmlns:a16="http://schemas.microsoft.com/office/drawing/2014/main" id="{1EDA3AF6-3601-FC34-0C1C-4C1C1E2355B2}"/>
+                  </a:ext>
+                </a:extLst>
+              </p:cNvPr>
+              <p:cNvPicPr>
+                <a:picLocks noChangeAspect="1" noChangeArrowheads="1"/>
+              </p:cNvPicPr>
+              <p:nvPr/>
+            </p:nvPicPr>
+            <p:blipFill rotWithShape="1">
+              <a:blip r:embed="rId15">
+                <a:extLst>
+                  <a:ext uri="{28A0092B-C50C-407E-A947-70E740481C1C}">
+                    <a14:useLocalDpi xmlns:a14="http://schemas.microsoft.com/office/drawing/2010/main" val="0"/>
+                  </a:ext>
+                </a:extLst>
+              </a:blip>
+              <a:srcRect t="32612" b="34389"/>
+              <a:stretch/>
+            </p:blipFill>
+            <p:spPr bwMode="auto">
+              <a:xfrm>
+                <a:off x="12702989" y="903000"/>
+                <a:ext cx="2455442" cy="1093171"/>
+              </a:xfrm>
+              <a:prstGeom prst="rect">
+                <a:avLst/>
+              </a:prstGeom>
+              <a:noFill/>
+              <a:extLst>
+                <a:ext uri="{909E8E84-426E-40DD-AFC4-6F175D3DCCD1}">
+                  <a14:hiddenFill xmlns:a14="http://schemas.microsoft.com/office/drawing/2010/main">
+                    <a:solidFill>
+                      <a:srgbClr val="FFFFFF"/>
+                    </a:solidFill>
+                  </a14:hiddenFill>
+                </a:ext>
+              </a:extLst>
+            </p:spPr>
+          </p:pic>
+          <p:pic>
+            <p:nvPicPr>
+              <p:cNvPr id="38" name="Picture 2" descr="Carnegie Mellon, Disney work to improve eye blink animation - The Tartan">
+                <a:extLst>
+                  <a:ext uri="{FF2B5EF4-FFF2-40B4-BE49-F238E27FC236}">
+                    <a16:creationId xmlns:a16="http://schemas.microsoft.com/office/drawing/2014/main" id="{C413F34B-7CFB-8451-D865-FF70AE2A7993}"/>
+                  </a:ext>
+                </a:extLst>
+              </p:cNvPr>
+              <p:cNvPicPr>
+                <a:picLocks noChangeAspect="1" noChangeArrowheads="1"/>
+              </p:cNvPicPr>
+              <p:nvPr/>
+            </p:nvPicPr>
+            <p:blipFill rotWithShape="1">
+              <a:blip r:embed="rId15">
+                <a:extLst>
+                  <a:ext uri="{28A0092B-C50C-407E-A947-70E740481C1C}">
+                    <a14:useLocalDpi xmlns:a14="http://schemas.microsoft.com/office/drawing/2010/main" val="0"/>
+                  </a:ext>
+                </a:extLst>
+              </a:blip>
+              <a:srcRect b="67002"/>
+              <a:stretch/>
+            </p:blipFill>
+            <p:spPr bwMode="auto">
+              <a:xfrm>
+                <a:off x="15158431" y="903000"/>
+                <a:ext cx="2455442" cy="1093171"/>
+              </a:xfrm>
+              <a:prstGeom prst="rect">
+                <a:avLst/>
+              </a:prstGeom>
+              <a:noFill/>
+              <a:extLst>
+                <a:ext uri="{909E8E84-426E-40DD-AFC4-6F175D3DCCD1}">
+                  <a14:hiddenFill xmlns:a14="http://schemas.microsoft.com/office/drawing/2010/main">
+                    <a:solidFill>
+                      <a:srgbClr val="FFFFFF"/>
+                    </a:solidFill>
+                  </a14:hiddenFill>
+                </a:ext>
+              </a:extLst>
+            </p:spPr>
+          </p:pic>
+        </p:grpSp>
+        <p:sp>
+          <p:nvSpPr>
+            <p:cNvPr id="39" name="TextBox 38">
+              <a:extLst>
+                <a:ext uri="{FF2B5EF4-FFF2-40B4-BE49-F238E27FC236}">
+                  <a16:creationId xmlns:a16="http://schemas.microsoft.com/office/drawing/2014/main" id="{71BF863E-011C-CB77-99C0-171F12BB537F}"/>
+                </a:ext>
+              </a:extLst>
+            </p:cNvPr>
+            <p:cNvSpPr txBox="1"/>
+            <p:nvPr/>
+          </p:nvSpPr>
+          <p:spPr>
+            <a:xfrm>
+              <a:off x="22632252" y="10128063"/>
+              <a:ext cx="4191911" cy="646331"/>
+            </a:xfrm>
+            <a:prstGeom prst="rect">
+              <a:avLst/>
+            </a:prstGeom>
+            <a:noFill/>
+          </p:spPr>
+          <p:txBody>
+            <a:bodyPr wrap="square" rtlCol="0">
+              <a:spAutoFit/>
+            </a:bodyPr>
+            <a:lstStyle/>
+            <a:p>
+              <a:pPr algn="ctr"/>
+              <a:r>
+                <a:rPr lang="en-US" b="1" dirty="0"/>
+                <a:t>d</a:t>
+              </a:r>
+              <a:r>
+                <a:rPr lang="en-CN" b="1" dirty="0"/>
+                <a:t>ouble blinking to confirm the manipulation and return to “Clover”</a:t>
+              </a:r>
+            </a:p>
+          </p:txBody>
+        </p:sp>
+        <p:grpSp>
+          <p:nvGrpSpPr>
+            <p:cNvPr id="85" name="组合 18">
+              <a:extLst>
+                <a:ext uri="{FF2B5EF4-FFF2-40B4-BE49-F238E27FC236}">
+                  <a16:creationId xmlns:a16="http://schemas.microsoft.com/office/drawing/2014/main" id="{45B40F87-A32B-2DE4-92A6-5BA64CEE3CD2}"/>
+                </a:ext>
+              </a:extLst>
+            </p:cNvPr>
+            <p:cNvGrpSpPr/>
+            <p:nvPr/>
+          </p:nvGrpSpPr>
+          <p:grpSpPr>
+            <a:xfrm>
+              <a:off x="25677227" y="4240000"/>
+              <a:ext cx="4092713" cy="4065157"/>
+              <a:chOff x="3056876" y="410340"/>
+              <a:chExt cx="6078239" cy="6037316"/>
+            </a:xfrm>
+          </p:grpSpPr>
+          <p:grpSp>
+            <p:nvGrpSpPr>
+              <p:cNvPr id="87" name="组合 17">
+                <a:extLst>
+                  <a:ext uri="{FF2B5EF4-FFF2-40B4-BE49-F238E27FC236}">
+                    <a16:creationId xmlns:a16="http://schemas.microsoft.com/office/drawing/2014/main" id="{8039A448-F001-3938-019F-B64637CE058D}"/>
+                  </a:ext>
+                </a:extLst>
+              </p:cNvPr>
+              <p:cNvGrpSpPr/>
+              <p:nvPr/>
+            </p:nvGrpSpPr>
+            <p:grpSpPr>
+              <a:xfrm>
+                <a:off x="3056876" y="410340"/>
+                <a:ext cx="6078239" cy="6037316"/>
+                <a:chOff x="3056876" y="410340"/>
+                <a:chExt cx="6078239" cy="6037316"/>
+              </a:xfrm>
+            </p:grpSpPr>
+            <p:sp>
+              <p:nvSpPr>
+                <p:cNvPr id="104" name="泪滴形 3">
+                  <a:extLst>
+                    <a:ext uri="{FF2B5EF4-FFF2-40B4-BE49-F238E27FC236}">
+                      <a16:creationId xmlns:a16="http://schemas.microsoft.com/office/drawing/2014/main" id="{DDAE5FFA-17D8-1853-B5F0-BCC363CD74D8}"/>
+                    </a:ext>
+                  </a:extLst>
+                </p:cNvPr>
+                <p:cNvSpPr/>
+                <p:nvPr/>
+              </p:nvSpPr>
+              <p:spPr>
+                <a:xfrm rot="2700000">
+                  <a:off x="3056876" y="2218506"/>
+                  <a:ext cx="2420983" cy="2420983"/>
+                </a:xfrm>
+                <a:prstGeom prst="teardrop">
+                  <a:avLst/>
+                </a:prstGeom>
+                <a:gradFill flip="none" rotWithShape="1">
+                  <a:gsLst>
+                    <a:gs pos="0">
+                      <a:schemeClr val="accent6">
+                        <a:alpha val="0"/>
+                        <a:lumMod val="60000"/>
+                        <a:lumOff val="40000"/>
+                      </a:schemeClr>
+                    </a:gs>
+                    <a:gs pos="50000">
+                      <a:schemeClr val="accent6">
+                        <a:lumMod val="60000"/>
+                        <a:lumOff val="40000"/>
+                        <a:alpha val="85000"/>
+                      </a:schemeClr>
+                    </a:gs>
+                    <a:gs pos="100000">
+                      <a:schemeClr val="accent6">
+                        <a:lumMod val="60000"/>
+                        <a:lumOff val="40000"/>
+                      </a:schemeClr>
+                    </a:gs>
+                  </a:gsLst>
+                  <a:lin ang="8100000" scaled="0"/>
+                  <a:tileRect/>
+                </a:gradFill>
+                <a:ln w="38100">
+                  <a:gradFill>
+                    <a:gsLst>
+                      <a:gs pos="25000">
+                        <a:schemeClr val="bg1">
+                          <a:alpha val="0"/>
+                          <a:lumMod val="60000"/>
+                          <a:lumOff val="40000"/>
+                        </a:schemeClr>
+                      </a:gs>
+                      <a:gs pos="100000">
+                        <a:schemeClr val="bg1">
+                          <a:alpha val="85000"/>
+                          <a:lumMod val="60000"/>
+                          <a:lumOff val="40000"/>
+                        </a:schemeClr>
+                      </a:gs>
+                      <a:gs pos="50000">
+                        <a:schemeClr val="bg1">
+                          <a:lumMod val="60000"/>
+                          <a:lumOff val="40000"/>
+                          <a:alpha val="50000"/>
+                        </a:schemeClr>
+                      </a:gs>
+                    </a:gsLst>
+                    <a:lin ang="8100000" scaled="0"/>
+                  </a:gradFill>
+                </a:ln>
+                <a:effectLst/>
+              </p:spPr>
+              <p:style>
+                <a:lnRef idx="2">
+                  <a:schemeClr val="accent1">
+                    <a:shade val="50000"/>
+                  </a:schemeClr>
+                </a:lnRef>
+                <a:fillRef idx="1">
+                  <a:schemeClr val="accent1"/>
+                </a:fillRef>
+                <a:effectRef idx="0">
+                  <a:schemeClr val="accent1"/>
+                </a:effectRef>
+                <a:fontRef idx="minor">
+                  <a:schemeClr val="lt1"/>
+                </a:fontRef>
+              </p:style>
+              <p:txBody>
+                <a:bodyPr rtlCol="0" anchor="ctr"/>
+                <a:lstStyle/>
+                <a:p>
+                  <a:pPr algn="ctr"/>
+                  <a:endParaRPr lang="zh-CN" altLang="en-US" sz="2704" dirty="0"/>
+                </a:p>
+              </p:txBody>
+            </p:sp>
+            <p:sp>
+              <p:nvSpPr>
+                <p:cNvPr id="105" name="泪滴形 4">
+                  <a:extLst>
+                    <a:ext uri="{FF2B5EF4-FFF2-40B4-BE49-F238E27FC236}">
+                      <a16:creationId xmlns:a16="http://schemas.microsoft.com/office/drawing/2014/main" id="{5C4AE3CB-6B45-9DEC-A965-24889475210A}"/>
+                    </a:ext>
+                  </a:extLst>
+                </p:cNvPr>
+                <p:cNvSpPr/>
+                <p:nvPr/>
+              </p:nvSpPr>
+              <p:spPr>
+                <a:xfrm rot="8100000">
+                  <a:off x="4885505" y="410340"/>
+                  <a:ext cx="2420983" cy="2420983"/>
+                </a:xfrm>
+                <a:prstGeom prst="teardrop">
+                  <a:avLst/>
+                </a:prstGeom>
+                <a:gradFill flip="none" rotWithShape="1">
+                  <a:gsLst>
+                    <a:gs pos="0">
+                      <a:schemeClr val="accent6">
+                        <a:alpha val="0"/>
+                        <a:lumMod val="60000"/>
+                        <a:lumOff val="40000"/>
+                      </a:schemeClr>
+                    </a:gs>
+                    <a:gs pos="50000">
+                      <a:schemeClr val="accent6">
+                        <a:lumMod val="60000"/>
+                        <a:lumOff val="40000"/>
+                        <a:alpha val="85000"/>
+                      </a:schemeClr>
+                    </a:gs>
+                    <a:gs pos="100000">
+                      <a:schemeClr val="accent6">
+                        <a:lumMod val="60000"/>
+                        <a:lumOff val="40000"/>
+                      </a:schemeClr>
+                    </a:gs>
+                  </a:gsLst>
+                  <a:lin ang="8100000" scaled="0"/>
+                  <a:tileRect/>
+                </a:gradFill>
+                <a:ln w="38100">
+                  <a:gradFill>
+                    <a:gsLst>
+                      <a:gs pos="25000">
+                        <a:schemeClr val="bg1">
+                          <a:alpha val="0"/>
+                          <a:lumMod val="60000"/>
+                          <a:lumOff val="40000"/>
+                        </a:schemeClr>
+                      </a:gs>
+                      <a:gs pos="100000">
+                        <a:schemeClr val="bg1">
+                          <a:alpha val="85000"/>
+                          <a:lumMod val="60000"/>
+                          <a:lumOff val="40000"/>
+                        </a:schemeClr>
+                      </a:gs>
+                      <a:gs pos="50000">
+                        <a:schemeClr val="bg1">
+                          <a:lumMod val="60000"/>
+                          <a:lumOff val="40000"/>
+                          <a:alpha val="50000"/>
+                        </a:schemeClr>
+                      </a:gs>
+                    </a:gsLst>
+                    <a:lin ang="8100000" scaled="0"/>
+                  </a:gradFill>
+                </a:ln>
+                <a:effectLst/>
+              </p:spPr>
+              <p:style>
+                <a:lnRef idx="2">
+                  <a:schemeClr val="accent1">
+                    <a:shade val="50000"/>
+                  </a:schemeClr>
+                </a:lnRef>
+                <a:fillRef idx="1">
+                  <a:schemeClr val="accent1"/>
+                </a:fillRef>
+                <a:effectRef idx="0">
+                  <a:schemeClr val="accent1"/>
+                </a:effectRef>
+                <a:fontRef idx="minor">
+                  <a:schemeClr val="lt1"/>
+                </a:fontRef>
+              </p:style>
+              <p:txBody>
+                <a:bodyPr rtlCol="0" anchor="ctr"/>
+                <a:lstStyle/>
+                <a:p>
+                  <a:pPr algn="ctr"/>
+                  <a:endParaRPr lang="zh-CN" altLang="en-US" sz="2704" dirty="0"/>
+                </a:p>
+              </p:txBody>
+            </p:sp>
+            <p:sp>
+              <p:nvSpPr>
+                <p:cNvPr id="106" name="泪滴形 6">
+                  <a:extLst>
+                    <a:ext uri="{FF2B5EF4-FFF2-40B4-BE49-F238E27FC236}">
+                      <a16:creationId xmlns:a16="http://schemas.microsoft.com/office/drawing/2014/main" id="{79722D4E-C729-2A28-B45F-0A12095979EC}"/>
+                    </a:ext>
+                  </a:extLst>
+                </p:cNvPr>
+                <p:cNvSpPr/>
+                <p:nvPr/>
+              </p:nvSpPr>
+              <p:spPr>
+                <a:xfrm rot="18900000">
+                  <a:off x="4885505" y="4026673"/>
+                  <a:ext cx="2420983" cy="2420983"/>
+                </a:xfrm>
+                <a:prstGeom prst="teardrop">
+                  <a:avLst/>
+                </a:prstGeom>
+                <a:gradFill flip="none" rotWithShape="1">
+                  <a:gsLst>
+                    <a:gs pos="0">
+                      <a:schemeClr val="accent6">
+                        <a:alpha val="0"/>
+                        <a:lumMod val="60000"/>
+                        <a:lumOff val="40000"/>
+                      </a:schemeClr>
+                    </a:gs>
+                    <a:gs pos="50000">
+                      <a:schemeClr val="accent6">
+                        <a:lumMod val="60000"/>
+                        <a:lumOff val="40000"/>
+                        <a:alpha val="85000"/>
+                      </a:schemeClr>
+                    </a:gs>
+                    <a:gs pos="100000">
+                      <a:schemeClr val="accent6">
+                        <a:lumMod val="60000"/>
+                        <a:lumOff val="40000"/>
+                      </a:schemeClr>
+                    </a:gs>
+                  </a:gsLst>
+                  <a:lin ang="8100000" scaled="0"/>
+                  <a:tileRect/>
+                </a:gradFill>
+                <a:ln w="38100">
+                  <a:gradFill>
+                    <a:gsLst>
+                      <a:gs pos="25000">
+                        <a:schemeClr val="bg1">
+                          <a:alpha val="0"/>
+                          <a:lumMod val="60000"/>
+                          <a:lumOff val="40000"/>
+                        </a:schemeClr>
+                      </a:gs>
+                      <a:gs pos="100000">
+                        <a:schemeClr val="bg1">
+                          <a:alpha val="85000"/>
+                          <a:lumMod val="60000"/>
+                          <a:lumOff val="40000"/>
+                        </a:schemeClr>
+                      </a:gs>
+                      <a:gs pos="50000">
+                        <a:schemeClr val="bg1">
+                          <a:lumMod val="60000"/>
+                          <a:lumOff val="40000"/>
+                          <a:alpha val="50000"/>
+                        </a:schemeClr>
+                      </a:gs>
+                    </a:gsLst>
+                    <a:lin ang="8100000" scaled="0"/>
+                  </a:gradFill>
+                </a:ln>
+                <a:effectLst/>
+              </p:spPr>
+              <p:style>
+                <a:lnRef idx="2">
+                  <a:schemeClr val="accent1">
+                    <a:shade val="50000"/>
+                  </a:schemeClr>
+                </a:lnRef>
+                <a:fillRef idx="1">
+                  <a:schemeClr val="accent1"/>
+                </a:fillRef>
+                <a:effectRef idx="0">
+                  <a:schemeClr val="accent1"/>
+                </a:effectRef>
+                <a:fontRef idx="minor">
+                  <a:schemeClr val="lt1"/>
+                </a:fontRef>
+              </p:style>
+              <p:txBody>
+                <a:bodyPr rtlCol="0" anchor="ctr"/>
+                <a:lstStyle/>
+                <a:p>
+                  <a:pPr algn="ctr"/>
+                  <a:endParaRPr lang="zh-CN" altLang="en-US" sz="2704" dirty="0"/>
+                </a:p>
+              </p:txBody>
+            </p:sp>
+            <p:sp>
+              <p:nvSpPr>
+                <p:cNvPr id="107" name="泪滴形 7">
+                  <a:extLst>
+                    <a:ext uri="{FF2B5EF4-FFF2-40B4-BE49-F238E27FC236}">
+                      <a16:creationId xmlns:a16="http://schemas.microsoft.com/office/drawing/2014/main" id="{6D36E615-12FE-3C25-370A-90E5807281F5}"/>
+                    </a:ext>
+                  </a:extLst>
+                </p:cNvPr>
+                <p:cNvSpPr/>
+                <p:nvPr/>
+              </p:nvSpPr>
+              <p:spPr>
+                <a:xfrm rot="13500000">
+                  <a:off x="6714132" y="2218508"/>
+                  <a:ext cx="2420983" cy="2420983"/>
+                </a:xfrm>
+                <a:prstGeom prst="teardrop">
+                  <a:avLst/>
+                </a:prstGeom>
+                <a:gradFill flip="none" rotWithShape="1">
+                  <a:gsLst>
+                    <a:gs pos="0">
+                      <a:schemeClr val="accent6">
+                        <a:alpha val="0"/>
+                        <a:lumMod val="60000"/>
+                        <a:lumOff val="40000"/>
+                      </a:schemeClr>
+                    </a:gs>
+                    <a:gs pos="50000">
+                      <a:schemeClr val="accent6">
+                        <a:lumMod val="60000"/>
+                        <a:lumOff val="40000"/>
+                        <a:alpha val="85000"/>
+                      </a:schemeClr>
+                    </a:gs>
+                    <a:gs pos="100000">
+                      <a:schemeClr val="accent6">
+                        <a:lumMod val="60000"/>
+                        <a:lumOff val="40000"/>
+                      </a:schemeClr>
+                    </a:gs>
+                  </a:gsLst>
+                  <a:lin ang="8100000" scaled="0"/>
+                  <a:tileRect/>
+                </a:gradFill>
+                <a:ln w="38100">
+                  <a:gradFill>
+                    <a:gsLst>
+                      <a:gs pos="25000">
+                        <a:schemeClr val="bg1">
+                          <a:alpha val="0"/>
+                          <a:lumMod val="60000"/>
+                          <a:lumOff val="40000"/>
+                        </a:schemeClr>
+                      </a:gs>
+                      <a:gs pos="100000">
+                        <a:schemeClr val="bg1">
+                          <a:alpha val="85000"/>
+                          <a:lumMod val="60000"/>
+                          <a:lumOff val="40000"/>
+                        </a:schemeClr>
+                      </a:gs>
+                      <a:gs pos="50000">
+                        <a:schemeClr val="bg1">
+                          <a:lumMod val="60000"/>
+                          <a:lumOff val="40000"/>
+                          <a:alpha val="50000"/>
+                        </a:schemeClr>
+                      </a:gs>
+                    </a:gsLst>
+                    <a:lin ang="8100000" scaled="0"/>
+                  </a:gradFill>
+                </a:ln>
+                <a:effectLst/>
+              </p:spPr>
+              <p:style>
+                <a:lnRef idx="2">
+                  <a:schemeClr val="accent1">
+                    <a:shade val="50000"/>
+                  </a:schemeClr>
+                </a:lnRef>
+                <a:fillRef idx="1">
+                  <a:schemeClr val="accent1"/>
+                </a:fillRef>
+                <a:effectRef idx="0">
+                  <a:schemeClr val="accent1"/>
+                </a:effectRef>
+                <a:fontRef idx="minor">
+                  <a:schemeClr val="lt1"/>
+                </a:fontRef>
+              </p:style>
+              <p:txBody>
+                <a:bodyPr rtlCol="0" anchor="ctr"/>
+                <a:lstStyle/>
+                <a:p>
+                  <a:pPr algn="ctr"/>
+                  <a:endParaRPr lang="zh-CN" altLang="en-US" sz="2704" dirty="0"/>
+                </a:p>
+              </p:txBody>
+            </p:sp>
+          </p:grpSp>
+          <p:pic>
+            <p:nvPicPr>
+              <p:cNvPr id="90" name="图片 10" descr="形状&#10;&#10;中度可信度描述已自动生成">
+                <a:extLst>
+                  <a:ext uri="{FF2B5EF4-FFF2-40B4-BE49-F238E27FC236}">
+                    <a16:creationId xmlns:a16="http://schemas.microsoft.com/office/drawing/2014/main" id="{2D8E5C10-E846-BF71-6531-205B1CD16FB7}"/>
+                  </a:ext>
+                </a:extLst>
+              </p:cNvPr>
+              <p:cNvPicPr>
+                <a:picLocks noChangeAspect="1"/>
+              </p:cNvPicPr>
+              <p:nvPr/>
+            </p:nvPicPr>
+            <p:blipFill>
+              <a:blip r:embed="rId7">
+                <a:extLst>
+                  <a:ext uri="{28A0092B-C50C-407E-A947-70E740481C1C}">
+                    <a14:useLocalDpi xmlns:a14="http://schemas.microsoft.com/office/drawing/2010/main" val="0"/>
+                  </a:ext>
+                </a:extLst>
+              </a:blip>
+              <a:stretch>
+                <a:fillRect/>
+              </a:stretch>
+            </p:blipFill>
+            <p:spPr>
+              <a:xfrm>
+                <a:off x="4001329" y="4785059"/>
+                <a:ext cx="4189331" cy="701582"/>
+              </a:xfrm>
+              <a:prstGeom prst="rect">
+                <a:avLst/>
+              </a:prstGeom>
+            </p:spPr>
+          </p:pic>
+          <p:pic>
+            <p:nvPicPr>
+              <p:cNvPr id="100" name="图片 12" descr="形状&#10;&#10;中度可信度描述已自动生成">
+                <a:extLst>
+                  <a:ext uri="{FF2B5EF4-FFF2-40B4-BE49-F238E27FC236}">
+                    <a16:creationId xmlns:a16="http://schemas.microsoft.com/office/drawing/2014/main" id="{7AF3FA67-2396-0071-0900-BDFCABBF4666}"/>
+                  </a:ext>
+                </a:extLst>
+              </p:cNvPr>
+              <p:cNvPicPr>
+                <a:picLocks noChangeAspect="1"/>
+              </p:cNvPicPr>
+              <p:nvPr/>
+            </p:nvPicPr>
+            <p:blipFill>
+              <a:blip r:embed="rId8">
+                <a:extLst>
+                  <a:ext uri="{28A0092B-C50C-407E-A947-70E740481C1C}">
+                    <a14:useLocalDpi xmlns:a14="http://schemas.microsoft.com/office/drawing/2010/main" val="0"/>
+                  </a:ext>
+                </a:extLst>
+              </a:blip>
+              <a:stretch>
+                <a:fillRect/>
+              </a:stretch>
+            </p:blipFill>
+            <p:spPr>
+              <a:xfrm>
+                <a:off x="4001330" y="1366313"/>
+                <a:ext cx="4189331" cy="701582"/>
+              </a:xfrm>
+              <a:prstGeom prst="rect">
+                <a:avLst/>
+              </a:prstGeom>
+            </p:spPr>
+          </p:pic>
+          <p:pic>
+            <p:nvPicPr>
+              <p:cNvPr id="101" name="图片 14" descr="形状&#10;&#10;中度可信度描述已自动生成">
+                <a:extLst>
+                  <a:ext uri="{FF2B5EF4-FFF2-40B4-BE49-F238E27FC236}">
+                    <a16:creationId xmlns:a16="http://schemas.microsoft.com/office/drawing/2014/main" id="{7C760E0C-DB2F-5F3C-DC4D-C53C2C9F23C4}"/>
+                  </a:ext>
+                </a:extLst>
+              </p:cNvPr>
+              <p:cNvPicPr>
+                <a:picLocks noChangeAspect="1"/>
+              </p:cNvPicPr>
+              <p:nvPr/>
+            </p:nvPicPr>
+            <p:blipFill>
+              <a:blip r:embed="rId9">
+                <a:extLst>
+                  <a:ext uri="{28A0092B-C50C-407E-A947-70E740481C1C}">
+                    <a14:useLocalDpi xmlns:a14="http://schemas.microsoft.com/office/drawing/2010/main" val="0"/>
+                  </a:ext>
+                </a:extLst>
+              </a:blip>
+              <a:stretch>
+                <a:fillRect/>
+              </a:stretch>
+            </p:blipFill>
+            <p:spPr>
+              <a:xfrm rot="16200000">
+                <a:off x="2325210" y="3083717"/>
+                <a:ext cx="4189331" cy="701582"/>
+              </a:xfrm>
+              <a:prstGeom prst="rect">
+                <a:avLst/>
+              </a:prstGeom>
+            </p:spPr>
+          </p:pic>
+          <p:pic>
+            <p:nvPicPr>
+              <p:cNvPr id="103" name="图片 16" descr="形状&#10;&#10;中度可信度描述已自动生成">
+                <a:extLst>
+                  <a:ext uri="{FF2B5EF4-FFF2-40B4-BE49-F238E27FC236}">
+                    <a16:creationId xmlns:a16="http://schemas.microsoft.com/office/drawing/2014/main" id="{AE7960E8-3417-41A5-443F-B14C8E01CD91}"/>
+                  </a:ext>
+                </a:extLst>
+              </p:cNvPr>
+              <p:cNvPicPr>
+                <a:picLocks noChangeAspect="1"/>
+              </p:cNvPicPr>
+              <p:nvPr/>
+            </p:nvPicPr>
+            <p:blipFill>
+              <a:blip r:embed="rId10">
+                <a:extLst>
+                  <a:ext uri="{28A0092B-C50C-407E-A947-70E740481C1C}">
+                    <a14:useLocalDpi xmlns:a14="http://schemas.microsoft.com/office/drawing/2010/main" val="0"/>
+                  </a:ext>
+                </a:extLst>
+              </a:blip>
+              <a:stretch>
+                <a:fillRect/>
+              </a:stretch>
+            </p:blipFill>
+            <p:spPr>
+              <a:xfrm rot="5400000">
+                <a:off x="5677452" y="3078207"/>
+                <a:ext cx="4189331" cy="701582"/>
+              </a:xfrm>
+              <a:prstGeom prst="rect">
+                <a:avLst/>
+              </a:prstGeom>
+            </p:spPr>
+          </p:pic>
+        </p:grpSp>
+        <p:grpSp>
+          <p:nvGrpSpPr>
+            <p:cNvPr id="114" name="Group 113">
+              <a:extLst>
+                <a:ext uri="{FF2B5EF4-FFF2-40B4-BE49-F238E27FC236}">
+                  <a16:creationId xmlns:a16="http://schemas.microsoft.com/office/drawing/2014/main" id="{1A3E7ADD-2743-B234-E26F-EDD65DA4C8F8}"/>
+                </a:ext>
+              </a:extLst>
+            </p:cNvPr>
+            <p:cNvGrpSpPr/>
+            <p:nvPr/>
+          </p:nvGrpSpPr>
+          <p:grpSpPr>
+            <a:xfrm>
+              <a:off x="28679537" y="7281950"/>
+              <a:ext cx="1301408" cy="1540553"/>
+              <a:chOff x="7579941" y="3963212"/>
+              <a:chExt cx="1476117" cy="1747368"/>
+            </a:xfrm>
+          </p:grpSpPr>
+          <p:pic>
+            <p:nvPicPr>
+              <p:cNvPr id="121" name="Picture 8" descr="Big Image - Head Silhouette Clipart, HD Png Download - 2032x2304(#2137798)  - PngFind">
+                <a:extLst>
+                  <a:ext uri="{FF2B5EF4-FFF2-40B4-BE49-F238E27FC236}">
+                    <a16:creationId xmlns:a16="http://schemas.microsoft.com/office/drawing/2014/main" id="{C4B8A5E6-1EC9-B29F-64E8-945BF9C0BE75}"/>
+                  </a:ext>
+                </a:extLst>
+              </p:cNvPr>
+              <p:cNvPicPr>
+                <a:picLocks noChangeAspect="1" noChangeArrowheads="1"/>
+              </p:cNvPicPr>
+              <p:nvPr/>
+            </p:nvPicPr>
+            <p:blipFill>
+              <a:blip r:embed="rId2">
+                <a:extLst>
+                  <a:ext uri="{BEBA8EAE-BF5A-486C-A8C5-ECC9F3942E4B}">
+                    <a14:imgProps xmlns:a14="http://schemas.microsoft.com/office/drawing/2010/main">
+                      <a14:imgLayer r:embed="rId3">
+                        <a14:imgEffect>
+                          <a14:backgroundRemoval t="6956" b="92440" l="1667" r="95000">
+                            <a14:foregroundMark x1="25476" y1="29738" x2="31429" y2="14214"/>
+                            <a14:foregroundMark x1="31429" y1="14214" x2="50119" y2="6956"/>
+                            <a14:foregroundMark x1="50119" y1="6956" x2="52619" y2="7560"/>
+                            <a14:foregroundMark x1="52619" y1="13609" x2="52619" y2="13609"/>
+                            <a14:foregroundMark x1="7381" y1="28226" x2="6786" y2="33468"/>
+                            <a14:foregroundMark x1="43095" y1="92641" x2="43095" y2="92641"/>
+                            <a14:foregroundMark x1="90952" y1="51210" x2="90952" y2="51210"/>
+                            <a14:foregroundMark x1="1667" y1="34577" x2="1667" y2="34577"/>
+                            <a14:foregroundMark x1="95000" y1="52419" x2="95000" y2="52419"/>
+                          </a14:backgroundRemoval>
+                        </a14:imgEffect>
+                      </a14:imgLayer>
+                    </a14:imgProps>
+                  </a:ext>
+                  <a:ext uri="{28A0092B-C50C-407E-A947-70E740481C1C}">
+                    <a14:useLocalDpi xmlns:a14="http://schemas.microsoft.com/office/drawing/2010/main" val="0"/>
+                  </a:ext>
+                </a:extLst>
+              </a:blip>
+              <a:srcRect/>
+              <a:stretch>
+                <a:fillRect/>
+              </a:stretch>
+            </p:blipFill>
+            <p:spPr bwMode="auto">
+              <a:xfrm flipH="1">
+                <a:off x="7579941" y="3963212"/>
+                <a:ext cx="1476117" cy="1747368"/>
+              </a:xfrm>
+              <a:prstGeom prst="rect">
+                <a:avLst/>
+              </a:prstGeom>
+              <a:noFill/>
+              <a:extLst>
+                <a:ext uri="{909E8E84-426E-40DD-AFC4-6F175D3DCCD1}">
+                  <a14:hiddenFill xmlns:a14="http://schemas.microsoft.com/office/drawing/2010/main">
+                    <a:solidFill>
+                      <a:srgbClr val="FFFFFF"/>
+                    </a:solidFill>
+                  </a14:hiddenFill>
+                </a:ext>
+              </a:extLst>
+            </p:spPr>
+          </p:pic>
+          <p:pic>
+            <p:nvPicPr>
+              <p:cNvPr id="129" name="Picture 10">
+                <a:extLst>
+                  <a:ext uri="{FF2B5EF4-FFF2-40B4-BE49-F238E27FC236}">
+                    <a16:creationId xmlns:a16="http://schemas.microsoft.com/office/drawing/2014/main" id="{F189CC38-EE82-C002-49DB-CF83AD2C3407}"/>
+                  </a:ext>
+                </a:extLst>
+              </p:cNvPr>
+              <p:cNvPicPr>
+                <a:picLocks noChangeAspect="1" noChangeArrowheads="1"/>
+              </p:cNvPicPr>
+              <p:nvPr/>
+            </p:nvPicPr>
+            <p:blipFill>
+              <a:blip r:embed="rId4">
+                <a:lum bright="70000" contrast="-70000"/>
+                <a:extLst>
+                  <a:ext uri="{28A0092B-C50C-407E-A947-70E740481C1C}">
+                    <a14:useLocalDpi xmlns:a14="http://schemas.microsoft.com/office/drawing/2010/main" val="0"/>
+                  </a:ext>
+                </a:extLst>
+              </a:blip>
+              <a:srcRect/>
+              <a:stretch>
+                <a:fillRect/>
+              </a:stretch>
+            </p:blipFill>
+            <p:spPr bwMode="auto">
+              <a:xfrm>
+                <a:off x="7848979" y="4552711"/>
+                <a:ext cx="261887" cy="261887"/>
+              </a:xfrm>
+              <a:prstGeom prst="rect">
+                <a:avLst/>
+              </a:prstGeom>
+              <a:noFill/>
+              <a:extLst>
+                <a:ext uri="{909E8E84-426E-40DD-AFC4-6F175D3DCCD1}">
+                  <a14:hiddenFill xmlns:a14="http://schemas.microsoft.com/office/drawing/2010/main">
+                    <a:solidFill>
+                      <a:srgbClr val="FFFFFF"/>
+                    </a:solidFill>
+                  </a14:hiddenFill>
+                </a:ext>
+              </a:extLst>
+            </p:spPr>
+          </p:pic>
+        </p:grpSp>
+        <mc:AlternateContent xmlns:mc="http://schemas.openxmlformats.org/markup-compatibility/2006">
+          <mc:Choice xmlns:am3d="http://schemas.microsoft.com/office/drawing/2017/model3d" Requires="am3d">
+            <p:graphicFrame>
+              <p:nvGraphicFramePr>
+                <p:cNvPr id="132" name="3D Model 20" descr="Prism And Basal Pinacoid White">
+                  <a:extLst>
+                    <a:ext uri="{FF2B5EF4-FFF2-40B4-BE49-F238E27FC236}">
+                      <a16:creationId xmlns:a16="http://schemas.microsoft.com/office/drawing/2014/main" id="{E43E5379-0C64-0CBF-7E25-A6E5FF2DD0B2}"/>
+                    </a:ext>
+                  </a:extLst>
+                </p:cNvPr>
+                <p:cNvGraphicFramePr>
+                  <a:graphicFrameLocks noChangeAspect="1"/>
+                </p:cNvGraphicFramePr>
+                <p:nvPr>
+                  <p:extLst>
+                    <p:ext uri="{D42A27DB-BD31-4B8C-83A1-F6EECF244321}">
+                      <p14:modId xmlns:p14="http://schemas.microsoft.com/office/powerpoint/2010/main" val="2511285485"/>
+                    </p:ext>
+                  </p:extLst>
+                </p:nvPr>
+              </p:nvGraphicFramePr>
+              <p:xfrm>
+                <a:off x="27043906" y="5462985"/>
+                <a:ext cx="1359356" cy="1540553"/>
+              </p:xfrm>
+              <a:graphic>
+                <a:graphicData uri="http://schemas.microsoft.com/office/drawing/2017/model3d">
+                  <am3d:model3d r:embed="rId5">
+                    <am3d:spPr>
+                      <a:xfrm>
+                        <a:off x="0" y="0"/>
+                        <a:ext cx="1359356" cy="1540553"/>
+                      </a:xfrm>
+                      <a:prstGeom prst="rect">
+                        <a:avLst/>
+                      </a:prstGeom>
+                      <a:effectLst>
+                        <a:glow rad="259103">
+                          <a:schemeClr val="accent1">
+                            <a:lumMod val="60000"/>
+                            <a:lumOff val="40000"/>
+                            <a:alpha val="62000"/>
+                          </a:schemeClr>
+                        </a:glow>
+                      </a:effectLst>
+                    </am3d:spPr>
+                    <am3d:camera>
+                      <am3d:pos x="0" y="0" z="81469150"/>
+                      <am3d:up dx="0" dy="36000000" dz="0"/>
+                      <am3d:lookAt x="0" y="0" z="0"/>
+                      <am3d:perspective fov="2700000"/>
+                    </am3d:camera>
+                    <am3d:trans>
+                      <am3d:meterPerModelUnit n="139970" d="1000000"/>
+                      <am3d:preTrans dx="-76" dy="-17999982" dz="1"/>
+                      <am3d:scale>
+                        <am3d:sx n="1000000" d="1000000"/>
+                        <am3d:sy n="1000000" d="1000000"/>
+                        <am3d:sz n="1000000" d="1000000"/>
+                      </am3d:scale>
+                      <am3d:rot ax="-2183283" ay="2913714" az="9064903"/>
+                      <am3d:postTrans dx="0" dy="0" dz="0"/>
+                    </am3d:trans>
+                    <am3d:raster rName="Office3DRenderer" rVer="16.0.8326">
+                      <am3d:blip r:embed="rId11"/>
+                    </am3d:raster>
+                    <am3d:objViewport viewportSz="1581525"/>
+                    <am3d:ambientLight>
+                      <am3d:clr>
+                        <a:scrgbClr r="50000" g="50000" b="50000"/>
+                      </am3d:clr>
+                      <am3d:illuminance n="500000" d="1000000"/>
+                    </am3d:ambientLight>
+                    <am3d:ptLight rad="0">
+                      <am3d:clr>
+                        <a:scrgbClr r="100000" g="75000" b="50000"/>
+                      </am3d:clr>
+                      <am3d:intensity n="9765625" d="1000000"/>
+                      <am3d:pos x="21959998" y="70920001" z="16344003"/>
+                    </am3d:ptLight>
+                    <am3d:ptLight rad="0">
+                      <am3d:clr>
+                        <a:scrgbClr r="40000" g="60000" b="95000"/>
+                      </am3d:clr>
+                      <am3d:intensity n="12250000" d="1000000"/>
+                      <am3d:pos x="-37964106" y="51130435" z="57631972"/>
+                    </am3d:ptLight>
+                    <am3d:ptLight rad="0">
+                      <am3d:clr>
+                        <a:scrgbClr r="86837" g="72700" b="100000"/>
+                      </am3d:clr>
+                      <am3d:intensity n="3125000" d="1000000"/>
+                      <am3d:pos x="-37739122" y="58056624" z="-34769649"/>
+                    </am3d:ptLight>
+                  </am3d:model3d>
+                </a:graphicData>
+              </a:graphic>
+            </p:graphicFrame>
+          </mc:Choice>
+          <mc:Fallback>
+            <p:pic>
+              <p:nvPicPr>
+                <p:cNvPr id="132" name="3D Model 20" descr="Prism And Basal Pinacoid White">
+                  <a:extLst>
+                    <a:ext uri="{FF2B5EF4-FFF2-40B4-BE49-F238E27FC236}">
+                      <a16:creationId xmlns:a16="http://schemas.microsoft.com/office/drawing/2014/main" id="{E43E5379-0C64-0CBF-7E25-A6E5FF2DD0B2}"/>
+                    </a:ext>
+                  </a:extLst>
+                </p:cNvPr>
+                <p:cNvPicPr>
+                  <a:picLocks noGrp="1" noRot="1" noChangeAspect="1" noMove="1" noResize="1" noEditPoints="1" noAdjustHandles="1" noChangeArrowheads="1" noChangeShapeType="1" noCrop="1"/>
+                </p:cNvPicPr>
+                <p:nvPr/>
+              </p:nvPicPr>
+              <p:blipFill>
+                <a:blip r:embed="rId11"/>
+                <a:stretch>
+                  <a:fillRect/>
+                </a:stretch>
+              </p:blipFill>
+              <p:spPr>
+                <a:xfrm>
+                  <a:off x="27043906" y="5462985"/>
+                  <a:ext cx="1359356" cy="1540553"/>
+                </a:xfrm>
+                <a:prstGeom prst="rect">
+                  <a:avLst/>
+                </a:prstGeom>
+                <a:effectLst>
+                  <a:glow rad="259103">
+                    <a:schemeClr val="accent1">
+                      <a:lumMod val="60000"/>
+                      <a:lumOff val="40000"/>
+                      <a:alpha val="62000"/>
+                    </a:schemeClr>
+                  </a:glow>
+                </a:effectLst>
+              </p:spPr>
+            </p:pic>
+          </mc:Fallback>
+        </mc:AlternateContent>
+        <p:grpSp>
+          <p:nvGrpSpPr>
+            <p:cNvPr id="138" name="Group 137">
+              <a:extLst>
+                <a:ext uri="{FF2B5EF4-FFF2-40B4-BE49-F238E27FC236}">
+                  <a16:creationId xmlns:a16="http://schemas.microsoft.com/office/drawing/2014/main" id="{102D4396-2A24-AD7A-EAEB-364E5F553207}"/>
+                </a:ext>
+              </a:extLst>
+            </p:cNvPr>
+            <p:cNvGrpSpPr/>
+            <p:nvPr/>
+          </p:nvGrpSpPr>
+          <p:grpSpPr>
+            <a:xfrm>
+              <a:off x="25098435" y="3409739"/>
+              <a:ext cx="5452545" cy="5645374"/>
+              <a:chOff x="5004628" y="1116776"/>
+              <a:chExt cx="3629988" cy="3758363"/>
+            </a:xfrm>
+          </p:grpSpPr>
+          <p:grpSp>
+            <p:nvGrpSpPr>
+              <p:cNvPr id="139" name="Group 138">
+                <a:extLst>
+                  <a:ext uri="{FF2B5EF4-FFF2-40B4-BE49-F238E27FC236}">
+                    <a16:creationId xmlns:a16="http://schemas.microsoft.com/office/drawing/2014/main" id="{C63BF9AE-8703-D4A9-BE07-25A348546C76}"/>
+                  </a:ext>
+                </a:extLst>
+              </p:cNvPr>
+              <p:cNvGrpSpPr>
+                <a:grpSpLocks noChangeAspect="1"/>
+              </p:cNvGrpSpPr>
+              <p:nvPr/>
+            </p:nvGrpSpPr>
+            <p:grpSpPr>
+              <a:xfrm>
+                <a:off x="5004628" y="1275139"/>
+                <a:ext cx="3600000" cy="3600000"/>
+                <a:chOff x="5196000" y="2529000"/>
+                <a:chExt cx="1800000" cy="1800000"/>
+              </a:xfrm>
+            </p:grpSpPr>
+            <p:cxnSp>
+              <p:nvCxnSpPr>
+                <p:cNvPr id="142" name="Straight Arrow Connector 141">
+                  <a:extLst>
+                    <a:ext uri="{FF2B5EF4-FFF2-40B4-BE49-F238E27FC236}">
+                      <a16:creationId xmlns:a16="http://schemas.microsoft.com/office/drawing/2014/main" id="{19B48D80-955E-92C8-03FB-49D5BC7C0E5D}"/>
+                    </a:ext>
+                  </a:extLst>
+                </p:cNvPr>
+                <p:cNvCxnSpPr>
+                  <a:cxnSpLocks/>
+                </p:cNvCxnSpPr>
+                <p:nvPr/>
+              </p:nvCxnSpPr>
+              <p:spPr>
+                <a:xfrm>
+                  <a:off x="5196000" y="3429000"/>
+                  <a:ext cx="1800000" cy="0"/>
+                </a:xfrm>
+                <a:prstGeom prst="straightConnector1">
+                  <a:avLst/>
+                </a:prstGeom>
+                <a:ln>
+                  <a:tailEnd type="triangle"/>
+                </a:ln>
+              </p:spPr>
+              <p:style>
+                <a:lnRef idx="1">
+                  <a:schemeClr val="accent1"/>
+                </a:lnRef>
+                <a:fillRef idx="0">
+                  <a:schemeClr val="accent1"/>
+                </a:fillRef>
+                <a:effectRef idx="0">
+                  <a:schemeClr val="accent1"/>
+                </a:effectRef>
+                <a:fontRef idx="minor">
+                  <a:schemeClr val="tx1"/>
+                </a:fontRef>
+              </p:style>
+            </p:cxnSp>
+            <p:cxnSp>
+              <p:nvCxnSpPr>
+                <p:cNvPr id="143" name="Straight Arrow Connector 142">
+                  <a:extLst>
+                    <a:ext uri="{FF2B5EF4-FFF2-40B4-BE49-F238E27FC236}">
+                      <a16:creationId xmlns:a16="http://schemas.microsoft.com/office/drawing/2014/main" id="{E89694FA-5124-22E6-1B5E-547F37FFEE99}"/>
+                    </a:ext>
+                  </a:extLst>
+                </p:cNvPr>
+                <p:cNvCxnSpPr>
+                  <a:cxnSpLocks/>
+                </p:cNvCxnSpPr>
+                <p:nvPr/>
+              </p:nvCxnSpPr>
+              <p:spPr>
+                <a:xfrm flipV="1">
+                  <a:off x="6096000" y="2529000"/>
+                  <a:ext cx="0" cy="1800000"/>
+                </a:xfrm>
+                <a:prstGeom prst="straightConnector1">
+                  <a:avLst/>
+                </a:prstGeom>
+                <a:ln>
+                  <a:tailEnd type="triangle"/>
+                </a:ln>
+              </p:spPr>
+              <p:style>
+                <a:lnRef idx="1">
+                  <a:schemeClr val="accent1"/>
+                </a:lnRef>
+                <a:fillRef idx="0">
+                  <a:schemeClr val="accent1"/>
+                </a:fillRef>
+                <a:effectRef idx="0">
+                  <a:schemeClr val="accent1"/>
+                </a:effectRef>
+                <a:fontRef idx="minor">
+                  <a:schemeClr val="tx1"/>
+                </a:fontRef>
+              </p:style>
+            </p:cxnSp>
+          </p:grpSp>
+          <p:sp>
+            <p:nvSpPr>
+              <p:cNvPr id="140" name="TextBox 139">
+                <a:extLst>
+                  <a:ext uri="{FF2B5EF4-FFF2-40B4-BE49-F238E27FC236}">
+                    <a16:creationId xmlns:a16="http://schemas.microsoft.com/office/drawing/2014/main" id="{1084A2AE-F071-8AAF-B68A-AFD909B57CB5}"/>
+                  </a:ext>
+                </a:extLst>
+              </p:cNvPr>
+              <p:cNvSpPr txBox="1"/>
+              <p:nvPr/>
+            </p:nvSpPr>
+            <p:spPr>
+              <a:xfrm>
+                <a:off x="6808625" y="1116776"/>
+                <a:ext cx="213651" cy="338512"/>
+              </a:xfrm>
+              <a:prstGeom prst="rect">
+                <a:avLst/>
+              </a:prstGeom>
+              <a:noFill/>
+            </p:spPr>
+            <p:txBody>
+              <a:bodyPr wrap="none" rtlCol="0">
+                <a:spAutoFit/>
+              </a:bodyPr>
+              <a:lstStyle/>
+              <a:p>
+                <a:r>
+                  <a:rPr lang="en-CN" sz="2704" dirty="0">
+                    <a:solidFill>
+                      <a:schemeClr val="accent1"/>
+                    </a:solidFill>
+                    <a:latin typeface="Goudy Old Style" panose="02020502050305020303" pitchFamily="18" charset="77"/>
+                    <a:cs typeface="Sathu" pitchFamily="2" charset="-34"/>
+                  </a:rPr>
+                  <a:t>y</a:t>
+                </a:r>
+              </a:p>
+            </p:txBody>
+          </p:sp>
+          <p:sp>
+            <p:nvSpPr>
+              <p:cNvPr id="141" name="TextBox 140">
+                <a:extLst>
+                  <a:ext uri="{FF2B5EF4-FFF2-40B4-BE49-F238E27FC236}">
+                    <a16:creationId xmlns:a16="http://schemas.microsoft.com/office/drawing/2014/main" id="{CE8D165B-5177-E138-5B1D-DAE4C5FACDB3}"/>
+                  </a:ext>
+                </a:extLst>
+              </p:cNvPr>
+              <p:cNvSpPr txBox="1"/>
+              <p:nvPr/>
+            </p:nvSpPr>
+            <p:spPr>
+              <a:xfrm>
+                <a:off x="8411361" y="3008559"/>
+                <a:ext cx="223255" cy="338512"/>
+              </a:xfrm>
+              <a:prstGeom prst="rect">
+                <a:avLst/>
+              </a:prstGeom>
+              <a:noFill/>
+            </p:spPr>
+            <p:txBody>
+              <a:bodyPr wrap="none" rtlCol="0">
+                <a:spAutoFit/>
+              </a:bodyPr>
+              <a:lstStyle/>
+              <a:p>
+                <a:r>
+                  <a:rPr lang="en-CN" sz="2704" dirty="0">
+                    <a:solidFill>
+                      <a:schemeClr val="accent1"/>
+                    </a:solidFill>
+                    <a:latin typeface="Goudy Old Style" panose="02020502050305020303" pitchFamily="18" charset="77"/>
+                    <a:cs typeface="Sathu" pitchFamily="2" charset="-34"/>
+                  </a:rPr>
+                  <a:t>x</a:t>
+                </a:r>
+              </a:p>
+            </p:txBody>
+          </p:sp>
+        </p:grpSp>
+        <p:cxnSp>
+          <p:nvCxnSpPr>
+            <p:cNvPr id="155" name="Straight Arrow Connector 154">
+              <a:extLst>
+                <a:ext uri="{FF2B5EF4-FFF2-40B4-BE49-F238E27FC236}">
+                  <a16:creationId xmlns:a16="http://schemas.microsoft.com/office/drawing/2014/main" id="{B727D1AD-88AA-23A3-911B-C464792ACE4B}"/>
+                </a:ext>
+              </a:extLst>
+            </p:cNvPr>
+            <p:cNvCxnSpPr>
+              <a:cxnSpLocks/>
+            </p:cNvCxnSpPr>
+            <p:nvPr/>
+          </p:nvCxnSpPr>
+          <p:spPr>
+            <a:xfrm>
+              <a:off x="28457318" y="9988885"/>
+              <a:ext cx="3588247" cy="0"/>
+            </a:xfrm>
+            <a:prstGeom prst="straightConnector1">
+              <a:avLst/>
+            </a:prstGeom>
+            <a:ln w="88900" cmpd="sng">
+              <a:solidFill>
+                <a:schemeClr val="bg1">
+                  <a:lumMod val="75000"/>
+                </a:schemeClr>
+              </a:solidFill>
+              <a:headEnd type="none" w="med" len="med"/>
+              <a:tailEnd type="triangle" w="med" len="sm"/>
+            </a:ln>
+          </p:spPr>
+          <p:style>
+            <a:lnRef idx="1">
+              <a:schemeClr val="accent1"/>
+            </a:lnRef>
+            <a:fillRef idx="0">
+              <a:schemeClr val="accent1"/>
+            </a:fillRef>
+            <a:effectRef idx="0">
+              <a:schemeClr val="accent1"/>
+            </a:effectRef>
+            <a:fontRef idx="minor">
+              <a:schemeClr val="tx1"/>
+            </a:fontRef>
+          </p:style>
+        </p:cxnSp>
+        <p:sp>
+          <p:nvSpPr>
+            <p:cNvPr id="156" name="TextBox 155">
+              <a:extLst>
+                <a:ext uri="{FF2B5EF4-FFF2-40B4-BE49-F238E27FC236}">
+                  <a16:creationId xmlns:a16="http://schemas.microsoft.com/office/drawing/2014/main" id="{023110C5-9B00-C1AF-C0EB-076F5A0B88E9}"/>
+                </a:ext>
+              </a:extLst>
+            </p:cNvPr>
+            <p:cNvSpPr txBox="1"/>
+            <p:nvPr/>
+          </p:nvSpPr>
+          <p:spPr>
+            <a:xfrm>
+              <a:off x="28554345" y="10128063"/>
+              <a:ext cx="3231110" cy="646331"/>
+            </a:xfrm>
+            <a:prstGeom prst="rect">
+              <a:avLst/>
+            </a:prstGeom>
+            <a:noFill/>
+          </p:spPr>
+          <p:txBody>
+            <a:bodyPr wrap="square" rtlCol="0">
+              <a:spAutoFit/>
+            </a:bodyPr>
+            <a:lstStyle/>
+            <a:p>
+              <a:pPr algn="ctr"/>
+              <a:r>
+                <a:rPr lang="en-US" b="1" dirty="0"/>
+                <a:t>Return to browsing or continue manipulating the current object</a:t>
+              </a:r>
+              <a:endParaRPr lang="en-CN" b="1" dirty="0"/>
+            </a:p>
+          </p:txBody>
+        </p:sp>
+        <p:sp>
+          <p:nvSpPr>
+            <p:cNvPr id="158" name="Oval 157">
+              <a:extLst>
+                <a:ext uri="{FF2B5EF4-FFF2-40B4-BE49-F238E27FC236}">
+                  <a16:creationId xmlns:a16="http://schemas.microsoft.com/office/drawing/2014/main" id="{462E484F-849B-6DA7-FFC5-58C56FAE6B31}"/>
+                </a:ext>
+              </a:extLst>
+            </p:cNvPr>
+            <p:cNvSpPr/>
+            <p:nvPr/>
+          </p:nvSpPr>
+          <p:spPr>
+            <a:xfrm>
+              <a:off x="32218436" y="9676816"/>
+              <a:ext cx="614855" cy="614855"/>
+            </a:xfrm>
+            <a:prstGeom prst="ellipse">
+              <a:avLst/>
+            </a:prstGeom>
+            <a:ln w="38100">
+              <a:solidFill>
+                <a:schemeClr val="tx1"/>
+              </a:solidFill>
+            </a:ln>
+          </p:spPr>
+          <p:style>
+            <a:lnRef idx="2">
+              <a:schemeClr val="accent6"/>
+            </a:lnRef>
+            <a:fillRef idx="1">
+              <a:schemeClr val="lt1"/>
+            </a:fillRef>
+            <a:effectRef idx="0">
+              <a:schemeClr val="accent6"/>
+            </a:effectRef>
+            <a:fontRef idx="minor">
+              <a:schemeClr val="dk1"/>
+            </a:fontRef>
+          </p:style>
+          <p:txBody>
+            <a:bodyPr rtlCol="0" anchor="ctr"/>
+            <a:lstStyle/>
+            <a:p>
+              <a:pPr algn="ctr"/>
+              <a:r>
+                <a:rPr lang="en-US" altLang="zh-CN" sz="2400" dirty="0"/>
+                <a:t>···</a:t>
+              </a:r>
+              <a:endParaRPr lang="en-CN" sz="2400" dirty="0"/>
             </a:p>
           </p:txBody>
         </p:sp>

--- a/PAPERWORK/BUAA Thesis Undergraduate - CoHE/figure/Presentation2.pptx
+++ b/PAPERWORK/BUAA Thesis Undergraduate - CoHE/figure/Presentation2.pptx
@@ -244,7 +244,7 @@
           <a:p>
             <a:fld id="{590F4E7E-A565-9A42-829F-FA3A8EC4ABA5}" type="datetimeFigureOut">
               <a:rPr lang="en-CN" smtClean="0"/>
-              <a:t>2023/5/24</a:t>
+              <a:t>2023/5/25</a:t>
             </a:fld>
             <a:endParaRPr lang="en-CN"/>
           </a:p>
@@ -414,7 +414,7 @@
           <a:p>
             <a:fld id="{590F4E7E-A565-9A42-829F-FA3A8EC4ABA5}" type="datetimeFigureOut">
               <a:rPr lang="en-CN" smtClean="0"/>
-              <a:t>2023/5/24</a:t>
+              <a:t>2023/5/25</a:t>
             </a:fld>
             <a:endParaRPr lang="en-CN"/>
           </a:p>
@@ -594,7 +594,7 @@
           <a:p>
             <a:fld id="{590F4E7E-A565-9A42-829F-FA3A8EC4ABA5}" type="datetimeFigureOut">
               <a:rPr lang="en-CN" smtClean="0"/>
-              <a:t>2023/5/24</a:t>
+              <a:t>2023/5/25</a:t>
             </a:fld>
             <a:endParaRPr lang="en-CN"/>
           </a:p>
@@ -764,7 +764,7 @@
           <a:p>
             <a:fld id="{590F4E7E-A565-9A42-829F-FA3A8EC4ABA5}" type="datetimeFigureOut">
               <a:rPr lang="en-CN" smtClean="0"/>
-              <a:t>2023/5/24</a:t>
+              <a:t>2023/5/25</a:t>
             </a:fld>
             <a:endParaRPr lang="en-CN"/>
           </a:p>
@@ -1010,7 +1010,7 @@
           <a:p>
             <a:fld id="{590F4E7E-A565-9A42-829F-FA3A8EC4ABA5}" type="datetimeFigureOut">
               <a:rPr lang="en-CN" smtClean="0"/>
-              <a:t>2023/5/24</a:t>
+              <a:t>2023/5/25</a:t>
             </a:fld>
             <a:endParaRPr lang="en-CN"/>
           </a:p>
@@ -1242,7 +1242,7 @@
           <a:p>
             <a:fld id="{590F4E7E-A565-9A42-829F-FA3A8EC4ABA5}" type="datetimeFigureOut">
               <a:rPr lang="en-CN" smtClean="0"/>
-              <a:t>2023/5/24</a:t>
+              <a:t>2023/5/25</a:t>
             </a:fld>
             <a:endParaRPr lang="en-CN"/>
           </a:p>
@@ -1609,7 +1609,7 @@
           <a:p>
             <a:fld id="{590F4E7E-A565-9A42-829F-FA3A8EC4ABA5}" type="datetimeFigureOut">
               <a:rPr lang="en-CN" smtClean="0"/>
-              <a:t>2023/5/24</a:t>
+              <a:t>2023/5/25</a:t>
             </a:fld>
             <a:endParaRPr lang="en-CN"/>
           </a:p>
@@ -1727,7 +1727,7 @@
           <a:p>
             <a:fld id="{590F4E7E-A565-9A42-829F-FA3A8EC4ABA5}" type="datetimeFigureOut">
               <a:rPr lang="en-CN" smtClean="0"/>
-              <a:t>2023/5/24</a:t>
+              <a:t>2023/5/25</a:t>
             </a:fld>
             <a:endParaRPr lang="en-CN"/>
           </a:p>
@@ -1822,7 +1822,7 @@
           <a:p>
             <a:fld id="{590F4E7E-A565-9A42-829F-FA3A8EC4ABA5}" type="datetimeFigureOut">
               <a:rPr lang="en-CN" smtClean="0"/>
-              <a:t>2023/5/24</a:t>
+              <a:t>2023/5/25</a:t>
             </a:fld>
             <a:endParaRPr lang="en-CN"/>
           </a:p>
@@ -2099,7 +2099,7 @@
           <a:p>
             <a:fld id="{590F4E7E-A565-9A42-829F-FA3A8EC4ABA5}" type="datetimeFigureOut">
               <a:rPr lang="en-CN" smtClean="0"/>
-              <a:t>2023/5/24</a:t>
+              <a:t>2023/5/25</a:t>
             </a:fld>
             <a:endParaRPr lang="en-CN"/>
           </a:p>
@@ -2356,7 +2356,7 @@
           <a:p>
             <a:fld id="{590F4E7E-A565-9A42-829F-FA3A8EC4ABA5}" type="datetimeFigureOut">
               <a:rPr lang="en-CN" smtClean="0"/>
-              <a:t>2023/5/24</a:t>
+              <a:t>2023/5/25</a:t>
             </a:fld>
             <a:endParaRPr lang="en-CN"/>
           </a:p>
@@ -2569,7 +2569,7 @@
           <a:p>
             <a:fld id="{590F4E7E-A565-9A42-829F-FA3A8EC4ABA5}" type="datetimeFigureOut">
               <a:rPr lang="en-CN" smtClean="0"/>
-              <a:t>2023/5/24</a:t>
+              <a:t>2023/5/25</a:t>
             </a:fld>
             <a:endParaRPr lang="en-CN"/>
           </a:p>
@@ -2976,10 +2976,10 @@
       </p:grpSpPr>
       <p:grpSp>
         <p:nvGrpSpPr>
-          <p:cNvPr id="23" name="组合 18">
+          <p:cNvPr id="2" name="Group 1">
             <a:extLst>
               <a:ext uri="{FF2B5EF4-FFF2-40B4-BE49-F238E27FC236}">
-                <a16:creationId xmlns:a16="http://schemas.microsoft.com/office/drawing/2014/main" id="{6844A2D9-6E2F-6017-8BE7-C3772320EABB}"/>
+                <a16:creationId xmlns:a16="http://schemas.microsoft.com/office/drawing/2014/main" id="{B6A35F98-ECB1-3CFF-6D20-5F8E3BCAB322}"/>
               </a:ext>
             </a:extLst>
           </p:cNvPr>
@@ -2989,17 +2989,17 @@
         <p:grpSpPr>
           <a:xfrm>
             <a:off x="14217128" y="3341961"/>
-            <a:ext cx="8015365" cy="7961399"/>
-            <a:chOff x="3056876" y="410340"/>
-            <a:chExt cx="6078239" cy="6037316"/>
+            <a:ext cx="10204330" cy="7961399"/>
+            <a:chOff x="14217128" y="3341961"/>
+            <a:chExt cx="10204330" cy="7961399"/>
           </a:xfrm>
         </p:grpSpPr>
         <p:grpSp>
           <p:nvGrpSpPr>
-            <p:cNvPr id="24" name="组合 17">
+            <p:cNvPr id="23" name="组合 18">
               <a:extLst>
                 <a:ext uri="{FF2B5EF4-FFF2-40B4-BE49-F238E27FC236}">
-                  <a16:creationId xmlns:a16="http://schemas.microsoft.com/office/drawing/2014/main" id="{0A44B7E1-8B3D-13A4-B9A1-63A252C4D1CC}"/>
+                  <a16:creationId xmlns:a16="http://schemas.microsoft.com/office/drawing/2014/main" id="{6844A2D9-6E2F-6017-8BE7-C3772320EABB}"/>
                 </a:ext>
               </a:extLst>
             </p:cNvPr>
@@ -3008,423 +3008,728 @@
           </p:nvGrpSpPr>
           <p:grpSpPr>
             <a:xfrm>
-              <a:off x="3056876" y="410340"/>
-              <a:ext cx="6078239" cy="6037316"/>
+              <a:off x="14217128" y="3341961"/>
+              <a:ext cx="8015365" cy="7961399"/>
               <a:chOff x="3056876" y="410340"/>
               <a:chExt cx="6078239" cy="6037316"/>
             </a:xfrm>
           </p:grpSpPr>
-          <p:sp>
-            <p:nvSpPr>
-              <p:cNvPr id="29" name="泪滴形 3">
+          <p:grpSp>
+            <p:nvGrpSpPr>
+              <p:cNvPr id="24" name="组合 17">
                 <a:extLst>
                   <a:ext uri="{FF2B5EF4-FFF2-40B4-BE49-F238E27FC236}">
-                    <a16:creationId xmlns:a16="http://schemas.microsoft.com/office/drawing/2014/main" id="{00AA1128-05F9-FDA7-F18E-C1ACE8D5C5C0}"/>
+                    <a16:creationId xmlns:a16="http://schemas.microsoft.com/office/drawing/2014/main" id="{0A44B7E1-8B3D-13A4-B9A1-63A252C4D1CC}"/>
                   </a:ext>
                 </a:extLst>
               </p:cNvPr>
-              <p:cNvSpPr/>
+              <p:cNvGrpSpPr/>
               <p:nvPr/>
-            </p:nvSpPr>
-            <p:spPr>
-              <a:xfrm rot="2700000">
-                <a:off x="3056876" y="2218506"/>
-                <a:ext cx="2420983" cy="2420983"/>
+            </p:nvGrpSpPr>
+            <p:grpSpPr>
+              <a:xfrm>
+                <a:off x="3056876" y="410340"/>
+                <a:ext cx="6078239" cy="6037316"/>
+                <a:chOff x="3056876" y="410340"/>
+                <a:chExt cx="6078239" cy="6037316"/>
               </a:xfrm>
-              <a:prstGeom prst="teardrop">
-                <a:avLst/>
-              </a:prstGeom>
-              <a:gradFill flip="none" rotWithShape="1">
-                <a:gsLst>
-                  <a:gs pos="0">
-                    <a:schemeClr val="accent6">
-                      <a:alpha val="0"/>
-                      <a:lumMod val="60000"/>
-                      <a:lumOff val="40000"/>
-                    </a:schemeClr>
-                  </a:gs>
-                  <a:gs pos="50000">
-                    <a:schemeClr val="accent6">
-                      <a:lumMod val="60000"/>
-                      <a:lumOff val="40000"/>
-                      <a:alpha val="85000"/>
-                    </a:schemeClr>
-                  </a:gs>
-                  <a:gs pos="100000">
-                    <a:schemeClr val="accent6">
-                      <a:lumMod val="60000"/>
-                      <a:lumOff val="40000"/>
-                    </a:schemeClr>
-                  </a:gs>
-                </a:gsLst>
-                <a:lin ang="8100000" scaled="0"/>
-                <a:tileRect/>
-              </a:gradFill>
-              <a:ln w="38100">
-                <a:gradFill>
+            </p:grpSpPr>
+            <p:sp>
+              <p:nvSpPr>
+                <p:cNvPr id="29" name="泪滴形 3">
+                  <a:extLst>
+                    <a:ext uri="{FF2B5EF4-FFF2-40B4-BE49-F238E27FC236}">
+                      <a16:creationId xmlns:a16="http://schemas.microsoft.com/office/drawing/2014/main" id="{00AA1128-05F9-FDA7-F18E-C1ACE8D5C5C0}"/>
+                    </a:ext>
+                  </a:extLst>
+                </p:cNvPr>
+                <p:cNvSpPr/>
+                <p:nvPr/>
+              </p:nvSpPr>
+              <p:spPr>
+                <a:xfrm rot="2700000">
+                  <a:off x="3056876" y="2218506"/>
+                  <a:ext cx="2420983" cy="2420983"/>
+                </a:xfrm>
+                <a:prstGeom prst="teardrop">
+                  <a:avLst/>
+                </a:prstGeom>
+                <a:gradFill flip="none" rotWithShape="1">
                   <a:gsLst>
-                    <a:gs pos="25000">
-                      <a:schemeClr val="bg1">
+                    <a:gs pos="0">
+                      <a:schemeClr val="accent6">
                         <a:alpha val="0"/>
                         <a:lumMod val="60000"/>
                         <a:lumOff val="40000"/>
                       </a:schemeClr>
                     </a:gs>
+                    <a:gs pos="50000">
+                      <a:schemeClr val="accent6">
+                        <a:lumMod val="60000"/>
+                        <a:lumOff val="40000"/>
+                        <a:alpha val="85000"/>
+                      </a:schemeClr>
+                    </a:gs>
                     <a:gs pos="100000">
-                      <a:schemeClr val="bg1">
-                        <a:alpha val="85000"/>
+                      <a:schemeClr val="accent6">
+                        <a:lumMod val="60000"/>
+                        <a:lumOff val="40000"/>
+                      </a:schemeClr>
+                    </a:gs>
+                  </a:gsLst>
+                  <a:lin ang="8100000" scaled="0"/>
+                  <a:tileRect/>
+                </a:gradFill>
+                <a:ln w="38100">
+                  <a:gradFill>
+                    <a:gsLst>
+                      <a:gs pos="25000">
+                        <a:schemeClr val="bg1">
+                          <a:alpha val="0"/>
+                          <a:lumMod val="60000"/>
+                          <a:lumOff val="40000"/>
+                        </a:schemeClr>
+                      </a:gs>
+                      <a:gs pos="100000">
+                        <a:schemeClr val="bg1">
+                          <a:alpha val="85000"/>
+                          <a:lumMod val="60000"/>
+                          <a:lumOff val="40000"/>
+                        </a:schemeClr>
+                      </a:gs>
+                      <a:gs pos="50000">
+                        <a:schemeClr val="bg1">
+                          <a:lumMod val="60000"/>
+                          <a:lumOff val="40000"/>
+                          <a:alpha val="50000"/>
+                        </a:schemeClr>
+                      </a:gs>
+                    </a:gsLst>
+                    <a:lin ang="8100000" scaled="0"/>
+                  </a:gradFill>
+                </a:ln>
+                <a:effectLst/>
+              </p:spPr>
+              <p:style>
+                <a:lnRef idx="2">
+                  <a:schemeClr val="accent1">
+                    <a:shade val="50000"/>
+                  </a:schemeClr>
+                </a:lnRef>
+                <a:fillRef idx="1">
+                  <a:schemeClr val="accent1"/>
+                </a:fillRef>
+                <a:effectRef idx="0">
+                  <a:schemeClr val="accent1"/>
+                </a:effectRef>
+                <a:fontRef idx="minor">
+                  <a:schemeClr val="lt1"/>
+                </a:fontRef>
+              </p:style>
+              <p:txBody>
+                <a:bodyPr rtlCol="0" anchor="ctr"/>
+                <a:lstStyle/>
+                <a:p>
+                  <a:pPr algn="ctr"/>
+                  <a:endParaRPr lang="zh-CN" altLang="en-US" sz="2704" dirty="0"/>
+                </a:p>
+              </p:txBody>
+            </p:sp>
+            <p:sp>
+              <p:nvSpPr>
+                <p:cNvPr id="30" name="泪滴形 4">
+                  <a:extLst>
+                    <a:ext uri="{FF2B5EF4-FFF2-40B4-BE49-F238E27FC236}">
+                      <a16:creationId xmlns:a16="http://schemas.microsoft.com/office/drawing/2014/main" id="{558F0F22-C3FB-87DE-3608-D9848FB89259}"/>
+                    </a:ext>
+                  </a:extLst>
+                </p:cNvPr>
+                <p:cNvSpPr/>
+                <p:nvPr/>
+              </p:nvSpPr>
+              <p:spPr>
+                <a:xfrm rot="8100000">
+                  <a:off x="4885505" y="410340"/>
+                  <a:ext cx="2420983" cy="2420983"/>
+                </a:xfrm>
+                <a:prstGeom prst="teardrop">
+                  <a:avLst/>
+                </a:prstGeom>
+                <a:gradFill flip="none" rotWithShape="1">
+                  <a:gsLst>
+                    <a:gs pos="0">
+                      <a:schemeClr val="accent6">
+                        <a:alpha val="0"/>
                         <a:lumMod val="60000"/>
                         <a:lumOff val="40000"/>
                       </a:schemeClr>
                     </a:gs>
                     <a:gs pos="50000">
-                      <a:schemeClr val="bg1">
+                      <a:schemeClr val="accent6">
                         <a:lumMod val="60000"/>
                         <a:lumOff val="40000"/>
-                        <a:alpha val="50000"/>
+                        <a:alpha val="85000"/>
+                      </a:schemeClr>
+                    </a:gs>
+                    <a:gs pos="100000">
+                      <a:schemeClr val="accent6">
+                        <a:lumMod val="60000"/>
+                        <a:lumOff val="40000"/>
                       </a:schemeClr>
                     </a:gs>
                   </a:gsLst>
                   <a:lin ang="8100000" scaled="0"/>
+                  <a:tileRect/>
                 </a:gradFill>
-              </a:ln>
-              <a:effectLst/>
-            </p:spPr>
-            <p:style>
-              <a:lnRef idx="2">
-                <a:schemeClr val="accent1">
-                  <a:shade val="50000"/>
-                </a:schemeClr>
-              </a:lnRef>
-              <a:fillRef idx="1">
-                <a:schemeClr val="accent1"/>
-              </a:fillRef>
-              <a:effectRef idx="0">
-                <a:schemeClr val="accent1"/>
-              </a:effectRef>
-              <a:fontRef idx="minor">
-                <a:schemeClr val="lt1"/>
-              </a:fontRef>
-            </p:style>
-            <p:txBody>
-              <a:bodyPr rtlCol="0" anchor="ctr"/>
-              <a:lstStyle/>
-              <a:p>
-                <a:pPr algn="ctr"/>
-                <a:endParaRPr lang="zh-CN" altLang="en-US" sz="2704" dirty="0"/>
-              </a:p>
-            </p:txBody>
-          </p:sp>
-          <p:sp>
-            <p:nvSpPr>
-              <p:cNvPr id="30" name="泪滴形 4">
-                <a:extLst>
-                  <a:ext uri="{FF2B5EF4-FFF2-40B4-BE49-F238E27FC236}">
-                    <a16:creationId xmlns:a16="http://schemas.microsoft.com/office/drawing/2014/main" id="{558F0F22-C3FB-87DE-3608-D9848FB89259}"/>
-                  </a:ext>
-                </a:extLst>
-              </p:cNvPr>
-              <p:cNvSpPr/>
-              <p:nvPr/>
-            </p:nvSpPr>
-            <p:spPr>
-              <a:xfrm rot="8100000">
-                <a:off x="4885505" y="410340"/>
-                <a:ext cx="2420983" cy="2420983"/>
-              </a:xfrm>
-              <a:prstGeom prst="teardrop">
-                <a:avLst/>
-              </a:prstGeom>
-              <a:gradFill flip="none" rotWithShape="1">
-                <a:gsLst>
-                  <a:gs pos="0">
-                    <a:schemeClr val="accent6">
-                      <a:alpha val="0"/>
-                      <a:lumMod val="60000"/>
-                      <a:lumOff val="40000"/>
-                    </a:schemeClr>
-                  </a:gs>
-                  <a:gs pos="50000">
-                    <a:schemeClr val="accent6">
-                      <a:lumMod val="60000"/>
-                      <a:lumOff val="40000"/>
-                      <a:alpha val="85000"/>
-                    </a:schemeClr>
-                  </a:gs>
-                  <a:gs pos="100000">
-                    <a:schemeClr val="accent6">
-                      <a:lumMod val="60000"/>
-                      <a:lumOff val="40000"/>
-                    </a:schemeClr>
-                  </a:gs>
-                </a:gsLst>
-                <a:lin ang="8100000" scaled="0"/>
-                <a:tileRect/>
-              </a:gradFill>
-              <a:ln w="38100">
-                <a:gradFill>
+                <a:ln w="38100">
+                  <a:gradFill>
+                    <a:gsLst>
+                      <a:gs pos="25000">
+                        <a:schemeClr val="bg1">
+                          <a:alpha val="0"/>
+                          <a:lumMod val="60000"/>
+                          <a:lumOff val="40000"/>
+                        </a:schemeClr>
+                      </a:gs>
+                      <a:gs pos="100000">
+                        <a:schemeClr val="bg1">
+                          <a:alpha val="85000"/>
+                          <a:lumMod val="60000"/>
+                          <a:lumOff val="40000"/>
+                        </a:schemeClr>
+                      </a:gs>
+                      <a:gs pos="50000">
+                        <a:schemeClr val="bg1">
+                          <a:lumMod val="60000"/>
+                          <a:lumOff val="40000"/>
+                          <a:alpha val="50000"/>
+                        </a:schemeClr>
+                      </a:gs>
+                    </a:gsLst>
+                    <a:lin ang="8100000" scaled="0"/>
+                  </a:gradFill>
+                </a:ln>
+                <a:effectLst/>
+              </p:spPr>
+              <p:style>
+                <a:lnRef idx="2">
+                  <a:schemeClr val="accent1">
+                    <a:shade val="50000"/>
+                  </a:schemeClr>
+                </a:lnRef>
+                <a:fillRef idx="1">
+                  <a:schemeClr val="accent1"/>
+                </a:fillRef>
+                <a:effectRef idx="0">
+                  <a:schemeClr val="accent1"/>
+                </a:effectRef>
+                <a:fontRef idx="minor">
+                  <a:schemeClr val="lt1"/>
+                </a:fontRef>
+              </p:style>
+              <p:txBody>
+                <a:bodyPr rtlCol="0" anchor="ctr"/>
+                <a:lstStyle/>
+                <a:p>
+                  <a:pPr algn="ctr"/>
+                  <a:endParaRPr lang="zh-CN" altLang="en-US" sz="2704" dirty="0"/>
+                </a:p>
+              </p:txBody>
+            </p:sp>
+            <p:sp>
+              <p:nvSpPr>
+                <p:cNvPr id="31" name="泪滴形 6">
+                  <a:extLst>
+                    <a:ext uri="{FF2B5EF4-FFF2-40B4-BE49-F238E27FC236}">
+                      <a16:creationId xmlns:a16="http://schemas.microsoft.com/office/drawing/2014/main" id="{B1240792-90FA-C5E1-6EC5-CB85191C1305}"/>
+                    </a:ext>
+                  </a:extLst>
+                </p:cNvPr>
+                <p:cNvSpPr/>
+                <p:nvPr/>
+              </p:nvSpPr>
+              <p:spPr>
+                <a:xfrm rot="18900000">
+                  <a:off x="4885505" y="4026673"/>
+                  <a:ext cx="2420983" cy="2420983"/>
+                </a:xfrm>
+                <a:prstGeom prst="teardrop">
+                  <a:avLst/>
+                </a:prstGeom>
+                <a:gradFill flip="none" rotWithShape="1">
                   <a:gsLst>
-                    <a:gs pos="25000">
-                      <a:schemeClr val="bg1">
+                    <a:gs pos="0">
+                      <a:schemeClr val="accent6">
                         <a:alpha val="0"/>
                         <a:lumMod val="60000"/>
                         <a:lumOff val="40000"/>
                       </a:schemeClr>
                     </a:gs>
+                    <a:gs pos="50000">
+                      <a:schemeClr val="accent6">
+                        <a:lumMod val="60000"/>
+                        <a:lumOff val="40000"/>
+                        <a:alpha val="85000"/>
+                      </a:schemeClr>
+                    </a:gs>
                     <a:gs pos="100000">
-                      <a:schemeClr val="bg1">
-                        <a:alpha val="85000"/>
+                      <a:schemeClr val="accent6">
+                        <a:lumMod val="60000"/>
+                        <a:lumOff val="40000"/>
+                      </a:schemeClr>
+                    </a:gs>
+                  </a:gsLst>
+                  <a:lin ang="8100000" scaled="0"/>
+                  <a:tileRect/>
+                </a:gradFill>
+                <a:ln w="38100">
+                  <a:gradFill>
+                    <a:gsLst>
+                      <a:gs pos="25000">
+                        <a:schemeClr val="bg1">
+                          <a:alpha val="0"/>
+                          <a:lumMod val="60000"/>
+                          <a:lumOff val="40000"/>
+                        </a:schemeClr>
+                      </a:gs>
+                      <a:gs pos="100000">
+                        <a:schemeClr val="bg1">
+                          <a:alpha val="85000"/>
+                          <a:lumMod val="60000"/>
+                          <a:lumOff val="40000"/>
+                        </a:schemeClr>
+                      </a:gs>
+                      <a:gs pos="50000">
+                        <a:schemeClr val="bg1">
+                          <a:lumMod val="60000"/>
+                          <a:lumOff val="40000"/>
+                          <a:alpha val="50000"/>
+                        </a:schemeClr>
+                      </a:gs>
+                    </a:gsLst>
+                    <a:lin ang="8100000" scaled="0"/>
+                  </a:gradFill>
+                </a:ln>
+                <a:effectLst/>
+              </p:spPr>
+              <p:style>
+                <a:lnRef idx="2">
+                  <a:schemeClr val="accent1">
+                    <a:shade val="50000"/>
+                  </a:schemeClr>
+                </a:lnRef>
+                <a:fillRef idx="1">
+                  <a:schemeClr val="accent1"/>
+                </a:fillRef>
+                <a:effectRef idx="0">
+                  <a:schemeClr val="accent1"/>
+                </a:effectRef>
+                <a:fontRef idx="minor">
+                  <a:schemeClr val="lt1"/>
+                </a:fontRef>
+              </p:style>
+              <p:txBody>
+                <a:bodyPr rtlCol="0" anchor="ctr"/>
+                <a:lstStyle/>
+                <a:p>
+                  <a:pPr algn="ctr"/>
+                  <a:endParaRPr lang="zh-CN" altLang="en-US" sz="2704" dirty="0"/>
+                </a:p>
+              </p:txBody>
+            </p:sp>
+            <p:sp>
+              <p:nvSpPr>
+                <p:cNvPr id="32" name="泪滴形 7">
+                  <a:extLst>
+                    <a:ext uri="{FF2B5EF4-FFF2-40B4-BE49-F238E27FC236}">
+                      <a16:creationId xmlns:a16="http://schemas.microsoft.com/office/drawing/2014/main" id="{D6DEEC7B-ABBD-C124-833B-D823F115333B}"/>
+                    </a:ext>
+                  </a:extLst>
+                </p:cNvPr>
+                <p:cNvSpPr/>
+                <p:nvPr/>
+              </p:nvSpPr>
+              <p:spPr>
+                <a:xfrm rot="13500000">
+                  <a:off x="6714132" y="2218508"/>
+                  <a:ext cx="2420983" cy="2420983"/>
+                </a:xfrm>
+                <a:prstGeom prst="teardrop">
+                  <a:avLst/>
+                </a:prstGeom>
+                <a:gradFill flip="none" rotWithShape="1">
+                  <a:gsLst>
+                    <a:gs pos="0">
+                      <a:schemeClr val="accent6">
+                        <a:alpha val="0"/>
                         <a:lumMod val="60000"/>
                         <a:lumOff val="40000"/>
                       </a:schemeClr>
                     </a:gs>
                     <a:gs pos="50000">
-                      <a:schemeClr val="bg1">
+                      <a:schemeClr val="accent6">
                         <a:lumMod val="60000"/>
                         <a:lumOff val="40000"/>
-                        <a:alpha val="50000"/>
+                        <a:alpha val="85000"/>
+                      </a:schemeClr>
+                    </a:gs>
+                    <a:gs pos="100000">
+                      <a:schemeClr val="accent6">
+                        <a:lumMod val="60000"/>
+                        <a:lumOff val="40000"/>
                       </a:schemeClr>
                     </a:gs>
                   </a:gsLst>
                   <a:lin ang="8100000" scaled="0"/>
+                  <a:tileRect/>
                 </a:gradFill>
-              </a:ln>
-              <a:effectLst/>
-            </p:spPr>
-            <p:style>
-              <a:lnRef idx="2">
-                <a:schemeClr val="accent1">
-                  <a:shade val="50000"/>
-                </a:schemeClr>
-              </a:lnRef>
-              <a:fillRef idx="1">
-                <a:schemeClr val="accent1"/>
-              </a:fillRef>
-              <a:effectRef idx="0">
-                <a:schemeClr val="accent1"/>
-              </a:effectRef>
-              <a:fontRef idx="minor">
-                <a:schemeClr val="lt1"/>
-              </a:fontRef>
-            </p:style>
-            <p:txBody>
-              <a:bodyPr rtlCol="0" anchor="ctr"/>
-              <a:lstStyle/>
-              <a:p>
-                <a:pPr algn="ctr"/>
-                <a:endParaRPr lang="zh-CN" altLang="en-US" sz="2704" dirty="0"/>
-              </a:p>
-            </p:txBody>
-          </p:sp>
-          <p:sp>
-            <p:nvSpPr>
-              <p:cNvPr id="31" name="泪滴形 6">
+                <a:ln w="38100">
+                  <a:gradFill>
+                    <a:gsLst>
+                      <a:gs pos="25000">
+                        <a:schemeClr val="bg1">
+                          <a:alpha val="0"/>
+                          <a:lumMod val="60000"/>
+                          <a:lumOff val="40000"/>
+                        </a:schemeClr>
+                      </a:gs>
+                      <a:gs pos="100000">
+                        <a:schemeClr val="bg1">
+                          <a:alpha val="85000"/>
+                          <a:lumMod val="60000"/>
+                          <a:lumOff val="40000"/>
+                        </a:schemeClr>
+                      </a:gs>
+                      <a:gs pos="50000">
+                        <a:schemeClr val="bg1">
+                          <a:lumMod val="60000"/>
+                          <a:lumOff val="40000"/>
+                          <a:alpha val="50000"/>
+                        </a:schemeClr>
+                      </a:gs>
+                    </a:gsLst>
+                    <a:lin ang="8100000" scaled="0"/>
+                  </a:gradFill>
+                </a:ln>
+                <a:effectLst/>
+              </p:spPr>
+              <p:style>
+                <a:lnRef idx="2">
+                  <a:schemeClr val="accent1">
+                    <a:shade val="50000"/>
+                  </a:schemeClr>
+                </a:lnRef>
+                <a:fillRef idx="1">
+                  <a:schemeClr val="accent1"/>
+                </a:fillRef>
+                <a:effectRef idx="0">
+                  <a:schemeClr val="accent1"/>
+                </a:effectRef>
+                <a:fontRef idx="minor">
+                  <a:schemeClr val="lt1"/>
+                </a:fontRef>
+              </p:style>
+              <p:txBody>
+                <a:bodyPr rtlCol="0" anchor="ctr"/>
+                <a:lstStyle/>
+                <a:p>
+                  <a:pPr algn="ctr"/>
+                  <a:endParaRPr lang="zh-CN" altLang="en-US" sz="2704" dirty="0"/>
+                </a:p>
+              </p:txBody>
+            </p:sp>
+          </p:grpSp>
+          <p:pic>
+            <p:nvPicPr>
+              <p:cNvPr id="25" name="图片 10" descr="形状&#10;&#10;中度可信度描述已自动生成">
                 <a:extLst>
                   <a:ext uri="{FF2B5EF4-FFF2-40B4-BE49-F238E27FC236}">
-                    <a16:creationId xmlns:a16="http://schemas.microsoft.com/office/drawing/2014/main" id="{B1240792-90FA-C5E1-6EC5-CB85191C1305}"/>
+                    <a16:creationId xmlns:a16="http://schemas.microsoft.com/office/drawing/2014/main" id="{12799457-7F0F-E879-293B-70E5FBA50D03}"/>
                   </a:ext>
                 </a:extLst>
               </p:cNvPr>
-              <p:cNvSpPr/>
+              <p:cNvPicPr>
+                <a:picLocks noChangeAspect="1"/>
+              </p:cNvPicPr>
               <p:nvPr/>
-            </p:nvSpPr>
+            </p:nvPicPr>
+            <p:blipFill>
+              <a:blip r:embed="rId2">
+                <a:extLst>
+                  <a:ext uri="{28A0092B-C50C-407E-A947-70E740481C1C}">
+                    <a14:useLocalDpi xmlns:a14="http://schemas.microsoft.com/office/drawing/2010/main" val="0"/>
+                  </a:ext>
+                </a:extLst>
+              </a:blip>
+              <a:stretch>
+                <a:fillRect/>
+              </a:stretch>
+            </p:blipFill>
             <p:spPr>
-              <a:xfrm rot="18900000">
-                <a:off x="4885505" y="4026673"/>
-                <a:ext cx="2420983" cy="2420983"/>
+              <a:xfrm>
+                <a:off x="4001329" y="4785059"/>
+                <a:ext cx="4189331" cy="701582"/>
               </a:xfrm>
-              <a:prstGeom prst="teardrop">
+              <a:prstGeom prst="rect">
                 <a:avLst/>
               </a:prstGeom>
-              <a:gradFill flip="none" rotWithShape="1">
-                <a:gsLst>
-                  <a:gs pos="0">
-                    <a:schemeClr val="accent6">
-                      <a:alpha val="0"/>
+            </p:spPr>
+          </p:pic>
+          <p:pic>
+            <p:nvPicPr>
+              <p:cNvPr id="26" name="图片 12" descr="形状&#10;&#10;中度可信度描述已自动生成">
+                <a:extLst>
+                  <a:ext uri="{FF2B5EF4-FFF2-40B4-BE49-F238E27FC236}">
+                    <a16:creationId xmlns:a16="http://schemas.microsoft.com/office/drawing/2014/main" id="{CA77A7B5-7899-D837-17B0-DA30D69EBBCC}"/>
+                  </a:ext>
+                </a:extLst>
+              </p:cNvPr>
+              <p:cNvPicPr>
+                <a:picLocks noChangeAspect="1"/>
+              </p:cNvPicPr>
+              <p:nvPr/>
+            </p:nvPicPr>
+            <p:blipFill>
+              <a:blip r:embed="rId3">
+                <a:extLst>
+                  <a:ext uri="{28A0092B-C50C-407E-A947-70E740481C1C}">
+                    <a14:useLocalDpi xmlns:a14="http://schemas.microsoft.com/office/drawing/2010/main" val="0"/>
+                  </a:ext>
+                </a:extLst>
+              </a:blip>
+              <a:stretch>
+                <a:fillRect/>
+              </a:stretch>
+            </p:blipFill>
+            <p:spPr>
+              <a:xfrm>
+                <a:off x="4001330" y="1366313"/>
+                <a:ext cx="4189331" cy="701582"/>
+              </a:xfrm>
+              <a:prstGeom prst="rect">
+                <a:avLst/>
+              </a:prstGeom>
+            </p:spPr>
+          </p:pic>
+          <p:pic>
+            <p:nvPicPr>
+              <p:cNvPr id="27" name="图片 14" descr="形状&#10;&#10;中度可信度描述已自动生成">
+                <a:extLst>
+                  <a:ext uri="{FF2B5EF4-FFF2-40B4-BE49-F238E27FC236}">
+                    <a16:creationId xmlns:a16="http://schemas.microsoft.com/office/drawing/2014/main" id="{18ED2336-C5D7-B175-B08A-5C323077E801}"/>
+                  </a:ext>
+                </a:extLst>
+              </p:cNvPr>
+              <p:cNvPicPr>
+                <a:picLocks noChangeAspect="1"/>
+              </p:cNvPicPr>
+              <p:nvPr/>
+            </p:nvPicPr>
+            <p:blipFill>
+              <a:blip r:embed="rId4">
+                <a:extLst>
+                  <a:ext uri="{28A0092B-C50C-407E-A947-70E740481C1C}">
+                    <a14:useLocalDpi xmlns:a14="http://schemas.microsoft.com/office/drawing/2010/main" val="0"/>
+                  </a:ext>
+                </a:extLst>
+              </a:blip>
+              <a:stretch>
+                <a:fillRect/>
+              </a:stretch>
+            </p:blipFill>
+            <p:spPr>
+              <a:xfrm rot="16200000">
+                <a:off x="2325210" y="3083717"/>
+                <a:ext cx="4189331" cy="701582"/>
+              </a:xfrm>
+              <a:prstGeom prst="rect">
+                <a:avLst/>
+              </a:prstGeom>
+            </p:spPr>
+          </p:pic>
+          <p:pic>
+            <p:nvPicPr>
+              <p:cNvPr id="28" name="图片 16" descr="形状&#10;&#10;中度可信度描述已自动生成">
+                <a:extLst>
+                  <a:ext uri="{FF2B5EF4-FFF2-40B4-BE49-F238E27FC236}">
+                    <a16:creationId xmlns:a16="http://schemas.microsoft.com/office/drawing/2014/main" id="{8F8223E9-0079-2111-4E20-714DC3FCFD16}"/>
+                  </a:ext>
+                </a:extLst>
+              </p:cNvPr>
+              <p:cNvPicPr>
+                <a:picLocks noChangeAspect="1"/>
+              </p:cNvPicPr>
+              <p:nvPr/>
+            </p:nvPicPr>
+            <p:blipFill>
+              <a:blip r:embed="rId5">
+                <a:extLst>
+                  <a:ext uri="{28A0092B-C50C-407E-A947-70E740481C1C}">
+                    <a14:useLocalDpi xmlns:a14="http://schemas.microsoft.com/office/drawing/2010/main" val="0"/>
+                  </a:ext>
+                </a:extLst>
+              </a:blip>
+              <a:stretch>
+                <a:fillRect/>
+              </a:stretch>
+            </p:blipFill>
+            <p:spPr>
+              <a:xfrm rot="5400000">
+                <a:off x="5677452" y="3078207"/>
+                <a:ext cx="4189331" cy="701582"/>
+              </a:xfrm>
+              <a:prstGeom prst="rect">
+                <a:avLst/>
+              </a:prstGeom>
+            </p:spPr>
+          </p:pic>
+        </p:grpSp>
+        <mc:AlternateContent xmlns:mc="http://schemas.openxmlformats.org/markup-compatibility/2006">
+          <mc:Choice xmlns:am3d="http://schemas.microsoft.com/office/drawing/2017/model3d" Requires="am3d">
+            <p:graphicFrame>
+              <p:nvGraphicFramePr>
+                <p:cNvPr id="5" name="3D Model 20" descr="Prism And Basal Pinacoid White">
+                  <a:extLst>
+                    <a:ext uri="{FF2B5EF4-FFF2-40B4-BE49-F238E27FC236}">
+                      <a16:creationId xmlns:a16="http://schemas.microsoft.com/office/drawing/2014/main" id="{4F992905-23BC-6344-6877-7C2ADBB8A176}"/>
+                    </a:ext>
+                  </a:extLst>
+                </p:cNvPr>
+                <p:cNvGraphicFramePr>
+                  <a:graphicFrameLocks noChangeAspect="1"/>
+                </p:cNvGraphicFramePr>
+                <p:nvPr>
+                  <p:extLst>
+                    <p:ext uri="{D42A27DB-BD31-4B8C-83A1-F6EECF244321}">
+                      <p14:modId xmlns:p14="http://schemas.microsoft.com/office/powerpoint/2010/main" val="2496765846"/>
+                    </p:ext>
+                  </p:extLst>
+                </p:nvPr>
+              </p:nvGraphicFramePr>
+              <p:xfrm>
+                <a:off x="17285886" y="6102393"/>
+                <a:ext cx="1905973" cy="2160033"/>
+              </p:xfrm>
+              <a:graphic>
+                <a:graphicData uri="http://schemas.microsoft.com/office/drawing/2017/model3d">
+                  <am3d:model3d r:embed="rId6">
+                    <am3d:spPr>
+                      <a:xfrm>
+                        <a:off x="0" y="0"/>
+                        <a:ext cx="1905973" cy="2160033"/>
+                      </a:xfrm>
+                      <a:prstGeom prst="rect">
+                        <a:avLst/>
+                      </a:prstGeom>
+                      <a:effectLst>
+                        <a:glow rad="228600">
+                          <a:schemeClr val="accent1">
+                            <a:lumMod val="60000"/>
+                            <a:lumOff val="40000"/>
+                          </a:schemeClr>
+                        </a:glow>
+                      </a:effectLst>
+                    </am3d:spPr>
+                    <am3d:camera>
+                      <am3d:pos x="0" y="0" z="81469150"/>
+                      <am3d:up dx="0" dy="36000000" dz="0"/>
+                      <am3d:lookAt x="0" y="0" z="0"/>
+                      <am3d:perspective fov="2700000"/>
+                    </am3d:camera>
+                    <am3d:trans>
+                      <am3d:meterPerModelUnit n="139970" d="1000000"/>
+                      <am3d:preTrans dx="-76" dy="-17999982" dz="1"/>
+                      <am3d:scale>
+                        <am3d:sx n="1000000" d="1000000"/>
+                        <am3d:sy n="1000000" d="1000000"/>
+                        <am3d:sz n="1000000" d="1000000"/>
+                      </am3d:scale>
+                      <am3d:rot ax="-2183283" ay="2913714" az="9064903"/>
+                      <am3d:postTrans dx="0" dy="0" dz="0"/>
+                    </am3d:trans>
+                    <am3d:raster rName="Office3DRenderer" rVer="16.0.8326">
+                      <am3d:blip r:embed="rId7"/>
+                    </am3d:raster>
+                    <am3d:objViewport viewportSz="2217480"/>
+                    <am3d:ambientLight>
+                      <am3d:clr>
+                        <a:scrgbClr r="50000" g="50000" b="50000"/>
+                      </am3d:clr>
+                      <am3d:illuminance n="500000" d="1000000"/>
+                    </am3d:ambientLight>
+                    <am3d:ptLight rad="0">
+                      <am3d:clr>
+                        <a:scrgbClr r="100000" g="75000" b="50000"/>
+                      </am3d:clr>
+                      <am3d:intensity n="9765625" d="1000000"/>
+                      <am3d:pos x="21959998" y="70920001" z="16344003"/>
+                    </am3d:ptLight>
+                    <am3d:ptLight rad="0">
+                      <am3d:clr>
+                        <a:scrgbClr r="40000" g="60000" b="95000"/>
+                      </am3d:clr>
+                      <am3d:intensity n="12250000" d="1000000"/>
+                      <am3d:pos x="-37964106" y="51130435" z="57631972"/>
+                    </am3d:ptLight>
+                    <am3d:ptLight rad="0">
+                      <am3d:clr>
+                        <a:scrgbClr r="86837" g="72700" b="100000"/>
+                      </am3d:clr>
+                      <am3d:intensity n="3125000" d="1000000"/>
+                      <am3d:pos x="-37739122" y="58056624" z="-34769649"/>
+                    </am3d:ptLight>
+                  </am3d:model3d>
+                </a:graphicData>
+              </a:graphic>
+            </p:graphicFrame>
+          </mc:Choice>
+          <mc:Fallback>
+            <p:pic>
+              <p:nvPicPr>
+                <p:cNvPr id="5" name="3D Model 20" descr="Prism And Basal Pinacoid White">
+                  <a:extLst>
+                    <a:ext uri="{FF2B5EF4-FFF2-40B4-BE49-F238E27FC236}">
+                      <a16:creationId xmlns:a16="http://schemas.microsoft.com/office/drawing/2014/main" id="{4F992905-23BC-6344-6877-7C2ADBB8A176}"/>
+                    </a:ext>
+                  </a:extLst>
+                </p:cNvPr>
+                <p:cNvPicPr>
+                  <a:picLocks noGrp="1" noRot="1" noChangeAspect="1" noMove="1" noResize="1" noEditPoints="1" noAdjustHandles="1" noChangeArrowheads="1" noChangeShapeType="1" noCrop="1"/>
+                </p:cNvPicPr>
+                <p:nvPr/>
+              </p:nvPicPr>
+              <p:blipFill>
+                <a:blip r:embed="rId7"/>
+                <a:stretch>
+                  <a:fillRect/>
+                </a:stretch>
+              </p:blipFill>
+              <p:spPr>
+                <a:xfrm>
+                  <a:off x="17285886" y="6102393"/>
+                  <a:ext cx="1905973" cy="2160033"/>
+                </a:xfrm>
+                <a:prstGeom prst="rect">
+                  <a:avLst/>
+                </a:prstGeom>
+                <a:effectLst>
+                  <a:glow rad="228600">
+                    <a:schemeClr val="accent1">
                       <a:lumMod val="60000"/>
                       <a:lumOff val="40000"/>
                     </a:schemeClr>
-                  </a:gs>
-                  <a:gs pos="50000">
-                    <a:schemeClr val="accent6">
-                      <a:lumMod val="60000"/>
-                      <a:lumOff val="40000"/>
-                      <a:alpha val="85000"/>
-                    </a:schemeClr>
-                  </a:gs>
-                  <a:gs pos="100000">
-                    <a:schemeClr val="accent6">
-                      <a:lumMod val="60000"/>
-                      <a:lumOff val="40000"/>
-                    </a:schemeClr>
-                  </a:gs>
-                </a:gsLst>
-                <a:lin ang="8100000" scaled="0"/>
-                <a:tileRect/>
-              </a:gradFill>
-              <a:ln w="38100">
-                <a:gradFill>
-                  <a:gsLst>
-                    <a:gs pos="25000">
-                      <a:schemeClr val="bg1">
-                        <a:alpha val="0"/>
-                        <a:lumMod val="60000"/>
-                        <a:lumOff val="40000"/>
-                      </a:schemeClr>
-                    </a:gs>
-                    <a:gs pos="100000">
-                      <a:schemeClr val="bg1">
-                        <a:alpha val="85000"/>
-                        <a:lumMod val="60000"/>
-                        <a:lumOff val="40000"/>
-                      </a:schemeClr>
-                    </a:gs>
-                    <a:gs pos="50000">
-                      <a:schemeClr val="bg1">
-                        <a:lumMod val="60000"/>
-                        <a:lumOff val="40000"/>
-                        <a:alpha val="50000"/>
-                      </a:schemeClr>
-                    </a:gs>
-                  </a:gsLst>
-                  <a:lin ang="8100000" scaled="0"/>
-                </a:gradFill>
-              </a:ln>
-              <a:effectLst/>
-            </p:spPr>
-            <p:style>
-              <a:lnRef idx="2">
-                <a:schemeClr val="accent1">
-                  <a:shade val="50000"/>
-                </a:schemeClr>
-              </a:lnRef>
-              <a:fillRef idx="1">
-                <a:schemeClr val="accent1"/>
-              </a:fillRef>
-              <a:effectRef idx="0">
-                <a:schemeClr val="accent1"/>
-              </a:effectRef>
-              <a:fontRef idx="minor">
-                <a:schemeClr val="lt1"/>
-              </a:fontRef>
-            </p:style>
-            <p:txBody>
-              <a:bodyPr rtlCol="0" anchor="ctr"/>
-              <a:lstStyle/>
-              <a:p>
-                <a:pPr algn="ctr"/>
-                <a:endParaRPr lang="zh-CN" altLang="en-US" sz="2704" dirty="0"/>
-              </a:p>
-            </p:txBody>
-          </p:sp>
-          <p:sp>
-            <p:nvSpPr>
-              <p:cNvPr id="32" name="泪滴形 7">
-                <a:extLst>
-                  <a:ext uri="{FF2B5EF4-FFF2-40B4-BE49-F238E27FC236}">
-                    <a16:creationId xmlns:a16="http://schemas.microsoft.com/office/drawing/2014/main" id="{D6DEEC7B-ABBD-C124-833B-D823F115333B}"/>
-                  </a:ext>
-                </a:extLst>
-              </p:cNvPr>
-              <p:cNvSpPr/>
-              <p:nvPr/>
-            </p:nvSpPr>
-            <p:spPr>
-              <a:xfrm rot="13500000">
-                <a:off x="6714132" y="2218508"/>
-                <a:ext cx="2420983" cy="2420983"/>
-              </a:xfrm>
-              <a:prstGeom prst="teardrop">
-                <a:avLst/>
-              </a:prstGeom>
-              <a:gradFill flip="none" rotWithShape="1">
-                <a:gsLst>
-                  <a:gs pos="0">
-                    <a:schemeClr val="accent6">
-                      <a:alpha val="0"/>
-                      <a:lumMod val="60000"/>
-                      <a:lumOff val="40000"/>
-                    </a:schemeClr>
-                  </a:gs>
-                  <a:gs pos="50000">
-                    <a:schemeClr val="accent6">
-                      <a:lumMod val="60000"/>
-                      <a:lumOff val="40000"/>
-                      <a:alpha val="85000"/>
-                    </a:schemeClr>
-                  </a:gs>
-                  <a:gs pos="100000">
-                    <a:schemeClr val="accent6">
-                      <a:lumMod val="60000"/>
-                      <a:lumOff val="40000"/>
-                    </a:schemeClr>
-                  </a:gs>
-                </a:gsLst>
-                <a:lin ang="8100000" scaled="0"/>
-                <a:tileRect/>
-              </a:gradFill>
-              <a:ln w="38100">
-                <a:gradFill>
-                  <a:gsLst>
-                    <a:gs pos="25000">
-                      <a:schemeClr val="bg1">
-                        <a:alpha val="0"/>
-                        <a:lumMod val="60000"/>
-                        <a:lumOff val="40000"/>
-                      </a:schemeClr>
-                    </a:gs>
-                    <a:gs pos="100000">
-                      <a:schemeClr val="bg1">
-                        <a:alpha val="85000"/>
-                        <a:lumMod val="60000"/>
-                        <a:lumOff val="40000"/>
-                      </a:schemeClr>
-                    </a:gs>
-                    <a:gs pos="50000">
-                      <a:schemeClr val="bg1">
-                        <a:lumMod val="60000"/>
-                        <a:lumOff val="40000"/>
-                        <a:alpha val="50000"/>
-                      </a:schemeClr>
-                    </a:gs>
-                  </a:gsLst>
-                  <a:lin ang="8100000" scaled="0"/>
-                </a:gradFill>
-              </a:ln>
-              <a:effectLst/>
-            </p:spPr>
-            <p:style>
-              <a:lnRef idx="2">
-                <a:schemeClr val="accent1">
-                  <a:shade val="50000"/>
-                </a:schemeClr>
-              </a:lnRef>
-              <a:fillRef idx="1">
-                <a:schemeClr val="accent1"/>
-              </a:fillRef>
-              <a:effectRef idx="0">
-                <a:schemeClr val="accent1"/>
-              </a:effectRef>
-              <a:fontRef idx="minor">
-                <a:schemeClr val="lt1"/>
-              </a:fontRef>
-            </p:style>
-            <p:txBody>
-              <a:bodyPr rtlCol="0" anchor="ctr"/>
-              <a:lstStyle/>
-              <a:p>
-                <a:pPr algn="ctr"/>
-                <a:endParaRPr lang="zh-CN" altLang="en-US" sz="2704" dirty="0"/>
-              </a:p>
-            </p:txBody>
-          </p:sp>
-        </p:grpSp>
+                  </a:glow>
+                </a:effectLst>
+              </p:spPr>
+            </p:pic>
+          </mc:Fallback>
+        </mc:AlternateContent>
         <p:pic>
           <p:nvPicPr>
-            <p:cNvPr id="25" name="图片 10" descr="形状&#10;&#10;中度可信度描述已自动生成">
+            <p:cNvPr id="15" name="Picture 14" descr="Shape, circle&#10;&#10;Description automatically generated">
               <a:extLst>
                 <a:ext uri="{FF2B5EF4-FFF2-40B4-BE49-F238E27FC236}">
-                  <a16:creationId xmlns:a16="http://schemas.microsoft.com/office/drawing/2014/main" id="{12799457-7F0F-E879-293B-70E5FBA50D03}"/>
+                  <a16:creationId xmlns:a16="http://schemas.microsoft.com/office/drawing/2014/main" id="{682FF43B-1124-5CA9-D212-AEE08ABE4A1E}"/>
                 </a:ext>
               </a:extLst>
             </p:cNvPr>
@@ -3434,21 +3739,15 @@
             <p:nvPr/>
           </p:nvPicPr>
           <p:blipFill>
-            <a:blip r:embed="rId2">
-              <a:extLst>
-                <a:ext uri="{28A0092B-C50C-407E-A947-70E740481C1C}">
-                  <a14:useLocalDpi xmlns:a14="http://schemas.microsoft.com/office/drawing/2010/main" val="0"/>
-                </a:ext>
-              </a:extLst>
-            </a:blip>
+            <a:blip r:embed="rId8"/>
             <a:stretch>
               <a:fillRect/>
             </a:stretch>
           </p:blipFill>
           <p:spPr>
             <a:xfrm>
-              <a:off x="4001329" y="4785059"/>
-              <a:ext cx="4189331" cy="701582"/>
+              <a:off x="17740390" y="4142236"/>
+              <a:ext cx="2050341" cy="2050341"/>
             </a:xfrm>
             <a:prstGeom prst="rect">
               <a:avLst/>
@@ -3457,10 +3756,10 @@
         </p:pic>
         <p:pic>
           <p:nvPicPr>
-            <p:cNvPr id="26" name="图片 12" descr="形状&#10;&#10;中度可信度描述已自动生成">
+            <p:cNvPr id="16" name="Picture 15" descr="Shape, circle&#10;&#10;Description automatically generated">
               <a:extLst>
                 <a:ext uri="{FF2B5EF4-FFF2-40B4-BE49-F238E27FC236}">
-                  <a16:creationId xmlns:a16="http://schemas.microsoft.com/office/drawing/2014/main" id="{CA77A7B5-7899-D837-17B0-DA30D69EBBCC}"/>
+                  <a16:creationId xmlns:a16="http://schemas.microsoft.com/office/drawing/2014/main" id="{A7C017B1-04CB-2CAC-DD60-D03400956FF6}"/>
                 </a:ext>
               </a:extLst>
             </p:cNvPr>
@@ -3470,21 +3769,15 @@
             <p:nvPr/>
           </p:nvPicPr>
           <p:blipFill>
-            <a:blip r:embed="rId3">
-              <a:extLst>
-                <a:ext uri="{28A0092B-C50C-407E-A947-70E740481C1C}">
-                  <a14:useLocalDpi xmlns:a14="http://schemas.microsoft.com/office/drawing/2010/main" val="0"/>
-                </a:ext>
-              </a:extLst>
-            </a:blip>
+            <a:blip r:embed="rId9"/>
             <a:stretch>
               <a:fillRect/>
             </a:stretch>
           </p:blipFill>
           <p:spPr>
             <a:xfrm>
-              <a:off x="4001330" y="1366313"/>
-              <a:ext cx="4189331" cy="701582"/>
+              <a:off x="18224809" y="4634124"/>
+              <a:ext cx="1081500" cy="1081500"/>
             </a:xfrm>
             <a:prstGeom prst="rect">
               <a:avLst/>
@@ -3493,421 +3786,159 @@
         </p:pic>
         <p:pic>
           <p:nvPicPr>
-            <p:cNvPr id="27" name="图片 14" descr="形状&#10;&#10;中度可信度描述已自动生成">
+            <p:cNvPr id="17" name="Picture 8" descr="Big Image - Head Silhouette Clipart, HD Png Download - 2032x2304(#2137798)  - PngFind">
               <a:extLst>
                 <a:ext uri="{FF2B5EF4-FFF2-40B4-BE49-F238E27FC236}">
-                  <a16:creationId xmlns:a16="http://schemas.microsoft.com/office/drawing/2014/main" id="{18ED2336-C5D7-B175-B08A-5C323077E801}"/>
+                  <a16:creationId xmlns:a16="http://schemas.microsoft.com/office/drawing/2014/main" id="{947F7033-02EC-D3A9-74AA-74BE701F707A}"/>
                 </a:ext>
               </a:extLst>
             </p:cNvPr>
             <p:cNvPicPr>
-              <a:picLocks noChangeAspect="1"/>
+              <a:picLocks noChangeAspect="1" noChangeArrowheads="1"/>
             </p:cNvPicPr>
             <p:nvPr/>
           </p:nvPicPr>
           <p:blipFill>
-            <a:blip r:embed="rId4">
+            <a:blip r:embed="rId10">
+              <a:extLst>
+                <a:ext uri="{BEBA8EAE-BF5A-486C-A8C5-ECC9F3942E4B}">
+                  <a14:imgProps xmlns:a14="http://schemas.microsoft.com/office/drawing/2010/main">
+                    <a14:imgLayer r:embed="rId11">
+                      <a14:imgEffect>
+                        <a14:backgroundRemoval t="6956" b="92440" l="1667" r="95000">
+                          <a14:foregroundMark x1="25476" y1="29738" x2="31429" y2="14214"/>
+                          <a14:foregroundMark x1="31429" y1="14214" x2="50119" y2="6956"/>
+                          <a14:foregroundMark x1="50119" y1="6956" x2="52619" y2="7560"/>
+                          <a14:foregroundMark x1="52619" y1="13609" x2="52619" y2="13609"/>
+                          <a14:foregroundMark x1="7381" y1="28226" x2="6786" y2="33468"/>
+                          <a14:foregroundMark x1="43095" y1="92641" x2="43095" y2="92641"/>
+                          <a14:foregroundMark x1="90952" y1="51210" x2="90952" y2="51210"/>
+                          <a14:foregroundMark x1="1667" y1="34577" x2="1667" y2="34577"/>
+                          <a14:foregroundMark x1="95000" y1="52419" x2="95000" y2="52419"/>
+                        </a14:backgroundRemoval>
+                      </a14:imgEffect>
+                    </a14:imgLayer>
+                  </a14:imgProps>
+                </a:ext>
+                <a:ext uri="{28A0092B-C50C-407E-A947-70E740481C1C}">
+                  <a14:useLocalDpi xmlns:a14="http://schemas.microsoft.com/office/drawing/2010/main" val="0"/>
+                </a:ext>
+              </a:extLst>
+            </a:blip>
+            <a:srcRect/>
+            <a:stretch>
+              <a:fillRect/>
+            </a:stretch>
+          </p:blipFill>
+          <p:spPr bwMode="auto">
+            <a:xfrm flipH="1">
+              <a:off x="22185467" y="7885062"/>
+              <a:ext cx="2217251" cy="2624692"/>
+            </a:xfrm>
+            <a:prstGeom prst="rect">
+              <a:avLst/>
+            </a:prstGeom>
+            <a:noFill/>
+            <a:extLst>
+              <a:ext uri="{909E8E84-426E-40DD-AFC4-6F175D3DCCD1}">
+                <a14:hiddenFill xmlns:a14="http://schemas.microsoft.com/office/drawing/2010/main">
+                  <a:solidFill>
+                    <a:srgbClr val="FFFFFF"/>
+                  </a:solidFill>
+                </a14:hiddenFill>
+              </a:ext>
+            </a:extLst>
+          </p:spPr>
+        </p:pic>
+        <p:pic>
+          <p:nvPicPr>
+            <p:cNvPr id="18" name="Picture 10">
+              <a:extLst>
+                <a:ext uri="{FF2B5EF4-FFF2-40B4-BE49-F238E27FC236}">
+                  <a16:creationId xmlns:a16="http://schemas.microsoft.com/office/drawing/2014/main" id="{0F7AE478-377C-C209-58C1-CE8845BF567A}"/>
+                </a:ext>
+              </a:extLst>
+            </p:cNvPr>
+            <p:cNvPicPr>
+              <a:picLocks noChangeAspect="1" noChangeArrowheads="1"/>
+            </p:cNvPicPr>
+            <p:nvPr/>
+          </p:nvPicPr>
+          <p:blipFill>
+            <a:blip r:embed="rId12">
+              <a:lum bright="70000" contrast="-70000"/>
               <a:extLst>
                 <a:ext uri="{28A0092B-C50C-407E-A947-70E740481C1C}">
                   <a14:useLocalDpi xmlns:a14="http://schemas.microsoft.com/office/drawing/2010/main" val="0"/>
                 </a:ext>
               </a:extLst>
             </a:blip>
+            <a:srcRect/>
             <a:stretch>
               <a:fillRect/>
             </a:stretch>
           </p:blipFill>
-          <p:spPr>
-            <a:xfrm rot="16200000">
-              <a:off x="2325210" y="3083717"/>
-              <a:ext cx="4189331" cy="701582"/>
+          <p:spPr bwMode="auto">
+            <a:xfrm>
+              <a:off x="22589583" y="8770539"/>
+              <a:ext cx="393376" cy="393376"/>
             </a:xfrm>
             <a:prstGeom prst="rect">
               <a:avLst/>
             </a:prstGeom>
+            <a:noFill/>
+            <a:extLst>
+              <a:ext uri="{909E8E84-426E-40DD-AFC4-6F175D3DCCD1}">
+                <a14:hiddenFill xmlns:a14="http://schemas.microsoft.com/office/drawing/2010/main">
+                  <a:solidFill>
+                    <a:srgbClr val="FFFFFF"/>
+                  </a:solidFill>
+                </a14:hiddenFill>
+              </a:ext>
+            </a:extLst>
           </p:spPr>
         </p:pic>
-        <p:pic>
-          <p:nvPicPr>
-            <p:cNvPr id="28" name="图片 16" descr="形状&#10;&#10;中度可信度描述已自动生成">
+        <p:sp>
+          <p:nvSpPr>
+            <p:cNvPr id="19" name="TextBox 18">
               <a:extLst>
                 <a:ext uri="{FF2B5EF4-FFF2-40B4-BE49-F238E27FC236}">
-                  <a16:creationId xmlns:a16="http://schemas.microsoft.com/office/drawing/2014/main" id="{8F8223E9-0079-2111-4E20-714DC3FCFD16}"/>
+                  <a16:creationId xmlns:a16="http://schemas.microsoft.com/office/drawing/2014/main" id="{0062AD11-0175-3C30-1B1D-1472AF2E04AD}"/>
                 </a:ext>
               </a:extLst>
             </p:cNvPr>
-            <p:cNvPicPr>
-              <a:picLocks noChangeAspect="1"/>
-            </p:cNvPicPr>
+            <p:cNvSpPr txBox="1"/>
             <p:nvPr/>
-          </p:nvPicPr>
-          <p:blipFill>
-            <a:blip r:embed="rId5">
-              <a:extLst>
-                <a:ext uri="{28A0092B-C50C-407E-A947-70E740481C1C}">
-                  <a14:useLocalDpi xmlns:a14="http://schemas.microsoft.com/office/drawing/2010/main" val="0"/>
-                </a:ext>
-              </a:extLst>
-            </a:blip>
-            <a:stretch>
-              <a:fillRect/>
-            </a:stretch>
-          </p:blipFill>
+          </p:nvSpPr>
           <p:spPr>
-            <a:xfrm rot="5400000">
-              <a:off x="5677452" y="3078207"/>
-              <a:ext cx="4189331" cy="701582"/>
+            <a:xfrm>
+              <a:off x="22294529" y="7469421"/>
+              <a:ext cx="2126929" cy="462114"/>
             </a:xfrm>
             <a:prstGeom prst="rect">
               <a:avLst/>
             </a:prstGeom>
+            <a:noFill/>
           </p:spPr>
-        </p:pic>
-      </p:grpSp>
-      <mc:AlternateContent xmlns:mc="http://schemas.openxmlformats.org/markup-compatibility/2006">
-        <mc:Choice xmlns:am3d="http://schemas.microsoft.com/office/drawing/2017/model3d" Requires="am3d">
-          <p:graphicFrame>
-            <p:nvGraphicFramePr>
-              <p:cNvPr id="5" name="3D Model 20" descr="Prism And Basal Pinacoid White">
-                <a:extLst>
-                  <a:ext uri="{FF2B5EF4-FFF2-40B4-BE49-F238E27FC236}">
-                    <a16:creationId xmlns:a16="http://schemas.microsoft.com/office/drawing/2014/main" id="{4F992905-23BC-6344-6877-7C2ADBB8A176}"/>
-                  </a:ext>
-                </a:extLst>
-              </p:cNvPr>
-              <p:cNvGraphicFramePr>
-                <a:graphicFrameLocks noChangeAspect="1"/>
-              </p:cNvGraphicFramePr>
-              <p:nvPr>
-                <p:extLst>
-                  <p:ext uri="{D42A27DB-BD31-4B8C-83A1-F6EECF244321}">
-                    <p14:modId xmlns:p14="http://schemas.microsoft.com/office/powerpoint/2010/main" val="2496765846"/>
-                  </p:ext>
-                </p:extLst>
-              </p:nvPr>
-            </p:nvGraphicFramePr>
-            <p:xfrm>
-              <a:off x="17285886" y="6102393"/>
-              <a:ext cx="1905973" cy="2160033"/>
-            </p:xfrm>
-            <a:graphic>
-              <a:graphicData uri="http://schemas.microsoft.com/office/drawing/2017/model3d">
-                <am3d:model3d r:embed="rId6">
-                  <am3d:spPr>
-                    <a:xfrm>
-                      <a:off x="0" y="0"/>
-                      <a:ext cx="1905973" cy="2160033"/>
-                    </a:xfrm>
-                    <a:prstGeom prst="rect">
-                      <a:avLst/>
-                    </a:prstGeom>
-                    <a:effectLst>
-                      <a:glow rad="228600">
-                        <a:schemeClr val="accent1">
-                          <a:lumMod val="60000"/>
-                          <a:lumOff val="40000"/>
-                        </a:schemeClr>
-                      </a:glow>
-                    </a:effectLst>
-                  </am3d:spPr>
-                  <am3d:camera>
-                    <am3d:pos x="0" y="0" z="81469150"/>
-                    <am3d:up dx="0" dy="36000000" dz="0"/>
-                    <am3d:lookAt x="0" y="0" z="0"/>
-                    <am3d:perspective fov="2700000"/>
-                  </am3d:camera>
-                  <am3d:trans>
-                    <am3d:meterPerModelUnit n="139970" d="1000000"/>
-                    <am3d:preTrans dx="-76" dy="-17999982" dz="1"/>
-                    <am3d:scale>
-                      <am3d:sx n="1000000" d="1000000"/>
-                      <am3d:sy n="1000000" d="1000000"/>
-                      <am3d:sz n="1000000" d="1000000"/>
-                    </am3d:scale>
-                    <am3d:rot ax="-2183283" ay="2913714" az="9064903"/>
-                    <am3d:postTrans dx="0" dy="0" dz="0"/>
-                  </am3d:trans>
-                  <am3d:raster rName="Office3DRenderer" rVer="16.0.8326">
-                    <am3d:blip r:embed="rId7"/>
-                  </am3d:raster>
-                  <am3d:objViewport viewportSz="2217480"/>
-                  <am3d:ambientLight>
-                    <am3d:clr>
-                      <a:scrgbClr r="50000" g="50000" b="50000"/>
-                    </am3d:clr>
-                    <am3d:illuminance n="500000" d="1000000"/>
-                  </am3d:ambientLight>
-                  <am3d:ptLight rad="0">
-                    <am3d:clr>
-                      <a:scrgbClr r="100000" g="75000" b="50000"/>
-                    </am3d:clr>
-                    <am3d:intensity n="9765625" d="1000000"/>
-                    <am3d:pos x="21959998" y="70920001" z="16344003"/>
-                  </am3d:ptLight>
-                  <am3d:ptLight rad="0">
-                    <am3d:clr>
-                      <a:scrgbClr r="40000" g="60000" b="95000"/>
-                    </am3d:clr>
-                    <am3d:intensity n="12250000" d="1000000"/>
-                    <am3d:pos x="-37964106" y="51130435" z="57631972"/>
-                  </am3d:ptLight>
-                  <am3d:ptLight rad="0">
-                    <am3d:clr>
-                      <a:scrgbClr r="86837" g="72700" b="100000"/>
-                    </am3d:clr>
-                    <am3d:intensity n="3125000" d="1000000"/>
-                    <am3d:pos x="-37739122" y="58056624" z="-34769649"/>
-                  </am3d:ptLight>
-                </am3d:model3d>
-              </a:graphicData>
-            </a:graphic>
-          </p:graphicFrame>
-        </mc:Choice>
-        <mc:Fallback>
-          <p:pic>
-            <p:nvPicPr>
-              <p:cNvPr id="5" name="3D Model 20" descr="Prism And Basal Pinacoid White">
-                <a:extLst>
-                  <a:ext uri="{FF2B5EF4-FFF2-40B4-BE49-F238E27FC236}">
-                    <a16:creationId xmlns:a16="http://schemas.microsoft.com/office/drawing/2014/main" id="{4F992905-23BC-6344-6877-7C2ADBB8A176}"/>
-                  </a:ext>
-                </a:extLst>
-              </p:cNvPr>
-              <p:cNvPicPr>
-                <a:picLocks noGrp="1" noRot="1" noChangeAspect="1" noMove="1" noResize="1" noEditPoints="1" noAdjustHandles="1" noChangeArrowheads="1" noChangeShapeType="1" noCrop="1"/>
-              </p:cNvPicPr>
-              <p:nvPr/>
-            </p:nvPicPr>
-            <p:blipFill>
-              <a:blip r:embed="rId7"/>
-              <a:stretch>
-                <a:fillRect/>
-              </a:stretch>
-            </p:blipFill>
-            <p:spPr>
-              <a:xfrm>
-                <a:off x="17285886" y="6102393"/>
-                <a:ext cx="1905973" cy="2160033"/>
-              </a:xfrm>
-              <a:prstGeom prst="rect">
-                <a:avLst/>
-              </a:prstGeom>
-              <a:effectLst>
-                <a:glow rad="228600">
-                  <a:schemeClr val="accent1">
-                    <a:lumMod val="60000"/>
-                    <a:lumOff val="40000"/>
-                  </a:schemeClr>
-                </a:glow>
-              </a:effectLst>
-            </p:spPr>
-          </p:pic>
-        </mc:Fallback>
-      </mc:AlternateContent>
-      <p:pic>
-        <p:nvPicPr>
-          <p:cNvPr id="15" name="Picture 14" descr="Shape, circle&#10;&#10;Description automatically generated">
-            <a:extLst>
-              <a:ext uri="{FF2B5EF4-FFF2-40B4-BE49-F238E27FC236}">
-                <a16:creationId xmlns:a16="http://schemas.microsoft.com/office/drawing/2014/main" id="{682FF43B-1124-5CA9-D212-AEE08ABE4A1E}"/>
-              </a:ext>
-            </a:extLst>
-          </p:cNvPr>
-          <p:cNvPicPr>
-            <a:picLocks noChangeAspect="1"/>
-          </p:cNvPicPr>
-          <p:nvPr/>
-        </p:nvPicPr>
-        <p:blipFill>
-          <a:blip r:embed="rId8"/>
-          <a:stretch>
-            <a:fillRect/>
-          </a:stretch>
-        </p:blipFill>
-        <p:spPr>
-          <a:xfrm>
-            <a:off x="17740390" y="4142236"/>
-            <a:ext cx="2050341" cy="2050341"/>
-          </a:xfrm>
-          <a:prstGeom prst="rect">
-            <a:avLst/>
-          </a:prstGeom>
-        </p:spPr>
-      </p:pic>
-      <p:pic>
-        <p:nvPicPr>
-          <p:cNvPr id="16" name="Picture 15" descr="Shape, circle&#10;&#10;Description automatically generated">
-            <a:extLst>
-              <a:ext uri="{FF2B5EF4-FFF2-40B4-BE49-F238E27FC236}">
-                <a16:creationId xmlns:a16="http://schemas.microsoft.com/office/drawing/2014/main" id="{A7C017B1-04CB-2CAC-DD60-D03400956FF6}"/>
-              </a:ext>
-            </a:extLst>
-          </p:cNvPr>
-          <p:cNvPicPr>
-            <a:picLocks noChangeAspect="1"/>
-          </p:cNvPicPr>
-          <p:nvPr/>
-        </p:nvPicPr>
-        <p:blipFill>
-          <a:blip r:embed="rId9"/>
-          <a:stretch>
-            <a:fillRect/>
-          </a:stretch>
-        </p:blipFill>
-        <p:spPr>
-          <a:xfrm>
-            <a:off x="18224809" y="4634124"/>
-            <a:ext cx="1081500" cy="1081500"/>
-          </a:xfrm>
-          <a:prstGeom prst="rect">
-            <a:avLst/>
-          </a:prstGeom>
-        </p:spPr>
-      </p:pic>
-      <p:pic>
-        <p:nvPicPr>
-          <p:cNvPr id="17" name="Picture 8" descr="Big Image - Head Silhouette Clipart, HD Png Download - 2032x2304(#2137798)  - PngFind">
-            <a:extLst>
-              <a:ext uri="{FF2B5EF4-FFF2-40B4-BE49-F238E27FC236}">
-                <a16:creationId xmlns:a16="http://schemas.microsoft.com/office/drawing/2014/main" id="{947F7033-02EC-D3A9-74AA-74BE701F707A}"/>
-              </a:ext>
-            </a:extLst>
-          </p:cNvPr>
-          <p:cNvPicPr>
-            <a:picLocks noChangeAspect="1" noChangeArrowheads="1"/>
-          </p:cNvPicPr>
-          <p:nvPr/>
-        </p:nvPicPr>
-        <p:blipFill>
-          <a:blip r:embed="rId10">
-            <a:extLst>
-              <a:ext uri="{BEBA8EAE-BF5A-486C-A8C5-ECC9F3942E4B}">
-                <a14:imgProps xmlns:a14="http://schemas.microsoft.com/office/drawing/2010/main">
-                  <a14:imgLayer r:embed="rId11">
-                    <a14:imgEffect>
-                      <a14:backgroundRemoval t="6956" b="92440" l="1667" r="95000">
-                        <a14:foregroundMark x1="25476" y1="29738" x2="31429" y2="14214"/>
-                        <a14:foregroundMark x1="31429" y1="14214" x2="50119" y2="6956"/>
-                        <a14:foregroundMark x1="50119" y1="6956" x2="52619" y2="7560"/>
-                        <a14:foregroundMark x1="52619" y1="13609" x2="52619" y2="13609"/>
-                        <a14:foregroundMark x1="7381" y1="28226" x2="6786" y2="33468"/>
-                        <a14:foregroundMark x1="43095" y1="92641" x2="43095" y2="92641"/>
-                        <a14:foregroundMark x1="90952" y1="51210" x2="90952" y2="51210"/>
-                        <a14:foregroundMark x1="1667" y1="34577" x2="1667" y2="34577"/>
-                        <a14:foregroundMark x1="95000" y1="52419" x2="95000" y2="52419"/>
-                      </a14:backgroundRemoval>
-                    </a14:imgEffect>
-                  </a14:imgLayer>
-                </a14:imgProps>
-              </a:ext>
-              <a:ext uri="{28A0092B-C50C-407E-A947-70E740481C1C}">
-                <a14:useLocalDpi xmlns:a14="http://schemas.microsoft.com/office/drawing/2010/main" val="0"/>
-              </a:ext>
-            </a:extLst>
-          </a:blip>
-          <a:srcRect/>
-          <a:stretch>
-            <a:fillRect/>
-          </a:stretch>
-        </p:blipFill>
-        <p:spPr bwMode="auto">
-          <a:xfrm flipH="1">
-            <a:off x="22185467" y="7885062"/>
-            <a:ext cx="2217251" cy="2624692"/>
-          </a:xfrm>
-          <a:prstGeom prst="rect">
-            <a:avLst/>
-          </a:prstGeom>
-          <a:noFill/>
-          <a:extLst>
-            <a:ext uri="{909E8E84-426E-40DD-AFC4-6F175D3DCCD1}">
-              <a14:hiddenFill xmlns:a14="http://schemas.microsoft.com/office/drawing/2010/main">
-                <a:solidFill>
-                  <a:srgbClr val="FFFFFF"/>
-                </a:solidFill>
-              </a14:hiddenFill>
-            </a:ext>
-          </a:extLst>
-        </p:spPr>
-      </p:pic>
-      <p:pic>
-        <p:nvPicPr>
-          <p:cNvPr id="18" name="Picture 10">
-            <a:extLst>
-              <a:ext uri="{FF2B5EF4-FFF2-40B4-BE49-F238E27FC236}">
-                <a16:creationId xmlns:a16="http://schemas.microsoft.com/office/drawing/2014/main" id="{0F7AE478-377C-C209-58C1-CE8845BF567A}"/>
-              </a:ext>
-            </a:extLst>
-          </p:cNvPr>
-          <p:cNvPicPr>
-            <a:picLocks noChangeAspect="1" noChangeArrowheads="1"/>
-          </p:cNvPicPr>
-          <p:nvPr/>
-        </p:nvPicPr>
-        <p:blipFill>
-          <a:blip r:embed="rId12">
-            <a:lum bright="70000" contrast="-70000"/>
-            <a:extLst>
-              <a:ext uri="{28A0092B-C50C-407E-A947-70E740481C1C}">
-                <a14:useLocalDpi xmlns:a14="http://schemas.microsoft.com/office/drawing/2010/main" val="0"/>
-              </a:ext>
-            </a:extLst>
-          </a:blip>
-          <a:srcRect/>
-          <a:stretch>
-            <a:fillRect/>
-          </a:stretch>
-        </p:blipFill>
-        <p:spPr bwMode="auto">
-          <a:xfrm>
-            <a:off x="22589583" y="8770539"/>
-            <a:ext cx="393376" cy="393376"/>
-          </a:xfrm>
-          <a:prstGeom prst="rect">
-            <a:avLst/>
-          </a:prstGeom>
-          <a:noFill/>
-          <a:extLst>
-            <a:ext uri="{909E8E84-426E-40DD-AFC4-6F175D3DCCD1}">
-              <a14:hiddenFill xmlns:a14="http://schemas.microsoft.com/office/drawing/2010/main">
-                <a:solidFill>
-                  <a:srgbClr val="FFFFFF"/>
-                </a:solidFill>
-              </a14:hiddenFill>
-            </a:ext>
-          </a:extLst>
-        </p:spPr>
-      </p:pic>
-      <p:sp>
-        <p:nvSpPr>
-          <p:cNvPr id="19" name="TextBox 18">
-            <a:extLst>
-              <a:ext uri="{FF2B5EF4-FFF2-40B4-BE49-F238E27FC236}">
-                <a16:creationId xmlns:a16="http://schemas.microsoft.com/office/drawing/2014/main" id="{0062AD11-0175-3C30-1B1D-1472AF2E04AD}"/>
-              </a:ext>
-            </a:extLst>
-          </p:cNvPr>
-          <p:cNvSpPr txBox="1"/>
-          <p:nvPr/>
-        </p:nvSpPr>
-        <p:spPr>
-          <a:xfrm>
-            <a:off x="21488277" y="7411348"/>
-            <a:ext cx="1415772" cy="462114"/>
-          </a:xfrm>
-          <a:prstGeom prst="rect">
-            <a:avLst/>
-          </a:prstGeom>
-          <a:noFill/>
-        </p:spPr>
-        <p:txBody>
-          <a:bodyPr wrap="none" rtlCol="0">
-            <a:spAutoFit/>
-          </a:bodyPr>
-          <a:lstStyle/>
-          <a:p>
-            <a:r>
-              <a:rPr lang="en-US" sz="2403" dirty="0" err="1">
+          <p:txBody>
+            <a:bodyPr wrap="none" rtlCol="0">
+              <a:spAutoFit/>
+            </a:bodyPr>
+            <a:lstStyle/>
+            <a:p>
+              <a:r>
+                <a:rPr lang="en-US" sz="2403" dirty="0">
+                  <a:solidFill>
+                    <a:schemeClr val="bg1">
+                      <a:lumMod val="50000"/>
+                    </a:schemeClr>
+                  </a:solidFill>
+                  <a:latin typeface="Microsoft YaHei UI" panose="020B0503020204020204" pitchFamily="34" charset="-122"/>
+                  <a:ea typeface="Microsoft YaHei UI" panose="020B0503020204020204" pitchFamily="34" charset="-122"/>
+                </a:rPr>
+                <a:t>gaze forward</a:t>
+              </a:r>
+              <a:endParaRPr lang="en-CN" sz="2403" dirty="0">
                 <a:solidFill>
                   <a:schemeClr val="bg1">
                     <a:lumMod val="50000"/>
@@ -3915,292 +3946,57 @@
                 </a:solidFill>
                 <a:latin typeface="Microsoft YaHei UI" panose="020B0503020204020204" pitchFamily="34" charset="-122"/>
                 <a:ea typeface="Microsoft YaHei UI" panose="020B0503020204020204" pitchFamily="34" charset="-122"/>
-              </a:rPr>
-              <a:t>凝视射线</a:t>
-            </a:r>
-            <a:endParaRPr lang="en-CN" sz="2403" dirty="0">
+              </a:endParaRPr>
+            </a:p>
+          </p:txBody>
+        </p:sp>
+        <p:cxnSp>
+          <p:nvCxnSpPr>
+            <p:cNvPr id="20" name="Straight Connector 19">
+              <a:extLst>
+                <a:ext uri="{FF2B5EF4-FFF2-40B4-BE49-F238E27FC236}">
+                  <a16:creationId xmlns:a16="http://schemas.microsoft.com/office/drawing/2014/main" id="{BEAF5021-00C2-32DB-AD0F-9462EF8A5612}"/>
+                </a:ext>
+              </a:extLst>
+            </p:cNvPr>
+            <p:cNvCxnSpPr>
+              <a:cxnSpLocks/>
+            </p:cNvCxnSpPr>
+            <p:nvPr/>
+          </p:nvCxnSpPr>
+          <p:spPr>
+            <a:xfrm>
+              <a:off x="18737355" y="5159305"/>
+              <a:ext cx="3852229" cy="3657990"/>
+            </a:xfrm>
+            <a:prstGeom prst="line">
+              <a:avLst/>
+            </a:prstGeom>
+            <a:ln w="28575">
               <a:solidFill>
-                <a:schemeClr val="bg1">
-                  <a:lumMod val="50000"/>
+                <a:schemeClr val="tx1">
+                  <a:alpha val="35000"/>
                 </a:schemeClr>
               </a:solidFill>
-              <a:latin typeface="Microsoft YaHei UI" panose="020B0503020204020204" pitchFamily="34" charset="-122"/>
-              <a:ea typeface="Microsoft YaHei UI" panose="020B0503020204020204" pitchFamily="34" charset="-122"/>
-            </a:endParaRPr>
-          </a:p>
-        </p:txBody>
-      </p:sp>
-      <p:cxnSp>
-        <p:nvCxnSpPr>
-          <p:cNvPr id="20" name="Straight Connector 19">
-            <a:extLst>
-              <a:ext uri="{FF2B5EF4-FFF2-40B4-BE49-F238E27FC236}">
-                <a16:creationId xmlns:a16="http://schemas.microsoft.com/office/drawing/2014/main" id="{BEAF5021-00C2-32DB-AD0F-9462EF8A5612}"/>
-              </a:ext>
-            </a:extLst>
-          </p:cNvPr>
-          <p:cNvCxnSpPr>
-            <a:cxnSpLocks/>
-          </p:cNvCxnSpPr>
-          <p:nvPr/>
-        </p:nvCxnSpPr>
-        <p:spPr>
-          <a:xfrm>
-            <a:off x="18737355" y="5159305"/>
-            <a:ext cx="3852229" cy="3657990"/>
-          </a:xfrm>
-          <a:prstGeom prst="line">
-            <a:avLst/>
-          </a:prstGeom>
-          <a:ln w="28575">
-            <a:solidFill>
-              <a:schemeClr val="tx1">
-                <a:alpha val="35000"/>
-              </a:schemeClr>
-            </a:solidFill>
-            <a:headEnd type="arrow"/>
-          </a:ln>
-        </p:spPr>
-        <p:style>
-          <a:lnRef idx="1">
-            <a:schemeClr val="dk1"/>
-          </a:lnRef>
-          <a:fillRef idx="0">
-            <a:schemeClr val="dk1"/>
-          </a:fillRef>
-          <a:effectRef idx="0">
-            <a:schemeClr val="dk1"/>
-          </a:effectRef>
-          <a:fontRef idx="minor">
-            <a:schemeClr val="tx1"/>
-          </a:fontRef>
-        </p:style>
-      </p:cxnSp>
-      <p:pic>
-        <p:nvPicPr>
-          <p:cNvPr id="1026" name="Picture 2" descr="Carnegie Mellon, Disney work to improve eye blink animation - The Tartan">
-            <a:extLst>
-              <a:ext uri="{FF2B5EF4-FFF2-40B4-BE49-F238E27FC236}">
-                <a16:creationId xmlns:a16="http://schemas.microsoft.com/office/drawing/2014/main" id="{D47174FD-E57E-5A08-1F07-A6099CE4FC38}"/>
-              </a:ext>
-            </a:extLst>
-          </p:cNvPr>
-          <p:cNvPicPr>
-            <a:picLocks noChangeAspect="1" noChangeArrowheads="1"/>
-          </p:cNvPicPr>
-          <p:nvPr/>
-        </p:nvPicPr>
-        <p:blipFill rotWithShape="1">
-          <a:blip r:embed="rId13">
-            <a:extLst>
-              <a:ext uri="{28A0092B-C50C-407E-A947-70E740481C1C}">
-                <a14:useLocalDpi xmlns:a14="http://schemas.microsoft.com/office/drawing/2010/main" val="0"/>
-              </a:ext>
-            </a:extLst>
-          </a:blip>
-          <a:srcRect b="67002"/>
-          <a:stretch/>
-        </p:blipFill>
-        <p:spPr bwMode="auto">
-          <a:xfrm>
-            <a:off x="16047299" y="4540679"/>
-            <a:ext cx="2455442" cy="1093171"/>
-          </a:xfrm>
-          <a:prstGeom prst="rect">
-            <a:avLst/>
-          </a:prstGeom>
-          <a:noFill/>
-          <a:extLst>
-            <a:ext uri="{909E8E84-426E-40DD-AFC4-6F175D3DCCD1}">
-              <a14:hiddenFill xmlns:a14="http://schemas.microsoft.com/office/drawing/2010/main">
-                <a:solidFill>
-                  <a:srgbClr val="FFFFFF"/>
-                </a:solidFill>
-              </a14:hiddenFill>
-            </a:ext>
-          </a:extLst>
-        </p:spPr>
-      </p:pic>
-      <p:pic>
-        <p:nvPicPr>
-          <p:cNvPr id="4" name="Picture 2" descr="Carnegie Mellon, Disney work to improve eye blink animation - The Tartan">
-            <a:extLst>
-              <a:ext uri="{FF2B5EF4-FFF2-40B4-BE49-F238E27FC236}">
-                <a16:creationId xmlns:a16="http://schemas.microsoft.com/office/drawing/2014/main" id="{BADECA53-F540-144F-5EE7-7DEB5F20D098}"/>
-              </a:ext>
-            </a:extLst>
-          </p:cNvPr>
-          <p:cNvPicPr>
-            <a:picLocks noChangeAspect="1" noChangeArrowheads="1"/>
-          </p:cNvPicPr>
-          <p:nvPr/>
-        </p:nvPicPr>
-        <p:blipFill rotWithShape="1">
-          <a:blip r:embed="rId13">
-            <a:extLst>
-              <a:ext uri="{28A0092B-C50C-407E-A947-70E740481C1C}">
-                <a14:useLocalDpi xmlns:a14="http://schemas.microsoft.com/office/drawing/2010/main" val="0"/>
-              </a:ext>
-            </a:extLst>
-          </a:blip>
-          <a:srcRect t="32612" b="34389"/>
-          <a:stretch/>
-        </p:blipFill>
-        <p:spPr bwMode="auto">
-          <a:xfrm>
-            <a:off x="18563009" y="4540679"/>
-            <a:ext cx="2455442" cy="1093171"/>
-          </a:xfrm>
-          <a:prstGeom prst="rect">
-            <a:avLst/>
-          </a:prstGeom>
-          <a:noFill/>
-          <a:extLst>
-            <a:ext uri="{909E8E84-426E-40DD-AFC4-6F175D3DCCD1}">
-              <a14:hiddenFill xmlns:a14="http://schemas.microsoft.com/office/drawing/2010/main">
-                <a:solidFill>
-                  <a:srgbClr val="FFFFFF"/>
-                </a:solidFill>
-              </a14:hiddenFill>
-            </a:ext>
-          </a:extLst>
-        </p:spPr>
-      </p:pic>
-      <p:pic>
-        <p:nvPicPr>
-          <p:cNvPr id="6" name="Picture 2" descr="Carnegie Mellon, Disney work to improve eye blink animation - The Tartan">
-            <a:extLst>
-              <a:ext uri="{FF2B5EF4-FFF2-40B4-BE49-F238E27FC236}">
-                <a16:creationId xmlns:a16="http://schemas.microsoft.com/office/drawing/2014/main" id="{10941FE6-B7C1-F54F-CD18-0E17885C0378}"/>
-              </a:ext>
-            </a:extLst>
-          </p:cNvPr>
-          <p:cNvPicPr>
-            <a:picLocks noChangeAspect="1" noChangeArrowheads="1"/>
-          </p:cNvPicPr>
-          <p:nvPr/>
-        </p:nvPicPr>
-        <p:blipFill rotWithShape="1">
-          <a:blip r:embed="rId13">
-            <a:extLst>
-              <a:ext uri="{28A0092B-C50C-407E-A947-70E740481C1C}">
-                <a14:useLocalDpi xmlns:a14="http://schemas.microsoft.com/office/drawing/2010/main" val="0"/>
-              </a:ext>
-            </a:extLst>
-          </a:blip>
-          <a:srcRect b="67002"/>
-          <a:stretch/>
-        </p:blipFill>
-        <p:spPr bwMode="auto">
-          <a:xfrm>
-            <a:off x="20987041" y="4556632"/>
-            <a:ext cx="2455442" cy="1093171"/>
-          </a:xfrm>
-          <a:prstGeom prst="rect">
-            <a:avLst/>
-          </a:prstGeom>
-          <a:noFill/>
-          <a:extLst>
-            <a:ext uri="{909E8E84-426E-40DD-AFC4-6F175D3DCCD1}">
-              <a14:hiddenFill xmlns:a14="http://schemas.microsoft.com/office/drawing/2010/main">
-                <a:solidFill>
-                  <a:srgbClr val="FFFFFF"/>
-                </a:solidFill>
-              </a14:hiddenFill>
-            </a:ext>
-          </a:extLst>
-        </p:spPr>
-      </p:pic>
-      <p:pic>
-        <p:nvPicPr>
-          <p:cNvPr id="7" name="Picture 2" descr="Carnegie Mellon, Disney work to improve eye blink animation - The Tartan">
-            <a:extLst>
-              <a:ext uri="{FF2B5EF4-FFF2-40B4-BE49-F238E27FC236}">
-                <a16:creationId xmlns:a16="http://schemas.microsoft.com/office/drawing/2014/main" id="{12B01384-8C25-7AD5-B4A7-61A0C33DA42E}"/>
-              </a:ext>
-            </a:extLst>
-          </p:cNvPr>
-          <p:cNvPicPr>
-            <a:picLocks noChangeAspect="1" noChangeArrowheads="1"/>
-          </p:cNvPicPr>
-          <p:nvPr/>
-        </p:nvPicPr>
-        <p:blipFill rotWithShape="1">
-          <a:blip r:embed="rId13">
-            <a:extLst>
-              <a:ext uri="{28A0092B-C50C-407E-A947-70E740481C1C}">
-                <a14:useLocalDpi xmlns:a14="http://schemas.microsoft.com/office/drawing/2010/main" val="0"/>
-              </a:ext>
-            </a:extLst>
-          </a:blip>
-          <a:srcRect t="32612" b="34389"/>
-          <a:stretch/>
-        </p:blipFill>
-        <p:spPr bwMode="auto">
-          <a:xfrm>
-            <a:off x="23502751" y="4556632"/>
-            <a:ext cx="2455442" cy="1093171"/>
-          </a:xfrm>
-          <a:prstGeom prst="rect">
-            <a:avLst/>
-          </a:prstGeom>
-          <a:noFill/>
-          <a:extLst>
-            <a:ext uri="{909E8E84-426E-40DD-AFC4-6F175D3DCCD1}">
-              <a14:hiddenFill xmlns:a14="http://schemas.microsoft.com/office/drawing/2010/main">
-                <a:solidFill>
-                  <a:srgbClr val="FFFFFF"/>
-                </a:solidFill>
-              </a14:hiddenFill>
-            </a:ext>
-          </a:extLst>
-        </p:spPr>
-      </p:pic>
-      <p:pic>
-        <p:nvPicPr>
-          <p:cNvPr id="8" name="Picture 2" descr="Carnegie Mellon, Disney work to improve eye blink animation - The Tartan">
-            <a:extLst>
-              <a:ext uri="{FF2B5EF4-FFF2-40B4-BE49-F238E27FC236}">
-                <a16:creationId xmlns:a16="http://schemas.microsoft.com/office/drawing/2014/main" id="{94DB0634-F21B-6A52-0D18-9BD99ACABFF8}"/>
-              </a:ext>
-            </a:extLst>
-          </p:cNvPr>
-          <p:cNvPicPr>
-            <a:picLocks noChangeAspect="1" noChangeArrowheads="1"/>
-          </p:cNvPicPr>
-          <p:nvPr/>
-        </p:nvPicPr>
-        <p:blipFill rotWithShape="1">
-          <a:blip r:embed="rId13">
-            <a:extLst>
-              <a:ext uri="{28A0092B-C50C-407E-A947-70E740481C1C}">
-                <a14:useLocalDpi xmlns:a14="http://schemas.microsoft.com/office/drawing/2010/main" val="0"/>
-              </a:ext>
-            </a:extLst>
-          </a:blip>
-          <a:srcRect b="67002"/>
-          <a:stretch/>
-        </p:blipFill>
-        <p:spPr bwMode="auto">
-          <a:xfrm>
-            <a:off x="25958193" y="4556632"/>
-            <a:ext cx="2455442" cy="1093171"/>
-          </a:xfrm>
-          <a:prstGeom prst="rect">
-            <a:avLst/>
-          </a:prstGeom>
-          <a:noFill/>
-          <a:extLst>
-            <a:ext uri="{909E8E84-426E-40DD-AFC4-6F175D3DCCD1}">
-              <a14:hiddenFill xmlns:a14="http://schemas.microsoft.com/office/drawing/2010/main">
-                <a:solidFill>
-                  <a:srgbClr val="FFFFFF"/>
-                </a:solidFill>
-              </a14:hiddenFill>
-            </a:ext>
-          </a:extLst>
-        </p:spPr>
-      </p:pic>
+              <a:headEnd type="arrow"/>
+            </a:ln>
+          </p:spPr>
+          <p:style>
+            <a:lnRef idx="1">
+              <a:schemeClr val="dk1"/>
+            </a:lnRef>
+            <a:fillRef idx="0">
+              <a:schemeClr val="dk1"/>
+            </a:fillRef>
+            <a:effectRef idx="0">
+              <a:schemeClr val="dk1"/>
+            </a:effectRef>
+            <a:fontRef idx="minor">
+              <a:schemeClr val="tx1"/>
+            </a:fontRef>
+          </p:style>
+        </p:cxnSp>
+      </p:grpSp>
     </p:spTree>
     <p:extLst>
       <p:ext uri="{BB962C8B-B14F-4D97-AF65-F5344CB8AC3E}">
@@ -6187,7 +5983,7 @@
                         <am3d:spPr>
                           <a:xfrm>
                             <a:off x="0" y="0"/>
-                            <a:ext cx="2205183" cy="2498867"/>
+                            <a:ext cx="1468083" cy="1663770"/>
                           </a:xfrm>
                           <a:prstGeom prst="rect">
                             <a:avLst/>

--- a/PAPERWORK/BUAA Thesis Undergraduate - CoHE/figure/Presentation2.pptx
+++ b/PAPERWORK/BUAA Thesis Undergraduate - CoHE/figure/Presentation2.pptx
@@ -6,7 +6,9 @@
   </p:sldMasterIdLst>
   <p:sldIdLst>
     <p:sldId id="256" r:id="rId2"/>
-    <p:sldId id="257" r:id="rId3"/>
+    <p:sldId id="259" r:id="rId3"/>
+    <p:sldId id="257" r:id="rId4"/>
+    <p:sldId id="258" r:id="rId5"/>
   </p:sldIdLst>
   <p:sldSz cx="39912925" cy="14165263"/>
   <p:notesSz cx="6858000" cy="9144000"/>
@@ -244,7 +246,7 @@
           <a:p>
             <a:fld id="{590F4E7E-A565-9A42-829F-FA3A8EC4ABA5}" type="datetimeFigureOut">
               <a:rPr lang="en-CN" smtClean="0"/>
-              <a:t>2023/5/25</a:t>
+              <a:t>2023/5/26</a:t>
             </a:fld>
             <a:endParaRPr lang="en-CN"/>
           </a:p>
@@ -414,7 +416,7 @@
           <a:p>
             <a:fld id="{590F4E7E-A565-9A42-829F-FA3A8EC4ABA5}" type="datetimeFigureOut">
               <a:rPr lang="en-CN" smtClean="0"/>
-              <a:t>2023/5/25</a:t>
+              <a:t>2023/5/26</a:t>
             </a:fld>
             <a:endParaRPr lang="en-CN"/>
           </a:p>
@@ -594,7 +596,7 @@
           <a:p>
             <a:fld id="{590F4E7E-A565-9A42-829F-FA3A8EC4ABA5}" type="datetimeFigureOut">
               <a:rPr lang="en-CN" smtClean="0"/>
-              <a:t>2023/5/25</a:t>
+              <a:t>2023/5/26</a:t>
             </a:fld>
             <a:endParaRPr lang="en-CN"/>
           </a:p>
@@ -764,7 +766,7 @@
           <a:p>
             <a:fld id="{590F4E7E-A565-9A42-829F-FA3A8EC4ABA5}" type="datetimeFigureOut">
               <a:rPr lang="en-CN" smtClean="0"/>
-              <a:t>2023/5/25</a:t>
+              <a:t>2023/5/26</a:t>
             </a:fld>
             <a:endParaRPr lang="en-CN"/>
           </a:p>
@@ -1010,7 +1012,7 @@
           <a:p>
             <a:fld id="{590F4E7E-A565-9A42-829F-FA3A8EC4ABA5}" type="datetimeFigureOut">
               <a:rPr lang="en-CN" smtClean="0"/>
-              <a:t>2023/5/25</a:t>
+              <a:t>2023/5/26</a:t>
             </a:fld>
             <a:endParaRPr lang="en-CN"/>
           </a:p>
@@ -1242,7 +1244,7 @@
           <a:p>
             <a:fld id="{590F4E7E-A565-9A42-829F-FA3A8EC4ABA5}" type="datetimeFigureOut">
               <a:rPr lang="en-CN" smtClean="0"/>
-              <a:t>2023/5/25</a:t>
+              <a:t>2023/5/26</a:t>
             </a:fld>
             <a:endParaRPr lang="en-CN"/>
           </a:p>
@@ -1609,7 +1611,7 @@
           <a:p>
             <a:fld id="{590F4E7E-A565-9A42-829F-FA3A8EC4ABA5}" type="datetimeFigureOut">
               <a:rPr lang="en-CN" smtClean="0"/>
-              <a:t>2023/5/25</a:t>
+              <a:t>2023/5/26</a:t>
             </a:fld>
             <a:endParaRPr lang="en-CN"/>
           </a:p>
@@ -1727,7 +1729,7 @@
           <a:p>
             <a:fld id="{590F4E7E-A565-9A42-829F-FA3A8EC4ABA5}" type="datetimeFigureOut">
               <a:rPr lang="en-CN" smtClean="0"/>
-              <a:t>2023/5/25</a:t>
+              <a:t>2023/5/26</a:t>
             </a:fld>
             <a:endParaRPr lang="en-CN"/>
           </a:p>
@@ -1822,7 +1824,7 @@
           <a:p>
             <a:fld id="{590F4E7E-A565-9A42-829F-FA3A8EC4ABA5}" type="datetimeFigureOut">
               <a:rPr lang="en-CN" smtClean="0"/>
-              <a:t>2023/5/25</a:t>
+              <a:t>2023/5/26</a:t>
             </a:fld>
             <a:endParaRPr lang="en-CN"/>
           </a:p>
@@ -2099,7 +2101,7 @@
           <a:p>
             <a:fld id="{590F4E7E-A565-9A42-829F-FA3A8EC4ABA5}" type="datetimeFigureOut">
               <a:rPr lang="en-CN" smtClean="0"/>
-              <a:t>2023/5/25</a:t>
+              <a:t>2023/5/26</a:t>
             </a:fld>
             <a:endParaRPr lang="en-CN"/>
           </a:p>
@@ -2356,7 +2358,7 @@
           <a:p>
             <a:fld id="{590F4E7E-A565-9A42-829F-FA3A8EC4ABA5}" type="datetimeFigureOut">
               <a:rPr lang="en-CN" smtClean="0"/>
-              <a:t>2023/5/25</a:t>
+              <a:t>2023/5/26</a:t>
             </a:fld>
             <a:endParaRPr lang="en-CN"/>
           </a:p>
@@ -2569,7 +2571,7 @@
           <a:p>
             <a:fld id="{590F4E7E-A565-9A42-829F-FA3A8EC4ABA5}" type="datetimeFigureOut">
               <a:rPr lang="en-CN" smtClean="0"/>
-              <a:t>2023/5/25</a:t>
+              <a:t>2023/5/26</a:t>
             </a:fld>
             <a:endParaRPr lang="en-CN"/>
           </a:p>
@@ -4011,6 +4013,1053 @@
 </file>
 
 <file path=ppt/slides/slide2.xml><?xml version="1.0" encoding="utf-8"?>
+<p:sld xmlns:a="http://schemas.openxmlformats.org/drawingml/2006/main" xmlns:r="http://schemas.openxmlformats.org/officeDocument/2006/relationships" xmlns:p="http://schemas.openxmlformats.org/presentationml/2006/main">
+  <p:cSld>
+    <p:spTree>
+      <p:nvGrpSpPr>
+        <p:cNvPr id="1" name=""/>
+        <p:cNvGrpSpPr/>
+        <p:nvPr/>
+      </p:nvGrpSpPr>
+      <p:grpSpPr>
+        <a:xfrm>
+          <a:off x="0" y="0"/>
+          <a:ext cx="0" cy="0"/>
+          <a:chOff x="0" y="0"/>
+          <a:chExt cx="0" cy="0"/>
+        </a:xfrm>
+      </p:grpSpPr>
+      <p:grpSp>
+        <p:nvGrpSpPr>
+          <p:cNvPr id="2" name="Group 1">
+            <a:extLst>
+              <a:ext uri="{FF2B5EF4-FFF2-40B4-BE49-F238E27FC236}">
+                <a16:creationId xmlns:a16="http://schemas.microsoft.com/office/drawing/2014/main" id="{B6A35F98-ECB1-3CFF-6D20-5F8E3BCAB322}"/>
+              </a:ext>
+            </a:extLst>
+          </p:cNvPr>
+          <p:cNvGrpSpPr/>
+          <p:nvPr/>
+        </p:nvGrpSpPr>
+        <p:grpSpPr>
+          <a:xfrm>
+            <a:off x="14217128" y="3341961"/>
+            <a:ext cx="10185590" cy="7961399"/>
+            <a:chOff x="14217128" y="3341961"/>
+            <a:chExt cx="10185590" cy="7961399"/>
+          </a:xfrm>
+        </p:grpSpPr>
+        <p:grpSp>
+          <p:nvGrpSpPr>
+            <p:cNvPr id="23" name="组合 18">
+              <a:extLst>
+                <a:ext uri="{FF2B5EF4-FFF2-40B4-BE49-F238E27FC236}">
+                  <a16:creationId xmlns:a16="http://schemas.microsoft.com/office/drawing/2014/main" id="{6844A2D9-6E2F-6017-8BE7-C3772320EABB}"/>
+                </a:ext>
+              </a:extLst>
+            </p:cNvPr>
+            <p:cNvGrpSpPr/>
+            <p:nvPr/>
+          </p:nvGrpSpPr>
+          <p:grpSpPr>
+            <a:xfrm>
+              <a:off x="14217128" y="3341961"/>
+              <a:ext cx="8015365" cy="7961399"/>
+              <a:chOff x="3056876" y="410340"/>
+              <a:chExt cx="6078239" cy="6037316"/>
+            </a:xfrm>
+          </p:grpSpPr>
+          <p:grpSp>
+            <p:nvGrpSpPr>
+              <p:cNvPr id="24" name="组合 17">
+                <a:extLst>
+                  <a:ext uri="{FF2B5EF4-FFF2-40B4-BE49-F238E27FC236}">
+                    <a16:creationId xmlns:a16="http://schemas.microsoft.com/office/drawing/2014/main" id="{0A44B7E1-8B3D-13A4-B9A1-63A252C4D1CC}"/>
+                  </a:ext>
+                </a:extLst>
+              </p:cNvPr>
+              <p:cNvGrpSpPr/>
+              <p:nvPr/>
+            </p:nvGrpSpPr>
+            <p:grpSpPr>
+              <a:xfrm>
+                <a:off x="3056876" y="410340"/>
+                <a:ext cx="6078239" cy="6037316"/>
+                <a:chOff x="3056876" y="410340"/>
+                <a:chExt cx="6078239" cy="6037316"/>
+              </a:xfrm>
+            </p:grpSpPr>
+            <p:sp>
+              <p:nvSpPr>
+                <p:cNvPr id="29" name="泪滴形 3">
+                  <a:extLst>
+                    <a:ext uri="{FF2B5EF4-FFF2-40B4-BE49-F238E27FC236}">
+                      <a16:creationId xmlns:a16="http://schemas.microsoft.com/office/drawing/2014/main" id="{00AA1128-05F9-FDA7-F18E-C1ACE8D5C5C0}"/>
+                    </a:ext>
+                  </a:extLst>
+                </p:cNvPr>
+                <p:cNvSpPr/>
+                <p:nvPr/>
+              </p:nvSpPr>
+              <p:spPr>
+                <a:xfrm rot="2700000">
+                  <a:off x="3056876" y="2218506"/>
+                  <a:ext cx="2420983" cy="2420983"/>
+                </a:xfrm>
+                <a:prstGeom prst="teardrop">
+                  <a:avLst/>
+                </a:prstGeom>
+                <a:gradFill flip="none" rotWithShape="1">
+                  <a:gsLst>
+                    <a:gs pos="0">
+                      <a:schemeClr val="accent6">
+                        <a:alpha val="0"/>
+                        <a:lumMod val="60000"/>
+                        <a:lumOff val="40000"/>
+                      </a:schemeClr>
+                    </a:gs>
+                    <a:gs pos="50000">
+                      <a:schemeClr val="accent6">
+                        <a:lumMod val="60000"/>
+                        <a:lumOff val="40000"/>
+                        <a:alpha val="85000"/>
+                      </a:schemeClr>
+                    </a:gs>
+                    <a:gs pos="100000">
+                      <a:schemeClr val="accent6">
+                        <a:lumMod val="60000"/>
+                        <a:lumOff val="40000"/>
+                      </a:schemeClr>
+                    </a:gs>
+                  </a:gsLst>
+                  <a:lin ang="8100000" scaled="0"/>
+                  <a:tileRect/>
+                </a:gradFill>
+                <a:ln w="38100">
+                  <a:gradFill>
+                    <a:gsLst>
+                      <a:gs pos="25000">
+                        <a:schemeClr val="bg1">
+                          <a:alpha val="0"/>
+                          <a:lumMod val="60000"/>
+                          <a:lumOff val="40000"/>
+                        </a:schemeClr>
+                      </a:gs>
+                      <a:gs pos="100000">
+                        <a:schemeClr val="bg1">
+                          <a:alpha val="85000"/>
+                          <a:lumMod val="60000"/>
+                          <a:lumOff val="40000"/>
+                        </a:schemeClr>
+                      </a:gs>
+                      <a:gs pos="50000">
+                        <a:schemeClr val="bg1">
+                          <a:lumMod val="60000"/>
+                          <a:lumOff val="40000"/>
+                          <a:alpha val="50000"/>
+                        </a:schemeClr>
+                      </a:gs>
+                    </a:gsLst>
+                    <a:lin ang="8100000" scaled="0"/>
+                  </a:gradFill>
+                </a:ln>
+                <a:effectLst/>
+              </p:spPr>
+              <p:style>
+                <a:lnRef idx="2">
+                  <a:schemeClr val="accent1">
+                    <a:shade val="50000"/>
+                  </a:schemeClr>
+                </a:lnRef>
+                <a:fillRef idx="1">
+                  <a:schemeClr val="accent1"/>
+                </a:fillRef>
+                <a:effectRef idx="0">
+                  <a:schemeClr val="accent1"/>
+                </a:effectRef>
+                <a:fontRef idx="minor">
+                  <a:schemeClr val="lt1"/>
+                </a:fontRef>
+              </p:style>
+              <p:txBody>
+                <a:bodyPr rtlCol="0" anchor="ctr"/>
+                <a:lstStyle/>
+                <a:p>
+                  <a:pPr algn="ctr"/>
+                  <a:endParaRPr lang="zh-CN" altLang="en-US" sz="2704" dirty="0"/>
+                </a:p>
+              </p:txBody>
+            </p:sp>
+            <p:sp>
+              <p:nvSpPr>
+                <p:cNvPr id="30" name="泪滴形 4">
+                  <a:extLst>
+                    <a:ext uri="{FF2B5EF4-FFF2-40B4-BE49-F238E27FC236}">
+                      <a16:creationId xmlns:a16="http://schemas.microsoft.com/office/drawing/2014/main" id="{558F0F22-C3FB-87DE-3608-D9848FB89259}"/>
+                    </a:ext>
+                  </a:extLst>
+                </p:cNvPr>
+                <p:cNvSpPr/>
+                <p:nvPr/>
+              </p:nvSpPr>
+              <p:spPr>
+                <a:xfrm rot="8100000">
+                  <a:off x="4885505" y="410340"/>
+                  <a:ext cx="2420983" cy="2420983"/>
+                </a:xfrm>
+                <a:prstGeom prst="teardrop">
+                  <a:avLst/>
+                </a:prstGeom>
+                <a:gradFill flip="none" rotWithShape="1">
+                  <a:gsLst>
+                    <a:gs pos="0">
+                      <a:schemeClr val="accent6">
+                        <a:alpha val="0"/>
+                        <a:lumMod val="60000"/>
+                        <a:lumOff val="40000"/>
+                      </a:schemeClr>
+                    </a:gs>
+                    <a:gs pos="50000">
+                      <a:schemeClr val="accent6">
+                        <a:lumMod val="60000"/>
+                        <a:lumOff val="40000"/>
+                        <a:alpha val="85000"/>
+                      </a:schemeClr>
+                    </a:gs>
+                    <a:gs pos="100000">
+                      <a:schemeClr val="accent6">
+                        <a:lumMod val="60000"/>
+                        <a:lumOff val="40000"/>
+                      </a:schemeClr>
+                    </a:gs>
+                  </a:gsLst>
+                  <a:lin ang="8100000" scaled="0"/>
+                  <a:tileRect/>
+                </a:gradFill>
+                <a:ln w="38100">
+                  <a:gradFill>
+                    <a:gsLst>
+                      <a:gs pos="25000">
+                        <a:schemeClr val="bg1">
+                          <a:alpha val="0"/>
+                          <a:lumMod val="60000"/>
+                          <a:lumOff val="40000"/>
+                        </a:schemeClr>
+                      </a:gs>
+                      <a:gs pos="100000">
+                        <a:schemeClr val="bg1">
+                          <a:alpha val="85000"/>
+                          <a:lumMod val="60000"/>
+                          <a:lumOff val="40000"/>
+                        </a:schemeClr>
+                      </a:gs>
+                      <a:gs pos="50000">
+                        <a:schemeClr val="bg1">
+                          <a:lumMod val="60000"/>
+                          <a:lumOff val="40000"/>
+                          <a:alpha val="50000"/>
+                        </a:schemeClr>
+                      </a:gs>
+                    </a:gsLst>
+                    <a:lin ang="8100000" scaled="0"/>
+                  </a:gradFill>
+                </a:ln>
+                <a:effectLst/>
+              </p:spPr>
+              <p:style>
+                <a:lnRef idx="2">
+                  <a:schemeClr val="accent1">
+                    <a:shade val="50000"/>
+                  </a:schemeClr>
+                </a:lnRef>
+                <a:fillRef idx="1">
+                  <a:schemeClr val="accent1"/>
+                </a:fillRef>
+                <a:effectRef idx="0">
+                  <a:schemeClr val="accent1"/>
+                </a:effectRef>
+                <a:fontRef idx="minor">
+                  <a:schemeClr val="lt1"/>
+                </a:fontRef>
+              </p:style>
+              <p:txBody>
+                <a:bodyPr rtlCol="0" anchor="ctr"/>
+                <a:lstStyle/>
+                <a:p>
+                  <a:pPr algn="ctr"/>
+                  <a:endParaRPr lang="zh-CN" altLang="en-US" sz="2704" dirty="0"/>
+                </a:p>
+              </p:txBody>
+            </p:sp>
+            <p:sp>
+              <p:nvSpPr>
+                <p:cNvPr id="31" name="泪滴形 6">
+                  <a:extLst>
+                    <a:ext uri="{FF2B5EF4-FFF2-40B4-BE49-F238E27FC236}">
+                      <a16:creationId xmlns:a16="http://schemas.microsoft.com/office/drawing/2014/main" id="{B1240792-90FA-C5E1-6EC5-CB85191C1305}"/>
+                    </a:ext>
+                  </a:extLst>
+                </p:cNvPr>
+                <p:cNvSpPr/>
+                <p:nvPr/>
+              </p:nvSpPr>
+              <p:spPr>
+                <a:xfrm rot="18900000">
+                  <a:off x="4885505" y="4026673"/>
+                  <a:ext cx="2420983" cy="2420983"/>
+                </a:xfrm>
+                <a:prstGeom prst="teardrop">
+                  <a:avLst/>
+                </a:prstGeom>
+                <a:gradFill flip="none" rotWithShape="1">
+                  <a:gsLst>
+                    <a:gs pos="0">
+                      <a:schemeClr val="accent6">
+                        <a:alpha val="0"/>
+                        <a:lumMod val="60000"/>
+                        <a:lumOff val="40000"/>
+                      </a:schemeClr>
+                    </a:gs>
+                    <a:gs pos="50000">
+                      <a:schemeClr val="accent6">
+                        <a:lumMod val="60000"/>
+                        <a:lumOff val="40000"/>
+                        <a:alpha val="85000"/>
+                      </a:schemeClr>
+                    </a:gs>
+                    <a:gs pos="100000">
+                      <a:schemeClr val="accent6">
+                        <a:lumMod val="60000"/>
+                        <a:lumOff val="40000"/>
+                      </a:schemeClr>
+                    </a:gs>
+                  </a:gsLst>
+                  <a:lin ang="8100000" scaled="0"/>
+                  <a:tileRect/>
+                </a:gradFill>
+                <a:ln w="38100">
+                  <a:gradFill>
+                    <a:gsLst>
+                      <a:gs pos="25000">
+                        <a:schemeClr val="bg1">
+                          <a:alpha val="0"/>
+                          <a:lumMod val="60000"/>
+                          <a:lumOff val="40000"/>
+                        </a:schemeClr>
+                      </a:gs>
+                      <a:gs pos="100000">
+                        <a:schemeClr val="bg1">
+                          <a:alpha val="85000"/>
+                          <a:lumMod val="60000"/>
+                          <a:lumOff val="40000"/>
+                        </a:schemeClr>
+                      </a:gs>
+                      <a:gs pos="50000">
+                        <a:schemeClr val="bg1">
+                          <a:lumMod val="60000"/>
+                          <a:lumOff val="40000"/>
+                          <a:alpha val="50000"/>
+                        </a:schemeClr>
+                      </a:gs>
+                    </a:gsLst>
+                    <a:lin ang="8100000" scaled="0"/>
+                  </a:gradFill>
+                </a:ln>
+                <a:effectLst/>
+              </p:spPr>
+              <p:style>
+                <a:lnRef idx="2">
+                  <a:schemeClr val="accent1">
+                    <a:shade val="50000"/>
+                  </a:schemeClr>
+                </a:lnRef>
+                <a:fillRef idx="1">
+                  <a:schemeClr val="accent1"/>
+                </a:fillRef>
+                <a:effectRef idx="0">
+                  <a:schemeClr val="accent1"/>
+                </a:effectRef>
+                <a:fontRef idx="minor">
+                  <a:schemeClr val="lt1"/>
+                </a:fontRef>
+              </p:style>
+              <p:txBody>
+                <a:bodyPr rtlCol="0" anchor="ctr"/>
+                <a:lstStyle/>
+                <a:p>
+                  <a:pPr algn="ctr"/>
+                  <a:endParaRPr lang="zh-CN" altLang="en-US" sz="2704" dirty="0"/>
+                </a:p>
+              </p:txBody>
+            </p:sp>
+            <p:sp>
+              <p:nvSpPr>
+                <p:cNvPr id="32" name="泪滴形 7">
+                  <a:extLst>
+                    <a:ext uri="{FF2B5EF4-FFF2-40B4-BE49-F238E27FC236}">
+                      <a16:creationId xmlns:a16="http://schemas.microsoft.com/office/drawing/2014/main" id="{D6DEEC7B-ABBD-C124-833B-D823F115333B}"/>
+                    </a:ext>
+                  </a:extLst>
+                </p:cNvPr>
+                <p:cNvSpPr/>
+                <p:nvPr/>
+              </p:nvSpPr>
+              <p:spPr>
+                <a:xfrm rot="13500000">
+                  <a:off x="6714132" y="2218508"/>
+                  <a:ext cx="2420983" cy="2420983"/>
+                </a:xfrm>
+                <a:prstGeom prst="teardrop">
+                  <a:avLst/>
+                </a:prstGeom>
+                <a:gradFill flip="none" rotWithShape="1">
+                  <a:gsLst>
+                    <a:gs pos="0">
+                      <a:schemeClr val="accent6">
+                        <a:alpha val="0"/>
+                        <a:lumMod val="60000"/>
+                        <a:lumOff val="40000"/>
+                      </a:schemeClr>
+                    </a:gs>
+                    <a:gs pos="50000">
+                      <a:schemeClr val="accent6">
+                        <a:lumMod val="60000"/>
+                        <a:lumOff val="40000"/>
+                        <a:alpha val="85000"/>
+                      </a:schemeClr>
+                    </a:gs>
+                    <a:gs pos="100000">
+                      <a:schemeClr val="accent6">
+                        <a:lumMod val="60000"/>
+                        <a:lumOff val="40000"/>
+                      </a:schemeClr>
+                    </a:gs>
+                  </a:gsLst>
+                  <a:lin ang="8100000" scaled="0"/>
+                  <a:tileRect/>
+                </a:gradFill>
+                <a:ln w="38100">
+                  <a:gradFill>
+                    <a:gsLst>
+                      <a:gs pos="25000">
+                        <a:schemeClr val="bg1">
+                          <a:alpha val="0"/>
+                          <a:lumMod val="60000"/>
+                          <a:lumOff val="40000"/>
+                        </a:schemeClr>
+                      </a:gs>
+                      <a:gs pos="100000">
+                        <a:schemeClr val="bg1">
+                          <a:alpha val="85000"/>
+                          <a:lumMod val="60000"/>
+                          <a:lumOff val="40000"/>
+                        </a:schemeClr>
+                      </a:gs>
+                      <a:gs pos="50000">
+                        <a:schemeClr val="bg1">
+                          <a:lumMod val="60000"/>
+                          <a:lumOff val="40000"/>
+                          <a:alpha val="50000"/>
+                        </a:schemeClr>
+                      </a:gs>
+                    </a:gsLst>
+                    <a:lin ang="8100000" scaled="0"/>
+                  </a:gradFill>
+                </a:ln>
+                <a:effectLst/>
+              </p:spPr>
+              <p:style>
+                <a:lnRef idx="2">
+                  <a:schemeClr val="accent1">
+                    <a:shade val="50000"/>
+                  </a:schemeClr>
+                </a:lnRef>
+                <a:fillRef idx="1">
+                  <a:schemeClr val="accent1"/>
+                </a:fillRef>
+                <a:effectRef idx="0">
+                  <a:schemeClr val="accent1"/>
+                </a:effectRef>
+                <a:fontRef idx="minor">
+                  <a:schemeClr val="lt1"/>
+                </a:fontRef>
+              </p:style>
+              <p:txBody>
+                <a:bodyPr rtlCol="0" anchor="ctr"/>
+                <a:lstStyle/>
+                <a:p>
+                  <a:pPr algn="ctr"/>
+                  <a:endParaRPr lang="zh-CN" altLang="en-US" sz="2704" dirty="0"/>
+                </a:p>
+              </p:txBody>
+            </p:sp>
+          </p:grpSp>
+          <p:pic>
+            <p:nvPicPr>
+              <p:cNvPr id="25" name="图片 10" descr="形状&#10;&#10;中度可信度描述已自动生成">
+                <a:extLst>
+                  <a:ext uri="{FF2B5EF4-FFF2-40B4-BE49-F238E27FC236}">
+                    <a16:creationId xmlns:a16="http://schemas.microsoft.com/office/drawing/2014/main" id="{12799457-7F0F-E879-293B-70E5FBA50D03}"/>
+                  </a:ext>
+                </a:extLst>
+              </p:cNvPr>
+              <p:cNvPicPr>
+                <a:picLocks noChangeAspect="1"/>
+              </p:cNvPicPr>
+              <p:nvPr/>
+            </p:nvPicPr>
+            <p:blipFill>
+              <a:blip r:embed="rId2">
+                <a:extLst>
+                  <a:ext uri="{28A0092B-C50C-407E-A947-70E740481C1C}">
+                    <a14:useLocalDpi xmlns:a14="http://schemas.microsoft.com/office/drawing/2010/main" val="0"/>
+                  </a:ext>
+                </a:extLst>
+              </a:blip>
+              <a:stretch>
+                <a:fillRect/>
+              </a:stretch>
+            </p:blipFill>
+            <p:spPr>
+              <a:xfrm>
+                <a:off x="4001329" y="4785059"/>
+                <a:ext cx="4189331" cy="701582"/>
+              </a:xfrm>
+              <a:prstGeom prst="rect">
+                <a:avLst/>
+              </a:prstGeom>
+            </p:spPr>
+          </p:pic>
+          <p:pic>
+            <p:nvPicPr>
+              <p:cNvPr id="26" name="图片 12" descr="形状&#10;&#10;中度可信度描述已自动生成">
+                <a:extLst>
+                  <a:ext uri="{FF2B5EF4-FFF2-40B4-BE49-F238E27FC236}">
+                    <a16:creationId xmlns:a16="http://schemas.microsoft.com/office/drawing/2014/main" id="{CA77A7B5-7899-D837-17B0-DA30D69EBBCC}"/>
+                  </a:ext>
+                </a:extLst>
+              </p:cNvPr>
+              <p:cNvPicPr>
+                <a:picLocks noChangeAspect="1"/>
+              </p:cNvPicPr>
+              <p:nvPr/>
+            </p:nvPicPr>
+            <p:blipFill>
+              <a:blip r:embed="rId3">
+                <a:extLst>
+                  <a:ext uri="{28A0092B-C50C-407E-A947-70E740481C1C}">
+                    <a14:useLocalDpi xmlns:a14="http://schemas.microsoft.com/office/drawing/2010/main" val="0"/>
+                  </a:ext>
+                </a:extLst>
+              </a:blip>
+              <a:stretch>
+                <a:fillRect/>
+              </a:stretch>
+            </p:blipFill>
+            <p:spPr>
+              <a:xfrm>
+                <a:off x="4001330" y="1366313"/>
+                <a:ext cx="4189331" cy="701582"/>
+              </a:xfrm>
+              <a:prstGeom prst="rect">
+                <a:avLst/>
+              </a:prstGeom>
+            </p:spPr>
+          </p:pic>
+          <p:pic>
+            <p:nvPicPr>
+              <p:cNvPr id="27" name="图片 14" descr="形状&#10;&#10;中度可信度描述已自动生成">
+                <a:extLst>
+                  <a:ext uri="{FF2B5EF4-FFF2-40B4-BE49-F238E27FC236}">
+                    <a16:creationId xmlns:a16="http://schemas.microsoft.com/office/drawing/2014/main" id="{18ED2336-C5D7-B175-B08A-5C323077E801}"/>
+                  </a:ext>
+                </a:extLst>
+              </p:cNvPr>
+              <p:cNvPicPr>
+                <a:picLocks noChangeAspect="1"/>
+              </p:cNvPicPr>
+              <p:nvPr/>
+            </p:nvPicPr>
+            <p:blipFill>
+              <a:blip r:embed="rId4">
+                <a:extLst>
+                  <a:ext uri="{28A0092B-C50C-407E-A947-70E740481C1C}">
+                    <a14:useLocalDpi xmlns:a14="http://schemas.microsoft.com/office/drawing/2010/main" val="0"/>
+                  </a:ext>
+                </a:extLst>
+              </a:blip>
+              <a:stretch>
+                <a:fillRect/>
+              </a:stretch>
+            </p:blipFill>
+            <p:spPr>
+              <a:xfrm rot="16200000">
+                <a:off x="2325210" y="3083717"/>
+                <a:ext cx="4189331" cy="701582"/>
+              </a:xfrm>
+              <a:prstGeom prst="rect">
+                <a:avLst/>
+              </a:prstGeom>
+            </p:spPr>
+          </p:pic>
+          <p:pic>
+            <p:nvPicPr>
+              <p:cNvPr id="28" name="图片 16" descr="形状&#10;&#10;中度可信度描述已自动生成">
+                <a:extLst>
+                  <a:ext uri="{FF2B5EF4-FFF2-40B4-BE49-F238E27FC236}">
+                    <a16:creationId xmlns:a16="http://schemas.microsoft.com/office/drawing/2014/main" id="{8F8223E9-0079-2111-4E20-714DC3FCFD16}"/>
+                  </a:ext>
+                </a:extLst>
+              </p:cNvPr>
+              <p:cNvPicPr>
+                <a:picLocks noChangeAspect="1"/>
+              </p:cNvPicPr>
+              <p:nvPr/>
+            </p:nvPicPr>
+            <p:blipFill>
+              <a:blip r:embed="rId5">
+                <a:extLst>
+                  <a:ext uri="{28A0092B-C50C-407E-A947-70E740481C1C}">
+                    <a14:useLocalDpi xmlns:a14="http://schemas.microsoft.com/office/drawing/2010/main" val="0"/>
+                  </a:ext>
+                </a:extLst>
+              </a:blip>
+              <a:stretch>
+                <a:fillRect/>
+              </a:stretch>
+            </p:blipFill>
+            <p:spPr>
+              <a:xfrm rot="5400000">
+                <a:off x="5677452" y="3078207"/>
+                <a:ext cx="4189331" cy="701582"/>
+              </a:xfrm>
+              <a:prstGeom prst="rect">
+                <a:avLst/>
+              </a:prstGeom>
+            </p:spPr>
+          </p:pic>
+        </p:grpSp>
+        <mc:AlternateContent xmlns:mc="http://schemas.openxmlformats.org/markup-compatibility/2006">
+          <mc:Choice xmlns:am3d="http://schemas.microsoft.com/office/drawing/2017/model3d" Requires="am3d">
+            <p:graphicFrame>
+              <p:nvGraphicFramePr>
+                <p:cNvPr id="5" name="3D Model 20" descr="Prism And Basal Pinacoid White">
+                  <a:extLst>
+                    <a:ext uri="{FF2B5EF4-FFF2-40B4-BE49-F238E27FC236}">
+                      <a16:creationId xmlns:a16="http://schemas.microsoft.com/office/drawing/2014/main" id="{4F992905-23BC-6344-6877-7C2ADBB8A176}"/>
+                    </a:ext>
+                  </a:extLst>
+                </p:cNvPr>
+                <p:cNvGraphicFramePr>
+                  <a:graphicFrameLocks noChangeAspect="1"/>
+                </p:cNvGraphicFramePr>
+                <p:nvPr/>
+              </p:nvGraphicFramePr>
+              <p:xfrm>
+                <a:off x="17285886" y="6102393"/>
+                <a:ext cx="1905973" cy="2160033"/>
+              </p:xfrm>
+              <a:graphic>
+                <a:graphicData uri="http://schemas.microsoft.com/office/drawing/2017/model3d">
+                  <am3d:model3d r:embed="rId6">
+                    <am3d:spPr>
+                      <a:xfrm>
+                        <a:off x="0" y="0"/>
+                        <a:ext cx="1905973" cy="2160033"/>
+                      </a:xfrm>
+                      <a:prstGeom prst="rect">
+                        <a:avLst/>
+                      </a:prstGeom>
+                      <a:effectLst>
+                        <a:glow rad="228600">
+                          <a:schemeClr val="accent1">
+                            <a:lumMod val="60000"/>
+                            <a:lumOff val="40000"/>
+                          </a:schemeClr>
+                        </a:glow>
+                      </a:effectLst>
+                    </am3d:spPr>
+                    <am3d:camera>
+                      <am3d:pos x="0" y="0" z="81469150"/>
+                      <am3d:up dx="0" dy="36000000" dz="0"/>
+                      <am3d:lookAt x="0" y="0" z="0"/>
+                      <am3d:perspective fov="2700000"/>
+                    </am3d:camera>
+                    <am3d:trans>
+                      <am3d:meterPerModelUnit n="139970" d="1000000"/>
+                      <am3d:preTrans dx="-76" dy="-17999982" dz="1"/>
+                      <am3d:scale>
+                        <am3d:sx n="1000000" d="1000000"/>
+                        <am3d:sy n="1000000" d="1000000"/>
+                        <am3d:sz n="1000000" d="1000000"/>
+                      </am3d:scale>
+                      <am3d:rot ax="-2183283" ay="2913714" az="9064903"/>
+                      <am3d:postTrans dx="0" dy="0" dz="0"/>
+                    </am3d:trans>
+                    <am3d:raster rName="Office3DRenderer" rVer="16.0.8326">
+                      <am3d:blip r:embed="rId7"/>
+                    </am3d:raster>
+                    <am3d:objViewport viewportSz="2217480"/>
+                    <am3d:ambientLight>
+                      <am3d:clr>
+                        <a:scrgbClr r="50000" g="50000" b="50000"/>
+                      </am3d:clr>
+                      <am3d:illuminance n="500000" d="1000000"/>
+                    </am3d:ambientLight>
+                    <am3d:ptLight rad="0">
+                      <am3d:clr>
+                        <a:scrgbClr r="100000" g="75000" b="50000"/>
+                      </am3d:clr>
+                      <am3d:intensity n="9765625" d="1000000"/>
+                      <am3d:pos x="21959998" y="70920001" z="16344003"/>
+                    </am3d:ptLight>
+                    <am3d:ptLight rad="0">
+                      <am3d:clr>
+                        <a:scrgbClr r="40000" g="60000" b="95000"/>
+                      </am3d:clr>
+                      <am3d:intensity n="12250000" d="1000000"/>
+                      <am3d:pos x="-37964106" y="51130435" z="57631972"/>
+                    </am3d:ptLight>
+                    <am3d:ptLight rad="0">
+                      <am3d:clr>
+                        <a:scrgbClr r="86837" g="72700" b="100000"/>
+                      </am3d:clr>
+                      <am3d:intensity n="3125000" d="1000000"/>
+                      <am3d:pos x="-37739122" y="58056624" z="-34769649"/>
+                    </am3d:ptLight>
+                  </am3d:model3d>
+                </a:graphicData>
+              </a:graphic>
+            </p:graphicFrame>
+          </mc:Choice>
+          <mc:Fallback>
+            <p:pic>
+              <p:nvPicPr>
+                <p:cNvPr id="5" name="3D Model 20" descr="Prism And Basal Pinacoid White">
+                  <a:extLst>
+                    <a:ext uri="{FF2B5EF4-FFF2-40B4-BE49-F238E27FC236}">
+                      <a16:creationId xmlns:a16="http://schemas.microsoft.com/office/drawing/2014/main" id="{4F992905-23BC-6344-6877-7C2ADBB8A176}"/>
+                    </a:ext>
+                  </a:extLst>
+                </p:cNvPr>
+                <p:cNvPicPr>
+                  <a:picLocks noGrp="1" noRot="1" noChangeAspect="1" noMove="1" noResize="1" noEditPoints="1" noAdjustHandles="1" noChangeArrowheads="1" noChangeShapeType="1" noCrop="1"/>
+                </p:cNvPicPr>
+                <p:nvPr/>
+              </p:nvPicPr>
+              <p:blipFill>
+                <a:blip r:embed="rId7"/>
+                <a:stretch>
+                  <a:fillRect/>
+                </a:stretch>
+              </p:blipFill>
+              <p:spPr>
+                <a:xfrm>
+                  <a:off x="17285886" y="6102393"/>
+                  <a:ext cx="1905973" cy="2160033"/>
+                </a:xfrm>
+                <a:prstGeom prst="rect">
+                  <a:avLst/>
+                </a:prstGeom>
+                <a:effectLst>
+                  <a:glow rad="228600">
+                    <a:schemeClr val="accent1">
+                      <a:lumMod val="60000"/>
+                      <a:lumOff val="40000"/>
+                    </a:schemeClr>
+                  </a:glow>
+                </a:effectLst>
+              </p:spPr>
+            </p:pic>
+          </mc:Fallback>
+        </mc:AlternateContent>
+        <p:pic>
+          <p:nvPicPr>
+            <p:cNvPr id="15" name="Picture 14" descr="Shape, circle&#10;&#10;Description automatically generated">
+              <a:extLst>
+                <a:ext uri="{FF2B5EF4-FFF2-40B4-BE49-F238E27FC236}">
+                  <a16:creationId xmlns:a16="http://schemas.microsoft.com/office/drawing/2014/main" id="{682FF43B-1124-5CA9-D212-AEE08ABE4A1E}"/>
+                </a:ext>
+              </a:extLst>
+            </p:cNvPr>
+            <p:cNvPicPr>
+              <a:picLocks noChangeAspect="1"/>
+            </p:cNvPicPr>
+            <p:nvPr/>
+          </p:nvPicPr>
+          <p:blipFill>
+            <a:blip r:embed="rId8"/>
+            <a:stretch>
+              <a:fillRect/>
+            </a:stretch>
+          </p:blipFill>
+          <p:spPr>
+            <a:xfrm>
+              <a:off x="17740390" y="4142236"/>
+              <a:ext cx="2050341" cy="2050341"/>
+            </a:xfrm>
+            <a:prstGeom prst="rect">
+              <a:avLst/>
+            </a:prstGeom>
+          </p:spPr>
+        </p:pic>
+        <p:pic>
+          <p:nvPicPr>
+            <p:cNvPr id="16" name="Picture 15" descr="Shape, circle&#10;&#10;Description automatically generated">
+              <a:extLst>
+                <a:ext uri="{FF2B5EF4-FFF2-40B4-BE49-F238E27FC236}">
+                  <a16:creationId xmlns:a16="http://schemas.microsoft.com/office/drawing/2014/main" id="{A7C017B1-04CB-2CAC-DD60-D03400956FF6}"/>
+                </a:ext>
+              </a:extLst>
+            </p:cNvPr>
+            <p:cNvPicPr>
+              <a:picLocks noChangeAspect="1"/>
+            </p:cNvPicPr>
+            <p:nvPr/>
+          </p:nvPicPr>
+          <p:blipFill>
+            <a:blip r:embed="rId9"/>
+            <a:stretch>
+              <a:fillRect/>
+            </a:stretch>
+          </p:blipFill>
+          <p:spPr>
+            <a:xfrm>
+              <a:off x="18224809" y="4634124"/>
+              <a:ext cx="1081500" cy="1081500"/>
+            </a:xfrm>
+            <a:prstGeom prst="rect">
+              <a:avLst/>
+            </a:prstGeom>
+          </p:spPr>
+        </p:pic>
+        <p:pic>
+          <p:nvPicPr>
+            <p:cNvPr id="17" name="Picture 8" descr="Big Image - Head Silhouette Clipart, HD Png Download - 2032x2304(#2137798)  - PngFind">
+              <a:extLst>
+                <a:ext uri="{FF2B5EF4-FFF2-40B4-BE49-F238E27FC236}">
+                  <a16:creationId xmlns:a16="http://schemas.microsoft.com/office/drawing/2014/main" id="{947F7033-02EC-D3A9-74AA-74BE701F707A}"/>
+                </a:ext>
+              </a:extLst>
+            </p:cNvPr>
+            <p:cNvPicPr>
+              <a:picLocks noChangeAspect="1" noChangeArrowheads="1"/>
+            </p:cNvPicPr>
+            <p:nvPr/>
+          </p:nvPicPr>
+          <p:blipFill>
+            <a:blip r:embed="rId10">
+              <a:extLst>
+                <a:ext uri="{BEBA8EAE-BF5A-486C-A8C5-ECC9F3942E4B}">
+                  <a14:imgProps xmlns:a14="http://schemas.microsoft.com/office/drawing/2010/main">
+                    <a14:imgLayer r:embed="rId11">
+                      <a14:imgEffect>
+                        <a14:backgroundRemoval t="6956" b="92440" l="1667" r="95000">
+                          <a14:foregroundMark x1="25476" y1="29738" x2="31429" y2="14214"/>
+                          <a14:foregroundMark x1="31429" y1="14214" x2="50119" y2="6956"/>
+                          <a14:foregroundMark x1="50119" y1="6956" x2="52619" y2="7560"/>
+                          <a14:foregroundMark x1="52619" y1="13609" x2="52619" y2="13609"/>
+                          <a14:foregroundMark x1="7381" y1="28226" x2="6786" y2="33468"/>
+                          <a14:foregroundMark x1="43095" y1="92641" x2="43095" y2="92641"/>
+                          <a14:foregroundMark x1="90952" y1="51210" x2="90952" y2="51210"/>
+                          <a14:foregroundMark x1="1667" y1="34577" x2="1667" y2="34577"/>
+                          <a14:foregroundMark x1="95000" y1="52419" x2="95000" y2="52419"/>
+                        </a14:backgroundRemoval>
+                      </a14:imgEffect>
+                    </a14:imgLayer>
+                  </a14:imgProps>
+                </a:ext>
+                <a:ext uri="{28A0092B-C50C-407E-A947-70E740481C1C}">
+                  <a14:useLocalDpi xmlns:a14="http://schemas.microsoft.com/office/drawing/2010/main" val="0"/>
+                </a:ext>
+              </a:extLst>
+            </a:blip>
+            <a:srcRect/>
+            <a:stretch>
+              <a:fillRect/>
+            </a:stretch>
+          </p:blipFill>
+          <p:spPr bwMode="auto">
+            <a:xfrm flipH="1">
+              <a:off x="22185467" y="7885062"/>
+              <a:ext cx="2217251" cy="2624692"/>
+            </a:xfrm>
+            <a:prstGeom prst="rect">
+              <a:avLst/>
+            </a:prstGeom>
+            <a:noFill/>
+            <a:extLst>
+              <a:ext uri="{909E8E84-426E-40DD-AFC4-6F175D3DCCD1}">
+                <a14:hiddenFill xmlns:a14="http://schemas.microsoft.com/office/drawing/2010/main">
+                  <a:solidFill>
+                    <a:srgbClr val="FFFFFF"/>
+                  </a:solidFill>
+                </a14:hiddenFill>
+              </a:ext>
+            </a:extLst>
+          </p:spPr>
+        </p:pic>
+        <p:pic>
+          <p:nvPicPr>
+            <p:cNvPr id="18" name="Picture 10">
+              <a:extLst>
+                <a:ext uri="{FF2B5EF4-FFF2-40B4-BE49-F238E27FC236}">
+                  <a16:creationId xmlns:a16="http://schemas.microsoft.com/office/drawing/2014/main" id="{0F7AE478-377C-C209-58C1-CE8845BF567A}"/>
+                </a:ext>
+              </a:extLst>
+            </p:cNvPr>
+            <p:cNvPicPr>
+              <a:picLocks noChangeAspect="1" noChangeArrowheads="1"/>
+            </p:cNvPicPr>
+            <p:nvPr/>
+          </p:nvPicPr>
+          <p:blipFill>
+            <a:blip r:embed="rId12">
+              <a:lum bright="70000" contrast="-70000"/>
+              <a:extLst>
+                <a:ext uri="{28A0092B-C50C-407E-A947-70E740481C1C}">
+                  <a14:useLocalDpi xmlns:a14="http://schemas.microsoft.com/office/drawing/2010/main" val="0"/>
+                </a:ext>
+              </a:extLst>
+            </a:blip>
+            <a:srcRect/>
+            <a:stretch>
+              <a:fillRect/>
+            </a:stretch>
+          </p:blipFill>
+          <p:spPr bwMode="auto">
+            <a:xfrm>
+              <a:off x="22589583" y="8770539"/>
+              <a:ext cx="393376" cy="393376"/>
+            </a:xfrm>
+            <a:prstGeom prst="rect">
+              <a:avLst/>
+            </a:prstGeom>
+            <a:noFill/>
+            <a:extLst>
+              <a:ext uri="{909E8E84-426E-40DD-AFC4-6F175D3DCCD1}">
+                <a14:hiddenFill xmlns:a14="http://schemas.microsoft.com/office/drawing/2010/main">
+                  <a:solidFill>
+                    <a:srgbClr val="FFFFFF"/>
+                  </a:solidFill>
+                </a14:hiddenFill>
+              </a:ext>
+            </a:extLst>
+          </p:spPr>
+        </p:pic>
+        <p:sp>
+          <p:nvSpPr>
+            <p:cNvPr id="19" name="TextBox 18">
+              <a:extLst>
+                <a:ext uri="{FF2B5EF4-FFF2-40B4-BE49-F238E27FC236}">
+                  <a16:creationId xmlns:a16="http://schemas.microsoft.com/office/drawing/2014/main" id="{0062AD11-0175-3C30-1B1D-1472AF2E04AD}"/>
+                </a:ext>
+              </a:extLst>
+            </p:cNvPr>
+            <p:cNvSpPr txBox="1"/>
+            <p:nvPr/>
+          </p:nvSpPr>
+          <p:spPr>
+            <a:xfrm>
+              <a:off x="22294529" y="7469421"/>
+              <a:ext cx="2031325" cy="462114"/>
+            </a:xfrm>
+            <a:prstGeom prst="rect">
+              <a:avLst/>
+            </a:prstGeom>
+            <a:noFill/>
+          </p:spPr>
+          <p:txBody>
+            <a:bodyPr wrap="none" rtlCol="0">
+              <a:spAutoFit/>
+            </a:bodyPr>
+            <a:lstStyle/>
+            <a:p>
+              <a:r>
+                <a:rPr lang="en-US" sz="2403" dirty="0" err="1">
+                  <a:solidFill>
+                    <a:schemeClr val="bg1">
+                      <a:lumMod val="50000"/>
+                    </a:schemeClr>
+                  </a:solidFill>
+                  <a:latin typeface="Microsoft YaHei UI" panose="020B0503020204020204" pitchFamily="34" charset="-122"/>
+                  <a:ea typeface="Microsoft YaHei UI" panose="020B0503020204020204" pitchFamily="34" charset="-122"/>
+                </a:rPr>
+                <a:t>眼动向前射线</a:t>
+              </a:r>
+              <a:endParaRPr lang="en-CN" sz="2403" dirty="0">
+                <a:solidFill>
+                  <a:schemeClr val="bg1">
+                    <a:lumMod val="50000"/>
+                  </a:schemeClr>
+                </a:solidFill>
+                <a:latin typeface="Microsoft YaHei UI" panose="020B0503020204020204" pitchFamily="34" charset="-122"/>
+                <a:ea typeface="Microsoft YaHei UI" panose="020B0503020204020204" pitchFamily="34" charset="-122"/>
+              </a:endParaRPr>
+            </a:p>
+          </p:txBody>
+        </p:sp>
+        <p:cxnSp>
+          <p:nvCxnSpPr>
+            <p:cNvPr id="20" name="Straight Connector 19">
+              <a:extLst>
+                <a:ext uri="{FF2B5EF4-FFF2-40B4-BE49-F238E27FC236}">
+                  <a16:creationId xmlns:a16="http://schemas.microsoft.com/office/drawing/2014/main" id="{BEAF5021-00C2-32DB-AD0F-9462EF8A5612}"/>
+                </a:ext>
+              </a:extLst>
+            </p:cNvPr>
+            <p:cNvCxnSpPr>
+              <a:cxnSpLocks/>
+            </p:cNvCxnSpPr>
+            <p:nvPr/>
+          </p:nvCxnSpPr>
+          <p:spPr>
+            <a:xfrm>
+              <a:off x="18737355" y="5159305"/>
+              <a:ext cx="3852229" cy="3657990"/>
+            </a:xfrm>
+            <a:prstGeom prst="line">
+              <a:avLst/>
+            </a:prstGeom>
+            <a:ln w="28575">
+              <a:solidFill>
+                <a:schemeClr val="tx1">
+                  <a:alpha val="35000"/>
+                </a:schemeClr>
+              </a:solidFill>
+              <a:headEnd type="arrow"/>
+            </a:ln>
+          </p:spPr>
+          <p:style>
+            <a:lnRef idx="1">
+              <a:schemeClr val="dk1"/>
+            </a:lnRef>
+            <a:fillRef idx="0">
+              <a:schemeClr val="dk1"/>
+            </a:fillRef>
+            <a:effectRef idx="0">
+              <a:schemeClr val="dk1"/>
+            </a:effectRef>
+            <a:fontRef idx="minor">
+              <a:schemeClr val="tx1"/>
+            </a:fontRef>
+          </p:style>
+        </p:cxnSp>
+      </p:grpSp>
+    </p:spTree>
+    <p:extLst>
+      <p:ext uri="{BB962C8B-B14F-4D97-AF65-F5344CB8AC3E}">
+        <p14:creationId xmlns:p14="http://schemas.microsoft.com/office/powerpoint/2010/main" val="3136472351"/>
+      </p:ext>
+    </p:extLst>
+  </p:cSld>
+  <p:clrMapOvr>
+    <a:masterClrMapping/>
+  </p:clrMapOvr>
+</p:sld>
+</file>
+
+<file path=ppt/slides/slide3.xml><?xml version="1.0" encoding="utf-8"?>
 <p:sld xmlns:a="http://schemas.openxmlformats.org/drawingml/2006/main" xmlns:r="http://schemas.openxmlformats.org/officeDocument/2006/relationships" xmlns:p="http://schemas.openxmlformats.org/presentationml/2006/main">
   <p:cSld>
     <p:spTree>
@@ -9184,6 +10233,4987 @@
 </p:sld>
 </file>
 
+<file path=ppt/slides/slide4.xml><?xml version="1.0" encoding="utf-8"?>
+<p:sld xmlns:a="http://schemas.openxmlformats.org/drawingml/2006/main" xmlns:r="http://schemas.openxmlformats.org/officeDocument/2006/relationships" xmlns:p="http://schemas.openxmlformats.org/presentationml/2006/main">
+  <p:cSld>
+    <p:spTree>
+      <p:nvGrpSpPr>
+        <p:cNvPr id="1" name=""/>
+        <p:cNvGrpSpPr/>
+        <p:nvPr/>
+      </p:nvGrpSpPr>
+      <p:grpSpPr>
+        <a:xfrm>
+          <a:off x="0" y="0"/>
+          <a:ext cx="0" cy="0"/>
+          <a:chOff x="0" y="0"/>
+          <a:chExt cx="0" cy="0"/>
+        </a:xfrm>
+      </p:grpSpPr>
+      <p:grpSp>
+        <p:nvGrpSpPr>
+          <p:cNvPr id="159" name="Group 158">
+            <a:extLst>
+              <a:ext uri="{FF2B5EF4-FFF2-40B4-BE49-F238E27FC236}">
+                <a16:creationId xmlns:a16="http://schemas.microsoft.com/office/drawing/2014/main" id="{BE90C9D1-76F4-C49D-56AB-B0A5E925A92C}"/>
+              </a:ext>
+            </a:extLst>
+          </p:cNvPr>
+          <p:cNvGrpSpPr/>
+          <p:nvPr/>
+        </p:nvGrpSpPr>
+        <p:grpSpPr>
+          <a:xfrm>
+            <a:off x="7838330" y="3409739"/>
+            <a:ext cx="24994961" cy="6885041"/>
+            <a:chOff x="7838330" y="3409739"/>
+            <a:chExt cx="24994961" cy="6885041"/>
+          </a:xfrm>
+        </p:grpSpPr>
+        <p:grpSp>
+          <p:nvGrpSpPr>
+            <p:cNvPr id="92" name="Group 91">
+              <a:extLst>
+                <a:ext uri="{FF2B5EF4-FFF2-40B4-BE49-F238E27FC236}">
+                  <a16:creationId xmlns:a16="http://schemas.microsoft.com/office/drawing/2014/main" id="{2C42AF97-AA65-8AE7-4DC7-B50DB89E5B19}"/>
+                </a:ext>
+              </a:extLst>
+            </p:cNvPr>
+            <p:cNvGrpSpPr/>
+            <p:nvPr/>
+          </p:nvGrpSpPr>
+          <p:grpSpPr>
+            <a:xfrm>
+              <a:off x="7838330" y="5444335"/>
+              <a:ext cx="2937039" cy="3359519"/>
+              <a:chOff x="1477382" y="2078975"/>
+              <a:chExt cx="2937039" cy="3359519"/>
+            </a:xfrm>
+          </p:grpSpPr>
+          <p:grpSp>
+            <p:nvGrpSpPr>
+              <p:cNvPr id="58" name="Group 57">
+                <a:extLst>
+                  <a:ext uri="{FF2B5EF4-FFF2-40B4-BE49-F238E27FC236}">
+                    <a16:creationId xmlns:a16="http://schemas.microsoft.com/office/drawing/2014/main" id="{83A0CF75-BFCA-C2F6-6840-B92DB08B2FA1}"/>
+                  </a:ext>
+                </a:extLst>
+              </p:cNvPr>
+              <p:cNvGrpSpPr/>
+              <p:nvPr/>
+            </p:nvGrpSpPr>
+            <p:grpSpPr>
+              <a:xfrm>
+                <a:off x="3113013" y="3897941"/>
+                <a:ext cx="1301408" cy="1540553"/>
+                <a:chOff x="7579941" y="3963212"/>
+                <a:chExt cx="1476117" cy="1747368"/>
+              </a:xfrm>
+            </p:grpSpPr>
+            <p:pic>
+              <p:nvPicPr>
+                <p:cNvPr id="59" name="Picture 8" descr="Big Image - Head Silhouette Clipart, HD Png Download - 2032x2304(#2137798)  - PngFind">
+                  <a:extLst>
+                    <a:ext uri="{FF2B5EF4-FFF2-40B4-BE49-F238E27FC236}">
+                      <a16:creationId xmlns:a16="http://schemas.microsoft.com/office/drawing/2014/main" id="{1E99FF68-7A6E-D5F4-794C-CF3B5B5ADA38}"/>
+                    </a:ext>
+                  </a:extLst>
+                </p:cNvPr>
+                <p:cNvPicPr>
+                  <a:picLocks noChangeAspect="1" noChangeArrowheads="1"/>
+                </p:cNvPicPr>
+                <p:nvPr/>
+              </p:nvPicPr>
+              <p:blipFill>
+                <a:blip r:embed="rId2">
+                  <a:extLst>
+                    <a:ext uri="{BEBA8EAE-BF5A-486C-A8C5-ECC9F3942E4B}">
+                      <a14:imgProps xmlns:a14="http://schemas.microsoft.com/office/drawing/2010/main">
+                        <a14:imgLayer r:embed="rId3">
+                          <a14:imgEffect>
+                            <a14:backgroundRemoval t="6956" b="92440" l="1667" r="95000">
+                              <a14:foregroundMark x1="25476" y1="29738" x2="31429" y2="14214"/>
+                              <a14:foregroundMark x1="31429" y1="14214" x2="50119" y2="6956"/>
+                              <a14:foregroundMark x1="50119" y1="6956" x2="52619" y2="7560"/>
+                              <a14:foregroundMark x1="52619" y1="13609" x2="52619" y2="13609"/>
+                              <a14:foregroundMark x1="7381" y1="28226" x2="6786" y2="33468"/>
+                              <a14:foregroundMark x1="43095" y1="92641" x2="43095" y2="92641"/>
+                              <a14:foregroundMark x1="90952" y1="51210" x2="90952" y2="51210"/>
+                              <a14:foregroundMark x1="1667" y1="34577" x2="1667" y2="34577"/>
+                              <a14:foregroundMark x1="95000" y1="52419" x2="95000" y2="52419"/>
+                            </a14:backgroundRemoval>
+                          </a14:imgEffect>
+                        </a14:imgLayer>
+                      </a14:imgProps>
+                    </a:ext>
+                    <a:ext uri="{28A0092B-C50C-407E-A947-70E740481C1C}">
+                      <a14:useLocalDpi xmlns:a14="http://schemas.microsoft.com/office/drawing/2010/main" val="0"/>
+                    </a:ext>
+                  </a:extLst>
+                </a:blip>
+                <a:srcRect/>
+                <a:stretch>
+                  <a:fillRect/>
+                </a:stretch>
+              </p:blipFill>
+              <p:spPr bwMode="auto">
+                <a:xfrm flipH="1">
+                  <a:off x="7579941" y="3963212"/>
+                  <a:ext cx="1476117" cy="1747368"/>
+                </a:xfrm>
+                <a:prstGeom prst="rect">
+                  <a:avLst/>
+                </a:prstGeom>
+                <a:noFill/>
+                <a:extLst>
+                  <a:ext uri="{909E8E84-426E-40DD-AFC4-6F175D3DCCD1}">
+                    <a14:hiddenFill xmlns:a14="http://schemas.microsoft.com/office/drawing/2010/main">
+                      <a:solidFill>
+                        <a:srgbClr val="FFFFFF"/>
+                      </a:solidFill>
+                    </a14:hiddenFill>
+                  </a:ext>
+                </a:extLst>
+              </p:spPr>
+            </p:pic>
+            <p:pic>
+              <p:nvPicPr>
+                <p:cNvPr id="60" name="Picture 10">
+                  <a:extLst>
+                    <a:ext uri="{FF2B5EF4-FFF2-40B4-BE49-F238E27FC236}">
+                      <a16:creationId xmlns:a16="http://schemas.microsoft.com/office/drawing/2014/main" id="{62413206-C2BF-8C06-C1B4-52FE448291EC}"/>
+                    </a:ext>
+                  </a:extLst>
+                </p:cNvPr>
+                <p:cNvPicPr>
+                  <a:picLocks noChangeAspect="1" noChangeArrowheads="1"/>
+                </p:cNvPicPr>
+                <p:nvPr/>
+              </p:nvPicPr>
+              <p:blipFill>
+                <a:blip r:embed="rId4">
+                  <a:lum bright="70000" contrast="-70000"/>
+                  <a:extLst>
+                    <a:ext uri="{28A0092B-C50C-407E-A947-70E740481C1C}">
+                      <a14:useLocalDpi xmlns:a14="http://schemas.microsoft.com/office/drawing/2010/main" val="0"/>
+                    </a:ext>
+                  </a:extLst>
+                </a:blip>
+                <a:srcRect/>
+                <a:stretch>
+                  <a:fillRect/>
+                </a:stretch>
+              </p:blipFill>
+              <p:spPr bwMode="auto">
+                <a:xfrm>
+                  <a:off x="7848979" y="4552711"/>
+                  <a:ext cx="261887" cy="261887"/>
+                </a:xfrm>
+                <a:prstGeom prst="rect">
+                  <a:avLst/>
+                </a:prstGeom>
+                <a:noFill/>
+                <a:extLst>
+                  <a:ext uri="{909E8E84-426E-40DD-AFC4-6F175D3DCCD1}">
+                    <a14:hiddenFill xmlns:a14="http://schemas.microsoft.com/office/drawing/2010/main">
+                      <a:solidFill>
+                        <a:srgbClr val="FFFFFF"/>
+                      </a:solidFill>
+                    </a14:hiddenFill>
+                  </a:ext>
+                </a:extLst>
+              </p:spPr>
+            </p:pic>
+          </p:grpSp>
+          <mc:AlternateContent xmlns:mc="http://schemas.openxmlformats.org/markup-compatibility/2006">
+            <mc:Choice xmlns:am3d="http://schemas.microsoft.com/office/drawing/2017/model3d" Requires="am3d">
+              <p:graphicFrame>
+                <p:nvGraphicFramePr>
+                  <p:cNvPr id="61" name="3D Model 20" descr="Prism And Basal Pinacoid White">
+                    <a:extLst>
+                      <a:ext uri="{FF2B5EF4-FFF2-40B4-BE49-F238E27FC236}">
+                        <a16:creationId xmlns:a16="http://schemas.microsoft.com/office/drawing/2014/main" id="{0ABB1AE0-0091-3B47-D7B8-09EC8855099C}"/>
+                      </a:ext>
+                    </a:extLst>
+                  </p:cNvPr>
+                  <p:cNvGraphicFramePr>
+                    <a:graphicFrameLocks noChangeAspect="1"/>
+                  </p:cNvGraphicFramePr>
+                  <p:nvPr/>
+                </p:nvGraphicFramePr>
+                <p:xfrm>
+                  <a:off x="1477382" y="2078975"/>
+                  <a:ext cx="1359355" cy="1540553"/>
+                </p:xfrm>
+                <a:graphic>
+                  <a:graphicData uri="http://schemas.microsoft.com/office/drawing/2017/model3d">
+                    <am3d:model3d r:embed="rId5">
+                      <am3d:spPr>
+                        <a:xfrm>
+                          <a:off x="0" y="0"/>
+                          <a:ext cx="1359355" cy="1540553"/>
+                        </a:xfrm>
+                        <a:prstGeom prst="rect">
+                          <a:avLst/>
+                        </a:prstGeom>
+                        <a:effectLst>
+                          <a:glow rad="259103">
+                            <a:schemeClr val="accent1">
+                              <a:lumMod val="60000"/>
+                              <a:lumOff val="40000"/>
+                              <a:alpha val="62000"/>
+                            </a:schemeClr>
+                          </a:glow>
+                        </a:effectLst>
+                      </am3d:spPr>
+                      <am3d:camera>
+                        <am3d:pos x="0" y="0" z="81469150"/>
+                        <am3d:up dx="0" dy="36000000" dz="0"/>
+                        <am3d:lookAt x="0" y="0" z="0"/>
+                        <am3d:perspective fov="2700000"/>
+                      </am3d:camera>
+                      <am3d:trans>
+                        <am3d:meterPerModelUnit n="139970" d="1000000"/>
+                        <am3d:preTrans dx="-76" dy="-17999982" dz="1"/>
+                        <am3d:scale>
+                          <am3d:sx n="1000000" d="1000000"/>
+                          <am3d:sy n="1000000" d="1000000"/>
+                          <am3d:sz n="1000000" d="1000000"/>
+                        </am3d:scale>
+                        <am3d:rot ax="-2183283" ay="2913714" az="9064903"/>
+                        <am3d:postTrans dx="0" dy="0" dz="0"/>
+                      </am3d:trans>
+                      <am3d:raster rName="Office3DRenderer" rVer="16.0.8326">
+                        <am3d:blip r:embed="rId6"/>
+                      </am3d:raster>
+                      <am3d:objViewport viewportSz="1581524"/>
+                      <am3d:ambientLight>
+                        <am3d:clr>
+                          <a:scrgbClr r="50000" g="50000" b="50000"/>
+                        </am3d:clr>
+                        <am3d:illuminance n="500000" d="1000000"/>
+                      </am3d:ambientLight>
+                      <am3d:ptLight rad="0">
+                        <am3d:clr>
+                          <a:scrgbClr r="100000" g="75000" b="50000"/>
+                        </am3d:clr>
+                        <am3d:intensity n="9765625" d="1000000"/>
+                        <am3d:pos x="21959998" y="70920001" z="16344003"/>
+                      </am3d:ptLight>
+                      <am3d:ptLight rad="0">
+                        <am3d:clr>
+                          <a:scrgbClr r="40000" g="60000" b="95000"/>
+                        </am3d:clr>
+                        <am3d:intensity n="12250000" d="1000000"/>
+                        <am3d:pos x="-37964106" y="51130435" z="57631972"/>
+                      </am3d:ptLight>
+                      <am3d:ptLight rad="0">
+                        <am3d:clr>
+                          <a:scrgbClr r="86837" g="72700" b="100000"/>
+                        </am3d:clr>
+                        <am3d:intensity n="3125000" d="1000000"/>
+                        <am3d:pos x="-37739122" y="58056624" z="-34769649"/>
+                      </am3d:ptLight>
+                    </am3d:model3d>
+                  </a:graphicData>
+                </a:graphic>
+              </p:graphicFrame>
+            </mc:Choice>
+            <mc:Fallback>
+              <p:pic>
+                <p:nvPicPr>
+                  <p:cNvPr id="61" name="3D Model 20" descr="Prism And Basal Pinacoid White">
+                    <a:extLst>
+                      <a:ext uri="{FF2B5EF4-FFF2-40B4-BE49-F238E27FC236}">
+                        <a16:creationId xmlns:a16="http://schemas.microsoft.com/office/drawing/2014/main" id="{0ABB1AE0-0091-3B47-D7B8-09EC8855099C}"/>
+                      </a:ext>
+                    </a:extLst>
+                  </p:cNvPr>
+                  <p:cNvPicPr>
+                    <a:picLocks noGrp="1" noRot="1" noChangeAspect="1" noMove="1" noResize="1" noEditPoints="1" noAdjustHandles="1" noChangeArrowheads="1" noChangeShapeType="1" noCrop="1"/>
+                  </p:cNvPicPr>
+                  <p:nvPr/>
+                </p:nvPicPr>
+                <p:blipFill>
+                  <a:blip r:embed="rId6"/>
+                  <a:stretch>
+                    <a:fillRect/>
+                  </a:stretch>
+                </p:blipFill>
+                <p:spPr>
+                  <a:xfrm>
+                    <a:off x="7838330" y="5444335"/>
+                    <a:ext cx="1359355" cy="1540553"/>
+                  </a:xfrm>
+                  <a:prstGeom prst="rect">
+                    <a:avLst/>
+                  </a:prstGeom>
+                  <a:effectLst>
+                    <a:glow rad="259103">
+                      <a:schemeClr val="accent1">
+                        <a:lumMod val="60000"/>
+                        <a:lumOff val="40000"/>
+                        <a:alpha val="62000"/>
+                      </a:schemeClr>
+                    </a:glow>
+                  </a:effectLst>
+                </p:spPr>
+              </p:pic>
+            </mc:Fallback>
+          </mc:AlternateContent>
+          <p:cxnSp>
+            <p:nvCxnSpPr>
+              <p:cNvPr id="91" name="Straight Arrow Connector 90">
+                <a:extLst>
+                  <a:ext uri="{FF2B5EF4-FFF2-40B4-BE49-F238E27FC236}">
+                    <a16:creationId xmlns:a16="http://schemas.microsoft.com/office/drawing/2014/main" id="{4F691997-033C-7D4C-97C9-3DBAA0456AD2}"/>
+                  </a:ext>
+                </a:extLst>
+              </p:cNvPr>
+              <p:cNvCxnSpPr/>
+              <p:nvPr/>
+            </p:nvCxnSpPr>
+            <p:spPr>
+              <a:xfrm flipH="1" flipV="1">
+                <a:off x="2298863" y="2998950"/>
+                <a:ext cx="1051345" cy="1410420"/>
+              </a:xfrm>
+              <a:prstGeom prst="straightConnector1">
+                <a:avLst/>
+              </a:prstGeom>
+              <a:ln w="63500">
+                <a:solidFill>
+                  <a:schemeClr val="tx1"/>
+                </a:solidFill>
+                <a:tailEnd type="triangle"/>
+              </a:ln>
+            </p:spPr>
+            <p:style>
+              <a:lnRef idx="1">
+                <a:schemeClr val="accent1"/>
+              </a:lnRef>
+              <a:fillRef idx="0">
+                <a:schemeClr val="accent1"/>
+              </a:fillRef>
+              <a:effectRef idx="0">
+                <a:schemeClr val="accent1"/>
+              </a:effectRef>
+              <a:fontRef idx="minor">
+                <a:schemeClr val="tx1"/>
+              </a:fontRef>
+            </p:style>
+          </p:cxnSp>
+        </p:grpSp>
+        <p:sp>
+          <p:nvSpPr>
+            <p:cNvPr id="93" name="TextBox 92">
+              <a:extLst>
+                <a:ext uri="{FF2B5EF4-FFF2-40B4-BE49-F238E27FC236}">
+                  <a16:creationId xmlns:a16="http://schemas.microsoft.com/office/drawing/2014/main" id="{760C2318-3331-CCC0-9B5C-DACEA2FDA425}"/>
+                </a:ext>
+              </a:extLst>
+            </p:cNvPr>
+            <p:cNvSpPr txBox="1"/>
+            <p:nvPr/>
+          </p:nvSpPr>
+          <p:spPr>
+            <a:xfrm>
+              <a:off x="9327234" y="6769950"/>
+              <a:ext cx="1569660" cy="369332"/>
+            </a:xfrm>
+            <a:prstGeom prst="rect">
+              <a:avLst/>
+            </a:prstGeom>
+            <a:noFill/>
+          </p:spPr>
+          <p:txBody>
+            <a:bodyPr wrap="none" rtlCol="0">
+              <a:spAutoFit/>
+            </a:bodyPr>
+            <a:lstStyle/>
+            <a:p>
+              <a:r>
+                <a:rPr lang="en-US" dirty="0" err="1"/>
+                <a:t>头动向前射线</a:t>
+              </a:r>
+              <a:endParaRPr lang="en-CN" dirty="0"/>
+            </a:p>
+          </p:txBody>
+        </p:sp>
+        <p:grpSp>
+          <p:nvGrpSpPr>
+            <p:cNvPr id="21" name="组合 18">
+              <a:extLst>
+                <a:ext uri="{FF2B5EF4-FFF2-40B4-BE49-F238E27FC236}">
+                  <a16:creationId xmlns:a16="http://schemas.microsoft.com/office/drawing/2014/main" id="{2BB31F8B-1F93-0613-EAB2-4B2D2C0E7D6B}"/>
+                </a:ext>
+              </a:extLst>
+            </p:cNvPr>
+            <p:cNvGrpSpPr/>
+            <p:nvPr/>
+          </p:nvGrpSpPr>
+          <p:grpSpPr>
+            <a:xfrm>
+              <a:off x="12993611" y="4246770"/>
+              <a:ext cx="4092713" cy="4065157"/>
+              <a:chOff x="3056876" y="410340"/>
+              <a:chExt cx="6078239" cy="6037316"/>
+            </a:xfrm>
+          </p:grpSpPr>
+          <p:grpSp>
+            <p:nvGrpSpPr>
+              <p:cNvPr id="22" name="组合 17">
+                <a:extLst>
+                  <a:ext uri="{FF2B5EF4-FFF2-40B4-BE49-F238E27FC236}">
+                    <a16:creationId xmlns:a16="http://schemas.microsoft.com/office/drawing/2014/main" id="{B0014126-3F85-0ED2-446F-F8658E3F0F68}"/>
+                  </a:ext>
+                </a:extLst>
+              </p:cNvPr>
+              <p:cNvGrpSpPr/>
+              <p:nvPr/>
+            </p:nvGrpSpPr>
+            <p:grpSpPr>
+              <a:xfrm>
+                <a:off x="3056876" y="410340"/>
+                <a:ext cx="6078239" cy="6037316"/>
+                <a:chOff x="3056876" y="410340"/>
+                <a:chExt cx="6078239" cy="6037316"/>
+              </a:xfrm>
+            </p:grpSpPr>
+            <p:sp>
+              <p:nvSpPr>
+                <p:cNvPr id="27" name="泪滴形 3">
+                  <a:extLst>
+                    <a:ext uri="{FF2B5EF4-FFF2-40B4-BE49-F238E27FC236}">
+                      <a16:creationId xmlns:a16="http://schemas.microsoft.com/office/drawing/2014/main" id="{45819F40-88C8-5A24-0190-758993E83097}"/>
+                    </a:ext>
+                  </a:extLst>
+                </p:cNvPr>
+                <p:cNvSpPr/>
+                <p:nvPr/>
+              </p:nvSpPr>
+              <p:spPr>
+                <a:xfrm rot="2700000">
+                  <a:off x="3056876" y="2218506"/>
+                  <a:ext cx="2420983" cy="2420983"/>
+                </a:xfrm>
+                <a:prstGeom prst="teardrop">
+                  <a:avLst/>
+                </a:prstGeom>
+                <a:gradFill flip="none" rotWithShape="1">
+                  <a:gsLst>
+                    <a:gs pos="0">
+                      <a:schemeClr val="accent6">
+                        <a:alpha val="0"/>
+                        <a:lumMod val="60000"/>
+                        <a:lumOff val="40000"/>
+                      </a:schemeClr>
+                    </a:gs>
+                    <a:gs pos="50000">
+                      <a:schemeClr val="accent6">
+                        <a:lumMod val="60000"/>
+                        <a:lumOff val="40000"/>
+                        <a:alpha val="85000"/>
+                      </a:schemeClr>
+                    </a:gs>
+                    <a:gs pos="100000">
+                      <a:schemeClr val="accent6">
+                        <a:lumMod val="60000"/>
+                        <a:lumOff val="40000"/>
+                      </a:schemeClr>
+                    </a:gs>
+                  </a:gsLst>
+                  <a:lin ang="8100000" scaled="0"/>
+                  <a:tileRect/>
+                </a:gradFill>
+                <a:ln w="38100">
+                  <a:gradFill>
+                    <a:gsLst>
+                      <a:gs pos="25000">
+                        <a:schemeClr val="bg1">
+                          <a:alpha val="0"/>
+                          <a:lumMod val="60000"/>
+                          <a:lumOff val="40000"/>
+                        </a:schemeClr>
+                      </a:gs>
+                      <a:gs pos="100000">
+                        <a:schemeClr val="bg1">
+                          <a:alpha val="85000"/>
+                          <a:lumMod val="60000"/>
+                          <a:lumOff val="40000"/>
+                        </a:schemeClr>
+                      </a:gs>
+                      <a:gs pos="50000">
+                        <a:schemeClr val="bg1">
+                          <a:lumMod val="60000"/>
+                          <a:lumOff val="40000"/>
+                          <a:alpha val="50000"/>
+                        </a:schemeClr>
+                      </a:gs>
+                    </a:gsLst>
+                    <a:lin ang="8100000" scaled="0"/>
+                  </a:gradFill>
+                </a:ln>
+                <a:effectLst/>
+              </p:spPr>
+              <p:style>
+                <a:lnRef idx="2">
+                  <a:schemeClr val="accent1">
+                    <a:shade val="50000"/>
+                  </a:schemeClr>
+                </a:lnRef>
+                <a:fillRef idx="1">
+                  <a:schemeClr val="accent1"/>
+                </a:fillRef>
+                <a:effectRef idx="0">
+                  <a:schemeClr val="accent1"/>
+                </a:effectRef>
+                <a:fontRef idx="minor">
+                  <a:schemeClr val="lt1"/>
+                </a:fontRef>
+              </p:style>
+              <p:txBody>
+                <a:bodyPr rtlCol="0" anchor="ctr"/>
+                <a:lstStyle/>
+                <a:p>
+                  <a:pPr algn="ctr"/>
+                  <a:endParaRPr lang="zh-CN" altLang="en-US" sz="2704" dirty="0"/>
+                </a:p>
+              </p:txBody>
+            </p:sp>
+            <p:sp>
+              <p:nvSpPr>
+                <p:cNvPr id="28" name="泪滴形 4">
+                  <a:extLst>
+                    <a:ext uri="{FF2B5EF4-FFF2-40B4-BE49-F238E27FC236}">
+                      <a16:creationId xmlns:a16="http://schemas.microsoft.com/office/drawing/2014/main" id="{582BDA8C-3527-468A-BCFC-2E7150DA400D}"/>
+                    </a:ext>
+                  </a:extLst>
+                </p:cNvPr>
+                <p:cNvSpPr/>
+                <p:nvPr/>
+              </p:nvSpPr>
+              <p:spPr>
+                <a:xfrm rot="8100000">
+                  <a:off x="4885505" y="410340"/>
+                  <a:ext cx="2420983" cy="2420983"/>
+                </a:xfrm>
+                <a:prstGeom prst="teardrop">
+                  <a:avLst/>
+                </a:prstGeom>
+                <a:gradFill flip="none" rotWithShape="1">
+                  <a:gsLst>
+                    <a:gs pos="0">
+                      <a:schemeClr val="accent6">
+                        <a:alpha val="0"/>
+                        <a:lumMod val="60000"/>
+                        <a:lumOff val="40000"/>
+                      </a:schemeClr>
+                    </a:gs>
+                    <a:gs pos="50000">
+                      <a:schemeClr val="accent6">
+                        <a:lumMod val="60000"/>
+                        <a:lumOff val="40000"/>
+                        <a:alpha val="85000"/>
+                      </a:schemeClr>
+                    </a:gs>
+                    <a:gs pos="100000">
+                      <a:schemeClr val="accent6">
+                        <a:lumMod val="60000"/>
+                        <a:lumOff val="40000"/>
+                      </a:schemeClr>
+                    </a:gs>
+                  </a:gsLst>
+                  <a:lin ang="8100000" scaled="0"/>
+                  <a:tileRect/>
+                </a:gradFill>
+                <a:ln w="38100">
+                  <a:gradFill>
+                    <a:gsLst>
+                      <a:gs pos="25000">
+                        <a:schemeClr val="bg1">
+                          <a:alpha val="0"/>
+                          <a:lumMod val="60000"/>
+                          <a:lumOff val="40000"/>
+                        </a:schemeClr>
+                      </a:gs>
+                      <a:gs pos="100000">
+                        <a:schemeClr val="bg1">
+                          <a:alpha val="85000"/>
+                          <a:lumMod val="60000"/>
+                          <a:lumOff val="40000"/>
+                        </a:schemeClr>
+                      </a:gs>
+                      <a:gs pos="50000">
+                        <a:schemeClr val="bg1">
+                          <a:lumMod val="60000"/>
+                          <a:lumOff val="40000"/>
+                          <a:alpha val="50000"/>
+                        </a:schemeClr>
+                      </a:gs>
+                    </a:gsLst>
+                    <a:lin ang="8100000" scaled="0"/>
+                  </a:gradFill>
+                </a:ln>
+                <a:effectLst/>
+              </p:spPr>
+              <p:style>
+                <a:lnRef idx="2">
+                  <a:schemeClr val="accent1">
+                    <a:shade val="50000"/>
+                  </a:schemeClr>
+                </a:lnRef>
+                <a:fillRef idx="1">
+                  <a:schemeClr val="accent1"/>
+                </a:fillRef>
+                <a:effectRef idx="0">
+                  <a:schemeClr val="accent1"/>
+                </a:effectRef>
+                <a:fontRef idx="minor">
+                  <a:schemeClr val="lt1"/>
+                </a:fontRef>
+              </p:style>
+              <p:txBody>
+                <a:bodyPr rtlCol="0" anchor="ctr"/>
+                <a:lstStyle/>
+                <a:p>
+                  <a:pPr algn="ctr"/>
+                  <a:endParaRPr lang="zh-CN" altLang="en-US" sz="2704" dirty="0"/>
+                </a:p>
+              </p:txBody>
+            </p:sp>
+            <p:sp>
+              <p:nvSpPr>
+                <p:cNvPr id="29" name="泪滴形 6">
+                  <a:extLst>
+                    <a:ext uri="{FF2B5EF4-FFF2-40B4-BE49-F238E27FC236}">
+                      <a16:creationId xmlns:a16="http://schemas.microsoft.com/office/drawing/2014/main" id="{97EBA064-9AD4-5350-EC60-2CAFB8EC018A}"/>
+                    </a:ext>
+                  </a:extLst>
+                </p:cNvPr>
+                <p:cNvSpPr/>
+                <p:nvPr/>
+              </p:nvSpPr>
+              <p:spPr>
+                <a:xfrm rot="18900000">
+                  <a:off x="4885505" y="4026673"/>
+                  <a:ext cx="2420983" cy="2420983"/>
+                </a:xfrm>
+                <a:prstGeom prst="teardrop">
+                  <a:avLst/>
+                </a:prstGeom>
+                <a:gradFill flip="none" rotWithShape="1">
+                  <a:gsLst>
+                    <a:gs pos="0">
+                      <a:schemeClr val="accent6">
+                        <a:alpha val="0"/>
+                        <a:lumMod val="60000"/>
+                        <a:lumOff val="40000"/>
+                      </a:schemeClr>
+                    </a:gs>
+                    <a:gs pos="50000">
+                      <a:schemeClr val="accent6">
+                        <a:lumMod val="60000"/>
+                        <a:lumOff val="40000"/>
+                        <a:alpha val="85000"/>
+                      </a:schemeClr>
+                    </a:gs>
+                    <a:gs pos="100000">
+                      <a:schemeClr val="accent6">
+                        <a:lumMod val="60000"/>
+                        <a:lumOff val="40000"/>
+                      </a:schemeClr>
+                    </a:gs>
+                  </a:gsLst>
+                  <a:lin ang="8100000" scaled="0"/>
+                  <a:tileRect/>
+                </a:gradFill>
+                <a:ln w="38100">
+                  <a:gradFill>
+                    <a:gsLst>
+                      <a:gs pos="25000">
+                        <a:schemeClr val="bg1">
+                          <a:alpha val="0"/>
+                          <a:lumMod val="60000"/>
+                          <a:lumOff val="40000"/>
+                        </a:schemeClr>
+                      </a:gs>
+                      <a:gs pos="100000">
+                        <a:schemeClr val="bg1">
+                          <a:alpha val="85000"/>
+                          <a:lumMod val="60000"/>
+                          <a:lumOff val="40000"/>
+                        </a:schemeClr>
+                      </a:gs>
+                      <a:gs pos="50000">
+                        <a:schemeClr val="bg1">
+                          <a:lumMod val="60000"/>
+                          <a:lumOff val="40000"/>
+                          <a:alpha val="50000"/>
+                        </a:schemeClr>
+                      </a:gs>
+                    </a:gsLst>
+                    <a:lin ang="8100000" scaled="0"/>
+                  </a:gradFill>
+                </a:ln>
+                <a:effectLst/>
+              </p:spPr>
+              <p:style>
+                <a:lnRef idx="2">
+                  <a:schemeClr val="accent1">
+                    <a:shade val="50000"/>
+                  </a:schemeClr>
+                </a:lnRef>
+                <a:fillRef idx="1">
+                  <a:schemeClr val="accent1"/>
+                </a:fillRef>
+                <a:effectRef idx="0">
+                  <a:schemeClr val="accent1"/>
+                </a:effectRef>
+                <a:fontRef idx="minor">
+                  <a:schemeClr val="lt1"/>
+                </a:fontRef>
+              </p:style>
+              <p:txBody>
+                <a:bodyPr rtlCol="0" anchor="ctr"/>
+                <a:lstStyle/>
+                <a:p>
+                  <a:pPr algn="ctr"/>
+                  <a:endParaRPr lang="zh-CN" altLang="en-US" sz="2704" dirty="0"/>
+                </a:p>
+              </p:txBody>
+            </p:sp>
+            <p:sp>
+              <p:nvSpPr>
+                <p:cNvPr id="30" name="泪滴形 7">
+                  <a:extLst>
+                    <a:ext uri="{FF2B5EF4-FFF2-40B4-BE49-F238E27FC236}">
+                      <a16:creationId xmlns:a16="http://schemas.microsoft.com/office/drawing/2014/main" id="{9D0BABC0-FA80-1C4C-4117-C7D40D0B6A07}"/>
+                    </a:ext>
+                  </a:extLst>
+                </p:cNvPr>
+                <p:cNvSpPr/>
+                <p:nvPr/>
+              </p:nvSpPr>
+              <p:spPr>
+                <a:xfrm rot="13500000">
+                  <a:off x="6714132" y="2218508"/>
+                  <a:ext cx="2420983" cy="2420983"/>
+                </a:xfrm>
+                <a:prstGeom prst="teardrop">
+                  <a:avLst/>
+                </a:prstGeom>
+                <a:gradFill flip="none" rotWithShape="1">
+                  <a:gsLst>
+                    <a:gs pos="0">
+                      <a:schemeClr val="accent6">
+                        <a:alpha val="0"/>
+                        <a:lumMod val="60000"/>
+                        <a:lumOff val="40000"/>
+                      </a:schemeClr>
+                    </a:gs>
+                    <a:gs pos="50000">
+                      <a:schemeClr val="accent6">
+                        <a:lumMod val="60000"/>
+                        <a:lumOff val="40000"/>
+                        <a:alpha val="85000"/>
+                      </a:schemeClr>
+                    </a:gs>
+                    <a:gs pos="100000">
+                      <a:schemeClr val="accent6">
+                        <a:lumMod val="60000"/>
+                        <a:lumOff val="40000"/>
+                      </a:schemeClr>
+                    </a:gs>
+                  </a:gsLst>
+                  <a:lin ang="8100000" scaled="0"/>
+                  <a:tileRect/>
+                </a:gradFill>
+                <a:ln w="38100">
+                  <a:gradFill>
+                    <a:gsLst>
+                      <a:gs pos="25000">
+                        <a:schemeClr val="bg1">
+                          <a:alpha val="0"/>
+                          <a:lumMod val="60000"/>
+                          <a:lumOff val="40000"/>
+                        </a:schemeClr>
+                      </a:gs>
+                      <a:gs pos="100000">
+                        <a:schemeClr val="bg1">
+                          <a:alpha val="85000"/>
+                          <a:lumMod val="60000"/>
+                          <a:lumOff val="40000"/>
+                        </a:schemeClr>
+                      </a:gs>
+                      <a:gs pos="50000">
+                        <a:schemeClr val="bg1">
+                          <a:lumMod val="60000"/>
+                          <a:lumOff val="40000"/>
+                          <a:alpha val="50000"/>
+                        </a:schemeClr>
+                      </a:gs>
+                    </a:gsLst>
+                    <a:lin ang="8100000" scaled="0"/>
+                  </a:gradFill>
+                </a:ln>
+                <a:effectLst/>
+              </p:spPr>
+              <p:style>
+                <a:lnRef idx="2">
+                  <a:schemeClr val="accent1">
+                    <a:shade val="50000"/>
+                  </a:schemeClr>
+                </a:lnRef>
+                <a:fillRef idx="1">
+                  <a:schemeClr val="accent1"/>
+                </a:fillRef>
+                <a:effectRef idx="0">
+                  <a:schemeClr val="accent1"/>
+                </a:effectRef>
+                <a:fontRef idx="minor">
+                  <a:schemeClr val="lt1"/>
+                </a:fontRef>
+              </p:style>
+              <p:txBody>
+                <a:bodyPr rtlCol="0" anchor="ctr"/>
+                <a:lstStyle/>
+                <a:p>
+                  <a:pPr algn="ctr"/>
+                  <a:endParaRPr lang="zh-CN" altLang="en-US" sz="2704" dirty="0"/>
+                </a:p>
+              </p:txBody>
+            </p:sp>
+          </p:grpSp>
+          <p:pic>
+            <p:nvPicPr>
+              <p:cNvPr id="23" name="图片 10" descr="形状&#10;&#10;中度可信度描述已自动生成">
+                <a:extLst>
+                  <a:ext uri="{FF2B5EF4-FFF2-40B4-BE49-F238E27FC236}">
+                    <a16:creationId xmlns:a16="http://schemas.microsoft.com/office/drawing/2014/main" id="{D6116B46-BCA0-451B-E20F-91A2DDF3D993}"/>
+                  </a:ext>
+                </a:extLst>
+              </p:cNvPr>
+              <p:cNvPicPr>
+                <a:picLocks noChangeAspect="1"/>
+              </p:cNvPicPr>
+              <p:nvPr/>
+            </p:nvPicPr>
+            <p:blipFill>
+              <a:blip r:embed="rId7">
+                <a:extLst>
+                  <a:ext uri="{28A0092B-C50C-407E-A947-70E740481C1C}">
+                    <a14:useLocalDpi xmlns:a14="http://schemas.microsoft.com/office/drawing/2010/main" val="0"/>
+                  </a:ext>
+                </a:extLst>
+              </a:blip>
+              <a:stretch>
+                <a:fillRect/>
+              </a:stretch>
+            </p:blipFill>
+            <p:spPr>
+              <a:xfrm>
+                <a:off x="4001329" y="4785059"/>
+                <a:ext cx="4189331" cy="701582"/>
+              </a:xfrm>
+              <a:prstGeom prst="rect">
+                <a:avLst/>
+              </a:prstGeom>
+            </p:spPr>
+          </p:pic>
+          <p:pic>
+            <p:nvPicPr>
+              <p:cNvPr id="24" name="图片 12" descr="形状&#10;&#10;中度可信度描述已自动生成">
+                <a:extLst>
+                  <a:ext uri="{FF2B5EF4-FFF2-40B4-BE49-F238E27FC236}">
+                    <a16:creationId xmlns:a16="http://schemas.microsoft.com/office/drawing/2014/main" id="{2CA2E838-9AAB-640A-A91C-511318AB41EE}"/>
+                  </a:ext>
+                </a:extLst>
+              </p:cNvPr>
+              <p:cNvPicPr>
+                <a:picLocks noChangeAspect="1"/>
+              </p:cNvPicPr>
+              <p:nvPr/>
+            </p:nvPicPr>
+            <p:blipFill>
+              <a:blip r:embed="rId8">
+                <a:extLst>
+                  <a:ext uri="{28A0092B-C50C-407E-A947-70E740481C1C}">
+                    <a14:useLocalDpi xmlns:a14="http://schemas.microsoft.com/office/drawing/2010/main" val="0"/>
+                  </a:ext>
+                </a:extLst>
+              </a:blip>
+              <a:stretch>
+                <a:fillRect/>
+              </a:stretch>
+            </p:blipFill>
+            <p:spPr>
+              <a:xfrm>
+                <a:off x="4001330" y="1366313"/>
+                <a:ext cx="4189331" cy="701582"/>
+              </a:xfrm>
+              <a:prstGeom prst="rect">
+                <a:avLst/>
+              </a:prstGeom>
+            </p:spPr>
+          </p:pic>
+          <p:pic>
+            <p:nvPicPr>
+              <p:cNvPr id="25" name="图片 14" descr="形状&#10;&#10;中度可信度描述已自动生成">
+                <a:extLst>
+                  <a:ext uri="{FF2B5EF4-FFF2-40B4-BE49-F238E27FC236}">
+                    <a16:creationId xmlns:a16="http://schemas.microsoft.com/office/drawing/2014/main" id="{899A839B-D335-BD90-8FF5-66F99099515D}"/>
+                  </a:ext>
+                </a:extLst>
+              </p:cNvPr>
+              <p:cNvPicPr>
+                <a:picLocks noChangeAspect="1"/>
+              </p:cNvPicPr>
+              <p:nvPr/>
+            </p:nvPicPr>
+            <p:blipFill>
+              <a:blip r:embed="rId9">
+                <a:extLst>
+                  <a:ext uri="{28A0092B-C50C-407E-A947-70E740481C1C}">
+                    <a14:useLocalDpi xmlns:a14="http://schemas.microsoft.com/office/drawing/2010/main" val="0"/>
+                  </a:ext>
+                </a:extLst>
+              </a:blip>
+              <a:stretch>
+                <a:fillRect/>
+              </a:stretch>
+            </p:blipFill>
+            <p:spPr>
+              <a:xfrm rot="16200000">
+                <a:off x="2325210" y="3083717"/>
+                <a:ext cx="4189331" cy="701582"/>
+              </a:xfrm>
+              <a:prstGeom prst="rect">
+                <a:avLst/>
+              </a:prstGeom>
+            </p:spPr>
+          </p:pic>
+          <p:pic>
+            <p:nvPicPr>
+              <p:cNvPr id="26" name="图片 16" descr="形状&#10;&#10;中度可信度描述已自动生成">
+                <a:extLst>
+                  <a:ext uri="{FF2B5EF4-FFF2-40B4-BE49-F238E27FC236}">
+                    <a16:creationId xmlns:a16="http://schemas.microsoft.com/office/drawing/2014/main" id="{F95ABF31-EF2A-8ACF-3DB4-4F4B99524BCC}"/>
+                  </a:ext>
+                </a:extLst>
+              </p:cNvPr>
+              <p:cNvPicPr>
+                <a:picLocks noChangeAspect="1"/>
+              </p:cNvPicPr>
+              <p:nvPr/>
+            </p:nvPicPr>
+            <p:blipFill>
+              <a:blip r:embed="rId10">
+                <a:extLst>
+                  <a:ext uri="{28A0092B-C50C-407E-A947-70E740481C1C}">
+                    <a14:useLocalDpi xmlns:a14="http://schemas.microsoft.com/office/drawing/2010/main" val="0"/>
+                  </a:ext>
+                </a:extLst>
+              </a:blip>
+              <a:stretch>
+                <a:fillRect/>
+              </a:stretch>
+            </p:blipFill>
+            <p:spPr>
+              <a:xfrm rot="5400000">
+                <a:off x="5677452" y="3078207"/>
+                <a:ext cx="4189331" cy="701582"/>
+              </a:xfrm>
+              <a:prstGeom prst="rect">
+                <a:avLst/>
+              </a:prstGeom>
+            </p:spPr>
+          </p:pic>
+        </p:grpSp>
+        <p:grpSp>
+          <p:nvGrpSpPr>
+            <p:cNvPr id="17" name="Group 16">
+              <a:extLst>
+                <a:ext uri="{FF2B5EF4-FFF2-40B4-BE49-F238E27FC236}">
+                  <a16:creationId xmlns:a16="http://schemas.microsoft.com/office/drawing/2014/main" id="{EA0D6789-2275-E2AD-E63C-4CE9B9F43D3C}"/>
+                </a:ext>
+              </a:extLst>
+            </p:cNvPr>
+            <p:cNvGrpSpPr/>
+            <p:nvPr/>
+          </p:nvGrpSpPr>
+          <p:grpSpPr>
+            <a:xfrm>
+              <a:off x="15995921" y="7288720"/>
+              <a:ext cx="1301408" cy="1540553"/>
+              <a:chOff x="7579941" y="3963212"/>
+              <a:chExt cx="1476117" cy="1747368"/>
+            </a:xfrm>
+          </p:grpSpPr>
+          <p:pic>
+            <p:nvPicPr>
+              <p:cNvPr id="18" name="Picture 8" descr="Big Image - Head Silhouette Clipart, HD Png Download - 2032x2304(#2137798)  - PngFind">
+                <a:extLst>
+                  <a:ext uri="{FF2B5EF4-FFF2-40B4-BE49-F238E27FC236}">
+                    <a16:creationId xmlns:a16="http://schemas.microsoft.com/office/drawing/2014/main" id="{224137AD-8E5A-729C-9063-0AB4971CABC8}"/>
+                  </a:ext>
+                </a:extLst>
+              </p:cNvPr>
+              <p:cNvPicPr>
+                <a:picLocks noChangeAspect="1" noChangeArrowheads="1"/>
+              </p:cNvPicPr>
+              <p:nvPr/>
+            </p:nvPicPr>
+            <p:blipFill>
+              <a:blip r:embed="rId2">
+                <a:extLst>
+                  <a:ext uri="{BEBA8EAE-BF5A-486C-A8C5-ECC9F3942E4B}">
+                    <a14:imgProps xmlns:a14="http://schemas.microsoft.com/office/drawing/2010/main">
+                      <a14:imgLayer r:embed="rId3">
+                        <a14:imgEffect>
+                          <a14:backgroundRemoval t="6956" b="92440" l="1667" r="95000">
+                            <a14:foregroundMark x1="25476" y1="29738" x2="31429" y2="14214"/>
+                            <a14:foregroundMark x1="31429" y1="14214" x2="50119" y2="6956"/>
+                            <a14:foregroundMark x1="50119" y1="6956" x2="52619" y2="7560"/>
+                            <a14:foregroundMark x1="52619" y1="13609" x2="52619" y2="13609"/>
+                            <a14:foregroundMark x1="7381" y1="28226" x2="6786" y2="33468"/>
+                            <a14:foregroundMark x1="43095" y1="92641" x2="43095" y2="92641"/>
+                            <a14:foregroundMark x1="90952" y1="51210" x2="90952" y2="51210"/>
+                            <a14:foregroundMark x1="1667" y1="34577" x2="1667" y2="34577"/>
+                            <a14:foregroundMark x1="95000" y1="52419" x2="95000" y2="52419"/>
+                          </a14:backgroundRemoval>
+                        </a14:imgEffect>
+                      </a14:imgLayer>
+                    </a14:imgProps>
+                  </a:ext>
+                  <a:ext uri="{28A0092B-C50C-407E-A947-70E740481C1C}">
+                    <a14:useLocalDpi xmlns:a14="http://schemas.microsoft.com/office/drawing/2010/main" val="0"/>
+                  </a:ext>
+                </a:extLst>
+              </a:blip>
+              <a:srcRect/>
+              <a:stretch>
+                <a:fillRect/>
+              </a:stretch>
+            </p:blipFill>
+            <p:spPr bwMode="auto">
+              <a:xfrm flipH="1">
+                <a:off x="7579941" y="3963212"/>
+                <a:ext cx="1476117" cy="1747368"/>
+              </a:xfrm>
+              <a:prstGeom prst="rect">
+                <a:avLst/>
+              </a:prstGeom>
+              <a:noFill/>
+              <a:extLst>
+                <a:ext uri="{909E8E84-426E-40DD-AFC4-6F175D3DCCD1}">
+                  <a14:hiddenFill xmlns:a14="http://schemas.microsoft.com/office/drawing/2010/main">
+                    <a:solidFill>
+                      <a:srgbClr val="FFFFFF"/>
+                    </a:solidFill>
+                  </a14:hiddenFill>
+                </a:ext>
+              </a:extLst>
+            </p:spPr>
+          </p:pic>
+          <p:pic>
+            <p:nvPicPr>
+              <p:cNvPr id="19" name="Picture 10">
+                <a:extLst>
+                  <a:ext uri="{FF2B5EF4-FFF2-40B4-BE49-F238E27FC236}">
+                    <a16:creationId xmlns:a16="http://schemas.microsoft.com/office/drawing/2014/main" id="{611E3DF2-C348-C220-AAE9-86525C9A2081}"/>
+                  </a:ext>
+                </a:extLst>
+              </p:cNvPr>
+              <p:cNvPicPr>
+                <a:picLocks noChangeAspect="1" noChangeArrowheads="1"/>
+              </p:cNvPicPr>
+              <p:nvPr/>
+            </p:nvPicPr>
+            <p:blipFill>
+              <a:blip r:embed="rId4">
+                <a:lum bright="70000" contrast="-70000"/>
+                <a:extLst>
+                  <a:ext uri="{28A0092B-C50C-407E-A947-70E740481C1C}">
+                    <a14:useLocalDpi xmlns:a14="http://schemas.microsoft.com/office/drawing/2010/main" val="0"/>
+                  </a:ext>
+                </a:extLst>
+              </a:blip>
+              <a:srcRect/>
+              <a:stretch>
+                <a:fillRect/>
+              </a:stretch>
+            </p:blipFill>
+            <p:spPr bwMode="auto">
+              <a:xfrm>
+                <a:off x="7848979" y="4552711"/>
+                <a:ext cx="261887" cy="261887"/>
+              </a:xfrm>
+              <a:prstGeom prst="rect">
+                <a:avLst/>
+              </a:prstGeom>
+              <a:noFill/>
+              <a:extLst>
+                <a:ext uri="{909E8E84-426E-40DD-AFC4-6F175D3DCCD1}">
+                  <a14:hiddenFill xmlns:a14="http://schemas.microsoft.com/office/drawing/2010/main">
+                    <a:solidFill>
+                      <a:srgbClr val="FFFFFF"/>
+                    </a:solidFill>
+                  </a14:hiddenFill>
+                </a:ext>
+              </a:extLst>
+            </p:spPr>
+          </p:pic>
+        </p:grpSp>
+        <mc:AlternateContent xmlns:mc="http://schemas.openxmlformats.org/markup-compatibility/2006">
+          <mc:Choice xmlns:am3d="http://schemas.microsoft.com/office/drawing/2017/model3d" Requires="am3d">
+            <p:graphicFrame>
+              <p:nvGraphicFramePr>
+                <p:cNvPr id="20" name="3D Model 20" descr="Prism And Basal Pinacoid White">
+                  <a:extLst>
+                    <a:ext uri="{FF2B5EF4-FFF2-40B4-BE49-F238E27FC236}">
+                      <a16:creationId xmlns:a16="http://schemas.microsoft.com/office/drawing/2014/main" id="{51A441BB-C657-1C15-758F-41E5B264D6B4}"/>
+                    </a:ext>
+                  </a:extLst>
+                </p:cNvPr>
+                <p:cNvGraphicFramePr>
+                  <a:graphicFrameLocks noChangeAspect="1"/>
+                </p:cNvGraphicFramePr>
+                <p:nvPr/>
+              </p:nvGraphicFramePr>
+              <p:xfrm>
+                <a:off x="14360290" y="5469755"/>
+                <a:ext cx="1359356" cy="1540553"/>
+              </p:xfrm>
+              <a:graphic>
+                <a:graphicData uri="http://schemas.microsoft.com/office/drawing/2017/model3d">
+                  <am3d:model3d r:embed="rId5">
+                    <am3d:spPr>
+                      <a:xfrm>
+                        <a:off x="0" y="0"/>
+                        <a:ext cx="1359356" cy="1540553"/>
+                      </a:xfrm>
+                      <a:prstGeom prst="rect">
+                        <a:avLst/>
+                      </a:prstGeom>
+                      <a:effectLst>
+                        <a:glow rad="259103">
+                          <a:schemeClr val="accent1">
+                            <a:lumMod val="60000"/>
+                            <a:lumOff val="40000"/>
+                            <a:alpha val="62000"/>
+                          </a:schemeClr>
+                        </a:glow>
+                      </a:effectLst>
+                    </am3d:spPr>
+                    <am3d:camera>
+                      <am3d:pos x="0" y="0" z="81469150"/>
+                      <am3d:up dx="0" dy="36000000" dz="0"/>
+                      <am3d:lookAt x="0" y="0" z="0"/>
+                      <am3d:perspective fov="2700000"/>
+                    </am3d:camera>
+                    <am3d:trans>
+                      <am3d:meterPerModelUnit n="139970" d="1000000"/>
+                      <am3d:preTrans dx="-76" dy="-17999982" dz="1"/>
+                      <am3d:scale>
+                        <am3d:sx n="1000000" d="1000000"/>
+                        <am3d:sy n="1000000" d="1000000"/>
+                        <am3d:sz n="1000000" d="1000000"/>
+                      </am3d:scale>
+                      <am3d:rot ax="-2183283" ay="2913714" az="9064903"/>
+                      <am3d:postTrans dx="0" dy="0" dz="0"/>
+                    </am3d:trans>
+                    <am3d:raster rName="Office3DRenderer" rVer="16.0.8326">
+                      <am3d:blip r:embed="rId11"/>
+                    </am3d:raster>
+                    <am3d:objViewport viewportSz="1581525"/>
+                    <am3d:ambientLight>
+                      <am3d:clr>
+                        <a:scrgbClr r="50000" g="50000" b="50000"/>
+                      </am3d:clr>
+                      <am3d:illuminance n="500000" d="1000000"/>
+                    </am3d:ambientLight>
+                    <am3d:ptLight rad="0">
+                      <am3d:clr>
+                        <a:scrgbClr r="100000" g="75000" b="50000"/>
+                      </am3d:clr>
+                      <am3d:intensity n="9765625" d="1000000"/>
+                      <am3d:pos x="21959998" y="70920001" z="16344003"/>
+                    </am3d:ptLight>
+                    <am3d:ptLight rad="0">
+                      <am3d:clr>
+                        <a:scrgbClr r="40000" g="60000" b="95000"/>
+                      </am3d:clr>
+                      <am3d:intensity n="12250000" d="1000000"/>
+                      <am3d:pos x="-37964106" y="51130435" z="57631972"/>
+                    </am3d:ptLight>
+                    <am3d:ptLight rad="0">
+                      <am3d:clr>
+                        <a:scrgbClr r="86837" g="72700" b="100000"/>
+                      </am3d:clr>
+                      <am3d:intensity n="3125000" d="1000000"/>
+                      <am3d:pos x="-37739122" y="58056624" z="-34769649"/>
+                    </am3d:ptLight>
+                  </am3d:model3d>
+                </a:graphicData>
+              </a:graphic>
+            </p:graphicFrame>
+          </mc:Choice>
+          <mc:Fallback>
+            <p:pic>
+              <p:nvPicPr>
+                <p:cNvPr id="20" name="3D Model 20" descr="Prism And Basal Pinacoid White">
+                  <a:extLst>
+                    <a:ext uri="{FF2B5EF4-FFF2-40B4-BE49-F238E27FC236}">
+                      <a16:creationId xmlns:a16="http://schemas.microsoft.com/office/drawing/2014/main" id="{51A441BB-C657-1C15-758F-41E5B264D6B4}"/>
+                    </a:ext>
+                  </a:extLst>
+                </p:cNvPr>
+                <p:cNvPicPr>
+                  <a:picLocks noGrp="1" noRot="1" noChangeAspect="1" noMove="1" noResize="1" noEditPoints="1" noAdjustHandles="1" noChangeArrowheads="1" noChangeShapeType="1" noCrop="1"/>
+                </p:cNvPicPr>
+                <p:nvPr/>
+              </p:nvPicPr>
+              <p:blipFill>
+                <a:blip r:embed="rId11"/>
+                <a:stretch>
+                  <a:fillRect/>
+                </a:stretch>
+              </p:blipFill>
+              <p:spPr>
+                <a:xfrm>
+                  <a:off x="14360290" y="5469755"/>
+                  <a:ext cx="1359356" cy="1540553"/>
+                </a:xfrm>
+                <a:prstGeom prst="rect">
+                  <a:avLst/>
+                </a:prstGeom>
+                <a:effectLst>
+                  <a:glow rad="259103">
+                    <a:schemeClr val="accent1">
+                      <a:lumMod val="60000"/>
+                      <a:lumOff val="40000"/>
+                      <a:alpha val="62000"/>
+                    </a:schemeClr>
+                  </a:glow>
+                </a:effectLst>
+              </p:spPr>
+            </p:pic>
+          </mc:Fallback>
+        </mc:AlternateContent>
+        <p:grpSp>
+          <p:nvGrpSpPr>
+            <p:cNvPr id="5" name="Group 4">
+              <a:extLst>
+                <a:ext uri="{FF2B5EF4-FFF2-40B4-BE49-F238E27FC236}">
+                  <a16:creationId xmlns:a16="http://schemas.microsoft.com/office/drawing/2014/main" id="{8A43AC7A-2F1A-4D35-ABFD-764667423E79}"/>
+                </a:ext>
+              </a:extLst>
+            </p:cNvPr>
+            <p:cNvGrpSpPr/>
+            <p:nvPr/>
+          </p:nvGrpSpPr>
+          <p:grpSpPr>
+            <a:xfrm>
+              <a:off x="14554456" y="4162306"/>
+              <a:ext cx="1163841" cy="1163841"/>
+              <a:chOff x="9011535" y="540003"/>
+              <a:chExt cx="614855" cy="614855"/>
+            </a:xfrm>
+          </p:grpSpPr>
+          <p:pic>
+            <p:nvPicPr>
+              <p:cNvPr id="2" name="Picture 1" descr="Shape, circle&#10;&#10;Description automatically generated">
+                <a:extLst>
+                  <a:ext uri="{FF2B5EF4-FFF2-40B4-BE49-F238E27FC236}">
+                    <a16:creationId xmlns:a16="http://schemas.microsoft.com/office/drawing/2014/main" id="{3FD90255-13EF-B09B-2F59-B708141E71C3}"/>
+                  </a:ext>
+                </a:extLst>
+              </p:cNvPr>
+              <p:cNvPicPr>
+                <a:picLocks noChangeAspect="1"/>
+              </p:cNvPicPr>
+              <p:nvPr/>
+            </p:nvPicPr>
+            <p:blipFill>
+              <a:blip r:embed="rId12"/>
+              <a:stretch>
+                <a:fillRect/>
+              </a:stretch>
+            </p:blipFill>
+            <p:spPr>
+              <a:xfrm>
+                <a:off x="9011535" y="540003"/>
+                <a:ext cx="614855" cy="614855"/>
+              </a:xfrm>
+              <a:prstGeom prst="rect">
+                <a:avLst/>
+              </a:prstGeom>
+            </p:spPr>
+          </p:pic>
+          <p:pic>
+            <p:nvPicPr>
+              <p:cNvPr id="4" name="Picture 3" descr="Shape, circle&#10;&#10;Description automatically generated">
+                <a:extLst>
+                  <a:ext uri="{FF2B5EF4-FFF2-40B4-BE49-F238E27FC236}">
+                    <a16:creationId xmlns:a16="http://schemas.microsoft.com/office/drawing/2014/main" id="{6E88F173-4FDD-352F-CB11-C87B86749FE8}"/>
+                  </a:ext>
+                </a:extLst>
+              </p:cNvPr>
+              <p:cNvPicPr>
+                <a:picLocks noChangeAspect="1"/>
+              </p:cNvPicPr>
+              <p:nvPr/>
+            </p:nvPicPr>
+            <p:blipFill>
+              <a:blip r:embed="rId13"/>
+              <a:stretch>
+                <a:fillRect/>
+              </a:stretch>
+            </p:blipFill>
+            <p:spPr>
+              <a:xfrm>
+                <a:off x="9149865" y="678332"/>
+                <a:ext cx="338196" cy="338196"/>
+              </a:xfrm>
+              <a:prstGeom prst="rect">
+                <a:avLst/>
+              </a:prstGeom>
+            </p:spPr>
+          </p:pic>
+        </p:grpSp>
+        <p:cxnSp>
+          <p:nvCxnSpPr>
+            <p:cNvPr id="3" name="Straight Connector 2">
+              <a:extLst>
+                <a:ext uri="{FF2B5EF4-FFF2-40B4-BE49-F238E27FC236}">
+                  <a16:creationId xmlns:a16="http://schemas.microsoft.com/office/drawing/2014/main" id="{4B2FC4B9-EBEC-8F05-0DD3-D10C1CF0AFA7}"/>
+                </a:ext>
+              </a:extLst>
+            </p:cNvPr>
+            <p:cNvCxnSpPr>
+              <a:cxnSpLocks/>
+            </p:cNvCxnSpPr>
+            <p:nvPr/>
+          </p:nvCxnSpPr>
+          <p:spPr>
+            <a:xfrm>
+              <a:off x="15121123" y="4691642"/>
+              <a:ext cx="1195125" cy="3158789"/>
+            </a:xfrm>
+            <a:prstGeom prst="line">
+              <a:avLst/>
+            </a:prstGeom>
+            <a:ln w="28575">
+              <a:solidFill>
+                <a:schemeClr val="bg1">
+                  <a:lumMod val="65000"/>
+                </a:schemeClr>
+              </a:solidFill>
+              <a:headEnd type="arrow"/>
+            </a:ln>
+          </p:spPr>
+          <p:style>
+            <a:lnRef idx="1">
+              <a:schemeClr val="dk1"/>
+            </a:lnRef>
+            <a:fillRef idx="0">
+              <a:schemeClr val="dk1"/>
+            </a:fillRef>
+            <a:effectRef idx="0">
+              <a:schemeClr val="dk1"/>
+            </a:effectRef>
+            <a:fontRef idx="minor">
+              <a:schemeClr val="tx1"/>
+            </a:fontRef>
+          </p:style>
+        </p:cxnSp>
+        <p:cxnSp>
+          <p:nvCxnSpPr>
+            <p:cNvPr id="12" name="Straight Connector 11">
+              <a:extLst>
+                <a:ext uri="{FF2B5EF4-FFF2-40B4-BE49-F238E27FC236}">
+                  <a16:creationId xmlns:a16="http://schemas.microsoft.com/office/drawing/2014/main" id="{5EEB2FEB-B84D-EA19-93F5-D9ADA811D272}"/>
+                </a:ext>
+              </a:extLst>
+            </p:cNvPr>
+            <p:cNvCxnSpPr>
+              <a:cxnSpLocks/>
+            </p:cNvCxnSpPr>
+            <p:nvPr/>
+          </p:nvCxnSpPr>
+          <p:spPr>
+            <a:xfrm>
+              <a:off x="15118569" y="6358133"/>
+              <a:ext cx="1206890" cy="1488401"/>
+            </a:xfrm>
+            <a:prstGeom prst="line">
+              <a:avLst/>
+            </a:prstGeom>
+            <a:ln w="28575">
+              <a:solidFill>
+                <a:schemeClr val="bg1">
+                  <a:lumMod val="65000"/>
+                </a:schemeClr>
+              </a:solidFill>
+              <a:prstDash val="sysDot"/>
+              <a:headEnd type="arrow"/>
+            </a:ln>
+          </p:spPr>
+          <p:style>
+            <a:lnRef idx="1">
+              <a:schemeClr val="dk1"/>
+            </a:lnRef>
+            <a:fillRef idx="0">
+              <a:schemeClr val="dk1"/>
+            </a:fillRef>
+            <a:effectRef idx="0">
+              <a:schemeClr val="dk1"/>
+            </a:effectRef>
+            <a:fontRef idx="minor">
+              <a:schemeClr val="tx1"/>
+            </a:fontRef>
+          </p:style>
+        </p:cxnSp>
+        <p:grpSp>
+          <p:nvGrpSpPr>
+            <p:cNvPr id="70" name="Group 69">
+              <a:extLst>
+                <a:ext uri="{FF2B5EF4-FFF2-40B4-BE49-F238E27FC236}">
+                  <a16:creationId xmlns:a16="http://schemas.microsoft.com/office/drawing/2014/main" id="{F38C702A-F431-D1BF-FF71-3423BB21C085}"/>
+                </a:ext>
+              </a:extLst>
+            </p:cNvPr>
+            <p:cNvGrpSpPr/>
+            <p:nvPr/>
+          </p:nvGrpSpPr>
+          <p:grpSpPr>
+            <a:xfrm>
+              <a:off x="12414819" y="3416509"/>
+              <a:ext cx="5452545" cy="5645374"/>
+              <a:chOff x="5004628" y="1116776"/>
+              <a:chExt cx="3629988" cy="3758363"/>
+            </a:xfrm>
+          </p:grpSpPr>
+          <p:grpSp>
+            <p:nvGrpSpPr>
+              <p:cNvPr id="66" name="Group 65">
+                <a:extLst>
+                  <a:ext uri="{FF2B5EF4-FFF2-40B4-BE49-F238E27FC236}">
+                    <a16:creationId xmlns:a16="http://schemas.microsoft.com/office/drawing/2014/main" id="{9BF9FE14-7E1C-7C25-7068-CE6571DBAEB4}"/>
+                  </a:ext>
+                </a:extLst>
+              </p:cNvPr>
+              <p:cNvGrpSpPr>
+                <a:grpSpLocks noChangeAspect="1"/>
+              </p:cNvGrpSpPr>
+              <p:nvPr/>
+            </p:nvGrpSpPr>
+            <p:grpSpPr>
+              <a:xfrm>
+                <a:off x="5004628" y="1275139"/>
+                <a:ext cx="3600000" cy="3600000"/>
+                <a:chOff x="5196000" y="2529000"/>
+                <a:chExt cx="1800000" cy="1800000"/>
+              </a:xfrm>
+            </p:grpSpPr>
+            <p:cxnSp>
+              <p:nvCxnSpPr>
+                <p:cNvPr id="63" name="Straight Arrow Connector 62">
+                  <a:extLst>
+                    <a:ext uri="{FF2B5EF4-FFF2-40B4-BE49-F238E27FC236}">
+                      <a16:creationId xmlns:a16="http://schemas.microsoft.com/office/drawing/2014/main" id="{EE760481-29A2-7D17-4B97-CF8436E9DA05}"/>
+                    </a:ext>
+                  </a:extLst>
+                </p:cNvPr>
+                <p:cNvCxnSpPr>
+                  <a:cxnSpLocks/>
+                </p:cNvCxnSpPr>
+                <p:nvPr/>
+              </p:nvCxnSpPr>
+              <p:spPr>
+                <a:xfrm>
+                  <a:off x="5196000" y="3429000"/>
+                  <a:ext cx="1800000" cy="0"/>
+                </a:xfrm>
+                <a:prstGeom prst="straightConnector1">
+                  <a:avLst/>
+                </a:prstGeom>
+                <a:ln>
+                  <a:tailEnd type="triangle"/>
+                </a:ln>
+              </p:spPr>
+              <p:style>
+                <a:lnRef idx="1">
+                  <a:schemeClr val="accent1"/>
+                </a:lnRef>
+                <a:fillRef idx="0">
+                  <a:schemeClr val="accent1"/>
+                </a:fillRef>
+                <a:effectRef idx="0">
+                  <a:schemeClr val="accent1"/>
+                </a:effectRef>
+                <a:fontRef idx="minor">
+                  <a:schemeClr val="tx1"/>
+                </a:fontRef>
+              </p:style>
+            </p:cxnSp>
+            <p:cxnSp>
+              <p:nvCxnSpPr>
+                <p:cNvPr id="64" name="Straight Arrow Connector 63">
+                  <a:extLst>
+                    <a:ext uri="{FF2B5EF4-FFF2-40B4-BE49-F238E27FC236}">
+                      <a16:creationId xmlns:a16="http://schemas.microsoft.com/office/drawing/2014/main" id="{3BE1065D-936B-396E-F45D-6E29D33127CC}"/>
+                    </a:ext>
+                  </a:extLst>
+                </p:cNvPr>
+                <p:cNvCxnSpPr>
+                  <a:cxnSpLocks/>
+                </p:cNvCxnSpPr>
+                <p:nvPr/>
+              </p:nvCxnSpPr>
+              <p:spPr>
+                <a:xfrm flipV="1">
+                  <a:off x="6096000" y="2529000"/>
+                  <a:ext cx="0" cy="1800000"/>
+                </a:xfrm>
+                <a:prstGeom prst="straightConnector1">
+                  <a:avLst/>
+                </a:prstGeom>
+                <a:ln>
+                  <a:tailEnd type="triangle"/>
+                </a:ln>
+              </p:spPr>
+              <p:style>
+                <a:lnRef idx="1">
+                  <a:schemeClr val="accent1"/>
+                </a:lnRef>
+                <a:fillRef idx="0">
+                  <a:schemeClr val="accent1"/>
+                </a:fillRef>
+                <a:effectRef idx="0">
+                  <a:schemeClr val="accent1"/>
+                </a:effectRef>
+                <a:fontRef idx="minor">
+                  <a:schemeClr val="tx1"/>
+                </a:fontRef>
+              </p:style>
+            </p:cxnSp>
+          </p:grpSp>
+          <p:sp>
+            <p:nvSpPr>
+              <p:cNvPr id="68" name="TextBox 67">
+                <a:extLst>
+                  <a:ext uri="{FF2B5EF4-FFF2-40B4-BE49-F238E27FC236}">
+                    <a16:creationId xmlns:a16="http://schemas.microsoft.com/office/drawing/2014/main" id="{693AB8AD-F13C-E48A-ECBA-11E5BE4ECE43}"/>
+                  </a:ext>
+                </a:extLst>
+              </p:cNvPr>
+              <p:cNvSpPr txBox="1"/>
+              <p:nvPr/>
+            </p:nvSpPr>
+            <p:spPr>
+              <a:xfrm>
+                <a:off x="6808625" y="1116776"/>
+                <a:ext cx="213651" cy="338512"/>
+              </a:xfrm>
+              <a:prstGeom prst="rect">
+                <a:avLst/>
+              </a:prstGeom>
+              <a:noFill/>
+            </p:spPr>
+            <p:txBody>
+              <a:bodyPr wrap="none" rtlCol="0">
+                <a:spAutoFit/>
+              </a:bodyPr>
+              <a:lstStyle/>
+              <a:p>
+                <a:r>
+                  <a:rPr lang="en-CN" sz="2704" dirty="0">
+                    <a:solidFill>
+                      <a:schemeClr val="accent1"/>
+                    </a:solidFill>
+                    <a:latin typeface="Goudy Old Style" panose="02020502050305020303" pitchFamily="18" charset="77"/>
+                    <a:cs typeface="Sathu" pitchFamily="2" charset="-34"/>
+                  </a:rPr>
+                  <a:t>y</a:t>
+                </a:r>
+              </a:p>
+            </p:txBody>
+          </p:sp>
+          <p:sp>
+            <p:nvSpPr>
+              <p:cNvPr id="69" name="TextBox 68">
+                <a:extLst>
+                  <a:ext uri="{FF2B5EF4-FFF2-40B4-BE49-F238E27FC236}">
+                    <a16:creationId xmlns:a16="http://schemas.microsoft.com/office/drawing/2014/main" id="{3132D16D-88C6-9A85-71FE-48334D060536}"/>
+                  </a:ext>
+                </a:extLst>
+              </p:cNvPr>
+              <p:cNvSpPr txBox="1"/>
+              <p:nvPr/>
+            </p:nvSpPr>
+            <p:spPr>
+              <a:xfrm>
+                <a:off x="8411361" y="3008559"/>
+                <a:ext cx="223255" cy="338512"/>
+              </a:xfrm>
+              <a:prstGeom prst="rect">
+                <a:avLst/>
+              </a:prstGeom>
+              <a:noFill/>
+            </p:spPr>
+            <p:txBody>
+              <a:bodyPr wrap="none" rtlCol="0">
+                <a:spAutoFit/>
+              </a:bodyPr>
+              <a:lstStyle/>
+              <a:p>
+                <a:r>
+                  <a:rPr lang="en-CN" sz="2704" dirty="0">
+                    <a:solidFill>
+                      <a:schemeClr val="accent1"/>
+                    </a:solidFill>
+                    <a:latin typeface="Goudy Old Style" panose="02020502050305020303" pitchFamily="18" charset="77"/>
+                    <a:cs typeface="Sathu" pitchFamily="2" charset="-34"/>
+                  </a:rPr>
+                  <a:t>x</a:t>
+                </a:r>
+              </a:p>
+            </p:txBody>
+          </p:sp>
+        </p:grpSp>
+        <p:sp>
+          <p:nvSpPr>
+            <p:cNvPr id="88" name="Arc 87">
+              <a:extLst>
+                <a:ext uri="{FF2B5EF4-FFF2-40B4-BE49-F238E27FC236}">
+                  <a16:creationId xmlns:a16="http://schemas.microsoft.com/office/drawing/2014/main" id="{85C16022-7E30-63B6-C214-AF121F4B4D67}"/>
+                </a:ext>
+              </a:extLst>
+            </p:cNvPr>
+            <p:cNvSpPr/>
+            <p:nvPr/>
+          </p:nvSpPr>
+          <p:spPr>
+            <a:xfrm>
+              <a:off x="15196867" y="6267864"/>
+              <a:ext cx="1373505" cy="1373505"/>
+            </a:xfrm>
+            <a:prstGeom prst="arc">
+              <a:avLst>
+                <a:gd name="adj1" fmla="val 13244703"/>
+                <a:gd name="adj2" fmla="val 15036454"/>
+              </a:avLst>
+            </a:prstGeom>
+            <a:ln w="50800">
+              <a:solidFill>
+                <a:srgbClr val="FF0000"/>
+              </a:solidFill>
+              <a:tailEnd type="triangle"/>
+            </a:ln>
+          </p:spPr>
+          <p:style>
+            <a:lnRef idx="1">
+              <a:schemeClr val="accent1"/>
+            </a:lnRef>
+            <a:fillRef idx="0">
+              <a:schemeClr val="accent1"/>
+            </a:fillRef>
+            <a:effectRef idx="0">
+              <a:schemeClr val="accent1"/>
+            </a:effectRef>
+            <a:fontRef idx="minor">
+              <a:schemeClr val="tx1"/>
+            </a:fontRef>
+          </p:style>
+          <p:txBody>
+            <a:bodyPr rtlCol="0" anchor="ctr"/>
+            <a:lstStyle/>
+            <a:p>
+              <a:pPr algn="ctr"/>
+              <a:endParaRPr lang="en-CN" sz="2704"/>
+            </a:p>
+          </p:txBody>
+        </p:sp>
+        <p:sp>
+          <p:nvSpPr>
+            <p:cNvPr id="94" name="TextBox 93">
+              <a:extLst>
+                <a:ext uri="{FF2B5EF4-FFF2-40B4-BE49-F238E27FC236}">
+                  <a16:creationId xmlns:a16="http://schemas.microsoft.com/office/drawing/2014/main" id="{27576097-E39C-DA99-0339-F072CBAC8AE4}"/>
+                </a:ext>
+              </a:extLst>
+            </p:cNvPr>
+            <p:cNvSpPr txBox="1"/>
+            <p:nvPr/>
+          </p:nvSpPr>
+          <p:spPr>
+            <a:xfrm>
+              <a:off x="16644771" y="6908019"/>
+              <a:ext cx="1569660" cy="369332"/>
+            </a:xfrm>
+            <a:prstGeom prst="rect">
+              <a:avLst/>
+            </a:prstGeom>
+            <a:noFill/>
+          </p:spPr>
+          <p:txBody>
+            <a:bodyPr wrap="none" rtlCol="0">
+              <a:spAutoFit/>
+            </a:bodyPr>
+            <a:lstStyle/>
+            <a:p>
+              <a:r>
+                <a:rPr lang="en-US" dirty="0" err="1">
+                  <a:solidFill>
+                    <a:schemeClr val="bg1">
+                      <a:lumMod val="65000"/>
+                    </a:schemeClr>
+                  </a:solidFill>
+                </a:rPr>
+                <a:t>眼动向前射线</a:t>
+              </a:r>
+              <a:endParaRPr lang="en-CN" dirty="0">
+                <a:solidFill>
+                  <a:schemeClr val="bg1">
+                    <a:lumMod val="65000"/>
+                  </a:schemeClr>
+                </a:solidFill>
+              </a:endParaRPr>
+            </a:p>
+          </p:txBody>
+        </p:sp>
+        <p:grpSp>
+          <p:nvGrpSpPr>
+            <p:cNvPr id="99" name="Group 98">
+              <a:extLst>
+                <a:ext uri="{FF2B5EF4-FFF2-40B4-BE49-F238E27FC236}">
+                  <a16:creationId xmlns:a16="http://schemas.microsoft.com/office/drawing/2014/main" id="{2681589E-8F31-CA60-D057-E0B290AAF072}"/>
+                </a:ext>
+              </a:extLst>
+            </p:cNvPr>
+            <p:cNvGrpSpPr/>
+            <p:nvPr/>
+          </p:nvGrpSpPr>
+          <p:grpSpPr>
+            <a:xfrm>
+              <a:off x="18791170" y="3417343"/>
+              <a:ext cx="5776202" cy="5644800"/>
+              <a:chOff x="12406484" y="26564"/>
+              <a:chExt cx="5776202" cy="5644800"/>
+            </a:xfrm>
+          </p:grpSpPr>
+          <p:grpSp>
+            <p:nvGrpSpPr>
+              <p:cNvPr id="86" name="Group 85">
+                <a:extLst>
+                  <a:ext uri="{FF2B5EF4-FFF2-40B4-BE49-F238E27FC236}">
+                    <a16:creationId xmlns:a16="http://schemas.microsoft.com/office/drawing/2014/main" id="{D5CAB410-8211-24AA-F6D4-4AB9DB5E2C86}"/>
+                  </a:ext>
+                </a:extLst>
+              </p:cNvPr>
+              <p:cNvGrpSpPr/>
+              <p:nvPr/>
+            </p:nvGrpSpPr>
+            <p:grpSpPr>
+              <a:xfrm>
+                <a:off x="12406484" y="26564"/>
+                <a:ext cx="5452545" cy="5644800"/>
+                <a:chOff x="8265119" y="1084119"/>
+                <a:chExt cx="3629988" cy="3758363"/>
+              </a:xfrm>
+            </p:grpSpPr>
+            <p:grpSp>
+              <p:nvGrpSpPr>
+                <p:cNvPr id="48" name="Group 47">
+                  <a:extLst>
+                    <a:ext uri="{FF2B5EF4-FFF2-40B4-BE49-F238E27FC236}">
+                      <a16:creationId xmlns:a16="http://schemas.microsoft.com/office/drawing/2014/main" id="{15E7DC55-C157-E440-96E4-404C152D8B1B}"/>
+                    </a:ext>
+                  </a:extLst>
+                </p:cNvPr>
+                <p:cNvGrpSpPr/>
+                <p:nvPr/>
+              </p:nvGrpSpPr>
+              <p:grpSpPr>
+                <a:xfrm>
+                  <a:off x="10699727" y="3690380"/>
+                  <a:ext cx="866402" cy="1025611"/>
+                  <a:chOff x="7579941" y="3963212"/>
+                  <a:chExt cx="1476117" cy="1747368"/>
+                </a:xfrm>
+              </p:grpSpPr>
+              <p:pic>
+                <p:nvPicPr>
+                  <p:cNvPr id="49" name="Picture 8" descr="Big Image - Head Silhouette Clipart, HD Png Download - 2032x2304(#2137798)  - PngFind">
+                    <a:extLst>
+                      <a:ext uri="{FF2B5EF4-FFF2-40B4-BE49-F238E27FC236}">
+                        <a16:creationId xmlns:a16="http://schemas.microsoft.com/office/drawing/2014/main" id="{A1EECAC3-A215-5F1E-8B7B-D8675C12BA1D}"/>
+                      </a:ext>
+                    </a:extLst>
+                  </p:cNvPr>
+                  <p:cNvPicPr>
+                    <a:picLocks noChangeAspect="1" noChangeArrowheads="1"/>
+                  </p:cNvPicPr>
+                  <p:nvPr/>
+                </p:nvPicPr>
+                <p:blipFill>
+                  <a:blip r:embed="rId2">
+                    <a:extLst>
+                      <a:ext uri="{BEBA8EAE-BF5A-486C-A8C5-ECC9F3942E4B}">
+                        <a14:imgProps xmlns:a14="http://schemas.microsoft.com/office/drawing/2010/main">
+                          <a14:imgLayer r:embed="rId3">
+                            <a14:imgEffect>
+                              <a14:backgroundRemoval t="6956" b="92440" l="1667" r="95000">
+                                <a14:foregroundMark x1="25476" y1="29738" x2="31429" y2="14214"/>
+                                <a14:foregroundMark x1="31429" y1="14214" x2="50119" y2="6956"/>
+                                <a14:foregroundMark x1="50119" y1="6956" x2="52619" y2="7560"/>
+                                <a14:foregroundMark x1="52619" y1="13609" x2="52619" y2="13609"/>
+                                <a14:foregroundMark x1="7381" y1="28226" x2="6786" y2="33468"/>
+                                <a14:foregroundMark x1="43095" y1="92641" x2="43095" y2="92641"/>
+                                <a14:foregroundMark x1="90952" y1="51210" x2="90952" y2="51210"/>
+                                <a14:foregroundMark x1="1667" y1="34577" x2="1667" y2="34577"/>
+                                <a14:foregroundMark x1="95000" y1="52419" x2="95000" y2="52419"/>
+                              </a14:backgroundRemoval>
+                            </a14:imgEffect>
+                          </a14:imgLayer>
+                        </a14:imgProps>
+                      </a:ext>
+                      <a:ext uri="{28A0092B-C50C-407E-A947-70E740481C1C}">
+                        <a14:useLocalDpi xmlns:a14="http://schemas.microsoft.com/office/drawing/2010/main" val="0"/>
+                      </a:ext>
+                    </a:extLst>
+                  </a:blip>
+                  <a:srcRect/>
+                  <a:stretch>
+                    <a:fillRect/>
+                  </a:stretch>
+                </p:blipFill>
+                <p:spPr bwMode="auto">
+                  <a:xfrm flipH="1">
+                    <a:off x="7579941" y="3963212"/>
+                    <a:ext cx="1476117" cy="1747368"/>
+                  </a:xfrm>
+                  <a:prstGeom prst="rect">
+                    <a:avLst/>
+                  </a:prstGeom>
+                  <a:noFill/>
+                  <a:extLst>
+                    <a:ext uri="{909E8E84-426E-40DD-AFC4-6F175D3DCCD1}">
+                      <a14:hiddenFill xmlns:a14="http://schemas.microsoft.com/office/drawing/2010/main">
+                        <a:solidFill>
+                          <a:srgbClr val="FFFFFF"/>
+                        </a:solidFill>
+                      </a14:hiddenFill>
+                    </a:ext>
+                  </a:extLst>
+                </p:spPr>
+              </p:pic>
+              <p:pic>
+                <p:nvPicPr>
+                  <p:cNvPr id="50" name="Picture 10">
+                    <a:extLst>
+                      <a:ext uri="{FF2B5EF4-FFF2-40B4-BE49-F238E27FC236}">
+                        <a16:creationId xmlns:a16="http://schemas.microsoft.com/office/drawing/2014/main" id="{CECF14F1-C1D0-D05C-0B97-5658597AFFC7}"/>
+                      </a:ext>
+                    </a:extLst>
+                  </p:cNvPr>
+                  <p:cNvPicPr>
+                    <a:picLocks noChangeAspect="1" noChangeArrowheads="1"/>
+                  </p:cNvPicPr>
+                  <p:nvPr/>
+                </p:nvPicPr>
+                <p:blipFill>
+                  <a:blip r:embed="rId4">
+                    <a:lum bright="70000" contrast="-70000"/>
+                    <a:extLst>
+                      <a:ext uri="{28A0092B-C50C-407E-A947-70E740481C1C}">
+                        <a14:useLocalDpi xmlns:a14="http://schemas.microsoft.com/office/drawing/2010/main" val="0"/>
+                      </a:ext>
+                    </a:extLst>
+                  </a:blip>
+                  <a:srcRect/>
+                  <a:stretch>
+                    <a:fillRect/>
+                  </a:stretch>
+                </p:blipFill>
+                <p:spPr bwMode="auto">
+                  <a:xfrm>
+                    <a:off x="7848979" y="4552711"/>
+                    <a:ext cx="261887" cy="261887"/>
+                  </a:xfrm>
+                  <a:prstGeom prst="rect">
+                    <a:avLst/>
+                  </a:prstGeom>
+                  <a:noFill/>
+                  <a:extLst>
+                    <a:ext uri="{909E8E84-426E-40DD-AFC4-6F175D3DCCD1}">
+                      <a14:hiddenFill xmlns:a14="http://schemas.microsoft.com/office/drawing/2010/main">
+                        <a:solidFill>
+                          <a:srgbClr val="FFFFFF"/>
+                        </a:solidFill>
+                      </a14:hiddenFill>
+                    </a:ext>
+                  </a:extLst>
+                </p:spPr>
+              </p:pic>
+            </p:grpSp>
+            <mc:AlternateContent xmlns:mc="http://schemas.openxmlformats.org/markup-compatibility/2006">
+              <mc:Choice xmlns:am3d="http://schemas.microsoft.com/office/drawing/2017/model3d" Requires="am3d">
+                <p:graphicFrame>
+                  <p:nvGraphicFramePr>
+                    <p:cNvPr id="51" name="3D Model 20" descr="Prism And Basal Pinacoid White">
+                      <a:extLst>
+                        <a:ext uri="{FF2B5EF4-FFF2-40B4-BE49-F238E27FC236}">
+                          <a16:creationId xmlns:a16="http://schemas.microsoft.com/office/drawing/2014/main" id="{415012D4-B501-3C57-71B4-828BFDB54502}"/>
+                        </a:ext>
+                      </a:extLst>
+                    </p:cNvPr>
+                    <p:cNvGraphicFramePr>
+                      <a:graphicFrameLocks noChangeAspect="1"/>
+                    </p:cNvGraphicFramePr>
+                    <p:nvPr/>
+                  </p:nvGraphicFramePr>
+                  <p:xfrm>
+                    <a:off x="9253628" y="2118815"/>
+                    <a:ext cx="1468083" cy="1663770"/>
+                  </p:xfrm>
+                  <a:graphic>
+                    <a:graphicData uri="http://schemas.microsoft.com/office/drawing/2017/model3d">
+                      <am3d:model3d r:embed="rId5">
+                        <am3d:spPr>
+                          <a:xfrm>
+                            <a:off x="0" y="0"/>
+                            <a:ext cx="1468083" cy="1663770"/>
+                          </a:xfrm>
+                          <a:prstGeom prst="rect">
+                            <a:avLst/>
+                          </a:prstGeom>
+                          <a:effectLst>
+                            <a:glow rad="259103">
+                              <a:schemeClr val="accent1">
+                                <a:lumMod val="60000"/>
+                                <a:lumOff val="40000"/>
+                                <a:alpha val="62000"/>
+                              </a:schemeClr>
+                            </a:glow>
+                          </a:effectLst>
+                        </am3d:spPr>
+                        <am3d:camera>
+                          <am3d:pos x="0" y="0" z="81469150"/>
+                          <am3d:up dx="0" dy="36000000" dz="0"/>
+                          <am3d:lookAt x="0" y="0" z="0"/>
+                          <am3d:perspective fov="2700000"/>
+                        </am3d:camera>
+                        <am3d:trans>
+                          <am3d:meterPerModelUnit n="139970" d="1000000"/>
+                          <am3d:preTrans dx="-76" dy="-17999982" dz="1"/>
+                          <am3d:scale>
+                            <am3d:sx n="1000000" d="1000000"/>
+                            <am3d:sy n="1000000" d="1000000"/>
+                            <am3d:sz n="1000000" d="1000000"/>
+                          </am3d:scale>
+                          <am3d:rot ax="-2183283" ay="2913714" az="9064903"/>
+                          <am3d:postTrans dx="0" dy="0" dz="0"/>
+                        </am3d:trans>
+                        <am3d:raster rName="Office3DRenderer" rVer="16.0.8326">
+                          <am3d:blip r:embed="rId14"/>
+                        </am3d:raster>
+                        <am3d:objViewport viewportSz="2565326"/>
+                        <am3d:ambientLight>
+                          <am3d:clr>
+                            <a:scrgbClr r="50000" g="50000" b="50000"/>
+                          </am3d:clr>
+                          <am3d:illuminance n="500000" d="1000000"/>
+                        </am3d:ambientLight>
+                        <am3d:ptLight rad="0">
+                          <am3d:clr>
+                            <a:scrgbClr r="100000" g="75000" b="50000"/>
+                          </am3d:clr>
+                          <am3d:intensity n="9765625" d="1000000"/>
+                          <am3d:pos x="21959998" y="70920001" z="16344003"/>
+                        </am3d:ptLight>
+                        <am3d:ptLight rad="0">
+                          <am3d:clr>
+                            <a:scrgbClr r="40000" g="60000" b="95000"/>
+                          </am3d:clr>
+                          <am3d:intensity n="12250000" d="1000000"/>
+                          <am3d:pos x="-37964106" y="51130435" z="57631972"/>
+                        </am3d:ptLight>
+                        <am3d:ptLight rad="0">
+                          <am3d:clr>
+                            <a:scrgbClr r="86837" g="72700" b="100000"/>
+                          </am3d:clr>
+                          <am3d:intensity n="3125000" d="1000000"/>
+                          <am3d:pos x="-37739122" y="58056624" z="-34769649"/>
+                        </am3d:ptLight>
+                      </am3d:model3d>
+                    </a:graphicData>
+                  </a:graphic>
+                </p:graphicFrame>
+              </mc:Choice>
+              <mc:Fallback>
+                <p:pic>
+                  <p:nvPicPr>
+                    <p:cNvPr id="51" name="3D Model 20" descr="Prism And Basal Pinacoid White">
+                      <a:extLst>
+                        <a:ext uri="{FF2B5EF4-FFF2-40B4-BE49-F238E27FC236}">
+                          <a16:creationId xmlns:a16="http://schemas.microsoft.com/office/drawing/2014/main" id="{415012D4-B501-3C57-71B4-828BFDB54502}"/>
+                        </a:ext>
+                      </a:extLst>
+                    </p:cNvPr>
+                    <p:cNvPicPr>
+                      <a:picLocks noGrp="1" noRot="1" noChangeAspect="1" noMove="1" noResize="1" noEditPoints="1" noAdjustHandles="1" noChangeArrowheads="1" noChangeShapeType="1" noCrop="1"/>
+                    </p:cNvPicPr>
+                    <p:nvPr/>
+                  </p:nvPicPr>
+                  <p:blipFill>
+                    <a:blip r:embed="rId14"/>
+                    <a:stretch>
+                      <a:fillRect/>
+                    </a:stretch>
+                  </p:blipFill>
+                  <p:spPr>
+                    <a:xfrm>
+                      <a:off x="20275993" y="4971384"/>
+                      <a:ext cx="2205183" cy="2498867"/>
+                    </a:xfrm>
+                    <a:prstGeom prst="rect">
+                      <a:avLst/>
+                    </a:prstGeom>
+                    <a:effectLst>
+                      <a:glow rad="259103">
+                        <a:schemeClr val="accent1">
+                          <a:lumMod val="60000"/>
+                          <a:lumOff val="40000"/>
+                          <a:alpha val="62000"/>
+                        </a:schemeClr>
+                      </a:glow>
+                    </a:effectLst>
+                  </p:spPr>
+                </p:pic>
+              </mc:Fallback>
+            </mc:AlternateContent>
+            <p:cxnSp>
+              <p:nvCxnSpPr>
+                <p:cNvPr id="52" name="Straight Connector 51">
+                  <a:extLst>
+                    <a:ext uri="{FF2B5EF4-FFF2-40B4-BE49-F238E27FC236}">
+                      <a16:creationId xmlns:a16="http://schemas.microsoft.com/office/drawing/2014/main" id="{EB995193-DA26-E2B3-EF75-3CD163F78F2A}"/>
+                    </a:ext>
+                  </a:extLst>
+                </p:cNvPr>
+                <p:cNvCxnSpPr>
+                  <a:cxnSpLocks/>
+                </p:cNvCxnSpPr>
+                <p:nvPr/>
+              </p:nvCxnSpPr>
+              <p:spPr>
+                <a:xfrm flipH="1">
+                  <a:off x="10912982" y="3042481"/>
+                  <a:ext cx="188251" cy="1021854"/>
+                </a:xfrm>
+                <a:prstGeom prst="line">
+                  <a:avLst/>
+                </a:prstGeom>
+                <a:ln w="28575">
+                  <a:solidFill>
+                    <a:schemeClr val="bg1">
+                      <a:lumMod val="65000"/>
+                    </a:schemeClr>
+                  </a:solidFill>
+                  <a:headEnd type="arrow"/>
+                </a:ln>
+              </p:spPr>
+              <p:style>
+                <a:lnRef idx="1">
+                  <a:schemeClr val="dk1"/>
+                </a:lnRef>
+                <a:fillRef idx="0">
+                  <a:schemeClr val="dk1"/>
+                </a:fillRef>
+                <a:effectRef idx="0">
+                  <a:schemeClr val="dk1"/>
+                </a:effectRef>
+                <a:fontRef idx="minor">
+                  <a:schemeClr val="tx1"/>
+                </a:fontRef>
+              </p:style>
+            </p:cxnSp>
+            <p:cxnSp>
+              <p:nvCxnSpPr>
+                <p:cNvPr id="53" name="Straight Connector 52">
+                  <a:extLst>
+                    <a:ext uri="{FF2B5EF4-FFF2-40B4-BE49-F238E27FC236}">
+                      <a16:creationId xmlns:a16="http://schemas.microsoft.com/office/drawing/2014/main" id="{9E68AA2D-8F63-5CF9-A1A9-EB0A297D225A}"/>
+                    </a:ext>
+                  </a:extLst>
+                </p:cNvPr>
+                <p:cNvCxnSpPr>
+                  <a:cxnSpLocks/>
+                </p:cNvCxnSpPr>
+                <p:nvPr/>
+              </p:nvCxnSpPr>
+              <p:spPr>
+                <a:xfrm>
+                  <a:off x="10076465" y="3042482"/>
+                  <a:ext cx="842649" cy="1019258"/>
+                </a:xfrm>
+                <a:prstGeom prst="line">
+                  <a:avLst/>
+                </a:prstGeom>
+                <a:ln w="28575">
+                  <a:solidFill>
+                    <a:schemeClr val="bg1">
+                      <a:lumMod val="65000"/>
+                    </a:schemeClr>
+                  </a:solidFill>
+                  <a:prstDash val="sysDot"/>
+                  <a:headEnd type="arrow"/>
+                </a:ln>
+              </p:spPr>
+              <p:style>
+                <a:lnRef idx="1">
+                  <a:schemeClr val="dk1"/>
+                </a:lnRef>
+                <a:fillRef idx="0">
+                  <a:schemeClr val="dk1"/>
+                </a:fillRef>
+                <a:effectRef idx="0">
+                  <a:schemeClr val="dk1"/>
+                </a:effectRef>
+                <a:fontRef idx="minor">
+                  <a:schemeClr val="tx1"/>
+                </a:fontRef>
+              </p:style>
+            </p:cxnSp>
+            <p:grpSp>
+              <p:nvGrpSpPr>
+                <p:cNvPr id="77" name="Group 76">
+                  <a:extLst>
+                    <a:ext uri="{FF2B5EF4-FFF2-40B4-BE49-F238E27FC236}">
+                      <a16:creationId xmlns:a16="http://schemas.microsoft.com/office/drawing/2014/main" id="{B58FFFE3-83A2-41DB-0A45-A905185D184D}"/>
+                    </a:ext>
+                  </a:extLst>
+                </p:cNvPr>
+                <p:cNvGrpSpPr/>
+                <p:nvPr/>
+              </p:nvGrpSpPr>
+              <p:grpSpPr>
+                <a:xfrm>
+                  <a:off x="8265119" y="1084119"/>
+                  <a:ext cx="3629988" cy="3758363"/>
+                  <a:chOff x="5004628" y="1116776"/>
+                  <a:chExt cx="3629988" cy="3758363"/>
+                </a:xfrm>
+              </p:grpSpPr>
+              <p:grpSp>
+                <p:nvGrpSpPr>
+                  <p:cNvPr id="78" name="Group 77">
+                    <a:extLst>
+                      <a:ext uri="{FF2B5EF4-FFF2-40B4-BE49-F238E27FC236}">
+                        <a16:creationId xmlns:a16="http://schemas.microsoft.com/office/drawing/2014/main" id="{E6A3A94D-EA6C-9339-89C3-F62B0968212E}"/>
+                      </a:ext>
+                    </a:extLst>
+                  </p:cNvPr>
+                  <p:cNvGrpSpPr>
+                    <a:grpSpLocks noChangeAspect="1"/>
+                  </p:cNvGrpSpPr>
+                  <p:nvPr/>
+                </p:nvGrpSpPr>
+                <p:grpSpPr>
+                  <a:xfrm>
+                    <a:off x="5004628" y="1275139"/>
+                    <a:ext cx="3600000" cy="3600000"/>
+                    <a:chOff x="5196000" y="2529000"/>
+                    <a:chExt cx="1800000" cy="1800000"/>
+                  </a:xfrm>
+                </p:grpSpPr>
+                <p:cxnSp>
+                  <p:nvCxnSpPr>
+                    <p:cNvPr id="81" name="Straight Arrow Connector 80">
+                      <a:extLst>
+                        <a:ext uri="{FF2B5EF4-FFF2-40B4-BE49-F238E27FC236}">
+                          <a16:creationId xmlns:a16="http://schemas.microsoft.com/office/drawing/2014/main" id="{150C58BB-8DDA-F08D-75BD-5AFFDC28E059}"/>
+                        </a:ext>
+                      </a:extLst>
+                    </p:cNvPr>
+                    <p:cNvCxnSpPr>
+                      <a:cxnSpLocks/>
+                    </p:cNvCxnSpPr>
+                    <p:nvPr/>
+                  </p:nvCxnSpPr>
+                  <p:spPr>
+                    <a:xfrm>
+                      <a:off x="5196000" y="3429000"/>
+                      <a:ext cx="1800000" cy="0"/>
+                    </a:xfrm>
+                    <a:prstGeom prst="straightConnector1">
+                      <a:avLst/>
+                    </a:prstGeom>
+                    <a:ln>
+                      <a:tailEnd type="triangle"/>
+                    </a:ln>
+                  </p:spPr>
+                  <p:style>
+                    <a:lnRef idx="1">
+                      <a:schemeClr val="accent1"/>
+                    </a:lnRef>
+                    <a:fillRef idx="0">
+                      <a:schemeClr val="accent1"/>
+                    </a:fillRef>
+                    <a:effectRef idx="0">
+                      <a:schemeClr val="accent1"/>
+                    </a:effectRef>
+                    <a:fontRef idx="minor">
+                      <a:schemeClr val="tx1"/>
+                    </a:fontRef>
+                  </p:style>
+                </p:cxnSp>
+                <p:cxnSp>
+                  <p:nvCxnSpPr>
+                    <p:cNvPr id="82" name="Straight Arrow Connector 81">
+                      <a:extLst>
+                        <a:ext uri="{FF2B5EF4-FFF2-40B4-BE49-F238E27FC236}">
+                          <a16:creationId xmlns:a16="http://schemas.microsoft.com/office/drawing/2014/main" id="{E8058B56-3E1D-E598-72B9-3188924D5605}"/>
+                        </a:ext>
+                      </a:extLst>
+                    </p:cNvPr>
+                    <p:cNvCxnSpPr>
+                      <a:cxnSpLocks/>
+                    </p:cNvCxnSpPr>
+                    <p:nvPr/>
+                  </p:nvCxnSpPr>
+                  <p:spPr>
+                    <a:xfrm flipV="1">
+                      <a:off x="6096000" y="2529000"/>
+                      <a:ext cx="0" cy="1800000"/>
+                    </a:xfrm>
+                    <a:prstGeom prst="straightConnector1">
+                      <a:avLst/>
+                    </a:prstGeom>
+                    <a:ln>
+                      <a:tailEnd type="triangle"/>
+                    </a:ln>
+                  </p:spPr>
+                  <p:style>
+                    <a:lnRef idx="1">
+                      <a:schemeClr val="accent1"/>
+                    </a:lnRef>
+                    <a:fillRef idx="0">
+                      <a:schemeClr val="accent1"/>
+                    </a:fillRef>
+                    <a:effectRef idx="0">
+                      <a:schemeClr val="accent1"/>
+                    </a:effectRef>
+                    <a:fontRef idx="minor">
+                      <a:schemeClr val="tx1"/>
+                    </a:fontRef>
+                  </p:style>
+                </p:cxnSp>
+              </p:grpSp>
+              <p:sp>
+                <p:nvSpPr>
+                  <p:cNvPr id="79" name="TextBox 78">
+                    <a:extLst>
+                      <a:ext uri="{FF2B5EF4-FFF2-40B4-BE49-F238E27FC236}">
+                        <a16:creationId xmlns:a16="http://schemas.microsoft.com/office/drawing/2014/main" id="{24EC1CB7-431F-CA11-C9A9-BC6752E390C0}"/>
+                      </a:ext>
+                    </a:extLst>
+                  </p:cNvPr>
+                  <p:cNvSpPr txBox="1"/>
+                  <p:nvPr/>
+                </p:nvSpPr>
+                <p:spPr>
+                  <a:xfrm>
+                    <a:off x="6808625" y="1116776"/>
+                    <a:ext cx="213651" cy="338512"/>
+                  </a:xfrm>
+                  <a:prstGeom prst="rect">
+                    <a:avLst/>
+                  </a:prstGeom>
+                  <a:noFill/>
+                </p:spPr>
+                <p:txBody>
+                  <a:bodyPr wrap="none" rtlCol="0">
+                    <a:spAutoFit/>
+                  </a:bodyPr>
+                  <a:lstStyle/>
+                  <a:p>
+                    <a:r>
+                      <a:rPr lang="en-CN" sz="2704" dirty="0">
+                        <a:solidFill>
+                          <a:schemeClr val="accent1"/>
+                        </a:solidFill>
+                        <a:latin typeface="Goudy Old Style" panose="02020502050305020303" pitchFamily="18" charset="77"/>
+                        <a:cs typeface="Sathu" pitchFamily="2" charset="-34"/>
+                      </a:rPr>
+                      <a:t>y</a:t>
+                    </a:r>
+                  </a:p>
+                </p:txBody>
+              </p:sp>
+              <p:sp>
+                <p:nvSpPr>
+                  <p:cNvPr id="80" name="TextBox 79">
+                    <a:extLst>
+                      <a:ext uri="{FF2B5EF4-FFF2-40B4-BE49-F238E27FC236}">
+                        <a16:creationId xmlns:a16="http://schemas.microsoft.com/office/drawing/2014/main" id="{81DF2025-4A82-ADD1-9280-EE42D35D2774}"/>
+                      </a:ext>
+                    </a:extLst>
+                  </p:cNvPr>
+                  <p:cNvSpPr txBox="1"/>
+                  <p:nvPr/>
+                </p:nvSpPr>
+                <p:spPr>
+                  <a:xfrm>
+                    <a:off x="8411361" y="3008559"/>
+                    <a:ext cx="223255" cy="338512"/>
+                  </a:xfrm>
+                  <a:prstGeom prst="rect">
+                    <a:avLst/>
+                  </a:prstGeom>
+                  <a:noFill/>
+                </p:spPr>
+                <p:txBody>
+                  <a:bodyPr wrap="none" rtlCol="0">
+                    <a:spAutoFit/>
+                  </a:bodyPr>
+                  <a:lstStyle/>
+                  <a:p>
+                    <a:r>
+                      <a:rPr lang="en-CN" sz="2704" dirty="0">
+                        <a:solidFill>
+                          <a:schemeClr val="accent1"/>
+                        </a:solidFill>
+                        <a:latin typeface="Goudy Old Style" panose="02020502050305020303" pitchFamily="18" charset="77"/>
+                        <a:cs typeface="Sathu" pitchFamily="2" charset="-34"/>
+                      </a:rPr>
+                      <a:t>x</a:t>
+                    </a:r>
+                  </a:p>
+                </p:txBody>
+              </p:sp>
+            </p:grpSp>
+          </p:grpSp>
+          <p:sp>
+            <p:nvSpPr>
+              <p:cNvPr id="89" name="Arc 88">
+                <a:extLst>
+                  <a:ext uri="{FF2B5EF4-FFF2-40B4-BE49-F238E27FC236}">
+                    <a16:creationId xmlns:a16="http://schemas.microsoft.com/office/drawing/2014/main" id="{35E2FA8E-3D39-EDF3-CBEA-718F08D6E908}"/>
+                  </a:ext>
+                </a:extLst>
+              </p:cNvPr>
+              <p:cNvSpPr/>
+              <p:nvPr/>
+            </p:nvSpPr>
+            <p:spPr>
+              <a:xfrm>
+                <a:off x="15560814" y="3175776"/>
+                <a:ext cx="1373505" cy="1373505"/>
+              </a:xfrm>
+              <a:prstGeom prst="arc">
+                <a:avLst>
+                  <a:gd name="adj1" fmla="val 13244703"/>
+                  <a:gd name="adj2" fmla="val 17692262"/>
+                </a:avLst>
+              </a:prstGeom>
+              <a:ln w="50800">
+                <a:solidFill>
+                  <a:srgbClr val="FF0000"/>
+                </a:solidFill>
+                <a:tailEnd type="triangle"/>
+              </a:ln>
+            </p:spPr>
+            <p:style>
+              <a:lnRef idx="1">
+                <a:schemeClr val="accent1"/>
+              </a:lnRef>
+              <a:fillRef idx="0">
+                <a:schemeClr val="accent1"/>
+              </a:fillRef>
+              <a:effectRef idx="0">
+                <a:schemeClr val="accent1"/>
+              </a:effectRef>
+              <a:fontRef idx="minor">
+                <a:schemeClr val="tx1"/>
+              </a:fontRef>
+            </p:style>
+            <p:txBody>
+              <a:bodyPr rtlCol="0" anchor="ctr"/>
+              <a:lstStyle/>
+              <a:p>
+                <a:pPr algn="ctr"/>
+                <a:endParaRPr lang="en-CN" sz="2704"/>
+              </a:p>
+            </p:txBody>
+          </p:sp>
+          <p:sp>
+            <p:nvSpPr>
+              <p:cNvPr id="95" name="TextBox 94">
+                <a:extLst>
+                  <a:ext uri="{FF2B5EF4-FFF2-40B4-BE49-F238E27FC236}">
+                    <a16:creationId xmlns:a16="http://schemas.microsoft.com/office/drawing/2014/main" id="{B88CA69A-72F4-B708-3EB0-AC3E448A42EC}"/>
+                  </a:ext>
+                </a:extLst>
+              </p:cNvPr>
+              <p:cNvSpPr txBox="1"/>
+              <p:nvPr/>
+            </p:nvSpPr>
+            <p:spPr>
+              <a:xfrm>
+                <a:off x="16613026" y="3506757"/>
+                <a:ext cx="1569660" cy="369332"/>
+              </a:xfrm>
+              <a:prstGeom prst="rect">
+                <a:avLst/>
+              </a:prstGeom>
+              <a:noFill/>
+            </p:spPr>
+            <p:txBody>
+              <a:bodyPr wrap="none" rtlCol="0">
+                <a:spAutoFit/>
+              </a:bodyPr>
+              <a:lstStyle/>
+              <a:p>
+                <a:r>
+                  <a:rPr lang="en-US" dirty="0" err="1">
+                    <a:solidFill>
+                      <a:schemeClr val="bg1">
+                        <a:lumMod val="65000"/>
+                      </a:schemeClr>
+                    </a:solidFill>
+                  </a:rPr>
+                  <a:t>眼动向前射线</a:t>
+                </a:r>
+                <a:endParaRPr lang="en-CN" dirty="0">
+                  <a:solidFill>
+                    <a:schemeClr val="bg1">
+                      <a:lumMod val="65000"/>
+                    </a:schemeClr>
+                  </a:solidFill>
+                </a:endParaRPr>
+              </a:p>
+            </p:txBody>
+          </p:sp>
+        </p:grpSp>
+        <p:sp>
+          <p:nvSpPr>
+            <p:cNvPr id="96" name="Oval 95">
+              <a:extLst>
+                <a:ext uri="{FF2B5EF4-FFF2-40B4-BE49-F238E27FC236}">
+                  <a16:creationId xmlns:a16="http://schemas.microsoft.com/office/drawing/2014/main" id="{92137A75-5F39-EAEB-F436-2E282821669E}"/>
+                </a:ext>
+              </a:extLst>
+            </p:cNvPr>
+            <p:cNvSpPr/>
+            <p:nvPr/>
+          </p:nvSpPr>
+          <p:spPr>
+            <a:xfrm>
+              <a:off x="9019806" y="9679925"/>
+              <a:ext cx="614855" cy="614855"/>
+            </a:xfrm>
+            <a:prstGeom prst="ellipse">
+              <a:avLst/>
+            </a:prstGeom>
+            <a:ln w="38100">
+              <a:solidFill>
+                <a:schemeClr val="tx1"/>
+              </a:solidFill>
+            </a:ln>
+          </p:spPr>
+          <p:style>
+            <a:lnRef idx="2">
+              <a:schemeClr val="accent6"/>
+            </a:lnRef>
+            <a:fillRef idx="1">
+              <a:schemeClr val="lt1"/>
+            </a:fillRef>
+            <a:effectRef idx="0">
+              <a:schemeClr val="accent6"/>
+            </a:effectRef>
+            <a:fontRef idx="minor">
+              <a:schemeClr val="dk1"/>
+            </a:fontRef>
+          </p:style>
+          <p:txBody>
+            <a:bodyPr rtlCol="0" anchor="ctr"/>
+            <a:lstStyle/>
+            <a:p>
+              <a:pPr algn="ctr"/>
+              <a:r>
+                <a:rPr lang="en-CN" sz="2800" dirty="0"/>
+                <a:t>1</a:t>
+              </a:r>
+            </a:p>
+          </p:txBody>
+        </p:sp>
+        <p:sp>
+          <p:nvSpPr>
+            <p:cNvPr id="97" name="Oval 96">
+              <a:extLst>
+                <a:ext uri="{FF2B5EF4-FFF2-40B4-BE49-F238E27FC236}">
+                  <a16:creationId xmlns:a16="http://schemas.microsoft.com/office/drawing/2014/main" id="{FBE26B7A-DE6F-D713-1036-6FF6EA1D72AC}"/>
+                </a:ext>
+              </a:extLst>
+            </p:cNvPr>
+            <p:cNvSpPr/>
+            <p:nvPr/>
+          </p:nvSpPr>
+          <p:spPr>
+            <a:xfrm>
+              <a:off x="15220200" y="9679925"/>
+              <a:ext cx="614855" cy="614855"/>
+            </a:xfrm>
+            <a:prstGeom prst="ellipse">
+              <a:avLst/>
+            </a:prstGeom>
+            <a:ln w="38100">
+              <a:solidFill>
+                <a:schemeClr val="tx1"/>
+              </a:solidFill>
+            </a:ln>
+          </p:spPr>
+          <p:style>
+            <a:lnRef idx="2">
+              <a:schemeClr val="accent6"/>
+            </a:lnRef>
+            <a:fillRef idx="1">
+              <a:schemeClr val="lt1"/>
+            </a:fillRef>
+            <a:effectRef idx="0">
+              <a:schemeClr val="accent6"/>
+            </a:effectRef>
+            <a:fontRef idx="minor">
+              <a:schemeClr val="dk1"/>
+            </a:fontRef>
+          </p:style>
+          <p:txBody>
+            <a:bodyPr rtlCol="0" anchor="ctr"/>
+            <a:lstStyle/>
+            <a:p>
+              <a:pPr algn="ctr"/>
+              <a:r>
+                <a:rPr lang="en-CN" sz="2800" dirty="0"/>
+                <a:t>2</a:t>
+              </a:r>
+            </a:p>
+          </p:txBody>
+        </p:sp>
+        <p:sp>
+          <p:nvSpPr>
+            <p:cNvPr id="98" name="Oval 97">
+              <a:extLst>
+                <a:ext uri="{FF2B5EF4-FFF2-40B4-BE49-F238E27FC236}">
+                  <a16:creationId xmlns:a16="http://schemas.microsoft.com/office/drawing/2014/main" id="{518EC41A-3C80-C51D-A50A-9971366D1108}"/>
+                </a:ext>
+              </a:extLst>
+            </p:cNvPr>
+            <p:cNvSpPr/>
+            <p:nvPr/>
+          </p:nvSpPr>
+          <p:spPr>
+            <a:xfrm>
+              <a:off x="21420594" y="9679925"/>
+              <a:ext cx="614855" cy="614855"/>
+            </a:xfrm>
+            <a:prstGeom prst="ellipse">
+              <a:avLst/>
+            </a:prstGeom>
+            <a:ln w="38100">
+              <a:solidFill>
+                <a:schemeClr val="tx1"/>
+              </a:solidFill>
+            </a:ln>
+          </p:spPr>
+          <p:style>
+            <a:lnRef idx="2">
+              <a:schemeClr val="accent6"/>
+            </a:lnRef>
+            <a:fillRef idx="1">
+              <a:schemeClr val="lt1"/>
+            </a:fillRef>
+            <a:effectRef idx="0">
+              <a:schemeClr val="accent6"/>
+            </a:effectRef>
+            <a:fontRef idx="minor">
+              <a:schemeClr val="dk1"/>
+            </a:fontRef>
+          </p:style>
+          <p:txBody>
+            <a:bodyPr rtlCol="0" anchor="ctr"/>
+            <a:lstStyle/>
+            <a:p>
+              <a:pPr algn="ctr"/>
+              <a:r>
+                <a:rPr lang="en-CN" sz="2800" dirty="0"/>
+                <a:t>3</a:t>
+              </a:r>
+            </a:p>
+          </p:txBody>
+        </p:sp>
+        <p:cxnSp>
+          <p:nvCxnSpPr>
+            <p:cNvPr id="102" name="Straight Arrow Connector 101">
+              <a:extLst>
+                <a:ext uri="{FF2B5EF4-FFF2-40B4-BE49-F238E27FC236}">
+                  <a16:creationId xmlns:a16="http://schemas.microsoft.com/office/drawing/2014/main" id="{88272491-5067-6F30-41EF-0D3E1DD20C9E}"/>
+                </a:ext>
+              </a:extLst>
+            </p:cNvPr>
+            <p:cNvCxnSpPr>
+              <a:cxnSpLocks/>
+            </p:cNvCxnSpPr>
+            <p:nvPr/>
+          </p:nvCxnSpPr>
+          <p:spPr>
+            <a:xfrm>
+              <a:off x="9857595" y="9991993"/>
+              <a:ext cx="5223396" cy="0"/>
+            </a:xfrm>
+            <a:prstGeom prst="straightConnector1">
+              <a:avLst/>
+            </a:prstGeom>
+            <a:ln w="88900" cmpd="sng">
+              <a:solidFill>
+                <a:schemeClr val="bg1">
+                  <a:lumMod val="75000"/>
+                </a:schemeClr>
+              </a:solidFill>
+              <a:headEnd type="none" w="med" len="med"/>
+              <a:tailEnd type="triangle" w="med" len="sm"/>
+            </a:ln>
+          </p:spPr>
+          <p:style>
+            <a:lnRef idx="1">
+              <a:schemeClr val="accent1"/>
+            </a:lnRef>
+            <a:fillRef idx="0">
+              <a:schemeClr val="accent1"/>
+            </a:fillRef>
+            <a:effectRef idx="0">
+              <a:schemeClr val="accent1"/>
+            </a:effectRef>
+            <a:fontRef idx="minor">
+              <a:schemeClr val="tx1"/>
+            </a:fontRef>
+          </p:style>
+        </p:cxnSp>
+        <p:grpSp>
+          <p:nvGrpSpPr>
+            <p:cNvPr id="113" name="Group 112">
+              <a:extLst>
+                <a:ext uri="{FF2B5EF4-FFF2-40B4-BE49-F238E27FC236}">
+                  <a16:creationId xmlns:a16="http://schemas.microsoft.com/office/drawing/2014/main" id="{B670321A-41FE-CB06-BC99-7C0BA6E9B2F4}"/>
+                </a:ext>
+              </a:extLst>
+            </p:cNvPr>
+            <p:cNvGrpSpPr>
+              <a:grpSpLocks noChangeAspect="1"/>
+            </p:cNvGrpSpPr>
+            <p:nvPr/>
+          </p:nvGrpSpPr>
+          <p:grpSpPr>
+            <a:xfrm>
+              <a:off x="9942047" y="9306000"/>
+              <a:ext cx="4816665" cy="432000"/>
+              <a:chOff x="5247537" y="887047"/>
+              <a:chExt cx="12366336" cy="1109124"/>
+            </a:xfrm>
+          </p:grpSpPr>
+          <p:pic>
+            <p:nvPicPr>
+              <p:cNvPr id="108" name="Picture 2" descr="Carnegie Mellon, Disney work to improve eye blink animation - The Tartan">
+                <a:extLst>
+                  <a:ext uri="{FF2B5EF4-FFF2-40B4-BE49-F238E27FC236}">
+                    <a16:creationId xmlns:a16="http://schemas.microsoft.com/office/drawing/2014/main" id="{A3E5F716-14DF-CAD2-6E66-FD27763817FE}"/>
+                  </a:ext>
+                </a:extLst>
+              </p:cNvPr>
+              <p:cNvPicPr>
+                <a:picLocks noChangeAspect="1" noChangeArrowheads="1"/>
+              </p:cNvPicPr>
+              <p:nvPr/>
+            </p:nvPicPr>
+            <p:blipFill rotWithShape="1">
+              <a:blip r:embed="rId15">
+                <a:extLst>
+                  <a:ext uri="{28A0092B-C50C-407E-A947-70E740481C1C}">
+                    <a14:useLocalDpi xmlns:a14="http://schemas.microsoft.com/office/drawing/2010/main" val="0"/>
+                  </a:ext>
+                </a:extLst>
+              </a:blip>
+              <a:srcRect b="67002"/>
+              <a:stretch/>
+            </p:blipFill>
+            <p:spPr bwMode="auto">
+              <a:xfrm>
+                <a:off x="5247537" y="887047"/>
+                <a:ext cx="2455442" cy="1093171"/>
+              </a:xfrm>
+              <a:prstGeom prst="rect">
+                <a:avLst/>
+              </a:prstGeom>
+              <a:noFill/>
+              <a:extLst>
+                <a:ext uri="{909E8E84-426E-40DD-AFC4-6F175D3DCCD1}">
+                  <a14:hiddenFill xmlns:a14="http://schemas.microsoft.com/office/drawing/2010/main">
+                    <a:solidFill>
+                      <a:srgbClr val="FFFFFF"/>
+                    </a:solidFill>
+                  </a14:hiddenFill>
+                </a:ext>
+              </a:extLst>
+            </p:spPr>
+          </p:pic>
+          <p:pic>
+            <p:nvPicPr>
+              <p:cNvPr id="109" name="Picture 2" descr="Carnegie Mellon, Disney work to improve eye blink animation - The Tartan">
+                <a:extLst>
+                  <a:ext uri="{FF2B5EF4-FFF2-40B4-BE49-F238E27FC236}">
+                    <a16:creationId xmlns:a16="http://schemas.microsoft.com/office/drawing/2014/main" id="{1459AD8D-C30A-5741-E256-2FD3EBBA7EAE}"/>
+                  </a:ext>
+                </a:extLst>
+              </p:cNvPr>
+              <p:cNvPicPr>
+                <a:picLocks noChangeAspect="1" noChangeArrowheads="1"/>
+              </p:cNvPicPr>
+              <p:nvPr/>
+            </p:nvPicPr>
+            <p:blipFill rotWithShape="1">
+              <a:blip r:embed="rId15">
+                <a:extLst>
+                  <a:ext uri="{28A0092B-C50C-407E-A947-70E740481C1C}">
+                    <a14:useLocalDpi xmlns:a14="http://schemas.microsoft.com/office/drawing/2010/main" val="0"/>
+                  </a:ext>
+                </a:extLst>
+              </a:blip>
+              <a:srcRect t="32612" b="34389"/>
+              <a:stretch/>
+            </p:blipFill>
+            <p:spPr bwMode="auto">
+              <a:xfrm>
+                <a:off x="7763247" y="887047"/>
+                <a:ext cx="2455442" cy="1093171"/>
+              </a:xfrm>
+              <a:prstGeom prst="rect">
+                <a:avLst/>
+              </a:prstGeom>
+              <a:noFill/>
+              <a:extLst>
+                <a:ext uri="{909E8E84-426E-40DD-AFC4-6F175D3DCCD1}">
+                  <a14:hiddenFill xmlns:a14="http://schemas.microsoft.com/office/drawing/2010/main">
+                    <a:solidFill>
+                      <a:srgbClr val="FFFFFF"/>
+                    </a:solidFill>
+                  </a14:hiddenFill>
+                </a:ext>
+              </a:extLst>
+            </p:spPr>
+          </p:pic>
+          <p:pic>
+            <p:nvPicPr>
+              <p:cNvPr id="110" name="Picture 2" descr="Carnegie Mellon, Disney work to improve eye blink animation - The Tartan">
+                <a:extLst>
+                  <a:ext uri="{FF2B5EF4-FFF2-40B4-BE49-F238E27FC236}">
+                    <a16:creationId xmlns:a16="http://schemas.microsoft.com/office/drawing/2014/main" id="{628F2B2B-A298-D7FB-CA21-05B0348F436C}"/>
+                  </a:ext>
+                </a:extLst>
+              </p:cNvPr>
+              <p:cNvPicPr>
+                <a:picLocks noChangeAspect="1" noChangeArrowheads="1"/>
+              </p:cNvPicPr>
+              <p:nvPr/>
+            </p:nvPicPr>
+            <p:blipFill rotWithShape="1">
+              <a:blip r:embed="rId15">
+                <a:extLst>
+                  <a:ext uri="{28A0092B-C50C-407E-A947-70E740481C1C}">
+                    <a14:useLocalDpi xmlns:a14="http://schemas.microsoft.com/office/drawing/2010/main" val="0"/>
+                  </a:ext>
+                </a:extLst>
+              </a:blip>
+              <a:srcRect b="67002"/>
+              <a:stretch/>
+            </p:blipFill>
+            <p:spPr bwMode="auto">
+              <a:xfrm>
+                <a:off x="10187279" y="903000"/>
+                <a:ext cx="2455442" cy="1093171"/>
+              </a:xfrm>
+              <a:prstGeom prst="rect">
+                <a:avLst/>
+              </a:prstGeom>
+              <a:noFill/>
+              <a:extLst>
+                <a:ext uri="{909E8E84-426E-40DD-AFC4-6F175D3DCCD1}">
+                  <a14:hiddenFill xmlns:a14="http://schemas.microsoft.com/office/drawing/2010/main">
+                    <a:solidFill>
+                      <a:srgbClr val="FFFFFF"/>
+                    </a:solidFill>
+                  </a14:hiddenFill>
+                </a:ext>
+              </a:extLst>
+            </p:spPr>
+          </p:pic>
+          <p:pic>
+            <p:nvPicPr>
+              <p:cNvPr id="111" name="Picture 2" descr="Carnegie Mellon, Disney work to improve eye blink animation - The Tartan">
+                <a:extLst>
+                  <a:ext uri="{FF2B5EF4-FFF2-40B4-BE49-F238E27FC236}">
+                    <a16:creationId xmlns:a16="http://schemas.microsoft.com/office/drawing/2014/main" id="{0FA26779-379C-88ED-0D38-592323DF6A26}"/>
+                  </a:ext>
+                </a:extLst>
+              </p:cNvPr>
+              <p:cNvPicPr>
+                <a:picLocks noChangeAspect="1" noChangeArrowheads="1"/>
+              </p:cNvPicPr>
+              <p:nvPr/>
+            </p:nvPicPr>
+            <p:blipFill rotWithShape="1">
+              <a:blip r:embed="rId15">
+                <a:extLst>
+                  <a:ext uri="{28A0092B-C50C-407E-A947-70E740481C1C}">
+                    <a14:useLocalDpi xmlns:a14="http://schemas.microsoft.com/office/drawing/2010/main" val="0"/>
+                  </a:ext>
+                </a:extLst>
+              </a:blip>
+              <a:srcRect t="32612" b="34389"/>
+              <a:stretch/>
+            </p:blipFill>
+            <p:spPr bwMode="auto">
+              <a:xfrm>
+                <a:off x="12702989" y="903000"/>
+                <a:ext cx="2455442" cy="1093171"/>
+              </a:xfrm>
+              <a:prstGeom prst="rect">
+                <a:avLst/>
+              </a:prstGeom>
+              <a:noFill/>
+              <a:extLst>
+                <a:ext uri="{909E8E84-426E-40DD-AFC4-6F175D3DCCD1}">
+                  <a14:hiddenFill xmlns:a14="http://schemas.microsoft.com/office/drawing/2010/main">
+                    <a:solidFill>
+                      <a:srgbClr val="FFFFFF"/>
+                    </a:solidFill>
+                  </a14:hiddenFill>
+                </a:ext>
+              </a:extLst>
+            </p:spPr>
+          </p:pic>
+          <p:pic>
+            <p:nvPicPr>
+              <p:cNvPr id="112" name="Picture 2" descr="Carnegie Mellon, Disney work to improve eye blink animation - The Tartan">
+                <a:extLst>
+                  <a:ext uri="{FF2B5EF4-FFF2-40B4-BE49-F238E27FC236}">
+                    <a16:creationId xmlns:a16="http://schemas.microsoft.com/office/drawing/2014/main" id="{BB65C990-F9D0-E6FB-B099-E9B810E740D6}"/>
+                  </a:ext>
+                </a:extLst>
+              </p:cNvPr>
+              <p:cNvPicPr>
+                <a:picLocks noChangeAspect="1" noChangeArrowheads="1"/>
+              </p:cNvPicPr>
+              <p:nvPr/>
+            </p:nvPicPr>
+            <p:blipFill rotWithShape="1">
+              <a:blip r:embed="rId15">
+                <a:extLst>
+                  <a:ext uri="{28A0092B-C50C-407E-A947-70E740481C1C}">
+                    <a14:useLocalDpi xmlns:a14="http://schemas.microsoft.com/office/drawing/2010/main" val="0"/>
+                  </a:ext>
+                </a:extLst>
+              </a:blip>
+              <a:srcRect b="67002"/>
+              <a:stretch/>
+            </p:blipFill>
+            <p:spPr bwMode="auto">
+              <a:xfrm>
+                <a:off x="15158431" y="903000"/>
+                <a:ext cx="2455442" cy="1093171"/>
+              </a:xfrm>
+              <a:prstGeom prst="rect">
+                <a:avLst/>
+              </a:prstGeom>
+              <a:noFill/>
+              <a:extLst>
+                <a:ext uri="{909E8E84-426E-40DD-AFC4-6F175D3DCCD1}">
+                  <a14:hiddenFill xmlns:a14="http://schemas.microsoft.com/office/drawing/2010/main">
+                    <a:solidFill>
+                      <a:srgbClr val="FFFFFF"/>
+                    </a:solidFill>
+                  </a14:hiddenFill>
+                </a:ext>
+              </a:extLst>
+            </p:spPr>
+          </p:pic>
+        </p:grpSp>
+        <p:cxnSp>
+          <p:nvCxnSpPr>
+            <p:cNvPr id="115" name="Straight Arrow Connector 114">
+              <a:extLst>
+                <a:ext uri="{FF2B5EF4-FFF2-40B4-BE49-F238E27FC236}">
+                  <a16:creationId xmlns:a16="http://schemas.microsoft.com/office/drawing/2014/main" id="{AFA150F1-14E7-442D-03A9-A1A793061DA8}"/>
+                </a:ext>
+              </a:extLst>
+            </p:cNvPr>
+            <p:cNvCxnSpPr>
+              <a:cxnSpLocks/>
+            </p:cNvCxnSpPr>
+            <p:nvPr/>
+          </p:nvCxnSpPr>
+          <p:spPr>
+            <a:xfrm>
+              <a:off x="16041224" y="9987352"/>
+              <a:ext cx="5223396" cy="0"/>
+            </a:xfrm>
+            <a:prstGeom prst="straightConnector1">
+              <a:avLst/>
+            </a:prstGeom>
+            <a:ln w="88900" cmpd="sng">
+              <a:solidFill>
+                <a:schemeClr val="bg1">
+                  <a:lumMod val="75000"/>
+                </a:schemeClr>
+              </a:solidFill>
+              <a:headEnd type="none" w="med" len="med"/>
+              <a:tailEnd type="triangle" w="med" len="sm"/>
+            </a:ln>
+          </p:spPr>
+          <p:style>
+            <a:lnRef idx="1">
+              <a:schemeClr val="accent1"/>
+            </a:lnRef>
+            <a:fillRef idx="0">
+              <a:schemeClr val="accent1"/>
+            </a:fillRef>
+            <a:effectRef idx="0">
+              <a:schemeClr val="accent1"/>
+            </a:effectRef>
+            <a:fontRef idx="minor">
+              <a:schemeClr val="tx1"/>
+            </a:fontRef>
+          </p:style>
+        </p:cxnSp>
+        <p:pic>
+          <p:nvPicPr>
+            <p:cNvPr id="118" name="Picture 117" descr="Shape, circle&#10;&#10;Description automatically generated">
+              <a:extLst>
+                <a:ext uri="{FF2B5EF4-FFF2-40B4-BE49-F238E27FC236}">
+                  <a16:creationId xmlns:a16="http://schemas.microsoft.com/office/drawing/2014/main" id="{4013BECF-8ED3-04C6-B9F4-CE49E0E880F4}"/>
+                </a:ext>
+              </a:extLst>
+            </p:cNvPr>
+            <p:cNvPicPr>
+              <a:picLocks noChangeAspect="1"/>
+            </p:cNvPicPr>
+            <p:nvPr/>
+          </p:nvPicPr>
+          <p:blipFill>
+            <a:blip r:embed="rId12"/>
+            <a:stretch>
+              <a:fillRect/>
+            </a:stretch>
+          </p:blipFill>
+          <p:spPr>
+            <a:xfrm>
+              <a:off x="18159700" y="9211465"/>
+              <a:ext cx="614855" cy="614855"/>
+            </a:xfrm>
+            <a:prstGeom prst="rect">
+              <a:avLst/>
+            </a:prstGeom>
+          </p:spPr>
+        </p:pic>
+        <p:pic>
+          <p:nvPicPr>
+            <p:cNvPr id="116" name="Picture 115" descr="Shape, circle&#10;&#10;Description automatically generated">
+              <a:extLst>
+                <a:ext uri="{FF2B5EF4-FFF2-40B4-BE49-F238E27FC236}">
+                  <a16:creationId xmlns:a16="http://schemas.microsoft.com/office/drawing/2014/main" id="{53DA9C40-BDE0-7252-3B29-8A1AB8853DD5}"/>
+                </a:ext>
+              </a:extLst>
+            </p:cNvPr>
+            <p:cNvPicPr>
+              <a:picLocks noChangeAspect="1"/>
+            </p:cNvPicPr>
+            <p:nvPr/>
+          </p:nvPicPr>
+          <p:blipFill>
+            <a:blip r:embed="rId12"/>
+            <a:stretch>
+              <a:fillRect/>
+            </a:stretch>
+          </p:blipFill>
+          <p:spPr>
+            <a:xfrm>
+              <a:off x="16448361" y="9217814"/>
+              <a:ext cx="614855" cy="614855"/>
+            </a:xfrm>
+            <a:prstGeom prst="rect">
+              <a:avLst/>
+            </a:prstGeom>
+          </p:spPr>
+        </p:pic>
+        <p:pic>
+          <p:nvPicPr>
+            <p:cNvPr id="117" name="Picture 116" descr="Shape, circle&#10;&#10;Description automatically generated">
+              <a:extLst>
+                <a:ext uri="{FF2B5EF4-FFF2-40B4-BE49-F238E27FC236}">
+                  <a16:creationId xmlns:a16="http://schemas.microsoft.com/office/drawing/2014/main" id="{E4C8F402-6EB4-13D4-A8BC-FF7B246CE143}"/>
+                </a:ext>
+              </a:extLst>
+            </p:cNvPr>
+            <p:cNvPicPr>
+              <a:picLocks noChangeAspect="1"/>
+            </p:cNvPicPr>
+            <p:nvPr/>
+          </p:nvPicPr>
+          <p:blipFill>
+            <a:blip r:embed="rId13"/>
+            <a:stretch>
+              <a:fillRect/>
+            </a:stretch>
+          </p:blipFill>
+          <p:spPr>
+            <a:xfrm>
+              <a:off x="18298030" y="9349794"/>
+              <a:ext cx="338196" cy="338196"/>
+            </a:xfrm>
+            <a:prstGeom prst="rect">
+              <a:avLst/>
+            </a:prstGeom>
+          </p:spPr>
+        </p:pic>
+        <p:grpSp>
+          <p:nvGrpSpPr>
+            <p:cNvPr id="124" name="Group 123">
+              <a:extLst>
+                <a:ext uri="{FF2B5EF4-FFF2-40B4-BE49-F238E27FC236}">
+                  <a16:creationId xmlns:a16="http://schemas.microsoft.com/office/drawing/2014/main" id="{BA070C60-EA5B-0838-3F7D-EF40D3FFA356}"/>
+                </a:ext>
+              </a:extLst>
+            </p:cNvPr>
+            <p:cNvGrpSpPr/>
+            <p:nvPr/>
+          </p:nvGrpSpPr>
+          <p:grpSpPr>
+            <a:xfrm>
+              <a:off x="19831711" y="9203152"/>
+              <a:ext cx="614856" cy="614855"/>
+              <a:chOff x="12918148" y="5820686"/>
+              <a:chExt cx="614856" cy="614855"/>
+            </a:xfrm>
+          </p:grpSpPr>
+          <p:pic>
+            <p:nvPicPr>
+              <p:cNvPr id="119" name="Picture 118" descr="Shape, circle&#10;&#10;Description automatically generated">
+                <a:extLst>
+                  <a:ext uri="{FF2B5EF4-FFF2-40B4-BE49-F238E27FC236}">
+                    <a16:creationId xmlns:a16="http://schemas.microsoft.com/office/drawing/2014/main" id="{005D847B-BCBD-59FE-9280-EED04D41B984}"/>
+                  </a:ext>
+                </a:extLst>
+              </p:cNvPr>
+              <p:cNvPicPr>
+                <a:picLocks noChangeAspect="1"/>
+              </p:cNvPicPr>
+              <p:nvPr/>
+            </p:nvPicPr>
+            <p:blipFill>
+              <a:blip r:embed="rId12"/>
+              <a:stretch>
+                <a:fillRect/>
+              </a:stretch>
+            </p:blipFill>
+            <p:spPr>
+              <a:xfrm>
+                <a:off x="12918149" y="5820686"/>
+                <a:ext cx="614855" cy="614855"/>
+              </a:xfrm>
+              <a:prstGeom prst="rect">
+                <a:avLst/>
+              </a:prstGeom>
+            </p:spPr>
+          </p:pic>
+          <p:pic>
+            <p:nvPicPr>
+              <p:cNvPr id="120" name="Picture 119" descr="Shape, circle&#10;&#10;Description automatically generated">
+                <a:extLst>
+                  <a:ext uri="{FF2B5EF4-FFF2-40B4-BE49-F238E27FC236}">
+                    <a16:creationId xmlns:a16="http://schemas.microsoft.com/office/drawing/2014/main" id="{F3B45379-7B59-36F7-8701-F8F69D5A3EF8}"/>
+                  </a:ext>
+                </a:extLst>
+              </p:cNvPr>
+              <p:cNvPicPr>
+                <a:picLocks noChangeAspect="1"/>
+              </p:cNvPicPr>
+              <p:nvPr/>
+            </p:nvPicPr>
+            <p:blipFill>
+              <a:blip r:embed="rId13"/>
+              <a:stretch>
+                <a:fillRect/>
+              </a:stretch>
+            </p:blipFill>
+            <p:spPr>
+              <a:xfrm>
+                <a:off x="12918148" y="5820686"/>
+                <a:ext cx="614855" cy="614855"/>
+              </a:xfrm>
+              <a:prstGeom prst="rect">
+                <a:avLst/>
+              </a:prstGeom>
+            </p:spPr>
+          </p:pic>
+        </p:grpSp>
+        <p:cxnSp>
+          <p:nvCxnSpPr>
+            <p:cNvPr id="122" name="Straight Arrow Connector 121">
+              <a:extLst>
+                <a:ext uri="{FF2B5EF4-FFF2-40B4-BE49-F238E27FC236}">
+                  <a16:creationId xmlns:a16="http://schemas.microsoft.com/office/drawing/2014/main" id="{FC6E7034-A38A-6C8E-5B29-41FF938215E1}"/>
+                </a:ext>
+              </a:extLst>
+            </p:cNvPr>
+            <p:cNvCxnSpPr/>
+            <p:nvPr/>
+          </p:nvCxnSpPr>
+          <p:spPr>
+            <a:xfrm>
+              <a:off x="17213031" y="9518892"/>
+              <a:ext cx="827058" cy="0"/>
+            </a:xfrm>
+            <a:prstGeom prst="straightConnector1">
+              <a:avLst/>
+            </a:prstGeom>
+            <a:ln w="38100">
+              <a:solidFill>
+                <a:schemeClr val="bg1">
+                  <a:lumMod val="65000"/>
+                </a:schemeClr>
+              </a:solidFill>
+              <a:tailEnd type="triangle"/>
+            </a:ln>
+          </p:spPr>
+          <p:style>
+            <a:lnRef idx="1">
+              <a:schemeClr val="accent1"/>
+            </a:lnRef>
+            <a:fillRef idx="0">
+              <a:schemeClr val="accent1"/>
+            </a:fillRef>
+            <a:effectRef idx="0">
+              <a:schemeClr val="accent1"/>
+            </a:effectRef>
+            <a:fontRef idx="minor">
+              <a:schemeClr val="tx1"/>
+            </a:fontRef>
+          </p:style>
+        </p:cxnSp>
+        <p:cxnSp>
+          <p:nvCxnSpPr>
+            <p:cNvPr id="123" name="Straight Arrow Connector 122">
+              <a:extLst>
+                <a:ext uri="{FF2B5EF4-FFF2-40B4-BE49-F238E27FC236}">
+                  <a16:creationId xmlns:a16="http://schemas.microsoft.com/office/drawing/2014/main" id="{640C6BB1-9F44-B701-5B63-D16D36172E1E}"/>
+                </a:ext>
+              </a:extLst>
+            </p:cNvPr>
+            <p:cNvCxnSpPr/>
+            <p:nvPr/>
+          </p:nvCxnSpPr>
+          <p:spPr>
+            <a:xfrm>
+              <a:off x="18894974" y="9510579"/>
+              <a:ext cx="827058" cy="0"/>
+            </a:xfrm>
+            <a:prstGeom prst="straightConnector1">
+              <a:avLst/>
+            </a:prstGeom>
+            <a:ln w="38100">
+              <a:solidFill>
+                <a:schemeClr val="bg1">
+                  <a:lumMod val="65000"/>
+                </a:schemeClr>
+              </a:solidFill>
+              <a:tailEnd type="triangle"/>
+            </a:ln>
+          </p:spPr>
+          <p:style>
+            <a:lnRef idx="1">
+              <a:schemeClr val="accent1"/>
+            </a:lnRef>
+            <a:fillRef idx="0">
+              <a:schemeClr val="accent1"/>
+            </a:fillRef>
+            <a:effectRef idx="0">
+              <a:schemeClr val="accent1"/>
+            </a:effectRef>
+            <a:fontRef idx="minor">
+              <a:schemeClr val="tx1"/>
+            </a:fontRef>
+          </p:style>
+        </p:cxnSp>
+        <p:sp>
+          <p:nvSpPr>
+            <p:cNvPr id="125" name="Right Arrow 124">
+              <a:extLst>
+                <a:ext uri="{FF2B5EF4-FFF2-40B4-BE49-F238E27FC236}">
+                  <a16:creationId xmlns:a16="http://schemas.microsoft.com/office/drawing/2014/main" id="{0B229D80-9DB0-A86B-2AB5-28F9CDD7EFBA}"/>
+                </a:ext>
+              </a:extLst>
+            </p:cNvPr>
+            <p:cNvSpPr/>
+            <p:nvPr/>
+          </p:nvSpPr>
+          <p:spPr>
+            <a:xfrm rot="18900000">
+              <a:off x="22421514" y="4757994"/>
+              <a:ext cx="351005" cy="728198"/>
+            </a:xfrm>
+            <a:prstGeom prst="rightArrow">
+              <a:avLst>
+                <a:gd name="adj1" fmla="val 50000"/>
+                <a:gd name="adj2" fmla="val 65402"/>
+              </a:avLst>
+            </a:prstGeom>
+            <a:solidFill>
+              <a:schemeClr val="bg1">
+                <a:lumMod val="85000"/>
+              </a:schemeClr>
+            </a:solidFill>
+            <a:ln>
+              <a:noFill/>
+            </a:ln>
+          </p:spPr>
+          <p:style>
+            <a:lnRef idx="2">
+              <a:schemeClr val="accent1">
+                <a:shade val="50000"/>
+              </a:schemeClr>
+            </a:lnRef>
+            <a:fillRef idx="1">
+              <a:schemeClr val="accent1"/>
+            </a:fillRef>
+            <a:effectRef idx="0">
+              <a:schemeClr val="accent1"/>
+            </a:effectRef>
+            <a:fontRef idx="minor">
+              <a:schemeClr val="lt1"/>
+            </a:fontRef>
+          </p:style>
+          <p:txBody>
+            <a:bodyPr rtlCol="0" anchor="ctr"/>
+            <a:lstStyle/>
+            <a:p>
+              <a:pPr algn="ctr"/>
+              <a:endParaRPr lang="en-CN" dirty="0"/>
+            </a:p>
+          </p:txBody>
+        </p:sp>
+        <p:sp>
+          <p:nvSpPr>
+            <p:cNvPr id="126" name="Right Arrow 125">
+              <a:extLst>
+                <a:ext uri="{FF2B5EF4-FFF2-40B4-BE49-F238E27FC236}">
+                  <a16:creationId xmlns:a16="http://schemas.microsoft.com/office/drawing/2014/main" id="{1029F6F7-1F50-2206-8E62-3A516622509B}"/>
+                </a:ext>
+              </a:extLst>
+            </p:cNvPr>
+            <p:cNvSpPr/>
+            <p:nvPr/>
+          </p:nvSpPr>
+          <p:spPr>
+            <a:xfrm rot="2700000">
+              <a:off x="22477531" y="6775183"/>
+              <a:ext cx="351005" cy="728198"/>
+            </a:xfrm>
+            <a:prstGeom prst="rightArrow">
+              <a:avLst>
+                <a:gd name="adj1" fmla="val 50000"/>
+                <a:gd name="adj2" fmla="val 65402"/>
+              </a:avLst>
+            </a:prstGeom>
+            <a:solidFill>
+              <a:schemeClr val="bg1">
+                <a:lumMod val="85000"/>
+              </a:schemeClr>
+            </a:solidFill>
+            <a:ln>
+              <a:noFill/>
+            </a:ln>
+          </p:spPr>
+          <p:style>
+            <a:lnRef idx="2">
+              <a:schemeClr val="accent1">
+                <a:shade val="50000"/>
+              </a:schemeClr>
+            </a:lnRef>
+            <a:fillRef idx="1">
+              <a:schemeClr val="accent1"/>
+            </a:fillRef>
+            <a:effectRef idx="0">
+              <a:schemeClr val="accent1"/>
+            </a:effectRef>
+            <a:fontRef idx="minor">
+              <a:schemeClr val="lt1"/>
+            </a:fontRef>
+          </p:style>
+          <p:txBody>
+            <a:bodyPr rtlCol="0" anchor="ctr"/>
+            <a:lstStyle/>
+            <a:p>
+              <a:pPr algn="ctr"/>
+              <a:endParaRPr lang="en-CN" dirty="0"/>
+            </a:p>
+          </p:txBody>
+        </p:sp>
+        <p:sp>
+          <p:nvSpPr>
+            <p:cNvPr id="127" name="Right Arrow 126">
+              <a:extLst>
+                <a:ext uri="{FF2B5EF4-FFF2-40B4-BE49-F238E27FC236}">
+                  <a16:creationId xmlns:a16="http://schemas.microsoft.com/office/drawing/2014/main" id="{6BDCC5BE-3842-CBA1-0D12-C03DC9F22838}"/>
+                </a:ext>
+              </a:extLst>
+            </p:cNvPr>
+            <p:cNvSpPr/>
+            <p:nvPr/>
+          </p:nvSpPr>
+          <p:spPr>
+            <a:xfrm rot="12900000">
+              <a:off x="19913517" y="4902009"/>
+              <a:ext cx="351005" cy="728198"/>
+            </a:xfrm>
+            <a:prstGeom prst="rightArrow">
+              <a:avLst>
+                <a:gd name="adj1" fmla="val 50000"/>
+                <a:gd name="adj2" fmla="val 65402"/>
+              </a:avLst>
+            </a:prstGeom>
+            <a:solidFill>
+              <a:schemeClr val="bg1">
+                <a:lumMod val="85000"/>
+              </a:schemeClr>
+            </a:solidFill>
+            <a:ln>
+              <a:noFill/>
+            </a:ln>
+          </p:spPr>
+          <p:style>
+            <a:lnRef idx="2">
+              <a:schemeClr val="accent1">
+                <a:shade val="50000"/>
+              </a:schemeClr>
+            </a:lnRef>
+            <a:fillRef idx="1">
+              <a:schemeClr val="accent1"/>
+            </a:fillRef>
+            <a:effectRef idx="0">
+              <a:schemeClr val="accent1"/>
+            </a:effectRef>
+            <a:fontRef idx="minor">
+              <a:schemeClr val="lt1"/>
+            </a:fontRef>
+          </p:style>
+          <p:txBody>
+            <a:bodyPr rtlCol="0" anchor="ctr"/>
+            <a:lstStyle/>
+            <a:p>
+              <a:pPr algn="ctr"/>
+              <a:endParaRPr lang="en-CN" dirty="0"/>
+            </a:p>
+          </p:txBody>
+        </p:sp>
+        <p:sp>
+          <p:nvSpPr>
+            <p:cNvPr id="128" name="Right Arrow 127">
+              <a:extLst>
+                <a:ext uri="{FF2B5EF4-FFF2-40B4-BE49-F238E27FC236}">
+                  <a16:creationId xmlns:a16="http://schemas.microsoft.com/office/drawing/2014/main" id="{06AC05A9-A2CA-0A8D-5AD8-283D4B12E918}"/>
+                </a:ext>
+              </a:extLst>
+            </p:cNvPr>
+            <p:cNvSpPr/>
+            <p:nvPr/>
+          </p:nvSpPr>
+          <p:spPr>
+            <a:xfrm rot="8100000">
+              <a:off x="20480863" y="7141551"/>
+              <a:ext cx="351005" cy="728198"/>
+            </a:xfrm>
+            <a:prstGeom prst="rightArrow">
+              <a:avLst>
+                <a:gd name="adj1" fmla="val 50000"/>
+                <a:gd name="adj2" fmla="val 65402"/>
+              </a:avLst>
+            </a:prstGeom>
+            <a:solidFill>
+              <a:schemeClr val="bg1">
+                <a:lumMod val="85000"/>
+              </a:schemeClr>
+            </a:solidFill>
+            <a:ln>
+              <a:noFill/>
+            </a:ln>
+          </p:spPr>
+          <p:style>
+            <a:lnRef idx="2">
+              <a:schemeClr val="accent1">
+                <a:shade val="50000"/>
+              </a:schemeClr>
+            </a:lnRef>
+            <a:fillRef idx="1">
+              <a:schemeClr val="accent1"/>
+            </a:fillRef>
+            <a:effectRef idx="0">
+              <a:schemeClr val="accent1"/>
+            </a:effectRef>
+            <a:fontRef idx="minor">
+              <a:schemeClr val="lt1"/>
+            </a:fontRef>
+          </p:style>
+          <p:txBody>
+            <a:bodyPr rtlCol="0" anchor="ctr"/>
+            <a:lstStyle/>
+            <a:p>
+              <a:pPr algn="ctr"/>
+              <a:endParaRPr lang="en-CN" dirty="0"/>
+            </a:p>
+          </p:txBody>
+        </p:sp>
+        <p:sp>
+          <p:nvSpPr>
+            <p:cNvPr id="31" name="Oval 30">
+              <a:extLst>
+                <a:ext uri="{FF2B5EF4-FFF2-40B4-BE49-F238E27FC236}">
+                  <a16:creationId xmlns:a16="http://schemas.microsoft.com/office/drawing/2014/main" id="{A7F660E4-0742-8E48-9F3D-2C6C073D3B84}"/>
+                </a:ext>
+              </a:extLst>
+            </p:cNvPr>
+            <p:cNvSpPr/>
+            <p:nvPr/>
+          </p:nvSpPr>
+          <p:spPr>
+            <a:xfrm>
+              <a:off x="27621054" y="9676817"/>
+              <a:ext cx="614855" cy="614855"/>
+            </a:xfrm>
+            <a:prstGeom prst="ellipse">
+              <a:avLst/>
+            </a:prstGeom>
+            <a:ln w="38100">
+              <a:solidFill>
+                <a:schemeClr val="tx1"/>
+              </a:solidFill>
+            </a:ln>
+          </p:spPr>
+          <p:style>
+            <a:lnRef idx="2">
+              <a:schemeClr val="accent6"/>
+            </a:lnRef>
+            <a:fillRef idx="1">
+              <a:schemeClr val="lt1"/>
+            </a:fillRef>
+            <a:effectRef idx="0">
+              <a:schemeClr val="accent6"/>
+            </a:effectRef>
+            <a:fontRef idx="minor">
+              <a:schemeClr val="dk1"/>
+            </a:fontRef>
+          </p:style>
+          <p:txBody>
+            <a:bodyPr rtlCol="0" anchor="ctr"/>
+            <a:lstStyle/>
+            <a:p>
+              <a:pPr algn="ctr"/>
+              <a:r>
+                <a:rPr lang="en-CN" sz="2800" dirty="0"/>
+                <a:t>4</a:t>
+              </a:r>
+            </a:p>
+          </p:txBody>
+        </p:sp>
+        <p:cxnSp>
+          <p:nvCxnSpPr>
+            <p:cNvPr id="32" name="Straight Arrow Connector 31">
+              <a:extLst>
+                <a:ext uri="{FF2B5EF4-FFF2-40B4-BE49-F238E27FC236}">
+                  <a16:creationId xmlns:a16="http://schemas.microsoft.com/office/drawing/2014/main" id="{A328B7B2-9F87-B9A4-C4DB-6639BD24967C}"/>
+                </a:ext>
+              </a:extLst>
+            </p:cNvPr>
+            <p:cNvCxnSpPr>
+              <a:cxnSpLocks/>
+            </p:cNvCxnSpPr>
+            <p:nvPr/>
+          </p:nvCxnSpPr>
+          <p:spPr>
+            <a:xfrm>
+              <a:off x="22258449" y="9988885"/>
+              <a:ext cx="5223396" cy="0"/>
+            </a:xfrm>
+            <a:prstGeom prst="straightConnector1">
+              <a:avLst/>
+            </a:prstGeom>
+            <a:ln w="88900" cmpd="sng">
+              <a:solidFill>
+                <a:schemeClr val="bg1">
+                  <a:lumMod val="75000"/>
+                </a:schemeClr>
+              </a:solidFill>
+              <a:headEnd type="none" w="med" len="med"/>
+              <a:tailEnd type="triangle" w="med" len="sm"/>
+            </a:ln>
+          </p:spPr>
+          <p:style>
+            <a:lnRef idx="1">
+              <a:schemeClr val="accent1"/>
+            </a:lnRef>
+            <a:fillRef idx="0">
+              <a:schemeClr val="accent1"/>
+            </a:fillRef>
+            <a:effectRef idx="0">
+              <a:schemeClr val="accent1"/>
+            </a:effectRef>
+            <a:fontRef idx="minor">
+              <a:schemeClr val="tx1"/>
+            </a:fontRef>
+          </p:style>
+        </p:cxnSp>
+        <p:grpSp>
+          <p:nvGrpSpPr>
+            <p:cNvPr id="33" name="Group 32">
+              <a:extLst>
+                <a:ext uri="{FF2B5EF4-FFF2-40B4-BE49-F238E27FC236}">
+                  <a16:creationId xmlns:a16="http://schemas.microsoft.com/office/drawing/2014/main" id="{0F30F714-72E2-2F1B-5282-7330C9939A9C}"/>
+                </a:ext>
+              </a:extLst>
+            </p:cNvPr>
+            <p:cNvGrpSpPr>
+              <a:grpSpLocks noChangeAspect="1"/>
+            </p:cNvGrpSpPr>
+            <p:nvPr/>
+          </p:nvGrpSpPr>
+          <p:grpSpPr>
+            <a:xfrm>
+              <a:off x="22342901" y="9302892"/>
+              <a:ext cx="4816665" cy="432000"/>
+              <a:chOff x="5247537" y="887047"/>
+              <a:chExt cx="12366336" cy="1109124"/>
+            </a:xfrm>
+          </p:grpSpPr>
+          <p:pic>
+            <p:nvPicPr>
+              <p:cNvPr id="34" name="Picture 2" descr="Carnegie Mellon, Disney work to improve eye blink animation - The Tartan">
+                <a:extLst>
+                  <a:ext uri="{FF2B5EF4-FFF2-40B4-BE49-F238E27FC236}">
+                    <a16:creationId xmlns:a16="http://schemas.microsoft.com/office/drawing/2014/main" id="{53409154-2224-7C0B-DCD7-35DC33F82DCB}"/>
+                  </a:ext>
+                </a:extLst>
+              </p:cNvPr>
+              <p:cNvPicPr>
+                <a:picLocks noChangeAspect="1" noChangeArrowheads="1"/>
+              </p:cNvPicPr>
+              <p:nvPr/>
+            </p:nvPicPr>
+            <p:blipFill rotWithShape="1">
+              <a:blip r:embed="rId15">
+                <a:extLst>
+                  <a:ext uri="{28A0092B-C50C-407E-A947-70E740481C1C}">
+                    <a14:useLocalDpi xmlns:a14="http://schemas.microsoft.com/office/drawing/2010/main" val="0"/>
+                  </a:ext>
+                </a:extLst>
+              </a:blip>
+              <a:srcRect b="67002"/>
+              <a:stretch/>
+            </p:blipFill>
+            <p:spPr bwMode="auto">
+              <a:xfrm>
+                <a:off x="5247537" y="887047"/>
+                <a:ext cx="2455442" cy="1093171"/>
+              </a:xfrm>
+              <a:prstGeom prst="rect">
+                <a:avLst/>
+              </a:prstGeom>
+              <a:noFill/>
+              <a:extLst>
+                <a:ext uri="{909E8E84-426E-40DD-AFC4-6F175D3DCCD1}">
+                  <a14:hiddenFill xmlns:a14="http://schemas.microsoft.com/office/drawing/2010/main">
+                    <a:solidFill>
+                      <a:srgbClr val="FFFFFF"/>
+                    </a:solidFill>
+                  </a14:hiddenFill>
+                </a:ext>
+              </a:extLst>
+            </p:spPr>
+          </p:pic>
+          <p:pic>
+            <p:nvPicPr>
+              <p:cNvPr id="35" name="Picture 2" descr="Carnegie Mellon, Disney work to improve eye blink animation - The Tartan">
+                <a:extLst>
+                  <a:ext uri="{FF2B5EF4-FFF2-40B4-BE49-F238E27FC236}">
+                    <a16:creationId xmlns:a16="http://schemas.microsoft.com/office/drawing/2014/main" id="{A3083790-3B95-8E0E-FECF-4D96E5655EF7}"/>
+                  </a:ext>
+                </a:extLst>
+              </p:cNvPr>
+              <p:cNvPicPr>
+                <a:picLocks noChangeAspect="1" noChangeArrowheads="1"/>
+              </p:cNvPicPr>
+              <p:nvPr/>
+            </p:nvPicPr>
+            <p:blipFill rotWithShape="1">
+              <a:blip r:embed="rId15">
+                <a:extLst>
+                  <a:ext uri="{28A0092B-C50C-407E-A947-70E740481C1C}">
+                    <a14:useLocalDpi xmlns:a14="http://schemas.microsoft.com/office/drawing/2010/main" val="0"/>
+                  </a:ext>
+                </a:extLst>
+              </a:blip>
+              <a:srcRect t="32612" b="34389"/>
+              <a:stretch/>
+            </p:blipFill>
+            <p:spPr bwMode="auto">
+              <a:xfrm>
+                <a:off x="7763247" y="887047"/>
+                <a:ext cx="2455442" cy="1093171"/>
+              </a:xfrm>
+              <a:prstGeom prst="rect">
+                <a:avLst/>
+              </a:prstGeom>
+              <a:noFill/>
+              <a:extLst>
+                <a:ext uri="{909E8E84-426E-40DD-AFC4-6F175D3DCCD1}">
+                  <a14:hiddenFill xmlns:a14="http://schemas.microsoft.com/office/drawing/2010/main">
+                    <a:solidFill>
+                      <a:srgbClr val="FFFFFF"/>
+                    </a:solidFill>
+                  </a14:hiddenFill>
+                </a:ext>
+              </a:extLst>
+            </p:spPr>
+          </p:pic>
+          <p:pic>
+            <p:nvPicPr>
+              <p:cNvPr id="36" name="Picture 2" descr="Carnegie Mellon, Disney work to improve eye blink animation - The Tartan">
+                <a:extLst>
+                  <a:ext uri="{FF2B5EF4-FFF2-40B4-BE49-F238E27FC236}">
+                    <a16:creationId xmlns:a16="http://schemas.microsoft.com/office/drawing/2014/main" id="{8D0B36EB-234E-BD85-CCF7-B5B6CA9489A8}"/>
+                  </a:ext>
+                </a:extLst>
+              </p:cNvPr>
+              <p:cNvPicPr>
+                <a:picLocks noChangeAspect="1" noChangeArrowheads="1"/>
+              </p:cNvPicPr>
+              <p:nvPr/>
+            </p:nvPicPr>
+            <p:blipFill rotWithShape="1">
+              <a:blip r:embed="rId15">
+                <a:extLst>
+                  <a:ext uri="{28A0092B-C50C-407E-A947-70E740481C1C}">
+                    <a14:useLocalDpi xmlns:a14="http://schemas.microsoft.com/office/drawing/2010/main" val="0"/>
+                  </a:ext>
+                </a:extLst>
+              </a:blip>
+              <a:srcRect b="67002"/>
+              <a:stretch/>
+            </p:blipFill>
+            <p:spPr bwMode="auto">
+              <a:xfrm>
+                <a:off x="10187279" y="903000"/>
+                <a:ext cx="2455442" cy="1093171"/>
+              </a:xfrm>
+              <a:prstGeom prst="rect">
+                <a:avLst/>
+              </a:prstGeom>
+              <a:noFill/>
+              <a:extLst>
+                <a:ext uri="{909E8E84-426E-40DD-AFC4-6F175D3DCCD1}">
+                  <a14:hiddenFill xmlns:a14="http://schemas.microsoft.com/office/drawing/2010/main">
+                    <a:solidFill>
+                      <a:srgbClr val="FFFFFF"/>
+                    </a:solidFill>
+                  </a14:hiddenFill>
+                </a:ext>
+              </a:extLst>
+            </p:spPr>
+          </p:pic>
+          <p:pic>
+            <p:nvPicPr>
+              <p:cNvPr id="37" name="Picture 2" descr="Carnegie Mellon, Disney work to improve eye blink animation - The Tartan">
+                <a:extLst>
+                  <a:ext uri="{FF2B5EF4-FFF2-40B4-BE49-F238E27FC236}">
+                    <a16:creationId xmlns:a16="http://schemas.microsoft.com/office/drawing/2014/main" id="{1EDA3AF6-3601-FC34-0C1C-4C1C1E2355B2}"/>
+                  </a:ext>
+                </a:extLst>
+              </p:cNvPr>
+              <p:cNvPicPr>
+                <a:picLocks noChangeAspect="1" noChangeArrowheads="1"/>
+              </p:cNvPicPr>
+              <p:nvPr/>
+            </p:nvPicPr>
+            <p:blipFill rotWithShape="1">
+              <a:blip r:embed="rId15">
+                <a:extLst>
+                  <a:ext uri="{28A0092B-C50C-407E-A947-70E740481C1C}">
+                    <a14:useLocalDpi xmlns:a14="http://schemas.microsoft.com/office/drawing/2010/main" val="0"/>
+                  </a:ext>
+                </a:extLst>
+              </a:blip>
+              <a:srcRect t="32612" b="34389"/>
+              <a:stretch/>
+            </p:blipFill>
+            <p:spPr bwMode="auto">
+              <a:xfrm>
+                <a:off x="12702989" y="903000"/>
+                <a:ext cx="2455442" cy="1093171"/>
+              </a:xfrm>
+              <a:prstGeom prst="rect">
+                <a:avLst/>
+              </a:prstGeom>
+              <a:noFill/>
+              <a:extLst>
+                <a:ext uri="{909E8E84-426E-40DD-AFC4-6F175D3DCCD1}">
+                  <a14:hiddenFill xmlns:a14="http://schemas.microsoft.com/office/drawing/2010/main">
+                    <a:solidFill>
+                      <a:srgbClr val="FFFFFF"/>
+                    </a:solidFill>
+                  </a14:hiddenFill>
+                </a:ext>
+              </a:extLst>
+            </p:spPr>
+          </p:pic>
+          <p:pic>
+            <p:nvPicPr>
+              <p:cNvPr id="38" name="Picture 2" descr="Carnegie Mellon, Disney work to improve eye blink animation - The Tartan">
+                <a:extLst>
+                  <a:ext uri="{FF2B5EF4-FFF2-40B4-BE49-F238E27FC236}">
+                    <a16:creationId xmlns:a16="http://schemas.microsoft.com/office/drawing/2014/main" id="{C413F34B-7CFB-8451-D865-FF70AE2A7993}"/>
+                  </a:ext>
+                </a:extLst>
+              </p:cNvPr>
+              <p:cNvPicPr>
+                <a:picLocks noChangeAspect="1" noChangeArrowheads="1"/>
+              </p:cNvPicPr>
+              <p:nvPr/>
+            </p:nvPicPr>
+            <p:blipFill rotWithShape="1">
+              <a:blip r:embed="rId15">
+                <a:extLst>
+                  <a:ext uri="{28A0092B-C50C-407E-A947-70E740481C1C}">
+                    <a14:useLocalDpi xmlns:a14="http://schemas.microsoft.com/office/drawing/2010/main" val="0"/>
+                  </a:ext>
+                </a:extLst>
+              </a:blip>
+              <a:srcRect b="67002"/>
+              <a:stretch/>
+            </p:blipFill>
+            <p:spPr bwMode="auto">
+              <a:xfrm>
+                <a:off x="15158431" y="903000"/>
+                <a:ext cx="2455442" cy="1093171"/>
+              </a:xfrm>
+              <a:prstGeom prst="rect">
+                <a:avLst/>
+              </a:prstGeom>
+              <a:noFill/>
+              <a:extLst>
+                <a:ext uri="{909E8E84-426E-40DD-AFC4-6F175D3DCCD1}">
+                  <a14:hiddenFill xmlns:a14="http://schemas.microsoft.com/office/drawing/2010/main">
+                    <a:solidFill>
+                      <a:srgbClr val="FFFFFF"/>
+                    </a:solidFill>
+                  </a14:hiddenFill>
+                </a:ext>
+              </a:extLst>
+            </p:spPr>
+          </p:pic>
+        </p:grpSp>
+        <p:grpSp>
+          <p:nvGrpSpPr>
+            <p:cNvPr id="85" name="组合 18">
+              <a:extLst>
+                <a:ext uri="{FF2B5EF4-FFF2-40B4-BE49-F238E27FC236}">
+                  <a16:creationId xmlns:a16="http://schemas.microsoft.com/office/drawing/2014/main" id="{45B40F87-A32B-2DE4-92A6-5BA64CEE3CD2}"/>
+                </a:ext>
+              </a:extLst>
+            </p:cNvPr>
+            <p:cNvGrpSpPr/>
+            <p:nvPr/>
+          </p:nvGrpSpPr>
+          <p:grpSpPr>
+            <a:xfrm>
+              <a:off x="25677227" y="4240000"/>
+              <a:ext cx="4092713" cy="4065157"/>
+              <a:chOff x="3056876" y="410340"/>
+              <a:chExt cx="6078239" cy="6037316"/>
+            </a:xfrm>
+          </p:grpSpPr>
+          <p:grpSp>
+            <p:nvGrpSpPr>
+              <p:cNvPr id="87" name="组合 17">
+                <a:extLst>
+                  <a:ext uri="{FF2B5EF4-FFF2-40B4-BE49-F238E27FC236}">
+                    <a16:creationId xmlns:a16="http://schemas.microsoft.com/office/drawing/2014/main" id="{8039A448-F001-3938-019F-B64637CE058D}"/>
+                  </a:ext>
+                </a:extLst>
+              </p:cNvPr>
+              <p:cNvGrpSpPr/>
+              <p:nvPr/>
+            </p:nvGrpSpPr>
+            <p:grpSpPr>
+              <a:xfrm>
+                <a:off x="3056876" y="410340"/>
+                <a:ext cx="6078239" cy="6037316"/>
+                <a:chOff x="3056876" y="410340"/>
+                <a:chExt cx="6078239" cy="6037316"/>
+              </a:xfrm>
+            </p:grpSpPr>
+            <p:sp>
+              <p:nvSpPr>
+                <p:cNvPr id="104" name="泪滴形 3">
+                  <a:extLst>
+                    <a:ext uri="{FF2B5EF4-FFF2-40B4-BE49-F238E27FC236}">
+                      <a16:creationId xmlns:a16="http://schemas.microsoft.com/office/drawing/2014/main" id="{DDAE5FFA-17D8-1853-B5F0-BCC363CD74D8}"/>
+                    </a:ext>
+                  </a:extLst>
+                </p:cNvPr>
+                <p:cNvSpPr/>
+                <p:nvPr/>
+              </p:nvSpPr>
+              <p:spPr>
+                <a:xfrm rot="2700000">
+                  <a:off x="3056876" y="2218506"/>
+                  <a:ext cx="2420983" cy="2420983"/>
+                </a:xfrm>
+                <a:prstGeom prst="teardrop">
+                  <a:avLst/>
+                </a:prstGeom>
+                <a:gradFill flip="none" rotWithShape="1">
+                  <a:gsLst>
+                    <a:gs pos="0">
+                      <a:schemeClr val="accent6">
+                        <a:alpha val="0"/>
+                        <a:lumMod val="60000"/>
+                        <a:lumOff val="40000"/>
+                      </a:schemeClr>
+                    </a:gs>
+                    <a:gs pos="50000">
+                      <a:schemeClr val="accent6">
+                        <a:lumMod val="60000"/>
+                        <a:lumOff val="40000"/>
+                        <a:alpha val="85000"/>
+                      </a:schemeClr>
+                    </a:gs>
+                    <a:gs pos="100000">
+                      <a:schemeClr val="accent6">
+                        <a:lumMod val="60000"/>
+                        <a:lumOff val="40000"/>
+                      </a:schemeClr>
+                    </a:gs>
+                  </a:gsLst>
+                  <a:lin ang="8100000" scaled="0"/>
+                  <a:tileRect/>
+                </a:gradFill>
+                <a:ln w="38100">
+                  <a:gradFill>
+                    <a:gsLst>
+                      <a:gs pos="25000">
+                        <a:schemeClr val="bg1">
+                          <a:alpha val="0"/>
+                          <a:lumMod val="60000"/>
+                          <a:lumOff val="40000"/>
+                        </a:schemeClr>
+                      </a:gs>
+                      <a:gs pos="100000">
+                        <a:schemeClr val="bg1">
+                          <a:alpha val="85000"/>
+                          <a:lumMod val="60000"/>
+                          <a:lumOff val="40000"/>
+                        </a:schemeClr>
+                      </a:gs>
+                      <a:gs pos="50000">
+                        <a:schemeClr val="bg1">
+                          <a:lumMod val="60000"/>
+                          <a:lumOff val="40000"/>
+                          <a:alpha val="50000"/>
+                        </a:schemeClr>
+                      </a:gs>
+                    </a:gsLst>
+                    <a:lin ang="8100000" scaled="0"/>
+                  </a:gradFill>
+                </a:ln>
+                <a:effectLst/>
+              </p:spPr>
+              <p:style>
+                <a:lnRef idx="2">
+                  <a:schemeClr val="accent1">
+                    <a:shade val="50000"/>
+                  </a:schemeClr>
+                </a:lnRef>
+                <a:fillRef idx="1">
+                  <a:schemeClr val="accent1"/>
+                </a:fillRef>
+                <a:effectRef idx="0">
+                  <a:schemeClr val="accent1"/>
+                </a:effectRef>
+                <a:fontRef idx="minor">
+                  <a:schemeClr val="lt1"/>
+                </a:fontRef>
+              </p:style>
+              <p:txBody>
+                <a:bodyPr rtlCol="0" anchor="ctr"/>
+                <a:lstStyle/>
+                <a:p>
+                  <a:pPr algn="ctr"/>
+                  <a:endParaRPr lang="zh-CN" altLang="en-US" sz="2704" dirty="0"/>
+                </a:p>
+              </p:txBody>
+            </p:sp>
+            <p:sp>
+              <p:nvSpPr>
+                <p:cNvPr id="105" name="泪滴形 4">
+                  <a:extLst>
+                    <a:ext uri="{FF2B5EF4-FFF2-40B4-BE49-F238E27FC236}">
+                      <a16:creationId xmlns:a16="http://schemas.microsoft.com/office/drawing/2014/main" id="{5C4AE3CB-6B45-9DEC-A965-24889475210A}"/>
+                    </a:ext>
+                  </a:extLst>
+                </p:cNvPr>
+                <p:cNvSpPr/>
+                <p:nvPr/>
+              </p:nvSpPr>
+              <p:spPr>
+                <a:xfrm rot="8100000">
+                  <a:off x="4885505" y="410340"/>
+                  <a:ext cx="2420983" cy="2420983"/>
+                </a:xfrm>
+                <a:prstGeom prst="teardrop">
+                  <a:avLst/>
+                </a:prstGeom>
+                <a:gradFill flip="none" rotWithShape="1">
+                  <a:gsLst>
+                    <a:gs pos="0">
+                      <a:schemeClr val="accent6">
+                        <a:alpha val="0"/>
+                        <a:lumMod val="60000"/>
+                        <a:lumOff val="40000"/>
+                      </a:schemeClr>
+                    </a:gs>
+                    <a:gs pos="50000">
+                      <a:schemeClr val="accent6">
+                        <a:lumMod val="60000"/>
+                        <a:lumOff val="40000"/>
+                        <a:alpha val="85000"/>
+                      </a:schemeClr>
+                    </a:gs>
+                    <a:gs pos="100000">
+                      <a:schemeClr val="accent6">
+                        <a:lumMod val="60000"/>
+                        <a:lumOff val="40000"/>
+                      </a:schemeClr>
+                    </a:gs>
+                  </a:gsLst>
+                  <a:lin ang="8100000" scaled="0"/>
+                  <a:tileRect/>
+                </a:gradFill>
+                <a:ln w="38100">
+                  <a:gradFill>
+                    <a:gsLst>
+                      <a:gs pos="25000">
+                        <a:schemeClr val="bg1">
+                          <a:alpha val="0"/>
+                          <a:lumMod val="60000"/>
+                          <a:lumOff val="40000"/>
+                        </a:schemeClr>
+                      </a:gs>
+                      <a:gs pos="100000">
+                        <a:schemeClr val="bg1">
+                          <a:alpha val="85000"/>
+                          <a:lumMod val="60000"/>
+                          <a:lumOff val="40000"/>
+                        </a:schemeClr>
+                      </a:gs>
+                      <a:gs pos="50000">
+                        <a:schemeClr val="bg1">
+                          <a:lumMod val="60000"/>
+                          <a:lumOff val="40000"/>
+                          <a:alpha val="50000"/>
+                        </a:schemeClr>
+                      </a:gs>
+                    </a:gsLst>
+                    <a:lin ang="8100000" scaled="0"/>
+                  </a:gradFill>
+                </a:ln>
+                <a:effectLst/>
+              </p:spPr>
+              <p:style>
+                <a:lnRef idx="2">
+                  <a:schemeClr val="accent1">
+                    <a:shade val="50000"/>
+                  </a:schemeClr>
+                </a:lnRef>
+                <a:fillRef idx="1">
+                  <a:schemeClr val="accent1"/>
+                </a:fillRef>
+                <a:effectRef idx="0">
+                  <a:schemeClr val="accent1"/>
+                </a:effectRef>
+                <a:fontRef idx="minor">
+                  <a:schemeClr val="lt1"/>
+                </a:fontRef>
+              </p:style>
+              <p:txBody>
+                <a:bodyPr rtlCol="0" anchor="ctr"/>
+                <a:lstStyle/>
+                <a:p>
+                  <a:pPr algn="ctr"/>
+                  <a:endParaRPr lang="zh-CN" altLang="en-US" sz="2704" dirty="0"/>
+                </a:p>
+              </p:txBody>
+            </p:sp>
+            <p:sp>
+              <p:nvSpPr>
+                <p:cNvPr id="106" name="泪滴形 6">
+                  <a:extLst>
+                    <a:ext uri="{FF2B5EF4-FFF2-40B4-BE49-F238E27FC236}">
+                      <a16:creationId xmlns:a16="http://schemas.microsoft.com/office/drawing/2014/main" id="{79722D4E-C729-2A28-B45F-0A12095979EC}"/>
+                    </a:ext>
+                  </a:extLst>
+                </p:cNvPr>
+                <p:cNvSpPr/>
+                <p:nvPr/>
+              </p:nvSpPr>
+              <p:spPr>
+                <a:xfrm rot="18900000">
+                  <a:off x="4885505" y="4026673"/>
+                  <a:ext cx="2420983" cy="2420983"/>
+                </a:xfrm>
+                <a:prstGeom prst="teardrop">
+                  <a:avLst/>
+                </a:prstGeom>
+                <a:gradFill flip="none" rotWithShape="1">
+                  <a:gsLst>
+                    <a:gs pos="0">
+                      <a:schemeClr val="accent6">
+                        <a:alpha val="0"/>
+                        <a:lumMod val="60000"/>
+                        <a:lumOff val="40000"/>
+                      </a:schemeClr>
+                    </a:gs>
+                    <a:gs pos="50000">
+                      <a:schemeClr val="accent6">
+                        <a:lumMod val="60000"/>
+                        <a:lumOff val="40000"/>
+                        <a:alpha val="85000"/>
+                      </a:schemeClr>
+                    </a:gs>
+                    <a:gs pos="100000">
+                      <a:schemeClr val="accent6">
+                        <a:lumMod val="60000"/>
+                        <a:lumOff val="40000"/>
+                      </a:schemeClr>
+                    </a:gs>
+                  </a:gsLst>
+                  <a:lin ang="8100000" scaled="0"/>
+                  <a:tileRect/>
+                </a:gradFill>
+                <a:ln w="38100">
+                  <a:gradFill>
+                    <a:gsLst>
+                      <a:gs pos="25000">
+                        <a:schemeClr val="bg1">
+                          <a:alpha val="0"/>
+                          <a:lumMod val="60000"/>
+                          <a:lumOff val="40000"/>
+                        </a:schemeClr>
+                      </a:gs>
+                      <a:gs pos="100000">
+                        <a:schemeClr val="bg1">
+                          <a:alpha val="85000"/>
+                          <a:lumMod val="60000"/>
+                          <a:lumOff val="40000"/>
+                        </a:schemeClr>
+                      </a:gs>
+                      <a:gs pos="50000">
+                        <a:schemeClr val="bg1">
+                          <a:lumMod val="60000"/>
+                          <a:lumOff val="40000"/>
+                          <a:alpha val="50000"/>
+                        </a:schemeClr>
+                      </a:gs>
+                    </a:gsLst>
+                    <a:lin ang="8100000" scaled="0"/>
+                  </a:gradFill>
+                </a:ln>
+                <a:effectLst/>
+              </p:spPr>
+              <p:style>
+                <a:lnRef idx="2">
+                  <a:schemeClr val="accent1">
+                    <a:shade val="50000"/>
+                  </a:schemeClr>
+                </a:lnRef>
+                <a:fillRef idx="1">
+                  <a:schemeClr val="accent1"/>
+                </a:fillRef>
+                <a:effectRef idx="0">
+                  <a:schemeClr val="accent1"/>
+                </a:effectRef>
+                <a:fontRef idx="minor">
+                  <a:schemeClr val="lt1"/>
+                </a:fontRef>
+              </p:style>
+              <p:txBody>
+                <a:bodyPr rtlCol="0" anchor="ctr"/>
+                <a:lstStyle/>
+                <a:p>
+                  <a:pPr algn="ctr"/>
+                  <a:endParaRPr lang="zh-CN" altLang="en-US" sz="2704" dirty="0"/>
+                </a:p>
+              </p:txBody>
+            </p:sp>
+            <p:sp>
+              <p:nvSpPr>
+                <p:cNvPr id="107" name="泪滴形 7">
+                  <a:extLst>
+                    <a:ext uri="{FF2B5EF4-FFF2-40B4-BE49-F238E27FC236}">
+                      <a16:creationId xmlns:a16="http://schemas.microsoft.com/office/drawing/2014/main" id="{6D36E615-12FE-3C25-370A-90E5807281F5}"/>
+                    </a:ext>
+                  </a:extLst>
+                </p:cNvPr>
+                <p:cNvSpPr/>
+                <p:nvPr/>
+              </p:nvSpPr>
+              <p:spPr>
+                <a:xfrm rot="13500000">
+                  <a:off x="6714132" y="2218508"/>
+                  <a:ext cx="2420983" cy="2420983"/>
+                </a:xfrm>
+                <a:prstGeom prst="teardrop">
+                  <a:avLst/>
+                </a:prstGeom>
+                <a:gradFill flip="none" rotWithShape="1">
+                  <a:gsLst>
+                    <a:gs pos="0">
+                      <a:schemeClr val="accent6">
+                        <a:alpha val="0"/>
+                        <a:lumMod val="60000"/>
+                        <a:lumOff val="40000"/>
+                      </a:schemeClr>
+                    </a:gs>
+                    <a:gs pos="50000">
+                      <a:schemeClr val="accent6">
+                        <a:lumMod val="60000"/>
+                        <a:lumOff val="40000"/>
+                        <a:alpha val="85000"/>
+                      </a:schemeClr>
+                    </a:gs>
+                    <a:gs pos="100000">
+                      <a:schemeClr val="accent6">
+                        <a:lumMod val="60000"/>
+                        <a:lumOff val="40000"/>
+                      </a:schemeClr>
+                    </a:gs>
+                  </a:gsLst>
+                  <a:lin ang="8100000" scaled="0"/>
+                  <a:tileRect/>
+                </a:gradFill>
+                <a:ln w="38100">
+                  <a:gradFill>
+                    <a:gsLst>
+                      <a:gs pos="25000">
+                        <a:schemeClr val="bg1">
+                          <a:alpha val="0"/>
+                          <a:lumMod val="60000"/>
+                          <a:lumOff val="40000"/>
+                        </a:schemeClr>
+                      </a:gs>
+                      <a:gs pos="100000">
+                        <a:schemeClr val="bg1">
+                          <a:alpha val="85000"/>
+                          <a:lumMod val="60000"/>
+                          <a:lumOff val="40000"/>
+                        </a:schemeClr>
+                      </a:gs>
+                      <a:gs pos="50000">
+                        <a:schemeClr val="bg1">
+                          <a:lumMod val="60000"/>
+                          <a:lumOff val="40000"/>
+                          <a:alpha val="50000"/>
+                        </a:schemeClr>
+                      </a:gs>
+                    </a:gsLst>
+                    <a:lin ang="8100000" scaled="0"/>
+                  </a:gradFill>
+                </a:ln>
+                <a:effectLst/>
+              </p:spPr>
+              <p:style>
+                <a:lnRef idx="2">
+                  <a:schemeClr val="accent1">
+                    <a:shade val="50000"/>
+                  </a:schemeClr>
+                </a:lnRef>
+                <a:fillRef idx="1">
+                  <a:schemeClr val="accent1"/>
+                </a:fillRef>
+                <a:effectRef idx="0">
+                  <a:schemeClr val="accent1"/>
+                </a:effectRef>
+                <a:fontRef idx="minor">
+                  <a:schemeClr val="lt1"/>
+                </a:fontRef>
+              </p:style>
+              <p:txBody>
+                <a:bodyPr rtlCol="0" anchor="ctr"/>
+                <a:lstStyle/>
+                <a:p>
+                  <a:pPr algn="ctr"/>
+                  <a:endParaRPr lang="zh-CN" altLang="en-US" sz="2704" dirty="0"/>
+                </a:p>
+              </p:txBody>
+            </p:sp>
+          </p:grpSp>
+          <p:pic>
+            <p:nvPicPr>
+              <p:cNvPr id="90" name="图片 10" descr="形状&#10;&#10;中度可信度描述已自动生成">
+                <a:extLst>
+                  <a:ext uri="{FF2B5EF4-FFF2-40B4-BE49-F238E27FC236}">
+                    <a16:creationId xmlns:a16="http://schemas.microsoft.com/office/drawing/2014/main" id="{2D8E5C10-E846-BF71-6531-205B1CD16FB7}"/>
+                  </a:ext>
+                </a:extLst>
+              </p:cNvPr>
+              <p:cNvPicPr>
+                <a:picLocks noChangeAspect="1"/>
+              </p:cNvPicPr>
+              <p:nvPr/>
+            </p:nvPicPr>
+            <p:blipFill>
+              <a:blip r:embed="rId7">
+                <a:extLst>
+                  <a:ext uri="{28A0092B-C50C-407E-A947-70E740481C1C}">
+                    <a14:useLocalDpi xmlns:a14="http://schemas.microsoft.com/office/drawing/2010/main" val="0"/>
+                  </a:ext>
+                </a:extLst>
+              </a:blip>
+              <a:stretch>
+                <a:fillRect/>
+              </a:stretch>
+            </p:blipFill>
+            <p:spPr>
+              <a:xfrm>
+                <a:off x="4001329" y="4785059"/>
+                <a:ext cx="4189331" cy="701582"/>
+              </a:xfrm>
+              <a:prstGeom prst="rect">
+                <a:avLst/>
+              </a:prstGeom>
+            </p:spPr>
+          </p:pic>
+          <p:pic>
+            <p:nvPicPr>
+              <p:cNvPr id="100" name="图片 12" descr="形状&#10;&#10;中度可信度描述已自动生成">
+                <a:extLst>
+                  <a:ext uri="{FF2B5EF4-FFF2-40B4-BE49-F238E27FC236}">
+                    <a16:creationId xmlns:a16="http://schemas.microsoft.com/office/drawing/2014/main" id="{7AF3FA67-2396-0071-0900-BDFCABBF4666}"/>
+                  </a:ext>
+                </a:extLst>
+              </p:cNvPr>
+              <p:cNvPicPr>
+                <a:picLocks noChangeAspect="1"/>
+              </p:cNvPicPr>
+              <p:nvPr/>
+            </p:nvPicPr>
+            <p:blipFill>
+              <a:blip r:embed="rId8">
+                <a:extLst>
+                  <a:ext uri="{28A0092B-C50C-407E-A947-70E740481C1C}">
+                    <a14:useLocalDpi xmlns:a14="http://schemas.microsoft.com/office/drawing/2010/main" val="0"/>
+                  </a:ext>
+                </a:extLst>
+              </a:blip>
+              <a:stretch>
+                <a:fillRect/>
+              </a:stretch>
+            </p:blipFill>
+            <p:spPr>
+              <a:xfrm>
+                <a:off x="4001330" y="1366313"/>
+                <a:ext cx="4189331" cy="701582"/>
+              </a:xfrm>
+              <a:prstGeom prst="rect">
+                <a:avLst/>
+              </a:prstGeom>
+            </p:spPr>
+          </p:pic>
+          <p:pic>
+            <p:nvPicPr>
+              <p:cNvPr id="101" name="图片 14" descr="形状&#10;&#10;中度可信度描述已自动生成">
+                <a:extLst>
+                  <a:ext uri="{FF2B5EF4-FFF2-40B4-BE49-F238E27FC236}">
+                    <a16:creationId xmlns:a16="http://schemas.microsoft.com/office/drawing/2014/main" id="{7C760E0C-DB2F-5F3C-DC4D-C53C2C9F23C4}"/>
+                  </a:ext>
+                </a:extLst>
+              </p:cNvPr>
+              <p:cNvPicPr>
+                <a:picLocks noChangeAspect="1"/>
+              </p:cNvPicPr>
+              <p:nvPr/>
+            </p:nvPicPr>
+            <p:blipFill>
+              <a:blip r:embed="rId9">
+                <a:extLst>
+                  <a:ext uri="{28A0092B-C50C-407E-A947-70E740481C1C}">
+                    <a14:useLocalDpi xmlns:a14="http://schemas.microsoft.com/office/drawing/2010/main" val="0"/>
+                  </a:ext>
+                </a:extLst>
+              </a:blip>
+              <a:stretch>
+                <a:fillRect/>
+              </a:stretch>
+            </p:blipFill>
+            <p:spPr>
+              <a:xfrm rot="16200000">
+                <a:off x="2325210" y="3083717"/>
+                <a:ext cx="4189331" cy="701582"/>
+              </a:xfrm>
+              <a:prstGeom prst="rect">
+                <a:avLst/>
+              </a:prstGeom>
+            </p:spPr>
+          </p:pic>
+          <p:pic>
+            <p:nvPicPr>
+              <p:cNvPr id="103" name="图片 16" descr="形状&#10;&#10;中度可信度描述已自动生成">
+                <a:extLst>
+                  <a:ext uri="{FF2B5EF4-FFF2-40B4-BE49-F238E27FC236}">
+                    <a16:creationId xmlns:a16="http://schemas.microsoft.com/office/drawing/2014/main" id="{AE7960E8-3417-41A5-443F-B14C8E01CD91}"/>
+                  </a:ext>
+                </a:extLst>
+              </p:cNvPr>
+              <p:cNvPicPr>
+                <a:picLocks noChangeAspect="1"/>
+              </p:cNvPicPr>
+              <p:nvPr/>
+            </p:nvPicPr>
+            <p:blipFill>
+              <a:blip r:embed="rId10">
+                <a:extLst>
+                  <a:ext uri="{28A0092B-C50C-407E-A947-70E740481C1C}">
+                    <a14:useLocalDpi xmlns:a14="http://schemas.microsoft.com/office/drawing/2010/main" val="0"/>
+                  </a:ext>
+                </a:extLst>
+              </a:blip>
+              <a:stretch>
+                <a:fillRect/>
+              </a:stretch>
+            </p:blipFill>
+            <p:spPr>
+              <a:xfrm rot="5400000">
+                <a:off x="5677452" y="3078207"/>
+                <a:ext cx="4189331" cy="701582"/>
+              </a:xfrm>
+              <a:prstGeom prst="rect">
+                <a:avLst/>
+              </a:prstGeom>
+            </p:spPr>
+          </p:pic>
+        </p:grpSp>
+        <p:grpSp>
+          <p:nvGrpSpPr>
+            <p:cNvPr id="114" name="Group 113">
+              <a:extLst>
+                <a:ext uri="{FF2B5EF4-FFF2-40B4-BE49-F238E27FC236}">
+                  <a16:creationId xmlns:a16="http://schemas.microsoft.com/office/drawing/2014/main" id="{1A3E7ADD-2743-B234-E26F-EDD65DA4C8F8}"/>
+                </a:ext>
+              </a:extLst>
+            </p:cNvPr>
+            <p:cNvGrpSpPr/>
+            <p:nvPr/>
+          </p:nvGrpSpPr>
+          <p:grpSpPr>
+            <a:xfrm>
+              <a:off x="28679537" y="7281950"/>
+              <a:ext cx="1301408" cy="1540553"/>
+              <a:chOff x="7579941" y="3963212"/>
+              <a:chExt cx="1476117" cy="1747368"/>
+            </a:xfrm>
+          </p:grpSpPr>
+          <p:pic>
+            <p:nvPicPr>
+              <p:cNvPr id="121" name="Picture 8" descr="Big Image - Head Silhouette Clipart, HD Png Download - 2032x2304(#2137798)  - PngFind">
+                <a:extLst>
+                  <a:ext uri="{FF2B5EF4-FFF2-40B4-BE49-F238E27FC236}">
+                    <a16:creationId xmlns:a16="http://schemas.microsoft.com/office/drawing/2014/main" id="{C4B8A5E6-1EC9-B29F-64E8-945BF9C0BE75}"/>
+                  </a:ext>
+                </a:extLst>
+              </p:cNvPr>
+              <p:cNvPicPr>
+                <a:picLocks noChangeAspect="1" noChangeArrowheads="1"/>
+              </p:cNvPicPr>
+              <p:nvPr/>
+            </p:nvPicPr>
+            <p:blipFill>
+              <a:blip r:embed="rId2">
+                <a:extLst>
+                  <a:ext uri="{BEBA8EAE-BF5A-486C-A8C5-ECC9F3942E4B}">
+                    <a14:imgProps xmlns:a14="http://schemas.microsoft.com/office/drawing/2010/main">
+                      <a14:imgLayer r:embed="rId3">
+                        <a14:imgEffect>
+                          <a14:backgroundRemoval t="6956" b="92440" l="1667" r="95000">
+                            <a14:foregroundMark x1="25476" y1="29738" x2="31429" y2="14214"/>
+                            <a14:foregroundMark x1="31429" y1="14214" x2="50119" y2="6956"/>
+                            <a14:foregroundMark x1="50119" y1="6956" x2="52619" y2="7560"/>
+                            <a14:foregroundMark x1="52619" y1="13609" x2="52619" y2="13609"/>
+                            <a14:foregroundMark x1="7381" y1="28226" x2="6786" y2="33468"/>
+                            <a14:foregroundMark x1="43095" y1="92641" x2="43095" y2="92641"/>
+                            <a14:foregroundMark x1="90952" y1="51210" x2="90952" y2="51210"/>
+                            <a14:foregroundMark x1="1667" y1="34577" x2="1667" y2="34577"/>
+                            <a14:foregroundMark x1="95000" y1="52419" x2="95000" y2="52419"/>
+                          </a14:backgroundRemoval>
+                        </a14:imgEffect>
+                      </a14:imgLayer>
+                    </a14:imgProps>
+                  </a:ext>
+                  <a:ext uri="{28A0092B-C50C-407E-A947-70E740481C1C}">
+                    <a14:useLocalDpi xmlns:a14="http://schemas.microsoft.com/office/drawing/2010/main" val="0"/>
+                  </a:ext>
+                </a:extLst>
+              </a:blip>
+              <a:srcRect/>
+              <a:stretch>
+                <a:fillRect/>
+              </a:stretch>
+            </p:blipFill>
+            <p:spPr bwMode="auto">
+              <a:xfrm flipH="1">
+                <a:off x="7579941" y="3963212"/>
+                <a:ext cx="1476117" cy="1747368"/>
+              </a:xfrm>
+              <a:prstGeom prst="rect">
+                <a:avLst/>
+              </a:prstGeom>
+              <a:noFill/>
+              <a:extLst>
+                <a:ext uri="{909E8E84-426E-40DD-AFC4-6F175D3DCCD1}">
+                  <a14:hiddenFill xmlns:a14="http://schemas.microsoft.com/office/drawing/2010/main">
+                    <a:solidFill>
+                      <a:srgbClr val="FFFFFF"/>
+                    </a:solidFill>
+                  </a14:hiddenFill>
+                </a:ext>
+              </a:extLst>
+            </p:spPr>
+          </p:pic>
+          <p:pic>
+            <p:nvPicPr>
+              <p:cNvPr id="129" name="Picture 10">
+                <a:extLst>
+                  <a:ext uri="{FF2B5EF4-FFF2-40B4-BE49-F238E27FC236}">
+                    <a16:creationId xmlns:a16="http://schemas.microsoft.com/office/drawing/2014/main" id="{F189CC38-EE82-C002-49DB-CF83AD2C3407}"/>
+                  </a:ext>
+                </a:extLst>
+              </p:cNvPr>
+              <p:cNvPicPr>
+                <a:picLocks noChangeAspect="1" noChangeArrowheads="1"/>
+              </p:cNvPicPr>
+              <p:nvPr/>
+            </p:nvPicPr>
+            <p:blipFill>
+              <a:blip r:embed="rId4">
+                <a:lum bright="70000" contrast="-70000"/>
+                <a:extLst>
+                  <a:ext uri="{28A0092B-C50C-407E-A947-70E740481C1C}">
+                    <a14:useLocalDpi xmlns:a14="http://schemas.microsoft.com/office/drawing/2010/main" val="0"/>
+                  </a:ext>
+                </a:extLst>
+              </a:blip>
+              <a:srcRect/>
+              <a:stretch>
+                <a:fillRect/>
+              </a:stretch>
+            </p:blipFill>
+            <p:spPr bwMode="auto">
+              <a:xfrm>
+                <a:off x="7848979" y="4552711"/>
+                <a:ext cx="261887" cy="261887"/>
+              </a:xfrm>
+              <a:prstGeom prst="rect">
+                <a:avLst/>
+              </a:prstGeom>
+              <a:noFill/>
+              <a:extLst>
+                <a:ext uri="{909E8E84-426E-40DD-AFC4-6F175D3DCCD1}">
+                  <a14:hiddenFill xmlns:a14="http://schemas.microsoft.com/office/drawing/2010/main">
+                    <a:solidFill>
+                      <a:srgbClr val="FFFFFF"/>
+                    </a:solidFill>
+                  </a14:hiddenFill>
+                </a:ext>
+              </a:extLst>
+            </p:spPr>
+          </p:pic>
+        </p:grpSp>
+        <mc:AlternateContent xmlns:mc="http://schemas.openxmlformats.org/markup-compatibility/2006">
+          <mc:Choice xmlns:am3d="http://schemas.microsoft.com/office/drawing/2017/model3d" Requires="am3d">
+            <p:graphicFrame>
+              <p:nvGraphicFramePr>
+                <p:cNvPr id="132" name="3D Model 20" descr="Prism And Basal Pinacoid White">
+                  <a:extLst>
+                    <a:ext uri="{FF2B5EF4-FFF2-40B4-BE49-F238E27FC236}">
+                      <a16:creationId xmlns:a16="http://schemas.microsoft.com/office/drawing/2014/main" id="{E43E5379-0C64-0CBF-7E25-A6E5FF2DD0B2}"/>
+                    </a:ext>
+                  </a:extLst>
+                </p:cNvPr>
+                <p:cNvGraphicFramePr>
+                  <a:graphicFrameLocks noChangeAspect="1"/>
+                </p:cNvGraphicFramePr>
+                <p:nvPr/>
+              </p:nvGraphicFramePr>
+              <p:xfrm>
+                <a:off x="27043906" y="5462985"/>
+                <a:ext cx="1359356" cy="1540553"/>
+              </p:xfrm>
+              <a:graphic>
+                <a:graphicData uri="http://schemas.microsoft.com/office/drawing/2017/model3d">
+                  <am3d:model3d r:embed="rId5">
+                    <am3d:spPr>
+                      <a:xfrm>
+                        <a:off x="0" y="0"/>
+                        <a:ext cx="1359356" cy="1540553"/>
+                      </a:xfrm>
+                      <a:prstGeom prst="rect">
+                        <a:avLst/>
+                      </a:prstGeom>
+                      <a:effectLst>
+                        <a:glow rad="259103">
+                          <a:schemeClr val="accent1">
+                            <a:lumMod val="60000"/>
+                            <a:lumOff val="40000"/>
+                            <a:alpha val="62000"/>
+                          </a:schemeClr>
+                        </a:glow>
+                      </a:effectLst>
+                    </am3d:spPr>
+                    <am3d:camera>
+                      <am3d:pos x="0" y="0" z="81469150"/>
+                      <am3d:up dx="0" dy="36000000" dz="0"/>
+                      <am3d:lookAt x="0" y="0" z="0"/>
+                      <am3d:perspective fov="2700000"/>
+                    </am3d:camera>
+                    <am3d:trans>
+                      <am3d:meterPerModelUnit n="139970" d="1000000"/>
+                      <am3d:preTrans dx="-76" dy="-17999982" dz="1"/>
+                      <am3d:scale>
+                        <am3d:sx n="1000000" d="1000000"/>
+                        <am3d:sy n="1000000" d="1000000"/>
+                        <am3d:sz n="1000000" d="1000000"/>
+                      </am3d:scale>
+                      <am3d:rot ax="-2183283" ay="2913714" az="9064903"/>
+                      <am3d:postTrans dx="0" dy="0" dz="0"/>
+                    </am3d:trans>
+                    <am3d:raster rName="Office3DRenderer" rVer="16.0.8326">
+                      <am3d:blip r:embed="rId11"/>
+                    </am3d:raster>
+                    <am3d:objViewport viewportSz="1581525"/>
+                    <am3d:ambientLight>
+                      <am3d:clr>
+                        <a:scrgbClr r="50000" g="50000" b="50000"/>
+                      </am3d:clr>
+                      <am3d:illuminance n="500000" d="1000000"/>
+                    </am3d:ambientLight>
+                    <am3d:ptLight rad="0">
+                      <am3d:clr>
+                        <a:scrgbClr r="100000" g="75000" b="50000"/>
+                      </am3d:clr>
+                      <am3d:intensity n="9765625" d="1000000"/>
+                      <am3d:pos x="21959998" y="70920001" z="16344003"/>
+                    </am3d:ptLight>
+                    <am3d:ptLight rad="0">
+                      <am3d:clr>
+                        <a:scrgbClr r="40000" g="60000" b="95000"/>
+                      </am3d:clr>
+                      <am3d:intensity n="12250000" d="1000000"/>
+                      <am3d:pos x="-37964106" y="51130435" z="57631972"/>
+                    </am3d:ptLight>
+                    <am3d:ptLight rad="0">
+                      <am3d:clr>
+                        <a:scrgbClr r="86837" g="72700" b="100000"/>
+                      </am3d:clr>
+                      <am3d:intensity n="3125000" d="1000000"/>
+                      <am3d:pos x="-37739122" y="58056624" z="-34769649"/>
+                    </am3d:ptLight>
+                  </am3d:model3d>
+                </a:graphicData>
+              </a:graphic>
+            </p:graphicFrame>
+          </mc:Choice>
+          <mc:Fallback>
+            <p:pic>
+              <p:nvPicPr>
+                <p:cNvPr id="132" name="3D Model 20" descr="Prism And Basal Pinacoid White">
+                  <a:extLst>
+                    <a:ext uri="{FF2B5EF4-FFF2-40B4-BE49-F238E27FC236}">
+                      <a16:creationId xmlns:a16="http://schemas.microsoft.com/office/drawing/2014/main" id="{E43E5379-0C64-0CBF-7E25-A6E5FF2DD0B2}"/>
+                    </a:ext>
+                  </a:extLst>
+                </p:cNvPr>
+                <p:cNvPicPr>
+                  <a:picLocks noGrp="1" noRot="1" noChangeAspect="1" noMove="1" noResize="1" noEditPoints="1" noAdjustHandles="1" noChangeArrowheads="1" noChangeShapeType="1" noCrop="1"/>
+                </p:cNvPicPr>
+                <p:nvPr/>
+              </p:nvPicPr>
+              <p:blipFill>
+                <a:blip r:embed="rId11"/>
+                <a:stretch>
+                  <a:fillRect/>
+                </a:stretch>
+              </p:blipFill>
+              <p:spPr>
+                <a:xfrm>
+                  <a:off x="27043906" y="5462985"/>
+                  <a:ext cx="1359356" cy="1540553"/>
+                </a:xfrm>
+                <a:prstGeom prst="rect">
+                  <a:avLst/>
+                </a:prstGeom>
+                <a:effectLst>
+                  <a:glow rad="259103">
+                    <a:schemeClr val="accent1">
+                      <a:lumMod val="60000"/>
+                      <a:lumOff val="40000"/>
+                      <a:alpha val="62000"/>
+                    </a:schemeClr>
+                  </a:glow>
+                </a:effectLst>
+              </p:spPr>
+            </p:pic>
+          </mc:Fallback>
+        </mc:AlternateContent>
+        <p:grpSp>
+          <p:nvGrpSpPr>
+            <p:cNvPr id="138" name="Group 137">
+              <a:extLst>
+                <a:ext uri="{FF2B5EF4-FFF2-40B4-BE49-F238E27FC236}">
+                  <a16:creationId xmlns:a16="http://schemas.microsoft.com/office/drawing/2014/main" id="{102D4396-2A24-AD7A-EAEB-364E5F553207}"/>
+                </a:ext>
+              </a:extLst>
+            </p:cNvPr>
+            <p:cNvGrpSpPr/>
+            <p:nvPr/>
+          </p:nvGrpSpPr>
+          <p:grpSpPr>
+            <a:xfrm>
+              <a:off x="25098435" y="3409739"/>
+              <a:ext cx="5452545" cy="5645374"/>
+              <a:chOff x="5004628" y="1116776"/>
+              <a:chExt cx="3629988" cy="3758363"/>
+            </a:xfrm>
+          </p:grpSpPr>
+          <p:grpSp>
+            <p:nvGrpSpPr>
+              <p:cNvPr id="139" name="Group 138">
+                <a:extLst>
+                  <a:ext uri="{FF2B5EF4-FFF2-40B4-BE49-F238E27FC236}">
+                    <a16:creationId xmlns:a16="http://schemas.microsoft.com/office/drawing/2014/main" id="{C63BF9AE-8703-D4A9-BE07-25A348546C76}"/>
+                  </a:ext>
+                </a:extLst>
+              </p:cNvPr>
+              <p:cNvGrpSpPr>
+                <a:grpSpLocks noChangeAspect="1"/>
+              </p:cNvGrpSpPr>
+              <p:nvPr/>
+            </p:nvGrpSpPr>
+            <p:grpSpPr>
+              <a:xfrm>
+                <a:off x="5004628" y="1275139"/>
+                <a:ext cx="3600000" cy="3600000"/>
+                <a:chOff x="5196000" y="2529000"/>
+                <a:chExt cx="1800000" cy="1800000"/>
+              </a:xfrm>
+            </p:grpSpPr>
+            <p:cxnSp>
+              <p:nvCxnSpPr>
+                <p:cNvPr id="142" name="Straight Arrow Connector 141">
+                  <a:extLst>
+                    <a:ext uri="{FF2B5EF4-FFF2-40B4-BE49-F238E27FC236}">
+                      <a16:creationId xmlns:a16="http://schemas.microsoft.com/office/drawing/2014/main" id="{19B48D80-955E-92C8-03FB-49D5BC7C0E5D}"/>
+                    </a:ext>
+                  </a:extLst>
+                </p:cNvPr>
+                <p:cNvCxnSpPr>
+                  <a:cxnSpLocks/>
+                </p:cNvCxnSpPr>
+                <p:nvPr/>
+              </p:nvCxnSpPr>
+              <p:spPr>
+                <a:xfrm>
+                  <a:off x="5196000" y="3429000"/>
+                  <a:ext cx="1800000" cy="0"/>
+                </a:xfrm>
+                <a:prstGeom prst="straightConnector1">
+                  <a:avLst/>
+                </a:prstGeom>
+                <a:ln>
+                  <a:tailEnd type="triangle"/>
+                </a:ln>
+              </p:spPr>
+              <p:style>
+                <a:lnRef idx="1">
+                  <a:schemeClr val="accent1"/>
+                </a:lnRef>
+                <a:fillRef idx="0">
+                  <a:schemeClr val="accent1"/>
+                </a:fillRef>
+                <a:effectRef idx="0">
+                  <a:schemeClr val="accent1"/>
+                </a:effectRef>
+                <a:fontRef idx="minor">
+                  <a:schemeClr val="tx1"/>
+                </a:fontRef>
+              </p:style>
+            </p:cxnSp>
+            <p:cxnSp>
+              <p:nvCxnSpPr>
+                <p:cNvPr id="143" name="Straight Arrow Connector 142">
+                  <a:extLst>
+                    <a:ext uri="{FF2B5EF4-FFF2-40B4-BE49-F238E27FC236}">
+                      <a16:creationId xmlns:a16="http://schemas.microsoft.com/office/drawing/2014/main" id="{E89694FA-5124-22E6-1B5E-547F37FFEE99}"/>
+                    </a:ext>
+                  </a:extLst>
+                </p:cNvPr>
+                <p:cNvCxnSpPr>
+                  <a:cxnSpLocks/>
+                </p:cNvCxnSpPr>
+                <p:nvPr/>
+              </p:nvCxnSpPr>
+              <p:spPr>
+                <a:xfrm flipV="1">
+                  <a:off x="6096000" y="2529000"/>
+                  <a:ext cx="0" cy="1800000"/>
+                </a:xfrm>
+                <a:prstGeom prst="straightConnector1">
+                  <a:avLst/>
+                </a:prstGeom>
+                <a:ln>
+                  <a:tailEnd type="triangle"/>
+                </a:ln>
+              </p:spPr>
+              <p:style>
+                <a:lnRef idx="1">
+                  <a:schemeClr val="accent1"/>
+                </a:lnRef>
+                <a:fillRef idx="0">
+                  <a:schemeClr val="accent1"/>
+                </a:fillRef>
+                <a:effectRef idx="0">
+                  <a:schemeClr val="accent1"/>
+                </a:effectRef>
+                <a:fontRef idx="minor">
+                  <a:schemeClr val="tx1"/>
+                </a:fontRef>
+              </p:style>
+            </p:cxnSp>
+          </p:grpSp>
+          <p:sp>
+            <p:nvSpPr>
+              <p:cNvPr id="140" name="TextBox 139">
+                <a:extLst>
+                  <a:ext uri="{FF2B5EF4-FFF2-40B4-BE49-F238E27FC236}">
+                    <a16:creationId xmlns:a16="http://schemas.microsoft.com/office/drawing/2014/main" id="{1084A2AE-F071-8AAF-B68A-AFD909B57CB5}"/>
+                  </a:ext>
+                </a:extLst>
+              </p:cNvPr>
+              <p:cNvSpPr txBox="1"/>
+              <p:nvPr/>
+            </p:nvSpPr>
+            <p:spPr>
+              <a:xfrm>
+                <a:off x="6808625" y="1116776"/>
+                <a:ext cx="213651" cy="338512"/>
+              </a:xfrm>
+              <a:prstGeom prst="rect">
+                <a:avLst/>
+              </a:prstGeom>
+              <a:noFill/>
+            </p:spPr>
+            <p:txBody>
+              <a:bodyPr wrap="none" rtlCol="0">
+                <a:spAutoFit/>
+              </a:bodyPr>
+              <a:lstStyle/>
+              <a:p>
+                <a:r>
+                  <a:rPr lang="en-CN" sz="2704" dirty="0">
+                    <a:solidFill>
+                      <a:schemeClr val="accent1"/>
+                    </a:solidFill>
+                    <a:latin typeface="Goudy Old Style" panose="02020502050305020303" pitchFamily="18" charset="77"/>
+                    <a:cs typeface="Sathu" pitchFamily="2" charset="-34"/>
+                  </a:rPr>
+                  <a:t>y</a:t>
+                </a:r>
+              </a:p>
+            </p:txBody>
+          </p:sp>
+          <p:sp>
+            <p:nvSpPr>
+              <p:cNvPr id="141" name="TextBox 140">
+                <a:extLst>
+                  <a:ext uri="{FF2B5EF4-FFF2-40B4-BE49-F238E27FC236}">
+                    <a16:creationId xmlns:a16="http://schemas.microsoft.com/office/drawing/2014/main" id="{CE8D165B-5177-E138-5B1D-DAE4C5FACDB3}"/>
+                  </a:ext>
+                </a:extLst>
+              </p:cNvPr>
+              <p:cNvSpPr txBox="1"/>
+              <p:nvPr/>
+            </p:nvSpPr>
+            <p:spPr>
+              <a:xfrm>
+                <a:off x="8411361" y="3008559"/>
+                <a:ext cx="223255" cy="338512"/>
+              </a:xfrm>
+              <a:prstGeom prst="rect">
+                <a:avLst/>
+              </a:prstGeom>
+              <a:noFill/>
+            </p:spPr>
+            <p:txBody>
+              <a:bodyPr wrap="none" rtlCol="0">
+                <a:spAutoFit/>
+              </a:bodyPr>
+              <a:lstStyle/>
+              <a:p>
+                <a:r>
+                  <a:rPr lang="en-CN" sz="2704" dirty="0">
+                    <a:solidFill>
+                      <a:schemeClr val="accent1"/>
+                    </a:solidFill>
+                    <a:latin typeface="Goudy Old Style" panose="02020502050305020303" pitchFamily="18" charset="77"/>
+                    <a:cs typeface="Sathu" pitchFamily="2" charset="-34"/>
+                  </a:rPr>
+                  <a:t>x</a:t>
+                </a:r>
+              </a:p>
+            </p:txBody>
+          </p:sp>
+        </p:grpSp>
+        <p:cxnSp>
+          <p:nvCxnSpPr>
+            <p:cNvPr id="155" name="Straight Arrow Connector 154">
+              <a:extLst>
+                <a:ext uri="{FF2B5EF4-FFF2-40B4-BE49-F238E27FC236}">
+                  <a16:creationId xmlns:a16="http://schemas.microsoft.com/office/drawing/2014/main" id="{B727D1AD-88AA-23A3-911B-C464792ACE4B}"/>
+                </a:ext>
+              </a:extLst>
+            </p:cNvPr>
+            <p:cNvCxnSpPr>
+              <a:cxnSpLocks/>
+            </p:cNvCxnSpPr>
+            <p:nvPr/>
+          </p:nvCxnSpPr>
+          <p:spPr>
+            <a:xfrm>
+              <a:off x="28457318" y="9988885"/>
+              <a:ext cx="3588247" cy="0"/>
+            </a:xfrm>
+            <a:prstGeom prst="straightConnector1">
+              <a:avLst/>
+            </a:prstGeom>
+            <a:ln w="88900" cmpd="sng">
+              <a:solidFill>
+                <a:schemeClr val="bg1">
+                  <a:lumMod val="75000"/>
+                </a:schemeClr>
+              </a:solidFill>
+              <a:headEnd type="none" w="med" len="med"/>
+              <a:tailEnd type="triangle" w="med" len="sm"/>
+            </a:ln>
+          </p:spPr>
+          <p:style>
+            <a:lnRef idx="1">
+              <a:schemeClr val="accent1"/>
+            </a:lnRef>
+            <a:fillRef idx="0">
+              <a:schemeClr val="accent1"/>
+            </a:fillRef>
+            <a:effectRef idx="0">
+              <a:schemeClr val="accent1"/>
+            </a:effectRef>
+            <a:fontRef idx="minor">
+              <a:schemeClr val="tx1"/>
+            </a:fontRef>
+          </p:style>
+        </p:cxnSp>
+        <p:sp>
+          <p:nvSpPr>
+            <p:cNvPr id="158" name="Oval 157">
+              <a:extLst>
+                <a:ext uri="{FF2B5EF4-FFF2-40B4-BE49-F238E27FC236}">
+                  <a16:creationId xmlns:a16="http://schemas.microsoft.com/office/drawing/2014/main" id="{462E484F-849B-6DA7-FFC5-58C56FAE6B31}"/>
+                </a:ext>
+              </a:extLst>
+            </p:cNvPr>
+            <p:cNvSpPr/>
+            <p:nvPr/>
+          </p:nvSpPr>
+          <p:spPr>
+            <a:xfrm>
+              <a:off x="32218436" y="9676816"/>
+              <a:ext cx="614855" cy="614855"/>
+            </a:xfrm>
+            <a:prstGeom prst="ellipse">
+              <a:avLst/>
+            </a:prstGeom>
+            <a:ln w="38100">
+              <a:solidFill>
+                <a:schemeClr val="tx1"/>
+              </a:solidFill>
+            </a:ln>
+          </p:spPr>
+          <p:style>
+            <a:lnRef idx="2">
+              <a:schemeClr val="accent6"/>
+            </a:lnRef>
+            <a:fillRef idx="1">
+              <a:schemeClr val="lt1"/>
+            </a:fillRef>
+            <a:effectRef idx="0">
+              <a:schemeClr val="accent6"/>
+            </a:effectRef>
+            <a:fontRef idx="minor">
+              <a:schemeClr val="dk1"/>
+            </a:fontRef>
+          </p:style>
+          <p:txBody>
+            <a:bodyPr rtlCol="0" anchor="ctr"/>
+            <a:lstStyle/>
+            <a:p>
+              <a:pPr algn="ctr"/>
+              <a:r>
+                <a:rPr lang="en-US" altLang="zh-CN" sz="2400" dirty="0"/>
+                <a:t>···</a:t>
+              </a:r>
+              <a:endParaRPr lang="en-CN" sz="2400" dirty="0"/>
+            </a:p>
+          </p:txBody>
+        </p:sp>
+      </p:grpSp>
+    </p:spTree>
+    <p:extLst>
+      <p:ext uri="{BB962C8B-B14F-4D97-AF65-F5344CB8AC3E}">
+        <p14:creationId xmlns:p14="http://schemas.microsoft.com/office/powerpoint/2010/main" val="341882723"/>
+      </p:ext>
+    </p:extLst>
+  </p:cSld>
+  <p:clrMapOvr>
+    <a:masterClrMapping/>
+  </p:clrMapOvr>
+</p:sld>
+</file>
+
 <file path=ppt/theme/theme1.xml><?xml version="1.0" encoding="utf-8"?>
 <a:theme xmlns:a="http://schemas.openxmlformats.org/drawingml/2006/main" name="Office Theme">
   <a:themeElements>
